--- a/slides/code_slides.pptx
+++ b/slides/code_slides.pptx
@@ -8,6 +8,9 @@
     <p:sldId id="256" r:id="rId2"/>
     <p:sldId id="257" r:id="rId3"/>
     <p:sldId id="258" r:id="rId4"/>
+    <p:sldId id="259" r:id="rId5"/>
+    <p:sldId id="260" r:id="rId6"/>
+    <p:sldId id="261" r:id="rId7"/>
   </p:sldIdLst>
   <p:sldSz cx="9144000" cy="5143500" type="screen16x9"/>
   <p:notesSz cx="6858000" cy="9144000"/>
@@ -3174,7 +3177,7 @@
             </a:pPr>
             <a:r>
               <a:rPr/>
-              <a:t>2022-06-11</a:t>
+              <a:t>2022-06-12</a:t>
             </a:r>
           </a:p>
         </p:txBody>
@@ -3756,7 +3759,7 @@
               <a:rPr>
                 <a:latin typeface="Courier"/>
               </a:rPr>
-              <a:t>## [1] 0.4113465</a:t>
+              <a:t>## [1] 0.2015051</a:t>
             </a:r>
           </a:p>
           <a:p>
@@ -3791,17 +3794,1040 @@
 ##  Welch Two Sample t-test
 ## 
 ## data:  trt_26C and trt_8C
-## t = 2.525, df = 13.776, p-value = 0.0245
+## t = 0.8405, df = 10.991, p-value = 0.4185
 ## alternative hypothesis: true difference in means is not equal to 0
 ## 95 percent confidence interval:
-##  0.06140173 0.76129118
+##  -0.3262227  0.7292329
 ## sample estimates:
 ## mean of x mean of y 
-## 0.5352081 0.1238616</a:t>
-            </a:r>
-          </a:p>
-        </p:txBody>
-      </p:sp>
+## 0.7293553 0.5278502</a:t>
+            </a:r>
+          </a:p>
+        </p:txBody>
+      </p:sp>
+    </p:spTree>
+  </p:cSld>
+</p:sld>
+</file>
+
+<file path=ppt/slides/slide4.xml><?xml version="1.0" encoding="utf-8"?>
+<p:sld xmlns:a="http://schemas.openxmlformats.org/drawingml/2006/main" xmlns:r="http://schemas.openxmlformats.org/officeDocument/2006/relationships" xmlns:p="http://schemas.openxmlformats.org/presentationml/2006/main">
+  <p:cSld>
+    <p:spTree>
+      <p:nvGrpSpPr>
+        <p:cNvPr id="1" name=""/>
+        <p:cNvGrpSpPr/>
+        <p:nvPr/>
+      </p:nvGrpSpPr>
+      <p:grpSpPr>
+        <a:xfrm>
+          <a:off x="0" y="0"/>
+          <a:ext cx="0" cy="0"/>
+          <a:chOff x="0" y="0"/>
+          <a:chExt cx="0" cy="0"/>
+        </a:xfrm>
+      </p:grpSpPr>
+      <p:sp>
+        <p:nvSpPr>
+          <p:cNvPr id="2" name="Title 1"/>
+          <p:cNvSpPr>
+            <a:spLocks noGrp="1"/>
+          </p:cNvSpPr>
+          <p:nvPr>
+            <p:ph type="title"/>
+          </p:nvPr>
+        </p:nvSpPr>
+        <p:spPr/>
+        <p:txBody>
+          <a:bodyPr/>
+          <a:lstStyle/>
+          <a:p>
+            <a:pPr lvl="0" indent="0" marL="0">
+              <a:buNone/>
+            </a:pPr>
+            <a:r>
+              <a:rPr/>
+              <a:t>Do 1000s of experiments</a:t>
+            </a:r>
+          </a:p>
+        </p:txBody>
+      </p:sp>
+      <p:sp>
+        <p:nvSpPr>
+          <p:cNvPr id="3" name="Content Placeholder 2"/>
+          <p:cNvSpPr>
+            <a:spLocks noGrp="1"/>
+          </p:cNvSpPr>
+          <p:nvPr>
+            <p:ph idx="1"/>
+          </p:nvPr>
+        </p:nvSpPr>
+        <p:spPr/>
+        <p:txBody>
+          <a:bodyPr/>
+          <a:lstStyle/>
+          <a:p>
+            <a:pPr lvl="0" indent="0">
+              <a:buNone/>
+            </a:pPr>
+            <a:r>
+              <a:rPr>
+                <a:latin typeface="Courier"/>
+              </a:rPr>
+              <a:t>experiment </a:t>
+            </a:r>
+            <a:r>
+              <a:rPr>
+                <a:solidFill>
+                  <a:srgbClr val="007020"/>
+                </a:solidFill>
+                <a:latin typeface="Courier"/>
+              </a:rPr>
+              <a:t>&lt;-</a:t>
+            </a:r>
+            <a:r>
+              <a:rPr>
+                <a:latin typeface="Courier"/>
+              </a:rPr>
+              <a:t> </a:t>
+            </a:r>
+            <a:r>
+              <a:rPr b="1">
+                <a:solidFill>
+                  <a:srgbClr val="007020"/>
+                </a:solidFill>
+                <a:latin typeface="Courier"/>
+              </a:rPr>
+              <a:t>function</a:t>
+            </a:r>
+            <a:r>
+              <a:rPr>
+                <a:latin typeface="Courier"/>
+              </a:rPr>
+              <a:t>(times) {</a:t>
+            </a:r>
+            <a:br/>
+            <a:br/>
+            <a:r>
+              <a:rPr>
+                <a:latin typeface="Courier"/>
+              </a:rPr>
+              <a:t>    dat </a:t>
+            </a:r>
+            <a:r>
+              <a:rPr>
+                <a:solidFill>
+                  <a:srgbClr val="007020"/>
+                </a:solidFill>
+                <a:latin typeface="Courier"/>
+              </a:rPr>
+              <a:t>&lt;-</a:t>
+            </a:r>
+            <a:r>
+              <a:rPr>
+                <a:latin typeface="Courier"/>
+              </a:rPr>
+              <a:t> </a:t>
+            </a:r>
+            <a:r>
+              <a:rPr>
+                <a:solidFill>
+                  <a:srgbClr val="06287E"/>
+                </a:solidFill>
+                <a:latin typeface="Courier"/>
+              </a:rPr>
+              <a:t>data.frame</a:t>
+            </a:r>
+            <a:r>
+              <a:rPr>
+                <a:latin typeface="Courier"/>
+              </a:rPr>
+              <a:t>(</a:t>
+            </a:r>
+            <a:r>
+              <a:rPr>
+                <a:solidFill>
+                  <a:srgbClr val="06287E"/>
+                </a:solidFill>
+                <a:latin typeface="Courier"/>
+              </a:rPr>
+              <a:t>matrix</a:t>
+            </a:r>
+            <a:r>
+              <a:rPr>
+                <a:latin typeface="Courier"/>
+              </a:rPr>
+              <a:t>(</a:t>
+            </a:r>
+            <a:r>
+              <a:rPr>
+                <a:solidFill>
+                  <a:srgbClr val="7D9029"/>
+                </a:solidFill>
+                <a:latin typeface="Courier"/>
+              </a:rPr>
+              <a:t>nrow =</a:t>
+            </a:r>
+            <a:r>
+              <a:rPr>
+                <a:latin typeface="Courier"/>
+              </a:rPr>
+              <a:t> times, </a:t>
+            </a:r>
+            <a:r>
+              <a:rPr>
+                <a:solidFill>
+                  <a:srgbClr val="7D9029"/>
+                </a:solidFill>
+                <a:latin typeface="Courier"/>
+              </a:rPr>
+              <a:t>ncol =</a:t>
+            </a:r>
+            <a:r>
+              <a:rPr>
+                <a:latin typeface="Courier"/>
+              </a:rPr>
+              <a:t> </a:t>
+            </a:r>
+            <a:r>
+              <a:rPr>
+                <a:solidFill>
+                  <a:srgbClr val="40A070"/>
+                </a:solidFill>
+                <a:latin typeface="Courier"/>
+              </a:rPr>
+              <a:t>2</a:t>
+            </a:r>
+            <a:r>
+              <a:rPr>
+                <a:latin typeface="Courier"/>
+              </a:rPr>
+              <a:t>))</a:t>
+            </a:r>
+            <a:br/>
+            <a:br/>
+            <a:r>
+              <a:rPr>
+                <a:latin typeface="Courier"/>
+              </a:rPr>
+              <a:t>    </a:t>
+            </a:r>
+            <a:r>
+              <a:rPr b="1">
+                <a:solidFill>
+                  <a:srgbClr val="007020"/>
+                </a:solidFill>
+                <a:latin typeface="Courier"/>
+              </a:rPr>
+              <a:t>for</a:t>
+            </a:r>
+            <a:r>
+              <a:rPr>
+                <a:latin typeface="Courier"/>
+              </a:rPr>
+              <a:t> (i </a:t>
+            </a:r>
+            <a:r>
+              <a:rPr b="1">
+                <a:solidFill>
+                  <a:srgbClr val="007020"/>
+                </a:solidFill>
+                <a:latin typeface="Courier"/>
+              </a:rPr>
+              <a:t>in</a:t>
+            </a:r>
+            <a:r>
+              <a:rPr>
+                <a:latin typeface="Courier"/>
+              </a:rPr>
+              <a:t> </a:t>
+            </a:r>
+            <a:r>
+              <a:rPr>
+                <a:solidFill>
+                  <a:srgbClr val="40A070"/>
+                </a:solidFill>
+                <a:latin typeface="Courier"/>
+              </a:rPr>
+              <a:t>1</a:t>
+            </a:r>
+            <a:r>
+              <a:rPr>
+                <a:solidFill>
+                  <a:srgbClr val="4070A0"/>
+                </a:solidFill>
+                <a:latin typeface="Courier"/>
+              </a:rPr>
+              <a:t>:</a:t>
+            </a:r>
+            <a:r>
+              <a:rPr>
+                <a:latin typeface="Courier"/>
+              </a:rPr>
+              <a:t>times) {</a:t>
+            </a:r>
+            <a:br/>
+            <a:r>
+              <a:rPr>
+                <a:latin typeface="Courier"/>
+              </a:rPr>
+              <a:t>        </a:t>
+            </a:r>
+            <a:r>
+              <a:rPr i="1">
+                <a:solidFill>
+                  <a:srgbClr val="60A0B0"/>
+                </a:solidFill>
+                <a:latin typeface="Courier"/>
+              </a:rPr>
+              <a:t># LDH activity in 8 C treatment</a:t>
+            </a:r>
+            <a:br/>
+            <a:r>
+              <a:rPr>
+                <a:latin typeface="Courier"/>
+              </a:rPr>
+              <a:t>        trt_8C </a:t>
+            </a:r>
+            <a:r>
+              <a:rPr>
+                <a:solidFill>
+                  <a:srgbClr val="007020"/>
+                </a:solidFill>
+                <a:latin typeface="Courier"/>
+              </a:rPr>
+              <a:t>&lt;-</a:t>
+            </a:r>
+            <a:r>
+              <a:rPr>
+                <a:latin typeface="Courier"/>
+              </a:rPr>
+              <a:t> </a:t>
+            </a:r>
+            <a:r>
+              <a:rPr>
+                <a:solidFill>
+                  <a:srgbClr val="06287E"/>
+                </a:solidFill>
+                <a:latin typeface="Courier"/>
+              </a:rPr>
+              <a:t>rnorm</a:t>
+            </a:r>
+            <a:r>
+              <a:rPr>
+                <a:latin typeface="Courier"/>
+              </a:rPr>
+              <a:t>(</a:t>
+            </a:r>
+            <a:r>
+              <a:rPr>
+                <a:solidFill>
+                  <a:srgbClr val="40A070"/>
+                </a:solidFill>
+                <a:latin typeface="Courier"/>
+              </a:rPr>
+              <a:t>10</a:t>
+            </a:r>
+            <a:r>
+              <a:rPr>
+                <a:latin typeface="Courier"/>
+              </a:rPr>
+              <a:t>, </a:t>
+            </a:r>
+            <a:r>
+              <a:rPr>
+                <a:solidFill>
+                  <a:srgbClr val="40A070"/>
+                </a:solidFill>
+                <a:latin typeface="Courier"/>
+              </a:rPr>
+              <a:t>0.4</a:t>
+            </a:r>
+            <a:r>
+              <a:rPr>
+                <a:latin typeface="Courier"/>
+              </a:rPr>
+              <a:t>, </a:t>
+            </a:r>
+            <a:r>
+              <a:rPr>
+                <a:solidFill>
+                  <a:srgbClr val="40A070"/>
+                </a:solidFill>
+                <a:latin typeface="Courier"/>
+              </a:rPr>
+              <a:t>0.5</a:t>
+            </a:r>
+            <a:r>
+              <a:rPr>
+                <a:latin typeface="Courier"/>
+              </a:rPr>
+              <a:t>)</a:t>
+            </a:r>
+            <a:br/>
+            <a:br/>
+            <a:r>
+              <a:rPr>
+                <a:latin typeface="Courier"/>
+              </a:rPr>
+              <a:t>        </a:t>
+            </a:r>
+            <a:r>
+              <a:rPr i="1">
+                <a:solidFill>
+                  <a:srgbClr val="60A0B0"/>
+                </a:solidFill>
+                <a:latin typeface="Courier"/>
+              </a:rPr>
+              <a:t># LDH activity in 26 C treatment</a:t>
+            </a:r>
+            <a:br/>
+            <a:r>
+              <a:rPr>
+                <a:latin typeface="Courier"/>
+              </a:rPr>
+              <a:t>        trt_26C </a:t>
+            </a:r>
+            <a:r>
+              <a:rPr>
+                <a:solidFill>
+                  <a:srgbClr val="007020"/>
+                </a:solidFill>
+                <a:latin typeface="Courier"/>
+              </a:rPr>
+              <a:t>&lt;-</a:t>
+            </a:r>
+            <a:r>
+              <a:rPr>
+                <a:latin typeface="Courier"/>
+              </a:rPr>
+              <a:t> </a:t>
+            </a:r>
+            <a:r>
+              <a:rPr>
+                <a:solidFill>
+                  <a:srgbClr val="06287E"/>
+                </a:solidFill>
+                <a:latin typeface="Courier"/>
+              </a:rPr>
+              <a:t>rnorm</a:t>
+            </a:r>
+            <a:r>
+              <a:rPr>
+                <a:latin typeface="Courier"/>
+              </a:rPr>
+              <a:t>(</a:t>
+            </a:r>
+            <a:r>
+              <a:rPr>
+                <a:solidFill>
+                  <a:srgbClr val="40A070"/>
+                </a:solidFill>
+                <a:latin typeface="Courier"/>
+              </a:rPr>
+              <a:t>10</a:t>
+            </a:r>
+            <a:r>
+              <a:rPr>
+                <a:latin typeface="Courier"/>
+              </a:rPr>
+              <a:t>, </a:t>
+            </a:r>
+            <a:r>
+              <a:rPr>
+                <a:solidFill>
+                  <a:srgbClr val="40A070"/>
+                </a:solidFill>
+                <a:latin typeface="Courier"/>
+              </a:rPr>
+              <a:t>0.6</a:t>
+            </a:r>
+            <a:r>
+              <a:rPr>
+                <a:latin typeface="Courier"/>
+              </a:rPr>
+              <a:t>, </a:t>
+            </a:r>
+            <a:r>
+              <a:rPr>
+                <a:solidFill>
+                  <a:srgbClr val="40A070"/>
+                </a:solidFill>
+                <a:latin typeface="Courier"/>
+              </a:rPr>
+              <a:t>0.2</a:t>
+            </a:r>
+            <a:r>
+              <a:rPr>
+                <a:latin typeface="Courier"/>
+              </a:rPr>
+              <a:t>)</a:t>
+            </a:r>
+            <a:br/>
+            <a:br/>
+            <a:r>
+              <a:rPr>
+                <a:latin typeface="Courier"/>
+              </a:rPr>
+              <a:t>        </a:t>
+            </a:r>
+            <a:r>
+              <a:rPr i="1">
+                <a:solidFill>
+                  <a:srgbClr val="60A0B0"/>
+                </a:solidFill>
+                <a:latin typeface="Courier"/>
+              </a:rPr>
+              <a:t># What's the difference, i.e., effect size, between treatments?</a:t>
+            </a:r>
+            <a:br/>
+            <a:r>
+              <a:rPr>
+                <a:latin typeface="Courier"/>
+              </a:rPr>
+              <a:t>        dat[i, </a:t>
+            </a:r>
+            <a:r>
+              <a:rPr>
+                <a:solidFill>
+                  <a:srgbClr val="40A070"/>
+                </a:solidFill>
+                <a:latin typeface="Courier"/>
+              </a:rPr>
+              <a:t>1</a:t>
+            </a:r>
+            <a:r>
+              <a:rPr>
+                <a:latin typeface="Courier"/>
+              </a:rPr>
+              <a:t>] </a:t>
+            </a:r>
+            <a:r>
+              <a:rPr>
+                <a:solidFill>
+                  <a:srgbClr val="007020"/>
+                </a:solidFill>
+                <a:latin typeface="Courier"/>
+              </a:rPr>
+              <a:t>&lt;-</a:t>
+            </a:r>
+            <a:r>
+              <a:rPr>
+                <a:latin typeface="Courier"/>
+              </a:rPr>
+              <a:t> </a:t>
+            </a:r>
+            <a:r>
+              <a:rPr>
+                <a:solidFill>
+                  <a:srgbClr val="06287E"/>
+                </a:solidFill>
+                <a:latin typeface="Courier"/>
+              </a:rPr>
+              <a:t>mean</a:t>
+            </a:r>
+            <a:r>
+              <a:rPr>
+                <a:latin typeface="Courier"/>
+              </a:rPr>
+              <a:t>(trt_26C </a:t>
+            </a:r>
+            <a:r>
+              <a:rPr>
+                <a:solidFill>
+                  <a:srgbClr val="4070A0"/>
+                </a:solidFill>
+                <a:latin typeface="Courier"/>
+              </a:rPr>
+              <a:t>-</a:t>
+            </a:r>
+            <a:r>
+              <a:rPr>
+                <a:latin typeface="Courier"/>
+              </a:rPr>
+              <a:t> trt_8C)</a:t>
+            </a:r>
+            <a:br/>
+            <a:r>
+              <a:rPr>
+                <a:latin typeface="Courier"/>
+              </a:rPr>
+              <a:t>        dat[i, </a:t>
+            </a:r>
+            <a:r>
+              <a:rPr>
+                <a:solidFill>
+                  <a:srgbClr val="40A070"/>
+                </a:solidFill>
+                <a:latin typeface="Courier"/>
+              </a:rPr>
+              <a:t>2</a:t>
+            </a:r>
+            <a:r>
+              <a:rPr>
+                <a:latin typeface="Courier"/>
+              </a:rPr>
+              <a:t>] </a:t>
+            </a:r>
+            <a:r>
+              <a:rPr>
+                <a:solidFill>
+                  <a:srgbClr val="007020"/>
+                </a:solidFill>
+                <a:latin typeface="Courier"/>
+              </a:rPr>
+              <a:t>&lt;-</a:t>
+            </a:r>
+            <a:r>
+              <a:rPr>
+                <a:latin typeface="Courier"/>
+              </a:rPr>
+              <a:t> </a:t>
+            </a:r>
+            <a:r>
+              <a:rPr>
+                <a:solidFill>
+                  <a:srgbClr val="06287E"/>
+                </a:solidFill>
+                <a:latin typeface="Courier"/>
+              </a:rPr>
+              <a:t>t.test</a:t>
+            </a:r>
+            <a:r>
+              <a:rPr>
+                <a:latin typeface="Courier"/>
+              </a:rPr>
+              <a:t>(trt_26C, trt_8C)</a:t>
+            </a:r>
+            <a:r>
+              <a:rPr>
+                <a:solidFill>
+                  <a:srgbClr val="4070A0"/>
+                </a:solidFill>
+                <a:latin typeface="Courier"/>
+              </a:rPr>
+              <a:t>$</a:t>
+            </a:r>
+            <a:r>
+              <a:rPr>
+                <a:latin typeface="Courier"/>
+              </a:rPr>
+              <a:t>p.value</a:t>
+            </a:r>
+            <a:br/>
+            <a:br/>
+            <a:r>
+              <a:rPr>
+                <a:latin typeface="Courier"/>
+              </a:rPr>
+              <a:t>    }</a:t>
+            </a:r>
+            <a:br/>
+            <a:r>
+              <a:rPr>
+                <a:latin typeface="Courier"/>
+              </a:rPr>
+              <a:t>    </a:t>
+            </a:r>
+            <a:r>
+              <a:rPr>
+                <a:solidFill>
+                  <a:srgbClr val="06287E"/>
+                </a:solidFill>
+                <a:latin typeface="Courier"/>
+              </a:rPr>
+              <a:t>names</a:t>
+            </a:r>
+            <a:r>
+              <a:rPr>
+                <a:latin typeface="Courier"/>
+              </a:rPr>
+              <a:t>(dat) </a:t>
+            </a:r>
+            <a:r>
+              <a:rPr>
+                <a:solidFill>
+                  <a:srgbClr val="007020"/>
+                </a:solidFill>
+                <a:latin typeface="Courier"/>
+              </a:rPr>
+              <a:t>&lt;-</a:t>
+            </a:r>
+            <a:r>
+              <a:rPr>
+                <a:latin typeface="Courier"/>
+              </a:rPr>
+              <a:t> </a:t>
+            </a:r>
+            <a:r>
+              <a:rPr>
+                <a:solidFill>
+                  <a:srgbClr val="06287E"/>
+                </a:solidFill>
+                <a:latin typeface="Courier"/>
+              </a:rPr>
+              <a:t>c</a:t>
+            </a:r>
+            <a:r>
+              <a:rPr>
+                <a:latin typeface="Courier"/>
+              </a:rPr>
+              <a:t>(</a:t>
+            </a:r>
+            <a:r>
+              <a:rPr>
+                <a:solidFill>
+                  <a:srgbClr val="4070A0"/>
+                </a:solidFill>
+                <a:latin typeface="Courier"/>
+              </a:rPr>
+              <a:t>"effect"</a:t>
+            </a:r>
+            <a:r>
+              <a:rPr>
+                <a:latin typeface="Courier"/>
+              </a:rPr>
+              <a:t>, </a:t>
+            </a:r>
+            <a:r>
+              <a:rPr>
+                <a:solidFill>
+                  <a:srgbClr val="4070A0"/>
+                </a:solidFill>
+                <a:latin typeface="Courier"/>
+              </a:rPr>
+              <a:t>"p"</a:t>
+            </a:r>
+            <a:r>
+              <a:rPr>
+                <a:latin typeface="Courier"/>
+              </a:rPr>
+              <a:t>)</a:t>
+            </a:r>
+            <a:br/>
+            <a:r>
+              <a:rPr>
+                <a:latin typeface="Courier"/>
+              </a:rPr>
+              <a:t>    </a:t>
+            </a:r>
+            <a:r>
+              <a:rPr>
+                <a:solidFill>
+                  <a:srgbClr val="06287E"/>
+                </a:solidFill>
+                <a:latin typeface="Courier"/>
+              </a:rPr>
+              <a:t>return</a:t>
+            </a:r>
+            <a:r>
+              <a:rPr>
+                <a:latin typeface="Courier"/>
+              </a:rPr>
+              <a:t>(dat)</a:t>
+            </a:r>
+            <a:br/>
+            <a:r>
+              <a:rPr>
+                <a:latin typeface="Courier"/>
+              </a:rPr>
+              <a:t>}</a:t>
+            </a:r>
+            <a:br/>
+            <a:br/>
+            <a:r>
+              <a:rPr>
+                <a:latin typeface="Courier"/>
+              </a:rPr>
+              <a:t>expts </a:t>
+            </a:r>
+            <a:r>
+              <a:rPr>
+                <a:solidFill>
+                  <a:srgbClr val="007020"/>
+                </a:solidFill>
+                <a:latin typeface="Courier"/>
+              </a:rPr>
+              <a:t>&lt;-</a:t>
+            </a:r>
+            <a:r>
+              <a:rPr>
+                <a:latin typeface="Courier"/>
+              </a:rPr>
+              <a:t> </a:t>
+            </a:r>
+            <a:r>
+              <a:rPr>
+                <a:solidFill>
+                  <a:srgbClr val="06287E"/>
+                </a:solidFill>
+                <a:latin typeface="Courier"/>
+              </a:rPr>
+              <a:t>experiment</a:t>
+            </a:r>
+            <a:r>
+              <a:rPr>
+                <a:latin typeface="Courier"/>
+              </a:rPr>
+              <a:t>(</a:t>
+            </a:r>
+            <a:r>
+              <a:rPr>
+                <a:solidFill>
+                  <a:srgbClr val="40A070"/>
+                </a:solidFill>
+                <a:latin typeface="Courier"/>
+              </a:rPr>
+              <a:t>10000</a:t>
+            </a:r>
+            <a:r>
+              <a:rPr>
+                <a:latin typeface="Courier"/>
+              </a:rPr>
+              <a:t>)</a:t>
+            </a:r>
+          </a:p>
+        </p:txBody>
+      </p:sp>
+    </p:spTree>
+  </p:cSld>
+</p:sld>
+</file>
+
+<file path=ppt/slides/slide5.xml><?xml version="1.0" encoding="utf-8"?>
+<p:sld xmlns:a="http://schemas.openxmlformats.org/drawingml/2006/main" xmlns:r="http://schemas.openxmlformats.org/officeDocument/2006/relationships" xmlns:p="http://schemas.openxmlformats.org/presentationml/2006/main">
+  <p:cSld>
+    <p:spTree>
+      <p:nvGrpSpPr>
+        <p:cNvPr id="1" name=""/>
+        <p:cNvGrpSpPr/>
+        <p:nvPr/>
+      </p:nvGrpSpPr>
+      <p:grpSpPr>
+        <a:xfrm>
+          <a:off x="0" y="0"/>
+          <a:ext cx="0" cy="0"/>
+          <a:chOff x="0" y="0"/>
+          <a:chExt cx="0" cy="0"/>
+        </a:xfrm>
+      </p:grpSpPr>
+      <p:sp>
+        <p:nvSpPr>
+          <p:cNvPr id="2" name="Title 1"/>
+          <p:cNvSpPr>
+            <a:spLocks noGrp="1"/>
+          </p:cNvSpPr>
+          <p:nvPr>
+            <p:ph type="title"/>
+          </p:nvPr>
+        </p:nvSpPr>
+        <p:spPr/>
+        <p:txBody>
+          <a:bodyPr/>
+          <a:lstStyle/>
+          <a:p>
+            <a:pPr lvl="0" indent="0" marL="0">
+              <a:buNone/>
+            </a:pPr>
+            <a:r>
+              <a:rPr/>
+              <a:t>Figure</a:t>
+            </a:r>
+          </a:p>
+        </p:txBody>
+      </p:sp>
+      <p:pic>
+        <p:nvPicPr>
+          <p:cNvPr descr="code_slides_files/figure-pptx/simfig-1.png" id="0" name="Picture 1"/>
+          <p:cNvPicPr>
+            <a:picLocks noGrp="1" noChangeAspect="1"/>
+          </p:cNvPicPr>
+          <p:nvPr/>
+        </p:nvPicPr>
+        <p:blipFill>
+          <a:blip r:embed="rId2"/>
+          <a:stretch>
+            <a:fillRect/>
+          </a:stretch>
+        </p:blipFill>
+        <p:spPr bwMode="auto">
+          <a:xfrm>
+            <a:off x="2451100" y="1193800"/>
+            <a:ext cx="4241800" cy="3390900"/>
+          </a:xfrm>
+          <a:prstGeom prst="rect">
+            <a:avLst/>
+          </a:prstGeom>
+          <a:noFill/>
+          <a:ln w="9525">
+            <a:noFill/>
+            <a:headEnd/>
+            <a:tailEnd/>
+          </a:ln>
+        </p:spPr>
+      </p:pic>
+    </p:spTree>
+  </p:cSld>
+</p:sld>
+</file>
+
+<file path=ppt/slides/slide6.xml><?xml version="1.0" encoding="utf-8"?>
+<p:sld xmlns:a="http://schemas.openxmlformats.org/drawingml/2006/main" xmlns:r="http://schemas.openxmlformats.org/officeDocument/2006/relationships" xmlns:p="http://schemas.openxmlformats.org/presentationml/2006/main">
+  <p:cSld>
+    <p:spTree>
+      <p:nvGrpSpPr>
+        <p:cNvPr id="1" name=""/>
+        <p:cNvGrpSpPr/>
+        <p:nvPr/>
+      </p:nvGrpSpPr>
+      <p:grpSpPr>
+        <a:xfrm>
+          <a:off x="0" y="0"/>
+          <a:ext cx="0" cy="0"/>
+          <a:chOff x="0" y="0"/>
+          <a:chExt cx="0" cy="0"/>
+        </a:xfrm>
+      </p:grpSpPr>
+      <p:sp>
+        <p:nvSpPr>
+          <p:cNvPr id="2" name="Title 1"/>
+          <p:cNvSpPr>
+            <a:spLocks noGrp="1"/>
+          </p:cNvSpPr>
+          <p:nvPr>
+            <p:ph type="title"/>
+          </p:nvPr>
+        </p:nvSpPr>
+        <p:spPr/>
+        <p:txBody>
+          <a:bodyPr/>
+          <a:lstStyle/>
+          <a:p>
+            <a:pPr lvl="0" indent="0" marL="0">
+              <a:buNone/>
+            </a:pPr>
+            <a:r>
+              <a:rPr/>
+              <a:t>errors</a:t>
+            </a:r>
+          </a:p>
+        </p:txBody>
+      </p:sp>
+      <mc:AlternateContent xmlns:mc="http://schemas.openxmlformats.org/markup-compatibility/2006">
+        <mc:Choice xmlns:a14="http://schemas.microsoft.com/office/drawing/2010/main" Requires="a14">
+          <p:sp>
+            <p:nvSpPr>
+              <p:cNvPr id="3" name="Content Placeholder 2"/>
+              <p:cNvSpPr>
+                <a:spLocks noGrp="1"/>
+              </p:cNvSpPr>
+              <p:nvPr>
+                <p:ph idx="1"/>
+              </p:nvPr>
+            </p:nvSpPr>
+            <p:spPr/>
+            <p:txBody>
+              <a:bodyPr/>
+              <a:lstStyle/>
+              <a:p>
+                <a:pPr lvl="0" indent="0" marL="0">
+                  <a:buNone/>
+                </a:pPr>
+                <a14:m>
+                  <m:oMathPara xmlns:m="http://schemas.openxmlformats.org/officeDocument/2006/math">
+                    <m:oMathParaPr>
+                      <m:jc m:val="center"/>
+                    </m:oMathParaPr>
+                    <m:oMath>
+                      <m:r>
+                        <m:t>S</m:t>
+                      </m:r>
+                      <m:r>
+                        <m:t>E</m:t>
+                      </m:r>
+                      <m:r>
+                        <m:rPr>
+                          <m:sty m:val="p"/>
+                        </m:rPr>
+                        <m:t>=</m:t>
+                      </m:r>
+                      <m:r>
+                        <m:t>S</m:t>
+                      </m:r>
+                      <m:r>
+                        <m:t>D</m:t>
+                      </m:r>
+                      <m:r>
+                        <m:rPr>
+                          <m:sty m:val="p"/>
+                        </m:rPr>
+                        <m:t>/</m:t>
+                      </m:r>
+                      <m:rad>
+                        <m:radPr>
+                          <m:degHide m:val="1"/>
+                        </m:radPr>
+                        <m:deg/>
+                        <m:e>
+                          <m:r>
+                            <m:t>N</m:t>
+                          </m:r>
+                        </m:e>
+                      </m:rad>
+                    </m:oMath>
+                  </m:oMathPara>
+                </a14:m>
+              </a:p>
+              <a:p>
+                <a:pPr lvl="0" indent="0">
+                  <a:buNone/>
+                </a:pPr>
+                <a:r>
+                  <a:rPr>
+                    <a:solidFill>
+                      <a:srgbClr val="06287E"/>
+                    </a:solidFill>
+                    <a:latin typeface="Courier"/>
+                  </a:rPr>
+                  <a:t>sd</a:t>
+                </a:r>
+                <a:r>
+                  <a:rPr>
+                    <a:latin typeface="Courier"/>
+                  </a:rPr>
+                  <a:t>(expts</a:t>
+                </a:r>
+                <a:r>
+                  <a:rPr>
+                    <a:solidFill>
+                      <a:srgbClr val="4070A0"/>
+                    </a:solidFill>
+                    <a:latin typeface="Courier"/>
+                  </a:rPr>
+                  <a:t>$</a:t>
+                </a:r>
+                <a:r>
+                  <a:rPr>
+                    <a:latin typeface="Courier"/>
+                  </a:rPr>
+                  <a:t>effect)</a:t>
+                </a:r>
+              </a:p>
+              <a:p>
+                <a:pPr lvl="0" indent="0">
+                  <a:buNone/>
+                </a:pPr>
+                <a:r>
+                  <a:rPr>
+                    <a:latin typeface="Courier"/>
+                  </a:rPr>
+                  <a:t>## [1] 0.1728306</a:t>
+                </a:r>
+              </a:p>
+            </p:txBody>
+          </p:sp>
+        </mc:Choice>
+      </mc:AlternateContent>
     </p:spTree>
   </p:cSld>
 </p:sld>

--- a/slides/code_slides.pptx
+++ b/slides/code_slides.pptx
@@ -11,6 +11,9 @@
     <p:sldId id="259" r:id="rId5"/>
     <p:sldId id="260" r:id="rId6"/>
     <p:sldId id="261" r:id="rId7"/>
+    <p:sldId id="262" r:id="rId8"/>
+    <p:sldId id="263" r:id="rId9"/>
+    <p:sldId id="264" r:id="rId10"/>
   </p:sldIdLst>
   <p:sldSz cx="9144000" cy="5143500" type="screen16x9"/>
   <p:notesSz cx="6858000" cy="9144000"/>
@@ -3759,7 +3762,7 @@
               <a:rPr>
                 <a:latin typeface="Courier"/>
               </a:rPr>
-              <a:t>## [1] 0.2015051</a:t>
+              <a:t>## [1] 0.07522093</a:t>
             </a:r>
           </a:p>
           <a:p>
@@ -3794,13 +3797,13 @@
 ##  Welch Two Sample t-test
 ## 
 ## data:  trt_26C and trt_8C
-## t = 0.8405, df = 10.991, p-value = 0.4185
+## t = 0.48302, df = 11.994, p-value = 0.6378
 ## alternative hypothesis: true difference in means is not equal to 0
 ## 95 percent confidence interval:
-##  -0.3262227  0.7292329
+##  -0.2641075  0.4145493
 ## sample estimates:
 ## mean of x mean of y 
-## 0.7293553 0.5278502</a:t>
+## 0.5368183 0.4615974</a:t>
             </a:r>
           </a:p>
         </p:txBody>
@@ -4821,13 +4824,797 @@
                   <a:rPr>
                     <a:latin typeface="Courier"/>
                   </a:rPr>
-                  <a:t>## [1] 0.1728306</a:t>
+                  <a:t>## [1] 0.173429</a:t>
                 </a:r>
               </a:p>
             </p:txBody>
           </p:sp>
         </mc:Choice>
       </mc:AlternateContent>
+    </p:spTree>
+  </p:cSld>
+</p:sld>
+</file>
+
+<file path=ppt/slides/slide7.xml><?xml version="1.0" encoding="utf-8"?>
+<p:sld xmlns:a="http://schemas.openxmlformats.org/drawingml/2006/main" xmlns:r="http://schemas.openxmlformats.org/officeDocument/2006/relationships" xmlns:p="http://schemas.openxmlformats.org/presentationml/2006/main">
+  <p:cSld>
+    <p:spTree>
+      <p:nvGrpSpPr>
+        <p:cNvPr id="1" name=""/>
+        <p:cNvGrpSpPr/>
+        <p:nvPr/>
+      </p:nvGrpSpPr>
+      <p:grpSpPr>
+        <a:xfrm>
+          <a:off x="0" y="0"/>
+          <a:ext cx="0" cy="0"/>
+          <a:chOff x="0" y="0"/>
+          <a:chExt cx="0" cy="0"/>
+        </a:xfrm>
+      </p:grpSpPr>
+      <p:sp>
+        <p:nvSpPr>
+          <p:cNvPr id="2" name="Title 1"/>
+          <p:cNvSpPr>
+            <a:spLocks noGrp="1"/>
+          </p:cNvSpPr>
+          <p:nvPr>
+            <p:ph type="title"/>
+          </p:nvPr>
+        </p:nvSpPr>
+        <p:spPr/>
+        <p:txBody>
+          <a:bodyPr/>
+          <a:lstStyle/>
+          <a:p>
+            <a:pPr lvl="0" indent="0" marL="0">
+              <a:buNone/>
+            </a:pPr>
+            <a:r>
+              <a:rPr/>
+              <a:t>se</a:t>
+            </a:r>
+          </a:p>
+        </p:txBody>
+      </p:sp>
+      <p:sp>
+        <p:nvSpPr>
+          <p:cNvPr id="3" name="Content Placeholder 2"/>
+          <p:cNvSpPr>
+            <a:spLocks noGrp="1"/>
+          </p:cNvSpPr>
+          <p:nvPr>
+            <p:ph idx="1"/>
+          </p:nvPr>
+        </p:nvSpPr>
+        <p:spPr/>
+        <p:txBody>
+          <a:bodyPr/>
+          <a:lstStyle/>
+          <a:p>
+            <a:pPr lvl="0" indent="0">
+              <a:buNone/>
+            </a:pPr>
+            <a:r>
+              <a:rPr>
+                <a:latin typeface="Courier"/>
+              </a:rPr>
+              <a:t>means </a:t>
+            </a:r>
+            <a:r>
+              <a:rPr>
+                <a:solidFill>
+                  <a:srgbClr val="007020"/>
+                </a:solidFill>
+                <a:latin typeface="Courier"/>
+              </a:rPr>
+              <a:t>&lt;-</a:t>
+            </a:r>
+            <a:r>
+              <a:rPr>
+                <a:latin typeface="Courier"/>
+              </a:rPr>
+              <a:t> </a:t>
+            </a:r>
+            <a:r>
+              <a:rPr>
+                <a:solidFill>
+                  <a:srgbClr val="06287E"/>
+                </a:solidFill>
+                <a:latin typeface="Courier"/>
+              </a:rPr>
+              <a:t>c</a:t>
+            </a:r>
+            <a:r>
+              <a:rPr>
+                <a:latin typeface="Courier"/>
+              </a:rPr>
+              <a:t>()</a:t>
+            </a:r>
+            <a:br/>
+            <a:br/>
+            <a:r>
+              <a:rPr b="1">
+                <a:solidFill>
+                  <a:srgbClr val="007020"/>
+                </a:solidFill>
+                <a:latin typeface="Courier"/>
+              </a:rPr>
+              <a:t>for</a:t>
+            </a:r>
+            <a:r>
+              <a:rPr>
+                <a:latin typeface="Courier"/>
+              </a:rPr>
+              <a:t> (i </a:t>
+            </a:r>
+            <a:r>
+              <a:rPr b="1">
+                <a:solidFill>
+                  <a:srgbClr val="007020"/>
+                </a:solidFill>
+                <a:latin typeface="Courier"/>
+              </a:rPr>
+              <a:t>in</a:t>
+            </a:r>
+            <a:r>
+              <a:rPr>
+                <a:latin typeface="Courier"/>
+              </a:rPr>
+              <a:t> </a:t>
+            </a:r>
+            <a:r>
+              <a:rPr>
+                <a:solidFill>
+                  <a:srgbClr val="40A070"/>
+                </a:solidFill>
+                <a:latin typeface="Courier"/>
+              </a:rPr>
+              <a:t>1</a:t>
+            </a:r>
+            <a:r>
+              <a:rPr>
+                <a:solidFill>
+                  <a:srgbClr val="4070A0"/>
+                </a:solidFill>
+                <a:latin typeface="Courier"/>
+              </a:rPr>
+              <a:t>:</a:t>
+            </a:r>
+            <a:r>
+              <a:rPr>
+                <a:solidFill>
+                  <a:srgbClr val="40A070"/>
+                </a:solidFill>
+                <a:latin typeface="Courier"/>
+              </a:rPr>
+              <a:t>1e+06</a:t>
+            </a:r>
+            <a:r>
+              <a:rPr>
+                <a:latin typeface="Courier"/>
+              </a:rPr>
+              <a:t>) {</a:t>
+            </a:r>
+            <a:br/>
+            <a:r>
+              <a:rPr>
+                <a:latin typeface="Courier"/>
+              </a:rPr>
+              <a:t>    mass </a:t>
+            </a:r>
+            <a:r>
+              <a:rPr>
+                <a:solidFill>
+                  <a:srgbClr val="007020"/>
+                </a:solidFill>
+                <a:latin typeface="Courier"/>
+              </a:rPr>
+              <a:t>&lt;-</a:t>
+            </a:r>
+            <a:r>
+              <a:rPr>
+                <a:latin typeface="Courier"/>
+              </a:rPr>
+              <a:t> </a:t>
+            </a:r>
+            <a:r>
+              <a:rPr>
+                <a:solidFill>
+                  <a:srgbClr val="06287E"/>
+                </a:solidFill>
+                <a:latin typeface="Courier"/>
+              </a:rPr>
+              <a:t>rnorm</a:t>
+            </a:r>
+            <a:r>
+              <a:rPr>
+                <a:latin typeface="Courier"/>
+              </a:rPr>
+              <a:t>(</a:t>
+            </a:r>
+            <a:r>
+              <a:rPr>
+                <a:solidFill>
+                  <a:srgbClr val="7D9029"/>
+                </a:solidFill>
+                <a:latin typeface="Courier"/>
+              </a:rPr>
+              <a:t>n =</a:t>
+            </a:r>
+            <a:r>
+              <a:rPr>
+                <a:latin typeface="Courier"/>
+              </a:rPr>
+              <a:t> </a:t>
+            </a:r>
+            <a:r>
+              <a:rPr>
+                <a:solidFill>
+                  <a:srgbClr val="40A070"/>
+                </a:solidFill>
+                <a:latin typeface="Courier"/>
+              </a:rPr>
+              <a:t>18</a:t>
+            </a:r>
+            <a:r>
+              <a:rPr>
+                <a:latin typeface="Courier"/>
+              </a:rPr>
+              <a:t>, </a:t>
+            </a:r>
+            <a:r>
+              <a:rPr>
+                <a:solidFill>
+                  <a:srgbClr val="7D9029"/>
+                </a:solidFill>
+                <a:latin typeface="Courier"/>
+              </a:rPr>
+              <a:t>mean =</a:t>
+            </a:r>
+            <a:r>
+              <a:rPr>
+                <a:latin typeface="Courier"/>
+              </a:rPr>
+              <a:t> </a:t>
+            </a:r>
+            <a:r>
+              <a:rPr>
+                <a:solidFill>
+                  <a:srgbClr val="40A070"/>
+                </a:solidFill>
+                <a:latin typeface="Courier"/>
+              </a:rPr>
+              <a:t>10.8</a:t>
+            </a:r>
+            <a:r>
+              <a:rPr>
+                <a:latin typeface="Courier"/>
+              </a:rPr>
+              <a:t>, </a:t>
+            </a:r>
+            <a:r>
+              <a:rPr>
+                <a:solidFill>
+                  <a:srgbClr val="7D9029"/>
+                </a:solidFill>
+                <a:latin typeface="Courier"/>
+              </a:rPr>
+              <a:t>sd =</a:t>
+            </a:r>
+            <a:r>
+              <a:rPr>
+                <a:latin typeface="Courier"/>
+              </a:rPr>
+              <a:t> </a:t>
+            </a:r>
+            <a:r>
+              <a:rPr>
+                <a:solidFill>
+                  <a:srgbClr val="40A070"/>
+                </a:solidFill>
+                <a:latin typeface="Courier"/>
+              </a:rPr>
+              <a:t>0.988</a:t>
+            </a:r>
+            <a:r>
+              <a:rPr>
+                <a:latin typeface="Courier"/>
+              </a:rPr>
+              <a:t>)</a:t>
+            </a:r>
+            <a:br/>
+            <a:r>
+              <a:rPr>
+                <a:latin typeface="Courier"/>
+              </a:rPr>
+              <a:t>    means </a:t>
+            </a:r>
+            <a:r>
+              <a:rPr>
+                <a:solidFill>
+                  <a:srgbClr val="007020"/>
+                </a:solidFill>
+                <a:latin typeface="Courier"/>
+              </a:rPr>
+              <a:t>&lt;-</a:t>
+            </a:r>
+            <a:r>
+              <a:rPr>
+                <a:latin typeface="Courier"/>
+              </a:rPr>
+              <a:t> </a:t>
+            </a:r>
+            <a:r>
+              <a:rPr>
+                <a:solidFill>
+                  <a:srgbClr val="06287E"/>
+                </a:solidFill>
+                <a:latin typeface="Courier"/>
+              </a:rPr>
+              <a:t>c</a:t>
+            </a:r>
+            <a:r>
+              <a:rPr>
+                <a:latin typeface="Courier"/>
+              </a:rPr>
+              <a:t>(means, </a:t>
+            </a:r>
+            <a:r>
+              <a:rPr>
+                <a:solidFill>
+                  <a:srgbClr val="06287E"/>
+                </a:solidFill>
+                <a:latin typeface="Courier"/>
+              </a:rPr>
+              <a:t>mean</a:t>
+            </a:r>
+            <a:r>
+              <a:rPr>
+                <a:latin typeface="Courier"/>
+              </a:rPr>
+              <a:t>(mass))</a:t>
+            </a:r>
+            <a:br/>
+            <a:r>
+              <a:rPr>
+                <a:latin typeface="Courier"/>
+              </a:rPr>
+              <a:t>}</a:t>
+            </a:r>
+            <a:br/>
+            <a:br/>
+            <a:r>
+              <a:rPr i="1">
+                <a:solidFill>
+                  <a:srgbClr val="60A0B0"/>
+                </a:solidFill>
+                <a:latin typeface="Courier"/>
+              </a:rPr>
+              <a:t># The mean of the means</a:t>
+            </a:r>
+            <a:br/>
+            <a:r>
+              <a:rPr>
+                <a:solidFill>
+                  <a:srgbClr val="06287E"/>
+                </a:solidFill>
+                <a:latin typeface="Courier"/>
+              </a:rPr>
+              <a:t>mean</a:t>
+            </a:r>
+            <a:r>
+              <a:rPr>
+                <a:latin typeface="Courier"/>
+              </a:rPr>
+              <a:t>(means)</a:t>
+            </a:r>
+          </a:p>
+          <a:p>
+            <a:pPr lvl="0" indent="0">
+              <a:buNone/>
+            </a:pPr>
+            <a:r>
+              <a:rPr>
+                <a:latin typeface="Courier"/>
+              </a:rPr>
+              <a:t>## [1] 10.79997</a:t>
+            </a:r>
+          </a:p>
+          <a:p>
+            <a:pPr lvl="0" indent="0">
+              <a:buNone/>
+            </a:pPr>
+            <a:r>
+              <a:rPr i="1">
+                <a:solidFill>
+                  <a:srgbClr val="60A0B0"/>
+                </a:solidFill>
+                <a:latin typeface="Courier"/>
+              </a:rPr>
+              <a:t># The standard deviation of the means or standard error</a:t>
+            </a:r>
+            <a:br/>
+            <a:r>
+              <a:rPr>
+                <a:solidFill>
+                  <a:srgbClr val="06287E"/>
+                </a:solidFill>
+                <a:latin typeface="Courier"/>
+              </a:rPr>
+              <a:t>sd</a:t>
+            </a:r>
+            <a:r>
+              <a:rPr>
+                <a:latin typeface="Courier"/>
+              </a:rPr>
+              <a:t>(means)</a:t>
+            </a:r>
+          </a:p>
+          <a:p>
+            <a:pPr lvl="0" indent="0">
+              <a:buNone/>
+            </a:pPr>
+            <a:r>
+              <a:rPr>
+                <a:latin typeface="Courier"/>
+              </a:rPr>
+              <a:t>## [1] 0.2327267</a:t>
+            </a:r>
+          </a:p>
+        </p:txBody>
+      </p:sp>
+    </p:spTree>
+  </p:cSld>
+</p:sld>
+</file>
+
+<file path=ppt/slides/slide8.xml><?xml version="1.0" encoding="utf-8"?>
+<p:sld xmlns:a="http://schemas.openxmlformats.org/drawingml/2006/main" xmlns:r="http://schemas.openxmlformats.org/officeDocument/2006/relationships" xmlns:p="http://schemas.openxmlformats.org/presentationml/2006/main">
+  <p:cSld>
+    <p:spTree>
+      <p:nvGrpSpPr>
+        <p:cNvPr id="1" name=""/>
+        <p:cNvGrpSpPr/>
+        <p:nvPr/>
+      </p:nvGrpSpPr>
+      <p:grpSpPr>
+        <a:xfrm>
+          <a:off x="0" y="0"/>
+          <a:ext cx="0" cy="0"/>
+          <a:chOff x="0" y="0"/>
+          <a:chExt cx="0" cy="0"/>
+        </a:xfrm>
+      </p:grpSpPr>
+      <p:sp>
+        <p:nvSpPr>
+          <p:cNvPr id="2" name="Title 1"/>
+          <p:cNvSpPr>
+            <a:spLocks noGrp="1"/>
+          </p:cNvSpPr>
+          <p:nvPr>
+            <p:ph type="title"/>
+          </p:nvPr>
+        </p:nvSpPr>
+        <p:spPr/>
+        <p:txBody>
+          <a:bodyPr/>
+          <a:lstStyle/>
+          <a:p>
+            <a:pPr lvl="0" indent="0" marL="0">
+              <a:buNone/>
+            </a:pPr>
+            <a:r>
+              <a:rPr/>
+              <a:t>Our analytical calculaton</a:t>
+            </a:r>
+          </a:p>
+        </p:txBody>
+      </p:sp>
+      <p:sp>
+        <p:nvSpPr>
+          <p:cNvPr id="3" name="Content Placeholder 2"/>
+          <p:cNvSpPr>
+            <a:spLocks noGrp="1"/>
+          </p:cNvSpPr>
+          <p:nvPr>
+            <p:ph idx="1"/>
+          </p:nvPr>
+        </p:nvSpPr>
+        <p:spPr/>
+        <p:txBody>
+          <a:bodyPr/>
+          <a:lstStyle/>
+          <a:p>
+            <a:pPr lvl="0" indent="0">
+              <a:buNone/>
+            </a:pPr>
+            <a:r>
+              <a:rPr>
+                <a:latin typeface="Courier"/>
+              </a:rPr>
+              <a:t>se </a:t>
+            </a:r>
+            <a:r>
+              <a:rPr>
+                <a:solidFill>
+                  <a:srgbClr val="007020"/>
+                </a:solidFill>
+                <a:latin typeface="Courier"/>
+              </a:rPr>
+              <a:t>&lt;-</a:t>
+            </a:r>
+            <a:r>
+              <a:rPr>
+                <a:latin typeface="Courier"/>
+              </a:rPr>
+              <a:t> </a:t>
+            </a:r>
+            <a:r>
+              <a:rPr>
+                <a:solidFill>
+                  <a:srgbClr val="06287E"/>
+                </a:solidFill>
+                <a:latin typeface="Courier"/>
+              </a:rPr>
+              <a:t>sd</a:t>
+            </a:r>
+            <a:r>
+              <a:rPr>
+                <a:latin typeface="Courier"/>
+              </a:rPr>
+              <a:t>(mass)</a:t>
+            </a:r>
+            <a:r>
+              <a:rPr>
+                <a:solidFill>
+                  <a:srgbClr val="4070A0"/>
+                </a:solidFill>
+                <a:latin typeface="Courier"/>
+              </a:rPr>
+              <a:t>/</a:t>
+            </a:r>
+            <a:r>
+              <a:rPr>
+                <a:solidFill>
+                  <a:srgbClr val="06287E"/>
+                </a:solidFill>
+                <a:latin typeface="Courier"/>
+              </a:rPr>
+              <a:t>sqrt</a:t>
+            </a:r>
+            <a:r>
+              <a:rPr>
+                <a:latin typeface="Courier"/>
+              </a:rPr>
+              <a:t>(</a:t>
+            </a:r>
+            <a:r>
+              <a:rPr>
+                <a:solidFill>
+                  <a:srgbClr val="06287E"/>
+                </a:solidFill>
+                <a:latin typeface="Courier"/>
+              </a:rPr>
+              <a:t>length</a:t>
+            </a:r>
+            <a:r>
+              <a:rPr>
+                <a:latin typeface="Courier"/>
+              </a:rPr>
+              <a:t>(mass))</a:t>
+            </a:r>
+            <a:br/>
+            <a:r>
+              <a:rPr>
+                <a:latin typeface="Courier"/>
+              </a:rPr>
+              <a:t>se</a:t>
+            </a:r>
+          </a:p>
+          <a:p>
+            <a:pPr lvl="0" indent="0">
+              <a:buNone/>
+            </a:pPr>
+            <a:r>
+              <a:rPr>
+                <a:latin typeface="Courier"/>
+              </a:rPr>
+              <a:t>## [1] 0.1858937</a:t>
+            </a:r>
+          </a:p>
+        </p:txBody>
+      </p:sp>
+    </p:spTree>
+  </p:cSld>
+</p:sld>
+</file>
+
+<file path=ppt/slides/slide9.xml><?xml version="1.0" encoding="utf-8"?>
+<p:sld xmlns:a="http://schemas.openxmlformats.org/drawingml/2006/main" xmlns:r="http://schemas.openxmlformats.org/officeDocument/2006/relationships" xmlns:p="http://schemas.openxmlformats.org/presentationml/2006/main">
+  <p:cSld>
+    <p:spTree>
+      <p:nvGrpSpPr>
+        <p:cNvPr id="1" name=""/>
+        <p:cNvGrpSpPr/>
+        <p:nvPr/>
+      </p:nvGrpSpPr>
+      <p:grpSpPr>
+        <a:xfrm>
+          <a:off x="0" y="0"/>
+          <a:ext cx="0" cy="0"/>
+          <a:chOff x="0" y="0"/>
+          <a:chExt cx="0" cy="0"/>
+        </a:xfrm>
+      </p:grpSpPr>
+      <p:sp>
+        <p:nvSpPr>
+          <p:cNvPr id="2" name="Title 1"/>
+          <p:cNvSpPr>
+            <a:spLocks noGrp="1"/>
+          </p:cNvSpPr>
+          <p:nvPr>
+            <p:ph type="title"/>
+          </p:nvPr>
+        </p:nvSpPr>
+        <p:spPr>
+          <a:xfrm>
+            <a:off x="457201" y="204787"/>
+            <a:ext cx="3008313" cy="871538"/>
+          </a:xfrm>
+        </p:spPr>
+        <p:txBody>
+          <a:bodyPr/>
+          <a:lstStyle/>
+          <a:p>
+            <a:pPr lvl="0" indent="0" marL="0">
+              <a:buNone/>
+            </a:pPr>
+            <a:r>
+              <a:rPr/>
+              <a:t>Plots</a:t>
+            </a:r>
+          </a:p>
+        </p:txBody>
+      </p:sp>
+      <p:sp>
+        <p:nvSpPr>
+          <p:cNvPr id="4" name="Text Placeholder 3"/>
+          <p:cNvSpPr>
+            <a:spLocks noGrp="1"/>
+          </p:cNvSpPr>
+          <p:nvPr>
+            <p:ph idx="2" sz="half" type="body"/>
+          </p:nvPr>
+        </p:nvSpPr>
+        <p:spPr/>
+        <p:txBody>
+          <a:bodyPr/>
+          <a:lstStyle/>
+          <a:p>
+            <a:pPr lvl="0" indent="0">
+              <a:buNone/>
+            </a:pPr>
+            <a:r>
+              <a:rPr>
+                <a:solidFill>
+                  <a:srgbClr val="06287E"/>
+                </a:solidFill>
+                <a:latin typeface="Courier"/>
+              </a:rPr>
+              <a:t>ggplot</a:t>
+            </a:r>
+            <a:r>
+              <a:rPr>
+                <a:latin typeface="Courier"/>
+              </a:rPr>
+              <a:t>() </a:t>
+            </a:r>
+            <a:r>
+              <a:rPr>
+                <a:solidFill>
+                  <a:srgbClr val="4070A0"/>
+                </a:solidFill>
+                <a:latin typeface="Courier"/>
+              </a:rPr>
+              <a:t>+</a:t>
+            </a:r>
+            <a:r>
+              <a:rPr>
+                <a:latin typeface="Courier"/>
+              </a:rPr>
+              <a:t> </a:t>
+            </a:r>
+            <a:r>
+              <a:rPr>
+                <a:solidFill>
+                  <a:srgbClr val="06287E"/>
+                </a:solidFill>
+                <a:latin typeface="Courier"/>
+              </a:rPr>
+              <a:t>geom_histogram</a:t>
+            </a:r>
+            <a:r>
+              <a:rPr>
+                <a:latin typeface="Courier"/>
+              </a:rPr>
+              <a:t>(</a:t>
+            </a:r>
+            <a:r>
+              <a:rPr>
+                <a:solidFill>
+                  <a:srgbClr val="06287E"/>
+                </a:solidFill>
+                <a:latin typeface="Courier"/>
+              </a:rPr>
+              <a:t>aes</a:t>
+            </a:r>
+            <a:r>
+              <a:rPr>
+                <a:latin typeface="Courier"/>
+              </a:rPr>
+              <a:t>(</a:t>
+            </a:r>
+            <a:r>
+              <a:rPr>
+                <a:solidFill>
+                  <a:srgbClr val="7D9029"/>
+                </a:solidFill>
+                <a:latin typeface="Courier"/>
+              </a:rPr>
+              <a:t>x =</a:t>
+            </a:r>
+            <a:r>
+              <a:rPr>
+                <a:latin typeface="Courier"/>
+              </a:rPr>
+              <a:t> means))</a:t>
+            </a:r>
+          </a:p>
+          <a:p>
+            <a:pPr lvl="0" indent="0">
+              <a:buNone/>
+            </a:pPr>
+            <a:r>
+              <a:rPr>
+                <a:latin typeface="Courier"/>
+              </a:rPr>
+              <a:t>## `stat_bin()` using `bins = 30`. Pick better value with `binwidth`.</a:t>
+            </a:r>
+          </a:p>
+        </p:txBody>
+      </p:sp>
+      <p:pic>
+        <p:nvPicPr>
+          <p:cNvPr descr="code_slides_files/figure-pptx/simfig3plot-1.png" id="0" name="Picture 1"/>
+          <p:cNvPicPr>
+            <a:picLocks noGrp="1" noChangeAspect="1"/>
+          </p:cNvPicPr>
+          <p:nvPr/>
+        </p:nvPicPr>
+        <p:blipFill>
+          <a:blip r:embed="rId2"/>
+          <a:stretch>
+            <a:fillRect/>
+          </a:stretch>
+        </p:blipFill>
+        <p:spPr bwMode="auto">
+          <a:xfrm>
+            <a:off x="3568700" y="355600"/>
+            <a:ext cx="5105400" cy="4089400"/>
+          </a:xfrm>
+          <a:prstGeom prst="rect">
+            <a:avLst/>
+          </a:prstGeom>
+          <a:noFill/>
+          <a:ln w="9525">
+            <a:noFill/>
+            <a:headEnd/>
+            <a:tailEnd/>
+          </a:ln>
+        </p:spPr>
+      </p:pic>
     </p:spTree>
   </p:cSld>
 </p:sld>

--- a/slides/code_slides.pptx
+++ b/slides/code_slides.pptx
@@ -10,10 +10,6 @@
     <p:sldId id="258" r:id="rId4"/>
     <p:sldId id="259" r:id="rId5"/>
     <p:sldId id="260" r:id="rId6"/>
-    <p:sldId id="261" r:id="rId7"/>
-    <p:sldId id="262" r:id="rId8"/>
-    <p:sldId id="263" r:id="rId9"/>
-    <p:sldId id="264" r:id="rId10"/>
   </p:sldIdLst>
   <p:sldSz cx="9144000" cy="5143500" type="screen16x9"/>
   <p:notesSz cx="6858000" cy="9144000"/>
@@ -3180,7 +3176,7 @@
             </a:pPr>
             <a:r>
               <a:rPr/>
-              <a:t>2022-06-12</a:t>
+              <a:t>2022-06-13</a:t>
             </a:r>
           </a:p>
         </p:txBody>
@@ -3207,47 +3203,34 @@
           <a:chExt cx="0" cy="0"/>
         </a:xfrm>
       </p:grpSpPr>
-      <p:sp>
-        <p:nvSpPr>
-          <p:cNvPr id="2" name="Title 1"/>
-          <p:cNvSpPr>
-            <a:spLocks noGrp="1"/>
-          </p:cNvSpPr>
-          <p:nvPr>
-            <p:ph type="title"/>
-          </p:nvPr>
-        </p:nvSpPr>
-        <p:spPr/>
-        <p:txBody>
-          <a:bodyPr/>
-          <a:lstStyle/>
-          <a:p>
-            <a:pPr lvl="0" indent="0" marL="0">
-              <a:buNone/>
-            </a:pPr>
-            <a:r>
-              <a:rPr/>
-              <a:t>Slide with Bullets</a:t>
-            </a:r>
-          </a:p>
-        </p:txBody>
-      </p:sp>
       <mc:AlternateContent xmlns:mc="http://schemas.openxmlformats.org/markup-compatibility/2006">
         <mc:Choice xmlns:a14="http://schemas.microsoft.com/office/drawing/2010/main" Requires="a14">
           <p:sp>
             <p:nvSpPr>
-              <p:cNvPr id="3" name="Content Placeholder 2"/>
+              <p:cNvPr id="4" name="Text Placeholder 3"/>
               <p:cNvSpPr>
                 <a:spLocks noGrp="1"/>
               </p:cNvSpPr>
               <p:nvPr>
-                <p:ph idx="1"/>
+                <p:ph idx="2" sz="half" type="body"/>
               </p:nvPr>
             </p:nvSpPr>
             <p:spPr/>
             <p:txBody>
               <a:bodyPr/>
               <a:lstStyle/>
+              <a:p>
+                <a:pPr lvl="0" indent="0" marL="0">
+                  <a:spcBef>
+                    <a:spcPts val="3000"/>
+                  </a:spcBef>
+                  <a:buNone/>
+                </a:pPr>
+                <a:r>
+                  <a:rPr b="1"/>
+                  <a:t>Slide with Bullets</a:t>
+                </a:r>
+              </a:p>
               <a:p>
                 <a:pPr lvl="0"/>
                 <a:r>
@@ -3327,10 +3310,1080 @@
                   <a:t>Drink coffee</a:t>
                 </a:r>
               </a:p>
+              <a:p>
+                <a:pPr lvl="0" indent="0" marL="0">
+                  <a:spcBef>
+                    <a:spcPts val="3000"/>
+                  </a:spcBef>
+                  <a:buNone/>
+                </a:pPr>
+                <a:r>
+                  <a:rPr b="1"/>
+                  <a:t>Slide with R Output</a:t>
+                </a:r>
+              </a:p>
+              <a:p>
+                <a:pPr lvl="0" indent="0">
+                  <a:buNone/>
+                </a:pPr>
+                <a:r>
+                  <a:rPr i="1">
+                    <a:solidFill>
+                      <a:srgbClr val="60A0B0"/>
+                    </a:solidFill>
+                    <a:latin typeface="Courier"/>
+                  </a:rPr>
+                  <a:t># LDH activity in 8 C treatment</a:t>
+                </a:r>
+                <a:br/>
+                <a:r>
+                  <a:rPr>
+                    <a:latin typeface="Courier"/>
+                  </a:rPr>
+                  <a:t>trt_8C </a:t>
+                </a:r>
+                <a:r>
+                  <a:rPr>
+                    <a:solidFill>
+                      <a:srgbClr val="007020"/>
+                    </a:solidFill>
+                    <a:latin typeface="Courier"/>
+                  </a:rPr>
+                  <a:t>&lt;-</a:t>
+                </a:r>
+                <a:r>
+                  <a:rPr>
+                    <a:latin typeface="Courier"/>
+                  </a:rPr>
+                  <a:t> </a:t>
+                </a:r>
+                <a:r>
+                  <a:rPr>
+                    <a:solidFill>
+                      <a:srgbClr val="06287E"/>
+                    </a:solidFill>
+                    <a:latin typeface="Courier"/>
+                  </a:rPr>
+                  <a:t>rnorm</a:t>
+                </a:r>
+                <a:r>
+                  <a:rPr>
+                    <a:latin typeface="Courier"/>
+                  </a:rPr>
+                  <a:t>(</a:t>
+                </a:r>
+                <a:r>
+                  <a:rPr>
+                    <a:solidFill>
+                      <a:srgbClr val="40A070"/>
+                    </a:solidFill>
+                    <a:latin typeface="Courier"/>
+                  </a:rPr>
+                  <a:t>10</a:t>
+                </a:r>
+                <a:r>
+                  <a:rPr>
+                    <a:latin typeface="Courier"/>
+                  </a:rPr>
+                  <a:t>, </a:t>
+                </a:r>
+                <a:r>
+                  <a:rPr>
+                    <a:solidFill>
+                      <a:srgbClr val="40A070"/>
+                    </a:solidFill>
+                    <a:latin typeface="Courier"/>
+                  </a:rPr>
+                  <a:t>0.4</a:t>
+                </a:r>
+                <a:r>
+                  <a:rPr>
+                    <a:latin typeface="Courier"/>
+                  </a:rPr>
+                  <a:t>, </a:t>
+                </a:r>
+                <a:r>
+                  <a:rPr>
+                    <a:solidFill>
+                      <a:srgbClr val="40A070"/>
+                    </a:solidFill>
+                    <a:latin typeface="Courier"/>
+                  </a:rPr>
+                  <a:t>0.5</a:t>
+                </a:r>
+                <a:r>
+                  <a:rPr>
+                    <a:latin typeface="Courier"/>
+                  </a:rPr>
+                  <a:t>)</a:t>
+                </a:r>
+                <a:br/>
+                <a:br/>
+                <a:r>
+                  <a:rPr i="1">
+                    <a:solidFill>
+                      <a:srgbClr val="60A0B0"/>
+                    </a:solidFill>
+                    <a:latin typeface="Courier"/>
+                  </a:rPr>
+                  <a:t># LDH activity in 26 C treatment</a:t>
+                </a:r>
+                <a:br/>
+                <a:r>
+                  <a:rPr>
+                    <a:latin typeface="Courier"/>
+                  </a:rPr>
+                  <a:t>trt_26C </a:t>
+                </a:r>
+                <a:r>
+                  <a:rPr>
+                    <a:solidFill>
+                      <a:srgbClr val="007020"/>
+                    </a:solidFill>
+                    <a:latin typeface="Courier"/>
+                  </a:rPr>
+                  <a:t>&lt;-</a:t>
+                </a:r>
+                <a:r>
+                  <a:rPr>
+                    <a:latin typeface="Courier"/>
+                  </a:rPr>
+                  <a:t> </a:t>
+                </a:r>
+                <a:r>
+                  <a:rPr>
+                    <a:solidFill>
+                      <a:srgbClr val="06287E"/>
+                    </a:solidFill>
+                    <a:latin typeface="Courier"/>
+                  </a:rPr>
+                  <a:t>rnorm</a:t>
+                </a:r>
+                <a:r>
+                  <a:rPr>
+                    <a:latin typeface="Courier"/>
+                  </a:rPr>
+                  <a:t>(</a:t>
+                </a:r>
+                <a:r>
+                  <a:rPr>
+                    <a:solidFill>
+                      <a:srgbClr val="40A070"/>
+                    </a:solidFill>
+                    <a:latin typeface="Courier"/>
+                  </a:rPr>
+                  <a:t>10</a:t>
+                </a:r>
+                <a:r>
+                  <a:rPr>
+                    <a:latin typeface="Courier"/>
+                  </a:rPr>
+                  <a:t>, </a:t>
+                </a:r>
+                <a:r>
+                  <a:rPr>
+                    <a:solidFill>
+                      <a:srgbClr val="40A070"/>
+                    </a:solidFill>
+                    <a:latin typeface="Courier"/>
+                  </a:rPr>
+                  <a:t>0.6</a:t>
+                </a:r>
+                <a:r>
+                  <a:rPr>
+                    <a:latin typeface="Courier"/>
+                  </a:rPr>
+                  <a:t>, </a:t>
+                </a:r>
+                <a:r>
+                  <a:rPr>
+                    <a:solidFill>
+                      <a:srgbClr val="40A070"/>
+                    </a:solidFill>
+                    <a:latin typeface="Courier"/>
+                  </a:rPr>
+                  <a:t>0.2</a:t>
+                </a:r>
+                <a:r>
+                  <a:rPr>
+                    <a:latin typeface="Courier"/>
+                  </a:rPr>
+                  <a:t>)</a:t>
+                </a:r>
+                <a:br/>
+                <a:br/>
+                <a:r>
+                  <a:rPr i="1">
+                    <a:solidFill>
+                      <a:srgbClr val="60A0B0"/>
+                    </a:solidFill>
+                    <a:latin typeface="Courier"/>
+                  </a:rPr>
+                  <a:t># What's the difference, i.e., effect size, between treatments?</a:t>
+                </a:r>
+                <a:br/>
+                <a:r>
+                  <a:rPr>
+                    <a:solidFill>
+                      <a:srgbClr val="06287E"/>
+                    </a:solidFill>
+                    <a:latin typeface="Courier"/>
+                  </a:rPr>
+                  <a:t>mean</a:t>
+                </a:r>
+                <a:r>
+                  <a:rPr>
+                    <a:latin typeface="Courier"/>
+                  </a:rPr>
+                  <a:t>(trt_26C </a:t>
+                </a:r>
+                <a:r>
+                  <a:rPr>
+                    <a:solidFill>
+                      <a:srgbClr val="4070A0"/>
+                    </a:solidFill>
+                    <a:latin typeface="Courier"/>
+                  </a:rPr>
+                  <a:t>-</a:t>
+                </a:r>
+                <a:r>
+                  <a:rPr>
+                    <a:latin typeface="Courier"/>
+                  </a:rPr>
+                  <a:t> trt_8C)</a:t>
+                </a:r>
+              </a:p>
+              <a:p>
+                <a:pPr lvl="0" indent="0">
+                  <a:buNone/>
+                </a:pPr>
+                <a:r>
+                  <a:rPr>
+                    <a:latin typeface="Courier"/>
+                  </a:rPr>
+                  <a:t>## [1] 0.1689233</a:t>
+                </a:r>
+              </a:p>
+              <a:p>
+                <a:pPr lvl="0" indent="0">
+                  <a:buNone/>
+                </a:pPr>
+                <a:r>
+                  <a:rPr>
+                    <a:solidFill>
+                      <a:srgbClr val="06287E"/>
+                    </a:solidFill>
+                    <a:latin typeface="Courier"/>
+                  </a:rPr>
+                  <a:t>t.test</a:t>
+                </a:r>
+                <a:r>
+                  <a:rPr>
+                    <a:latin typeface="Courier"/>
+                  </a:rPr>
+                  <a:t>(trt_26C, trt_8C)</a:t>
+                </a:r>
+              </a:p>
+              <a:p>
+                <a:pPr lvl="0" indent="0">
+                  <a:buNone/>
+                </a:pPr>
+                <a:r>
+                  <a:rPr>
+                    <a:latin typeface="Courier"/>
+                  </a:rPr>
+                  <a:t>## 
+##  Welch Two Sample t-test
+## 
+## data:  trt_26C and trt_8C
+## t = 0.90505, df = 12.249, p-value = 0.3829
+## alternative hypothesis: true difference in means is not equal to 0
+## 95 percent confidence interval:
+##  -0.2368285  0.5746752
+## sample estimates:
+## mean of x mean of y 
+## 0.6241681 0.4552448</a:t>
+                </a:r>
+              </a:p>
+              <a:p>
+                <a:pPr lvl="0" indent="0" marL="0">
+                  <a:spcBef>
+                    <a:spcPts val="3000"/>
+                  </a:spcBef>
+                  <a:buNone/>
+                </a:pPr>
+                <a:r>
+                  <a:rPr b="1"/>
+                  <a:t>Do 1000s of experiments</a:t>
+                </a:r>
+              </a:p>
+              <a:p>
+                <a:pPr lvl="0" indent="0">
+                  <a:buNone/>
+                </a:pPr>
+                <a:r>
+                  <a:rPr>
+                    <a:latin typeface="Courier"/>
+                  </a:rPr>
+                  <a:t>experiment </a:t>
+                </a:r>
+                <a:r>
+                  <a:rPr>
+                    <a:solidFill>
+                      <a:srgbClr val="007020"/>
+                    </a:solidFill>
+                    <a:latin typeface="Courier"/>
+                  </a:rPr>
+                  <a:t>&lt;-</a:t>
+                </a:r>
+                <a:r>
+                  <a:rPr>
+                    <a:latin typeface="Courier"/>
+                  </a:rPr>
+                  <a:t> </a:t>
+                </a:r>
+                <a:r>
+                  <a:rPr b="1">
+                    <a:solidFill>
+                      <a:srgbClr val="007020"/>
+                    </a:solidFill>
+                    <a:latin typeface="Courier"/>
+                  </a:rPr>
+                  <a:t>function</a:t>
+                </a:r>
+                <a:r>
+                  <a:rPr>
+                    <a:latin typeface="Courier"/>
+                  </a:rPr>
+                  <a:t>(times) {</a:t>
+                </a:r>
+                <a:br/>
+                <a:br/>
+                <a:r>
+                  <a:rPr>
+                    <a:latin typeface="Courier"/>
+                  </a:rPr>
+                  <a:t>    dat </a:t>
+                </a:r>
+                <a:r>
+                  <a:rPr>
+                    <a:solidFill>
+                      <a:srgbClr val="007020"/>
+                    </a:solidFill>
+                    <a:latin typeface="Courier"/>
+                  </a:rPr>
+                  <a:t>&lt;-</a:t>
+                </a:r>
+                <a:r>
+                  <a:rPr>
+                    <a:latin typeface="Courier"/>
+                  </a:rPr>
+                  <a:t> </a:t>
+                </a:r>
+                <a:r>
+                  <a:rPr>
+                    <a:solidFill>
+                      <a:srgbClr val="06287E"/>
+                    </a:solidFill>
+                    <a:latin typeface="Courier"/>
+                  </a:rPr>
+                  <a:t>data.frame</a:t>
+                </a:r>
+                <a:r>
+                  <a:rPr>
+                    <a:latin typeface="Courier"/>
+                  </a:rPr>
+                  <a:t>(</a:t>
+                </a:r>
+                <a:r>
+                  <a:rPr>
+                    <a:solidFill>
+                      <a:srgbClr val="06287E"/>
+                    </a:solidFill>
+                    <a:latin typeface="Courier"/>
+                  </a:rPr>
+                  <a:t>matrix</a:t>
+                </a:r>
+                <a:r>
+                  <a:rPr>
+                    <a:latin typeface="Courier"/>
+                  </a:rPr>
+                  <a:t>(</a:t>
+                </a:r>
+                <a:r>
+                  <a:rPr>
+                    <a:solidFill>
+                      <a:srgbClr val="7D9029"/>
+                    </a:solidFill>
+                    <a:latin typeface="Courier"/>
+                  </a:rPr>
+                  <a:t>nrow =</a:t>
+                </a:r>
+                <a:r>
+                  <a:rPr>
+                    <a:latin typeface="Courier"/>
+                  </a:rPr>
+                  <a:t> times, </a:t>
+                </a:r>
+                <a:r>
+                  <a:rPr>
+                    <a:solidFill>
+                      <a:srgbClr val="7D9029"/>
+                    </a:solidFill>
+                    <a:latin typeface="Courier"/>
+                  </a:rPr>
+                  <a:t>ncol =</a:t>
+                </a:r>
+                <a:r>
+                  <a:rPr>
+                    <a:latin typeface="Courier"/>
+                  </a:rPr>
+                  <a:t> </a:t>
+                </a:r>
+                <a:r>
+                  <a:rPr>
+                    <a:solidFill>
+                      <a:srgbClr val="40A070"/>
+                    </a:solidFill>
+                    <a:latin typeface="Courier"/>
+                  </a:rPr>
+                  <a:t>2</a:t>
+                </a:r>
+                <a:r>
+                  <a:rPr>
+                    <a:latin typeface="Courier"/>
+                  </a:rPr>
+                  <a:t>))</a:t>
+                </a:r>
+                <a:br/>
+                <a:br/>
+                <a:r>
+                  <a:rPr>
+                    <a:latin typeface="Courier"/>
+                  </a:rPr>
+                  <a:t>    </a:t>
+                </a:r>
+                <a:r>
+                  <a:rPr b="1">
+                    <a:solidFill>
+                      <a:srgbClr val="007020"/>
+                    </a:solidFill>
+                    <a:latin typeface="Courier"/>
+                  </a:rPr>
+                  <a:t>for</a:t>
+                </a:r>
+                <a:r>
+                  <a:rPr>
+                    <a:latin typeface="Courier"/>
+                  </a:rPr>
+                  <a:t> (i </a:t>
+                </a:r>
+                <a:r>
+                  <a:rPr b="1">
+                    <a:solidFill>
+                      <a:srgbClr val="007020"/>
+                    </a:solidFill>
+                    <a:latin typeface="Courier"/>
+                  </a:rPr>
+                  <a:t>in</a:t>
+                </a:r>
+                <a:r>
+                  <a:rPr>
+                    <a:latin typeface="Courier"/>
+                  </a:rPr>
+                  <a:t> </a:t>
+                </a:r>
+                <a:r>
+                  <a:rPr>
+                    <a:solidFill>
+                      <a:srgbClr val="40A070"/>
+                    </a:solidFill>
+                    <a:latin typeface="Courier"/>
+                  </a:rPr>
+                  <a:t>1</a:t>
+                </a:r>
+                <a:r>
+                  <a:rPr>
+                    <a:solidFill>
+                      <a:srgbClr val="4070A0"/>
+                    </a:solidFill>
+                    <a:latin typeface="Courier"/>
+                  </a:rPr>
+                  <a:t>:</a:t>
+                </a:r>
+                <a:r>
+                  <a:rPr>
+                    <a:latin typeface="Courier"/>
+                  </a:rPr>
+                  <a:t>times) {</a:t>
+                </a:r>
+                <a:br/>
+                <a:r>
+                  <a:rPr>
+                    <a:latin typeface="Courier"/>
+                  </a:rPr>
+                  <a:t>        </a:t>
+                </a:r>
+                <a:r>
+                  <a:rPr i="1">
+                    <a:solidFill>
+                      <a:srgbClr val="60A0B0"/>
+                    </a:solidFill>
+                    <a:latin typeface="Courier"/>
+                  </a:rPr>
+                  <a:t># LDH activity in 8 C treatment</a:t>
+                </a:r>
+                <a:br/>
+                <a:r>
+                  <a:rPr>
+                    <a:latin typeface="Courier"/>
+                  </a:rPr>
+                  <a:t>        trt_8C </a:t>
+                </a:r>
+                <a:r>
+                  <a:rPr>
+                    <a:solidFill>
+                      <a:srgbClr val="007020"/>
+                    </a:solidFill>
+                    <a:latin typeface="Courier"/>
+                  </a:rPr>
+                  <a:t>&lt;-</a:t>
+                </a:r>
+                <a:r>
+                  <a:rPr>
+                    <a:latin typeface="Courier"/>
+                  </a:rPr>
+                  <a:t> </a:t>
+                </a:r>
+                <a:r>
+                  <a:rPr>
+                    <a:solidFill>
+                      <a:srgbClr val="06287E"/>
+                    </a:solidFill>
+                    <a:latin typeface="Courier"/>
+                  </a:rPr>
+                  <a:t>rnorm</a:t>
+                </a:r>
+                <a:r>
+                  <a:rPr>
+                    <a:latin typeface="Courier"/>
+                  </a:rPr>
+                  <a:t>(</a:t>
+                </a:r>
+                <a:r>
+                  <a:rPr>
+                    <a:solidFill>
+                      <a:srgbClr val="40A070"/>
+                    </a:solidFill>
+                    <a:latin typeface="Courier"/>
+                  </a:rPr>
+                  <a:t>10</a:t>
+                </a:r>
+                <a:r>
+                  <a:rPr>
+                    <a:latin typeface="Courier"/>
+                  </a:rPr>
+                  <a:t>, </a:t>
+                </a:r>
+                <a:r>
+                  <a:rPr>
+                    <a:solidFill>
+                      <a:srgbClr val="40A070"/>
+                    </a:solidFill>
+                    <a:latin typeface="Courier"/>
+                  </a:rPr>
+                  <a:t>0.4</a:t>
+                </a:r>
+                <a:r>
+                  <a:rPr>
+                    <a:latin typeface="Courier"/>
+                  </a:rPr>
+                  <a:t>, </a:t>
+                </a:r>
+                <a:r>
+                  <a:rPr>
+                    <a:solidFill>
+                      <a:srgbClr val="40A070"/>
+                    </a:solidFill>
+                    <a:latin typeface="Courier"/>
+                  </a:rPr>
+                  <a:t>0.5</a:t>
+                </a:r>
+                <a:r>
+                  <a:rPr>
+                    <a:latin typeface="Courier"/>
+                  </a:rPr>
+                  <a:t>)</a:t>
+                </a:r>
+                <a:br/>
+                <a:br/>
+                <a:r>
+                  <a:rPr>
+                    <a:latin typeface="Courier"/>
+                  </a:rPr>
+                  <a:t>        </a:t>
+                </a:r>
+                <a:r>
+                  <a:rPr i="1">
+                    <a:solidFill>
+                      <a:srgbClr val="60A0B0"/>
+                    </a:solidFill>
+                    <a:latin typeface="Courier"/>
+                  </a:rPr>
+                  <a:t># LDH activity in 26 C treatment</a:t>
+                </a:r>
+                <a:br/>
+                <a:r>
+                  <a:rPr>
+                    <a:latin typeface="Courier"/>
+                  </a:rPr>
+                  <a:t>        trt_26C </a:t>
+                </a:r>
+                <a:r>
+                  <a:rPr>
+                    <a:solidFill>
+                      <a:srgbClr val="007020"/>
+                    </a:solidFill>
+                    <a:latin typeface="Courier"/>
+                  </a:rPr>
+                  <a:t>&lt;-</a:t>
+                </a:r>
+                <a:r>
+                  <a:rPr>
+                    <a:latin typeface="Courier"/>
+                  </a:rPr>
+                  <a:t> </a:t>
+                </a:r>
+                <a:r>
+                  <a:rPr>
+                    <a:solidFill>
+                      <a:srgbClr val="06287E"/>
+                    </a:solidFill>
+                    <a:latin typeface="Courier"/>
+                  </a:rPr>
+                  <a:t>rnorm</a:t>
+                </a:r>
+                <a:r>
+                  <a:rPr>
+                    <a:latin typeface="Courier"/>
+                  </a:rPr>
+                  <a:t>(</a:t>
+                </a:r>
+                <a:r>
+                  <a:rPr>
+                    <a:solidFill>
+                      <a:srgbClr val="40A070"/>
+                    </a:solidFill>
+                    <a:latin typeface="Courier"/>
+                  </a:rPr>
+                  <a:t>10</a:t>
+                </a:r>
+                <a:r>
+                  <a:rPr>
+                    <a:latin typeface="Courier"/>
+                  </a:rPr>
+                  <a:t>, </a:t>
+                </a:r>
+                <a:r>
+                  <a:rPr>
+                    <a:solidFill>
+                      <a:srgbClr val="40A070"/>
+                    </a:solidFill>
+                    <a:latin typeface="Courier"/>
+                  </a:rPr>
+                  <a:t>0.6</a:t>
+                </a:r>
+                <a:r>
+                  <a:rPr>
+                    <a:latin typeface="Courier"/>
+                  </a:rPr>
+                  <a:t>, </a:t>
+                </a:r>
+                <a:r>
+                  <a:rPr>
+                    <a:solidFill>
+                      <a:srgbClr val="40A070"/>
+                    </a:solidFill>
+                    <a:latin typeface="Courier"/>
+                  </a:rPr>
+                  <a:t>0.2</a:t>
+                </a:r>
+                <a:r>
+                  <a:rPr>
+                    <a:latin typeface="Courier"/>
+                  </a:rPr>
+                  <a:t>)</a:t>
+                </a:r>
+                <a:br/>
+                <a:br/>
+                <a:r>
+                  <a:rPr>
+                    <a:latin typeface="Courier"/>
+                  </a:rPr>
+                  <a:t>        </a:t>
+                </a:r>
+                <a:r>
+                  <a:rPr i="1">
+                    <a:solidFill>
+                      <a:srgbClr val="60A0B0"/>
+                    </a:solidFill>
+                    <a:latin typeface="Courier"/>
+                  </a:rPr>
+                  <a:t># What's the difference, i.e., effect size, between treatments?</a:t>
+                </a:r>
+                <a:br/>
+                <a:r>
+                  <a:rPr>
+                    <a:latin typeface="Courier"/>
+                  </a:rPr>
+                  <a:t>        dat[i, </a:t>
+                </a:r>
+                <a:r>
+                  <a:rPr>
+                    <a:solidFill>
+                      <a:srgbClr val="40A070"/>
+                    </a:solidFill>
+                    <a:latin typeface="Courier"/>
+                  </a:rPr>
+                  <a:t>1</a:t>
+                </a:r>
+                <a:r>
+                  <a:rPr>
+                    <a:latin typeface="Courier"/>
+                  </a:rPr>
+                  <a:t>] </a:t>
+                </a:r>
+                <a:r>
+                  <a:rPr>
+                    <a:solidFill>
+                      <a:srgbClr val="007020"/>
+                    </a:solidFill>
+                    <a:latin typeface="Courier"/>
+                  </a:rPr>
+                  <a:t>&lt;-</a:t>
+                </a:r>
+                <a:r>
+                  <a:rPr>
+                    <a:latin typeface="Courier"/>
+                  </a:rPr>
+                  <a:t> </a:t>
+                </a:r>
+                <a:r>
+                  <a:rPr>
+                    <a:solidFill>
+                      <a:srgbClr val="06287E"/>
+                    </a:solidFill>
+                    <a:latin typeface="Courier"/>
+                  </a:rPr>
+                  <a:t>mean</a:t>
+                </a:r>
+                <a:r>
+                  <a:rPr>
+                    <a:latin typeface="Courier"/>
+                  </a:rPr>
+                  <a:t>(trt_26C </a:t>
+                </a:r>
+                <a:r>
+                  <a:rPr>
+                    <a:solidFill>
+                      <a:srgbClr val="4070A0"/>
+                    </a:solidFill>
+                    <a:latin typeface="Courier"/>
+                  </a:rPr>
+                  <a:t>-</a:t>
+                </a:r>
+                <a:r>
+                  <a:rPr>
+                    <a:latin typeface="Courier"/>
+                  </a:rPr>
+                  <a:t> trt_8C)</a:t>
+                </a:r>
+                <a:br/>
+                <a:r>
+                  <a:rPr>
+                    <a:latin typeface="Courier"/>
+                  </a:rPr>
+                  <a:t>        dat[i, </a:t>
+                </a:r>
+                <a:r>
+                  <a:rPr>
+                    <a:solidFill>
+                      <a:srgbClr val="40A070"/>
+                    </a:solidFill>
+                    <a:latin typeface="Courier"/>
+                  </a:rPr>
+                  <a:t>2</a:t>
+                </a:r>
+                <a:r>
+                  <a:rPr>
+                    <a:latin typeface="Courier"/>
+                  </a:rPr>
+                  <a:t>] </a:t>
+                </a:r>
+                <a:r>
+                  <a:rPr>
+                    <a:solidFill>
+                      <a:srgbClr val="007020"/>
+                    </a:solidFill>
+                    <a:latin typeface="Courier"/>
+                  </a:rPr>
+                  <a:t>&lt;-</a:t>
+                </a:r>
+                <a:r>
+                  <a:rPr>
+                    <a:latin typeface="Courier"/>
+                  </a:rPr>
+                  <a:t> </a:t>
+                </a:r>
+                <a:r>
+                  <a:rPr>
+                    <a:solidFill>
+                      <a:srgbClr val="06287E"/>
+                    </a:solidFill>
+                    <a:latin typeface="Courier"/>
+                  </a:rPr>
+                  <a:t>t.test</a:t>
+                </a:r>
+                <a:r>
+                  <a:rPr>
+                    <a:latin typeface="Courier"/>
+                  </a:rPr>
+                  <a:t>(trt_26C, trt_8C)</a:t>
+                </a:r>
+                <a:r>
+                  <a:rPr>
+                    <a:solidFill>
+                      <a:srgbClr val="4070A0"/>
+                    </a:solidFill>
+                    <a:latin typeface="Courier"/>
+                  </a:rPr>
+                  <a:t>$</a:t>
+                </a:r>
+                <a:r>
+                  <a:rPr>
+                    <a:latin typeface="Courier"/>
+                  </a:rPr>
+                  <a:t>p.value</a:t>
+                </a:r>
+                <a:br/>
+                <a:br/>
+                <a:r>
+                  <a:rPr>
+                    <a:latin typeface="Courier"/>
+                  </a:rPr>
+                  <a:t>    }</a:t>
+                </a:r>
+                <a:br/>
+                <a:r>
+                  <a:rPr>
+                    <a:latin typeface="Courier"/>
+                  </a:rPr>
+                  <a:t>    </a:t>
+                </a:r>
+                <a:r>
+                  <a:rPr>
+                    <a:solidFill>
+                      <a:srgbClr val="06287E"/>
+                    </a:solidFill>
+                    <a:latin typeface="Courier"/>
+                  </a:rPr>
+                  <a:t>names</a:t>
+                </a:r>
+                <a:r>
+                  <a:rPr>
+                    <a:latin typeface="Courier"/>
+                  </a:rPr>
+                  <a:t>(dat) </a:t>
+                </a:r>
+                <a:r>
+                  <a:rPr>
+                    <a:solidFill>
+                      <a:srgbClr val="007020"/>
+                    </a:solidFill>
+                    <a:latin typeface="Courier"/>
+                  </a:rPr>
+                  <a:t>&lt;-</a:t>
+                </a:r>
+                <a:r>
+                  <a:rPr>
+                    <a:latin typeface="Courier"/>
+                  </a:rPr>
+                  <a:t> </a:t>
+                </a:r>
+                <a:r>
+                  <a:rPr>
+                    <a:solidFill>
+                      <a:srgbClr val="06287E"/>
+                    </a:solidFill>
+                    <a:latin typeface="Courier"/>
+                  </a:rPr>
+                  <a:t>c</a:t>
+                </a:r>
+                <a:r>
+                  <a:rPr>
+                    <a:latin typeface="Courier"/>
+                  </a:rPr>
+                  <a:t>(</a:t>
+                </a:r>
+                <a:r>
+                  <a:rPr>
+                    <a:solidFill>
+                      <a:srgbClr val="4070A0"/>
+                    </a:solidFill>
+                    <a:latin typeface="Courier"/>
+                  </a:rPr>
+                  <a:t>"effect"</a:t>
+                </a:r>
+                <a:r>
+                  <a:rPr>
+                    <a:latin typeface="Courier"/>
+                  </a:rPr>
+                  <a:t>, </a:t>
+                </a:r>
+                <a:r>
+                  <a:rPr>
+                    <a:solidFill>
+                      <a:srgbClr val="4070A0"/>
+                    </a:solidFill>
+                    <a:latin typeface="Courier"/>
+                  </a:rPr>
+                  <a:t>"p"</a:t>
+                </a:r>
+                <a:r>
+                  <a:rPr>
+                    <a:latin typeface="Courier"/>
+                  </a:rPr>
+                  <a:t>)</a:t>
+                </a:r>
+                <a:br/>
+                <a:r>
+                  <a:rPr>
+                    <a:latin typeface="Courier"/>
+                  </a:rPr>
+                  <a:t>    </a:t>
+                </a:r>
+                <a:r>
+                  <a:rPr>
+                    <a:solidFill>
+                      <a:srgbClr val="06287E"/>
+                    </a:solidFill>
+                    <a:latin typeface="Courier"/>
+                  </a:rPr>
+                  <a:t>return</a:t>
+                </a:r>
+                <a:r>
+                  <a:rPr>
+                    <a:latin typeface="Courier"/>
+                  </a:rPr>
+                  <a:t>(dat)</a:t>
+                </a:r>
+                <a:br/>
+                <a:r>
+                  <a:rPr>
+                    <a:latin typeface="Courier"/>
+                  </a:rPr>
+                  <a:t>}</a:t>
+                </a:r>
+                <a:br/>
+                <a:br/>
+                <a:r>
+                  <a:rPr>
+                    <a:latin typeface="Courier"/>
+                  </a:rPr>
+                  <a:t>expts </a:t>
+                </a:r>
+                <a:r>
+                  <a:rPr>
+                    <a:solidFill>
+                      <a:srgbClr val="007020"/>
+                    </a:solidFill>
+                    <a:latin typeface="Courier"/>
+                  </a:rPr>
+                  <a:t>&lt;-</a:t>
+                </a:r>
+                <a:r>
+                  <a:rPr>
+                    <a:latin typeface="Courier"/>
+                  </a:rPr>
+                  <a:t> </a:t>
+                </a:r>
+                <a:r>
+                  <a:rPr>
+                    <a:solidFill>
+                      <a:srgbClr val="06287E"/>
+                    </a:solidFill>
+                    <a:latin typeface="Courier"/>
+                  </a:rPr>
+                  <a:t>experiment</a:t>
+                </a:r>
+                <a:r>
+                  <a:rPr>
+                    <a:latin typeface="Courier"/>
+                  </a:rPr>
+                  <a:t>(</a:t>
+                </a:r>
+                <a:r>
+                  <a:rPr>
+                    <a:solidFill>
+                      <a:srgbClr val="40A070"/>
+                    </a:solidFill>
+                    <a:latin typeface="Courier"/>
+                  </a:rPr>
+                  <a:t>10000</a:t>
+                </a:r>
+                <a:r>
+                  <a:rPr>
+                    <a:latin typeface="Courier"/>
+                  </a:rPr>
+                  <a:t>)</a:t>
+                </a:r>
+              </a:p>
+              <a:p>
+                <a:pPr lvl="0" indent="0" marL="0">
+                  <a:spcBef>
+                    <a:spcPts val="3000"/>
+                  </a:spcBef>
+                  <a:buNone/>
+                </a:pPr>
+                <a:r>
+                  <a:rPr b="1"/>
+                  <a:t>Figure</a:t>
+                </a:r>
+              </a:p>
             </p:txBody>
           </p:sp>
         </mc:Choice>
       </mc:AlternateContent>
+      <p:pic>
+        <p:nvPicPr>
+          <p:cNvPr descr="code_slides_files/figure-pptx/simfig-1.png" id="0" name="Picture 1"/>
+          <p:cNvPicPr>
+            <a:picLocks noGrp="1" noChangeAspect="1"/>
+          </p:cNvPicPr>
+          <p:nvPr/>
+        </p:nvPicPr>
+        <p:blipFill>
+          <a:blip r:embed="rId2"/>
+          <a:stretch>
+            <a:fillRect/>
+          </a:stretch>
+        </p:blipFill>
+        <p:spPr bwMode="auto">
+          <a:xfrm>
+            <a:off x="3568700" y="355600"/>
+            <a:ext cx="5105400" cy="4089400"/>
+          </a:xfrm>
+          <a:prstGeom prst="rect">
+            <a:avLst/>
+          </a:prstGeom>
+          <a:noFill/>
+          <a:ln w="9525">
+            <a:noFill/>
+            <a:headEnd/>
+            <a:tailEnd/>
+          </a:ln>
+        </p:spPr>
+      </p:pic>
     </p:spTree>
   </p:cSld>
   <p:timing>
@@ -3367,9 +4420,9 @@
                                           </p:stCondLst>
                                         </p:cTn>
                                         <p:tgtEl>
-                                          <p:spTgt spid="3">
+                                          <p:spTgt spid="4">
                                             <p:txEl>
-                                              <p:pRg st="4" end="4"/>
+                                              <p:pRg st="5" end="5"/>
                                             </p:txEl>
                                           </p:spTgt>
                                         </p:tgtEl>
@@ -3416,9 +4469,9 @@
                                           </p:stCondLst>
                                         </p:cTn>
                                         <p:tgtEl>
-                                          <p:spTgt spid="3">
+                                          <p:spTgt spid="4">
                                             <p:txEl>
-                                              <p:pRg st="5" end="5"/>
+                                              <p:pRg st="6" end="6"/>
                                             </p:txEl>
                                           </p:spTgt>
                                         </p:tgtEl>
@@ -3461,7 +4514,7 @@
       </p:par>
     </p:tnLst>
     <p:bldLst>
-      <p:bldP spid="3" grpId="0" uiExpand="1" build="p"/>
+      <p:bldP spid="4" grpId="0" uiExpand="1" build="p"/>
     </p:bldLst>
   </p:timing>
 </p:sld>
@@ -3484,1238 +4537,6 @@
           <a:chExt cx="0" cy="0"/>
         </a:xfrm>
       </p:grpSpPr>
-      <p:sp>
-        <p:nvSpPr>
-          <p:cNvPr id="2" name="Title 1"/>
-          <p:cNvSpPr>
-            <a:spLocks noGrp="1"/>
-          </p:cNvSpPr>
-          <p:nvPr>
-            <p:ph type="title"/>
-          </p:nvPr>
-        </p:nvSpPr>
-        <p:spPr/>
-        <p:txBody>
-          <a:bodyPr/>
-          <a:lstStyle/>
-          <a:p>
-            <a:pPr lvl="0" indent="0" marL="0">
-              <a:buNone/>
-            </a:pPr>
-            <a:r>
-              <a:rPr/>
-              <a:t>Slide with R Output</a:t>
-            </a:r>
-          </a:p>
-        </p:txBody>
-      </p:sp>
-      <p:sp>
-        <p:nvSpPr>
-          <p:cNvPr id="3" name="Content Placeholder 2"/>
-          <p:cNvSpPr>
-            <a:spLocks noGrp="1"/>
-          </p:cNvSpPr>
-          <p:nvPr>
-            <p:ph idx="1"/>
-          </p:nvPr>
-        </p:nvSpPr>
-        <p:spPr/>
-        <p:txBody>
-          <a:bodyPr/>
-          <a:lstStyle/>
-          <a:p>
-            <a:pPr lvl="0" indent="0">
-              <a:buNone/>
-            </a:pPr>
-            <a:r>
-              <a:rPr i="1">
-                <a:solidFill>
-                  <a:srgbClr val="60A0B0"/>
-                </a:solidFill>
-                <a:latin typeface="Courier"/>
-              </a:rPr>
-              <a:t># LDH activity in 8 C treatment</a:t>
-            </a:r>
-            <a:br/>
-            <a:r>
-              <a:rPr>
-                <a:latin typeface="Courier"/>
-              </a:rPr>
-              <a:t>trt_8C </a:t>
-            </a:r>
-            <a:r>
-              <a:rPr>
-                <a:solidFill>
-                  <a:srgbClr val="007020"/>
-                </a:solidFill>
-                <a:latin typeface="Courier"/>
-              </a:rPr>
-              <a:t>&lt;-</a:t>
-            </a:r>
-            <a:r>
-              <a:rPr>
-                <a:latin typeface="Courier"/>
-              </a:rPr>
-              <a:t> </a:t>
-            </a:r>
-            <a:r>
-              <a:rPr>
-                <a:solidFill>
-                  <a:srgbClr val="06287E"/>
-                </a:solidFill>
-                <a:latin typeface="Courier"/>
-              </a:rPr>
-              <a:t>rnorm</a:t>
-            </a:r>
-            <a:r>
-              <a:rPr>
-                <a:latin typeface="Courier"/>
-              </a:rPr>
-              <a:t>(</a:t>
-            </a:r>
-            <a:r>
-              <a:rPr>
-                <a:solidFill>
-                  <a:srgbClr val="40A070"/>
-                </a:solidFill>
-                <a:latin typeface="Courier"/>
-              </a:rPr>
-              <a:t>10</a:t>
-            </a:r>
-            <a:r>
-              <a:rPr>
-                <a:latin typeface="Courier"/>
-              </a:rPr>
-              <a:t>, </a:t>
-            </a:r>
-            <a:r>
-              <a:rPr>
-                <a:solidFill>
-                  <a:srgbClr val="40A070"/>
-                </a:solidFill>
-                <a:latin typeface="Courier"/>
-              </a:rPr>
-              <a:t>0.4</a:t>
-            </a:r>
-            <a:r>
-              <a:rPr>
-                <a:latin typeface="Courier"/>
-              </a:rPr>
-              <a:t>, </a:t>
-            </a:r>
-            <a:r>
-              <a:rPr>
-                <a:solidFill>
-                  <a:srgbClr val="40A070"/>
-                </a:solidFill>
-                <a:latin typeface="Courier"/>
-              </a:rPr>
-              <a:t>0.5</a:t>
-            </a:r>
-            <a:r>
-              <a:rPr>
-                <a:latin typeface="Courier"/>
-              </a:rPr>
-              <a:t>)</a:t>
-            </a:r>
-            <a:br/>
-            <a:br/>
-            <a:r>
-              <a:rPr i="1">
-                <a:solidFill>
-                  <a:srgbClr val="60A0B0"/>
-                </a:solidFill>
-                <a:latin typeface="Courier"/>
-              </a:rPr>
-              <a:t># LDH activity in 26 C treatment</a:t>
-            </a:r>
-            <a:br/>
-            <a:r>
-              <a:rPr>
-                <a:latin typeface="Courier"/>
-              </a:rPr>
-              <a:t>trt_26C </a:t>
-            </a:r>
-            <a:r>
-              <a:rPr>
-                <a:solidFill>
-                  <a:srgbClr val="007020"/>
-                </a:solidFill>
-                <a:latin typeface="Courier"/>
-              </a:rPr>
-              <a:t>&lt;-</a:t>
-            </a:r>
-            <a:r>
-              <a:rPr>
-                <a:latin typeface="Courier"/>
-              </a:rPr>
-              <a:t> </a:t>
-            </a:r>
-            <a:r>
-              <a:rPr>
-                <a:solidFill>
-                  <a:srgbClr val="06287E"/>
-                </a:solidFill>
-                <a:latin typeface="Courier"/>
-              </a:rPr>
-              <a:t>rnorm</a:t>
-            </a:r>
-            <a:r>
-              <a:rPr>
-                <a:latin typeface="Courier"/>
-              </a:rPr>
-              <a:t>(</a:t>
-            </a:r>
-            <a:r>
-              <a:rPr>
-                <a:solidFill>
-                  <a:srgbClr val="40A070"/>
-                </a:solidFill>
-                <a:latin typeface="Courier"/>
-              </a:rPr>
-              <a:t>10</a:t>
-            </a:r>
-            <a:r>
-              <a:rPr>
-                <a:latin typeface="Courier"/>
-              </a:rPr>
-              <a:t>, </a:t>
-            </a:r>
-            <a:r>
-              <a:rPr>
-                <a:solidFill>
-                  <a:srgbClr val="40A070"/>
-                </a:solidFill>
-                <a:latin typeface="Courier"/>
-              </a:rPr>
-              <a:t>0.6</a:t>
-            </a:r>
-            <a:r>
-              <a:rPr>
-                <a:latin typeface="Courier"/>
-              </a:rPr>
-              <a:t>, </a:t>
-            </a:r>
-            <a:r>
-              <a:rPr>
-                <a:solidFill>
-                  <a:srgbClr val="40A070"/>
-                </a:solidFill>
-                <a:latin typeface="Courier"/>
-              </a:rPr>
-              <a:t>0.2</a:t>
-            </a:r>
-            <a:r>
-              <a:rPr>
-                <a:latin typeface="Courier"/>
-              </a:rPr>
-              <a:t>)</a:t>
-            </a:r>
-            <a:br/>
-            <a:br/>
-            <a:r>
-              <a:rPr i="1">
-                <a:solidFill>
-                  <a:srgbClr val="60A0B0"/>
-                </a:solidFill>
-                <a:latin typeface="Courier"/>
-              </a:rPr>
-              <a:t># What's the difference, i.e., effect size, between treatments?</a:t>
-            </a:r>
-            <a:br/>
-            <a:r>
-              <a:rPr>
-                <a:solidFill>
-                  <a:srgbClr val="06287E"/>
-                </a:solidFill>
-                <a:latin typeface="Courier"/>
-              </a:rPr>
-              <a:t>mean</a:t>
-            </a:r>
-            <a:r>
-              <a:rPr>
-                <a:latin typeface="Courier"/>
-              </a:rPr>
-              <a:t>(trt_26C </a:t>
-            </a:r>
-            <a:r>
-              <a:rPr>
-                <a:solidFill>
-                  <a:srgbClr val="4070A0"/>
-                </a:solidFill>
-                <a:latin typeface="Courier"/>
-              </a:rPr>
-              <a:t>-</a:t>
-            </a:r>
-            <a:r>
-              <a:rPr>
-                <a:latin typeface="Courier"/>
-              </a:rPr>
-              <a:t> trt_8C)</a:t>
-            </a:r>
-          </a:p>
-          <a:p>
-            <a:pPr lvl="0" indent="0">
-              <a:buNone/>
-            </a:pPr>
-            <a:r>
-              <a:rPr>
-                <a:latin typeface="Courier"/>
-              </a:rPr>
-              <a:t>## [1] 0.07522093</a:t>
-            </a:r>
-          </a:p>
-          <a:p>
-            <a:pPr lvl="0" indent="0">
-              <a:buNone/>
-            </a:pPr>
-            <a:r>
-              <a:rPr>
-                <a:solidFill>
-                  <a:srgbClr val="06287E"/>
-                </a:solidFill>
-                <a:latin typeface="Courier"/>
-              </a:rPr>
-              <a:t>t.test</a:t>
-            </a:r>
-            <a:r>
-              <a:rPr>
-                <a:latin typeface="Courier"/>
-              </a:rPr>
-              <a:t>(trt_26C, trt_8C)</a:t>
-            </a:r>
-          </a:p>
-          <a:p>
-            <a:pPr lvl="0" indent="0">
-              <a:buNone/>
-            </a:pPr>
-            <a:r>
-              <a:rPr>
-                <a:latin typeface="Courier"/>
-              </a:rPr>
-              <a:t>## 
-##  Welch Two Sample t-test
-## 
-## data:  trt_26C and trt_8C
-## t = 0.48302, df = 11.994, p-value = 0.6378
-## alternative hypothesis: true difference in means is not equal to 0
-## 95 percent confidence interval:
-##  -0.2641075  0.4145493
-## sample estimates:
-## mean of x mean of y 
-## 0.5368183 0.4615974</a:t>
-            </a:r>
-          </a:p>
-        </p:txBody>
-      </p:sp>
-    </p:spTree>
-  </p:cSld>
-</p:sld>
-</file>
-
-<file path=ppt/slides/slide4.xml><?xml version="1.0" encoding="utf-8"?>
-<p:sld xmlns:a="http://schemas.openxmlformats.org/drawingml/2006/main" xmlns:r="http://schemas.openxmlformats.org/officeDocument/2006/relationships" xmlns:p="http://schemas.openxmlformats.org/presentationml/2006/main">
-  <p:cSld>
-    <p:spTree>
-      <p:nvGrpSpPr>
-        <p:cNvPr id="1" name=""/>
-        <p:cNvGrpSpPr/>
-        <p:nvPr/>
-      </p:nvGrpSpPr>
-      <p:grpSpPr>
-        <a:xfrm>
-          <a:off x="0" y="0"/>
-          <a:ext cx="0" cy="0"/>
-          <a:chOff x="0" y="0"/>
-          <a:chExt cx="0" cy="0"/>
-        </a:xfrm>
-      </p:grpSpPr>
-      <p:sp>
-        <p:nvSpPr>
-          <p:cNvPr id="2" name="Title 1"/>
-          <p:cNvSpPr>
-            <a:spLocks noGrp="1"/>
-          </p:cNvSpPr>
-          <p:nvPr>
-            <p:ph type="title"/>
-          </p:nvPr>
-        </p:nvSpPr>
-        <p:spPr/>
-        <p:txBody>
-          <a:bodyPr/>
-          <a:lstStyle/>
-          <a:p>
-            <a:pPr lvl="0" indent="0" marL="0">
-              <a:buNone/>
-            </a:pPr>
-            <a:r>
-              <a:rPr/>
-              <a:t>Do 1000s of experiments</a:t>
-            </a:r>
-          </a:p>
-        </p:txBody>
-      </p:sp>
-      <p:sp>
-        <p:nvSpPr>
-          <p:cNvPr id="3" name="Content Placeholder 2"/>
-          <p:cNvSpPr>
-            <a:spLocks noGrp="1"/>
-          </p:cNvSpPr>
-          <p:nvPr>
-            <p:ph idx="1"/>
-          </p:nvPr>
-        </p:nvSpPr>
-        <p:spPr/>
-        <p:txBody>
-          <a:bodyPr/>
-          <a:lstStyle/>
-          <a:p>
-            <a:pPr lvl="0" indent="0">
-              <a:buNone/>
-            </a:pPr>
-            <a:r>
-              <a:rPr>
-                <a:latin typeface="Courier"/>
-              </a:rPr>
-              <a:t>experiment </a:t>
-            </a:r>
-            <a:r>
-              <a:rPr>
-                <a:solidFill>
-                  <a:srgbClr val="007020"/>
-                </a:solidFill>
-                <a:latin typeface="Courier"/>
-              </a:rPr>
-              <a:t>&lt;-</a:t>
-            </a:r>
-            <a:r>
-              <a:rPr>
-                <a:latin typeface="Courier"/>
-              </a:rPr>
-              <a:t> </a:t>
-            </a:r>
-            <a:r>
-              <a:rPr b="1">
-                <a:solidFill>
-                  <a:srgbClr val="007020"/>
-                </a:solidFill>
-                <a:latin typeface="Courier"/>
-              </a:rPr>
-              <a:t>function</a:t>
-            </a:r>
-            <a:r>
-              <a:rPr>
-                <a:latin typeface="Courier"/>
-              </a:rPr>
-              <a:t>(times) {</a:t>
-            </a:r>
-            <a:br/>
-            <a:br/>
-            <a:r>
-              <a:rPr>
-                <a:latin typeface="Courier"/>
-              </a:rPr>
-              <a:t>    dat </a:t>
-            </a:r>
-            <a:r>
-              <a:rPr>
-                <a:solidFill>
-                  <a:srgbClr val="007020"/>
-                </a:solidFill>
-                <a:latin typeface="Courier"/>
-              </a:rPr>
-              <a:t>&lt;-</a:t>
-            </a:r>
-            <a:r>
-              <a:rPr>
-                <a:latin typeface="Courier"/>
-              </a:rPr>
-              <a:t> </a:t>
-            </a:r>
-            <a:r>
-              <a:rPr>
-                <a:solidFill>
-                  <a:srgbClr val="06287E"/>
-                </a:solidFill>
-                <a:latin typeface="Courier"/>
-              </a:rPr>
-              <a:t>data.frame</a:t>
-            </a:r>
-            <a:r>
-              <a:rPr>
-                <a:latin typeface="Courier"/>
-              </a:rPr>
-              <a:t>(</a:t>
-            </a:r>
-            <a:r>
-              <a:rPr>
-                <a:solidFill>
-                  <a:srgbClr val="06287E"/>
-                </a:solidFill>
-                <a:latin typeface="Courier"/>
-              </a:rPr>
-              <a:t>matrix</a:t>
-            </a:r>
-            <a:r>
-              <a:rPr>
-                <a:latin typeface="Courier"/>
-              </a:rPr>
-              <a:t>(</a:t>
-            </a:r>
-            <a:r>
-              <a:rPr>
-                <a:solidFill>
-                  <a:srgbClr val="7D9029"/>
-                </a:solidFill>
-                <a:latin typeface="Courier"/>
-              </a:rPr>
-              <a:t>nrow =</a:t>
-            </a:r>
-            <a:r>
-              <a:rPr>
-                <a:latin typeface="Courier"/>
-              </a:rPr>
-              <a:t> times, </a:t>
-            </a:r>
-            <a:r>
-              <a:rPr>
-                <a:solidFill>
-                  <a:srgbClr val="7D9029"/>
-                </a:solidFill>
-                <a:latin typeface="Courier"/>
-              </a:rPr>
-              <a:t>ncol =</a:t>
-            </a:r>
-            <a:r>
-              <a:rPr>
-                <a:latin typeface="Courier"/>
-              </a:rPr>
-              <a:t> </a:t>
-            </a:r>
-            <a:r>
-              <a:rPr>
-                <a:solidFill>
-                  <a:srgbClr val="40A070"/>
-                </a:solidFill>
-                <a:latin typeface="Courier"/>
-              </a:rPr>
-              <a:t>2</a:t>
-            </a:r>
-            <a:r>
-              <a:rPr>
-                <a:latin typeface="Courier"/>
-              </a:rPr>
-              <a:t>))</a:t>
-            </a:r>
-            <a:br/>
-            <a:br/>
-            <a:r>
-              <a:rPr>
-                <a:latin typeface="Courier"/>
-              </a:rPr>
-              <a:t>    </a:t>
-            </a:r>
-            <a:r>
-              <a:rPr b="1">
-                <a:solidFill>
-                  <a:srgbClr val="007020"/>
-                </a:solidFill>
-                <a:latin typeface="Courier"/>
-              </a:rPr>
-              <a:t>for</a:t>
-            </a:r>
-            <a:r>
-              <a:rPr>
-                <a:latin typeface="Courier"/>
-              </a:rPr>
-              <a:t> (i </a:t>
-            </a:r>
-            <a:r>
-              <a:rPr b="1">
-                <a:solidFill>
-                  <a:srgbClr val="007020"/>
-                </a:solidFill>
-                <a:latin typeface="Courier"/>
-              </a:rPr>
-              <a:t>in</a:t>
-            </a:r>
-            <a:r>
-              <a:rPr>
-                <a:latin typeface="Courier"/>
-              </a:rPr>
-              <a:t> </a:t>
-            </a:r>
-            <a:r>
-              <a:rPr>
-                <a:solidFill>
-                  <a:srgbClr val="40A070"/>
-                </a:solidFill>
-                <a:latin typeface="Courier"/>
-              </a:rPr>
-              <a:t>1</a:t>
-            </a:r>
-            <a:r>
-              <a:rPr>
-                <a:solidFill>
-                  <a:srgbClr val="4070A0"/>
-                </a:solidFill>
-                <a:latin typeface="Courier"/>
-              </a:rPr>
-              <a:t>:</a:t>
-            </a:r>
-            <a:r>
-              <a:rPr>
-                <a:latin typeface="Courier"/>
-              </a:rPr>
-              <a:t>times) {</a:t>
-            </a:r>
-            <a:br/>
-            <a:r>
-              <a:rPr>
-                <a:latin typeface="Courier"/>
-              </a:rPr>
-              <a:t>        </a:t>
-            </a:r>
-            <a:r>
-              <a:rPr i="1">
-                <a:solidFill>
-                  <a:srgbClr val="60A0B0"/>
-                </a:solidFill>
-                <a:latin typeface="Courier"/>
-              </a:rPr>
-              <a:t># LDH activity in 8 C treatment</a:t>
-            </a:r>
-            <a:br/>
-            <a:r>
-              <a:rPr>
-                <a:latin typeface="Courier"/>
-              </a:rPr>
-              <a:t>        trt_8C </a:t>
-            </a:r>
-            <a:r>
-              <a:rPr>
-                <a:solidFill>
-                  <a:srgbClr val="007020"/>
-                </a:solidFill>
-                <a:latin typeface="Courier"/>
-              </a:rPr>
-              <a:t>&lt;-</a:t>
-            </a:r>
-            <a:r>
-              <a:rPr>
-                <a:latin typeface="Courier"/>
-              </a:rPr>
-              <a:t> </a:t>
-            </a:r>
-            <a:r>
-              <a:rPr>
-                <a:solidFill>
-                  <a:srgbClr val="06287E"/>
-                </a:solidFill>
-                <a:latin typeface="Courier"/>
-              </a:rPr>
-              <a:t>rnorm</a:t>
-            </a:r>
-            <a:r>
-              <a:rPr>
-                <a:latin typeface="Courier"/>
-              </a:rPr>
-              <a:t>(</a:t>
-            </a:r>
-            <a:r>
-              <a:rPr>
-                <a:solidFill>
-                  <a:srgbClr val="40A070"/>
-                </a:solidFill>
-                <a:latin typeface="Courier"/>
-              </a:rPr>
-              <a:t>10</a:t>
-            </a:r>
-            <a:r>
-              <a:rPr>
-                <a:latin typeface="Courier"/>
-              </a:rPr>
-              <a:t>, </a:t>
-            </a:r>
-            <a:r>
-              <a:rPr>
-                <a:solidFill>
-                  <a:srgbClr val="40A070"/>
-                </a:solidFill>
-                <a:latin typeface="Courier"/>
-              </a:rPr>
-              <a:t>0.4</a:t>
-            </a:r>
-            <a:r>
-              <a:rPr>
-                <a:latin typeface="Courier"/>
-              </a:rPr>
-              <a:t>, </a:t>
-            </a:r>
-            <a:r>
-              <a:rPr>
-                <a:solidFill>
-                  <a:srgbClr val="40A070"/>
-                </a:solidFill>
-                <a:latin typeface="Courier"/>
-              </a:rPr>
-              <a:t>0.5</a:t>
-            </a:r>
-            <a:r>
-              <a:rPr>
-                <a:latin typeface="Courier"/>
-              </a:rPr>
-              <a:t>)</a:t>
-            </a:r>
-            <a:br/>
-            <a:br/>
-            <a:r>
-              <a:rPr>
-                <a:latin typeface="Courier"/>
-              </a:rPr>
-              <a:t>        </a:t>
-            </a:r>
-            <a:r>
-              <a:rPr i="1">
-                <a:solidFill>
-                  <a:srgbClr val="60A0B0"/>
-                </a:solidFill>
-                <a:latin typeface="Courier"/>
-              </a:rPr>
-              <a:t># LDH activity in 26 C treatment</a:t>
-            </a:r>
-            <a:br/>
-            <a:r>
-              <a:rPr>
-                <a:latin typeface="Courier"/>
-              </a:rPr>
-              <a:t>        trt_26C </a:t>
-            </a:r>
-            <a:r>
-              <a:rPr>
-                <a:solidFill>
-                  <a:srgbClr val="007020"/>
-                </a:solidFill>
-                <a:latin typeface="Courier"/>
-              </a:rPr>
-              <a:t>&lt;-</a:t>
-            </a:r>
-            <a:r>
-              <a:rPr>
-                <a:latin typeface="Courier"/>
-              </a:rPr>
-              <a:t> </a:t>
-            </a:r>
-            <a:r>
-              <a:rPr>
-                <a:solidFill>
-                  <a:srgbClr val="06287E"/>
-                </a:solidFill>
-                <a:latin typeface="Courier"/>
-              </a:rPr>
-              <a:t>rnorm</a:t>
-            </a:r>
-            <a:r>
-              <a:rPr>
-                <a:latin typeface="Courier"/>
-              </a:rPr>
-              <a:t>(</a:t>
-            </a:r>
-            <a:r>
-              <a:rPr>
-                <a:solidFill>
-                  <a:srgbClr val="40A070"/>
-                </a:solidFill>
-                <a:latin typeface="Courier"/>
-              </a:rPr>
-              <a:t>10</a:t>
-            </a:r>
-            <a:r>
-              <a:rPr>
-                <a:latin typeface="Courier"/>
-              </a:rPr>
-              <a:t>, </a:t>
-            </a:r>
-            <a:r>
-              <a:rPr>
-                <a:solidFill>
-                  <a:srgbClr val="40A070"/>
-                </a:solidFill>
-                <a:latin typeface="Courier"/>
-              </a:rPr>
-              <a:t>0.6</a:t>
-            </a:r>
-            <a:r>
-              <a:rPr>
-                <a:latin typeface="Courier"/>
-              </a:rPr>
-              <a:t>, </a:t>
-            </a:r>
-            <a:r>
-              <a:rPr>
-                <a:solidFill>
-                  <a:srgbClr val="40A070"/>
-                </a:solidFill>
-                <a:latin typeface="Courier"/>
-              </a:rPr>
-              <a:t>0.2</a:t>
-            </a:r>
-            <a:r>
-              <a:rPr>
-                <a:latin typeface="Courier"/>
-              </a:rPr>
-              <a:t>)</a:t>
-            </a:r>
-            <a:br/>
-            <a:br/>
-            <a:r>
-              <a:rPr>
-                <a:latin typeface="Courier"/>
-              </a:rPr>
-              <a:t>        </a:t>
-            </a:r>
-            <a:r>
-              <a:rPr i="1">
-                <a:solidFill>
-                  <a:srgbClr val="60A0B0"/>
-                </a:solidFill>
-                <a:latin typeface="Courier"/>
-              </a:rPr>
-              <a:t># What's the difference, i.e., effect size, between treatments?</a:t>
-            </a:r>
-            <a:br/>
-            <a:r>
-              <a:rPr>
-                <a:latin typeface="Courier"/>
-              </a:rPr>
-              <a:t>        dat[i, </a:t>
-            </a:r>
-            <a:r>
-              <a:rPr>
-                <a:solidFill>
-                  <a:srgbClr val="40A070"/>
-                </a:solidFill>
-                <a:latin typeface="Courier"/>
-              </a:rPr>
-              <a:t>1</a:t>
-            </a:r>
-            <a:r>
-              <a:rPr>
-                <a:latin typeface="Courier"/>
-              </a:rPr>
-              <a:t>] </a:t>
-            </a:r>
-            <a:r>
-              <a:rPr>
-                <a:solidFill>
-                  <a:srgbClr val="007020"/>
-                </a:solidFill>
-                <a:latin typeface="Courier"/>
-              </a:rPr>
-              <a:t>&lt;-</a:t>
-            </a:r>
-            <a:r>
-              <a:rPr>
-                <a:latin typeface="Courier"/>
-              </a:rPr>
-              <a:t> </a:t>
-            </a:r>
-            <a:r>
-              <a:rPr>
-                <a:solidFill>
-                  <a:srgbClr val="06287E"/>
-                </a:solidFill>
-                <a:latin typeface="Courier"/>
-              </a:rPr>
-              <a:t>mean</a:t>
-            </a:r>
-            <a:r>
-              <a:rPr>
-                <a:latin typeface="Courier"/>
-              </a:rPr>
-              <a:t>(trt_26C </a:t>
-            </a:r>
-            <a:r>
-              <a:rPr>
-                <a:solidFill>
-                  <a:srgbClr val="4070A0"/>
-                </a:solidFill>
-                <a:latin typeface="Courier"/>
-              </a:rPr>
-              <a:t>-</a:t>
-            </a:r>
-            <a:r>
-              <a:rPr>
-                <a:latin typeface="Courier"/>
-              </a:rPr>
-              <a:t> trt_8C)</a:t>
-            </a:r>
-            <a:br/>
-            <a:r>
-              <a:rPr>
-                <a:latin typeface="Courier"/>
-              </a:rPr>
-              <a:t>        dat[i, </a:t>
-            </a:r>
-            <a:r>
-              <a:rPr>
-                <a:solidFill>
-                  <a:srgbClr val="40A070"/>
-                </a:solidFill>
-                <a:latin typeface="Courier"/>
-              </a:rPr>
-              <a:t>2</a:t>
-            </a:r>
-            <a:r>
-              <a:rPr>
-                <a:latin typeface="Courier"/>
-              </a:rPr>
-              <a:t>] </a:t>
-            </a:r>
-            <a:r>
-              <a:rPr>
-                <a:solidFill>
-                  <a:srgbClr val="007020"/>
-                </a:solidFill>
-                <a:latin typeface="Courier"/>
-              </a:rPr>
-              <a:t>&lt;-</a:t>
-            </a:r>
-            <a:r>
-              <a:rPr>
-                <a:latin typeface="Courier"/>
-              </a:rPr>
-              <a:t> </a:t>
-            </a:r>
-            <a:r>
-              <a:rPr>
-                <a:solidFill>
-                  <a:srgbClr val="06287E"/>
-                </a:solidFill>
-                <a:latin typeface="Courier"/>
-              </a:rPr>
-              <a:t>t.test</a:t>
-            </a:r>
-            <a:r>
-              <a:rPr>
-                <a:latin typeface="Courier"/>
-              </a:rPr>
-              <a:t>(trt_26C, trt_8C)</a:t>
-            </a:r>
-            <a:r>
-              <a:rPr>
-                <a:solidFill>
-                  <a:srgbClr val="4070A0"/>
-                </a:solidFill>
-                <a:latin typeface="Courier"/>
-              </a:rPr>
-              <a:t>$</a:t>
-            </a:r>
-            <a:r>
-              <a:rPr>
-                <a:latin typeface="Courier"/>
-              </a:rPr>
-              <a:t>p.value</a:t>
-            </a:r>
-            <a:br/>
-            <a:br/>
-            <a:r>
-              <a:rPr>
-                <a:latin typeface="Courier"/>
-              </a:rPr>
-              <a:t>    }</a:t>
-            </a:r>
-            <a:br/>
-            <a:r>
-              <a:rPr>
-                <a:latin typeface="Courier"/>
-              </a:rPr>
-              <a:t>    </a:t>
-            </a:r>
-            <a:r>
-              <a:rPr>
-                <a:solidFill>
-                  <a:srgbClr val="06287E"/>
-                </a:solidFill>
-                <a:latin typeface="Courier"/>
-              </a:rPr>
-              <a:t>names</a:t>
-            </a:r>
-            <a:r>
-              <a:rPr>
-                <a:latin typeface="Courier"/>
-              </a:rPr>
-              <a:t>(dat) </a:t>
-            </a:r>
-            <a:r>
-              <a:rPr>
-                <a:solidFill>
-                  <a:srgbClr val="007020"/>
-                </a:solidFill>
-                <a:latin typeface="Courier"/>
-              </a:rPr>
-              <a:t>&lt;-</a:t>
-            </a:r>
-            <a:r>
-              <a:rPr>
-                <a:latin typeface="Courier"/>
-              </a:rPr>
-              <a:t> </a:t>
-            </a:r>
-            <a:r>
-              <a:rPr>
-                <a:solidFill>
-                  <a:srgbClr val="06287E"/>
-                </a:solidFill>
-                <a:latin typeface="Courier"/>
-              </a:rPr>
-              <a:t>c</a:t>
-            </a:r>
-            <a:r>
-              <a:rPr>
-                <a:latin typeface="Courier"/>
-              </a:rPr>
-              <a:t>(</a:t>
-            </a:r>
-            <a:r>
-              <a:rPr>
-                <a:solidFill>
-                  <a:srgbClr val="4070A0"/>
-                </a:solidFill>
-                <a:latin typeface="Courier"/>
-              </a:rPr>
-              <a:t>"effect"</a:t>
-            </a:r>
-            <a:r>
-              <a:rPr>
-                <a:latin typeface="Courier"/>
-              </a:rPr>
-              <a:t>, </a:t>
-            </a:r>
-            <a:r>
-              <a:rPr>
-                <a:solidFill>
-                  <a:srgbClr val="4070A0"/>
-                </a:solidFill>
-                <a:latin typeface="Courier"/>
-              </a:rPr>
-              <a:t>"p"</a:t>
-            </a:r>
-            <a:r>
-              <a:rPr>
-                <a:latin typeface="Courier"/>
-              </a:rPr>
-              <a:t>)</a:t>
-            </a:r>
-            <a:br/>
-            <a:r>
-              <a:rPr>
-                <a:latin typeface="Courier"/>
-              </a:rPr>
-              <a:t>    </a:t>
-            </a:r>
-            <a:r>
-              <a:rPr>
-                <a:solidFill>
-                  <a:srgbClr val="06287E"/>
-                </a:solidFill>
-                <a:latin typeface="Courier"/>
-              </a:rPr>
-              <a:t>return</a:t>
-            </a:r>
-            <a:r>
-              <a:rPr>
-                <a:latin typeface="Courier"/>
-              </a:rPr>
-              <a:t>(dat)</a:t>
-            </a:r>
-            <a:br/>
-            <a:r>
-              <a:rPr>
-                <a:latin typeface="Courier"/>
-              </a:rPr>
-              <a:t>}</a:t>
-            </a:r>
-            <a:br/>
-            <a:br/>
-            <a:r>
-              <a:rPr>
-                <a:latin typeface="Courier"/>
-              </a:rPr>
-              <a:t>expts </a:t>
-            </a:r>
-            <a:r>
-              <a:rPr>
-                <a:solidFill>
-                  <a:srgbClr val="007020"/>
-                </a:solidFill>
-                <a:latin typeface="Courier"/>
-              </a:rPr>
-              <a:t>&lt;-</a:t>
-            </a:r>
-            <a:r>
-              <a:rPr>
-                <a:latin typeface="Courier"/>
-              </a:rPr>
-              <a:t> </a:t>
-            </a:r>
-            <a:r>
-              <a:rPr>
-                <a:solidFill>
-                  <a:srgbClr val="06287E"/>
-                </a:solidFill>
-                <a:latin typeface="Courier"/>
-              </a:rPr>
-              <a:t>experiment</a:t>
-            </a:r>
-            <a:r>
-              <a:rPr>
-                <a:latin typeface="Courier"/>
-              </a:rPr>
-              <a:t>(</a:t>
-            </a:r>
-            <a:r>
-              <a:rPr>
-                <a:solidFill>
-                  <a:srgbClr val="40A070"/>
-                </a:solidFill>
-                <a:latin typeface="Courier"/>
-              </a:rPr>
-              <a:t>10000</a:t>
-            </a:r>
-            <a:r>
-              <a:rPr>
-                <a:latin typeface="Courier"/>
-              </a:rPr>
-              <a:t>)</a:t>
-            </a:r>
-          </a:p>
-        </p:txBody>
-      </p:sp>
-    </p:spTree>
-  </p:cSld>
-</p:sld>
-</file>
-
-<file path=ppt/slides/slide5.xml><?xml version="1.0" encoding="utf-8"?>
-<p:sld xmlns:a="http://schemas.openxmlformats.org/drawingml/2006/main" xmlns:r="http://schemas.openxmlformats.org/officeDocument/2006/relationships" xmlns:p="http://schemas.openxmlformats.org/presentationml/2006/main">
-  <p:cSld>
-    <p:spTree>
-      <p:nvGrpSpPr>
-        <p:cNvPr id="1" name=""/>
-        <p:cNvGrpSpPr/>
-        <p:nvPr/>
-      </p:nvGrpSpPr>
-      <p:grpSpPr>
-        <a:xfrm>
-          <a:off x="0" y="0"/>
-          <a:ext cx="0" cy="0"/>
-          <a:chOff x="0" y="0"/>
-          <a:chExt cx="0" cy="0"/>
-        </a:xfrm>
-      </p:grpSpPr>
-      <p:sp>
-        <p:nvSpPr>
-          <p:cNvPr id="2" name="Title 1"/>
-          <p:cNvSpPr>
-            <a:spLocks noGrp="1"/>
-          </p:cNvSpPr>
-          <p:nvPr>
-            <p:ph type="title"/>
-          </p:nvPr>
-        </p:nvSpPr>
-        <p:spPr/>
-        <p:txBody>
-          <a:bodyPr/>
-          <a:lstStyle/>
-          <a:p>
-            <a:pPr lvl="0" indent="0" marL="0">
-              <a:buNone/>
-            </a:pPr>
-            <a:r>
-              <a:rPr/>
-              <a:t>Figure</a:t>
-            </a:r>
-          </a:p>
-        </p:txBody>
-      </p:sp>
-      <p:pic>
-        <p:nvPicPr>
-          <p:cNvPr descr="code_slides_files/figure-pptx/simfig-1.png" id="0" name="Picture 1"/>
-          <p:cNvPicPr>
-            <a:picLocks noGrp="1" noChangeAspect="1"/>
-          </p:cNvPicPr>
-          <p:nvPr/>
-        </p:nvPicPr>
-        <p:blipFill>
-          <a:blip r:embed="rId2"/>
-          <a:stretch>
-            <a:fillRect/>
-          </a:stretch>
-        </p:blipFill>
-        <p:spPr bwMode="auto">
-          <a:xfrm>
-            <a:off x="2451100" y="1193800"/>
-            <a:ext cx="4241800" cy="3390900"/>
-          </a:xfrm>
-          <a:prstGeom prst="rect">
-            <a:avLst/>
-          </a:prstGeom>
-          <a:noFill/>
-          <a:ln w="9525">
-            <a:noFill/>
-            <a:headEnd/>
-            <a:tailEnd/>
-          </a:ln>
-        </p:spPr>
-      </p:pic>
-    </p:spTree>
-  </p:cSld>
-</p:sld>
-</file>
-
-<file path=ppt/slides/slide6.xml><?xml version="1.0" encoding="utf-8"?>
-<p:sld xmlns:a="http://schemas.openxmlformats.org/drawingml/2006/main" xmlns:r="http://schemas.openxmlformats.org/officeDocument/2006/relationships" xmlns:p="http://schemas.openxmlformats.org/presentationml/2006/main">
-  <p:cSld>
-    <p:spTree>
-      <p:nvGrpSpPr>
-        <p:cNvPr id="1" name=""/>
-        <p:cNvGrpSpPr/>
-        <p:nvPr/>
-      </p:nvGrpSpPr>
-      <p:grpSpPr>
-        <a:xfrm>
-          <a:off x="0" y="0"/>
-          <a:ext cx="0" cy="0"/>
-          <a:chOff x="0" y="0"/>
-          <a:chExt cx="0" cy="0"/>
-        </a:xfrm>
-      </p:grpSpPr>
-      <p:sp>
-        <p:nvSpPr>
-          <p:cNvPr id="2" name="Title 1"/>
-          <p:cNvSpPr>
-            <a:spLocks noGrp="1"/>
-          </p:cNvSpPr>
-          <p:nvPr>
-            <p:ph type="title"/>
-          </p:nvPr>
-        </p:nvSpPr>
-        <p:spPr/>
-        <p:txBody>
-          <a:bodyPr/>
-          <a:lstStyle/>
-          <a:p>
-            <a:pPr lvl="0" indent="0" marL="0">
-              <a:buNone/>
-            </a:pPr>
-            <a:r>
-              <a:rPr/>
-              <a:t>errors</a:t>
-            </a:r>
-          </a:p>
-        </p:txBody>
-      </p:sp>
       <mc:AlternateContent xmlns:mc="http://schemas.openxmlformats.org/markup-compatibility/2006">
         <mc:Choice xmlns:a14="http://schemas.microsoft.com/office/drawing/2010/main" Requires="a14">
           <p:sp>
@@ -4732,6 +4553,23 @@
             <p:txBody>
               <a:bodyPr/>
               <a:lstStyle/>
+              <a:p>
+                <a:pPr lvl="0" indent="0" marL="0">
+                  <a:buNone/>
+                </a:pPr>
+              </a:p>
+              <a:p>
+                <a:pPr lvl="0" indent="0" marL="0">
+                  <a:spcBef>
+                    <a:spcPts val="3000"/>
+                  </a:spcBef>
+                  <a:buNone/>
+                </a:pPr>
+                <a:r>
+                  <a:rPr b="1"/>
+                  <a:t>errors</a:t>
+                </a:r>
+              </a:p>
               <a:p>
                 <a:pPr lvl="0" indent="0" marL="0">
                   <a:buNone/>
@@ -4824,7 +4662,753 @@
                   <a:rPr>
                     <a:latin typeface="Courier"/>
                   </a:rPr>
-                  <a:t>## [1] 0.173429</a:t>
+                  <a:t>## [1] 0.1706722</a:t>
+                </a:r>
+              </a:p>
+              <a:p>
+                <a:pPr lvl="0" indent="0" marL="0">
+                  <a:spcBef>
+                    <a:spcPts val="3000"/>
+                  </a:spcBef>
+                  <a:buNone/>
+                </a:pPr>
+                <a:r>
+                  <a:rPr b="1"/>
+                  <a:t>se</a:t>
+                </a:r>
+              </a:p>
+              <a:p>
+                <a:pPr lvl="0" indent="0">
+                  <a:buNone/>
+                </a:pPr>
+                <a:r>
+                  <a:rPr>
+                    <a:latin typeface="Courier"/>
+                  </a:rPr>
+                  <a:t>means </a:t>
+                </a:r>
+                <a:r>
+                  <a:rPr>
+                    <a:solidFill>
+                      <a:srgbClr val="007020"/>
+                    </a:solidFill>
+                    <a:latin typeface="Courier"/>
+                  </a:rPr>
+                  <a:t>&lt;-</a:t>
+                </a:r>
+                <a:r>
+                  <a:rPr>
+                    <a:latin typeface="Courier"/>
+                  </a:rPr>
+                  <a:t> </a:t>
+                </a:r>
+                <a:r>
+                  <a:rPr>
+                    <a:solidFill>
+                      <a:srgbClr val="06287E"/>
+                    </a:solidFill>
+                    <a:latin typeface="Courier"/>
+                  </a:rPr>
+                  <a:t>c</a:t>
+                </a:r>
+                <a:r>
+                  <a:rPr>
+                    <a:latin typeface="Courier"/>
+                  </a:rPr>
+                  <a:t>()</a:t>
+                </a:r>
+                <a:br/>
+                <a:br/>
+                <a:r>
+                  <a:rPr b="1">
+                    <a:solidFill>
+                      <a:srgbClr val="007020"/>
+                    </a:solidFill>
+                    <a:latin typeface="Courier"/>
+                  </a:rPr>
+                  <a:t>for</a:t>
+                </a:r>
+                <a:r>
+                  <a:rPr>
+                    <a:latin typeface="Courier"/>
+                  </a:rPr>
+                  <a:t> (i </a:t>
+                </a:r>
+                <a:r>
+                  <a:rPr b="1">
+                    <a:solidFill>
+                      <a:srgbClr val="007020"/>
+                    </a:solidFill>
+                    <a:latin typeface="Courier"/>
+                  </a:rPr>
+                  <a:t>in</a:t>
+                </a:r>
+                <a:r>
+                  <a:rPr>
+                    <a:latin typeface="Courier"/>
+                  </a:rPr>
+                  <a:t> </a:t>
+                </a:r>
+                <a:r>
+                  <a:rPr>
+                    <a:solidFill>
+                      <a:srgbClr val="40A070"/>
+                    </a:solidFill>
+                    <a:latin typeface="Courier"/>
+                  </a:rPr>
+                  <a:t>1</a:t>
+                </a:r>
+                <a:r>
+                  <a:rPr>
+                    <a:solidFill>
+                      <a:srgbClr val="4070A0"/>
+                    </a:solidFill>
+                    <a:latin typeface="Courier"/>
+                  </a:rPr>
+                  <a:t>:</a:t>
+                </a:r>
+                <a:r>
+                  <a:rPr>
+                    <a:solidFill>
+                      <a:srgbClr val="40A070"/>
+                    </a:solidFill>
+                    <a:latin typeface="Courier"/>
+                  </a:rPr>
+                  <a:t>1e+06</a:t>
+                </a:r>
+                <a:r>
+                  <a:rPr>
+                    <a:latin typeface="Courier"/>
+                  </a:rPr>
+                  <a:t>) {</a:t>
+                </a:r>
+                <a:br/>
+                <a:r>
+                  <a:rPr>
+                    <a:latin typeface="Courier"/>
+                  </a:rPr>
+                  <a:t>    mass </a:t>
+                </a:r>
+                <a:r>
+                  <a:rPr>
+                    <a:solidFill>
+                      <a:srgbClr val="007020"/>
+                    </a:solidFill>
+                    <a:latin typeface="Courier"/>
+                  </a:rPr>
+                  <a:t>&lt;-</a:t>
+                </a:r>
+                <a:r>
+                  <a:rPr>
+                    <a:latin typeface="Courier"/>
+                  </a:rPr>
+                  <a:t> </a:t>
+                </a:r>
+                <a:r>
+                  <a:rPr>
+                    <a:solidFill>
+                      <a:srgbClr val="06287E"/>
+                    </a:solidFill>
+                    <a:latin typeface="Courier"/>
+                  </a:rPr>
+                  <a:t>rnorm</a:t>
+                </a:r>
+                <a:r>
+                  <a:rPr>
+                    <a:latin typeface="Courier"/>
+                  </a:rPr>
+                  <a:t>(</a:t>
+                </a:r>
+                <a:r>
+                  <a:rPr>
+                    <a:solidFill>
+                      <a:srgbClr val="7D9029"/>
+                    </a:solidFill>
+                    <a:latin typeface="Courier"/>
+                  </a:rPr>
+                  <a:t>n =</a:t>
+                </a:r>
+                <a:r>
+                  <a:rPr>
+                    <a:latin typeface="Courier"/>
+                  </a:rPr>
+                  <a:t> </a:t>
+                </a:r>
+                <a:r>
+                  <a:rPr>
+                    <a:solidFill>
+                      <a:srgbClr val="40A070"/>
+                    </a:solidFill>
+                    <a:latin typeface="Courier"/>
+                  </a:rPr>
+                  <a:t>18</a:t>
+                </a:r>
+                <a:r>
+                  <a:rPr>
+                    <a:latin typeface="Courier"/>
+                  </a:rPr>
+                  <a:t>, </a:t>
+                </a:r>
+                <a:r>
+                  <a:rPr>
+                    <a:solidFill>
+                      <a:srgbClr val="7D9029"/>
+                    </a:solidFill>
+                    <a:latin typeface="Courier"/>
+                  </a:rPr>
+                  <a:t>mean =</a:t>
+                </a:r>
+                <a:r>
+                  <a:rPr>
+                    <a:latin typeface="Courier"/>
+                  </a:rPr>
+                  <a:t> </a:t>
+                </a:r>
+                <a:r>
+                  <a:rPr>
+                    <a:solidFill>
+                      <a:srgbClr val="40A070"/>
+                    </a:solidFill>
+                    <a:latin typeface="Courier"/>
+                  </a:rPr>
+                  <a:t>10.8</a:t>
+                </a:r>
+                <a:r>
+                  <a:rPr>
+                    <a:latin typeface="Courier"/>
+                  </a:rPr>
+                  <a:t>, </a:t>
+                </a:r>
+                <a:r>
+                  <a:rPr>
+                    <a:solidFill>
+                      <a:srgbClr val="7D9029"/>
+                    </a:solidFill>
+                    <a:latin typeface="Courier"/>
+                  </a:rPr>
+                  <a:t>sd =</a:t>
+                </a:r>
+                <a:r>
+                  <a:rPr>
+                    <a:latin typeface="Courier"/>
+                  </a:rPr>
+                  <a:t> </a:t>
+                </a:r>
+                <a:r>
+                  <a:rPr>
+                    <a:solidFill>
+                      <a:srgbClr val="40A070"/>
+                    </a:solidFill>
+                    <a:latin typeface="Courier"/>
+                  </a:rPr>
+                  <a:t>0.988</a:t>
+                </a:r>
+                <a:r>
+                  <a:rPr>
+                    <a:latin typeface="Courier"/>
+                  </a:rPr>
+                  <a:t>)</a:t>
+                </a:r>
+                <a:br/>
+                <a:r>
+                  <a:rPr>
+                    <a:latin typeface="Courier"/>
+                  </a:rPr>
+                  <a:t>    means </a:t>
+                </a:r>
+                <a:r>
+                  <a:rPr>
+                    <a:solidFill>
+                      <a:srgbClr val="007020"/>
+                    </a:solidFill>
+                    <a:latin typeface="Courier"/>
+                  </a:rPr>
+                  <a:t>&lt;-</a:t>
+                </a:r>
+                <a:r>
+                  <a:rPr>
+                    <a:latin typeface="Courier"/>
+                  </a:rPr>
+                  <a:t> </a:t>
+                </a:r>
+                <a:r>
+                  <a:rPr>
+                    <a:solidFill>
+                      <a:srgbClr val="06287E"/>
+                    </a:solidFill>
+                    <a:latin typeface="Courier"/>
+                  </a:rPr>
+                  <a:t>c</a:t>
+                </a:r>
+                <a:r>
+                  <a:rPr>
+                    <a:latin typeface="Courier"/>
+                  </a:rPr>
+                  <a:t>(means, </a:t>
+                </a:r>
+                <a:r>
+                  <a:rPr>
+                    <a:solidFill>
+                      <a:srgbClr val="06287E"/>
+                    </a:solidFill>
+                    <a:latin typeface="Courier"/>
+                  </a:rPr>
+                  <a:t>mean</a:t>
+                </a:r>
+                <a:r>
+                  <a:rPr>
+                    <a:latin typeface="Courier"/>
+                  </a:rPr>
+                  <a:t>(mass))</a:t>
+                </a:r>
+                <a:br/>
+                <a:r>
+                  <a:rPr>
+                    <a:latin typeface="Courier"/>
+                  </a:rPr>
+                  <a:t>}</a:t>
+                </a:r>
+                <a:br/>
+                <a:br/>
+                <a:r>
+                  <a:rPr i="1">
+                    <a:solidFill>
+                      <a:srgbClr val="60A0B0"/>
+                    </a:solidFill>
+                    <a:latin typeface="Courier"/>
+                  </a:rPr>
+                  <a:t># The mean of the means</a:t>
+                </a:r>
+                <a:br/>
+                <a:r>
+                  <a:rPr>
+                    <a:solidFill>
+                      <a:srgbClr val="06287E"/>
+                    </a:solidFill>
+                    <a:latin typeface="Courier"/>
+                  </a:rPr>
+                  <a:t>mean</a:t>
+                </a:r>
+                <a:r>
+                  <a:rPr>
+                    <a:latin typeface="Courier"/>
+                  </a:rPr>
+                  <a:t>(means)</a:t>
+                </a:r>
+                <a:br/>
+                <a:r>
+                  <a:rPr i="1">
+                    <a:solidFill>
+                      <a:srgbClr val="60A0B0"/>
+                    </a:solidFill>
+                    <a:latin typeface="Courier"/>
+                  </a:rPr>
+                  <a:t># The standard deviation of the means or standard error</a:t>
+                </a:r>
+                <a:br/>
+                <a:r>
+                  <a:rPr>
+                    <a:solidFill>
+                      <a:srgbClr val="06287E"/>
+                    </a:solidFill>
+                    <a:latin typeface="Courier"/>
+                  </a:rPr>
+                  <a:t>sd</a:t>
+                </a:r>
+                <a:r>
+                  <a:rPr>
+                    <a:latin typeface="Courier"/>
+                  </a:rPr>
+                  <a:t>(means)</a:t>
+                </a:r>
+              </a:p>
+              <a:p>
+                <a:pPr lvl="0" indent="0" marL="0">
+                  <a:spcBef>
+                    <a:spcPts val="3000"/>
+                  </a:spcBef>
+                  <a:buNone/>
+                </a:pPr>
+                <a:r>
+                  <a:rPr b="1"/>
+                  <a:t>Our analytical calculaton</a:t>
+                </a:r>
+              </a:p>
+              <a:p>
+                <a:pPr lvl="0" indent="0">
+                  <a:buNone/>
+                </a:pPr>
+                <a:r>
+                  <a:rPr>
+                    <a:latin typeface="Courier"/>
+                  </a:rPr>
+                  <a:t>se </a:t>
+                </a:r>
+                <a:r>
+                  <a:rPr>
+                    <a:solidFill>
+                      <a:srgbClr val="007020"/>
+                    </a:solidFill>
+                    <a:latin typeface="Courier"/>
+                  </a:rPr>
+                  <a:t>&lt;-</a:t>
+                </a:r>
+                <a:r>
+                  <a:rPr>
+                    <a:latin typeface="Courier"/>
+                  </a:rPr>
+                  <a:t> </a:t>
+                </a:r>
+                <a:r>
+                  <a:rPr>
+                    <a:solidFill>
+                      <a:srgbClr val="06287E"/>
+                    </a:solidFill>
+                    <a:latin typeface="Courier"/>
+                  </a:rPr>
+                  <a:t>sd</a:t>
+                </a:r>
+                <a:r>
+                  <a:rPr>
+                    <a:latin typeface="Courier"/>
+                  </a:rPr>
+                  <a:t>(mass)</a:t>
+                </a:r>
+                <a:r>
+                  <a:rPr>
+                    <a:solidFill>
+                      <a:srgbClr val="4070A0"/>
+                    </a:solidFill>
+                    <a:latin typeface="Courier"/>
+                  </a:rPr>
+                  <a:t>/</a:t>
+                </a:r>
+                <a:r>
+                  <a:rPr>
+                    <a:solidFill>
+                      <a:srgbClr val="06287E"/>
+                    </a:solidFill>
+                    <a:latin typeface="Courier"/>
+                  </a:rPr>
+                  <a:t>sqrt</a:t>
+                </a:r>
+                <a:r>
+                  <a:rPr>
+                    <a:latin typeface="Courier"/>
+                  </a:rPr>
+                  <a:t>(</a:t>
+                </a:r>
+                <a:r>
+                  <a:rPr>
+                    <a:solidFill>
+                      <a:srgbClr val="06287E"/>
+                    </a:solidFill>
+                    <a:latin typeface="Courier"/>
+                  </a:rPr>
+                  <a:t>length</a:t>
+                </a:r>
+                <a:r>
+                  <a:rPr>
+                    <a:latin typeface="Courier"/>
+                  </a:rPr>
+                  <a:t>(mass))</a:t>
+                </a:r>
+                <a:br/>
+                <a:r>
+                  <a:rPr>
+                    <a:latin typeface="Courier"/>
+                  </a:rPr>
+                  <a:t>se</a:t>
+                </a:r>
+              </a:p>
+              <a:p>
+                <a:pPr lvl="0" indent="0" marL="0">
+                  <a:spcBef>
+                    <a:spcPts val="3000"/>
+                  </a:spcBef>
+                  <a:buNone/>
+                </a:pPr>
+                <a:r>
+                  <a:rPr b="1"/>
+                  <a:t>Plots</a:t>
+                </a:r>
+              </a:p>
+              <a:p>
+                <a:pPr lvl="0" indent="0">
+                  <a:buNone/>
+                </a:pPr>
+                <a:r>
+                  <a:rPr>
+                    <a:solidFill>
+                      <a:srgbClr val="06287E"/>
+                    </a:solidFill>
+                    <a:latin typeface="Courier"/>
+                  </a:rPr>
+                  <a:t>ggplot</a:t>
+                </a:r>
+                <a:r>
+                  <a:rPr>
+                    <a:latin typeface="Courier"/>
+                  </a:rPr>
+                  <a:t>() </a:t>
+                </a:r>
+                <a:r>
+                  <a:rPr>
+                    <a:solidFill>
+                      <a:srgbClr val="4070A0"/>
+                    </a:solidFill>
+                    <a:latin typeface="Courier"/>
+                  </a:rPr>
+                  <a:t>+</a:t>
+                </a:r>
+                <a:r>
+                  <a:rPr>
+                    <a:latin typeface="Courier"/>
+                  </a:rPr>
+                  <a:t> </a:t>
+                </a:r>
+                <a:r>
+                  <a:rPr>
+                    <a:solidFill>
+                      <a:srgbClr val="06287E"/>
+                    </a:solidFill>
+                    <a:latin typeface="Courier"/>
+                  </a:rPr>
+                  <a:t>geom_histogram</a:t>
+                </a:r>
+                <a:r>
+                  <a:rPr>
+                    <a:latin typeface="Courier"/>
+                  </a:rPr>
+                  <a:t>(</a:t>
+                </a:r>
+                <a:r>
+                  <a:rPr>
+                    <a:solidFill>
+                      <a:srgbClr val="06287E"/>
+                    </a:solidFill>
+                    <a:latin typeface="Courier"/>
+                  </a:rPr>
+                  <a:t>aes</a:t>
+                </a:r>
+                <a:r>
+                  <a:rPr>
+                    <a:latin typeface="Courier"/>
+                  </a:rPr>
+                  <a:t>(</a:t>
+                </a:r>
+                <a:r>
+                  <a:rPr>
+                    <a:solidFill>
+                      <a:srgbClr val="7D9029"/>
+                    </a:solidFill>
+                    <a:latin typeface="Courier"/>
+                  </a:rPr>
+                  <a:t>x =</a:t>
+                </a:r>
+                <a:r>
+                  <a:rPr>
+                    <a:latin typeface="Courier"/>
+                  </a:rPr>
+                  <a:t> means))</a:t>
+                </a:r>
+              </a:p>
+              <a:p>
+                <a:pPr lvl="0" indent="0" marL="0">
+                  <a:spcBef>
+                    <a:spcPts val="3000"/>
+                  </a:spcBef>
+                  <a:buNone/>
+                </a:pPr>
+                <a:r>
+                  <a:rPr b="1"/>
+                  <a:t>Zr</a:t>
+                </a:r>
+              </a:p>
+              <a:p>
+                <a:pPr lvl="0" indent="0">
+                  <a:buNone/>
+                </a:pPr>
+                <a:r>
+                  <a:rPr>
+                    <a:latin typeface="Courier"/>
+                  </a:rPr>
+                  <a:t>zr_data </a:t>
+                </a:r>
+                <a:r>
+                  <a:rPr>
+                    <a:solidFill>
+                      <a:srgbClr val="007020"/>
+                    </a:solidFill>
+                    <a:latin typeface="Courier"/>
+                  </a:rPr>
+                  <a:t>&lt;-</a:t>
+                </a:r>
+                <a:r>
+                  <a:rPr>
+                    <a:latin typeface="Courier"/>
+                  </a:rPr>
+                  <a:t> </a:t>
+                </a:r>
+                <a:r>
+                  <a:rPr>
+                    <a:solidFill>
+                      <a:srgbClr val="06287E"/>
+                    </a:solidFill>
+                    <a:latin typeface="Courier"/>
+                  </a:rPr>
+                  <a:t>read.csv</a:t>
+                </a:r>
+                <a:r>
+                  <a:rPr>
+                    <a:latin typeface="Courier"/>
+                  </a:rPr>
+                  <a:t>(</a:t>
+                </a:r>
+                <a:r>
+                  <a:rPr>
+                    <a:solidFill>
+                      <a:srgbClr val="4070A0"/>
+                    </a:solidFill>
+                    <a:latin typeface="Courier"/>
+                  </a:rPr>
+                  <a:t>"https://raw.githubusercontent.com/daniel1noble/meta-workshop/gh-pages/data/ind_disp_raw_data.csv"</a:t>
+                </a:r>
+                <a:r>
+                  <a:rPr>
+                    <a:latin typeface="Courier"/>
+                  </a:rPr>
+                  <a:t>) </a:t>
+                </a:r>
+                <a:r>
+                  <a:rPr>
+                    <a:solidFill>
+                      <a:srgbClr val="4070A0"/>
+                    </a:solidFill>
+                    <a:latin typeface="Courier"/>
+                  </a:rPr>
+                  <a:t>%&gt;%</a:t>
+                </a:r>
+                <a:br/>
+                <a:r>
+                  <a:rPr>
+                    <a:latin typeface="Courier"/>
+                  </a:rPr>
+                  <a:t>  dplyr</a:t>
+                </a:r>
+                <a:r>
+                  <a:rPr>
+                    <a:solidFill>
+                      <a:srgbClr val="4070A0"/>
+                    </a:solidFill>
+                    <a:latin typeface="Courier"/>
+                  </a:rPr>
+                  <a:t>::</a:t>
+                </a:r>
+                <a:r>
+                  <a:rPr>
+                    <a:solidFill>
+                      <a:srgbClr val="06287E"/>
+                    </a:solidFill>
+                    <a:latin typeface="Courier"/>
+                  </a:rPr>
+                  <a:t>select</a:t>
+                </a:r>
+                <a:r>
+                  <a:rPr>
+                    <a:latin typeface="Courier"/>
+                  </a:rPr>
+                  <a:t>(study_ID, taxa, species, trait, response, response_unit, disp_trait, disp_unit, corr_coeff, sample_size) </a:t>
+                </a:r>
+                <a:r>
+                  <a:rPr>
+                    <a:solidFill>
+                      <a:srgbClr val="4070A0"/>
+                    </a:solidFill>
+                    <a:latin typeface="Courier"/>
+                  </a:rPr>
+                  <a:t>%&gt;%</a:t>
+                </a:r>
+                <a:r>
+                  <a:rPr>
+                    <a:latin typeface="Courier"/>
+                  </a:rPr>
+                  <a:t> </a:t>
+                </a:r>
+                <a:r>
+                  <a:rPr i="1">
+                    <a:solidFill>
+                      <a:srgbClr val="60A0B0"/>
+                    </a:solidFill>
+                    <a:latin typeface="Courier"/>
+                  </a:rPr>
+                  <a:t># remove irrelevant columns for this tutorial</a:t>
+                </a:r>
+                <a:br/>
+                <a:r>
+                  <a:rPr>
+                    <a:latin typeface="Courier"/>
+                  </a:rPr>
+                  <a:t>  dplyr</a:t>
+                </a:r>
+                <a:r>
+                  <a:rPr>
+                    <a:solidFill>
+                      <a:srgbClr val="4070A0"/>
+                    </a:solidFill>
+                    <a:latin typeface="Courier"/>
+                  </a:rPr>
+                  <a:t>::</a:t>
+                </a:r>
+                <a:r>
+                  <a:rPr>
+                    <a:solidFill>
+                      <a:srgbClr val="06287E"/>
+                    </a:solidFill>
+                    <a:latin typeface="Courier"/>
+                  </a:rPr>
+                  <a:t>top_n</a:t>
+                </a:r>
+                <a:r>
+                  <a:rPr>
+                    <a:latin typeface="Courier"/>
+                  </a:rPr>
+                  <a:t>(</a:t>
+                </a:r>
+                <a:r>
+                  <a:rPr>
+                    <a:solidFill>
+                      <a:srgbClr val="40A070"/>
+                    </a:solidFill>
+                    <a:latin typeface="Courier"/>
+                  </a:rPr>
+                  <a:t>10</a:t>
+                </a:r>
+                <a:r>
+                  <a:rPr>
+                    <a:latin typeface="Courier"/>
+                  </a:rPr>
+                  <a:t>) </a:t>
+                </a:r>
+                <a:r>
+                  <a:rPr i="1">
+                    <a:solidFill>
+                      <a:srgbClr val="60A0B0"/>
+                    </a:solidFill>
+                    <a:latin typeface="Courier"/>
+                  </a:rPr>
+                  <a:t># select first 10 effect sizes to illustrate escalc function</a:t>
+                </a:r>
+              </a:p>
+              <a:p>
+                <a:pPr lvl="0" indent="0">
+                  <a:buNone/>
+                </a:pPr>
+                <a:r>
+                  <a:rPr>
+                    <a:latin typeface="Courier"/>
+                  </a:rPr>
+                  <a:t>## Selecting by sample_size</a:t>
                 </a:r>
               </a:p>
             </p:txBody>
@@ -4836,7 +5420,7 @@
 </p:sld>
 </file>
 
-<file path=ppt/slides/slide7.xml><?xml version="1.0" encoding="utf-8"?>
+<file path=ppt/slides/slide4.xml><?xml version="1.0" encoding="utf-8"?>
 <p:sld xmlns:a="http://schemas.openxmlformats.org/drawingml/2006/main" xmlns:r="http://schemas.openxmlformats.org/officeDocument/2006/relationships" xmlns:p="http://schemas.openxmlformats.org/presentationml/2006/main">
   <p:cSld>
     <p:spTree>
@@ -4873,7 +5457,7 @@
             </a:pPr>
             <a:r>
               <a:rPr/>
-              <a:t>se</a:t>
+              <a:t>Effect calculation</a:t>
             </a:r>
           </a:p>
         </p:txBody>
@@ -4896,11 +5480,21 @@
             <a:pPr lvl="0" indent="0">
               <a:buNone/>
             </a:pPr>
+            <a:r>
+              <a:rPr i="1">
+                <a:solidFill>
+                  <a:srgbClr val="60A0B0"/>
+                </a:solidFill>
+                <a:latin typeface="Courier"/>
+              </a:rPr>
+              <a:t># Calculate Fisher's r-to-z transformed correlation coefficient (ZCOR) as yi = effect size and vi = sampling variances, where ri = raw correlation coefficients, and ni = sample size.</a:t>
+            </a:r>
+            <a:br/>
             <a:r>
               <a:rPr>
                 <a:latin typeface="Courier"/>
               </a:rPr>
-              <a:t>means </a:t>
+              <a:t>zr_data </a:t>
             </a:r>
             <a:r>
               <a:rPr>
@@ -4915,7 +5509,115 @@
               <a:rPr>
                 <a:latin typeface="Courier"/>
               </a:rPr>
+              <a:t> metafor</a:t>
+            </a:r>
+            <a:r>
+              <a:rPr>
+                <a:solidFill>
+                  <a:srgbClr val="4070A0"/>
+                </a:solidFill>
+                <a:latin typeface="Courier"/>
+              </a:rPr>
+              <a:t>::</a:t>
+            </a:r>
+            <a:r>
+              <a:rPr>
+                <a:solidFill>
+                  <a:srgbClr val="06287E"/>
+                </a:solidFill>
+                <a:latin typeface="Courier"/>
+              </a:rPr>
+              <a:t>escalc</a:t>
+            </a:r>
+            <a:r>
+              <a:rPr>
+                <a:latin typeface="Courier"/>
+              </a:rPr>
+              <a:t>(</a:t>
+            </a:r>
+            <a:r>
+              <a:rPr>
+                <a:solidFill>
+                  <a:srgbClr val="7D9029"/>
+                </a:solidFill>
+                <a:latin typeface="Courier"/>
+              </a:rPr>
+              <a:t>measure =</a:t>
+            </a:r>
+            <a:r>
+              <a:rPr>
+                <a:latin typeface="Courier"/>
+              </a:rPr>
               <a:t> </a:t>
+            </a:r>
+            <a:r>
+              <a:rPr>
+                <a:solidFill>
+                  <a:srgbClr val="4070A0"/>
+                </a:solidFill>
+                <a:latin typeface="Courier"/>
+              </a:rPr>
+              <a:t>"ZCOR"</a:t>
+            </a:r>
+            <a:r>
+              <a:rPr>
+                <a:latin typeface="Courier"/>
+              </a:rPr>
+              <a:t>, </a:t>
+            </a:r>
+            <a:r>
+              <a:rPr>
+                <a:solidFill>
+                  <a:srgbClr val="7D9029"/>
+                </a:solidFill>
+                <a:latin typeface="Courier"/>
+              </a:rPr>
+              <a:t>ri =</a:t>
+            </a:r>
+            <a:r>
+              <a:rPr>
+                <a:latin typeface="Courier"/>
+              </a:rPr>
+              <a:t> corr_coeff, </a:t>
+            </a:r>
+            <a:r>
+              <a:rPr>
+                <a:solidFill>
+                  <a:srgbClr val="7D9029"/>
+                </a:solidFill>
+                <a:latin typeface="Courier"/>
+              </a:rPr>
+              <a:t>ni =</a:t>
+            </a:r>
+            <a:r>
+              <a:rPr>
+                <a:latin typeface="Courier"/>
+              </a:rPr>
+              <a:t> sample_size, </a:t>
+            </a:r>
+            <a:r>
+              <a:rPr>
+                <a:solidFill>
+                  <a:srgbClr val="7D9029"/>
+                </a:solidFill>
+                <a:latin typeface="Courier"/>
+              </a:rPr>
+              <a:t>data =</a:t>
+            </a:r>
+            <a:r>
+              <a:rPr>
+                <a:latin typeface="Courier"/>
+              </a:rPr>
+              <a:t> zr_data, </a:t>
+            </a:r>
+            <a:r>
+              <a:rPr>
+                <a:solidFill>
+                  <a:srgbClr val="7D9029"/>
+                </a:solidFill>
+                <a:latin typeface="Courier"/>
+              </a:rPr>
+              <a:t>var.names=</a:t>
             </a:r>
             <a:r>
               <a:rPr>
@@ -4930,48 +5632,7 @@
               <a:rPr>
                 <a:latin typeface="Courier"/>
               </a:rPr>
-              <a:t>()</a:t>
-            </a:r>
-            <a:br/>
-            <a:br/>
-            <a:r>
-              <a:rPr b="1">
-                <a:solidFill>
-                  <a:srgbClr val="007020"/>
-                </a:solidFill>
-                <a:latin typeface="Courier"/>
-              </a:rPr>
-              <a:t>for</a:t>
-            </a:r>
-            <a:r>
-              <a:rPr>
-                <a:latin typeface="Courier"/>
-              </a:rPr>
-              <a:t> (i </a:t>
-            </a:r>
-            <a:r>
-              <a:rPr b="1">
-                <a:solidFill>
-                  <a:srgbClr val="007020"/>
-                </a:solidFill>
-                <a:latin typeface="Courier"/>
-              </a:rPr>
-              <a:t>in</a:t>
-            </a:r>
-            <a:r>
-              <a:rPr>
-                <a:latin typeface="Courier"/>
-              </a:rPr>
-              <a:t> </a:t>
-            </a:r>
-            <a:r>
-              <a:rPr>
-                <a:solidFill>
-                  <a:srgbClr val="40A070"/>
-                </a:solidFill>
-                <a:latin typeface="Courier"/>
-              </a:rPr>
-              <a:t>1</a:t>
+              <a:t>(</a:t>
             </a:r>
             <a:r>
               <a:rPr>
@@ -4980,287 +5641,80 @@
                 </a:solidFill>
                 <a:latin typeface="Courier"/>
               </a:rPr>
-              <a:t>:</a:t>
+              <a:t>"Zr"</a:t>
+            </a:r>
+            <a:r>
+              <a:rPr>
+                <a:latin typeface="Courier"/>
+              </a:rPr>
+              <a:t>,</a:t>
             </a:r>
             <a:r>
               <a:rPr>
                 <a:solidFill>
-                  <a:srgbClr val="40A070"/>
+                  <a:srgbClr val="4070A0"/>
                 </a:solidFill>
                 <a:latin typeface="Courier"/>
               </a:rPr>
-              <a:t>1e+06</a:t>
+              <a:t>"v_Zr"</a:t>
             </a:r>
             <a:r>
               <a:rPr>
                 <a:latin typeface="Courier"/>
               </a:rPr>
-              <a:t>) {</a:t>
-            </a:r>
+              <a:t>))</a:t>
+            </a:r>
+            <a:br/>
             <a:br/>
             <a:r>
               <a:rPr>
                 <a:latin typeface="Courier"/>
               </a:rPr>
-              <a:t>    mass </a:t>
-            </a:r>
-            <a:r>
-              <a:rPr>
-                <a:solidFill>
-                  <a:srgbClr val="007020"/>
-                </a:solidFill>
-                <a:latin typeface="Courier"/>
-              </a:rPr>
-              <a:t>&lt;-</a:t>
-            </a:r>
+              <a:t>zr_data</a:t>
+            </a:r>
+          </a:p>
+          <a:p>
+            <a:pPr lvl="0" indent="0">
+              <a:buNone/>
+            </a:pPr>
             <a:r>
               <a:rPr>
                 <a:latin typeface="Courier"/>
               </a:rPr>
-              <a:t> </a:t>
-            </a:r>
-            <a:r>
-              <a:rPr>
-                <a:solidFill>
-                  <a:srgbClr val="06287E"/>
-                </a:solidFill>
-                <a:latin typeface="Courier"/>
-              </a:rPr>
-              <a:t>rnorm</a:t>
-            </a:r>
-            <a:r>
-              <a:rPr>
-                <a:latin typeface="Courier"/>
-              </a:rPr>
-              <a:t>(</a:t>
-            </a:r>
-            <a:r>
-              <a:rPr>
-                <a:solidFill>
-                  <a:srgbClr val="7D9029"/>
-                </a:solidFill>
-                <a:latin typeface="Courier"/>
-              </a:rPr>
-              <a:t>n =</a:t>
-            </a:r>
-            <a:r>
-              <a:rPr>
-                <a:latin typeface="Courier"/>
-              </a:rPr>
-              <a:t> </a:t>
-            </a:r>
-            <a:r>
-              <a:rPr>
-                <a:solidFill>
-                  <a:srgbClr val="40A070"/>
-                </a:solidFill>
-                <a:latin typeface="Courier"/>
-              </a:rPr>
-              <a:t>18</a:t>
-            </a:r>
-            <a:r>
-              <a:rPr>
-                <a:latin typeface="Courier"/>
-              </a:rPr>
-              <a:t>, </a:t>
-            </a:r>
-            <a:r>
-              <a:rPr>
-                <a:solidFill>
-                  <a:srgbClr val="7D9029"/>
-                </a:solidFill>
-                <a:latin typeface="Courier"/>
-              </a:rPr>
-              <a:t>mean =</a:t>
-            </a:r>
-            <a:r>
-              <a:rPr>
-                <a:latin typeface="Courier"/>
-              </a:rPr>
-              <a:t> </a:t>
-            </a:r>
-            <a:r>
-              <a:rPr>
-                <a:solidFill>
-                  <a:srgbClr val="40A070"/>
-                </a:solidFill>
-                <a:latin typeface="Courier"/>
-              </a:rPr>
-              <a:t>10.8</a:t>
-            </a:r>
-            <a:r>
-              <a:rPr>
-                <a:latin typeface="Courier"/>
-              </a:rPr>
-              <a:t>, </a:t>
-            </a:r>
-            <a:r>
-              <a:rPr>
-                <a:solidFill>
-                  <a:srgbClr val="7D9029"/>
-                </a:solidFill>
-                <a:latin typeface="Courier"/>
-              </a:rPr>
-              <a:t>sd =</a:t>
-            </a:r>
-            <a:r>
-              <a:rPr>
-                <a:latin typeface="Courier"/>
-              </a:rPr>
-              <a:t> </a:t>
-            </a:r>
-            <a:r>
-              <a:rPr>
-                <a:solidFill>
-                  <a:srgbClr val="40A070"/>
-                </a:solidFill>
-                <a:latin typeface="Courier"/>
-              </a:rPr>
-              <a:t>0.988</a:t>
-            </a:r>
-            <a:r>
-              <a:rPr>
-                <a:latin typeface="Courier"/>
-              </a:rPr>
-              <a:t>)</a:t>
-            </a:r>
-            <a:br/>
-            <a:r>
-              <a:rPr>
-                <a:latin typeface="Courier"/>
-              </a:rPr>
-              <a:t>    means </a:t>
-            </a:r>
-            <a:r>
-              <a:rPr>
-                <a:solidFill>
-                  <a:srgbClr val="007020"/>
-                </a:solidFill>
-                <a:latin typeface="Courier"/>
-              </a:rPr>
-              <a:t>&lt;-</a:t>
-            </a:r>
-            <a:r>
-              <a:rPr>
-                <a:latin typeface="Courier"/>
-              </a:rPr>
-              <a:t> </a:t>
-            </a:r>
-            <a:r>
-              <a:rPr>
-                <a:solidFill>
-                  <a:srgbClr val="06287E"/>
-                </a:solidFill>
-                <a:latin typeface="Courier"/>
-              </a:rPr>
-              <a:t>c</a:t>
-            </a:r>
-            <a:r>
-              <a:rPr>
-                <a:latin typeface="Courier"/>
-              </a:rPr>
-              <a:t>(means, </a:t>
-            </a:r>
-            <a:r>
-              <a:rPr>
-                <a:solidFill>
-                  <a:srgbClr val="06287E"/>
-                </a:solidFill>
-                <a:latin typeface="Courier"/>
-              </a:rPr>
-              <a:t>mean</a:t>
-            </a:r>
-            <a:r>
-              <a:rPr>
-                <a:latin typeface="Courier"/>
-              </a:rPr>
-              <a:t>(mass))</a:t>
-            </a:r>
-            <a:br/>
-            <a:r>
-              <a:rPr>
-                <a:latin typeface="Courier"/>
-              </a:rPr>
-              <a:t>}</a:t>
-            </a:r>
-            <a:br/>
-            <a:br/>
-            <a:r>
-              <a:rPr i="1">
-                <a:solidFill>
-                  <a:srgbClr val="60A0B0"/>
-                </a:solidFill>
-                <a:latin typeface="Courier"/>
-              </a:rPr>
-              <a:t># The mean of the means</a:t>
-            </a:r>
-            <a:br/>
-            <a:r>
-              <a:rPr>
-                <a:solidFill>
-                  <a:srgbClr val="06287E"/>
-                </a:solidFill>
-                <a:latin typeface="Courier"/>
-              </a:rPr>
-              <a:t>mean</a:t>
-            </a:r>
-            <a:r>
-              <a:rPr>
-                <a:latin typeface="Courier"/>
-              </a:rPr>
-              <a:t>(means)</a:t>
-            </a:r>
-          </a:p>
-          <a:p>
-            <a:pPr lvl="0" indent="0">
-              <a:buNone/>
-            </a:pPr>
-            <a:r>
-              <a:rPr>
-                <a:latin typeface="Courier"/>
-              </a:rPr>
-              <a:t>## [1] 10.79997</a:t>
-            </a:r>
-          </a:p>
-          <a:p>
-            <a:pPr lvl="0" indent="0">
-              <a:buNone/>
-            </a:pPr>
-            <a:r>
-              <a:rPr i="1">
-                <a:solidFill>
-                  <a:srgbClr val="60A0B0"/>
-                </a:solidFill>
-                <a:latin typeface="Courier"/>
-              </a:rPr>
-              <a:t># The standard deviation of the means or standard error</a:t>
-            </a:r>
-            <a:br/>
-            <a:r>
-              <a:rPr>
-                <a:solidFill>
-                  <a:srgbClr val="06287E"/>
-                </a:solidFill>
-                <a:latin typeface="Courier"/>
-              </a:rPr>
-              <a:t>sd</a:t>
-            </a:r>
-            <a:r>
-              <a:rPr>
-                <a:latin typeface="Courier"/>
-              </a:rPr>
-              <a:t>(means)</a:t>
-            </a:r>
-          </a:p>
-          <a:p>
-            <a:pPr lvl="0" indent="0">
-              <a:buNone/>
-            </a:pPr>
-            <a:r>
-              <a:rPr>
-                <a:latin typeface="Courier"/>
-              </a:rPr>
-              <a:t>## [1] 0.2327267</a:t>
+              <a:t>## 
+##    study_ID     taxa              species          trait       response 
+## 1         5 Mammalia      Tamias_striatus     Metabolism     Resting MR 
+## 2        13     Aves          Parus_major     Metabolism       Basal MR 
+## 3        13     Aves          Parus_major     Metabolism       Basal MR 
+## 4        45 Mammalia      Syncerus_caffer      Condition Body condition 
+## 5        45 Mammalia      Syncerus_caffer      Condition Body condition 
+## 6        55     Aves Phoenicopterus_ruber      Condition Body condition 
+## 7        87     Aves  Cyanistes caeruleus       Immunity            WBC 
+## 8        87     Aves  Cyanistes caeruleus Cardiovascular    Haematocrit 
+## 9        87     Aves  Cyanistes caeruleus       Immunity            WBC 
+## 10       87     Aves  Cyanistes caeruleus Cardiovascular    Haematocrit 
+##       response_unit  disp_trait disp_unit  corr_coeff sample_size      Zr 
+## 1       residual mW Exploration  residual -0.14300000         296 -0.1440 
+## 2  mass-corrected W Exploration            0.05547002         345  0.0555 
+## 3  mass-corrected W Exploration           -0.13969969         335 -0.1406 
+## 4             index   Dispersal         % -0.40000000         415 -0.4236 
+## 5             index   Dispersal         % -0.53000000         508 -0.5901 
+## 6                     Dispersal            0.87300000         462  1.3456 
+## 7                 n    Activity         n  0.06500000         485  0.0651 
+## 8                 %    Activity         n  0.01500000         485  0.0150 
+## 9                 n    Activity         n  0.17000000         485  0.1717 
+## 10                %    Activity         n -0.13000000         485 -0.1307 
+##      v_Zr 
+## 1  0.0034 
+## 2  0.0029 
+## 3  0.0030 
+## 4  0.0024 
+## 5  0.0020 
+## 6  0.0022 
+## 7  0.0021 
+## 8  0.0021 
+## 9  0.0021 
+## 10 0.0021</a:t>
             </a:r>
           </a:p>
         </p:txBody>
@@ -5270,7 +5724,7 @@
 </p:sld>
 </file>
 
-<file path=ppt/slides/slide8.xml><?xml version="1.0" encoding="utf-8"?>
+<file path=ppt/slides/slide5.xml><?xml version="1.0" encoding="utf-8"?>
 <p:sld xmlns:a="http://schemas.openxmlformats.org/drawingml/2006/main" xmlns:r="http://schemas.openxmlformats.org/officeDocument/2006/relationships" xmlns:p="http://schemas.openxmlformats.org/presentationml/2006/main">
   <p:cSld>
     <p:spTree>
@@ -5307,7 +5761,7 @@
             </a:pPr>
             <a:r>
               <a:rPr/>
-              <a:t>Our analytical calculaton</a:t>
+              <a:t>Back transofrmation</a:t>
             </a:r>
           </a:p>
         </p:txBody>
@@ -5330,11 +5784,36 @@
             <a:pPr lvl="0" indent="0">
               <a:buNone/>
             </a:pPr>
+            <a:r>
+              <a:rPr i="1">
+                <a:solidFill>
+                  <a:srgbClr val="60A0B0"/>
+                </a:solidFill>
+                <a:latin typeface="Courier"/>
+              </a:rPr>
+              <a:t># We can easily convert back to r as follows</a:t>
+            </a:r>
+            <a:br/>
             <a:r>
               <a:rPr>
                 <a:latin typeface="Courier"/>
               </a:rPr>
-              <a:t>se </a:t>
+              <a:t>zr_data</a:t>
+            </a:r>
+            <a:r>
+              <a:rPr>
+                <a:solidFill>
+                  <a:srgbClr val="4070A0"/>
+                </a:solidFill>
+                <a:latin typeface="Courier"/>
+              </a:rPr>
+              <a:t>$</a:t>
+            </a:r>
+            <a:r>
+              <a:rPr>
+                <a:latin typeface="Courier"/>
+              </a:rPr>
+              <a:t>r </a:t>
             </a:r>
             <a:r>
               <a:rPr>
@@ -5358,13 +5837,13 @@
                 </a:solidFill>
                 <a:latin typeface="Courier"/>
               </a:rPr>
-              <a:t>sd</a:t>
+              <a:t>tanh</a:t>
             </a:r>
             <a:r>
               <a:rPr>
                 <a:latin typeface="Courier"/>
               </a:rPr>
-              <a:t>(mass)</a:t>
+              <a:t>(zr_data</a:t>
             </a:r>
             <a:r>
               <a:rPr>
@@ -5373,7 +5852,36 @@
                 </a:solidFill>
                 <a:latin typeface="Courier"/>
               </a:rPr>
-              <a:t>/</a:t>
+              <a:t>$</a:t>
+            </a:r>
+            <a:r>
+              <a:rPr>
+                <a:latin typeface="Courier"/>
+              </a:rPr>
+              <a:t>Zr)</a:t>
+            </a:r>
+            <a:br/>
+            <a:br/>
+            <a:r>
+              <a:rPr>
+                <a:latin typeface="Courier"/>
+              </a:rPr>
+              <a:t>zr_data </a:t>
+            </a:r>
+            <a:r>
+              <a:rPr>
+                <a:solidFill>
+                  <a:srgbClr val="4070A0"/>
+                </a:solidFill>
+                <a:latin typeface="Courier"/>
+              </a:rPr>
+              <a:t>%&gt;%</a:t>
+            </a:r>
+            <a:r>
+              <a:rPr>
+                <a:latin typeface="Courier"/>
+              </a:rPr>
+              <a:t> </a:t>
             </a:r>
             <a:r>
               <a:rPr>
@@ -5382,239 +5890,39 @@
                 </a:solidFill>
                 <a:latin typeface="Courier"/>
               </a:rPr>
-              <a:t>sqrt</a:t>
+              <a:t>select</a:t>
             </a:r>
             <a:r>
               <a:rPr>
                 <a:latin typeface="Courier"/>
               </a:rPr>
-              <a:t>(</a:t>
-            </a:r>
-            <a:r>
-              <a:rPr>
-                <a:solidFill>
-                  <a:srgbClr val="06287E"/>
-                </a:solidFill>
-                <a:latin typeface="Courier"/>
-              </a:rPr>
-              <a:t>length</a:t>
-            </a:r>
+              <a:t>(corr_coeff, r)</a:t>
+            </a:r>
+          </a:p>
+          <a:p>
+            <a:pPr lvl="0" indent="0">
+              <a:buNone/>
+            </a:pPr>
             <a:r>
               <a:rPr>
                 <a:latin typeface="Courier"/>
               </a:rPr>
-              <a:t>(mass))</a:t>
-            </a:r>
-            <a:br/>
-            <a:r>
-              <a:rPr>
-                <a:latin typeface="Courier"/>
-              </a:rPr>
-              <a:t>se</a:t>
-            </a:r>
-          </a:p>
-          <a:p>
-            <a:pPr lvl="0" indent="0">
-              <a:buNone/>
-            </a:pPr>
-            <a:r>
-              <a:rPr>
-                <a:latin typeface="Courier"/>
-              </a:rPr>
-              <a:t>## [1] 0.1858937</a:t>
-            </a:r>
-          </a:p>
-        </p:txBody>
-      </p:sp>
-    </p:spTree>
-  </p:cSld>
-</p:sld>
-</file>
-
-<file path=ppt/slides/slide9.xml><?xml version="1.0" encoding="utf-8"?>
-<p:sld xmlns:a="http://schemas.openxmlformats.org/drawingml/2006/main" xmlns:r="http://schemas.openxmlformats.org/officeDocument/2006/relationships" xmlns:p="http://schemas.openxmlformats.org/presentationml/2006/main">
-  <p:cSld>
-    <p:spTree>
-      <p:nvGrpSpPr>
-        <p:cNvPr id="1" name=""/>
-        <p:cNvGrpSpPr/>
-        <p:nvPr/>
-      </p:nvGrpSpPr>
-      <p:grpSpPr>
-        <a:xfrm>
-          <a:off x="0" y="0"/>
-          <a:ext cx="0" cy="0"/>
-          <a:chOff x="0" y="0"/>
-          <a:chExt cx="0" cy="0"/>
-        </a:xfrm>
-      </p:grpSpPr>
-      <p:sp>
-        <p:nvSpPr>
-          <p:cNvPr id="2" name="Title 1"/>
-          <p:cNvSpPr>
-            <a:spLocks noGrp="1"/>
-          </p:cNvSpPr>
-          <p:nvPr>
-            <p:ph type="title"/>
-          </p:nvPr>
-        </p:nvSpPr>
-        <p:spPr>
-          <a:xfrm>
-            <a:off x="457201" y="204787"/>
-            <a:ext cx="3008313" cy="871538"/>
-          </a:xfrm>
-        </p:spPr>
-        <p:txBody>
-          <a:bodyPr/>
-          <a:lstStyle/>
-          <a:p>
-            <a:pPr lvl="0" indent="0" marL="0">
-              <a:buNone/>
-            </a:pPr>
-            <a:r>
-              <a:rPr/>
-              <a:t>Plots</a:t>
-            </a:r>
-          </a:p>
-        </p:txBody>
-      </p:sp>
-      <p:sp>
-        <p:nvSpPr>
-          <p:cNvPr id="4" name="Text Placeholder 3"/>
-          <p:cNvSpPr>
-            <a:spLocks noGrp="1"/>
-          </p:cNvSpPr>
-          <p:nvPr>
-            <p:ph idx="2" sz="half" type="body"/>
-          </p:nvPr>
-        </p:nvSpPr>
-        <p:spPr/>
-        <p:txBody>
-          <a:bodyPr/>
-          <a:lstStyle/>
-          <a:p>
-            <a:pPr lvl="0" indent="0">
-              <a:buNone/>
-            </a:pPr>
-            <a:r>
-              <a:rPr>
-                <a:solidFill>
-                  <a:srgbClr val="06287E"/>
-                </a:solidFill>
-                <a:latin typeface="Courier"/>
-              </a:rPr>
-              <a:t>ggplot</a:t>
-            </a:r>
-            <a:r>
-              <a:rPr>
-                <a:latin typeface="Courier"/>
-              </a:rPr>
-              <a:t>() </a:t>
-            </a:r>
-            <a:r>
-              <a:rPr>
-                <a:solidFill>
-                  <a:srgbClr val="4070A0"/>
-                </a:solidFill>
-                <a:latin typeface="Courier"/>
-              </a:rPr>
-              <a:t>+</a:t>
-            </a:r>
-            <a:r>
-              <a:rPr>
-                <a:latin typeface="Courier"/>
-              </a:rPr>
-              <a:t> </a:t>
-            </a:r>
-            <a:r>
-              <a:rPr>
-                <a:solidFill>
-                  <a:srgbClr val="06287E"/>
-                </a:solidFill>
-                <a:latin typeface="Courier"/>
-              </a:rPr>
-              <a:t>geom_histogram</a:t>
-            </a:r>
-            <a:r>
-              <a:rPr>
-                <a:latin typeface="Courier"/>
-              </a:rPr>
-              <a:t>(</a:t>
-            </a:r>
-            <a:r>
-              <a:rPr>
-                <a:solidFill>
-                  <a:srgbClr val="06287E"/>
-                </a:solidFill>
-                <a:latin typeface="Courier"/>
-              </a:rPr>
-              <a:t>aes</a:t>
-            </a:r>
-            <a:r>
-              <a:rPr>
-                <a:latin typeface="Courier"/>
-              </a:rPr>
-              <a:t>(</a:t>
-            </a:r>
-            <a:r>
-              <a:rPr>
-                <a:solidFill>
-                  <a:srgbClr val="7D9029"/>
-                </a:solidFill>
-                <a:latin typeface="Courier"/>
-              </a:rPr>
-              <a:t>x =</a:t>
-            </a:r>
-            <a:r>
-              <a:rPr>
-                <a:latin typeface="Courier"/>
-              </a:rPr>
-              <a:t> means))</a:t>
-            </a:r>
-          </a:p>
-          <a:p>
-            <a:pPr lvl="0" indent="0">
-              <a:buNone/>
-            </a:pPr>
-            <a:r>
-              <a:rPr>
-                <a:latin typeface="Courier"/>
-              </a:rPr>
-              <a:t>## `stat_bin()` using `bins = 30`. Pick better value with `binwidth`.</a:t>
-            </a:r>
-          </a:p>
-        </p:txBody>
-      </p:sp>
-      <p:pic>
-        <p:nvPicPr>
-          <p:cNvPr descr="code_slides_files/figure-pptx/simfig3plot-1.png" id="0" name="Picture 1"/>
-          <p:cNvPicPr>
-            <a:picLocks noGrp="1" noChangeAspect="1"/>
-          </p:cNvPicPr>
-          <p:nvPr/>
-        </p:nvPicPr>
-        <p:blipFill>
-          <a:blip r:embed="rId2"/>
-          <a:stretch>
-            <a:fillRect/>
-          </a:stretch>
-        </p:blipFill>
-        <p:spPr bwMode="auto">
-          <a:xfrm>
-            <a:off x="3568700" y="355600"/>
-            <a:ext cx="5105400" cy="4089400"/>
-          </a:xfrm>
-          <a:prstGeom prst="rect">
-            <a:avLst/>
-          </a:prstGeom>
-          <a:noFill/>
-          <a:ln w="9525">
-            <a:noFill/>
-            <a:headEnd/>
-            <a:tailEnd/>
-          </a:ln>
-        </p:spPr>
-      </p:pic>
+              <a:t>## 
+##     corr_coeff           r 
+## 1  -0.14300000 -0.14300000 
+## 2   0.05547002  0.05547002 
+## 3  -0.13969969 -0.13969969 
+## 4  -0.40000000 -0.40000000 
+## 5  -0.53000000 -0.53000000 
+## 6   0.87300000  0.87300000 
+## 7   0.06500000  0.06500000 
+## 8   0.01500000  0.01500000 
+## 9   0.17000000  0.17000000 
+## 10 -0.13000000 -0.13000000</a:t>
+            </a:r>
+          </a:p>
+        </p:txBody>
+      </p:sp>
     </p:spTree>
   </p:cSld>
 </p:sld>

--- a/slides/code_slides.pptx
+++ b/slides/code_slides.pptx
@@ -10,6 +10,17 @@
     <p:sldId id="258" r:id="rId4"/>
     <p:sldId id="259" r:id="rId5"/>
     <p:sldId id="260" r:id="rId6"/>
+    <p:sldId id="261" r:id="rId7"/>
+    <p:sldId id="262" r:id="rId8"/>
+    <p:sldId id="263" r:id="rId9"/>
+    <p:sldId id="264" r:id="rId10"/>
+    <p:sldId id="265" r:id="rId11"/>
+    <p:sldId id="266" r:id="rId12"/>
+    <p:sldId id="267" r:id="rId13"/>
+    <p:sldId id="268" r:id="rId14"/>
+    <p:sldId id="269" r:id="rId15"/>
+    <p:sldId id="270" r:id="rId16"/>
+    <p:sldId id="271" r:id="rId17"/>
   </p:sldIdLst>
   <p:sldSz cx="9144000" cy="5143500" type="screen16x9"/>
   <p:notesSz cx="6858000" cy="9144000"/>
@@ -3186,6 +3197,2461 @@
 </p:sld>
 </file>
 
+<file path=ppt/slides/slide10.xml><?xml version="1.0" encoding="utf-8"?>
+<p:sld xmlns:a="http://schemas.openxmlformats.org/drawingml/2006/main" xmlns:r="http://schemas.openxmlformats.org/officeDocument/2006/relationships" xmlns:p="http://schemas.openxmlformats.org/presentationml/2006/main">
+  <p:cSld>
+    <p:spTree>
+      <p:nvGrpSpPr>
+        <p:cNvPr id="1" name=""/>
+        <p:cNvGrpSpPr/>
+        <p:nvPr/>
+      </p:nvGrpSpPr>
+      <p:grpSpPr>
+        <a:xfrm>
+          <a:off x="0" y="0"/>
+          <a:ext cx="0" cy="0"/>
+          <a:chOff x="0" y="0"/>
+          <a:chExt cx="0" cy="0"/>
+        </a:xfrm>
+      </p:grpSpPr>
+      <p:sp>
+        <p:nvSpPr>
+          <p:cNvPr id="2" name="Title 1"/>
+          <p:cNvSpPr>
+            <a:spLocks noGrp="1"/>
+          </p:cNvSpPr>
+          <p:nvPr>
+            <p:ph type="title"/>
+          </p:nvPr>
+        </p:nvSpPr>
+        <p:spPr/>
+        <p:txBody>
+          <a:bodyPr/>
+          <a:lstStyle/>
+          <a:p>
+            <a:pPr lvl="0" indent="0" marL="0">
+              <a:buNone/>
+            </a:pPr>
+            <a:r>
+              <a:rPr/>
+              <a:t>Zr</a:t>
+            </a:r>
+          </a:p>
+        </p:txBody>
+      </p:sp>
+      <p:sp>
+        <p:nvSpPr>
+          <p:cNvPr id="3" name="Content Placeholder 2"/>
+          <p:cNvSpPr>
+            <a:spLocks noGrp="1"/>
+          </p:cNvSpPr>
+          <p:nvPr>
+            <p:ph idx="1"/>
+          </p:nvPr>
+        </p:nvSpPr>
+        <p:spPr/>
+        <p:txBody>
+          <a:bodyPr/>
+          <a:lstStyle/>
+          <a:p>
+            <a:pPr lvl="0" indent="0">
+              <a:buNone/>
+            </a:pPr>
+            <a:r>
+              <a:rPr>
+                <a:latin typeface="Courier"/>
+              </a:rPr>
+              <a:t>zr_data </a:t>
+            </a:r>
+            <a:r>
+              <a:rPr>
+                <a:solidFill>
+                  <a:srgbClr val="007020"/>
+                </a:solidFill>
+                <a:latin typeface="Courier"/>
+              </a:rPr>
+              <a:t>&lt;-</a:t>
+            </a:r>
+            <a:r>
+              <a:rPr>
+                <a:latin typeface="Courier"/>
+              </a:rPr>
+              <a:t> </a:t>
+            </a:r>
+            <a:r>
+              <a:rPr>
+                <a:solidFill>
+                  <a:srgbClr val="06287E"/>
+                </a:solidFill>
+                <a:latin typeface="Courier"/>
+              </a:rPr>
+              <a:t>read.csv</a:t>
+            </a:r>
+            <a:r>
+              <a:rPr>
+                <a:latin typeface="Courier"/>
+              </a:rPr>
+              <a:t>(</a:t>
+            </a:r>
+            <a:r>
+              <a:rPr>
+                <a:solidFill>
+                  <a:srgbClr val="4070A0"/>
+                </a:solidFill>
+                <a:latin typeface="Courier"/>
+              </a:rPr>
+              <a:t>"https://raw.githubusercontent.com/daniel1noble/meta-workshop/gh-pages/data/ind_disp_raw_data.csv"</a:t>
+            </a:r>
+            <a:r>
+              <a:rPr>
+                <a:latin typeface="Courier"/>
+              </a:rPr>
+              <a:t>) </a:t>
+            </a:r>
+            <a:r>
+              <a:rPr>
+                <a:solidFill>
+                  <a:srgbClr val="4070A0"/>
+                </a:solidFill>
+                <a:latin typeface="Courier"/>
+              </a:rPr>
+              <a:t>%&gt;%</a:t>
+            </a:r>
+            <a:br/>
+            <a:r>
+              <a:rPr>
+                <a:latin typeface="Courier"/>
+              </a:rPr>
+              <a:t>  dplyr</a:t>
+            </a:r>
+            <a:r>
+              <a:rPr>
+                <a:solidFill>
+                  <a:srgbClr val="4070A0"/>
+                </a:solidFill>
+                <a:latin typeface="Courier"/>
+              </a:rPr>
+              <a:t>::</a:t>
+            </a:r>
+            <a:r>
+              <a:rPr>
+                <a:solidFill>
+                  <a:srgbClr val="06287E"/>
+                </a:solidFill>
+                <a:latin typeface="Courier"/>
+              </a:rPr>
+              <a:t>select</a:t>
+            </a:r>
+            <a:r>
+              <a:rPr>
+                <a:latin typeface="Courier"/>
+              </a:rPr>
+              <a:t>(study_ID, taxa, species, trait, response, response_unit, disp_trait, disp_unit, corr_coeff, sample_size) </a:t>
+            </a:r>
+            <a:r>
+              <a:rPr>
+                <a:solidFill>
+                  <a:srgbClr val="4070A0"/>
+                </a:solidFill>
+                <a:latin typeface="Courier"/>
+              </a:rPr>
+              <a:t>%&gt;%</a:t>
+            </a:r>
+            <a:r>
+              <a:rPr>
+                <a:latin typeface="Courier"/>
+              </a:rPr>
+              <a:t> </a:t>
+            </a:r>
+            <a:r>
+              <a:rPr i="1">
+                <a:solidFill>
+                  <a:srgbClr val="60A0B0"/>
+                </a:solidFill>
+                <a:latin typeface="Courier"/>
+              </a:rPr>
+              <a:t># remove irrelevant columns for this tutorial</a:t>
+            </a:r>
+            <a:br/>
+            <a:r>
+              <a:rPr>
+                <a:latin typeface="Courier"/>
+              </a:rPr>
+              <a:t>  dplyr</a:t>
+            </a:r>
+            <a:r>
+              <a:rPr>
+                <a:solidFill>
+                  <a:srgbClr val="4070A0"/>
+                </a:solidFill>
+                <a:latin typeface="Courier"/>
+              </a:rPr>
+              <a:t>::</a:t>
+            </a:r>
+            <a:r>
+              <a:rPr>
+                <a:solidFill>
+                  <a:srgbClr val="06287E"/>
+                </a:solidFill>
+                <a:latin typeface="Courier"/>
+              </a:rPr>
+              <a:t>top_n</a:t>
+            </a:r>
+            <a:r>
+              <a:rPr>
+                <a:latin typeface="Courier"/>
+              </a:rPr>
+              <a:t>(</a:t>
+            </a:r>
+            <a:r>
+              <a:rPr>
+                <a:solidFill>
+                  <a:srgbClr val="40A070"/>
+                </a:solidFill>
+                <a:latin typeface="Courier"/>
+              </a:rPr>
+              <a:t>10</a:t>
+            </a:r>
+            <a:r>
+              <a:rPr>
+                <a:latin typeface="Courier"/>
+              </a:rPr>
+              <a:t>) </a:t>
+            </a:r>
+            <a:r>
+              <a:rPr i="1">
+                <a:solidFill>
+                  <a:srgbClr val="60A0B0"/>
+                </a:solidFill>
+                <a:latin typeface="Courier"/>
+              </a:rPr>
+              <a:t># select first 10 effect sizes to illustrate escalc function</a:t>
+            </a:r>
+          </a:p>
+          <a:p>
+            <a:pPr lvl="0" indent="0">
+              <a:buNone/>
+            </a:pPr>
+            <a:r>
+              <a:rPr>
+                <a:latin typeface="Courier"/>
+              </a:rPr>
+              <a:t>## Selecting by sample_size</a:t>
+            </a:r>
+          </a:p>
+        </p:txBody>
+      </p:sp>
+    </p:spTree>
+  </p:cSld>
+</p:sld>
+</file>
+
+<file path=ppt/slides/slide11.xml><?xml version="1.0" encoding="utf-8"?>
+<p:sld xmlns:a="http://schemas.openxmlformats.org/drawingml/2006/main" xmlns:r="http://schemas.openxmlformats.org/officeDocument/2006/relationships" xmlns:p="http://schemas.openxmlformats.org/presentationml/2006/main">
+  <p:cSld>
+    <p:spTree>
+      <p:nvGrpSpPr>
+        <p:cNvPr id="1" name=""/>
+        <p:cNvGrpSpPr/>
+        <p:nvPr/>
+      </p:nvGrpSpPr>
+      <p:grpSpPr>
+        <a:xfrm>
+          <a:off x="0" y="0"/>
+          <a:ext cx="0" cy="0"/>
+          <a:chOff x="0" y="0"/>
+          <a:chExt cx="0" cy="0"/>
+        </a:xfrm>
+      </p:grpSpPr>
+      <p:sp>
+        <p:nvSpPr>
+          <p:cNvPr id="2" name="Title 1"/>
+          <p:cNvSpPr>
+            <a:spLocks noGrp="1"/>
+          </p:cNvSpPr>
+          <p:nvPr>
+            <p:ph type="title"/>
+          </p:nvPr>
+        </p:nvSpPr>
+        <p:spPr/>
+        <p:txBody>
+          <a:bodyPr/>
+          <a:lstStyle/>
+          <a:p>
+            <a:pPr lvl="0" indent="0" marL="0">
+              <a:buNone/>
+            </a:pPr>
+            <a:r>
+              <a:rPr/>
+              <a:t>Effect calculation</a:t>
+            </a:r>
+          </a:p>
+        </p:txBody>
+      </p:sp>
+      <p:sp>
+        <p:nvSpPr>
+          <p:cNvPr id="3" name="Content Placeholder 2"/>
+          <p:cNvSpPr>
+            <a:spLocks noGrp="1"/>
+          </p:cNvSpPr>
+          <p:nvPr>
+            <p:ph idx="1"/>
+          </p:nvPr>
+        </p:nvSpPr>
+        <p:spPr/>
+        <p:txBody>
+          <a:bodyPr/>
+          <a:lstStyle/>
+          <a:p>
+            <a:pPr lvl="0" indent="0">
+              <a:buNone/>
+            </a:pPr>
+            <a:r>
+              <a:rPr i="1">
+                <a:solidFill>
+                  <a:srgbClr val="60A0B0"/>
+                </a:solidFill>
+                <a:latin typeface="Courier"/>
+              </a:rPr>
+              <a:t># Calculate Fisher's r-to-z transformed correlation coefficient (ZCOR) as yi = effect size and vi = sampling variances, where ri = raw correlation coefficients, and ni = sample size.</a:t>
+            </a:r>
+            <a:br/>
+            <a:r>
+              <a:rPr>
+                <a:latin typeface="Courier"/>
+              </a:rPr>
+              <a:t>zr_data </a:t>
+            </a:r>
+            <a:r>
+              <a:rPr>
+                <a:solidFill>
+                  <a:srgbClr val="007020"/>
+                </a:solidFill>
+                <a:latin typeface="Courier"/>
+              </a:rPr>
+              <a:t>&lt;-</a:t>
+            </a:r>
+            <a:r>
+              <a:rPr>
+                <a:latin typeface="Courier"/>
+              </a:rPr>
+              <a:t> metafor</a:t>
+            </a:r>
+            <a:r>
+              <a:rPr>
+                <a:solidFill>
+                  <a:srgbClr val="4070A0"/>
+                </a:solidFill>
+                <a:latin typeface="Courier"/>
+              </a:rPr>
+              <a:t>::</a:t>
+            </a:r>
+            <a:r>
+              <a:rPr>
+                <a:solidFill>
+                  <a:srgbClr val="06287E"/>
+                </a:solidFill>
+                <a:latin typeface="Courier"/>
+              </a:rPr>
+              <a:t>escalc</a:t>
+            </a:r>
+            <a:r>
+              <a:rPr>
+                <a:latin typeface="Courier"/>
+              </a:rPr>
+              <a:t>(</a:t>
+            </a:r>
+            <a:r>
+              <a:rPr>
+                <a:solidFill>
+                  <a:srgbClr val="7D9029"/>
+                </a:solidFill>
+                <a:latin typeface="Courier"/>
+              </a:rPr>
+              <a:t>measure =</a:t>
+            </a:r>
+            <a:r>
+              <a:rPr>
+                <a:latin typeface="Courier"/>
+              </a:rPr>
+              <a:t> </a:t>
+            </a:r>
+            <a:r>
+              <a:rPr>
+                <a:solidFill>
+                  <a:srgbClr val="4070A0"/>
+                </a:solidFill>
+                <a:latin typeface="Courier"/>
+              </a:rPr>
+              <a:t>"ZCOR"</a:t>
+            </a:r>
+            <a:r>
+              <a:rPr>
+                <a:latin typeface="Courier"/>
+              </a:rPr>
+              <a:t>, </a:t>
+            </a:r>
+            <a:r>
+              <a:rPr>
+                <a:solidFill>
+                  <a:srgbClr val="7D9029"/>
+                </a:solidFill>
+                <a:latin typeface="Courier"/>
+              </a:rPr>
+              <a:t>ri =</a:t>
+            </a:r>
+            <a:r>
+              <a:rPr>
+                <a:latin typeface="Courier"/>
+              </a:rPr>
+              <a:t> corr_coeff, </a:t>
+            </a:r>
+            <a:r>
+              <a:rPr>
+                <a:solidFill>
+                  <a:srgbClr val="7D9029"/>
+                </a:solidFill>
+                <a:latin typeface="Courier"/>
+              </a:rPr>
+              <a:t>ni =</a:t>
+            </a:r>
+            <a:r>
+              <a:rPr>
+                <a:latin typeface="Courier"/>
+              </a:rPr>
+              <a:t> sample_size, </a:t>
+            </a:r>
+            <a:r>
+              <a:rPr>
+                <a:solidFill>
+                  <a:srgbClr val="7D9029"/>
+                </a:solidFill>
+                <a:latin typeface="Courier"/>
+              </a:rPr>
+              <a:t>data =</a:t>
+            </a:r>
+            <a:r>
+              <a:rPr>
+                <a:latin typeface="Courier"/>
+              </a:rPr>
+              <a:t> zr_data, </a:t>
+            </a:r>
+            <a:r>
+              <a:rPr>
+                <a:solidFill>
+                  <a:srgbClr val="7D9029"/>
+                </a:solidFill>
+                <a:latin typeface="Courier"/>
+              </a:rPr>
+              <a:t>var.names=</a:t>
+            </a:r>
+            <a:r>
+              <a:rPr>
+                <a:solidFill>
+                  <a:srgbClr val="06287E"/>
+                </a:solidFill>
+                <a:latin typeface="Courier"/>
+              </a:rPr>
+              <a:t>c</a:t>
+            </a:r>
+            <a:r>
+              <a:rPr>
+                <a:latin typeface="Courier"/>
+              </a:rPr>
+              <a:t>(</a:t>
+            </a:r>
+            <a:r>
+              <a:rPr>
+                <a:solidFill>
+                  <a:srgbClr val="4070A0"/>
+                </a:solidFill>
+                <a:latin typeface="Courier"/>
+              </a:rPr>
+              <a:t>"Zr"</a:t>
+            </a:r>
+            <a:r>
+              <a:rPr>
+                <a:latin typeface="Courier"/>
+              </a:rPr>
+              <a:t>,</a:t>
+            </a:r>
+            <a:r>
+              <a:rPr>
+                <a:solidFill>
+                  <a:srgbClr val="4070A0"/>
+                </a:solidFill>
+                <a:latin typeface="Courier"/>
+              </a:rPr>
+              <a:t>"v_Zr"</a:t>
+            </a:r>
+            <a:r>
+              <a:rPr>
+                <a:latin typeface="Courier"/>
+              </a:rPr>
+              <a:t>))</a:t>
+            </a:r>
+            <a:br/>
+            <a:br/>
+            <a:r>
+              <a:rPr>
+                <a:latin typeface="Courier"/>
+              </a:rPr>
+              <a:t>zr_data</a:t>
+            </a:r>
+          </a:p>
+          <a:p>
+            <a:pPr lvl="0" indent="0">
+              <a:buNone/>
+            </a:pPr>
+            <a:r>
+              <a:rPr>
+                <a:latin typeface="Courier"/>
+              </a:rPr>
+              <a:t>## 
+##    study_ID     taxa              species          trait       response 
+## 1         5 Mammalia      Tamias_striatus     Metabolism     Resting MR 
+## 2        13     Aves          Parus_major     Metabolism       Basal MR 
+## 3        13     Aves          Parus_major     Metabolism       Basal MR 
+## 4        45 Mammalia      Syncerus_caffer      Condition Body condition 
+## 5        45 Mammalia      Syncerus_caffer      Condition Body condition 
+## 6        55     Aves Phoenicopterus_ruber      Condition Body condition 
+## 7        87     Aves  Cyanistes caeruleus       Immunity            WBC 
+## 8        87     Aves  Cyanistes caeruleus Cardiovascular    Haematocrit 
+## 9        87     Aves  Cyanistes caeruleus       Immunity            WBC 
+## 10       87     Aves  Cyanistes caeruleus Cardiovascular    Haematocrit 
+##       response_unit  disp_trait disp_unit  corr_coeff sample_size      Zr 
+## 1       residual mW Exploration  residual -0.14300000         296 -0.1440 
+## 2  mass-corrected W Exploration            0.05547002         345  0.0555 
+## 3  mass-corrected W Exploration           -0.13969969         335 -0.1406 
+## 4             index   Dispersal         % -0.40000000         415 -0.4236 
+## 5             index   Dispersal         % -0.53000000         508 -0.5901 
+## 6                     Dispersal            0.87300000         462  1.3456 
+## 7                 n    Activity         n  0.06500000         485  0.0651 
+## 8                 %    Activity         n  0.01500000         485  0.0150 
+## 9                 n    Activity         n  0.17000000         485  0.1717 
+## 10                %    Activity         n -0.13000000         485 -0.1307 
+##      v_Zr 
+## 1  0.0034 
+## 2  0.0029 
+## 3  0.0030 
+## 4  0.0024 
+## 5  0.0020 
+## 6  0.0022 
+## 7  0.0021 
+## 8  0.0021 
+## 9  0.0021 
+## 10 0.0021</a:t>
+            </a:r>
+          </a:p>
+        </p:txBody>
+      </p:sp>
+    </p:spTree>
+  </p:cSld>
+</p:sld>
+</file>
+
+<file path=ppt/slides/slide12.xml><?xml version="1.0" encoding="utf-8"?>
+<p:sld xmlns:a="http://schemas.openxmlformats.org/drawingml/2006/main" xmlns:r="http://schemas.openxmlformats.org/officeDocument/2006/relationships" xmlns:p="http://schemas.openxmlformats.org/presentationml/2006/main">
+  <p:cSld>
+    <p:spTree>
+      <p:nvGrpSpPr>
+        <p:cNvPr id="1" name=""/>
+        <p:cNvGrpSpPr/>
+        <p:nvPr/>
+      </p:nvGrpSpPr>
+      <p:grpSpPr>
+        <a:xfrm>
+          <a:off x="0" y="0"/>
+          <a:ext cx="0" cy="0"/>
+          <a:chOff x="0" y="0"/>
+          <a:chExt cx="0" cy="0"/>
+        </a:xfrm>
+      </p:grpSpPr>
+      <p:sp>
+        <p:nvSpPr>
+          <p:cNvPr id="2" name="Title 1"/>
+          <p:cNvSpPr>
+            <a:spLocks noGrp="1"/>
+          </p:cNvSpPr>
+          <p:nvPr>
+            <p:ph type="title"/>
+          </p:nvPr>
+        </p:nvSpPr>
+        <p:spPr/>
+        <p:txBody>
+          <a:bodyPr/>
+          <a:lstStyle/>
+          <a:p>
+            <a:pPr lvl="0" indent="0" marL="0">
+              <a:buNone/>
+            </a:pPr>
+            <a:r>
+              <a:rPr/>
+              <a:t>Back transofrmation</a:t>
+            </a:r>
+          </a:p>
+        </p:txBody>
+      </p:sp>
+      <p:sp>
+        <p:nvSpPr>
+          <p:cNvPr id="3" name="Content Placeholder 2"/>
+          <p:cNvSpPr>
+            <a:spLocks noGrp="1"/>
+          </p:cNvSpPr>
+          <p:nvPr>
+            <p:ph idx="1"/>
+          </p:nvPr>
+        </p:nvSpPr>
+        <p:spPr/>
+        <p:txBody>
+          <a:bodyPr/>
+          <a:lstStyle/>
+          <a:p>
+            <a:pPr lvl="0" indent="0">
+              <a:buNone/>
+            </a:pPr>
+            <a:r>
+              <a:rPr i="1">
+                <a:solidFill>
+                  <a:srgbClr val="60A0B0"/>
+                </a:solidFill>
+                <a:latin typeface="Courier"/>
+              </a:rPr>
+              <a:t># We can easily convert back to r as follows</a:t>
+            </a:r>
+            <a:br/>
+            <a:r>
+              <a:rPr>
+                <a:latin typeface="Courier"/>
+              </a:rPr>
+              <a:t>zr_data</a:t>
+            </a:r>
+            <a:r>
+              <a:rPr>
+                <a:solidFill>
+                  <a:srgbClr val="4070A0"/>
+                </a:solidFill>
+                <a:latin typeface="Courier"/>
+              </a:rPr>
+              <a:t>$</a:t>
+            </a:r>
+            <a:r>
+              <a:rPr>
+                <a:latin typeface="Courier"/>
+              </a:rPr>
+              <a:t>r </a:t>
+            </a:r>
+            <a:r>
+              <a:rPr>
+                <a:solidFill>
+                  <a:srgbClr val="007020"/>
+                </a:solidFill>
+                <a:latin typeface="Courier"/>
+              </a:rPr>
+              <a:t>&lt;-</a:t>
+            </a:r>
+            <a:r>
+              <a:rPr>
+                <a:latin typeface="Courier"/>
+              </a:rPr>
+              <a:t> </a:t>
+            </a:r>
+            <a:r>
+              <a:rPr>
+                <a:solidFill>
+                  <a:srgbClr val="06287E"/>
+                </a:solidFill>
+                <a:latin typeface="Courier"/>
+              </a:rPr>
+              <a:t>tanh</a:t>
+            </a:r>
+            <a:r>
+              <a:rPr>
+                <a:latin typeface="Courier"/>
+              </a:rPr>
+              <a:t>(zr_data</a:t>
+            </a:r>
+            <a:r>
+              <a:rPr>
+                <a:solidFill>
+                  <a:srgbClr val="4070A0"/>
+                </a:solidFill>
+                <a:latin typeface="Courier"/>
+              </a:rPr>
+              <a:t>$</a:t>
+            </a:r>
+            <a:r>
+              <a:rPr>
+                <a:latin typeface="Courier"/>
+              </a:rPr>
+              <a:t>Zr)</a:t>
+            </a:r>
+            <a:br/>
+            <a:br/>
+            <a:r>
+              <a:rPr>
+                <a:latin typeface="Courier"/>
+              </a:rPr>
+              <a:t>zr_data </a:t>
+            </a:r>
+            <a:r>
+              <a:rPr>
+                <a:solidFill>
+                  <a:srgbClr val="4070A0"/>
+                </a:solidFill>
+                <a:latin typeface="Courier"/>
+              </a:rPr>
+              <a:t>%&gt;%</a:t>
+            </a:r>
+            <a:r>
+              <a:rPr>
+                <a:latin typeface="Courier"/>
+              </a:rPr>
+              <a:t> </a:t>
+            </a:r>
+            <a:r>
+              <a:rPr>
+                <a:solidFill>
+                  <a:srgbClr val="06287E"/>
+                </a:solidFill>
+                <a:latin typeface="Courier"/>
+              </a:rPr>
+              <a:t>select</a:t>
+            </a:r>
+            <a:r>
+              <a:rPr>
+                <a:latin typeface="Courier"/>
+              </a:rPr>
+              <a:t>(corr_coeff, r)</a:t>
+            </a:r>
+          </a:p>
+          <a:p>
+            <a:pPr lvl="0" indent="0">
+              <a:buNone/>
+            </a:pPr>
+            <a:r>
+              <a:rPr>
+                <a:latin typeface="Courier"/>
+              </a:rPr>
+              <a:t>## 
+##     corr_coeff           r 
+## 1  -0.14300000 -0.14300000 
+## 2   0.05547002  0.05547002 
+## 3  -0.13969969 -0.13969969 
+## 4  -0.40000000 -0.40000000 
+## 5  -0.53000000 -0.53000000 
+## 6   0.87300000  0.87300000 
+## 7   0.06500000  0.06500000 
+## 8   0.01500000  0.01500000 
+## 9   0.17000000  0.17000000 
+## 10 -0.13000000 -0.13000000</a:t>
+            </a:r>
+          </a:p>
+        </p:txBody>
+      </p:sp>
+    </p:spTree>
+  </p:cSld>
+</p:sld>
+</file>
+
+<file path=ppt/slides/slide13.xml><?xml version="1.0" encoding="utf-8"?>
+<p:sld xmlns:a="http://schemas.openxmlformats.org/drawingml/2006/main" xmlns:r="http://schemas.openxmlformats.org/officeDocument/2006/relationships" xmlns:p="http://schemas.openxmlformats.org/presentationml/2006/main">
+  <p:cSld>
+    <p:spTree>
+      <p:nvGrpSpPr>
+        <p:cNvPr id="1" name=""/>
+        <p:cNvGrpSpPr/>
+        <p:nvPr/>
+      </p:nvGrpSpPr>
+      <p:grpSpPr>
+        <a:xfrm>
+          <a:off x="0" y="0"/>
+          <a:ext cx="0" cy="0"/>
+          <a:chOff x="0" y="0"/>
+          <a:chExt cx="0" cy="0"/>
+        </a:xfrm>
+      </p:grpSpPr>
+      <p:sp>
+        <p:nvSpPr>
+          <p:cNvPr id="2" name="Title 1"/>
+          <p:cNvSpPr>
+            <a:spLocks noGrp="1"/>
+          </p:cNvSpPr>
+          <p:nvPr>
+            <p:ph type="title"/>
+          </p:nvPr>
+        </p:nvSpPr>
+        <p:spPr/>
+        <p:txBody>
+          <a:bodyPr/>
+          <a:lstStyle/>
+          <a:p>
+            <a:pPr lvl="0" indent="0" marL="0">
+              <a:buNone/>
+            </a:pPr>
+            <a:r>
+              <a:rPr/>
+              <a:t>Hedges</a:t>
+            </a:r>
+          </a:p>
+        </p:txBody>
+      </p:sp>
+      <p:sp>
+        <p:nvSpPr>
+          <p:cNvPr id="3" name="Content Placeholder 2"/>
+          <p:cNvSpPr>
+            <a:spLocks noGrp="1"/>
+          </p:cNvSpPr>
+          <p:nvPr>
+            <p:ph idx="1"/>
+          </p:nvPr>
+        </p:nvSpPr>
+        <p:spPr/>
+        <p:txBody>
+          <a:bodyPr/>
+          <a:lstStyle/>
+          <a:p>
+            <a:pPr lvl="0" indent="0">
+              <a:buNone/>
+            </a:pPr>
+            <a:r>
+              <a:rPr>
+                <a:latin typeface="Courier"/>
+              </a:rPr>
+              <a:t>contrast_data </a:t>
+            </a:r>
+            <a:r>
+              <a:rPr>
+                <a:solidFill>
+                  <a:srgbClr val="007020"/>
+                </a:solidFill>
+                <a:latin typeface="Courier"/>
+              </a:rPr>
+              <a:t>&lt;-</a:t>
+            </a:r>
+            <a:r>
+              <a:rPr>
+                <a:latin typeface="Courier"/>
+              </a:rPr>
+              <a:t> </a:t>
+            </a:r>
+            <a:r>
+              <a:rPr>
+                <a:solidFill>
+                  <a:srgbClr val="06287E"/>
+                </a:solidFill>
+                <a:latin typeface="Courier"/>
+              </a:rPr>
+              <a:t>read.csv</a:t>
+            </a:r>
+            <a:r>
+              <a:rPr>
+                <a:latin typeface="Courier"/>
+              </a:rPr>
+              <a:t>(</a:t>
+            </a:r>
+            <a:r>
+              <a:rPr>
+                <a:solidFill>
+                  <a:srgbClr val="4070A0"/>
+                </a:solidFill>
+                <a:latin typeface="Courier"/>
+              </a:rPr>
+              <a:t>"https://raw.githubusercontent.com/daniel1noble/meta-workshop/gh-pages/data/pop_disp_raw_data.csv"</a:t>
+            </a:r>
+            <a:r>
+              <a:rPr>
+                <a:latin typeface="Courier"/>
+              </a:rPr>
+              <a:t>) </a:t>
+            </a:r>
+            <a:r>
+              <a:rPr>
+                <a:solidFill>
+                  <a:srgbClr val="4070A0"/>
+                </a:solidFill>
+                <a:latin typeface="Courier"/>
+              </a:rPr>
+              <a:t>%&gt;%</a:t>
+            </a:r>
+            <a:br/>
+            <a:r>
+              <a:rPr>
+                <a:latin typeface="Courier"/>
+              </a:rPr>
+              <a:t>  dplyr</a:t>
+            </a:r>
+            <a:r>
+              <a:rPr>
+                <a:solidFill>
+                  <a:srgbClr val="4070A0"/>
+                </a:solidFill>
+                <a:latin typeface="Courier"/>
+              </a:rPr>
+              <a:t>::</a:t>
+            </a:r>
+            <a:r>
+              <a:rPr>
+                <a:solidFill>
+                  <a:srgbClr val="06287E"/>
+                </a:solidFill>
+                <a:latin typeface="Courier"/>
+              </a:rPr>
+              <a:t>select</a:t>
+            </a:r>
+            <a:r>
+              <a:rPr>
+                <a:latin typeface="Courier"/>
+              </a:rPr>
+              <a:t>(study_ID, taxa, species, trait, response, response_unit, mean_core, sd_core, n_core, mean_front, sd_front, n_front) </a:t>
+            </a:r>
+            <a:r>
+              <a:rPr>
+                <a:solidFill>
+                  <a:srgbClr val="4070A0"/>
+                </a:solidFill>
+                <a:latin typeface="Courier"/>
+              </a:rPr>
+              <a:t>%&gt;%</a:t>
+            </a:r>
+            <a:r>
+              <a:rPr>
+                <a:latin typeface="Courier"/>
+              </a:rPr>
+              <a:t> </a:t>
+            </a:r>
+            <a:r>
+              <a:rPr i="1">
+                <a:solidFill>
+                  <a:srgbClr val="60A0B0"/>
+                </a:solidFill>
+                <a:latin typeface="Courier"/>
+              </a:rPr>
+              <a:t># remove irrelevant columns for this tutorial</a:t>
+            </a:r>
+            <a:br/>
+            <a:r>
+              <a:rPr>
+                <a:latin typeface="Courier"/>
+              </a:rPr>
+              <a:t>  dplyr</a:t>
+            </a:r>
+            <a:r>
+              <a:rPr>
+                <a:solidFill>
+                  <a:srgbClr val="4070A0"/>
+                </a:solidFill>
+                <a:latin typeface="Courier"/>
+              </a:rPr>
+              <a:t>::</a:t>
+            </a:r>
+            <a:r>
+              <a:rPr>
+                <a:solidFill>
+                  <a:srgbClr val="06287E"/>
+                </a:solidFill>
+                <a:latin typeface="Courier"/>
+              </a:rPr>
+              <a:t>top_n</a:t>
+            </a:r>
+            <a:r>
+              <a:rPr>
+                <a:latin typeface="Courier"/>
+              </a:rPr>
+              <a:t>(</a:t>
+            </a:r>
+            <a:r>
+              <a:rPr>
+                <a:solidFill>
+                  <a:srgbClr val="40A070"/>
+                </a:solidFill>
+                <a:latin typeface="Courier"/>
+              </a:rPr>
+              <a:t>10</a:t>
+            </a:r>
+            <a:r>
+              <a:rPr>
+                <a:latin typeface="Courier"/>
+              </a:rPr>
+              <a:t>) </a:t>
+            </a:r>
+            <a:r>
+              <a:rPr i="1">
+                <a:solidFill>
+                  <a:srgbClr val="60A0B0"/>
+                </a:solidFill>
+                <a:latin typeface="Courier"/>
+              </a:rPr>
+              <a:t># select first 10 effect sizes to illustrate escalc function</a:t>
+            </a:r>
+          </a:p>
+          <a:p>
+            <a:pPr lvl="0" indent="0">
+              <a:buNone/>
+            </a:pPr>
+            <a:r>
+              <a:rPr>
+                <a:latin typeface="Courier"/>
+              </a:rPr>
+              <a:t>## Selecting by n_front</a:t>
+            </a:r>
+          </a:p>
+        </p:txBody>
+      </p:sp>
+    </p:spTree>
+  </p:cSld>
+</p:sld>
+</file>
+
+<file path=ppt/slides/slide14.xml><?xml version="1.0" encoding="utf-8"?>
+<p:sld xmlns:a="http://schemas.openxmlformats.org/drawingml/2006/main" xmlns:r="http://schemas.openxmlformats.org/officeDocument/2006/relationships" xmlns:p="http://schemas.openxmlformats.org/presentationml/2006/main">
+  <p:cSld>
+    <p:spTree>
+      <p:nvGrpSpPr>
+        <p:cNvPr id="1" name=""/>
+        <p:cNvGrpSpPr/>
+        <p:nvPr/>
+      </p:nvGrpSpPr>
+      <p:grpSpPr>
+        <a:xfrm>
+          <a:off x="0" y="0"/>
+          <a:ext cx="0" cy="0"/>
+          <a:chOff x="0" y="0"/>
+          <a:chExt cx="0" cy="0"/>
+        </a:xfrm>
+      </p:grpSpPr>
+      <p:sp>
+        <p:nvSpPr>
+          <p:cNvPr id="2" name="Title 1"/>
+          <p:cNvSpPr>
+            <a:spLocks noGrp="1"/>
+          </p:cNvSpPr>
+          <p:nvPr>
+            <p:ph type="title"/>
+          </p:nvPr>
+        </p:nvSpPr>
+        <p:spPr/>
+        <p:txBody>
+          <a:bodyPr/>
+          <a:lstStyle/>
+          <a:p>
+            <a:pPr lvl="0" indent="0" marL="0">
+              <a:buNone/>
+            </a:pPr>
+            <a:r>
+              <a:rPr/>
+              <a:t>Hedgesg</a:t>
+            </a:r>
+          </a:p>
+        </p:txBody>
+      </p:sp>
+      <p:sp>
+        <p:nvSpPr>
+          <p:cNvPr id="3" name="Content Placeholder 2"/>
+          <p:cNvSpPr>
+            <a:spLocks noGrp="1"/>
+          </p:cNvSpPr>
+          <p:nvPr>
+            <p:ph idx="1"/>
+          </p:nvPr>
+        </p:nvSpPr>
+        <p:spPr/>
+        <p:txBody>
+          <a:bodyPr/>
+          <a:lstStyle/>
+          <a:p>
+            <a:pPr lvl="0" indent="0">
+              <a:buNone/>
+            </a:pPr>
+            <a:r>
+              <a:rPr i="1">
+                <a:solidFill>
+                  <a:srgbClr val="60A0B0"/>
+                </a:solidFill>
+                <a:latin typeface="Courier"/>
+              </a:rPr>
+              <a:t># Calculate Hedges' g as g = effect size and v_g = sampling variances, where m1i = mean of edge population, n1i = sample size of edge population, sd1i = standard deviation of edge population, m2i = mean of core population, n2i = sample size of core population, sd2i = standard deviation of core population.</a:t>
+            </a:r>
+            <a:br/>
+            <a:r>
+              <a:rPr>
+                <a:latin typeface="Courier"/>
+              </a:rPr>
+              <a:t>contrast_data </a:t>
+            </a:r>
+            <a:r>
+              <a:rPr>
+                <a:solidFill>
+                  <a:srgbClr val="007020"/>
+                </a:solidFill>
+                <a:latin typeface="Courier"/>
+              </a:rPr>
+              <a:t>&lt;-</a:t>
+            </a:r>
+            <a:r>
+              <a:rPr>
+                <a:latin typeface="Courier"/>
+              </a:rPr>
+              <a:t> metafor</a:t>
+            </a:r>
+            <a:r>
+              <a:rPr>
+                <a:solidFill>
+                  <a:srgbClr val="4070A0"/>
+                </a:solidFill>
+                <a:latin typeface="Courier"/>
+              </a:rPr>
+              <a:t>::</a:t>
+            </a:r>
+            <a:r>
+              <a:rPr>
+                <a:solidFill>
+                  <a:srgbClr val="06287E"/>
+                </a:solidFill>
+                <a:latin typeface="Courier"/>
+              </a:rPr>
+              <a:t>escalc</a:t>
+            </a:r>
+            <a:r>
+              <a:rPr>
+                <a:latin typeface="Courier"/>
+              </a:rPr>
+              <a:t>(</a:t>
+            </a:r>
+            <a:r>
+              <a:rPr>
+                <a:solidFill>
+                  <a:srgbClr val="7D9029"/>
+                </a:solidFill>
+                <a:latin typeface="Courier"/>
+              </a:rPr>
+              <a:t>measure =</a:t>
+            </a:r>
+            <a:r>
+              <a:rPr>
+                <a:latin typeface="Courier"/>
+              </a:rPr>
+              <a:t> </a:t>
+            </a:r>
+            <a:r>
+              <a:rPr>
+                <a:solidFill>
+                  <a:srgbClr val="4070A0"/>
+                </a:solidFill>
+                <a:latin typeface="Courier"/>
+              </a:rPr>
+              <a:t>"SMD"</a:t>
+            </a:r>
+            <a:r>
+              <a:rPr>
+                <a:latin typeface="Courier"/>
+              </a:rPr>
+              <a:t>, </a:t>
+            </a:r>
+            <a:br/>
+            <a:r>
+              <a:rPr>
+                <a:latin typeface="Courier"/>
+              </a:rPr>
+              <a:t>                              </a:t>
+            </a:r>
+            <a:r>
+              <a:rPr>
+                <a:solidFill>
+                  <a:srgbClr val="7D9029"/>
+                </a:solidFill>
+                <a:latin typeface="Courier"/>
+              </a:rPr>
+              <a:t>m1i =</a:t>
+            </a:r>
+            <a:r>
+              <a:rPr>
+                <a:latin typeface="Courier"/>
+              </a:rPr>
+              <a:t> mean_front, </a:t>
+            </a:r>
+            <a:r>
+              <a:rPr>
+                <a:solidFill>
+                  <a:srgbClr val="7D9029"/>
+                </a:solidFill>
+                <a:latin typeface="Courier"/>
+              </a:rPr>
+              <a:t>n1i =</a:t>
+            </a:r>
+            <a:r>
+              <a:rPr>
+                <a:latin typeface="Courier"/>
+              </a:rPr>
+              <a:t> n_front, </a:t>
+            </a:r>
+            <a:r>
+              <a:rPr>
+                <a:solidFill>
+                  <a:srgbClr val="7D9029"/>
+                </a:solidFill>
+                <a:latin typeface="Courier"/>
+              </a:rPr>
+              <a:t>sd1i =</a:t>
+            </a:r>
+            <a:r>
+              <a:rPr>
+                <a:latin typeface="Courier"/>
+              </a:rPr>
+              <a:t> sd_front,</a:t>
+            </a:r>
+            <a:br/>
+            <a:r>
+              <a:rPr>
+                <a:latin typeface="Courier"/>
+              </a:rPr>
+              <a:t>                              </a:t>
+            </a:r>
+            <a:r>
+              <a:rPr>
+                <a:solidFill>
+                  <a:srgbClr val="7D9029"/>
+                </a:solidFill>
+                <a:latin typeface="Courier"/>
+              </a:rPr>
+              <a:t>m2i =</a:t>
+            </a:r>
+            <a:r>
+              <a:rPr>
+                <a:latin typeface="Courier"/>
+              </a:rPr>
+              <a:t> mean_core, </a:t>
+            </a:r>
+            <a:r>
+              <a:rPr>
+                <a:solidFill>
+                  <a:srgbClr val="7D9029"/>
+                </a:solidFill>
+                <a:latin typeface="Courier"/>
+              </a:rPr>
+              <a:t>n2i =</a:t>
+            </a:r>
+            <a:r>
+              <a:rPr>
+                <a:latin typeface="Courier"/>
+              </a:rPr>
+              <a:t> n_core, </a:t>
+            </a:r>
+            <a:r>
+              <a:rPr>
+                <a:solidFill>
+                  <a:srgbClr val="7D9029"/>
+                </a:solidFill>
+                <a:latin typeface="Courier"/>
+              </a:rPr>
+              <a:t>sd2i =</a:t>
+            </a:r>
+            <a:r>
+              <a:rPr>
+                <a:latin typeface="Courier"/>
+              </a:rPr>
+              <a:t> sd_core, </a:t>
+            </a:r>
+            <a:br/>
+            <a:r>
+              <a:rPr>
+                <a:latin typeface="Courier"/>
+              </a:rPr>
+              <a:t>                              </a:t>
+            </a:r>
+            <a:r>
+              <a:rPr>
+                <a:solidFill>
+                  <a:srgbClr val="7D9029"/>
+                </a:solidFill>
+                <a:latin typeface="Courier"/>
+              </a:rPr>
+              <a:t>data =</a:t>
+            </a:r>
+            <a:r>
+              <a:rPr>
+                <a:latin typeface="Courier"/>
+              </a:rPr>
+              <a:t> contrast_data, </a:t>
+            </a:r>
+            <a:r>
+              <a:rPr>
+                <a:solidFill>
+                  <a:srgbClr val="7D9029"/>
+                </a:solidFill>
+                <a:latin typeface="Courier"/>
+              </a:rPr>
+              <a:t>var.names=</a:t>
+            </a:r>
+            <a:r>
+              <a:rPr>
+                <a:solidFill>
+                  <a:srgbClr val="06287E"/>
+                </a:solidFill>
+                <a:latin typeface="Courier"/>
+              </a:rPr>
+              <a:t>c</a:t>
+            </a:r>
+            <a:r>
+              <a:rPr>
+                <a:latin typeface="Courier"/>
+              </a:rPr>
+              <a:t>(</a:t>
+            </a:r>
+            <a:r>
+              <a:rPr>
+                <a:solidFill>
+                  <a:srgbClr val="4070A0"/>
+                </a:solidFill>
+                <a:latin typeface="Courier"/>
+              </a:rPr>
+              <a:t>"g"</a:t>
+            </a:r>
+            <a:r>
+              <a:rPr>
+                <a:latin typeface="Courier"/>
+              </a:rPr>
+              <a:t>,</a:t>
+            </a:r>
+            <a:r>
+              <a:rPr>
+                <a:solidFill>
+                  <a:srgbClr val="4070A0"/>
+                </a:solidFill>
+                <a:latin typeface="Courier"/>
+              </a:rPr>
+              <a:t>"v_g"</a:t>
+            </a:r>
+            <a:r>
+              <a:rPr>
+                <a:latin typeface="Courier"/>
+              </a:rPr>
+              <a:t>))</a:t>
+            </a:r>
+            <a:br/>
+            <a:r>
+              <a:rPr>
+                <a:latin typeface="Courier"/>
+              </a:rPr>
+              <a:t>contrast_data </a:t>
+            </a:r>
+            <a:r>
+              <a:rPr>
+                <a:solidFill>
+                  <a:srgbClr val="4070A0"/>
+                </a:solidFill>
+                <a:latin typeface="Courier"/>
+              </a:rPr>
+              <a:t>%&gt;%</a:t>
+            </a:r>
+            <a:r>
+              <a:rPr>
+                <a:latin typeface="Courier"/>
+              </a:rPr>
+              <a:t> </a:t>
+            </a:r>
+            <a:r>
+              <a:rPr>
+                <a:solidFill>
+                  <a:srgbClr val="06287E"/>
+                </a:solidFill>
+                <a:latin typeface="Courier"/>
+              </a:rPr>
+              <a:t>select</a:t>
+            </a:r>
+            <a:r>
+              <a:rPr>
+                <a:latin typeface="Courier"/>
+              </a:rPr>
+              <a:t>(study_ID, mean_core, sd_core, n_core, mean_front, sd_front, n_front, g, v_g)</a:t>
+            </a:r>
+          </a:p>
+          <a:p>
+            <a:pPr lvl="0" indent="0">
+              <a:buNone/>
+            </a:pPr>
+            <a:r>
+              <a:rPr>
+                <a:latin typeface="Courier"/>
+              </a:rPr>
+              <a:t>## 
+##    study_ID    mean_core      sd_core n_core   mean_front     sd_front n_front 
+## 1         9    0.8264591   0.41322957     98    0.9525292   0.58132296     161 
+## 2        24    0.4333333   0.02804233    116    0.5116402   0.02698413     117 
+## 3        34 2491.3240000 619.79470000     94 2528.9950000 603.98380000      96 
+## 4        34 2491.3240000 619.79470000     94 2850.9130000 749.38730000      96 
+## 5        37    1.3800000   0.18000000   2757    1.4400000   0.18000000     306 
+## 6        37    1.3600000   0.17000000   2478    1.4100000   0.16000000     215 
+## 7        38    1.3900000   0.13000000    228    1.4600000   0.20000000     238 
+## 8        38    1.3700000   0.16000000    200    1.4300000   0.19000000     137 
+## 9        38    1.2200000   0.59000000     86    1.1900000   0.42000000     130 
+## 10       39    0.0320000   0.00300000    188    0.0350000   0.00300000     188 
+## 11       39    0.0290000   0.00200000    251    0.0320000   0.00200000     251 
+##          g    v_g 
+## 1   0.2398 0.0165 
+## 2   2.8366 0.0344 
+## 3   0.0613 0.0211 
+## 4   0.5203 0.0218 
+## 5   0.3333 0.0036 
+## 6   0.2954 0.0051 
+## 7   0.4125 0.0088 
+## 8   0.3464 0.0125 
+## 9  -0.0604 0.0193 
+## 10  0.9980 0.0120 
+## 11  1.4977 0.0102</a:t>
+            </a:r>
+          </a:p>
+        </p:txBody>
+      </p:sp>
+    </p:spTree>
+  </p:cSld>
+</p:sld>
+</file>
+
+<file path=ppt/slides/slide15.xml><?xml version="1.0" encoding="utf-8"?>
+<p:sld xmlns:a="http://schemas.openxmlformats.org/drawingml/2006/main" xmlns:r="http://schemas.openxmlformats.org/officeDocument/2006/relationships" xmlns:p="http://schemas.openxmlformats.org/presentationml/2006/main">
+  <p:cSld>
+    <p:spTree>
+      <p:nvGrpSpPr>
+        <p:cNvPr id="1" name=""/>
+        <p:cNvGrpSpPr/>
+        <p:nvPr/>
+      </p:nvGrpSpPr>
+      <p:grpSpPr>
+        <a:xfrm>
+          <a:off x="0" y="0"/>
+          <a:ext cx="0" cy="0"/>
+          <a:chOff x="0" y="0"/>
+          <a:chExt cx="0" cy="0"/>
+        </a:xfrm>
+      </p:grpSpPr>
+      <p:sp>
+        <p:nvSpPr>
+          <p:cNvPr id="2" name="Title 1"/>
+          <p:cNvSpPr>
+            <a:spLocks noGrp="1"/>
+          </p:cNvSpPr>
+          <p:nvPr>
+            <p:ph type="title"/>
+          </p:nvPr>
+        </p:nvSpPr>
+        <p:spPr/>
+        <p:txBody>
+          <a:bodyPr/>
+          <a:lstStyle/>
+          <a:p>
+            <a:pPr lvl="0" indent="0" marL="0">
+              <a:buNone/>
+            </a:pPr>
+            <a:r>
+              <a:rPr/>
+              <a:t>lnRR</a:t>
+            </a:r>
+          </a:p>
+        </p:txBody>
+      </p:sp>
+      <p:sp>
+        <p:nvSpPr>
+          <p:cNvPr id="3" name="Content Placeholder 2"/>
+          <p:cNvSpPr>
+            <a:spLocks noGrp="1"/>
+          </p:cNvSpPr>
+          <p:nvPr>
+            <p:ph idx="1"/>
+          </p:nvPr>
+        </p:nvSpPr>
+        <p:spPr/>
+        <p:txBody>
+          <a:bodyPr/>
+          <a:lstStyle/>
+          <a:p>
+            <a:pPr lvl="0" indent="0">
+              <a:buNone/>
+            </a:pPr>
+            <a:r>
+              <a:rPr i="1">
+                <a:solidFill>
+                  <a:srgbClr val="60A0B0"/>
+                </a:solidFill>
+                <a:latin typeface="Courier"/>
+              </a:rPr>
+              <a:t># Calculate log response ratio, lnRR = effect size and v_lnRR = sampling variances, where m1i = mean of edge population, n1i = sample size of edge population, sd1i = standard deviation of edge population, m2i = mean of core population, n2i = sample size of core population, sd2i = standard deviation of core population.</a:t>
+            </a:r>
+            <a:br/>
+            <a:r>
+              <a:rPr>
+                <a:latin typeface="Courier"/>
+              </a:rPr>
+              <a:t>contrast_data </a:t>
+            </a:r>
+            <a:r>
+              <a:rPr>
+                <a:solidFill>
+                  <a:srgbClr val="007020"/>
+                </a:solidFill>
+                <a:latin typeface="Courier"/>
+              </a:rPr>
+              <a:t>&lt;-</a:t>
+            </a:r>
+            <a:r>
+              <a:rPr>
+                <a:latin typeface="Courier"/>
+              </a:rPr>
+              <a:t> metafor</a:t>
+            </a:r>
+            <a:r>
+              <a:rPr>
+                <a:solidFill>
+                  <a:srgbClr val="4070A0"/>
+                </a:solidFill>
+                <a:latin typeface="Courier"/>
+              </a:rPr>
+              <a:t>::</a:t>
+            </a:r>
+            <a:r>
+              <a:rPr>
+                <a:solidFill>
+                  <a:srgbClr val="06287E"/>
+                </a:solidFill>
+                <a:latin typeface="Courier"/>
+              </a:rPr>
+              <a:t>escalc</a:t>
+            </a:r>
+            <a:r>
+              <a:rPr>
+                <a:latin typeface="Courier"/>
+              </a:rPr>
+              <a:t>(</a:t>
+            </a:r>
+            <a:r>
+              <a:rPr>
+                <a:solidFill>
+                  <a:srgbClr val="7D9029"/>
+                </a:solidFill>
+                <a:latin typeface="Courier"/>
+              </a:rPr>
+              <a:t>measure =</a:t>
+            </a:r>
+            <a:r>
+              <a:rPr>
+                <a:latin typeface="Courier"/>
+              </a:rPr>
+              <a:t> </a:t>
+            </a:r>
+            <a:r>
+              <a:rPr>
+                <a:solidFill>
+                  <a:srgbClr val="4070A0"/>
+                </a:solidFill>
+                <a:latin typeface="Courier"/>
+              </a:rPr>
+              <a:t>"ROM"</a:t>
+            </a:r>
+            <a:r>
+              <a:rPr>
+                <a:latin typeface="Courier"/>
+              </a:rPr>
+              <a:t>, </a:t>
+            </a:r>
+            <a:br/>
+            <a:r>
+              <a:rPr>
+                <a:latin typeface="Courier"/>
+              </a:rPr>
+              <a:t>                              </a:t>
+            </a:r>
+            <a:r>
+              <a:rPr>
+                <a:solidFill>
+                  <a:srgbClr val="7D9029"/>
+                </a:solidFill>
+                <a:latin typeface="Courier"/>
+              </a:rPr>
+              <a:t>m1i =</a:t>
+            </a:r>
+            <a:r>
+              <a:rPr>
+                <a:latin typeface="Courier"/>
+              </a:rPr>
+              <a:t> mean_front, </a:t>
+            </a:r>
+            <a:r>
+              <a:rPr>
+                <a:solidFill>
+                  <a:srgbClr val="7D9029"/>
+                </a:solidFill>
+                <a:latin typeface="Courier"/>
+              </a:rPr>
+              <a:t>n1i =</a:t>
+            </a:r>
+            <a:r>
+              <a:rPr>
+                <a:latin typeface="Courier"/>
+              </a:rPr>
+              <a:t> n_front, </a:t>
+            </a:r>
+            <a:r>
+              <a:rPr>
+                <a:solidFill>
+                  <a:srgbClr val="7D9029"/>
+                </a:solidFill>
+                <a:latin typeface="Courier"/>
+              </a:rPr>
+              <a:t>sd1i =</a:t>
+            </a:r>
+            <a:r>
+              <a:rPr>
+                <a:latin typeface="Courier"/>
+              </a:rPr>
+              <a:t> sd_front,</a:t>
+            </a:r>
+            <a:br/>
+            <a:r>
+              <a:rPr>
+                <a:latin typeface="Courier"/>
+              </a:rPr>
+              <a:t>                              </a:t>
+            </a:r>
+            <a:r>
+              <a:rPr>
+                <a:solidFill>
+                  <a:srgbClr val="7D9029"/>
+                </a:solidFill>
+                <a:latin typeface="Courier"/>
+              </a:rPr>
+              <a:t>m2i =</a:t>
+            </a:r>
+            <a:r>
+              <a:rPr>
+                <a:latin typeface="Courier"/>
+              </a:rPr>
+              <a:t> mean_core, </a:t>
+            </a:r>
+            <a:r>
+              <a:rPr>
+                <a:solidFill>
+                  <a:srgbClr val="7D9029"/>
+                </a:solidFill>
+                <a:latin typeface="Courier"/>
+              </a:rPr>
+              <a:t>n2i =</a:t>
+            </a:r>
+            <a:r>
+              <a:rPr>
+                <a:latin typeface="Courier"/>
+              </a:rPr>
+              <a:t> n_core, </a:t>
+            </a:r>
+            <a:r>
+              <a:rPr>
+                <a:solidFill>
+                  <a:srgbClr val="7D9029"/>
+                </a:solidFill>
+                <a:latin typeface="Courier"/>
+              </a:rPr>
+              <a:t>sd2i =</a:t>
+            </a:r>
+            <a:r>
+              <a:rPr>
+                <a:latin typeface="Courier"/>
+              </a:rPr>
+              <a:t> sd_core, </a:t>
+            </a:r>
+            <a:br/>
+            <a:r>
+              <a:rPr>
+                <a:latin typeface="Courier"/>
+              </a:rPr>
+              <a:t>                              </a:t>
+            </a:r>
+            <a:r>
+              <a:rPr>
+                <a:solidFill>
+                  <a:srgbClr val="7D9029"/>
+                </a:solidFill>
+                <a:latin typeface="Courier"/>
+              </a:rPr>
+              <a:t>data =</a:t>
+            </a:r>
+            <a:r>
+              <a:rPr>
+                <a:latin typeface="Courier"/>
+              </a:rPr>
+              <a:t> contrast_data, </a:t>
+            </a:r>
+            <a:r>
+              <a:rPr>
+                <a:solidFill>
+                  <a:srgbClr val="7D9029"/>
+                </a:solidFill>
+                <a:latin typeface="Courier"/>
+              </a:rPr>
+              <a:t>var.names=</a:t>
+            </a:r>
+            <a:r>
+              <a:rPr>
+                <a:solidFill>
+                  <a:srgbClr val="06287E"/>
+                </a:solidFill>
+                <a:latin typeface="Courier"/>
+              </a:rPr>
+              <a:t>c</a:t>
+            </a:r>
+            <a:r>
+              <a:rPr>
+                <a:latin typeface="Courier"/>
+              </a:rPr>
+              <a:t>(</a:t>
+            </a:r>
+            <a:r>
+              <a:rPr>
+                <a:solidFill>
+                  <a:srgbClr val="4070A0"/>
+                </a:solidFill>
+                <a:latin typeface="Courier"/>
+              </a:rPr>
+              <a:t>"lnRR"</a:t>
+            </a:r>
+            <a:r>
+              <a:rPr>
+                <a:latin typeface="Courier"/>
+              </a:rPr>
+              <a:t>,</a:t>
+            </a:r>
+            <a:r>
+              <a:rPr>
+                <a:solidFill>
+                  <a:srgbClr val="4070A0"/>
+                </a:solidFill>
+                <a:latin typeface="Courier"/>
+              </a:rPr>
+              <a:t>"v_lnRR"</a:t>
+            </a:r>
+            <a:r>
+              <a:rPr>
+                <a:latin typeface="Courier"/>
+              </a:rPr>
+              <a:t>))</a:t>
+            </a:r>
+            <a:br/>
+            <a:r>
+              <a:rPr>
+                <a:latin typeface="Courier"/>
+              </a:rPr>
+              <a:t>contrast_data </a:t>
+            </a:r>
+            <a:r>
+              <a:rPr>
+                <a:solidFill>
+                  <a:srgbClr val="4070A0"/>
+                </a:solidFill>
+                <a:latin typeface="Courier"/>
+              </a:rPr>
+              <a:t>%&gt;%</a:t>
+            </a:r>
+            <a:r>
+              <a:rPr>
+                <a:latin typeface="Courier"/>
+              </a:rPr>
+              <a:t> </a:t>
+            </a:r>
+            <a:r>
+              <a:rPr>
+                <a:solidFill>
+                  <a:srgbClr val="06287E"/>
+                </a:solidFill>
+                <a:latin typeface="Courier"/>
+              </a:rPr>
+              <a:t>select</a:t>
+            </a:r>
+            <a:r>
+              <a:rPr>
+                <a:latin typeface="Courier"/>
+              </a:rPr>
+              <a:t>(study_ID, mean_core, sd_core, n_core, mean_front, sd_front, n_front, lnRR, v_lnRR)</a:t>
+            </a:r>
+          </a:p>
+          <a:p>
+            <a:pPr lvl="0" indent="0">
+              <a:buNone/>
+            </a:pPr>
+            <a:r>
+              <a:rPr>
+                <a:latin typeface="Courier"/>
+              </a:rPr>
+              <a:t>## 
+##    study_ID    mean_core      sd_core n_core   mean_front     sd_front n_front 
+## 1         9    0.8264591   0.41322957     98    0.9525292   0.58132296     161 
+## 2        24    0.4333333   0.02804233    116    0.5116402   0.02698413     117 
+## 3        34 2491.3240000 619.79470000     94 2528.9950000 603.98380000      96 
+## 4        34 2491.3240000 619.79470000     94 2850.9130000 749.38730000      96 
+## 5        37    1.3800000   0.18000000   2757    1.4400000   0.18000000     306 
+## 6        37    1.3600000   0.17000000   2478    1.4100000   0.16000000     215 
+## 7        38    1.3900000   0.13000000    228    1.4600000   0.20000000     238 
+## 8        38    1.3700000   0.16000000    200    1.4300000   0.19000000     137 
+## 9        38    1.2200000   0.59000000     86    1.1900000   0.42000000     130 
+## 10       39    0.0320000   0.00300000    188    0.0350000   0.00300000     188 
+## 11       39    0.0290000   0.00200000    251    0.0320000   0.00200000     251 
+##       lnRR v_lnRR 
+## 1   0.1420 0.0049 
+## 2   0.1661 0.0001 
+## 3   0.0150 0.0013 
+## 4   0.1348 0.0014 
+## 5   0.0426 0.0001 
+## 6   0.0361 0.0001 
+## 7   0.0491 0.0001 
+## 8   0.0429 0.0002 
+## 9  -0.0249 0.0037 
+## 10  0.0896 0.0001 
+## 11  0.0984 0.0000</a:t>
+            </a:r>
+          </a:p>
+        </p:txBody>
+      </p:sp>
+    </p:spTree>
+  </p:cSld>
+</p:sld>
+</file>
+
+<file path=ppt/slides/slide16.xml><?xml version="1.0" encoding="utf-8"?>
+<p:sld xmlns:a="http://schemas.openxmlformats.org/drawingml/2006/main" xmlns:r="http://schemas.openxmlformats.org/officeDocument/2006/relationships" xmlns:p="http://schemas.openxmlformats.org/presentationml/2006/main">
+  <p:cSld>
+    <p:spTree>
+      <p:nvGrpSpPr>
+        <p:cNvPr id="1" name=""/>
+        <p:cNvGrpSpPr/>
+        <p:nvPr/>
+      </p:nvGrpSpPr>
+      <p:grpSpPr>
+        <a:xfrm>
+          <a:off x="0" y="0"/>
+          <a:ext cx="0" cy="0"/>
+          <a:chOff x="0" y="0"/>
+          <a:chExt cx="0" cy="0"/>
+        </a:xfrm>
+      </p:grpSpPr>
+      <p:sp>
+        <p:nvSpPr>
+          <p:cNvPr id="2" name="Title 1"/>
+          <p:cNvSpPr>
+            <a:spLocks noGrp="1"/>
+          </p:cNvSpPr>
+          <p:nvPr>
+            <p:ph type="title"/>
+          </p:nvPr>
+        </p:nvSpPr>
+        <p:spPr/>
+        <p:txBody>
+          <a:bodyPr/>
+          <a:lstStyle/>
+          <a:p>
+            <a:pPr lvl="0" indent="0" marL="0">
+              <a:buNone/>
+            </a:pPr>
+            <a:r>
+              <a:rPr/>
+              <a:t>COnverting back to understand lnRR</a:t>
+            </a:r>
+          </a:p>
+        </p:txBody>
+      </p:sp>
+      <p:sp>
+        <p:nvSpPr>
+          <p:cNvPr id="3" name="Content Placeholder 2"/>
+          <p:cNvSpPr>
+            <a:spLocks noGrp="1"/>
+          </p:cNvSpPr>
+          <p:nvPr>
+            <p:ph idx="1"/>
+          </p:nvPr>
+        </p:nvSpPr>
+        <p:spPr/>
+        <p:txBody>
+          <a:bodyPr/>
+          <a:lstStyle/>
+          <a:p>
+            <a:pPr lvl="0" indent="0">
+              <a:buNone/>
+            </a:pPr>
+            <a:r>
+              <a:rPr i="1">
+                <a:solidFill>
+                  <a:srgbClr val="BA2121"/>
+                </a:solidFill>
+                <a:latin typeface="Courier"/>
+              </a:rPr>
+              <a:t>### Let's back calculate effects to make sure we understand why they are interpreted as percentage differences</a:t>
+            </a:r>
+            <a:br/>
+            <a:br/>
+            <a:r>
+              <a:rPr i="1">
+                <a:solidFill>
+                  <a:srgbClr val="60A0B0"/>
+                </a:solidFill>
+                <a:latin typeface="Courier"/>
+              </a:rPr>
+              <a:t># Make sure we understand how it's calculated</a:t>
+            </a:r>
+            <a:br/>
+            <a:r>
+              <a:rPr>
+                <a:solidFill>
+                  <a:srgbClr val="06287E"/>
+                </a:solidFill>
+                <a:latin typeface="Courier"/>
+              </a:rPr>
+              <a:t>with</a:t>
+            </a:r>
+            <a:r>
+              <a:rPr>
+                <a:latin typeface="Courier"/>
+              </a:rPr>
+              <a:t>(contrast_data, </a:t>
+            </a:r>
+            <a:r>
+              <a:rPr>
+                <a:solidFill>
+                  <a:srgbClr val="06287E"/>
+                </a:solidFill>
+                <a:latin typeface="Courier"/>
+              </a:rPr>
+              <a:t>log</a:t>
+            </a:r>
+            <a:r>
+              <a:rPr>
+                <a:latin typeface="Courier"/>
+              </a:rPr>
+              <a:t>(mean_front[</a:t>
+            </a:r>
+            <a:r>
+              <a:rPr>
+                <a:solidFill>
+                  <a:srgbClr val="40A070"/>
+                </a:solidFill>
+                <a:latin typeface="Courier"/>
+              </a:rPr>
+              <a:t>1</a:t>
+            </a:r>
+            <a:r>
+              <a:rPr>
+                <a:latin typeface="Courier"/>
+              </a:rPr>
+              <a:t>] </a:t>
+            </a:r>
+            <a:r>
+              <a:rPr>
+                <a:solidFill>
+                  <a:srgbClr val="4070A0"/>
+                </a:solidFill>
+                <a:latin typeface="Courier"/>
+              </a:rPr>
+              <a:t>/</a:t>
+            </a:r>
+            <a:r>
+              <a:rPr>
+                <a:latin typeface="Courier"/>
+              </a:rPr>
+              <a:t> mean_core[</a:t>
+            </a:r>
+            <a:r>
+              <a:rPr>
+                <a:solidFill>
+                  <a:srgbClr val="40A070"/>
+                </a:solidFill>
+                <a:latin typeface="Courier"/>
+              </a:rPr>
+              <a:t>1</a:t>
+            </a:r>
+            <a:r>
+              <a:rPr>
+                <a:latin typeface="Courier"/>
+              </a:rPr>
+              <a:t>]))</a:t>
+            </a:r>
+          </a:p>
+          <a:p>
+            <a:pPr lvl="0" indent="0">
+              <a:buNone/>
+            </a:pPr>
+            <a:r>
+              <a:rPr>
+                <a:latin typeface="Courier"/>
+              </a:rPr>
+              <a:t>## [1] 0.1419703</a:t>
+            </a:r>
+          </a:p>
+          <a:p>
+            <a:pPr lvl="0" indent="0">
+              <a:buNone/>
+            </a:pPr>
+            <a:r>
+              <a:rPr i="1">
+                <a:solidFill>
+                  <a:srgbClr val="60A0B0"/>
+                </a:solidFill>
+                <a:latin typeface="Courier"/>
+              </a:rPr>
+              <a:t># Alternatively....</a:t>
+            </a:r>
+            <a:br/>
+            <a:r>
+              <a:rPr>
+                <a:solidFill>
+                  <a:srgbClr val="06287E"/>
+                </a:solidFill>
+                <a:latin typeface="Courier"/>
+              </a:rPr>
+              <a:t>with</a:t>
+            </a:r>
+            <a:r>
+              <a:rPr>
+                <a:latin typeface="Courier"/>
+              </a:rPr>
+              <a:t>(contrast_data, </a:t>
+            </a:r>
+            <a:r>
+              <a:rPr>
+                <a:solidFill>
+                  <a:srgbClr val="06287E"/>
+                </a:solidFill>
+                <a:latin typeface="Courier"/>
+              </a:rPr>
+              <a:t>log</a:t>
+            </a:r>
+            <a:r>
+              <a:rPr>
+                <a:latin typeface="Courier"/>
+              </a:rPr>
+              <a:t>(mean_front[</a:t>
+            </a:r>
+            <a:r>
+              <a:rPr>
+                <a:solidFill>
+                  <a:srgbClr val="40A070"/>
+                </a:solidFill>
+                <a:latin typeface="Courier"/>
+              </a:rPr>
+              <a:t>1</a:t>
+            </a:r>
+            <a:r>
+              <a:rPr>
+                <a:latin typeface="Courier"/>
+              </a:rPr>
+              <a:t>]) </a:t>
+            </a:r>
+            <a:r>
+              <a:rPr>
+                <a:solidFill>
+                  <a:srgbClr val="4070A0"/>
+                </a:solidFill>
+                <a:latin typeface="Courier"/>
+              </a:rPr>
+              <a:t>-</a:t>
+            </a:r>
+            <a:r>
+              <a:rPr>
+                <a:latin typeface="Courier"/>
+              </a:rPr>
+              <a:t> </a:t>
+            </a:r>
+            <a:r>
+              <a:rPr>
+                <a:solidFill>
+                  <a:srgbClr val="06287E"/>
+                </a:solidFill>
+                <a:latin typeface="Courier"/>
+              </a:rPr>
+              <a:t>log</a:t>
+            </a:r>
+            <a:r>
+              <a:rPr>
+                <a:latin typeface="Courier"/>
+              </a:rPr>
+              <a:t>(mean_core[</a:t>
+            </a:r>
+            <a:r>
+              <a:rPr>
+                <a:solidFill>
+                  <a:srgbClr val="40A070"/>
+                </a:solidFill>
+                <a:latin typeface="Courier"/>
+              </a:rPr>
+              <a:t>1</a:t>
+            </a:r>
+            <a:r>
+              <a:rPr>
+                <a:latin typeface="Courier"/>
+              </a:rPr>
+              <a:t>]))</a:t>
+            </a:r>
+          </a:p>
+          <a:p>
+            <a:pPr lvl="0" indent="0">
+              <a:buNone/>
+            </a:pPr>
+            <a:r>
+              <a:rPr>
+                <a:latin typeface="Courier"/>
+              </a:rPr>
+              <a:t>## [1] 0.1419703</a:t>
+            </a:r>
+          </a:p>
+          <a:p>
+            <a:pPr lvl="0" indent="0">
+              <a:buNone/>
+            </a:pPr>
+            <a:r>
+              <a:rPr i="1">
+                <a:solidFill>
+                  <a:srgbClr val="60A0B0"/>
+                </a:solidFill>
+                <a:latin typeface="Courier"/>
+              </a:rPr>
+              <a:t># Now lets back-transform to odds. </a:t>
+            </a:r>
+            <a:br/>
+            <a:r>
+              <a:rPr>
+                <a:solidFill>
+                  <a:srgbClr val="06287E"/>
+                </a:solidFill>
+                <a:latin typeface="Courier"/>
+              </a:rPr>
+              <a:t>with</a:t>
+            </a:r>
+            <a:r>
+              <a:rPr>
+                <a:latin typeface="Courier"/>
+              </a:rPr>
+              <a:t>(contrast_data, </a:t>
+            </a:r>
+            <a:r>
+              <a:rPr>
+                <a:solidFill>
+                  <a:srgbClr val="06287E"/>
+                </a:solidFill>
+                <a:latin typeface="Courier"/>
+              </a:rPr>
+              <a:t>exp</a:t>
+            </a:r>
+            <a:r>
+              <a:rPr>
+                <a:latin typeface="Courier"/>
+              </a:rPr>
+              <a:t>(</a:t>
+            </a:r>
+            <a:r>
+              <a:rPr>
+                <a:solidFill>
+                  <a:srgbClr val="06287E"/>
+                </a:solidFill>
+                <a:latin typeface="Courier"/>
+              </a:rPr>
+              <a:t>log</a:t>
+            </a:r>
+            <a:r>
+              <a:rPr>
+                <a:latin typeface="Courier"/>
+              </a:rPr>
+              <a:t>(mean_front[</a:t>
+            </a:r>
+            <a:r>
+              <a:rPr>
+                <a:solidFill>
+                  <a:srgbClr val="40A070"/>
+                </a:solidFill>
+                <a:latin typeface="Courier"/>
+              </a:rPr>
+              <a:t>1</a:t>
+            </a:r>
+            <a:r>
+              <a:rPr>
+                <a:latin typeface="Courier"/>
+              </a:rPr>
+              <a:t>]) </a:t>
+            </a:r>
+            <a:r>
+              <a:rPr>
+                <a:solidFill>
+                  <a:srgbClr val="4070A0"/>
+                </a:solidFill>
+                <a:latin typeface="Courier"/>
+              </a:rPr>
+              <a:t>-</a:t>
+            </a:r>
+            <a:r>
+              <a:rPr>
+                <a:latin typeface="Courier"/>
+              </a:rPr>
+              <a:t> </a:t>
+            </a:r>
+            <a:r>
+              <a:rPr>
+                <a:solidFill>
+                  <a:srgbClr val="06287E"/>
+                </a:solidFill>
+                <a:latin typeface="Courier"/>
+              </a:rPr>
+              <a:t>log</a:t>
+            </a:r>
+            <a:r>
+              <a:rPr>
+                <a:latin typeface="Courier"/>
+              </a:rPr>
+              <a:t>(mean_core[</a:t>
+            </a:r>
+            <a:r>
+              <a:rPr>
+                <a:solidFill>
+                  <a:srgbClr val="40A070"/>
+                </a:solidFill>
+                <a:latin typeface="Courier"/>
+              </a:rPr>
+              <a:t>1</a:t>
+            </a:r>
+            <a:r>
+              <a:rPr>
+                <a:latin typeface="Courier"/>
+              </a:rPr>
+              <a:t>])))</a:t>
+            </a:r>
+          </a:p>
+          <a:p>
+            <a:pPr lvl="0" indent="0">
+              <a:buNone/>
+            </a:pPr>
+            <a:r>
+              <a:rPr>
+                <a:latin typeface="Courier"/>
+              </a:rPr>
+              <a:t>## [1] 1.152542</a:t>
+            </a:r>
+          </a:p>
+          <a:p>
+            <a:pPr lvl="0" indent="0">
+              <a:buNone/>
+            </a:pPr>
+            <a:r>
+              <a:rPr i="1">
+                <a:solidFill>
+                  <a:srgbClr val="60A0B0"/>
+                </a:solidFill>
+                <a:latin typeface="Courier"/>
+              </a:rPr>
+              <a:t># Interpretation: What this tells us is that the numerator is 1.15 times the denominator, or, that the marginal (front) mean is 15% larger compared to the core mean. We can see that this is true as follows:</a:t>
+            </a:r>
+            <a:br/>
+            <a:r>
+              <a:rPr>
+                <a:solidFill>
+                  <a:srgbClr val="06287E"/>
+                </a:solidFill>
+                <a:latin typeface="Courier"/>
+              </a:rPr>
+              <a:t>with</a:t>
+            </a:r>
+            <a:r>
+              <a:rPr>
+                <a:latin typeface="Courier"/>
+              </a:rPr>
+              <a:t>(contrast_data, </a:t>
+            </a:r>
+            <a:r>
+              <a:rPr>
+                <a:solidFill>
+                  <a:srgbClr val="06287E"/>
+                </a:solidFill>
+                <a:latin typeface="Courier"/>
+              </a:rPr>
+              <a:t>exp</a:t>
+            </a:r>
+            <a:r>
+              <a:rPr>
+                <a:latin typeface="Courier"/>
+              </a:rPr>
+              <a:t>(</a:t>
+            </a:r>
+            <a:r>
+              <a:rPr>
+                <a:solidFill>
+                  <a:srgbClr val="06287E"/>
+                </a:solidFill>
+                <a:latin typeface="Courier"/>
+              </a:rPr>
+              <a:t>log</a:t>
+            </a:r>
+            <a:r>
+              <a:rPr>
+                <a:latin typeface="Courier"/>
+              </a:rPr>
+              <a:t>(mean_front[</a:t>
+            </a:r>
+            <a:r>
+              <a:rPr>
+                <a:solidFill>
+                  <a:srgbClr val="40A070"/>
+                </a:solidFill>
+                <a:latin typeface="Courier"/>
+              </a:rPr>
+              <a:t>1</a:t>
+            </a:r>
+            <a:r>
+              <a:rPr>
+                <a:latin typeface="Courier"/>
+              </a:rPr>
+              <a:t>]) </a:t>
+            </a:r>
+            <a:r>
+              <a:rPr>
+                <a:solidFill>
+                  <a:srgbClr val="4070A0"/>
+                </a:solidFill>
+                <a:latin typeface="Courier"/>
+              </a:rPr>
+              <a:t>-</a:t>
+            </a:r>
+            <a:r>
+              <a:rPr>
+                <a:latin typeface="Courier"/>
+              </a:rPr>
+              <a:t> </a:t>
+            </a:r>
+            <a:r>
+              <a:rPr>
+                <a:solidFill>
+                  <a:srgbClr val="06287E"/>
+                </a:solidFill>
+                <a:latin typeface="Courier"/>
+              </a:rPr>
+              <a:t>log</a:t>
+            </a:r>
+            <a:r>
+              <a:rPr>
+                <a:latin typeface="Courier"/>
+              </a:rPr>
+              <a:t>(mean_core[</a:t>
+            </a:r>
+            <a:r>
+              <a:rPr>
+                <a:solidFill>
+                  <a:srgbClr val="40A070"/>
+                </a:solidFill>
+                <a:latin typeface="Courier"/>
+              </a:rPr>
+              <a:t>1</a:t>
+            </a:r>
+            <a:r>
+              <a:rPr>
+                <a:latin typeface="Courier"/>
+              </a:rPr>
+              <a:t>])) </a:t>
+            </a:r>
+            <a:r>
+              <a:rPr>
+                <a:solidFill>
+                  <a:srgbClr val="4070A0"/>
+                </a:solidFill>
+                <a:latin typeface="Courier"/>
+              </a:rPr>
+              <a:t>*</a:t>
+            </a:r>
+            <a:r>
+              <a:rPr>
+                <a:latin typeface="Courier"/>
+              </a:rPr>
+              <a:t> mean_core[</a:t>
+            </a:r>
+            <a:r>
+              <a:rPr>
+                <a:solidFill>
+                  <a:srgbClr val="40A070"/>
+                </a:solidFill>
+                <a:latin typeface="Courier"/>
+              </a:rPr>
+              <a:t>1</a:t>
+            </a:r>
+            <a:r>
+              <a:rPr>
+                <a:latin typeface="Courier"/>
+              </a:rPr>
+              <a:t>])</a:t>
+            </a:r>
+          </a:p>
+          <a:p>
+            <a:pPr lvl="0" indent="0">
+              <a:buNone/>
+            </a:pPr>
+            <a:r>
+              <a:rPr>
+                <a:latin typeface="Courier"/>
+              </a:rPr>
+              <a:t>## [1] 0.9525292</a:t>
+            </a:r>
+          </a:p>
+          <a:p>
+            <a:pPr lvl="0" indent="0">
+              <a:buNone/>
+            </a:pPr>
+            <a:r>
+              <a:rPr i="1">
+                <a:solidFill>
+                  <a:srgbClr val="60A0B0"/>
+                </a:solidFill>
+                <a:latin typeface="Courier"/>
+              </a:rPr>
+              <a:t># This value should now match the marginal mean value, which it does</a:t>
+            </a:r>
+            <a:br/>
+            <a:r>
+              <a:rPr>
+                <a:solidFill>
+                  <a:srgbClr val="06287E"/>
+                </a:solidFill>
+                <a:latin typeface="Courier"/>
+              </a:rPr>
+              <a:t>with</a:t>
+            </a:r>
+            <a:r>
+              <a:rPr>
+                <a:latin typeface="Courier"/>
+              </a:rPr>
+              <a:t>(contrast_data, mean_front[</a:t>
+            </a:r>
+            <a:r>
+              <a:rPr>
+                <a:solidFill>
+                  <a:srgbClr val="40A070"/>
+                </a:solidFill>
+                <a:latin typeface="Courier"/>
+              </a:rPr>
+              <a:t>1</a:t>
+            </a:r>
+            <a:r>
+              <a:rPr>
+                <a:latin typeface="Courier"/>
+              </a:rPr>
+              <a:t>])</a:t>
+            </a:r>
+          </a:p>
+          <a:p>
+            <a:pPr lvl="0" indent="0">
+              <a:buNone/>
+            </a:pPr>
+            <a:r>
+              <a:rPr>
+                <a:latin typeface="Courier"/>
+              </a:rPr>
+              <a:t>## [1] 0.9525292</a:t>
+            </a:r>
+          </a:p>
+        </p:txBody>
+      </p:sp>
+    </p:spTree>
+  </p:cSld>
+</p:sld>
+</file>
+
 <file path=ppt/slides/slide2.xml><?xml version="1.0" encoding="utf-8"?>
 <p:sld xmlns:a="http://schemas.openxmlformats.org/drawingml/2006/main" xmlns:r="http://schemas.openxmlformats.org/officeDocument/2006/relationships" xmlns:p="http://schemas.openxmlformats.org/presentationml/2006/main">
   <p:cSld>
@@ -3203,34 +5669,47 @@
           <a:chExt cx="0" cy="0"/>
         </a:xfrm>
       </p:grpSpPr>
+      <p:sp>
+        <p:nvSpPr>
+          <p:cNvPr id="2" name="Title 1"/>
+          <p:cNvSpPr>
+            <a:spLocks noGrp="1"/>
+          </p:cNvSpPr>
+          <p:nvPr>
+            <p:ph type="title"/>
+          </p:nvPr>
+        </p:nvSpPr>
+        <p:spPr/>
+        <p:txBody>
+          <a:bodyPr/>
+          <a:lstStyle/>
+          <a:p>
+            <a:pPr lvl="0" indent="0" marL="0">
+              <a:buNone/>
+            </a:pPr>
+            <a:r>
+              <a:rPr/>
+              <a:t>Slide with Bullets</a:t>
+            </a:r>
+          </a:p>
+        </p:txBody>
+      </p:sp>
       <mc:AlternateContent xmlns:mc="http://schemas.openxmlformats.org/markup-compatibility/2006">
         <mc:Choice xmlns:a14="http://schemas.microsoft.com/office/drawing/2010/main" Requires="a14">
           <p:sp>
             <p:nvSpPr>
-              <p:cNvPr id="4" name="Text Placeholder 3"/>
+              <p:cNvPr id="3" name="Content Placeholder 2"/>
               <p:cNvSpPr>
                 <a:spLocks noGrp="1"/>
               </p:cNvSpPr>
               <p:nvPr>
-                <p:ph idx="2" sz="half" type="body"/>
+                <p:ph idx="1"/>
               </p:nvPr>
             </p:nvSpPr>
             <p:spPr/>
             <p:txBody>
               <a:bodyPr/>
               <a:lstStyle/>
-              <a:p>
-                <a:pPr lvl="0" indent="0" marL="0">
-                  <a:spcBef>
-                    <a:spcPts val="3000"/>
-                  </a:spcBef>
-                  <a:buNone/>
-                </a:pPr>
-                <a:r>
-                  <a:rPr b="1"/>
-                  <a:t>Slide with Bullets</a:t>
-                </a:r>
-              </a:p>
               <a:p>
                 <a:pPr lvl="0"/>
                 <a:r>
@@ -3310,1080 +5789,10 @@
                   <a:t>Drink coffee</a:t>
                 </a:r>
               </a:p>
-              <a:p>
-                <a:pPr lvl="0" indent="0" marL="0">
-                  <a:spcBef>
-                    <a:spcPts val="3000"/>
-                  </a:spcBef>
-                  <a:buNone/>
-                </a:pPr>
-                <a:r>
-                  <a:rPr b="1"/>
-                  <a:t>Slide with R Output</a:t>
-                </a:r>
-              </a:p>
-              <a:p>
-                <a:pPr lvl="0" indent="0">
-                  <a:buNone/>
-                </a:pPr>
-                <a:r>
-                  <a:rPr i="1">
-                    <a:solidFill>
-                      <a:srgbClr val="60A0B0"/>
-                    </a:solidFill>
-                    <a:latin typeface="Courier"/>
-                  </a:rPr>
-                  <a:t># LDH activity in 8 C treatment</a:t>
-                </a:r>
-                <a:br/>
-                <a:r>
-                  <a:rPr>
-                    <a:latin typeface="Courier"/>
-                  </a:rPr>
-                  <a:t>trt_8C </a:t>
-                </a:r>
-                <a:r>
-                  <a:rPr>
-                    <a:solidFill>
-                      <a:srgbClr val="007020"/>
-                    </a:solidFill>
-                    <a:latin typeface="Courier"/>
-                  </a:rPr>
-                  <a:t>&lt;-</a:t>
-                </a:r>
-                <a:r>
-                  <a:rPr>
-                    <a:latin typeface="Courier"/>
-                  </a:rPr>
-                  <a:t> </a:t>
-                </a:r>
-                <a:r>
-                  <a:rPr>
-                    <a:solidFill>
-                      <a:srgbClr val="06287E"/>
-                    </a:solidFill>
-                    <a:latin typeface="Courier"/>
-                  </a:rPr>
-                  <a:t>rnorm</a:t>
-                </a:r>
-                <a:r>
-                  <a:rPr>
-                    <a:latin typeface="Courier"/>
-                  </a:rPr>
-                  <a:t>(</a:t>
-                </a:r>
-                <a:r>
-                  <a:rPr>
-                    <a:solidFill>
-                      <a:srgbClr val="40A070"/>
-                    </a:solidFill>
-                    <a:latin typeface="Courier"/>
-                  </a:rPr>
-                  <a:t>10</a:t>
-                </a:r>
-                <a:r>
-                  <a:rPr>
-                    <a:latin typeface="Courier"/>
-                  </a:rPr>
-                  <a:t>, </a:t>
-                </a:r>
-                <a:r>
-                  <a:rPr>
-                    <a:solidFill>
-                      <a:srgbClr val="40A070"/>
-                    </a:solidFill>
-                    <a:latin typeface="Courier"/>
-                  </a:rPr>
-                  <a:t>0.4</a:t>
-                </a:r>
-                <a:r>
-                  <a:rPr>
-                    <a:latin typeface="Courier"/>
-                  </a:rPr>
-                  <a:t>, </a:t>
-                </a:r>
-                <a:r>
-                  <a:rPr>
-                    <a:solidFill>
-                      <a:srgbClr val="40A070"/>
-                    </a:solidFill>
-                    <a:latin typeface="Courier"/>
-                  </a:rPr>
-                  <a:t>0.5</a:t>
-                </a:r>
-                <a:r>
-                  <a:rPr>
-                    <a:latin typeface="Courier"/>
-                  </a:rPr>
-                  <a:t>)</a:t>
-                </a:r>
-                <a:br/>
-                <a:br/>
-                <a:r>
-                  <a:rPr i="1">
-                    <a:solidFill>
-                      <a:srgbClr val="60A0B0"/>
-                    </a:solidFill>
-                    <a:latin typeface="Courier"/>
-                  </a:rPr>
-                  <a:t># LDH activity in 26 C treatment</a:t>
-                </a:r>
-                <a:br/>
-                <a:r>
-                  <a:rPr>
-                    <a:latin typeface="Courier"/>
-                  </a:rPr>
-                  <a:t>trt_26C </a:t>
-                </a:r>
-                <a:r>
-                  <a:rPr>
-                    <a:solidFill>
-                      <a:srgbClr val="007020"/>
-                    </a:solidFill>
-                    <a:latin typeface="Courier"/>
-                  </a:rPr>
-                  <a:t>&lt;-</a:t>
-                </a:r>
-                <a:r>
-                  <a:rPr>
-                    <a:latin typeface="Courier"/>
-                  </a:rPr>
-                  <a:t> </a:t>
-                </a:r>
-                <a:r>
-                  <a:rPr>
-                    <a:solidFill>
-                      <a:srgbClr val="06287E"/>
-                    </a:solidFill>
-                    <a:latin typeface="Courier"/>
-                  </a:rPr>
-                  <a:t>rnorm</a:t>
-                </a:r>
-                <a:r>
-                  <a:rPr>
-                    <a:latin typeface="Courier"/>
-                  </a:rPr>
-                  <a:t>(</a:t>
-                </a:r>
-                <a:r>
-                  <a:rPr>
-                    <a:solidFill>
-                      <a:srgbClr val="40A070"/>
-                    </a:solidFill>
-                    <a:latin typeface="Courier"/>
-                  </a:rPr>
-                  <a:t>10</a:t>
-                </a:r>
-                <a:r>
-                  <a:rPr>
-                    <a:latin typeface="Courier"/>
-                  </a:rPr>
-                  <a:t>, </a:t>
-                </a:r>
-                <a:r>
-                  <a:rPr>
-                    <a:solidFill>
-                      <a:srgbClr val="40A070"/>
-                    </a:solidFill>
-                    <a:latin typeface="Courier"/>
-                  </a:rPr>
-                  <a:t>0.6</a:t>
-                </a:r>
-                <a:r>
-                  <a:rPr>
-                    <a:latin typeface="Courier"/>
-                  </a:rPr>
-                  <a:t>, </a:t>
-                </a:r>
-                <a:r>
-                  <a:rPr>
-                    <a:solidFill>
-                      <a:srgbClr val="40A070"/>
-                    </a:solidFill>
-                    <a:latin typeface="Courier"/>
-                  </a:rPr>
-                  <a:t>0.2</a:t>
-                </a:r>
-                <a:r>
-                  <a:rPr>
-                    <a:latin typeface="Courier"/>
-                  </a:rPr>
-                  <a:t>)</a:t>
-                </a:r>
-                <a:br/>
-                <a:br/>
-                <a:r>
-                  <a:rPr i="1">
-                    <a:solidFill>
-                      <a:srgbClr val="60A0B0"/>
-                    </a:solidFill>
-                    <a:latin typeface="Courier"/>
-                  </a:rPr>
-                  <a:t># What's the difference, i.e., effect size, between treatments?</a:t>
-                </a:r>
-                <a:br/>
-                <a:r>
-                  <a:rPr>
-                    <a:solidFill>
-                      <a:srgbClr val="06287E"/>
-                    </a:solidFill>
-                    <a:latin typeface="Courier"/>
-                  </a:rPr>
-                  <a:t>mean</a:t>
-                </a:r>
-                <a:r>
-                  <a:rPr>
-                    <a:latin typeface="Courier"/>
-                  </a:rPr>
-                  <a:t>(trt_26C </a:t>
-                </a:r>
-                <a:r>
-                  <a:rPr>
-                    <a:solidFill>
-                      <a:srgbClr val="4070A0"/>
-                    </a:solidFill>
-                    <a:latin typeface="Courier"/>
-                  </a:rPr>
-                  <a:t>-</a:t>
-                </a:r>
-                <a:r>
-                  <a:rPr>
-                    <a:latin typeface="Courier"/>
-                  </a:rPr>
-                  <a:t> trt_8C)</a:t>
-                </a:r>
-              </a:p>
-              <a:p>
-                <a:pPr lvl="0" indent="0">
-                  <a:buNone/>
-                </a:pPr>
-                <a:r>
-                  <a:rPr>
-                    <a:latin typeface="Courier"/>
-                  </a:rPr>
-                  <a:t>## [1] 0.1689233</a:t>
-                </a:r>
-              </a:p>
-              <a:p>
-                <a:pPr lvl="0" indent="0">
-                  <a:buNone/>
-                </a:pPr>
-                <a:r>
-                  <a:rPr>
-                    <a:solidFill>
-                      <a:srgbClr val="06287E"/>
-                    </a:solidFill>
-                    <a:latin typeface="Courier"/>
-                  </a:rPr>
-                  <a:t>t.test</a:t>
-                </a:r>
-                <a:r>
-                  <a:rPr>
-                    <a:latin typeface="Courier"/>
-                  </a:rPr>
-                  <a:t>(trt_26C, trt_8C)</a:t>
-                </a:r>
-              </a:p>
-              <a:p>
-                <a:pPr lvl="0" indent="0">
-                  <a:buNone/>
-                </a:pPr>
-                <a:r>
-                  <a:rPr>
-                    <a:latin typeface="Courier"/>
-                  </a:rPr>
-                  <a:t>## 
-##  Welch Two Sample t-test
-## 
-## data:  trt_26C and trt_8C
-## t = 0.90505, df = 12.249, p-value = 0.3829
-## alternative hypothesis: true difference in means is not equal to 0
-## 95 percent confidence interval:
-##  -0.2368285  0.5746752
-## sample estimates:
-## mean of x mean of y 
-## 0.6241681 0.4552448</a:t>
-                </a:r>
-              </a:p>
-              <a:p>
-                <a:pPr lvl="0" indent="0" marL="0">
-                  <a:spcBef>
-                    <a:spcPts val="3000"/>
-                  </a:spcBef>
-                  <a:buNone/>
-                </a:pPr>
-                <a:r>
-                  <a:rPr b="1"/>
-                  <a:t>Do 1000s of experiments</a:t>
-                </a:r>
-              </a:p>
-              <a:p>
-                <a:pPr lvl="0" indent="0">
-                  <a:buNone/>
-                </a:pPr>
-                <a:r>
-                  <a:rPr>
-                    <a:latin typeface="Courier"/>
-                  </a:rPr>
-                  <a:t>experiment </a:t>
-                </a:r>
-                <a:r>
-                  <a:rPr>
-                    <a:solidFill>
-                      <a:srgbClr val="007020"/>
-                    </a:solidFill>
-                    <a:latin typeface="Courier"/>
-                  </a:rPr>
-                  <a:t>&lt;-</a:t>
-                </a:r>
-                <a:r>
-                  <a:rPr>
-                    <a:latin typeface="Courier"/>
-                  </a:rPr>
-                  <a:t> </a:t>
-                </a:r>
-                <a:r>
-                  <a:rPr b="1">
-                    <a:solidFill>
-                      <a:srgbClr val="007020"/>
-                    </a:solidFill>
-                    <a:latin typeface="Courier"/>
-                  </a:rPr>
-                  <a:t>function</a:t>
-                </a:r>
-                <a:r>
-                  <a:rPr>
-                    <a:latin typeface="Courier"/>
-                  </a:rPr>
-                  <a:t>(times) {</a:t>
-                </a:r>
-                <a:br/>
-                <a:br/>
-                <a:r>
-                  <a:rPr>
-                    <a:latin typeface="Courier"/>
-                  </a:rPr>
-                  <a:t>    dat </a:t>
-                </a:r>
-                <a:r>
-                  <a:rPr>
-                    <a:solidFill>
-                      <a:srgbClr val="007020"/>
-                    </a:solidFill>
-                    <a:latin typeface="Courier"/>
-                  </a:rPr>
-                  <a:t>&lt;-</a:t>
-                </a:r>
-                <a:r>
-                  <a:rPr>
-                    <a:latin typeface="Courier"/>
-                  </a:rPr>
-                  <a:t> </a:t>
-                </a:r>
-                <a:r>
-                  <a:rPr>
-                    <a:solidFill>
-                      <a:srgbClr val="06287E"/>
-                    </a:solidFill>
-                    <a:latin typeface="Courier"/>
-                  </a:rPr>
-                  <a:t>data.frame</a:t>
-                </a:r>
-                <a:r>
-                  <a:rPr>
-                    <a:latin typeface="Courier"/>
-                  </a:rPr>
-                  <a:t>(</a:t>
-                </a:r>
-                <a:r>
-                  <a:rPr>
-                    <a:solidFill>
-                      <a:srgbClr val="06287E"/>
-                    </a:solidFill>
-                    <a:latin typeface="Courier"/>
-                  </a:rPr>
-                  <a:t>matrix</a:t>
-                </a:r>
-                <a:r>
-                  <a:rPr>
-                    <a:latin typeface="Courier"/>
-                  </a:rPr>
-                  <a:t>(</a:t>
-                </a:r>
-                <a:r>
-                  <a:rPr>
-                    <a:solidFill>
-                      <a:srgbClr val="7D9029"/>
-                    </a:solidFill>
-                    <a:latin typeface="Courier"/>
-                  </a:rPr>
-                  <a:t>nrow =</a:t>
-                </a:r>
-                <a:r>
-                  <a:rPr>
-                    <a:latin typeface="Courier"/>
-                  </a:rPr>
-                  <a:t> times, </a:t>
-                </a:r>
-                <a:r>
-                  <a:rPr>
-                    <a:solidFill>
-                      <a:srgbClr val="7D9029"/>
-                    </a:solidFill>
-                    <a:latin typeface="Courier"/>
-                  </a:rPr>
-                  <a:t>ncol =</a:t>
-                </a:r>
-                <a:r>
-                  <a:rPr>
-                    <a:latin typeface="Courier"/>
-                  </a:rPr>
-                  <a:t> </a:t>
-                </a:r>
-                <a:r>
-                  <a:rPr>
-                    <a:solidFill>
-                      <a:srgbClr val="40A070"/>
-                    </a:solidFill>
-                    <a:latin typeface="Courier"/>
-                  </a:rPr>
-                  <a:t>2</a:t>
-                </a:r>
-                <a:r>
-                  <a:rPr>
-                    <a:latin typeface="Courier"/>
-                  </a:rPr>
-                  <a:t>))</a:t>
-                </a:r>
-                <a:br/>
-                <a:br/>
-                <a:r>
-                  <a:rPr>
-                    <a:latin typeface="Courier"/>
-                  </a:rPr>
-                  <a:t>    </a:t>
-                </a:r>
-                <a:r>
-                  <a:rPr b="1">
-                    <a:solidFill>
-                      <a:srgbClr val="007020"/>
-                    </a:solidFill>
-                    <a:latin typeface="Courier"/>
-                  </a:rPr>
-                  <a:t>for</a:t>
-                </a:r>
-                <a:r>
-                  <a:rPr>
-                    <a:latin typeface="Courier"/>
-                  </a:rPr>
-                  <a:t> (i </a:t>
-                </a:r>
-                <a:r>
-                  <a:rPr b="1">
-                    <a:solidFill>
-                      <a:srgbClr val="007020"/>
-                    </a:solidFill>
-                    <a:latin typeface="Courier"/>
-                  </a:rPr>
-                  <a:t>in</a:t>
-                </a:r>
-                <a:r>
-                  <a:rPr>
-                    <a:latin typeface="Courier"/>
-                  </a:rPr>
-                  <a:t> </a:t>
-                </a:r>
-                <a:r>
-                  <a:rPr>
-                    <a:solidFill>
-                      <a:srgbClr val="40A070"/>
-                    </a:solidFill>
-                    <a:latin typeface="Courier"/>
-                  </a:rPr>
-                  <a:t>1</a:t>
-                </a:r>
-                <a:r>
-                  <a:rPr>
-                    <a:solidFill>
-                      <a:srgbClr val="4070A0"/>
-                    </a:solidFill>
-                    <a:latin typeface="Courier"/>
-                  </a:rPr>
-                  <a:t>:</a:t>
-                </a:r>
-                <a:r>
-                  <a:rPr>
-                    <a:latin typeface="Courier"/>
-                  </a:rPr>
-                  <a:t>times) {</a:t>
-                </a:r>
-                <a:br/>
-                <a:r>
-                  <a:rPr>
-                    <a:latin typeface="Courier"/>
-                  </a:rPr>
-                  <a:t>        </a:t>
-                </a:r>
-                <a:r>
-                  <a:rPr i="1">
-                    <a:solidFill>
-                      <a:srgbClr val="60A0B0"/>
-                    </a:solidFill>
-                    <a:latin typeface="Courier"/>
-                  </a:rPr>
-                  <a:t># LDH activity in 8 C treatment</a:t>
-                </a:r>
-                <a:br/>
-                <a:r>
-                  <a:rPr>
-                    <a:latin typeface="Courier"/>
-                  </a:rPr>
-                  <a:t>        trt_8C </a:t>
-                </a:r>
-                <a:r>
-                  <a:rPr>
-                    <a:solidFill>
-                      <a:srgbClr val="007020"/>
-                    </a:solidFill>
-                    <a:latin typeface="Courier"/>
-                  </a:rPr>
-                  <a:t>&lt;-</a:t>
-                </a:r>
-                <a:r>
-                  <a:rPr>
-                    <a:latin typeface="Courier"/>
-                  </a:rPr>
-                  <a:t> </a:t>
-                </a:r>
-                <a:r>
-                  <a:rPr>
-                    <a:solidFill>
-                      <a:srgbClr val="06287E"/>
-                    </a:solidFill>
-                    <a:latin typeface="Courier"/>
-                  </a:rPr>
-                  <a:t>rnorm</a:t>
-                </a:r>
-                <a:r>
-                  <a:rPr>
-                    <a:latin typeface="Courier"/>
-                  </a:rPr>
-                  <a:t>(</a:t>
-                </a:r>
-                <a:r>
-                  <a:rPr>
-                    <a:solidFill>
-                      <a:srgbClr val="40A070"/>
-                    </a:solidFill>
-                    <a:latin typeface="Courier"/>
-                  </a:rPr>
-                  <a:t>10</a:t>
-                </a:r>
-                <a:r>
-                  <a:rPr>
-                    <a:latin typeface="Courier"/>
-                  </a:rPr>
-                  <a:t>, </a:t>
-                </a:r>
-                <a:r>
-                  <a:rPr>
-                    <a:solidFill>
-                      <a:srgbClr val="40A070"/>
-                    </a:solidFill>
-                    <a:latin typeface="Courier"/>
-                  </a:rPr>
-                  <a:t>0.4</a:t>
-                </a:r>
-                <a:r>
-                  <a:rPr>
-                    <a:latin typeface="Courier"/>
-                  </a:rPr>
-                  <a:t>, </a:t>
-                </a:r>
-                <a:r>
-                  <a:rPr>
-                    <a:solidFill>
-                      <a:srgbClr val="40A070"/>
-                    </a:solidFill>
-                    <a:latin typeface="Courier"/>
-                  </a:rPr>
-                  <a:t>0.5</a:t>
-                </a:r>
-                <a:r>
-                  <a:rPr>
-                    <a:latin typeface="Courier"/>
-                  </a:rPr>
-                  <a:t>)</a:t>
-                </a:r>
-                <a:br/>
-                <a:br/>
-                <a:r>
-                  <a:rPr>
-                    <a:latin typeface="Courier"/>
-                  </a:rPr>
-                  <a:t>        </a:t>
-                </a:r>
-                <a:r>
-                  <a:rPr i="1">
-                    <a:solidFill>
-                      <a:srgbClr val="60A0B0"/>
-                    </a:solidFill>
-                    <a:latin typeface="Courier"/>
-                  </a:rPr>
-                  <a:t># LDH activity in 26 C treatment</a:t>
-                </a:r>
-                <a:br/>
-                <a:r>
-                  <a:rPr>
-                    <a:latin typeface="Courier"/>
-                  </a:rPr>
-                  <a:t>        trt_26C </a:t>
-                </a:r>
-                <a:r>
-                  <a:rPr>
-                    <a:solidFill>
-                      <a:srgbClr val="007020"/>
-                    </a:solidFill>
-                    <a:latin typeface="Courier"/>
-                  </a:rPr>
-                  <a:t>&lt;-</a:t>
-                </a:r>
-                <a:r>
-                  <a:rPr>
-                    <a:latin typeface="Courier"/>
-                  </a:rPr>
-                  <a:t> </a:t>
-                </a:r>
-                <a:r>
-                  <a:rPr>
-                    <a:solidFill>
-                      <a:srgbClr val="06287E"/>
-                    </a:solidFill>
-                    <a:latin typeface="Courier"/>
-                  </a:rPr>
-                  <a:t>rnorm</a:t>
-                </a:r>
-                <a:r>
-                  <a:rPr>
-                    <a:latin typeface="Courier"/>
-                  </a:rPr>
-                  <a:t>(</a:t>
-                </a:r>
-                <a:r>
-                  <a:rPr>
-                    <a:solidFill>
-                      <a:srgbClr val="40A070"/>
-                    </a:solidFill>
-                    <a:latin typeface="Courier"/>
-                  </a:rPr>
-                  <a:t>10</a:t>
-                </a:r>
-                <a:r>
-                  <a:rPr>
-                    <a:latin typeface="Courier"/>
-                  </a:rPr>
-                  <a:t>, </a:t>
-                </a:r>
-                <a:r>
-                  <a:rPr>
-                    <a:solidFill>
-                      <a:srgbClr val="40A070"/>
-                    </a:solidFill>
-                    <a:latin typeface="Courier"/>
-                  </a:rPr>
-                  <a:t>0.6</a:t>
-                </a:r>
-                <a:r>
-                  <a:rPr>
-                    <a:latin typeface="Courier"/>
-                  </a:rPr>
-                  <a:t>, </a:t>
-                </a:r>
-                <a:r>
-                  <a:rPr>
-                    <a:solidFill>
-                      <a:srgbClr val="40A070"/>
-                    </a:solidFill>
-                    <a:latin typeface="Courier"/>
-                  </a:rPr>
-                  <a:t>0.2</a:t>
-                </a:r>
-                <a:r>
-                  <a:rPr>
-                    <a:latin typeface="Courier"/>
-                  </a:rPr>
-                  <a:t>)</a:t>
-                </a:r>
-                <a:br/>
-                <a:br/>
-                <a:r>
-                  <a:rPr>
-                    <a:latin typeface="Courier"/>
-                  </a:rPr>
-                  <a:t>        </a:t>
-                </a:r>
-                <a:r>
-                  <a:rPr i="1">
-                    <a:solidFill>
-                      <a:srgbClr val="60A0B0"/>
-                    </a:solidFill>
-                    <a:latin typeface="Courier"/>
-                  </a:rPr>
-                  <a:t># What's the difference, i.e., effect size, between treatments?</a:t>
-                </a:r>
-                <a:br/>
-                <a:r>
-                  <a:rPr>
-                    <a:latin typeface="Courier"/>
-                  </a:rPr>
-                  <a:t>        dat[i, </a:t>
-                </a:r>
-                <a:r>
-                  <a:rPr>
-                    <a:solidFill>
-                      <a:srgbClr val="40A070"/>
-                    </a:solidFill>
-                    <a:latin typeface="Courier"/>
-                  </a:rPr>
-                  <a:t>1</a:t>
-                </a:r>
-                <a:r>
-                  <a:rPr>
-                    <a:latin typeface="Courier"/>
-                  </a:rPr>
-                  <a:t>] </a:t>
-                </a:r>
-                <a:r>
-                  <a:rPr>
-                    <a:solidFill>
-                      <a:srgbClr val="007020"/>
-                    </a:solidFill>
-                    <a:latin typeface="Courier"/>
-                  </a:rPr>
-                  <a:t>&lt;-</a:t>
-                </a:r>
-                <a:r>
-                  <a:rPr>
-                    <a:latin typeface="Courier"/>
-                  </a:rPr>
-                  <a:t> </a:t>
-                </a:r>
-                <a:r>
-                  <a:rPr>
-                    <a:solidFill>
-                      <a:srgbClr val="06287E"/>
-                    </a:solidFill>
-                    <a:latin typeface="Courier"/>
-                  </a:rPr>
-                  <a:t>mean</a:t>
-                </a:r>
-                <a:r>
-                  <a:rPr>
-                    <a:latin typeface="Courier"/>
-                  </a:rPr>
-                  <a:t>(trt_26C </a:t>
-                </a:r>
-                <a:r>
-                  <a:rPr>
-                    <a:solidFill>
-                      <a:srgbClr val="4070A0"/>
-                    </a:solidFill>
-                    <a:latin typeface="Courier"/>
-                  </a:rPr>
-                  <a:t>-</a:t>
-                </a:r>
-                <a:r>
-                  <a:rPr>
-                    <a:latin typeface="Courier"/>
-                  </a:rPr>
-                  <a:t> trt_8C)</a:t>
-                </a:r>
-                <a:br/>
-                <a:r>
-                  <a:rPr>
-                    <a:latin typeface="Courier"/>
-                  </a:rPr>
-                  <a:t>        dat[i, </a:t>
-                </a:r>
-                <a:r>
-                  <a:rPr>
-                    <a:solidFill>
-                      <a:srgbClr val="40A070"/>
-                    </a:solidFill>
-                    <a:latin typeface="Courier"/>
-                  </a:rPr>
-                  <a:t>2</a:t>
-                </a:r>
-                <a:r>
-                  <a:rPr>
-                    <a:latin typeface="Courier"/>
-                  </a:rPr>
-                  <a:t>] </a:t>
-                </a:r>
-                <a:r>
-                  <a:rPr>
-                    <a:solidFill>
-                      <a:srgbClr val="007020"/>
-                    </a:solidFill>
-                    <a:latin typeface="Courier"/>
-                  </a:rPr>
-                  <a:t>&lt;-</a:t>
-                </a:r>
-                <a:r>
-                  <a:rPr>
-                    <a:latin typeface="Courier"/>
-                  </a:rPr>
-                  <a:t> </a:t>
-                </a:r>
-                <a:r>
-                  <a:rPr>
-                    <a:solidFill>
-                      <a:srgbClr val="06287E"/>
-                    </a:solidFill>
-                    <a:latin typeface="Courier"/>
-                  </a:rPr>
-                  <a:t>t.test</a:t>
-                </a:r>
-                <a:r>
-                  <a:rPr>
-                    <a:latin typeface="Courier"/>
-                  </a:rPr>
-                  <a:t>(trt_26C, trt_8C)</a:t>
-                </a:r>
-                <a:r>
-                  <a:rPr>
-                    <a:solidFill>
-                      <a:srgbClr val="4070A0"/>
-                    </a:solidFill>
-                    <a:latin typeface="Courier"/>
-                  </a:rPr>
-                  <a:t>$</a:t>
-                </a:r>
-                <a:r>
-                  <a:rPr>
-                    <a:latin typeface="Courier"/>
-                  </a:rPr>
-                  <a:t>p.value</a:t>
-                </a:r>
-                <a:br/>
-                <a:br/>
-                <a:r>
-                  <a:rPr>
-                    <a:latin typeface="Courier"/>
-                  </a:rPr>
-                  <a:t>    }</a:t>
-                </a:r>
-                <a:br/>
-                <a:r>
-                  <a:rPr>
-                    <a:latin typeface="Courier"/>
-                  </a:rPr>
-                  <a:t>    </a:t>
-                </a:r>
-                <a:r>
-                  <a:rPr>
-                    <a:solidFill>
-                      <a:srgbClr val="06287E"/>
-                    </a:solidFill>
-                    <a:latin typeface="Courier"/>
-                  </a:rPr>
-                  <a:t>names</a:t>
-                </a:r>
-                <a:r>
-                  <a:rPr>
-                    <a:latin typeface="Courier"/>
-                  </a:rPr>
-                  <a:t>(dat) </a:t>
-                </a:r>
-                <a:r>
-                  <a:rPr>
-                    <a:solidFill>
-                      <a:srgbClr val="007020"/>
-                    </a:solidFill>
-                    <a:latin typeface="Courier"/>
-                  </a:rPr>
-                  <a:t>&lt;-</a:t>
-                </a:r>
-                <a:r>
-                  <a:rPr>
-                    <a:latin typeface="Courier"/>
-                  </a:rPr>
-                  <a:t> </a:t>
-                </a:r>
-                <a:r>
-                  <a:rPr>
-                    <a:solidFill>
-                      <a:srgbClr val="06287E"/>
-                    </a:solidFill>
-                    <a:latin typeface="Courier"/>
-                  </a:rPr>
-                  <a:t>c</a:t>
-                </a:r>
-                <a:r>
-                  <a:rPr>
-                    <a:latin typeface="Courier"/>
-                  </a:rPr>
-                  <a:t>(</a:t>
-                </a:r>
-                <a:r>
-                  <a:rPr>
-                    <a:solidFill>
-                      <a:srgbClr val="4070A0"/>
-                    </a:solidFill>
-                    <a:latin typeface="Courier"/>
-                  </a:rPr>
-                  <a:t>"effect"</a:t>
-                </a:r>
-                <a:r>
-                  <a:rPr>
-                    <a:latin typeface="Courier"/>
-                  </a:rPr>
-                  <a:t>, </a:t>
-                </a:r>
-                <a:r>
-                  <a:rPr>
-                    <a:solidFill>
-                      <a:srgbClr val="4070A0"/>
-                    </a:solidFill>
-                    <a:latin typeface="Courier"/>
-                  </a:rPr>
-                  <a:t>"p"</a:t>
-                </a:r>
-                <a:r>
-                  <a:rPr>
-                    <a:latin typeface="Courier"/>
-                  </a:rPr>
-                  <a:t>)</a:t>
-                </a:r>
-                <a:br/>
-                <a:r>
-                  <a:rPr>
-                    <a:latin typeface="Courier"/>
-                  </a:rPr>
-                  <a:t>    </a:t>
-                </a:r>
-                <a:r>
-                  <a:rPr>
-                    <a:solidFill>
-                      <a:srgbClr val="06287E"/>
-                    </a:solidFill>
-                    <a:latin typeface="Courier"/>
-                  </a:rPr>
-                  <a:t>return</a:t>
-                </a:r>
-                <a:r>
-                  <a:rPr>
-                    <a:latin typeface="Courier"/>
-                  </a:rPr>
-                  <a:t>(dat)</a:t>
-                </a:r>
-                <a:br/>
-                <a:r>
-                  <a:rPr>
-                    <a:latin typeface="Courier"/>
-                  </a:rPr>
-                  <a:t>}</a:t>
-                </a:r>
-                <a:br/>
-                <a:br/>
-                <a:r>
-                  <a:rPr>
-                    <a:latin typeface="Courier"/>
-                  </a:rPr>
-                  <a:t>expts </a:t>
-                </a:r>
-                <a:r>
-                  <a:rPr>
-                    <a:solidFill>
-                      <a:srgbClr val="007020"/>
-                    </a:solidFill>
-                    <a:latin typeface="Courier"/>
-                  </a:rPr>
-                  <a:t>&lt;-</a:t>
-                </a:r>
-                <a:r>
-                  <a:rPr>
-                    <a:latin typeface="Courier"/>
-                  </a:rPr>
-                  <a:t> </a:t>
-                </a:r>
-                <a:r>
-                  <a:rPr>
-                    <a:solidFill>
-                      <a:srgbClr val="06287E"/>
-                    </a:solidFill>
-                    <a:latin typeface="Courier"/>
-                  </a:rPr>
-                  <a:t>experiment</a:t>
-                </a:r>
-                <a:r>
-                  <a:rPr>
-                    <a:latin typeface="Courier"/>
-                  </a:rPr>
-                  <a:t>(</a:t>
-                </a:r>
-                <a:r>
-                  <a:rPr>
-                    <a:solidFill>
-                      <a:srgbClr val="40A070"/>
-                    </a:solidFill>
-                    <a:latin typeface="Courier"/>
-                  </a:rPr>
-                  <a:t>10000</a:t>
-                </a:r>
-                <a:r>
-                  <a:rPr>
-                    <a:latin typeface="Courier"/>
-                  </a:rPr>
-                  <a:t>)</a:t>
-                </a:r>
-              </a:p>
-              <a:p>
-                <a:pPr lvl="0" indent="0" marL="0">
-                  <a:spcBef>
-                    <a:spcPts val="3000"/>
-                  </a:spcBef>
-                  <a:buNone/>
-                </a:pPr>
-                <a:r>
-                  <a:rPr b="1"/>
-                  <a:t>Figure</a:t>
-                </a:r>
-              </a:p>
             </p:txBody>
           </p:sp>
         </mc:Choice>
       </mc:AlternateContent>
-      <p:pic>
-        <p:nvPicPr>
-          <p:cNvPr descr="code_slides_files/figure-pptx/simfig-1.png" id="0" name="Picture 1"/>
-          <p:cNvPicPr>
-            <a:picLocks noGrp="1" noChangeAspect="1"/>
-          </p:cNvPicPr>
-          <p:nvPr/>
-        </p:nvPicPr>
-        <p:blipFill>
-          <a:blip r:embed="rId2"/>
-          <a:stretch>
-            <a:fillRect/>
-          </a:stretch>
-        </p:blipFill>
-        <p:spPr bwMode="auto">
-          <a:xfrm>
-            <a:off x="3568700" y="355600"/>
-            <a:ext cx="5105400" cy="4089400"/>
-          </a:xfrm>
-          <a:prstGeom prst="rect">
-            <a:avLst/>
-          </a:prstGeom>
-          <a:noFill/>
-          <a:ln w="9525">
-            <a:noFill/>
-            <a:headEnd/>
-            <a:tailEnd/>
-          </a:ln>
-        </p:spPr>
-      </p:pic>
     </p:spTree>
   </p:cSld>
   <p:timing>
@@ -4420,9 +5829,9 @@
                                           </p:stCondLst>
                                         </p:cTn>
                                         <p:tgtEl>
-                                          <p:spTgt spid="4">
+                                          <p:spTgt spid="3">
                                             <p:txEl>
-                                              <p:pRg st="5" end="5"/>
+                                              <p:pRg st="4" end="4"/>
                                             </p:txEl>
                                           </p:spTgt>
                                         </p:tgtEl>
@@ -4469,9 +5878,9 @@
                                           </p:stCondLst>
                                         </p:cTn>
                                         <p:tgtEl>
-                                          <p:spTgt spid="4">
+                                          <p:spTgt spid="3">
                                             <p:txEl>
-                                              <p:pRg st="6" end="6"/>
+                                              <p:pRg st="5" end="5"/>
                                             </p:txEl>
                                           </p:spTgt>
                                         </p:tgtEl>
@@ -4514,7 +5923,7 @@
       </p:par>
     </p:tnLst>
     <p:bldLst>
-      <p:bldP spid="4" grpId="0" uiExpand="1" build="p"/>
+      <p:bldP spid="3" grpId="0" uiExpand="1" build="p"/>
     </p:bldLst>
   </p:timing>
 </p:sld>
@@ -4537,6 +5946,1238 @@
           <a:chExt cx="0" cy="0"/>
         </a:xfrm>
       </p:grpSpPr>
+      <p:sp>
+        <p:nvSpPr>
+          <p:cNvPr id="2" name="Title 1"/>
+          <p:cNvSpPr>
+            <a:spLocks noGrp="1"/>
+          </p:cNvSpPr>
+          <p:nvPr>
+            <p:ph type="title"/>
+          </p:nvPr>
+        </p:nvSpPr>
+        <p:spPr/>
+        <p:txBody>
+          <a:bodyPr/>
+          <a:lstStyle/>
+          <a:p>
+            <a:pPr lvl="0" indent="0" marL="0">
+              <a:buNone/>
+            </a:pPr>
+            <a:r>
+              <a:rPr/>
+              <a:t>Slide with R Output</a:t>
+            </a:r>
+          </a:p>
+        </p:txBody>
+      </p:sp>
+      <p:sp>
+        <p:nvSpPr>
+          <p:cNvPr id="3" name="Content Placeholder 2"/>
+          <p:cNvSpPr>
+            <a:spLocks noGrp="1"/>
+          </p:cNvSpPr>
+          <p:nvPr>
+            <p:ph idx="1"/>
+          </p:nvPr>
+        </p:nvSpPr>
+        <p:spPr/>
+        <p:txBody>
+          <a:bodyPr/>
+          <a:lstStyle/>
+          <a:p>
+            <a:pPr lvl="0" indent="0">
+              <a:buNone/>
+            </a:pPr>
+            <a:r>
+              <a:rPr i="1">
+                <a:solidFill>
+                  <a:srgbClr val="60A0B0"/>
+                </a:solidFill>
+                <a:latin typeface="Courier"/>
+              </a:rPr>
+              <a:t># LDH activity in 8 C treatment</a:t>
+            </a:r>
+            <a:br/>
+            <a:r>
+              <a:rPr>
+                <a:latin typeface="Courier"/>
+              </a:rPr>
+              <a:t>trt_8C </a:t>
+            </a:r>
+            <a:r>
+              <a:rPr>
+                <a:solidFill>
+                  <a:srgbClr val="007020"/>
+                </a:solidFill>
+                <a:latin typeface="Courier"/>
+              </a:rPr>
+              <a:t>&lt;-</a:t>
+            </a:r>
+            <a:r>
+              <a:rPr>
+                <a:latin typeface="Courier"/>
+              </a:rPr>
+              <a:t> </a:t>
+            </a:r>
+            <a:r>
+              <a:rPr>
+                <a:solidFill>
+                  <a:srgbClr val="06287E"/>
+                </a:solidFill>
+                <a:latin typeface="Courier"/>
+              </a:rPr>
+              <a:t>rnorm</a:t>
+            </a:r>
+            <a:r>
+              <a:rPr>
+                <a:latin typeface="Courier"/>
+              </a:rPr>
+              <a:t>(</a:t>
+            </a:r>
+            <a:r>
+              <a:rPr>
+                <a:solidFill>
+                  <a:srgbClr val="40A070"/>
+                </a:solidFill>
+                <a:latin typeface="Courier"/>
+              </a:rPr>
+              <a:t>10</a:t>
+            </a:r>
+            <a:r>
+              <a:rPr>
+                <a:latin typeface="Courier"/>
+              </a:rPr>
+              <a:t>, </a:t>
+            </a:r>
+            <a:r>
+              <a:rPr>
+                <a:solidFill>
+                  <a:srgbClr val="40A070"/>
+                </a:solidFill>
+                <a:latin typeface="Courier"/>
+              </a:rPr>
+              <a:t>0.4</a:t>
+            </a:r>
+            <a:r>
+              <a:rPr>
+                <a:latin typeface="Courier"/>
+              </a:rPr>
+              <a:t>, </a:t>
+            </a:r>
+            <a:r>
+              <a:rPr>
+                <a:solidFill>
+                  <a:srgbClr val="40A070"/>
+                </a:solidFill>
+                <a:latin typeface="Courier"/>
+              </a:rPr>
+              <a:t>0.5</a:t>
+            </a:r>
+            <a:r>
+              <a:rPr>
+                <a:latin typeface="Courier"/>
+              </a:rPr>
+              <a:t>)</a:t>
+            </a:r>
+            <a:br/>
+            <a:br/>
+            <a:r>
+              <a:rPr i="1">
+                <a:solidFill>
+                  <a:srgbClr val="60A0B0"/>
+                </a:solidFill>
+                <a:latin typeface="Courier"/>
+              </a:rPr>
+              <a:t># LDH activity in 26 C treatment</a:t>
+            </a:r>
+            <a:br/>
+            <a:r>
+              <a:rPr>
+                <a:latin typeface="Courier"/>
+              </a:rPr>
+              <a:t>trt_26C </a:t>
+            </a:r>
+            <a:r>
+              <a:rPr>
+                <a:solidFill>
+                  <a:srgbClr val="007020"/>
+                </a:solidFill>
+                <a:latin typeface="Courier"/>
+              </a:rPr>
+              <a:t>&lt;-</a:t>
+            </a:r>
+            <a:r>
+              <a:rPr>
+                <a:latin typeface="Courier"/>
+              </a:rPr>
+              <a:t> </a:t>
+            </a:r>
+            <a:r>
+              <a:rPr>
+                <a:solidFill>
+                  <a:srgbClr val="06287E"/>
+                </a:solidFill>
+                <a:latin typeface="Courier"/>
+              </a:rPr>
+              <a:t>rnorm</a:t>
+            </a:r>
+            <a:r>
+              <a:rPr>
+                <a:latin typeface="Courier"/>
+              </a:rPr>
+              <a:t>(</a:t>
+            </a:r>
+            <a:r>
+              <a:rPr>
+                <a:solidFill>
+                  <a:srgbClr val="40A070"/>
+                </a:solidFill>
+                <a:latin typeface="Courier"/>
+              </a:rPr>
+              <a:t>10</a:t>
+            </a:r>
+            <a:r>
+              <a:rPr>
+                <a:latin typeface="Courier"/>
+              </a:rPr>
+              <a:t>, </a:t>
+            </a:r>
+            <a:r>
+              <a:rPr>
+                <a:solidFill>
+                  <a:srgbClr val="40A070"/>
+                </a:solidFill>
+                <a:latin typeface="Courier"/>
+              </a:rPr>
+              <a:t>0.6</a:t>
+            </a:r>
+            <a:r>
+              <a:rPr>
+                <a:latin typeface="Courier"/>
+              </a:rPr>
+              <a:t>, </a:t>
+            </a:r>
+            <a:r>
+              <a:rPr>
+                <a:solidFill>
+                  <a:srgbClr val="40A070"/>
+                </a:solidFill>
+                <a:latin typeface="Courier"/>
+              </a:rPr>
+              <a:t>0.2</a:t>
+            </a:r>
+            <a:r>
+              <a:rPr>
+                <a:latin typeface="Courier"/>
+              </a:rPr>
+              <a:t>)</a:t>
+            </a:r>
+            <a:br/>
+            <a:br/>
+            <a:r>
+              <a:rPr i="1">
+                <a:solidFill>
+                  <a:srgbClr val="60A0B0"/>
+                </a:solidFill>
+                <a:latin typeface="Courier"/>
+              </a:rPr>
+              <a:t># What's the difference, i.e., effect size, between treatments?</a:t>
+            </a:r>
+            <a:br/>
+            <a:r>
+              <a:rPr>
+                <a:solidFill>
+                  <a:srgbClr val="06287E"/>
+                </a:solidFill>
+                <a:latin typeface="Courier"/>
+              </a:rPr>
+              <a:t>mean</a:t>
+            </a:r>
+            <a:r>
+              <a:rPr>
+                <a:latin typeface="Courier"/>
+              </a:rPr>
+              <a:t>(trt_26C </a:t>
+            </a:r>
+            <a:r>
+              <a:rPr>
+                <a:solidFill>
+                  <a:srgbClr val="4070A0"/>
+                </a:solidFill>
+                <a:latin typeface="Courier"/>
+              </a:rPr>
+              <a:t>-</a:t>
+            </a:r>
+            <a:r>
+              <a:rPr>
+                <a:latin typeface="Courier"/>
+              </a:rPr>
+              <a:t> trt_8C)</a:t>
+            </a:r>
+          </a:p>
+          <a:p>
+            <a:pPr lvl="0" indent="0">
+              <a:buNone/>
+            </a:pPr>
+            <a:r>
+              <a:rPr>
+                <a:latin typeface="Courier"/>
+              </a:rPr>
+              <a:t>## [1] 0.2284458</a:t>
+            </a:r>
+          </a:p>
+          <a:p>
+            <a:pPr lvl="0" indent="0">
+              <a:buNone/>
+            </a:pPr>
+            <a:r>
+              <a:rPr>
+                <a:solidFill>
+                  <a:srgbClr val="06287E"/>
+                </a:solidFill>
+                <a:latin typeface="Courier"/>
+              </a:rPr>
+              <a:t>t.test</a:t>
+            </a:r>
+            <a:r>
+              <a:rPr>
+                <a:latin typeface="Courier"/>
+              </a:rPr>
+              <a:t>(trt_26C, trt_8C)</a:t>
+            </a:r>
+          </a:p>
+          <a:p>
+            <a:pPr lvl="0" indent="0">
+              <a:buNone/>
+            </a:pPr>
+            <a:r>
+              <a:rPr>
+                <a:latin typeface="Courier"/>
+              </a:rPr>
+              <a:t>## 
+##  Welch Two Sample t-test
+## 
+## data:  trt_26C and trt_8C
+## t = 1.0861, df = 10.966, p-value = 0.3007
+## alternative hypothesis: true difference in means is not equal to 0
+## 95 percent confidence interval:
+##  -0.2346631  0.6915546
+## sample estimates:
+## mean of x mean of y 
+## 0.5104175 0.2819717</a:t>
+            </a:r>
+          </a:p>
+        </p:txBody>
+      </p:sp>
+    </p:spTree>
+  </p:cSld>
+</p:sld>
+</file>
+
+<file path=ppt/slides/slide4.xml><?xml version="1.0" encoding="utf-8"?>
+<p:sld xmlns:a="http://schemas.openxmlformats.org/drawingml/2006/main" xmlns:r="http://schemas.openxmlformats.org/officeDocument/2006/relationships" xmlns:p="http://schemas.openxmlformats.org/presentationml/2006/main">
+  <p:cSld>
+    <p:spTree>
+      <p:nvGrpSpPr>
+        <p:cNvPr id="1" name=""/>
+        <p:cNvGrpSpPr/>
+        <p:nvPr/>
+      </p:nvGrpSpPr>
+      <p:grpSpPr>
+        <a:xfrm>
+          <a:off x="0" y="0"/>
+          <a:ext cx="0" cy="0"/>
+          <a:chOff x="0" y="0"/>
+          <a:chExt cx="0" cy="0"/>
+        </a:xfrm>
+      </p:grpSpPr>
+      <p:sp>
+        <p:nvSpPr>
+          <p:cNvPr id="2" name="Title 1"/>
+          <p:cNvSpPr>
+            <a:spLocks noGrp="1"/>
+          </p:cNvSpPr>
+          <p:nvPr>
+            <p:ph type="title"/>
+          </p:nvPr>
+        </p:nvSpPr>
+        <p:spPr/>
+        <p:txBody>
+          <a:bodyPr/>
+          <a:lstStyle/>
+          <a:p>
+            <a:pPr lvl="0" indent="0" marL="0">
+              <a:buNone/>
+            </a:pPr>
+            <a:r>
+              <a:rPr/>
+              <a:t>Do 1000s of experiments</a:t>
+            </a:r>
+          </a:p>
+        </p:txBody>
+      </p:sp>
+      <p:sp>
+        <p:nvSpPr>
+          <p:cNvPr id="3" name="Content Placeholder 2"/>
+          <p:cNvSpPr>
+            <a:spLocks noGrp="1"/>
+          </p:cNvSpPr>
+          <p:nvPr>
+            <p:ph idx="1"/>
+          </p:nvPr>
+        </p:nvSpPr>
+        <p:spPr/>
+        <p:txBody>
+          <a:bodyPr/>
+          <a:lstStyle/>
+          <a:p>
+            <a:pPr lvl="0" indent="0">
+              <a:buNone/>
+            </a:pPr>
+            <a:r>
+              <a:rPr>
+                <a:latin typeface="Courier"/>
+              </a:rPr>
+              <a:t>experiment </a:t>
+            </a:r>
+            <a:r>
+              <a:rPr>
+                <a:solidFill>
+                  <a:srgbClr val="007020"/>
+                </a:solidFill>
+                <a:latin typeface="Courier"/>
+              </a:rPr>
+              <a:t>&lt;-</a:t>
+            </a:r>
+            <a:r>
+              <a:rPr>
+                <a:latin typeface="Courier"/>
+              </a:rPr>
+              <a:t> </a:t>
+            </a:r>
+            <a:r>
+              <a:rPr b="1">
+                <a:solidFill>
+                  <a:srgbClr val="007020"/>
+                </a:solidFill>
+                <a:latin typeface="Courier"/>
+              </a:rPr>
+              <a:t>function</a:t>
+            </a:r>
+            <a:r>
+              <a:rPr>
+                <a:latin typeface="Courier"/>
+              </a:rPr>
+              <a:t>(times) {</a:t>
+            </a:r>
+            <a:br/>
+            <a:br/>
+            <a:r>
+              <a:rPr>
+                <a:latin typeface="Courier"/>
+              </a:rPr>
+              <a:t>    dat </a:t>
+            </a:r>
+            <a:r>
+              <a:rPr>
+                <a:solidFill>
+                  <a:srgbClr val="007020"/>
+                </a:solidFill>
+                <a:latin typeface="Courier"/>
+              </a:rPr>
+              <a:t>&lt;-</a:t>
+            </a:r>
+            <a:r>
+              <a:rPr>
+                <a:latin typeface="Courier"/>
+              </a:rPr>
+              <a:t> </a:t>
+            </a:r>
+            <a:r>
+              <a:rPr>
+                <a:solidFill>
+                  <a:srgbClr val="06287E"/>
+                </a:solidFill>
+                <a:latin typeface="Courier"/>
+              </a:rPr>
+              <a:t>data.frame</a:t>
+            </a:r>
+            <a:r>
+              <a:rPr>
+                <a:latin typeface="Courier"/>
+              </a:rPr>
+              <a:t>(</a:t>
+            </a:r>
+            <a:r>
+              <a:rPr>
+                <a:solidFill>
+                  <a:srgbClr val="06287E"/>
+                </a:solidFill>
+                <a:latin typeface="Courier"/>
+              </a:rPr>
+              <a:t>matrix</a:t>
+            </a:r>
+            <a:r>
+              <a:rPr>
+                <a:latin typeface="Courier"/>
+              </a:rPr>
+              <a:t>(</a:t>
+            </a:r>
+            <a:r>
+              <a:rPr>
+                <a:solidFill>
+                  <a:srgbClr val="7D9029"/>
+                </a:solidFill>
+                <a:latin typeface="Courier"/>
+              </a:rPr>
+              <a:t>nrow =</a:t>
+            </a:r>
+            <a:r>
+              <a:rPr>
+                <a:latin typeface="Courier"/>
+              </a:rPr>
+              <a:t> times, </a:t>
+            </a:r>
+            <a:r>
+              <a:rPr>
+                <a:solidFill>
+                  <a:srgbClr val="7D9029"/>
+                </a:solidFill>
+                <a:latin typeface="Courier"/>
+              </a:rPr>
+              <a:t>ncol =</a:t>
+            </a:r>
+            <a:r>
+              <a:rPr>
+                <a:latin typeface="Courier"/>
+              </a:rPr>
+              <a:t> </a:t>
+            </a:r>
+            <a:r>
+              <a:rPr>
+                <a:solidFill>
+                  <a:srgbClr val="40A070"/>
+                </a:solidFill>
+                <a:latin typeface="Courier"/>
+              </a:rPr>
+              <a:t>2</a:t>
+            </a:r>
+            <a:r>
+              <a:rPr>
+                <a:latin typeface="Courier"/>
+              </a:rPr>
+              <a:t>))</a:t>
+            </a:r>
+            <a:br/>
+            <a:br/>
+            <a:r>
+              <a:rPr>
+                <a:latin typeface="Courier"/>
+              </a:rPr>
+              <a:t>    </a:t>
+            </a:r>
+            <a:r>
+              <a:rPr b="1">
+                <a:solidFill>
+                  <a:srgbClr val="007020"/>
+                </a:solidFill>
+                <a:latin typeface="Courier"/>
+              </a:rPr>
+              <a:t>for</a:t>
+            </a:r>
+            <a:r>
+              <a:rPr>
+                <a:latin typeface="Courier"/>
+              </a:rPr>
+              <a:t> (i </a:t>
+            </a:r>
+            <a:r>
+              <a:rPr b="1">
+                <a:solidFill>
+                  <a:srgbClr val="007020"/>
+                </a:solidFill>
+                <a:latin typeface="Courier"/>
+              </a:rPr>
+              <a:t>in</a:t>
+            </a:r>
+            <a:r>
+              <a:rPr>
+                <a:latin typeface="Courier"/>
+              </a:rPr>
+              <a:t> </a:t>
+            </a:r>
+            <a:r>
+              <a:rPr>
+                <a:solidFill>
+                  <a:srgbClr val="40A070"/>
+                </a:solidFill>
+                <a:latin typeface="Courier"/>
+              </a:rPr>
+              <a:t>1</a:t>
+            </a:r>
+            <a:r>
+              <a:rPr>
+                <a:solidFill>
+                  <a:srgbClr val="4070A0"/>
+                </a:solidFill>
+                <a:latin typeface="Courier"/>
+              </a:rPr>
+              <a:t>:</a:t>
+            </a:r>
+            <a:r>
+              <a:rPr>
+                <a:latin typeface="Courier"/>
+              </a:rPr>
+              <a:t>times) {</a:t>
+            </a:r>
+            <a:br/>
+            <a:r>
+              <a:rPr>
+                <a:latin typeface="Courier"/>
+              </a:rPr>
+              <a:t>        </a:t>
+            </a:r>
+            <a:r>
+              <a:rPr i="1">
+                <a:solidFill>
+                  <a:srgbClr val="60A0B0"/>
+                </a:solidFill>
+                <a:latin typeface="Courier"/>
+              </a:rPr>
+              <a:t># LDH activity in 8 C treatment</a:t>
+            </a:r>
+            <a:br/>
+            <a:r>
+              <a:rPr>
+                <a:latin typeface="Courier"/>
+              </a:rPr>
+              <a:t>        trt_8C </a:t>
+            </a:r>
+            <a:r>
+              <a:rPr>
+                <a:solidFill>
+                  <a:srgbClr val="007020"/>
+                </a:solidFill>
+                <a:latin typeface="Courier"/>
+              </a:rPr>
+              <a:t>&lt;-</a:t>
+            </a:r>
+            <a:r>
+              <a:rPr>
+                <a:latin typeface="Courier"/>
+              </a:rPr>
+              <a:t> </a:t>
+            </a:r>
+            <a:r>
+              <a:rPr>
+                <a:solidFill>
+                  <a:srgbClr val="06287E"/>
+                </a:solidFill>
+                <a:latin typeface="Courier"/>
+              </a:rPr>
+              <a:t>rnorm</a:t>
+            </a:r>
+            <a:r>
+              <a:rPr>
+                <a:latin typeface="Courier"/>
+              </a:rPr>
+              <a:t>(</a:t>
+            </a:r>
+            <a:r>
+              <a:rPr>
+                <a:solidFill>
+                  <a:srgbClr val="40A070"/>
+                </a:solidFill>
+                <a:latin typeface="Courier"/>
+              </a:rPr>
+              <a:t>10</a:t>
+            </a:r>
+            <a:r>
+              <a:rPr>
+                <a:latin typeface="Courier"/>
+              </a:rPr>
+              <a:t>, </a:t>
+            </a:r>
+            <a:r>
+              <a:rPr>
+                <a:solidFill>
+                  <a:srgbClr val="40A070"/>
+                </a:solidFill>
+                <a:latin typeface="Courier"/>
+              </a:rPr>
+              <a:t>0.4</a:t>
+            </a:r>
+            <a:r>
+              <a:rPr>
+                <a:latin typeface="Courier"/>
+              </a:rPr>
+              <a:t>, </a:t>
+            </a:r>
+            <a:r>
+              <a:rPr>
+                <a:solidFill>
+                  <a:srgbClr val="40A070"/>
+                </a:solidFill>
+                <a:latin typeface="Courier"/>
+              </a:rPr>
+              <a:t>0.5</a:t>
+            </a:r>
+            <a:r>
+              <a:rPr>
+                <a:latin typeface="Courier"/>
+              </a:rPr>
+              <a:t>)</a:t>
+            </a:r>
+            <a:br/>
+            <a:br/>
+            <a:r>
+              <a:rPr>
+                <a:latin typeface="Courier"/>
+              </a:rPr>
+              <a:t>        </a:t>
+            </a:r>
+            <a:r>
+              <a:rPr i="1">
+                <a:solidFill>
+                  <a:srgbClr val="60A0B0"/>
+                </a:solidFill>
+                <a:latin typeface="Courier"/>
+              </a:rPr>
+              <a:t># LDH activity in 26 C treatment</a:t>
+            </a:r>
+            <a:br/>
+            <a:r>
+              <a:rPr>
+                <a:latin typeface="Courier"/>
+              </a:rPr>
+              <a:t>        trt_26C </a:t>
+            </a:r>
+            <a:r>
+              <a:rPr>
+                <a:solidFill>
+                  <a:srgbClr val="007020"/>
+                </a:solidFill>
+                <a:latin typeface="Courier"/>
+              </a:rPr>
+              <a:t>&lt;-</a:t>
+            </a:r>
+            <a:r>
+              <a:rPr>
+                <a:latin typeface="Courier"/>
+              </a:rPr>
+              <a:t> </a:t>
+            </a:r>
+            <a:r>
+              <a:rPr>
+                <a:solidFill>
+                  <a:srgbClr val="06287E"/>
+                </a:solidFill>
+                <a:latin typeface="Courier"/>
+              </a:rPr>
+              <a:t>rnorm</a:t>
+            </a:r>
+            <a:r>
+              <a:rPr>
+                <a:latin typeface="Courier"/>
+              </a:rPr>
+              <a:t>(</a:t>
+            </a:r>
+            <a:r>
+              <a:rPr>
+                <a:solidFill>
+                  <a:srgbClr val="40A070"/>
+                </a:solidFill>
+                <a:latin typeface="Courier"/>
+              </a:rPr>
+              <a:t>10</a:t>
+            </a:r>
+            <a:r>
+              <a:rPr>
+                <a:latin typeface="Courier"/>
+              </a:rPr>
+              <a:t>, </a:t>
+            </a:r>
+            <a:r>
+              <a:rPr>
+                <a:solidFill>
+                  <a:srgbClr val="40A070"/>
+                </a:solidFill>
+                <a:latin typeface="Courier"/>
+              </a:rPr>
+              <a:t>0.6</a:t>
+            </a:r>
+            <a:r>
+              <a:rPr>
+                <a:latin typeface="Courier"/>
+              </a:rPr>
+              <a:t>, </a:t>
+            </a:r>
+            <a:r>
+              <a:rPr>
+                <a:solidFill>
+                  <a:srgbClr val="40A070"/>
+                </a:solidFill>
+                <a:latin typeface="Courier"/>
+              </a:rPr>
+              <a:t>0.2</a:t>
+            </a:r>
+            <a:r>
+              <a:rPr>
+                <a:latin typeface="Courier"/>
+              </a:rPr>
+              <a:t>)</a:t>
+            </a:r>
+            <a:br/>
+            <a:br/>
+            <a:r>
+              <a:rPr>
+                <a:latin typeface="Courier"/>
+              </a:rPr>
+              <a:t>        </a:t>
+            </a:r>
+            <a:r>
+              <a:rPr i="1">
+                <a:solidFill>
+                  <a:srgbClr val="60A0B0"/>
+                </a:solidFill>
+                <a:latin typeface="Courier"/>
+              </a:rPr>
+              <a:t># What's the difference, i.e., effect size, between treatments?</a:t>
+            </a:r>
+            <a:br/>
+            <a:r>
+              <a:rPr>
+                <a:latin typeface="Courier"/>
+              </a:rPr>
+              <a:t>        dat[i, </a:t>
+            </a:r>
+            <a:r>
+              <a:rPr>
+                <a:solidFill>
+                  <a:srgbClr val="40A070"/>
+                </a:solidFill>
+                <a:latin typeface="Courier"/>
+              </a:rPr>
+              <a:t>1</a:t>
+            </a:r>
+            <a:r>
+              <a:rPr>
+                <a:latin typeface="Courier"/>
+              </a:rPr>
+              <a:t>] </a:t>
+            </a:r>
+            <a:r>
+              <a:rPr>
+                <a:solidFill>
+                  <a:srgbClr val="007020"/>
+                </a:solidFill>
+                <a:latin typeface="Courier"/>
+              </a:rPr>
+              <a:t>&lt;-</a:t>
+            </a:r>
+            <a:r>
+              <a:rPr>
+                <a:latin typeface="Courier"/>
+              </a:rPr>
+              <a:t> </a:t>
+            </a:r>
+            <a:r>
+              <a:rPr>
+                <a:solidFill>
+                  <a:srgbClr val="06287E"/>
+                </a:solidFill>
+                <a:latin typeface="Courier"/>
+              </a:rPr>
+              <a:t>mean</a:t>
+            </a:r>
+            <a:r>
+              <a:rPr>
+                <a:latin typeface="Courier"/>
+              </a:rPr>
+              <a:t>(trt_26C </a:t>
+            </a:r>
+            <a:r>
+              <a:rPr>
+                <a:solidFill>
+                  <a:srgbClr val="4070A0"/>
+                </a:solidFill>
+                <a:latin typeface="Courier"/>
+              </a:rPr>
+              <a:t>-</a:t>
+            </a:r>
+            <a:r>
+              <a:rPr>
+                <a:latin typeface="Courier"/>
+              </a:rPr>
+              <a:t> trt_8C)</a:t>
+            </a:r>
+            <a:br/>
+            <a:r>
+              <a:rPr>
+                <a:latin typeface="Courier"/>
+              </a:rPr>
+              <a:t>        dat[i, </a:t>
+            </a:r>
+            <a:r>
+              <a:rPr>
+                <a:solidFill>
+                  <a:srgbClr val="40A070"/>
+                </a:solidFill>
+                <a:latin typeface="Courier"/>
+              </a:rPr>
+              <a:t>2</a:t>
+            </a:r>
+            <a:r>
+              <a:rPr>
+                <a:latin typeface="Courier"/>
+              </a:rPr>
+              <a:t>] </a:t>
+            </a:r>
+            <a:r>
+              <a:rPr>
+                <a:solidFill>
+                  <a:srgbClr val="007020"/>
+                </a:solidFill>
+                <a:latin typeface="Courier"/>
+              </a:rPr>
+              <a:t>&lt;-</a:t>
+            </a:r>
+            <a:r>
+              <a:rPr>
+                <a:latin typeface="Courier"/>
+              </a:rPr>
+              <a:t> </a:t>
+            </a:r>
+            <a:r>
+              <a:rPr>
+                <a:solidFill>
+                  <a:srgbClr val="06287E"/>
+                </a:solidFill>
+                <a:latin typeface="Courier"/>
+              </a:rPr>
+              <a:t>t.test</a:t>
+            </a:r>
+            <a:r>
+              <a:rPr>
+                <a:latin typeface="Courier"/>
+              </a:rPr>
+              <a:t>(trt_26C, trt_8C)</a:t>
+            </a:r>
+            <a:r>
+              <a:rPr>
+                <a:solidFill>
+                  <a:srgbClr val="4070A0"/>
+                </a:solidFill>
+                <a:latin typeface="Courier"/>
+              </a:rPr>
+              <a:t>$</a:t>
+            </a:r>
+            <a:r>
+              <a:rPr>
+                <a:latin typeface="Courier"/>
+              </a:rPr>
+              <a:t>p.value</a:t>
+            </a:r>
+            <a:br/>
+            <a:br/>
+            <a:r>
+              <a:rPr>
+                <a:latin typeface="Courier"/>
+              </a:rPr>
+              <a:t>    }</a:t>
+            </a:r>
+            <a:br/>
+            <a:r>
+              <a:rPr>
+                <a:latin typeface="Courier"/>
+              </a:rPr>
+              <a:t>    </a:t>
+            </a:r>
+            <a:r>
+              <a:rPr>
+                <a:solidFill>
+                  <a:srgbClr val="06287E"/>
+                </a:solidFill>
+                <a:latin typeface="Courier"/>
+              </a:rPr>
+              <a:t>names</a:t>
+            </a:r>
+            <a:r>
+              <a:rPr>
+                <a:latin typeface="Courier"/>
+              </a:rPr>
+              <a:t>(dat) </a:t>
+            </a:r>
+            <a:r>
+              <a:rPr>
+                <a:solidFill>
+                  <a:srgbClr val="007020"/>
+                </a:solidFill>
+                <a:latin typeface="Courier"/>
+              </a:rPr>
+              <a:t>&lt;-</a:t>
+            </a:r>
+            <a:r>
+              <a:rPr>
+                <a:latin typeface="Courier"/>
+              </a:rPr>
+              <a:t> </a:t>
+            </a:r>
+            <a:r>
+              <a:rPr>
+                <a:solidFill>
+                  <a:srgbClr val="06287E"/>
+                </a:solidFill>
+                <a:latin typeface="Courier"/>
+              </a:rPr>
+              <a:t>c</a:t>
+            </a:r>
+            <a:r>
+              <a:rPr>
+                <a:latin typeface="Courier"/>
+              </a:rPr>
+              <a:t>(</a:t>
+            </a:r>
+            <a:r>
+              <a:rPr>
+                <a:solidFill>
+                  <a:srgbClr val="4070A0"/>
+                </a:solidFill>
+                <a:latin typeface="Courier"/>
+              </a:rPr>
+              <a:t>"effect"</a:t>
+            </a:r>
+            <a:r>
+              <a:rPr>
+                <a:latin typeface="Courier"/>
+              </a:rPr>
+              <a:t>, </a:t>
+            </a:r>
+            <a:r>
+              <a:rPr>
+                <a:solidFill>
+                  <a:srgbClr val="4070A0"/>
+                </a:solidFill>
+                <a:latin typeface="Courier"/>
+              </a:rPr>
+              <a:t>"p"</a:t>
+            </a:r>
+            <a:r>
+              <a:rPr>
+                <a:latin typeface="Courier"/>
+              </a:rPr>
+              <a:t>)</a:t>
+            </a:r>
+            <a:br/>
+            <a:r>
+              <a:rPr>
+                <a:latin typeface="Courier"/>
+              </a:rPr>
+              <a:t>    </a:t>
+            </a:r>
+            <a:r>
+              <a:rPr>
+                <a:solidFill>
+                  <a:srgbClr val="06287E"/>
+                </a:solidFill>
+                <a:latin typeface="Courier"/>
+              </a:rPr>
+              <a:t>return</a:t>
+            </a:r>
+            <a:r>
+              <a:rPr>
+                <a:latin typeface="Courier"/>
+              </a:rPr>
+              <a:t>(dat)</a:t>
+            </a:r>
+            <a:br/>
+            <a:r>
+              <a:rPr>
+                <a:latin typeface="Courier"/>
+              </a:rPr>
+              <a:t>}</a:t>
+            </a:r>
+            <a:br/>
+            <a:br/>
+            <a:r>
+              <a:rPr>
+                <a:latin typeface="Courier"/>
+              </a:rPr>
+              <a:t>expts </a:t>
+            </a:r>
+            <a:r>
+              <a:rPr>
+                <a:solidFill>
+                  <a:srgbClr val="007020"/>
+                </a:solidFill>
+                <a:latin typeface="Courier"/>
+              </a:rPr>
+              <a:t>&lt;-</a:t>
+            </a:r>
+            <a:r>
+              <a:rPr>
+                <a:latin typeface="Courier"/>
+              </a:rPr>
+              <a:t> </a:t>
+            </a:r>
+            <a:r>
+              <a:rPr>
+                <a:solidFill>
+                  <a:srgbClr val="06287E"/>
+                </a:solidFill>
+                <a:latin typeface="Courier"/>
+              </a:rPr>
+              <a:t>experiment</a:t>
+            </a:r>
+            <a:r>
+              <a:rPr>
+                <a:latin typeface="Courier"/>
+              </a:rPr>
+              <a:t>(</a:t>
+            </a:r>
+            <a:r>
+              <a:rPr>
+                <a:solidFill>
+                  <a:srgbClr val="40A070"/>
+                </a:solidFill>
+                <a:latin typeface="Courier"/>
+              </a:rPr>
+              <a:t>10000</a:t>
+            </a:r>
+            <a:r>
+              <a:rPr>
+                <a:latin typeface="Courier"/>
+              </a:rPr>
+              <a:t>)</a:t>
+            </a:r>
+          </a:p>
+        </p:txBody>
+      </p:sp>
+    </p:spTree>
+  </p:cSld>
+</p:sld>
+</file>
+
+<file path=ppt/slides/slide5.xml><?xml version="1.0" encoding="utf-8"?>
+<p:sld xmlns:a="http://schemas.openxmlformats.org/drawingml/2006/main" xmlns:r="http://schemas.openxmlformats.org/officeDocument/2006/relationships" xmlns:p="http://schemas.openxmlformats.org/presentationml/2006/main">
+  <p:cSld>
+    <p:spTree>
+      <p:nvGrpSpPr>
+        <p:cNvPr id="1" name=""/>
+        <p:cNvGrpSpPr/>
+        <p:nvPr/>
+      </p:nvGrpSpPr>
+      <p:grpSpPr>
+        <a:xfrm>
+          <a:off x="0" y="0"/>
+          <a:ext cx="0" cy="0"/>
+          <a:chOff x="0" y="0"/>
+          <a:chExt cx="0" cy="0"/>
+        </a:xfrm>
+      </p:grpSpPr>
+      <p:sp>
+        <p:nvSpPr>
+          <p:cNvPr id="2" name="Title 1"/>
+          <p:cNvSpPr>
+            <a:spLocks noGrp="1"/>
+          </p:cNvSpPr>
+          <p:nvPr>
+            <p:ph type="title"/>
+          </p:nvPr>
+        </p:nvSpPr>
+        <p:spPr/>
+        <p:txBody>
+          <a:bodyPr/>
+          <a:lstStyle/>
+          <a:p>
+            <a:pPr lvl="0" indent="0" marL="0">
+              <a:buNone/>
+            </a:pPr>
+            <a:r>
+              <a:rPr/>
+              <a:t>Figure</a:t>
+            </a:r>
+          </a:p>
+        </p:txBody>
+      </p:sp>
+      <p:pic>
+        <p:nvPicPr>
+          <p:cNvPr descr="code_slides_files/figure-pptx/simfig-1.png" id="0" name="Picture 1"/>
+          <p:cNvPicPr>
+            <a:picLocks noGrp="1" noChangeAspect="1"/>
+          </p:cNvPicPr>
+          <p:nvPr/>
+        </p:nvPicPr>
+        <p:blipFill>
+          <a:blip r:embed="rId2"/>
+          <a:stretch>
+            <a:fillRect/>
+          </a:stretch>
+        </p:blipFill>
+        <p:spPr bwMode="auto">
+          <a:xfrm>
+            <a:off x="2451100" y="1193800"/>
+            <a:ext cx="4241800" cy="3390900"/>
+          </a:xfrm>
+          <a:prstGeom prst="rect">
+            <a:avLst/>
+          </a:prstGeom>
+          <a:noFill/>
+          <a:ln w="9525">
+            <a:noFill/>
+            <a:headEnd/>
+            <a:tailEnd/>
+          </a:ln>
+        </p:spPr>
+      </p:pic>
+    </p:spTree>
+  </p:cSld>
+</p:sld>
+</file>
+
+<file path=ppt/slides/slide6.xml><?xml version="1.0" encoding="utf-8"?>
+<p:sld xmlns:a="http://schemas.openxmlformats.org/drawingml/2006/main" xmlns:r="http://schemas.openxmlformats.org/officeDocument/2006/relationships" xmlns:p="http://schemas.openxmlformats.org/presentationml/2006/main">
+  <p:cSld>
+    <p:spTree>
+      <p:nvGrpSpPr>
+        <p:cNvPr id="1" name=""/>
+        <p:cNvGrpSpPr/>
+        <p:nvPr/>
+      </p:nvGrpSpPr>
+      <p:grpSpPr>
+        <a:xfrm>
+          <a:off x="0" y="0"/>
+          <a:ext cx="0" cy="0"/>
+          <a:chOff x="0" y="0"/>
+          <a:chExt cx="0" cy="0"/>
+        </a:xfrm>
+      </p:grpSpPr>
+      <p:sp>
+        <p:nvSpPr>
+          <p:cNvPr id="2" name="Title 1"/>
+          <p:cNvSpPr>
+            <a:spLocks noGrp="1"/>
+          </p:cNvSpPr>
+          <p:nvPr>
+            <p:ph type="title"/>
+          </p:nvPr>
+        </p:nvSpPr>
+        <p:spPr/>
+        <p:txBody>
+          <a:bodyPr/>
+          <a:lstStyle/>
+          <a:p>
+            <a:pPr lvl="0" indent="0" marL="0">
+              <a:buNone/>
+            </a:pPr>
+            <a:r>
+              <a:rPr/>
+              <a:t>errors</a:t>
+            </a:r>
+          </a:p>
+        </p:txBody>
+      </p:sp>
       <mc:AlternateContent xmlns:mc="http://schemas.openxmlformats.org/markup-compatibility/2006">
         <mc:Choice xmlns:a14="http://schemas.microsoft.com/office/drawing/2010/main" Requires="a14">
           <p:sp>
@@ -4553,23 +7194,6 @@
             <p:txBody>
               <a:bodyPr/>
               <a:lstStyle/>
-              <a:p>
-                <a:pPr lvl="0" indent="0" marL="0">
-                  <a:buNone/>
-                </a:pPr>
-              </a:p>
-              <a:p>
-                <a:pPr lvl="0" indent="0" marL="0">
-                  <a:spcBef>
-                    <a:spcPts val="3000"/>
-                  </a:spcBef>
-                  <a:buNone/>
-                </a:pPr>
-                <a:r>
-                  <a:rPr b="1"/>
-                  <a:t>errors</a:t>
-                </a:r>
-              </a:p>
               <a:p>
                 <a:pPr lvl="0" indent="0" marL="0">
                   <a:buNone/>
@@ -4662,753 +7286,7 @@
                   <a:rPr>
                     <a:latin typeface="Courier"/>
                   </a:rPr>
-                  <a:t>## [1] 0.1706722</a:t>
-                </a:r>
-              </a:p>
-              <a:p>
-                <a:pPr lvl="0" indent="0" marL="0">
-                  <a:spcBef>
-                    <a:spcPts val="3000"/>
-                  </a:spcBef>
-                  <a:buNone/>
-                </a:pPr>
-                <a:r>
-                  <a:rPr b="1"/>
-                  <a:t>se</a:t>
-                </a:r>
-              </a:p>
-              <a:p>
-                <a:pPr lvl="0" indent="0">
-                  <a:buNone/>
-                </a:pPr>
-                <a:r>
-                  <a:rPr>
-                    <a:latin typeface="Courier"/>
-                  </a:rPr>
-                  <a:t>means </a:t>
-                </a:r>
-                <a:r>
-                  <a:rPr>
-                    <a:solidFill>
-                      <a:srgbClr val="007020"/>
-                    </a:solidFill>
-                    <a:latin typeface="Courier"/>
-                  </a:rPr>
-                  <a:t>&lt;-</a:t>
-                </a:r>
-                <a:r>
-                  <a:rPr>
-                    <a:latin typeface="Courier"/>
-                  </a:rPr>
-                  <a:t> </a:t>
-                </a:r>
-                <a:r>
-                  <a:rPr>
-                    <a:solidFill>
-                      <a:srgbClr val="06287E"/>
-                    </a:solidFill>
-                    <a:latin typeface="Courier"/>
-                  </a:rPr>
-                  <a:t>c</a:t>
-                </a:r>
-                <a:r>
-                  <a:rPr>
-                    <a:latin typeface="Courier"/>
-                  </a:rPr>
-                  <a:t>()</a:t>
-                </a:r>
-                <a:br/>
-                <a:br/>
-                <a:r>
-                  <a:rPr b="1">
-                    <a:solidFill>
-                      <a:srgbClr val="007020"/>
-                    </a:solidFill>
-                    <a:latin typeface="Courier"/>
-                  </a:rPr>
-                  <a:t>for</a:t>
-                </a:r>
-                <a:r>
-                  <a:rPr>
-                    <a:latin typeface="Courier"/>
-                  </a:rPr>
-                  <a:t> (i </a:t>
-                </a:r>
-                <a:r>
-                  <a:rPr b="1">
-                    <a:solidFill>
-                      <a:srgbClr val="007020"/>
-                    </a:solidFill>
-                    <a:latin typeface="Courier"/>
-                  </a:rPr>
-                  <a:t>in</a:t>
-                </a:r>
-                <a:r>
-                  <a:rPr>
-                    <a:latin typeface="Courier"/>
-                  </a:rPr>
-                  <a:t> </a:t>
-                </a:r>
-                <a:r>
-                  <a:rPr>
-                    <a:solidFill>
-                      <a:srgbClr val="40A070"/>
-                    </a:solidFill>
-                    <a:latin typeface="Courier"/>
-                  </a:rPr>
-                  <a:t>1</a:t>
-                </a:r>
-                <a:r>
-                  <a:rPr>
-                    <a:solidFill>
-                      <a:srgbClr val="4070A0"/>
-                    </a:solidFill>
-                    <a:latin typeface="Courier"/>
-                  </a:rPr>
-                  <a:t>:</a:t>
-                </a:r>
-                <a:r>
-                  <a:rPr>
-                    <a:solidFill>
-                      <a:srgbClr val="40A070"/>
-                    </a:solidFill>
-                    <a:latin typeface="Courier"/>
-                  </a:rPr>
-                  <a:t>1e+06</a:t>
-                </a:r>
-                <a:r>
-                  <a:rPr>
-                    <a:latin typeface="Courier"/>
-                  </a:rPr>
-                  <a:t>) {</a:t>
-                </a:r>
-                <a:br/>
-                <a:r>
-                  <a:rPr>
-                    <a:latin typeface="Courier"/>
-                  </a:rPr>
-                  <a:t>    mass </a:t>
-                </a:r>
-                <a:r>
-                  <a:rPr>
-                    <a:solidFill>
-                      <a:srgbClr val="007020"/>
-                    </a:solidFill>
-                    <a:latin typeface="Courier"/>
-                  </a:rPr>
-                  <a:t>&lt;-</a:t>
-                </a:r>
-                <a:r>
-                  <a:rPr>
-                    <a:latin typeface="Courier"/>
-                  </a:rPr>
-                  <a:t> </a:t>
-                </a:r>
-                <a:r>
-                  <a:rPr>
-                    <a:solidFill>
-                      <a:srgbClr val="06287E"/>
-                    </a:solidFill>
-                    <a:latin typeface="Courier"/>
-                  </a:rPr>
-                  <a:t>rnorm</a:t>
-                </a:r>
-                <a:r>
-                  <a:rPr>
-                    <a:latin typeface="Courier"/>
-                  </a:rPr>
-                  <a:t>(</a:t>
-                </a:r>
-                <a:r>
-                  <a:rPr>
-                    <a:solidFill>
-                      <a:srgbClr val="7D9029"/>
-                    </a:solidFill>
-                    <a:latin typeface="Courier"/>
-                  </a:rPr>
-                  <a:t>n =</a:t>
-                </a:r>
-                <a:r>
-                  <a:rPr>
-                    <a:latin typeface="Courier"/>
-                  </a:rPr>
-                  <a:t> </a:t>
-                </a:r>
-                <a:r>
-                  <a:rPr>
-                    <a:solidFill>
-                      <a:srgbClr val="40A070"/>
-                    </a:solidFill>
-                    <a:latin typeface="Courier"/>
-                  </a:rPr>
-                  <a:t>18</a:t>
-                </a:r>
-                <a:r>
-                  <a:rPr>
-                    <a:latin typeface="Courier"/>
-                  </a:rPr>
-                  <a:t>, </a:t>
-                </a:r>
-                <a:r>
-                  <a:rPr>
-                    <a:solidFill>
-                      <a:srgbClr val="7D9029"/>
-                    </a:solidFill>
-                    <a:latin typeface="Courier"/>
-                  </a:rPr>
-                  <a:t>mean =</a:t>
-                </a:r>
-                <a:r>
-                  <a:rPr>
-                    <a:latin typeface="Courier"/>
-                  </a:rPr>
-                  <a:t> </a:t>
-                </a:r>
-                <a:r>
-                  <a:rPr>
-                    <a:solidFill>
-                      <a:srgbClr val="40A070"/>
-                    </a:solidFill>
-                    <a:latin typeface="Courier"/>
-                  </a:rPr>
-                  <a:t>10.8</a:t>
-                </a:r>
-                <a:r>
-                  <a:rPr>
-                    <a:latin typeface="Courier"/>
-                  </a:rPr>
-                  <a:t>, </a:t>
-                </a:r>
-                <a:r>
-                  <a:rPr>
-                    <a:solidFill>
-                      <a:srgbClr val="7D9029"/>
-                    </a:solidFill>
-                    <a:latin typeface="Courier"/>
-                  </a:rPr>
-                  <a:t>sd =</a:t>
-                </a:r>
-                <a:r>
-                  <a:rPr>
-                    <a:latin typeface="Courier"/>
-                  </a:rPr>
-                  <a:t> </a:t>
-                </a:r>
-                <a:r>
-                  <a:rPr>
-                    <a:solidFill>
-                      <a:srgbClr val="40A070"/>
-                    </a:solidFill>
-                    <a:latin typeface="Courier"/>
-                  </a:rPr>
-                  <a:t>0.988</a:t>
-                </a:r>
-                <a:r>
-                  <a:rPr>
-                    <a:latin typeface="Courier"/>
-                  </a:rPr>
-                  <a:t>)</a:t>
-                </a:r>
-                <a:br/>
-                <a:r>
-                  <a:rPr>
-                    <a:latin typeface="Courier"/>
-                  </a:rPr>
-                  <a:t>    means </a:t>
-                </a:r>
-                <a:r>
-                  <a:rPr>
-                    <a:solidFill>
-                      <a:srgbClr val="007020"/>
-                    </a:solidFill>
-                    <a:latin typeface="Courier"/>
-                  </a:rPr>
-                  <a:t>&lt;-</a:t>
-                </a:r>
-                <a:r>
-                  <a:rPr>
-                    <a:latin typeface="Courier"/>
-                  </a:rPr>
-                  <a:t> </a:t>
-                </a:r>
-                <a:r>
-                  <a:rPr>
-                    <a:solidFill>
-                      <a:srgbClr val="06287E"/>
-                    </a:solidFill>
-                    <a:latin typeface="Courier"/>
-                  </a:rPr>
-                  <a:t>c</a:t>
-                </a:r>
-                <a:r>
-                  <a:rPr>
-                    <a:latin typeface="Courier"/>
-                  </a:rPr>
-                  <a:t>(means, </a:t>
-                </a:r>
-                <a:r>
-                  <a:rPr>
-                    <a:solidFill>
-                      <a:srgbClr val="06287E"/>
-                    </a:solidFill>
-                    <a:latin typeface="Courier"/>
-                  </a:rPr>
-                  <a:t>mean</a:t>
-                </a:r>
-                <a:r>
-                  <a:rPr>
-                    <a:latin typeface="Courier"/>
-                  </a:rPr>
-                  <a:t>(mass))</a:t>
-                </a:r>
-                <a:br/>
-                <a:r>
-                  <a:rPr>
-                    <a:latin typeface="Courier"/>
-                  </a:rPr>
-                  <a:t>}</a:t>
-                </a:r>
-                <a:br/>
-                <a:br/>
-                <a:r>
-                  <a:rPr i="1">
-                    <a:solidFill>
-                      <a:srgbClr val="60A0B0"/>
-                    </a:solidFill>
-                    <a:latin typeface="Courier"/>
-                  </a:rPr>
-                  <a:t># The mean of the means</a:t>
-                </a:r>
-                <a:br/>
-                <a:r>
-                  <a:rPr>
-                    <a:solidFill>
-                      <a:srgbClr val="06287E"/>
-                    </a:solidFill>
-                    <a:latin typeface="Courier"/>
-                  </a:rPr>
-                  <a:t>mean</a:t>
-                </a:r>
-                <a:r>
-                  <a:rPr>
-                    <a:latin typeface="Courier"/>
-                  </a:rPr>
-                  <a:t>(means)</a:t>
-                </a:r>
-                <a:br/>
-                <a:r>
-                  <a:rPr i="1">
-                    <a:solidFill>
-                      <a:srgbClr val="60A0B0"/>
-                    </a:solidFill>
-                    <a:latin typeface="Courier"/>
-                  </a:rPr>
-                  <a:t># The standard deviation of the means or standard error</a:t>
-                </a:r>
-                <a:br/>
-                <a:r>
-                  <a:rPr>
-                    <a:solidFill>
-                      <a:srgbClr val="06287E"/>
-                    </a:solidFill>
-                    <a:latin typeface="Courier"/>
-                  </a:rPr>
-                  <a:t>sd</a:t>
-                </a:r>
-                <a:r>
-                  <a:rPr>
-                    <a:latin typeface="Courier"/>
-                  </a:rPr>
-                  <a:t>(means)</a:t>
-                </a:r>
-              </a:p>
-              <a:p>
-                <a:pPr lvl="0" indent="0" marL="0">
-                  <a:spcBef>
-                    <a:spcPts val="3000"/>
-                  </a:spcBef>
-                  <a:buNone/>
-                </a:pPr>
-                <a:r>
-                  <a:rPr b="1"/>
-                  <a:t>Our analytical calculaton</a:t>
-                </a:r>
-              </a:p>
-              <a:p>
-                <a:pPr lvl="0" indent="0">
-                  <a:buNone/>
-                </a:pPr>
-                <a:r>
-                  <a:rPr>
-                    <a:latin typeface="Courier"/>
-                  </a:rPr>
-                  <a:t>se </a:t>
-                </a:r>
-                <a:r>
-                  <a:rPr>
-                    <a:solidFill>
-                      <a:srgbClr val="007020"/>
-                    </a:solidFill>
-                    <a:latin typeface="Courier"/>
-                  </a:rPr>
-                  <a:t>&lt;-</a:t>
-                </a:r>
-                <a:r>
-                  <a:rPr>
-                    <a:latin typeface="Courier"/>
-                  </a:rPr>
-                  <a:t> </a:t>
-                </a:r>
-                <a:r>
-                  <a:rPr>
-                    <a:solidFill>
-                      <a:srgbClr val="06287E"/>
-                    </a:solidFill>
-                    <a:latin typeface="Courier"/>
-                  </a:rPr>
-                  <a:t>sd</a:t>
-                </a:r>
-                <a:r>
-                  <a:rPr>
-                    <a:latin typeface="Courier"/>
-                  </a:rPr>
-                  <a:t>(mass)</a:t>
-                </a:r>
-                <a:r>
-                  <a:rPr>
-                    <a:solidFill>
-                      <a:srgbClr val="4070A0"/>
-                    </a:solidFill>
-                    <a:latin typeface="Courier"/>
-                  </a:rPr>
-                  <a:t>/</a:t>
-                </a:r>
-                <a:r>
-                  <a:rPr>
-                    <a:solidFill>
-                      <a:srgbClr val="06287E"/>
-                    </a:solidFill>
-                    <a:latin typeface="Courier"/>
-                  </a:rPr>
-                  <a:t>sqrt</a:t>
-                </a:r>
-                <a:r>
-                  <a:rPr>
-                    <a:latin typeface="Courier"/>
-                  </a:rPr>
-                  <a:t>(</a:t>
-                </a:r>
-                <a:r>
-                  <a:rPr>
-                    <a:solidFill>
-                      <a:srgbClr val="06287E"/>
-                    </a:solidFill>
-                    <a:latin typeface="Courier"/>
-                  </a:rPr>
-                  <a:t>length</a:t>
-                </a:r>
-                <a:r>
-                  <a:rPr>
-                    <a:latin typeface="Courier"/>
-                  </a:rPr>
-                  <a:t>(mass))</a:t>
-                </a:r>
-                <a:br/>
-                <a:r>
-                  <a:rPr>
-                    <a:latin typeface="Courier"/>
-                  </a:rPr>
-                  <a:t>se</a:t>
-                </a:r>
-              </a:p>
-              <a:p>
-                <a:pPr lvl="0" indent="0" marL="0">
-                  <a:spcBef>
-                    <a:spcPts val="3000"/>
-                  </a:spcBef>
-                  <a:buNone/>
-                </a:pPr>
-                <a:r>
-                  <a:rPr b="1"/>
-                  <a:t>Plots</a:t>
-                </a:r>
-              </a:p>
-              <a:p>
-                <a:pPr lvl="0" indent="0">
-                  <a:buNone/>
-                </a:pPr>
-                <a:r>
-                  <a:rPr>
-                    <a:solidFill>
-                      <a:srgbClr val="06287E"/>
-                    </a:solidFill>
-                    <a:latin typeface="Courier"/>
-                  </a:rPr>
-                  <a:t>ggplot</a:t>
-                </a:r>
-                <a:r>
-                  <a:rPr>
-                    <a:latin typeface="Courier"/>
-                  </a:rPr>
-                  <a:t>() </a:t>
-                </a:r>
-                <a:r>
-                  <a:rPr>
-                    <a:solidFill>
-                      <a:srgbClr val="4070A0"/>
-                    </a:solidFill>
-                    <a:latin typeface="Courier"/>
-                  </a:rPr>
-                  <a:t>+</a:t>
-                </a:r>
-                <a:r>
-                  <a:rPr>
-                    <a:latin typeface="Courier"/>
-                  </a:rPr>
-                  <a:t> </a:t>
-                </a:r>
-                <a:r>
-                  <a:rPr>
-                    <a:solidFill>
-                      <a:srgbClr val="06287E"/>
-                    </a:solidFill>
-                    <a:latin typeface="Courier"/>
-                  </a:rPr>
-                  <a:t>geom_histogram</a:t>
-                </a:r>
-                <a:r>
-                  <a:rPr>
-                    <a:latin typeface="Courier"/>
-                  </a:rPr>
-                  <a:t>(</a:t>
-                </a:r>
-                <a:r>
-                  <a:rPr>
-                    <a:solidFill>
-                      <a:srgbClr val="06287E"/>
-                    </a:solidFill>
-                    <a:latin typeface="Courier"/>
-                  </a:rPr>
-                  <a:t>aes</a:t>
-                </a:r>
-                <a:r>
-                  <a:rPr>
-                    <a:latin typeface="Courier"/>
-                  </a:rPr>
-                  <a:t>(</a:t>
-                </a:r>
-                <a:r>
-                  <a:rPr>
-                    <a:solidFill>
-                      <a:srgbClr val="7D9029"/>
-                    </a:solidFill>
-                    <a:latin typeface="Courier"/>
-                  </a:rPr>
-                  <a:t>x =</a:t>
-                </a:r>
-                <a:r>
-                  <a:rPr>
-                    <a:latin typeface="Courier"/>
-                  </a:rPr>
-                  <a:t> means))</a:t>
-                </a:r>
-              </a:p>
-              <a:p>
-                <a:pPr lvl="0" indent="0" marL="0">
-                  <a:spcBef>
-                    <a:spcPts val="3000"/>
-                  </a:spcBef>
-                  <a:buNone/>
-                </a:pPr>
-                <a:r>
-                  <a:rPr b="1"/>
-                  <a:t>Zr</a:t>
-                </a:r>
-              </a:p>
-              <a:p>
-                <a:pPr lvl="0" indent="0">
-                  <a:buNone/>
-                </a:pPr>
-                <a:r>
-                  <a:rPr>
-                    <a:latin typeface="Courier"/>
-                  </a:rPr>
-                  <a:t>zr_data </a:t>
-                </a:r>
-                <a:r>
-                  <a:rPr>
-                    <a:solidFill>
-                      <a:srgbClr val="007020"/>
-                    </a:solidFill>
-                    <a:latin typeface="Courier"/>
-                  </a:rPr>
-                  <a:t>&lt;-</a:t>
-                </a:r>
-                <a:r>
-                  <a:rPr>
-                    <a:latin typeface="Courier"/>
-                  </a:rPr>
-                  <a:t> </a:t>
-                </a:r>
-                <a:r>
-                  <a:rPr>
-                    <a:solidFill>
-                      <a:srgbClr val="06287E"/>
-                    </a:solidFill>
-                    <a:latin typeface="Courier"/>
-                  </a:rPr>
-                  <a:t>read.csv</a:t>
-                </a:r>
-                <a:r>
-                  <a:rPr>
-                    <a:latin typeface="Courier"/>
-                  </a:rPr>
-                  <a:t>(</a:t>
-                </a:r>
-                <a:r>
-                  <a:rPr>
-                    <a:solidFill>
-                      <a:srgbClr val="4070A0"/>
-                    </a:solidFill>
-                    <a:latin typeface="Courier"/>
-                  </a:rPr>
-                  <a:t>"https://raw.githubusercontent.com/daniel1noble/meta-workshop/gh-pages/data/ind_disp_raw_data.csv"</a:t>
-                </a:r>
-                <a:r>
-                  <a:rPr>
-                    <a:latin typeface="Courier"/>
-                  </a:rPr>
-                  <a:t>) </a:t>
-                </a:r>
-                <a:r>
-                  <a:rPr>
-                    <a:solidFill>
-                      <a:srgbClr val="4070A0"/>
-                    </a:solidFill>
-                    <a:latin typeface="Courier"/>
-                  </a:rPr>
-                  <a:t>%&gt;%</a:t>
-                </a:r>
-                <a:br/>
-                <a:r>
-                  <a:rPr>
-                    <a:latin typeface="Courier"/>
-                  </a:rPr>
-                  <a:t>  dplyr</a:t>
-                </a:r>
-                <a:r>
-                  <a:rPr>
-                    <a:solidFill>
-                      <a:srgbClr val="4070A0"/>
-                    </a:solidFill>
-                    <a:latin typeface="Courier"/>
-                  </a:rPr>
-                  <a:t>::</a:t>
-                </a:r>
-                <a:r>
-                  <a:rPr>
-                    <a:solidFill>
-                      <a:srgbClr val="06287E"/>
-                    </a:solidFill>
-                    <a:latin typeface="Courier"/>
-                  </a:rPr>
-                  <a:t>select</a:t>
-                </a:r>
-                <a:r>
-                  <a:rPr>
-                    <a:latin typeface="Courier"/>
-                  </a:rPr>
-                  <a:t>(study_ID, taxa, species, trait, response, response_unit, disp_trait, disp_unit, corr_coeff, sample_size) </a:t>
-                </a:r>
-                <a:r>
-                  <a:rPr>
-                    <a:solidFill>
-                      <a:srgbClr val="4070A0"/>
-                    </a:solidFill>
-                    <a:latin typeface="Courier"/>
-                  </a:rPr>
-                  <a:t>%&gt;%</a:t>
-                </a:r>
-                <a:r>
-                  <a:rPr>
-                    <a:latin typeface="Courier"/>
-                  </a:rPr>
-                  <a:t> </a:t>
-                </a:r>
-                <a:r>
-                  <a:rPr i="1">
-                    <a:solidFill>
-                      <a:srgbClr val="60A0B0"/>
-                    </a:solidFill>
-                    <a:latin typeface="Courier"/>
-                  </a:rPr>
-                  <a:t># remove irrelevant columns for this tutorial</a:t>
-                </a:r>
-                <a:br/>
-                <a:r>
-                  <a:rPr>
-                    <a:latin typeface="Courier"/>
-                  </a:rPr>
-                  <a:t>  dplyr</a:t>
-                </a:r>
-                <a:r>
-                  <a:rPr>
-                    <a:solidFill>
-                      <a:srgbClr val="4070A0"/>
-                    </a:solidFill>
-                    <a:latin typeface="Courier"/>
-                  </a:rPr>
-                  <a:t>::</a:t>
-                </a:r>
-                <a:r>
-                  <a:rPr>
-                    <a:solidFill>
-                      <a:srgbClr val="06287E"/>
-                    </a:solidFill>
-                    <a:latin typeface="Courier"/>
-                  </a:rPr>
-                  <a:t>top_n</a:t>
-                </a:r>
-                <a:r>
-                  <a:rPr>
-                    <a:latin typeface="Courier"/>
-                  </a:rPr>
-                  <a:t>(</a:t>
-                </a:r>
-                <a:r>
-                  <a:rPr>
-                    <a:solidFill>
-                      <a:srgbClr val="40A070"/>
-                    </a:solidFill>
-                    <a:latin typeface="Courier"/>
-                  </a:rPr>
-                  <a:t>10</a:t>
-                </a:r>
-                <a:r>
-                  <a:rPr>
-                    <a:latin typeface="Courier"/>
-                  </a:rPr>
-                  <a:t>) </a:t>
-                </a:r>
-                <a:r>
-                  <a:rPr i="1">
-                    <a:solidFill>
-                      <a:srgbClr val="60A0B0"/>
-                    </a:solidFill>
-                    <a:latin typeface="Courier"/>
-                  </a:rPr>
-                  <a:t># select first 10 effect sizes to illustrate escalc function</a:t>
-                </a:r>
-              </a:p>
-              <a:p>
-                <a:pPr lvl="0" indent="0">
-                  <a:buNone/>
-                </a:pPr>
-                <a:r>
-                  <a:rPr>
-                    <a:latin typeface="Courier"/>
-                  </a:rPr>
-                  <a:t>## Selecting by sample_size</a:t>
+                  <a:t>## [1] 0.1713641</a:t>
                 </a:r>
               </a:p>
             </p:txBody>
@@ -5420,7 +7298,7 @@
 </p:sld>
 </file>
 
-<file path=ppt/slides/slide4.xml><?xml version="1.0" encoding="utf-8"?>
+<file path=ppt/slides/slide7.xml><?xml version="1.0" encoding="utf-8"?>
 <p:sld xmlns:a="http://schemas.openxmlformats.org/drawingml/2006/main" xmlns:r="http://schemas.openxmlformats.org/officeDocument/2006/relationships" xmlns:p="http://schemas.openxmlformats.org/presentationml/2006/main">
   <p:cSld>
     <p:spTree>
@@ -5457,7 +7335,7 @@
             </a:pPr>
             <a:r>
               <a:rPr/>
-              <a:t>Effect calculation</a:t>
+              <a:t>se</a:t>
             </a:r>
           </a:p>
         </p:txBody>
@@ -5481,20 +7359,10 @@
               <a:buNone/>
             </a:pPr>
             <a:r>
-              <a:rPr i="1">
-                <a:solidFill>
-                  <a:srgbClr val="60A0B0"/>
-                </a:solidFill>
-                <a:latin typeface="Courier"/>
-              </a:rPr>
-              <a:t># Calculate Fisher's r-to-z transformed correlation coefficient (ZCOR) as yi = effect size and vi = sampling variances, where ri = raw correlation coefficients, and ni = sample size.</a:t>
-            </a:r>
-            <a:br/>
-            <a:r>
-              <a:rPr>
-                <a:latin typeface="Courier"/>
-              </a:rPr>
-              <a:t>zr_data </a:t>
+              <a:rPr>
+                <a:latin typeface="Courier"/>
+              </a:rPr>
+              <a:t>means </a:t>
             </a:r>
             <a:r>
               <a:rPr>
@@ -5509,16 +7377,7 @@
               <a:rPr>
                 <a:latin typeface="Courier"/>
               </a:rPr>
-              <a:t> metafor</a:t>
-            </a:r>
-            <a:r>
-              <a:rPr>
-                <a:solidFill>
-                  <a:srgbClr val="4070A0"/>
-                </a:solidFill>
-                <a:latin typeface="Courier"/>
-              </a:rPr>
-              <a:t>::</a:t>
+              <a:t> </a:t>
             </a:r>
             <a:r>
               <a:rPr>
@@ -5527,194 +7386,317 @@
                 </a:solidFill>
                 <a:latin typeface="Courier"/>
               </a:rPr>
-              <a:t>escalc</a:t>
-            </a:r>
-            <a:r>
-              <a:rPr>
-                <a:latin typeface="Courier"/>
-              </a:rPr>
-              <a:t>(</a:t>
-            </a:r>
-            <a:r>
-              <a:rPr>
-                <a:solidFill>
-                  <a:srgbClr val="7D9029"/>
-                </a:solidFill>
-                <a:latin typeface="Courier"/>
-              </a:rPr>
-              <a:t>measure =</a:t>
-            </a:r>
-            <a:r>
-              <a:rPr>
-                <a:latin typeface="Courier"/>
-              </a:rPr>
-              <a:t> </a:t>
-            </a:r>
-            <a:r>
-              <a:rPr>
-                <a:solidFill>
-                  <a:srgbClr val="4070A0"/>
-                </a:solidFill>
-                <a:latin typeface="Courier"/>
-              </a:rPr>
-              <a:t>"ZCOR"</a:t>
-            </a:r>
-            <a:r>
-              <a:rPr>
-                <a:latin typeface="Courier"/>
-              </a:rPr>
-              <a:t>, </a:t>
-            </a:r>
-            <a:r>
-              <a:rPr>
-                <a:solidFill>
-                  <a:srgbClr val="7D9029"/>
-                </a:solidFill>
-                <a:latin typeface="Courier"/>
-              </a:rPr>
-              <a:t>ri =</a:t>
-            </a:r>
-            <a:r>
-              <a:rPr>
-                <a:latin typeface="Courier"/>
-              </a:rPr>
-              <a:t> corr_coeff, </a:t>
-            </a:r>
-            <a:r>
-              <a:rPr>
-                <a:solidFill>
-                  <a:srgbClr val="7D9029"/>
-                </a:solidFill>
-                <a:latin typeface="Courier"/>
-              </a:rPr>
-              <a:t>ni =</a:t>
-            </a:r>
-            <a:r>
-              <a:rPr>
-                <a:latin typeface="Courier"/>
-              </a:rPr>
-              <a:t> sample_size, </a:t>
-            </a:r>
-            <a:r>
-              <a:rPr>
-                <a:solidFill>
-                  <a:srgbClr val="7D9029"/>
-                </a:solidFill>
-                <a:latin typeface="Courier"/>
-              </a:rPr>
-              <a:t>data =</a:t>
-            </a:r>
-            <a:r>
-              <a:rPr>
-                <a:latin typeface="Courier"/>
-              </a:rPr>
-              <a:t> zr_data, </a:t>
-            </a:r>
-            <a:r>
-              <a:rPr>
-                <a:solidFill>
-                  <a:srgbClr val="7D9029"/>
-                </a:solidFill>
-                <a:latin typeface="Courier"/>
-              </a:rPr>
-              <a:t>var.names=</a:t>
-            </a:r>
-            <a:r>
-              <a:rPr>
-                <a:solidFill>
-                  <a:srgbClr val="06287E"/>
-                </a:solidFill>
-                <a:latin typeface="Courier"/>
-              </a:rPr>
               <a:t>c</a:t>
             </a:r>
             <a:r>
               <a:rPr>
                 <a:latin typeface="Courier"/>
               </a:rPr>
-              <a:t>(</a:t>
-            </a:r>
-            <a:r>
-              <a:rPr>
-                <a:solidFill>
-                  <a:srgbClr val="4070A0"/>
-                </a:solidFill>
-                <a:latin typeface="Courier"/>
-              </a:rPr>
-              <a:t>"Zr"</a:t>
-            </a:r>
-            <a:r>
-              <a:rPr>
-                <a:latin typeface="Courier"/>
-              </a:rPr>
-              <a:t>,</a:t>
-            </a:r>
-            <a:r>
-              <a:rPr>
-                <a:solidFill>
-                  <a:srgbClr val="4070A0"/>
-                </a:solidFill>
-                <a:latin typeface="Courier"/>
-              </a:rPr>
-              <a:t>"v_Zr"</a:t>
-            </a:r>
-            <a:r>
-              <a:rPr>
-                <a:latin typeface="Courier"/>
-              </a:rPr>
-              <a:t>))</a:t>
+              <a:t>()</a:t>
             </a:r>
             <a:br/>
             <a:br/>
             <a:r>
-              <a:rPr>
-                <a:latin typeface="Courier"/>
-              </a:rPr>
-              <a:t>zr_data</a:t>
-            </a:r>
-          </a:p>
-          <a:p>
-            <a:pPr lvl="0" indent="0">
-              <a:buNone/>
-            </a:pPr>
-            <a:r>
-              <a:rPr>
-                <a:latin typeface="Courier"/>
-              </a:rPr>
-              <a:t>## 
-##    study_ID     taxa              species          trait       response 
-## 1         5 Mammalia      Tamias_striatus     Metabolism     Resting MR 
-## 2        13     Aves          Parus_major     Metabolism       Basal MR 
-## 3        13     Aves          Parus_major     Metabolism       Basal MR 
-## 4        45 Mammalia      Syncerus_caffer      Condition Body condition 
-## 5        45 Mammalia      Syncerus_caffer      Condition Body condition 
-## 6        55     Aves Phoenicopterus_ruber      Condition Body condition 
-## 7        87     Aves  Cyanistes caeruleus       Immunity            WBC 
-## 8        87     Aves  Cyanistes caeruleus Cardiovascular    Haematocrit 
-## 9        87     Aves  Cyanistes caeruleus       Immunity            WBC 
-## 10       87     Aves  Cyanistes caeruleus Cardiovascular    Haematocrit 
-##       response_unit  disp_trait disp_unit  corr_coeff sample_size      Zr 
-## 1       residual mW Exploration  residual -0.14300000         296 -0.1440 
-## 2  mass-corrected W Exploration            0.05547002         345  0.0555 
-## 3  mass-corrected W Exploration           -0.13969969         335 -0.1406 
-## 4             index   Dispersal         % -0.40000000         415 -0.4236 
-## 5             index   Dispersal         % -0.53000000         508 -0.5901 
-## 6                     Dispersal            0.87300000         462  1.3456 
-## 7                 n    Activity         n  0.06500000         485  0.0651 
-## 8                 %    Activity         n  0.01500000         485  0.0150 
-## 9                 n    Activity         n  0.17000000         485  0.1717 
-## 10                %    Activity         n -0.13000000         485 -0.1307 
-##      v_Zr 
-## 1  0.0034 
-## 2  0.0029 
-## 3  0.0030 
-## 4  0.0024 
-## 5  0.0020 
-## 6  0.0022 
-## 7  0.0021 
-## 8  0.0021 
-## 9  0.0021 
-## 10 0.0021</a:t>
+              <a:rPr b="1">
+                <a:solidFill>
+                  <a:srgbClr val="007020"/>
+                </a:solidFill>
+                <a:latin typeface="Courier"/>
+              </a:rPr>
+              <a:t>for</a:t>
+            </a:r>
+            <a:r>
+              <a:rPr>
+                <a:latin typeface="Courier"/>
+              </a:rPr>
+              <a:t> (i </a:t>
+            </a:r>
+            <a:r>
+              <a:rPr b="1">
+                <a:solidFill>
+                  <a:srgbClr val="007020"/>
+                </a:solidFill>
+                <a:latin typeface="Courier"/>
+              </a:rPr>
+              <a:t>in</a:t>
+            </a:r>
+            <a:r>
+              <a:rPr>
+                <a:latin typeface="Courier"/>
+              </a:rPr>
+              <a:t> </a:t>
+            </a:r>
+            <a:r>
+              <a:rPr>
+                <a:solidFill>
+                  <a:srgbClr val="40A070"/>
+                </a:solidFill>
+                <a:latin typeface="Courier"/>
+              </a:rPr>
+              <a:t>1</a:t>
+            </a:r>
+            <a:r>
+              <a:rPr>
+                <a:solidFill>
+                  <a:srgbClr val="4070A0"/>
+                </a:solidFill>
+                <a:latin typeface="Courier"/>
+              </a:rPr>
+              <a:t>:</a:t>
+            </a:r>
+            <a:r>
+              <a:rPr>
+                <a:solidFill>
+                  <a:srgbClr val="40A070"/>
+                </a:solidFill>
+                <a:latin typeface="Courier"/>
+              </a:rPr>
+              <a:t>1e+06</a:t>
+            </a:r>
+            <a:r>
+              <a:rPr>
+                <a:latin typeface="Courier"/>
+              </a:rPr>
+              <a:t>) {</a:t>
+            </a:r>
+            <a:br/>
+            <a:r>
+              <a:rPr>
+                <a:latin typeface="Courier"/>
+              </a:rPr>
+              <a:t>    mass </a:t>
+            </a:r>
+            <a:r>
+              <a:rPr>
+                <a:solidFill>
+                  <a:srgbClr val="007020"/>
+                </a:solidFill>
+                <a:latin typeface="Courier"/>
+              </a:rPr>
+              <a:t>&lt;-</a:t>
+            </a:r>
+            <a:r>
+              <a:rPr>
+                <a:latin typeface="Courier"/>
+              </a:rPr>
+              <a:t> </a:t>
+            </a:r>
+            <a:r>
+              <a:rPr>
+                <a:solidFill>
+                  <a:srgbClr val="06287E"/>
+                </a:solidFill>
+                <a:latin typeface="Courier"/>
+              </a:rPr>
+              <a:t>rnorm</a:t>
+            </a:r>
+            <a:r>
+              <a:rPr>
+                <a:latin typeface="Courier"/>
+              </a:rPr>
+              <a:t>(</a:t>
+            </a:r>
+            <a:r>
+              <a:rPr>
+                <a:solidFill>
+                  <a:srgbClr val="7D9029"/>
+                </a:solidFill>
+                <a:latin typeface="Courier"/>
+              </a:rPr>
+              <a:t>n =</a:t>
+            </a:r>
+            <a:r>
+              <a:rPr>
+                <a:latin typeface="Courier"/>
+              </a:rPr>
+              <a:t> </a:t>
+            </a:r>
+            <a:r>
+              <a:rPr>
+                <a:solidFill>
+                  <a:srgbClr val="40A070"/>
+                </a:solidFill>
+                <a:latin typeface="Courier"/>
+              </a:rPr>
+              <a:t>18</a:t>
+            </a:r>
+            <a:r>
+              <a:rPr>
+                <a:latin typeface="Courier"/>
+              </a:rPr>
+              <a:t>, </a:t>
+            </a:r>
+            <a:r>
+              <a:rPr>
+                <a:solidFill>
+                  <a:srgbClr val="7D9029"/>
+                </a:solidFill>
+                <a:latin typeface="Courier"/>
+              </a:rPr>
+              <a:t>mean =</a:t>
+            </a:r>
+            <a:r>
+              <a:rPr>
+                <a:latin typeface="Courier"/>
+              </a:rPr>
+              <a:t> </a:t>
+            </a:r>
+            <a:r>
+              <a:rPr>
+                <a:solidFill>
+                  <a:srgbClr val="40A070"/>
+                </a:solidFill>
+                <a:latin typeface="Courier"/>
+              </a:rPr>
+              <a:t>10.8</a:t>
+            </a:r>
+            <a:r>
+              <a:rPr>
+                <a:latin typeface="Courier"/>
+              </a:rPr>
+              <a:t>, </a:t>
+            </a:r>
+            <a:r>
+              <a:rPr>
+                <a:solidFill>
+                  <a:srgbClr val="7D9029"/>
+                </a:solidFill>
+                <a:latin typeface="Courier"/>
+              </a:rPr>
+              <a:t>sd =</a:t>
+            </a:r>
+            <a:r>
+              <a:rPr>
+                <a:latin typeface="Courier"/>
+              </a:rPr>
+              <a:t> </a:t>
+            </a:r>
+            <a:r>
+              <a:rPr>
+                <a:solidFill>
+                  <a:srgbClr val="40A070"/>
+                </a:solidFill>
+                <a:latin typeface="Courier"/>
+              </a:rPr>
+              <a:t>0.988</a:t>
+            </a:r>
+            <a:r>
+              <a:rPr>
+                <a:latin typeface="Courier"/>
+              </a:rPr>
+              <a:t>)</a:t>
+            </a:r>
+            <a:br/>
+            <a:r>
+              <a:rPr>
+                <a:latin typeface="Courier"/>
+              </a:rPr>
+              <a:t>    means </a:t>
+            </a:r>
+            <a:r>
+              <a:rPr>
+                <a:solidFill>
+                  <a:srgbClr val="007020"/>
+                </a:solidFill>
+                <a:latin typeface="Courier"/>
+              </a:rPr>
+              <a:t>&lt;-</a:t>
+            </a:r>
+            <a:r>
+              <a:rPr>
+                <a:latin typeface="Courier"/>
+              </a:rPr>
+              <a:t> </a:t>
+            </a:r>
+            <a:r>
+              <a:rPr>
+                <a:solidFill>
+                  <a:srgbClr val="06287E"/>
+                </a:solidFill>
+                <a:latin typeface="Courier"/>
+              </a:rPr>
+              <a:t>c</a:t>
+            </a:r>
+            <a:r>
+              <a:rPr>
+                <a:latin typeface="Courier"/>
+              </a:rPr>
+              <a:t>(means, </a:t>
+            </a:r>
+            <a:r>
+              <a:rPr>
+                <a:solidFill>
+                  <a:srgbClr val="06287E"/>
+                </a:solidFill>
+                <a:latin typeface="Courier"/>
+              </a:rPr>
+              <a:t>mean</a:t>
+            </a:r>
+            <a:r>
+              <a:rPr>
+                <a:latin typeface="Courier"/>
+              </a:rPr>
+              <a:t>(mass))</a:t>
+            </a:r>
+            <a:br/>
+            <a:r>
+              <a:rPr>
+                <a:latin typeface="Courier"/>
+              </a:rPr>
+              <a:t>}</a:t>
+            </a:r>
+            <a:br/>
+            <a:br/>
+            <a:r>
+              <a:rPr i="1">
+                <a:solidFill>
+                  <a:srgbClr val="60A0B0"/>
+                </a:solidFill>
+                <a:latin typeface="Courier"/>
+              </a:rPr>
+              <a:t># The mean of the means</a:t>
+            </a:r>
+            <a:br/>
+            <a:r>
+              <a:rPr>
+                <a:solidFill>
+                  <a:srgbClr val="06287E"/>
+                </a:solidFill>
+                <a:latin typeface="Courier"/>
+              </a:rPr>
+              <a:t>mean</a:t>
+            </a:r>
+            <a:r>
+              <a:rPr>
+                <a:latin typeface="Courier"/>
+              </a:rPr>
+              <a:t>(means)</a:t>
+            </a:r>
+            <a:br/>
+            <a:r>
+              <a:rPr i="1">
+                <a:solidFill>
+                  <a:srgbClr val="60A0B0"/>
+                </a:solidFill>
+                <a:latin typeface="Courier"/>
+              </a:rPr>
+              <a:t># The standard deviation of the means or standard error</a:t>
+            </a:r>
+            <a:br/>
+            <a:r>
+              <a:rPr>
+                <a:solidFill>
+                  <a:srgbClr val="06287E"/>
+                </a:solidFill>
+                <a:latin typeface="Courier"/>
+              </a:rPr>
+              <a:t>sd</a:t>
+            </a:r>
+            <a:r>
+              <a:rPr>
+                <a:latin typeface="Courier"/>
+              </a:rPr>
+              <a:t>(means)</a:t>
             </a:r>
           </a:p>
         </p:txBody>
@@ -5724,7 +7706,7 @@
 </p:sld>
 </file>
 
-<file path=ppt/slides/slide5.xml><?xml version="1.0" encoding="utf-8"?>
+<file path=ppt/slides/slide8.xml><?xml version="1.0" encoding="utf-8"?>
 <p:sld xmlns:a="http://schemas.openxmlformats.org/drawingml/2006/main" xmlns:r="http://schemas.openxmlformats.org/officeDocument/2006/relationships" xmlns:p="http://schemas.openxmlformats.org/presentationml/2006/main">
   <p:cSld>
     <p:spTree>
@@ -5761,7 +7743,7 @@
             </a:pPr>
             <a:r>
               <a:rPr/>
-              <a:t>Back transofrmation</a:t>
+              <a:t>Our analytical calculaton</a:t>
             </a:r>
           </a:p>
         </p:txBody>
@@ -5785,20 +7767,169 @@
               <a:buNone/>
             </a:pPr>
             <a:r>
-              <a:rPr i="1">
-                <a:solidFill>
-                  <a:srgbClr val="60A0B0"/>
-                </a:solidFill>
-                <a:latin typeface="Courier"/>
-              </a:rPr>
-              <a:t># We can easily convert back to r as follows</a:t>
+              <a:rPr>
+                <a:latin typeface="Courier"/>
+              </a:rPr>
+              <a:t>se </a:t>
+            </a:r>
+            <a:r>
+              <a:rPr>
+                <a:solidFill>
+                  <a:srgbClr val="007020"/>
+                </a:solidFill>
+                <a:latin typeface="Courier"/>
+              </a:rPr>
+              <a:t>&lt;-</a:t>
+            </a:r>
+            <a:r>
+              <a:rPr>
+                <a:latin typeface="Courier"/>
+              </a:rPr>
+              <a:t> </a:t>
+            </a:r>
+            <a:r>
+              <a:rPr>
+                <a:solidFill>
+                  <a:srgbClr val="06287E"/>
+                </a:solidFill>
+                <a:latin typeface="Courier"/>
+              </a:rPr>
+              <a:t>sd</a:t>
+            </a:r>
+            <a:r>
+              <a:rPr>
+                <a:latin typeface="Courier"/>
+              </a:rPr>
+              <a:t>(mass)</a:t>
+            </a:r>
+            <a:r>
+              <a:rPr>
+                <a:solidFill>
+                  <a:srgbClr val="4070A0"/>
+                </a:solidFill>
+                <a:latin typeface="Courier"/>
+              </a:rPr>
+              <a:t>/</a:t>
+            </a:r>
+            <a:r>
+              <a:rPr>
+                <a:solidFill>
+                  <a:srgbClr val="06287E"/>
+                </a:solidFill>
+                <a:latin typeface="Courier"/>
+              </a:rPr>
+              <a:t>sqrt</a:t>
+            </a:r>
+            <a:r>
+              <a:rPr>
+                <a:latin typeface="Courier"/>
+              </a:rPr>
+              <a:t>(</a:t>
+            </a:r>
+            <a:r>
+              <a:rPr>
+                <a:solidFill>
+                  <a:srgbClr val="06287E"/>
+                </a:solidFill>
+                <a:latin typeface="Courier"/>
+              </a:rPr>
+              <a:t>length</a:t>
+            </a:r>
+            <a:r>
+              <a:rPr>
+                <a:latin typeface="Courier"/>
+              </a:rPr>
+              <a:t>(mass))</a:t>
             </a:r>
             <a:br/>
             <a:r>
               <a:rPr>
                 <a:latin typeface="Courier"/>
               </a:rPr>
-              <a:t>zr_data</a:t>
+              <a:t>se</a:t>
+            </a:r>
+          </a:p>
+        </p:txBody>
+      </p:sp>
+    </p:spTree>
+  </p:cSld>
+</p:sld>
+</file>
+
+<file path=ppt/slides/slide9.xml><?xml version="1.0" encoding="utf-8"?>
+<p:sld xmlns:a="http://schemas.openxmlformats.org/drawingml/2006/main" xmlns:r="http://schemas.openxmlformats.org/officeDocument/2006/relationships" xmlns:p="http://schemas.openxmlformats.org/presentationml/2006/main">
+  <p:cSld>
+    <p:spTree>
+      <p:nvGrpSpPr>
+        <p:cNvPr id="1" name=""/>
+        <p:cNvGrpSpPr/>
+        <p:nvPr/>
+      </p:nvGrpSpPr>
+      <p:grpSpPr>
+        <a:xfrm>
+          <a:off x="0" y="0"/>
+          <a:ext cx="0" cy="0"/>
+          <a:chOff x="0" y="0"/>
+          <a:chExt cx="0" cy="0"/>
+        </a:xfrm>
+      </p:grpSpPr>
+      <p:sp>
+        <p:nvSpPr>
+          <p:cNvPr id="2" name="Title 1"/>
+          <p:cNvSpPr>
+            <a:spLocks noGrp="1"/>
+          </p:cNvSpPr>
+          <p:nvPr>
+            <p:ph type="title"/>
+          </p:nvPr>
+        </p:nvSpPr>
+        <p:spPr/>
+        <p:txBody>
+          <a:bodyPr/>
+          <a:lstStyle/>
+          <a:p>
+            <a:pPr lvl="0" indent="0" marL="0">
+              <a:buNone/>
+            </a:pPr>
+            <a:r>
+              <a:rPr/>
+              <a:t>Plots</a:t>
+            </a:r>
+          </a:p>
+        </p:txBody>
+      </p:sp>
+      <p:sp>
+        <p:nvSpPr>
+          <p:cNvPr id="3" name="Content Placeholder 2"/>
+          <p:cNvSpPr>
+            <a:spLocks noGrp="1"/>
+          </p:cNvSpPr>
+          <p:nvPr>
+            <p:ph idx="1"/>
+          </p:nvPr>
+        </p:nvSpPr>
+        <p:spPr/>
+        <p:txBody>
+          <a:bodyPr/>
+          <a:lstStyle/>
+          <a:p>
+            <a:pPr lvl="0" indent="0">
+              <a:buNone/>
+            </a:pPr>
+            <a:r>
+              <a:rPr>
+                <a:solidFill>
+                  <a:srgbClr val="06287E"/>
+                </a:solidFill>
+                <a:latin typeface="Courier"/>
+              </a:rPr>
+              <a:t>ggplot</a:t>
+            </a:r>
+            <a:r>
+              <a:rPr>
+                <a:latin typeface="Courier"/>
+              </a:rPr>
+              <a:t>() </a:t>
             </a:r>
             <a:r>
               <a:rPr>
@@ -5807,22 +7938,7 @@
                 </a:solidFill>
                 <a:latin typeface="Courier"/>
               </a:rPr>
-              <a:t>$</a:t>
-            </a:r>
-            <a:r>
-              <a:rPr>
-                <a:latin typeface="Courier"/>
-              </a:rPr>
-              <a:t>r </a:t>
-            </a:r>
-            <a:r>
-              <a:rPr>
-                <a:solidFill>
-                  <a:srgbClr val="007020"/>
-                </a:solidFill>
-                <a:latin typeface="Courier"/>
-              </a:rPr>
-              <a:t>&lt;-</a:t>
+              <a:t>+</a:t>
             </a:r>
             <a:r>
               <a:rPr>
@@ -5837,51 +7953,13 @@
                 </a:solidFill>
                 <a:latin typeface="Courier"/>
               </a:rPr>
-              <a:t>tanh</a:t>
-            </a:r>
-            <a:r>
-              <a:rPr>
-                <a:latin typeface="Courier"/>
-              </a:rPr>
-              <a:t>(zr_data</a:t>
-            </a:r>
-            <a:r>
-              <a:rPr>
-                <a:solidFill>
-                  <a:srgbClr val="4070A0"/>
-                </a:solidFill>
-                <a:latin typeface="Courier"/>
-              </a:rPr>
-              <a:t>$</a:t>
-            </a:r>
-            <a:r>
-              <a:rPr>
-                <a:latin typeface="Courier"/>
-              </a:rPr>
-              <a:t>Zr)</a:t>
-            </a:r>
-            <a:br/>
-            <a:br/>
-            <a:r>
-              <a:rPr>
-                <a:latin typeface="Courier"/>
-              </a:rPr>
-              <a:t>zr_data </a:t>
-            </a:r>
-            <a:r>
-              <a:rPr>
-                <a:solidFill>
-                  <a:srgbClr val="4070A0"/>
-                </a:solidFill>
-                <a:latin typeface="Courier"/>
-              </a:rPr>
-              <a:t>%&gt;%</a:t>
-            </a:r>
-            <a:r>
-              <a:rPr>
-                <a:latin typeface="Courier"/>
-              </a:rPr>
-              <a:t> </a:t>
+              <a:t>geom_histogram</a:t>
+            </a:r>
+            <a:r>
+              <a:rPr>
+                <a:latin typeface="Courier"/>
+              </a:rPr>
+              <a:t>(</a:t>
             </a:r>
             <a:r>
               <a:rPr>
@@ -5890,35 +7968,28 @@
                 </a:solidFill>
                 <a:latin typeface="Courier"/>
               </a:rPr>
-              <a:t>select</a:t>
-            </a:r>
-            <a:r>
-              <a:rPr>
-                <a:latin typeface="Courier"/>
-              </a:rPr>
-              <a:t>(corr_coeff, r)</a:t>
-            </a:r>
-          </a:p>
-          <a:p>
-            <a:pPr lvl="0" indent="0">
-              <a:buNone/>
-            </a:pPr>
-            <a:r>
-              <a:rPr>
-                <a:latin typeface="Courier"/>
-              </a:rPr>
-              <a:t>## 
-##     corr_coeff           r 
-## 1  -0.14300000 -0.14300000 
-## 2   0.05547002  0.05547002 
-## 3  -0.13969969 -0.13969969 
-## 4  -0.40000000 -0.40000000 
-## 5  -0.53000000 -0.53000000 
-## 6   0.87300000  0.87300000 
-## 7   0.06500000  0.06500000 
-## 8   0.01500000  0.01500000 
-## 9   0.17000000  0.17000000 
-## 10 -0.13000000 -0.13000000</a:t>
+              <a:t>aes</a:t>
+            </a:r>
+            <a:r>
+              <a:rPr>
+                <a:latin typeface="Courier"/>
+              </a:rPr>
+              <a:t>(</a:t>
+            </a:r>
+            <a:r>
+              <a:rPr>
+                <a:solidFill>
+                  <a:srgbClr val="7D9029"/>
+                </a:solidFill>
+                <a:latin typeface="Courier"/>
+              </a:rPr>
+              <a:t>x =</a:t>
+            </a:r>
+            <a:r>
+              <a:rPr>
+                <a:latin typeface="Courier"/>
+              </a:rPr>
+              <a:t> means))</a:t>
             </a:r>
           </a:p>
         </p:txBody>

--- a/slides/code_slides.pptx
+++ b/slides/code_slides.pptx
@@ -11,6 +11,19 @@
     <p:sldId id="259" r:id="rId5"/>
     <p:sldId id="260" r:id="rId6"/>
     <p:sldId id="261" r:id="rId7"/>
+    <p:sldId id="262" r:id="rId8"/>
+    <p:sldId id="263" r:id="rId9"/>
+    <p:sldId id="264" r:id="rId10"/>
+    <p:sldId id="265" r:id="rId11"/>
+    <p:sldId id="266" r:id="rId12"/>
+    <p:sldId id="267" r:id="rId13"/>
+    <p:sldId id="268" r:id="rId14"/>
+    <p:sldId id="269" r:id="rId15"/>
+    <p:sldId id="270" r:id="rId16"/>
+    <p:sldId id="271" r:id="rId17"/>
+    <p:sldId id="272" r:id="rId18"/>
+    <p:sldId id="273" r:id="rId19"/>
+    <p:sldId id="274" r:id="rId20"/>
   </p:sldIdLst>
   <p:sldSz cx="9144000" cy="5143500" type="screen16x9"/>
   <p:notesSz cx="6858000" cy="9144000"/>
@@ -3187,7 +3200,7 @@
 </p:sld>
 </file>
 
-<file path=ppt/slides/slide2.xml><?xml version="1.0" encoding="utf-8"?>
+<file path=ppt/slides/slide10.xml><?xml version="1.0" encoding="utf-8"?>
 <p:sld xmlns:a="http://schemas.openxmlformats.org/drawingml/2006/main" xmlns:r="http://schemas.openxmlformats.org/officeDocument/2006/relationships" xmlns:p="http://schemas.openxmlformats.org/presentationml/2006/main">
   <p:cSld>
     <p:spTree>
@@ -3204,1324 +3217,239 @@
           <a:chExt cx="0" cy="0"/>
         </a:xfrm>
       </p:grpSpPr>
-      <mc:AlternateContent xmlns:mc="http://schemas.openxmlformats.org/markup-compatibility/2006">
-        <mc:Choice xmlns:a14="http://schemas.microsoft.com/office/drawing/2010/main" Requires="a14">
-          <p:sp>
-            <p:nvSpPr>
-              <p:cNvPr id="4" name="Text Placeholder 3"/>
-              <p:cNvSpPr>
-                <a:spLocks noGrp="1"/>
-              </p:cNvSpPr>
-              <p:nvPr>
-                <p:ph idx="2" sz="half" type="body"/>
-              </p:nvPr>
-            </p:nvSpPr>
-            <p:spPr/>
-            <p:txBody>
-              <a:bodyPr/>
-              <a:lstStyle/>
-              <a:p>
-                <a:pPr lvl="0" indent="0" marL="0">
-                  <a:spcBef>
-                    <a:spcPts val="3000"/>
-                  </a:spcBef>
-                  <a:buNone/>
-                </a:pPr>
-                <a:r>
-                  <a:rPr b="1"/>
-                  <a:t>Slide with Bullets</a:t>
-                </a:r>
-              </a:p>
-              <a:p>
-                <a:pPr lvl="0"/>
-                <a:r>
-                  <a:rPr/>
-                  <a:t>Bullet 1</a:t>
-                </a:r>
-              </a:p>
-              <a:p>
-                <a:pPr lvl="0"/>
-                <a:r>
-                  <a:rPr/>
-                  <a:t>Bullet 2</a:t>
-                </a:r>
-              </a:p>
-              <a:p>
-                <a:pPr lvl="0"/>
-                <a:r>
-                  <a:rPr/>
-                  <a:t>Bullet 3</a:t>
-                </a:r>
-              </a:p>
-              <a:p>
-                <a:pPr lvl="0" indent="0" marL="0">
-                  <a:buNone/>
-                </a:pPr>
-                <a14:m>
-                  <m:oMathPara xmlns:m="http://schemas.openxmlformats.org/officeDocument/2006/math">
-                    <m:oMathParaPr>
-                      <m:jc m:val="center"/>
-                    </m:oMathParaPr>
-                    <m:oMath>
-                      <m:sSub>
-                        <m:e>
-                          <m:r>
-                            <m:t>y</m:t>
-                          </m:r>
-                        </m:e>
-                        <m:sub>
-                          <m:r>
-                            <m:t>i</m:t>
-                          </m:r>
-                        </m:sub>
-                      </m:sSub>
-                      <m:r>
-                        <m:rPr>
-                          <m:sty m:val="p"/>
-                        </m:rPr>
-                        <m:t>=</m:t>
-                      </m:r>
-                      <m:sSup>
-                        <m:e>
-                          <m:r>
-                            <m:t>x</m:t>
-                          </m:r>
-                        </m:e>
-                        <m:sup>
-                          <m:r>
-                            <m:t>2</m:t>
-                          </m:r>
-                        </m:sup>
-                      </m:sSup>
-                    </m:oMath>
-                  </m:oMathPara>
-                </a14:m>
-              </a:p>
-              <a:p>
-                <a:pPr lvl="0"/>
-                <a:r>
-                  <a:rPr/>
-                  <a:t>Eat eggs</a:t>
-                </a:r>
-              </a:p>
-              <a:p>
-                <a:pPr lvl="0"/>
-                <a:r>
-                  <a:rPr/>
-                  <a:t>Drink coffee</a:t>
-                </a:r>
-              </a:p>
-              <a:p>
-                <a:pPr lvl="0" indent="0" marL="0">
-                  <a:spcBef>
-                    <a:spcPts val="3000"/>
-                  </a:spcBef>
-                  <a:buNone/>
-                </a:pPr>
-                <a:r>
-                  <a:rPr b="1"/>
-                  <a:t>Slide with R Output</a:t>
-                </a:r>
-              </a:p>
-              <a:p>
-                <a:pPr lvl="0" indent="0">
-                  <a:buNone/>
-                </a:pPr>
-                <a:r>
-                  <a:rPr i="1">
-                    <a:solidFill>
-                      <a:srgbClr val="60A0B0"/>
-                    </a:solidFill>
-                    <a:latin typeface="Courier"/>
-                  </a:rPr>
-                  <a:t># LDH activity in 8 C treatment</a:t>
-                </a:r>
-                <a:br/>
-                <a:r>
-                  <a:rPr>
-                    <a:latin typeface="Courier"/>
-                  </a:rPr>
-                  <a:t>trt_8C </a:t>
-                </a:r>
-                <a:r>
-                  <a:rPr>
-                    <a:solidFill>
-                      <a:srgbClr val="007020"/>
-                    </a:solidFill>
-                    <a:latin typeface="Courier"/>
-                  </a:rPr>
-                  <a:t>&lt;-</a:t>
-                </a:r>
-                <a:r>
-                  <a:rPr>
-                    <a:latin typeface="Courier"/>
-                  </a:rPr>
-                  <a:t> </a:t>
-                </a:r>
-                <a:r>
-                  <a:rPr>
-                    <a:solidFill>
-                      <a:srgbClr val="06287E"/>
-                    </a:solidFill>
-                    <a:latin typeface="Courier"/>
-                  </a:rPr>
-                  <a:t>rnorm</a:t>
-                </a:r>
-                <a:r>
-                  <a:rPr>
-                    <a:latin typeface="Courier"/>
-                  </a:rPr>
-                  <a:t>(</a:t>
-                </a:r>
-                <a:r>
-                  <a:rPr>
-                    <a:solidFill>
-                      <a:srgbClr val="40A070"/>
-                    </a:solidFill>
-                    <a:latin typeface="Courier"/>
-                  </a:rPr>
-                  <a:t>10</a:t>
-                </a:r>
-                <a:r>
-                  <a:rPr>
-                    <a:latin typeface="Courier"/>
-                  </a:rPr>
-                  <a:t>, </a:t>
-                </a:r>
-                <a:r>
-                  <a:rPr>
-                    <a:solidFill>
-                      <a:srgbClr val="40A070"/>
-                    </a:solidFill>
-                    <a:latin typeface="Courier"/>
-                  </a:rPr>
-                  <a:t>0.4</a:t>
-                </a:r>
-                <a:r>
-                  <a:rPr>
-                    <a:latin typeface="Courier"/>
-                  </a:rPr>
-                  <a:t>, </a:t>
-                </a:r>
-                <a:r>
-                  <a:rPr>
-                    <a:solidFill>
-                      <a:srgbClr val="40A070"/>
-                    </a:solidFill>
-                    <a:latin typeface="Courier"/>
-                  </a:rPr>
-                  <a:t>0.5</a:t>
-                </a:r>
-                <a:r>
-                  <a:rPr>
-                    <a:latin typeface="Courier"/>
-                  </a:rPr>
-                  <a:t>)</a:t>
-                </a:r>
-                <a:br/>
-                <a:br/>
-                <a:r>
-                  <a:rPr i="1">
-                    <a:solidFill>
-                      <a:srgbClr val="60A0B0"/>
-                    </a:solidFill>
-                    <a:latin typeface="Courier"/>
-                  </a:rPr>
-                  <a:t># LDH activity in 26 C treatment</a:t>
-                </a:r>
-                <a:br/>
-                <a:r>
-                  <a:rPr>
-                    <a:latin typeface="Courier"/>
-                  </a:rPr>
-                  <a:t>trt_26C </a:t>
-                </a:r>
-                <a:r>
-                  <a:rPr>
-                    <a:solidFill>
-                      <a:srgbClr val="007020"/>
-                    </a:solidFill>
-                    <a:latin typeface="Courier"/>
-                  </a:rPr>
-                  <a:t>&lt;-</a:t>
-                </a:r>
-                <a:r>
-                  <a:rPr>
-                    <a:latin typeface="Courier"/>
-                  </a:rPr>
-                  <a:t> </a:t>
-                </a:r>
-                <a:r>
-                  <a:rPr>
-                    <a:solidFill>
-                      <a:srgbClr val="06287E"/>
-                    </a:solidFill>
-                    <a:latin typeface="Courier"/>
-                  </a:rPr>
-                  <a:t>rnorm</a:t>
-                </a:r>
-                <a:r>
-                  <a:rPr>
-                    <a:latin typeface="Courier"/>
-                  </a:rPr>
-                  <a:t>(</a:t>
-                </a:r>
-                <a:r>
-                  <a:rPr>
-                    <a:solidFill>
-                      <a:srgbClr val="40A070"/>
-                    </a:solidFill>
-                    <a:latin typeface="Courier"/>
-                  </a:rPr>
-                  <a:t>10</a:t>
-                </a:r>
-                <a:r>
-                  <a:rPr>
-                    <a:latin typeface="Courier"/>
-                  </a:rPr>
-                  <a:t>, </a:t>
-                </a:r>
-                <a:r>
-                  <a:rPr>
-                    <a:solidFill>
-                      <a:srgbClr val="40A070"/>
-                    </a:solidFill>
-                    <a:latin typeface="Courier"/>
-                  </a:rPr>
-                  <a:t>0.6</a:t>
-                </a:r>
-                <a:r>
-                  <a:rPr>
-                    <a:latin typeface="Courier"/>
-                  </a:rPr>
-                  <a:t>, </a:t>
-                </a:r>
-                <a:r>
-                  <a:rPr>
-                    <a:solidFill>
-                      <a:srgbClr val="40A070"/>
-                    </a:solidFill>
-                    <a:latin typeface="Courier"/>
-                  </a:rPr>
-                  <a:t>0.2</a:t>
-                </a:r>
-                <a:r>
-                  <a:rPr>
-                    <a:latin typeface="Courier"/>
-                  </a:rPr>
-                  <a:t>)</a:t>
-                </a:r>
-                <a:br/>
-                <a:br/>
-                <a:r>
-                  <a:rPr i="1">
-                    <a:solidFill>
-                      <a:srgbClr val="60A0B0"/>
-                    </a:solidFill>
-                    <a:latin typeface="Courier"/>
-                  </a:rPr>
-                  <a:t># What's the difference, i.e., effect size, between treatments?</a:t>
-                </a:r>
-                <a:br/>
-                <a:r>
-                  <a:rPr>
-                    <a:solidFill>
-                      <a:srgbClr val="06287E"/>
-                    </a:solidFill>
-                    <a:latin typeface="Courier"/>
-                  </a:rPr>
-                  <a:t>mean</a:t>
-                </a:r>
-                <a:r>
-                  <a:rPr>
-                    <a:latin typeface="Courier"/>
-                  </a:rPr>
-                  <a:t>(trt_26C </a:t>
-                </a:r>
-                <a:r>
-                  <a:rPr>
-                    <a:solidFill>
-                      <a:srgbClr val="4070A0"/>
-                    </a:solidFill>
-                    <a:latin typeface="Courier"/>
-                  </a:rPr>
-                  <a:t>-</a:t>
-                </a:r>
-                <a:r>
-                  <a:rPr>
-                    <a:latin typeface="Courier"/>
-                  </a:rPr>
-                  <a:t> trt_8C)</a:t>
-                </a:r>
-              </a:p>
-              <a:p>
-                <a:pPr lvl="0" indent="0">
-                  <a:buNone/>
-                </a:pPr>
-                <a:r>
-                  <a:rPr>
-                    <a:latin typeface="Courier"/>
-                  </a:rPr>
-                  <a:t>## [1] 0.3264926</a:t>
-                </a:r>
-              </a:p>
-              <a:p>
-                <a:pPr lvl="0" indent="0">
-                  <a:buNone/>
-                </a:pPr>
-                <a:r>
-                  <a:rPr>
-                    <a:solidFill>
-                      <a:srgbClr val="06287E"/>
-                    </a:solidFill>
-                    <a:latin typeface="Courier"/>
-                  </a:rPr>
-                  <a:t>t.test</a:t>
-                </a:r>
-                <a:r>
-                  <a:rPr>
-                    <a:latin typeface="Courier"/>
-                  </a:rPr>
-                  <a:t>(trt_26C, trt_8C)</a:t>
-                </a:r>
-              </a:p>
-              <a:p>
-                <a:pPr lvl="0" indent="0">
-                  <a:buNone/>
-                </a:pPr>
-                <a:r>
-                  <a:rPr>
-                    <a:latin typeface="Courier"/>
-                  </a:rPr>
-                  <a:t>## 
-##  Welch Two Sample t-test
-## 
-## data:  trt_26C and trt_8C
-## t = 1.9077, df = 10.949, p-value = 0.08298
-## alternative hypothesis: true difference in means is not equal to 0
-## 95 percent confidence interval:
-##  -0.05040154  0.70338667
-## sample estimates:
-## mean of x mean of y 
-## 0.6875036 0.3610110</a:t>
-                </a:r>
-              </a:p>
-              <a:p>
-                <a:pPr lvl="0" indent="0" marL="0">
-                  <a:spcBef>
-                    <a:spcPts val="3000"/>
-                  </a:spcBef>
-                  <a:buNone/>
-                </a:pPr>
-                <a:r>
-                  <a:rPr b="1"/>
-                  <a:t>Do 1000s of experiments</a:t>
-                </a:r>
-              </a:p>
-              <a:p>
-                <a:pPr lvl="0" indent="0">
-                  <a:buNone/>
-                </a:pPr>
-                <a:r>
-                  <a:rPr>
-                    <a:latin typeface="Courier"/>
-                  </a:rPr>
-                  <a:t>experiment </a:t>
-                </a:r>
-                <a:r>
-                  <a:rPr>
-                    <a:solidFill>
-                      <a:srgbClr val="007020"/>
-                    </a:solidFill>
-                    <a:latin typeface="Courier"/>
-                  </a:rPr>
-                  <a:t>&lt;-</a:t>
-                </a:r>
-                <a:r>
-                  <a:rPr>
-                    <a:latin typeface="Courier"/>
-                  </a:rPr>
-                  <a:t> </a:t>
-                </a:r>
-                <a:r>
-                  <a:rPr b="1">
-                    <a:solidFill>
-                      <a:srgbClr val="007020"/>
-                    </a:solidFill>
-                    <a:latin typeface="Courier"/>
-                  </a:rPr>
-                  <a:t>function</a:t>
-                </a:r>
-                <a:r>
-                  <a:rPr>
-                    <a:latin typeface="Courier"/>
-                  </a:rPr>
-                  <a:t>(times) {</a:t>
-                </a:r>
-                <a:br/>
-                <a:br/>
-                <a:r>
-                  <a:rPr>
-                    <a:latin typeface="Courier"/>
-                  </a:rPr>
-                  <a:t>    dat </a:t>
-                </a:r>
-                <a:r>
-                  <a:rPr>
-                    <a:solidFill>
-                      <a:srgbClr val="007020"/>
-                    </a:solidFill>
-                    <a:latin typeface="Courier"/>
-                  </a:rPr>
-                  <a:t>&lt;-</a:t>
-                </a:r>
-                <a:r>
-                  <a:rPr>
-                    <a:latin typeface="Courier"/>
-                  </a:rPr>
-                  <a:t> </a:t>
-                </a:r>
-                <a:r>
-                  <a:rPr>
-                    <a:solidFill>
-                      <a:srgbClr val="06287E"/>
-                    </a:solidFill>
-                    <a:latin typeface="Courier"/>
-                  </a:rPr>
-                  <a:t>data.frame</a:t>
-                </a:r>
-                <a:r>
-                  <a:rPr>
-                    <a:latin typeface="Courier"/>
-                  </a:rPr>
-                  <a:t>(</a:t>
-                </a:r>
-                <a:r>
-                  <a:rPr>
-                    <a:solidFill>
-                      <a:srgbClr val="06287E"/>
-                    </a:solidFill>
-                    <a:latin typeface="Courier"/>
-                  </a:rPr>
-                  <a:t>matrix</a:t>
-                </a:r>
-                <a:r>
-                  <a:rPr>
-                    <a:latin typeface="Courier"/>
-                  </a:rPr>
-                  <a:t>(</a:t>
-                </a:r>
-                <a:r>
-                  <a:rPr>
-                    <a:solidFill>
-                      <a:srgbClr val="7D9029"/>
-                    </a:solidFill>
-                    <a:latin typeface="Courier"/>
-                  </a:rPr>
-                  <a:t>nrow =</a:t>
-                </a:r>
-                <a:r>
-                  <a:rPr>
-                    <a:latin typeface="Courier"/>
-                  </a:rPr>
-                  <a:t> times, </a:t>
-                </a:r>
-                <a:r>
-                  <a:rPr>
-                    <a:solidFill>
-                      <a:srgbClr val="7D9029"/>
-                    </a:solidFill>
-                    <a:latin typeface="Courier"/>
-                  </a:rPr>
-                  <a:t>ncol =</a:t>
-                </a:r>
-                <a:r>
-                  <a:rPr>
-                    <a:latin typeface="Courier"/>
-                  </a:rPr>
-                  <a:t> </a:t>
-                </a:r>
-                <a:r>
-                  <a:rPr>
-                    <a:solidFill>
-                      <a:srgbClr val="40A070"/>
-                    </a:solidFill>
-                    <a:latin typeface="Courier"/>
-                  </a:rPr>
-                  <a:t>2</a:t>
-                </a:r>
-                <a:r>
-                  <a:rPr>
-                    <a:latin typeface="Courier"/>
-                  </a:rPr>
-                  <a:t>))</a:t>
-                </a:r>
-                <a:br/>
-                <a:br/>
-                <a:r>
-                  <a:rPr>
-                    <a:latin typeface="Courier"/>
-                  </a:rPr>
-                  <a:t>    </a:t>
-                </a:r>
-                <a:r>
-                  <a:rPr b="1">
-                    <a:solidFill>
-                      <a:srgbClr val="007020"/>
-                    </a:solidFill>
-                    <a:latin typeface="Courier"/>
-                  </a:rPr>
-                  <a:t>for</a:t>
-                </a:r>
-                <a:r>
-                  <a:rPr>
-                    <a:latin typeface="Courier"/>
-                  </a:rPr>
-                  <a:t> (i </a:t>
-                </a:r>
-                <a:r>
-                  <a:rPr b="1">
-                    <a:solidFill>
-                      <a:srgbClr val="007020"/>
-                    </a:solidFill>
-                    <a:latin typeface="Courier"/>
-                  </a:rPr>
-                  <a:t>in</a:t>
-                </a:r>
-                <a:r>
-                  <a:rPr>
-                    <a:latin typeface="Courier"/>
-                  </a:rPr>
-                  <a:t> </a:t>
-                </a:r>
-                <a:r>
-                  <a:rPr>
-                    <a:solidFill>
-                      <a:srgbClr val="40A070"/>
-                    </a:solidFill>
-                    <a:latin typeface="Courier"/>
-                  </a:rPr>
-                  <a:t>1</a:t>
-                </a:r>
-                <a:r>
-                  <a:rPr>
-                    <a:solidFill>
-                      <a:srgbClr val="4070A0"/>
-                    </a:solidFill>
-                    <a:latin typeface="Courier"/>
-                  </a:rPr>
-                  <a:t>:</a:t>
-                </a:r>
-                <a:r>
-                  <a:rPr>
-                    <a:latin typeface="Courier"/>
-                  </a:rPr>
-                  <a:t>times) {</a:t>
-                </a:r>
-                <a:br/>
-                <a:r>
-                  <a:rPr>
-                    <a:latin typeface="Courier"/>
-                  </a:rPr>
-                  <a:t>        </a:t>
-                </a:r>
-                <a:r>
-                  <a:rPr i="1">
-                    <a:solidFill>
-                      <a:srgbClr val="60A0B0"/>
-                    </a:solidFill>
-                    <a:latin typeface="Courier"/>
-                  </a:rPr>
-                  <a:t># LDH activity in 8 C treatment</a:t>
-                </a:r>
-                <a:br/>
-                <a:r>
-                  <a:rPr>
-                    <a:latin typeface="Courier"/>
-                  </a:rPr>
-                  <a:t>        trt_8C </a:t>
-                </a:r>
-                <a:r>
-                  <a:rPr>
-                    <a:solidFill>
-                      <a:srgbClr val="007020"/>
-                    </a:solidFill>
-                    <a:latin typeface="Courier"/>
-                  </a:rPr>
-                  <a:t>&lt;-</a:t>
-                </a:r>
-                <a:r>
-                  <a:rPr>
-                    <a:latin typeface="Courier"/>
-                  </a:rPr>
-                  <a:t> </a:t>
-                </a:r>
-                <a:r>
-                  <a:rPr>
-                    <a:solidFill>
-                      <a:srgbClr val="06287E"/>
-                    </a:solidFill>
-                    <a:latin typeface="Courier"/>
-                  </a:rPr>
-                  <a:t>rnorm</a:t>
-                </a:r>
-                <a:r>
-                  <a:rPr>
-                    <a:latin typeface="Courier"/>
-                  </a:rPr>
-                  <a:t>(</a:t>
-                </a:r>
-                <a:r>
-                  <a:rPr>
-                    <a:solidFill>
-                      <a:srgbClr val="40A070"/>
-                    </a:solidFill>
-                    <a:latin typeface="Courier"/>
-                  </a:rPr>
-                  <a:t>10</a:t>
-                </a:r>
-                <a:r>
-                  <a:rPr>
-                    <a:latin typeface="Courier"/>
-                  </a:rPr>
-                  <a:t>, </a:t>
-                </a:r>
-                <a:r>
-                  <a:rPr>
-                    <a:solidFill>
-                      <a:srgbClr val="40A070"/>
-                    </a:solidFill>
-                    <a:latin typeface="Courier"/>
-                  </a:rPr>
-                  <a:t>0.4</a:t>
-                </a:r>
-                <a:r>
-                  <a:rPr>
-                    <a:latin typeface="Courier"/>
-                  </a:rPr>
-                  <a:t>, </a:t>
-                </a:r>
-                <a:r>
-                  <a:rPr>
-                    <a:solidFill>
-                      <a:srgbClr val="40A070"/>
-                    </a:solidFill>
-                    <a:latin typeface="Courier"/>
-                  </a:rPr>
-                  <a:t>0.5</a:t>
-                </a:r>
-                <a:r>
-                  <a:rPr>
-                    <a:latin typeface="Courier"/>
-                  </a:rPr>
-                  <a:t>)</a:t>
-                </a:r>
-                <a:br/>
-                <a:br/>
-                <a:r>
-                  <a:rPr>
-                    <a:latin typeface="Courier"/>
-                  </a:rPr>
-                  <a:t>        </a:t>
-                </a:r>
-                <a:r>
-                  <a:rPr i="1">
-                    <a:solidFill>
-                      <a:srgbClr val="60A0B0"/>
-                    </a:solidFill>
-                    <a:latin typeface="Courier"/>
-                  </a:rPr>
-                  <a:t># LDH activity in 26 C treatment</a:t>
-                </a:r>
-                <a:br/>
-                <a:r>
-                  <a:rPr>
-                    <a:latin typeface="Courier"/>
-                  </a:rPr>
-                  <a:t>        trt_26C </a:t>
-                </a:r>
-                <a:r>
-                  <a:rPr>
-                    <a:solidFill>
-                      <a:srgbClr val="007020"/>
-                    </a:solidFill>
-                    <a:latin typeface="Courier"/>
-                  </a:rPr>
-                  <a:t>&lt;-</a:t>
-                </a:r>
-                <a:r>
-                  <a:rPr>
-                    <a:latin typeface="Courier"/>
-                  </a:rPr>
-                  <a:t> </a:t>
-                </a:r>
-                <a:r>
-                  <a:rPr>
-                    <a:solidFill>
-                      <a:srgbClr val="06287E"/>
-                    </a:solidFill>
-                    <a:latin typeface="Courier"/>
-                  </a:rPr>
-                  <a:t>rnorm</a:t>
-                </a:r>
-                <a:r>
-                  <a:rPr>
-                    <a:latin typeface="Courier"/>
-                  </a:rPr>
-                  <a:t>(</a:t>
-                </a:r>
-                <a:r>
-                  <a:rPr>
-                    <a:solidFill>
-                      <a:srgbClr val="40A070"/>
-                    </a:solidFill>
-                    <a:latin typeface="Courier"/>
-                  </a:rPr>
-                  <a:t>10</a:t>
-                </a:r>
-                <a:r>
-                  <a:rPr>
-                    <a:latin typeface="Courier"/>
-                  </a:rPr>
-                  <a:t>, </a:t>
-                </a:r>
-                <a:r>
-                  <a:rPr>
-                    <a:solidFill>
-                      <a:srgbClr val="40A070"/>
-                    </a:solidFill>
-                    <a:latin typeface="Courier"/>
-                  </a:rPr>
-                  <a:t>0.6</a:t>
-                </a:r>
-                <a:r>
-                  <a:rPr>
-                    <a:latin typeface="Courier"/>
-                  </a:rPr>
-                  <a:t>, </a:t>
-                </a:r>
-                <a:r>
-                  <a:rPr>
-                    <a:solidFill>
-                      <a:srgbClr val="40A070"/>
-                    </a:solidFill>
-                    <a:latin typeface="Courier"/>
-                  </a:rPr>
-                  <a:t>0.2</a:t>
-                </a:r>
-                <a:r>
-                  <a:rPr>
-                    <a:latin typeface="Courier"/>
-                  </a:rPr>
-                  <a:t>)</a:t>
-                </a:r>
-                <a:br/>
-                <a:br/>
-                <a:r>
-                  <a:rPr>
-                    <a:latin typeface="Courier"/>
-                  </a:rPr>
-                  <a:t>        </a:t>
-                </a:r>
-                <a:r>
-                  <a:rPr i="1">
-                    <a:solidFill>
-                      <a:srgbClr val="60A0B0"/>
-                    </a:solidFill>
-                    <a:latin typeface="Courier"/>
-                  </a:rPr>
-                  <a:t># What's the difference, i.e., effect size, between treatments?</a:t>
-                </a:r>
-                <a:br/>
-                <a:r>
-                  <a:rPr>
-                    <a:latin typeface="Courier"/>
-                  </a:rPr>
-                  <a:t>        dat[i, </a:t>
-                </a:r>
-                <a:r>
-                  <a:rPr>
-                    <a:solidFill>
-                      <a:srgbClr val="40A070"/>
-                    </a:solidFill>
-                    <a:latin typeface="Courier"/>
-                  </a:rPr>
-                  <a:t>1</a:t>
-                </a:r>
-                <a:r>
-                  <a:rPr>
-                    <a:latin typeface="Courier"/>
-                  </a:rPr>
-                  <a:t>] </a:t>
-                </a:r>
-                <a:r>
-                  <a:rPr>
-                    <a:solidFill>
-                      <a:srgbClr val="007020"/>
-                    </a:solidFill>
-                    <a:latin typeface="Courier"/>
-                  </a:rPr>
-                  <a:t>&lt;-</a:t>
-                </a:r>
-                <a:r>
-                  <a:rPr>
-                    <a:latin typeface="Courier"/>
-                  </a:rPr>
-                  <a:t> </a:t>
-                </a:r>
-                <a:r>
-                  <a:rPr>
-                    <a:solidFill>
-                      <a:srgbClr val="06287E"/>
-                    </a:solidFill>
-                    <a:latin typeface="Courier"/>
-                  </a:rPr>
-                  <a:t>mean</a:t>
-                </a:r>
-                <a:r>
-                  <a:rPr>
-                    <a:latin typeface="Courier"/>
-                  </a:rPr>
-                  <a:t>(trt_26C </a:t>
-                </a:r>
-                <a:r>
-                  <a:rPr>
-                    <a:solidFill>
-                      <a:srgbClr val="4070A0"/>
-                    </a:solidFill>
-                    <a:latin typeface="Courier"/>
-                  </a:rPr>
-                  <a:t>-</a:t>
-                </a:r>
-                <a:r>
-                  <a:rPr>
-                    <a:latin typeface="Courier"/>
-                  </a:rPr>
-                  <a:t> trt_8C)</a:t>
-                </a:r>
-                <a:br/>
-                <a:r>
-                  <a:rPr>
-                    <a:latin typeface="Courier"/>
-                  </a:rPr>
-                  <a:t>        dat[i, </a:t>
-                </a:r>
-                <a:r>
-                  <a:rPr>
-                    <a:solidFill>
-                      <a:srgbClr val="40A070"/>
-                    </a:solidFill>
-                    <a:latin typeface="Courier"/>
-                  </a:rPr>
-                  <a:t>2</a:t>
-                </a:r>
-                <a:r>
-                  <a:rPr>
-                    <a:latin typeface="Courier"/>
-                  </a:rPr>
-                  <a:t>] </a:t>
-                </a:r>
-                <a:r>
-                  <a:rPr>
-                    <a:solidFill>
-                      <a:srgbClr val="007020"/>
-                    </a:solidFill>
-                    <a:latin typeface="Courier"/>
-                  </a:rPr>
-                  <a:t>&lt;-</a:t>
-                </a:r>
-                <a:r>
-                  <a:rPr>
-                    <a:latin typeface="Courier"/>
-                  </a:rPr>
-                  <a:t> </a:t>
-                </a:r>
-                <a:r>
-                  <a:rPr>
-                    <a:solidFill>
-                      <a:srgbClr val="06287E"/>
-                    </a:solidFill>
-                    <a:latin typeface="Courier"/>
-                  </a:rPr>
-                  <a:t>t.test</a:t>
-                </a:r>
-                <a:r>
-                  <a:rPr>
-                    <a:latin typeface="Courier"/>
-                  </a:rPr>
-                  <a:t>(trt_26C, trt_8C)</a:t>
-                </a:r>
-                <a:r>
-                  <a:rPr>
-                    <a:solidFill>
-                      <a:srgbClr val="4070A0"/>
-                    </a:solidFill>
-                    <a:latin typeface="Courier"/>
-                  </a:rPr>
-                  <a:t>$</a:t>
-                </a:r>
-                <a:r>
-                  <a:rPr>
-                    <a:latin typeface="Courier"/>
-                  </a:rPr>
-                  <a:t>p.value</a:t>
-                </a:r>
-                <a:br/>
-                <a:br/>
-                <a:r>
-                  <a:rPr>
-                    <a:latin typeface="Courier"/>
-                  </a:rPr>
-                  <a:t>    }</a:t>
-                </a:r>
-                <a:br/>
-                <a:r>
-                  <a:rPr>
-                    <a:latin typeface="Courier"/>
-                  </a:rPr>
-                  <a:t>    </a:t>
-                </a:r>
-                <a:r>
-                  <a:rPr>
-                    <a:solidFill>
-                      <a:srgbClr val="06287E"/>
-                    </a:solidFill>
-                    <a:latin typeface="Courier"/>
-                  </a:rPr>
-                  <a:t>names</a:t>
-                </a:r>
-                <a:r>
-                  <a:rPr>
-                    <a:latin typeface="Courier"/>
-                  </a:rPr>
-                  <a:t>(dat) </a:t>
-                </a:r>
-                <a:r>
-                  <a:rPr>
-                    <a:solidFill>
-                      <a:srgbClr val="007020"/>
-                    </a:solidFill>
-                    <a:latin typeface="Courier"/>
-                  </a:rPr>
-                  <a:t>&lt;-</a:t>
-                </a:r>
-                <a:r>
-                  <a:rPr>
-                    <a:latin typeface="Courier"/>
-                  </a:rPr>
-                  <a:t> </a:t>
-                </a:r>
-                <a:r>
-                  <a:rPr>
-                    <a:solidFill>
-                      <a:srgbClr val="06287E"/>
-                    </a:solidFill>
-                    <a:latin typeface="Courier"/>
-                  </a:rPr>
-                  <a:t>c</a:t>
-                </a:r>
-                <a:r>
-                  <a:rPr>
-                    <a:latin typeface="Courier"/>
-                  </a:rPr>
-                  <a:t>(</a:t>
-                </a:r>
-                <a:r>
-                  <a:rPr>
-                    <a:solidFill>
-                      <a:srgbClr val="4070A0"/>
-                    </a:solidFill>
-                    <a:latin typeface="Courier"/>
-                  </a:rPr>
-                  <a:t>"effect"</a:t>
-                </a:r>
-                <a:r>
-                  <a:rPr>
-                    <a:latin typeface="Courier"/>
-                  </a:rPr>
-                  <a:t>, </a:t>
-                </a:r>
-                <a:r>
-                  <a:rPr>
-                    <a:solidFill>
-                      <a:srgbClr val="4070A0"/>
-                    </a:solidFill>
-                    <a:latin typeface="Courier"/>
-                  </a:rPr>
-                  <a:t>"p"</a:t>
-                </a:r>
-                <a:r>
-                  <a:rPr>
-                    <a:latin typeface="Courier"/>
-                  </a:rPr>
-                  <a:t>)</a:t>
-                </a:r>
-                <a:br/>
-                <a:r>
-                  <a:rPr>
-                    <a:latin typeface="Courier"/>
-                  </a:rPr>
-                  <a:t>    </a:t>
-                </a:r>
-                <a:r>
-                  <a:rPr>
-                    <a:solidFill>
-                      <a:srgbClr val="06287E"/>
-                    </a:solidFill>
-                    <a:latin typeface="Courier"/>
-                  </a:rPr>
-                  <a:t>return</a:t>
-                </a:r>
-                <a:r>
-                  <a:rPr>
-                    <a:latin typeface="Courier"/>
-                  </a:rPr>
-                  <a:t>(dat)</a:t>
-                </a:r>
-                <a:br/>
-                <a:r>
-                  <a:rPr>
-                    <a:latin typeface="Courier"/>
-                  </a:rPr>
-                  <a:t>}</a:t>
-                </a:r>
-                <a:br/>
-                <a:br/>
-                <a:r>
-                  <a:rPr>
-                    <a:latin typeface="Courier"/>
-                  </a:rPr>
-                  <a:t>expts </a:t>
-                </a:r>
-                <a:r>
-                  <a:rPr>
-                    <a:solidFill>
-                      <a:srgbClr val="007020"/>
-                    </a:solidFill>
-                    <a:latin typeface="Courier"/>
-                  </a:rPr>
-                  <a:t>&lt;-</a:t>
-                </a:r>
-                <a:r>
-                  <a:rPr>
-                    <a:latin typeface="Courier"/>
-                  </a:rPr>
-                  <a:t> </a:t>
-                </a:r>
-                <a:r>
-                  <a:rPr>
-                    <a:solidFill>
-                      <a:srgbClr val="06287E"/>
-                    </a:solidFill>
-                    <a:latin typeface="Courier"/>
-                  </a:rPr>
-                  <a:t>experiment</a:t>
-                </a:r>
-                <a:r>
-                  <a:rPr>
-                    <a:latin typeface="Courier"/>
-                  </a:rPr>
-                  <a:t>(</a:t>
-                </a:r>
-                <a:r>
-                  <a:rPr>
-                    <a:solidFill>
-                      <a:srgbClr val="40A070"/>
-                    </a:solidFill>
-                    <a:latin typeface="Courier"/>
-                  </a:rPr>
-                  <a:t>10000</a:t>
-                </a:r>
-                <a:r>
-                  <a:rPr>
-                    <a:latin typeface="Courier"/>
-                  </a:rPr>
-                  <a:t>)</a:t>
-                </a:r>
-              </a:p>
-              <a:p>
-                <a:pPr lvl="0" indent="0" marL="0">
-                  <a:spcBef>
-                    <a:spcPts val="3000"/>
-                  </a:spcBef>
-                  <a:buNone/>
-                </a:pPr>
-                <a:r>
-                  <a:rPr b="1"/>
-                  <a:t>Figure</a:t>
-                </a:r>
-              </a:p>
-            </p:txBody>
-          </p:sp>
-        </mc:Choice>
-      </mc:AlternateContent>
-      <p:pic>
-        <p:nvPicPr>
-          <p:cNvPr descr="code_slides_files/figure-pptx/simfig-1.png" id="0" name="Picture 1"/>
-          <p:cNvPicPr>
-            <a:picLocks noGrp="1" noChangeAspect="1"/>
-          </p:cNvPicPr>
-          <p:nvPr/>
-        </p:nvPicPr>
-        <p:blipFill>
-          <a:blip r:embed="rId2"/>
-          <a:stretch>
-            <a:fillRect/>
-          </a:stretch>
-        </p:blipFill>
-        <p:spPr bwMode="auto">
-          <a:xfrm>
-            <a:off x="3568700" y="355600"/>
-            <a:ext cx="5105400" cy="4089400"/>
-          </a:xfrm>
-          <a:prstGeom prst="rect">
-            <a:avLst/>
-          </a:prstGeom>
-          <a:noFill/>
-          <a:ln w="9525">
-            <a:noFill/>
-            <a:headEnd/>
-            <a:tailEnd/>
-          </a:ln>
-        </p:spPr>
-      </p:pic>
+      <p:sp>
+        <p:nvSpPr>
+          <p:cNvPr id="2" name="Title 1"/>
+          <p:cNvSpPr>
+            <a:spLocks noGrp="1"/>
+          </p:cNvSpPr>
+          <p:nvPr>
+            <p:ph type="title"/>
+          </p:nvPr>
+        </p:nvSpPr>
+        <p:spPr/>
+        <p:txBody>
+          <a:bodyPr/>
+          <a:lstStyle/>
+          <a:p>
+            <a:pPr lvl="0" indent="0" marL="0">
+              <a:buNone/>
+            </a:pPr>
+            <a:r>
+              <a:rPr/>
+              <a:t>Zr</a:t>
+            </a:r>
+          </a:p>
+        </p:txBody>
+      </p:sp>
+      <p:sp>
+        <p:nvSpPr>
+          <p:cNvPr id="3" name="Content Placeholder 2"/>
+          <p:cNvSpPr>
+            <a:spLocks noGrp="1"/>
+          </p:cNvSpPr>
+          <p:nvPr>
+            <p:ph idx="1"/>
+          </p:nvPr>
+        </p:nvSpPr>
+        <p:spPr/>
+        <p:txBody>
+          <a:bodyPr/>
+          <a:lstStyle/>
+          <a:p>
+            <a:pPr lvl="0" indent="0">
+              <a:buNone/>
+            </a:pPr>
+            <a:r>
+              <a:rPr>
+                <a:latin typeface="Courier"/>
+              </a:rPr>
+              <a:t>zr_data </a:t>
+            </a:r>
+            <a:r>
+              <a:rPr>
+                <a:solidFill>
+                  <a:srgbClr val="007020"/>
+                </a:solidFill>
+                <a:latin typeface="Courier"/>
+              </a:rPr>
+              <a:t>&lt;-</a:t>
+            </a:r>
+            <a:r>
+              <a:rPr>
+                <a:latin typeface="Courier"/>
+              </a:rPr>
+              <a:t> </a:t>
+            </a:r>
+            <a:r>
+              <a:rPr>
+                <a:solidFill>
+                  <a:srgbClr val="06287E"/>
+                </a:solidFill>
+                <a:latin typeface="Courier"/>
+              </a:rPr>
+              <a:t>read.csv</a:t>
+            </a:r>
+            <a:r>
+              <a:rPr>
+                <a:latin typeface="Courier"/>
+              </a:rPr>
+              <a:t>(</a:t>
+            </a:r>
+            <a:r>
+              <a:rPr>
+                <a:solidFill>
+                  <a:srgbClr val="4070A0"/>
+                </a:solidFill>
+                <a:latin typeface="Courier"/>
+              </a:rPr>
+              <a:t>"https://raw.githubusercontent.com/daniel1noble/meta-workshop/gh-pages/data/ind_disp_raw_data.csv"</a:t>
+            </a:r>
+            <a:r>
+              <a:rPr>
+                <a:latin typeface="Courier"/>
+              </a:rPr>
+              <a:t>) </a:t>
+            </a:r>
+            <a:r>
+              <a:rPr>
+                <a:solidFill>
+                  <a:srgbClr val="4070A0"/>
+                </a:solidFill>
+                <a:latin typeface="Courier"/>
+              </a:rPr>
+              <a:t>%&gt;%</a:t>
+            </a:r>
+            <a:br/>
+            <a:r>
+              <a:rPr>
+                <a:latin typeface="Courier"/>
+              </a:rPr>
+              <a:t>  dplyr</a:t>
+            </a:r>
+            <a:r>
+              <a:rPr>
+                <a:solidFill>
+                  <a:srgbClr val="4070A0"/>
+                </a:solidFill>
+                <a:latin typeface="Courier"/>
+              </a:rPr>
+              <a:t>::</a:t>
+            </a:r>
+            <a:r>
+              <a:rPr>
+                <a:solidFill>
+                  <a:srgbClr val="06287E"/>
+                </a:solidFill>
+                <a:latin typeface="Courier"/>
+              </a:rPr>
+              <a:t>select</a:t>
+            </a:r>
+            <a:r>
+              <a:rPr>
+                <a:latin typeface="Courier"/>
+              </a:rPr>
+              <a:t>(study_ID, taxa, species, trait, response, response_unit, disp_trait, disp_unit, corr_coeff, sample_size) </a:t>
+            </a:r>
+            <a:r>
+              <a:rPr>
+                <a:solidFill>
+                  <a:srgbClr val="4070A0"/>
+                </a:solidFill>
+                <a:latin typeface="Courier"/>
+              </a:rPr>
+              <a:t>%&gt;%</a:t>
+            </a:r>
+            <a:r>
+              <a:rPr>
+                <a:latin typeface="Courier"/>
+              </a:rPr>
+              <a:t> </a:t>
+            </a:r>
+            <a:r>
+              <a:rPr i="1">
+                <a:solidFill>
+                  <a:srgbClr val="60A0B0"/>
+                </a:solidFill>
+                <a:latin typeface="Courier"/>
+              </a:rPr>
+              <a:t># remove irrelevant columns for this tutorial</a:t>
+            </a:r>
+            <a:br/>
+            <a:r>
+              <a:rPr>
+                <a:latin typeface="Courier"/>
+              </a:rPr>
+              <a:t>  dplyr</a:t>
+            </a:r>
+            <a:r>
+              <a:rPr>
+                <a:solidFill>
+                  <a:srgbClr val="4070A0"/>
+                </a:solidFill>
+                <a:latin typeface="Courier"/>
+              </a:rPr>
+              <a:t>::</a:t>
+            </a:r>
+            <a:r>
+              <a:rPr>
+                <a:solidFill>
+                  <a:srgbClr val="06287E"/>
+                </a:solidFill>
+                <a:latin typeface="Courier"/>
+              </a:rPr>
+              <a:t>top_n</a:t>
+            </a:r>
+            <a:r>
+              <a:rPr>
+                <a:latin typeface="Courier"/>
+              </a:rPr>
+              <a:t>(</a:t>
+            </a:r>
+            <a:r>
+              <a:rPr>
+                <a:solidFill>
+                  <a:srgbClr val="40A070"/>
+                </a:solidFill>
+                <a:latin typeface="Courier"/>
+              </a:rPr>
+              <a:t>10</a:t>
+            </a:r>
+            <a:r>
+              <a:rPr>
+                <a:latin typeface="Courier"/>
+              </a:rPr>
+              <a:t>) </a:t>
+            </a:r>
+            <a:r>
+              <a:rPr i="1">
+                <a:solidFill>
+                  <a:srgbClr val="60A0B0"/>
+                </a:solidFill>
+                <a:latin typeface="Courier"/>
+              </a:rPr>
+              <a:t># select first 10 effect sizes to illustrate escalc function</a:t>
+            </a:r>
+          </a:p>
+          <a:p>
+            <a:pPr lvl="0" indent="0">
+              <a:buNone/>
+            </a:pPr>
+            <a:r>
+              <a:rPr>
+                <a:latin typeface="Courier"/>
+              </a:rPr>
+              <a:t>## Selecting by sample_size</a:t>
+            </a:r>
+          </a:p>
+        </p:txBody>
+      </p:sp>
     </p:spTree>
   </p:cSld>
-  <p:timing>
-    <p:tnLst>
-      <p:par>
-        <p:cTn id="1" dur="indefinite" restart="never" nodeType="tmRoot">
-          <p:childTnLst>
-            <p:seq concurrent="1" nextAc="seek">
-              <p:cTn id="2" dur="indefinite" nodeType="mainSeq">
-                <p:childTnLst>
-                  <p:par>
-                    <p:cTn id="3" fill="hold">
-                      <p:stCondLst>
-                        <p:cond delay="indefinite"/>
-                      </p:stCondLst>
-                      <p:childTnLst>
-                        <p:par>
-                          <p:cTn id="4" fill="hold">
-                            <p:stCondLst>
-                              <p:cond delay="0"/>
-                            </p:stCondLst>
-                            <p:childTnLst>
-                              <p:par>
-                                <p:cTn id="5" presetID="1" presetClass="entr" presetSubtype="0" fill="hold" grpId="0" nodeType="clickEffect">
-                                  <p:stCondLst>
-                                    <p:cond delay="0"/>
-                                  </p:stCondLst>
-                                  <p:childTnLst>
-                                    <p:set>
-                                      <p:cBhvr>
-                                        <p:cTn id="6" dur="1" fill="hold">
-                                          <p:stCondLst>
-                                            <p:cond delay="0"/>
-                                          </p:stCondLst>
-                                        </p:cTn>
-                                        <p:tgtEl>
-                                          <p:spTgt spid="4">
-                                            <p:txEl>
-                                              <p:pRg st="5" end="5"/>
-                                            </p:txEl>
-                                          </p:spTgt>
-                                        </p:tgtEl>
-                                        <p:attrNameLst>
-                                          <p:attrName>style.visibility</p:attrName>
-                                        </p:attrNameLst>
-                                      </p:cBhvr>
-                                      <p:to>
-                                        <p:strVal val="visible"/>
-                                      </p:to>
-                                    </p:set>
-                                  </p:childTnLst>
-                                </p:cTn>
-                              </p:par>
-                            </p:childTnLst>
-                          </p:cTn>
-                        </p:par>
-                      </p:childTnLst>
-                    </p:cTn>
-                  </p:par>
-                  <p:par>
-                    <p:cTn id="7" fill="hold">
-                      <p:stCondLst>
-                        <p:cond delay="indefinite"/>
-                      </p:stCondLst>
-                      <p:childTnLst>
-                        <p:par>
-                          <p:cTn id="8" fill="hold">
-                            <p:stCondLst>
-                              <p:cond delay="0"/>
-                            </p:stCondLst>
-                            <p:childTnLst>
-                              <p:par>
-                                <p:cTn id="9" presetID="1" presetClass="entr" presetSubtype="0" fill="hold" grpId="0" nodeType="clickEffect">
-                                  <p:stCondLst>
-                                    <p:cond delay="0"/>
-                                  </p:stCondLst>
-                                  <p:childTnLst>
-                                    <p:set>
-                                      <p:cBhvr>
-                                        <p:cTn id="10" dur="1" fill="hold">
-                                          <p:stCondLst>
-                                            <p:cond delay="0"/>
-                                          </p:stCondLst>
-                                        </p:cTn>
-                                        <p:tgtEl>
-                                          <p:spTgt spid="4">
-                                            <p:txEl>
-                                              <p:pRg st="6" end="6"/>
-                                            </p:txEl>
-                                          </p:spTgt>
-                                        </p:tgtEl>
-                                        <p:attrNameLst>
-                                          <p:attrName>style.visibility</p:attrName>
-                                        </p:attrNameLst>
-                                      </p:cBhvr>
-                                      <p:to>
-                                        <p:strVal val="visible"/>
-                                      </p:to>
-                                    </p:set>
-                                  </p:childTnLst>
-                                </p:cTn>
-                              </p:par>
-                            </p:childTnLst>
-                          </p:cTn>
-                        </p:par>
-                      </p:childTnLst>
-                    </p:cTn>
-                  </p:par>
-                </p:childTnLst>
-              </p:cTn>
-              <p:prevCondLst>
-                <p:cond evt="onPrev" delay="0">
-                  <p:tgtEl>
-                    <p:sldTgt/>
-                  </p:tgtEl>
-                </p:cond>
-              </p:prevCondLst>
-              <p:nextCondLst>
-                <p:cond evt="onNext" delay="0">
-                  <p:tgtEl>
-                    <p:sldTgt/>
-                  </p:tgtEl>
-                </p:cond>
-              </p:nextCondLst>
-            </p:seq>
-          </p:childTnLst>
-        </p:cTn>
-      </p:par>
-    </p:tnLst>
-    <p:bldLst>
-      <p:bldP spid="4" grpId="0" uiExpand="1" build="p"/>
-    </p:bldLst>
-  </p:timing>
 </p:sld>
 </file>
 
-<file path=ppt/slides/slide3.xml><?xml version="1.0" encoding="utf-8"?>
+<file path=ppt/slides/slide11.xml><?xml version="1.0" encoding="utf-8"?>
 <p:sld xmlns:a="http://schemas.openxmlformats.org/drawingml/2006/main" xmlns:r="http://schemas.openxmlformats.org/officeDocument/2006/relationships" xmlns:p="http://schemas.openxmlformats.org/presentationml/2006/main">
   <p:cSld>
     <p:spTree>
@@ -4538,1098 +3466,251 @@
           <a:chExt cx="0" cy="0"/>
         </a:xfrm>
       </p:grpSpPr>
-      <mc:AlternateContent xmlns:mc="http://schemas.openxmlformats.org/markup-compatibility/2006">
-        <mc:Choice xmlns:a14="http://schemas.microsoft.com/office/drawing/2010/main" Requires="a14">
-          <p:sp>
-            <p:nvSpPr>
-              <p:cNvPr id="3" name="Content Placeholder 2"/>
-              <p:cNvSpPr>
-                <a:spLocks noGrp="1"/>
-              </p:cNvSpPr>
-              <p:nvPr>
-                <p:ph idx="1"/>
-              </p:nvPr>
-            </p:nvSpPr>
-            <p:spPr/>
-            <p:txBody>
-              <a:bodyPr/>
-              <a:lstStyle/>
-              <a:p>
-                <a:pPr lvl="0" indent="0" marL="0">
-                  <a:buNone/>
-                </a:pPr>
-              </a:p>
-              <a:p>
-                <a:pPr lvl="0" indent="0" marL="0">
-                  <a:spcBef>
-                    <a:spcPts val="3000"/>
-                  </a:spcBef>
-                  <a:buNone/>
-                </a:pPr>
-                <a:r>
-                  <a:rPr b="1"/>
-                  <a:t>errors</a:t>
-                </a:r>
-              </a:p>
-              <a:p>
-                <a:pPr lvl="0" indent="0" marL="0">
-                  <a:buNone/>
-                </a:pPr>
-                <a14:m>
-                  <m:oMathPara xmlns:m="http://schemas.openxmlformats.org/officeDocument/2006/math">
-                    <m:oMathParaPr>
-                      <m:jc m:val="center"/>
-                    </m:oMathParaPr>
-                    <m:oMath>
-                      <m:r>
-                        <m:t>S</m:t>
-                      </m:r>
-                      <m:r>
-                        <m:t>E</m:t>
-                      </m:r>
-                      <m:r>
-                        <m:rPr>
-                          <m:sty m:val="p"/>
-                        </m:rPr>
-                        <m:t>=</m:t>
-                      </m:r>
-                      <m:r>
-                        <m:t>S</m:t>
-                      </m:r>
-                      <m:r>
-                        <m:t>D</m:t>
-                      </m:r>
-                      <m:r>
-                        <m:rPr>
-                          <m:sty m:val="p"/>
-                        </m:rPr>
-                        <m:t>/</m:t>
-                      </m:r>
-                      <m:rad>
-                        <m:radPr>
-                          <m:degHide m:val="1"/>
-                        </m:radPr>
-                        <m:deg/>
-                        <m:e>
-                          <m:r>
-                            <m:t>N</m:t>
-                          </m:r>
-                        </m:e>
-                      </m:rad>
-                    </m:oMath>
-                  </m:oMathPara>
-                </a14:m>
-              </a:p>
-              <a:p>
-                <a:pPr lvl="0" indent="0">
-                  <a:buNone/>
-                </a:pPr>
-                <a:r>
-                  <a:rPr>
-                    <a:solidFill>
-                      <a:srgbClr val="06287E"/>
-                    </a:solidFill>
-                    <a:latin typeface="Courier"/>
-                  </a:rPr>
-                  <a:t>sd</a:t>
-                </a:r>
-                <a:r>
-                  <a:rPr>
-                    <a:latin typeface="Courier"/>
-                  </a:rPr>
-                  <a:t>(expts</a:t>
-                </a:r>
-                <a:r>
-                  <a:rPr>
-                    <a:solidFill>
-                      <a:srgbClr val="4070A0"/>
-                    </a:solidFill>
-                    <a:latin typeface="Courier"/>
-                  </a:rPr>
-                  <a:t>$</a:t>
-                </a:r>
-                <a:r>
-                  <a:rPr>
-                    <a:latin typeface="Courier"/>
-                  </a:rPr>
-                  <a:t>effect)</a:t>
-                </a:r>
-              </a:p>
-              <a:p>
-                <a:pPr lvl="0" indent="0">
-                  <a:buNone/>
-                </a:pPr>
-                <a:r>
-                  <a:rPr>
-                    <a:latin typeface="Courier"/>
-                  </a:rPr>
-                  <a:t>## [1] 0.1712021</a:t>
-                </a:r>
-              </a:p>
-              <a:p>
-                <a:pPr lvl="0" indent="0" marL="0">
-                  <a:spcBef>
-                    <a:spcPts val="3000"/>
-                  </a:spcBef>
-                  <a:buNone/>
-                </a:pPr>
-                <a:r>
-                  <a:rPr b="1"/>
-                  <a:t>se</a:t>
-                </a:r>
-              </a:p>
-              <a:p>
-                <a:pPr lvl="0" indent="0">
-                  <a:buNone/>
-                </a:pPr>
-                <a:r>
-                  <a:rPr>
-                    <a:latin typeface="Courier"/>
-                  </a:rPr>
-                  <a:t>means </a:t>
-                </a:r>
-                <a:r>
-                  <a:rPr>
-                    <a:solidFill>
-                      <a:srgbClr val="007020"/>
-                    </a:solidFill>
-                    <a:latin typeface="Courier"/>
-                  </a:rPr>
-                  <a:t>&lt;-</a:t>
-                </a:r>
-                <a:r>
-                  <a:rPr>
-                    <a:latin typeface="Courier"/>
-                  </a:rPr>
-                  <a:t> </a:t>
-                </a:r>
-                <a:r>
-                  <a:rPr>
-                    <a:solidFill>
-                      <a:srgbClr val="06287E"/>
-                    </a:solidFill>
-                    <a:latin typeface="Courier"/>
-                  </a:rPr>
-                  <a:t>c</a:t>
-                </a:r>
-                <a:r>
-                  <a:rPr>
-                    <a:latin typeface="Courier"/>
-                  </a:rPr>
-                  <a:t>()</a:t>
-                </a:r>
-                <a:br/>
-                <a:br/>
-                <a:r>
-                  <a:rPr b="1">
-                    <a:solidFill>
-                      <a:srgbClr val="007020"/>
-                    </a:solidFill>
-                    <a:latin typeface="Courier"/>
-                  </a:rPr>
-                  <a:t>for</a:t>
-                </a:r>
-                <a:r>
-                  <a:rPr>
-                    <a:latin typeface="Courier"/>
-                  </a:rPr>
-                  <a:t> (i </a:t>
-                </a:r>
-                <a:r>
-                  <a:rPr b="1">
-                    <a:solidFill>
-                      <a:srgbClr val="007020"/>
-                    </a:solidFill>
-                    <a:latin typeface="Courier"/>
-                  </a:rPr>
-                  <a:t>in</a:t>
-                </a:r>
-                <a:r>
-                  <a:rPr>
-                    <a:latin typeface="Courier"/>
-                  </a:rPr>
-                  <a:t> </a:t>
-                </a:r>
-                <a:r>
-                  <a:rPr>
-                    <a:solidFill>
-                      <a:srgbClr val="40A070"/>
-                    </a:solidFill>
-                    <a:latin typeface="Courier"/>
-                  </a:rPr>
-                  <a:t>1</a:t>
-                </a:r>
-                <a:r>
-                  <a:rPr>
-                    <a:solidFill>
-                      <a:srgbClr val="4070A0"/>
-                    </a:solidFill>
-                    <a:latin typeface="Courier"/>
-                  </a:rPr>
-                  <a:t>:</a:t>
-                </a:r>
-                <a:r>
-                  <a:rPr>
-                    <a:solidFill>
-                      <a:srgbClr val="40A070"/>
-                    </a:solidFill>
-                    <a:latin typeface="Courier"/>
-                  </a:rPr>
-                  <a:t>1e+06</a:t>
-                </a:r>
-                <a:r>
-                  <a:rPr>
-                    <a:latin typeface="Courier"/>
-                  </a:rPr>
-                  <a:t>) {</a:t>
-                </a:r>
-                <a:br/>
-                <a:r>
-                  <a:rPr>
-                    <a:latin typeface="Courier"/>
-                  </a:rPr>
-                  <a:t>    mass </a:t>
-                </a:r>
-                <a:r>
-                  <a:rPr>
-                    <a:solidFill>
-                      <a:srgbClr val="007020"/>
-                    </a:solidFill>
-                    <a:latin typeface="Courier"/>
-                  </a:rPr>
-                  <a:t>&lt;-</a:t>
-                </a:r>
-                <a:r>
-                  <a:rPr>
-                    <a:latin typeface="Courier"/>
-                  </a:rPr>
-                  <a:t> </a:t>
-                </a:r>
-                <a:r>
-                  <a:rPr>
-                    <a:solidFill>
-                      <a:srgbClr val="06287E"/>
-                    </a:solidFill>
-                    <a:latin typeface="Courier"/>
-                  </a:rPr>
-                  <a:t>rnorm</a:t>
-                </a:r>
-                <a:r>
-                  <a:rPr>
-                    <a:latin typeface="Courier"/>
-                  </a:rPr>
-                  <a:t>(</a:t>
-                </a:r>
-                <a:r>
-                  <a:rPr>
-                    <a:solidFill>
-                      <a:srgbClr val="7D9029"/>
-                    </a:solidFill>
-                    <a:latin typeface="Courier"/>
-                  </a:rPr>
-                  <a:t>n =</a:t>
-                </a:r>
-                <a:r>
-                  <a:rPr>
-                    <a:latin typeface="Courier"/>
-                  </a:rPr>
-                  <a:t> </a:t>
-                </a:r>
-                <a:r>
-                  <a:rPr>
-                    <a:solidFill>
-                      <a:srgbClr val="40A070"/>
-                    </a:solidFill>
-                    <a:latin typeface="Courier"/>
-                  </a:rPr>
-                  <a:t>18</a:t>
-                </a:r>
-                <a:r>
-                  <a:rPr>
-                    <a:latin typeface="Courier"/>
-                  </a:rPr>
-                  <a:t>, </a:t>
-                </a:r>
-                <a:r>
-                  <a:rPr>
-                    <a:solidFill>
-                      <a:srgbClr val="7D9029"/>
-                    </a:solidFill>
-                    <a:latin typeface="Courier"/>
-                  </a:rPr>
-                  <a:t>mean =</a:t>
-                </a:r>
-                <a:r>
-                  <a:rPr>
-                    <a:latin typeface="Courier"/>
-                  </a:rPr>
-                  <a:t> </a:t>
-                </a:r>
-                <a:r>
-                  <a:rPr>
-                    <a:solidFill>
-                      <a:srgbClr val="40A070"/>
-                    </a:solidFill>
-                    <a:latin typeface="Courier"/>
-                  </a:rPr>
-                  <a:t>10.8</a:t>
-                </a:r>
-                <a:r>
-                  <a:rPr>
-                    <a:latin typeface="Courier"/>
-                  </a:rPr>
-                  <a:t>, </a:t>
-                </a:r>
-                <a:r>
-                  <a:rPr>
-                    <a:solidFill>
-                      <a:srgbClr val="7D9029"/>
-                    </a:solidFill>
-                    <a:latin typeface="Courier"/>
-                  </a:rPr>
-                  <a:t>sd =</a:t>
-                </a:r>
-                <a:r>
-                  <a:rPr>
-                    <a:latin typeface="Courier"/>
-                  </a:rPr>
-                  <a:t> </a:t>
-                </a:r>
-                <a:r>
-                  <a:rPr>
-                    <a:solidFill>
-                      <a:srgbClr val="40A070"/>
-                    </a:solidFill>
-                    <a:latin typeface="Courier"/>
-                  </a:rPr>
-                  <a:t>0.988</a:t>
-                </a:r>
-                <a:r>
-                  <a:rPr>
-                    <a:latin typeface="Courier"/>
-                  </a:rPr>
-                  <a:t>)</a:t>
-                </a:r>
-                <a:br/>
-                <a:r>
-                  <a:rPr>
-                    <a:latin typeface="Courier"/>
-                  </a:rPr>
-                  <a:t>    means </a:t>
-                </a:r>
-                <a:r>
-                  <a:rPr>
-                    <a:solidFill>
-                      <a:srgbClr val="007020"/>
-                    </a:solidFill>
-                    <a:latin typeface="Courier"/>
-                  </a:rPr>
-                  <a:t>&lt;-</a:t>
-                </a:r>
-                <a:r>
-                  <a:rPr>
-                    <a:latin typeface="Courier"/>
-                  </a:rPr>
-                  <a:t> </a:t>
-                </a:r>
-                <a:r>
-                  <a:rPr>
-                    <a:solidFill>
-                      <a:srgbClr val="06287E"/>
-                    </a:solidFill>
-                    <a:latin typeface="Courier"/>
-                  </a:rPr>
-                  <a:t>c</a:t>
-                </a:r>
-                <a:r>
-                  <a:rPr>
-                    <a:latin typeface="Courier"/>
-                  </a:rPr>
-                  <a:t>(means, </a:t>
-                </a:r>
-                <a:r>
-                  <a:rPr>
-                    <a:solidFill>
-                      <a:srgbClr val="06287E"/>
-                    </a:solidFill>
-                    <a:latin typeface="Courier"/>
-                  </a:rPr>
-                  <a:t>mean</a:t>
-                </a:r>
-                <a:r>
-                  <a:rPr>
-                    <a:latin typeface="Courier"/>
-                  </a:rPr>
-                  <a:t>(mass))</a:t>
-                </a:r>
-                <a:br/>
-                <a:r>
-                  <a:rPr>
-                    <a:latin typeface="Courier"/>
-                  </a:rPr>
-                  <a:t>}</a:t>
-                </a:r>
-                <a:br/>
-                <a:br/>
-                <a:r>
-                  <a:rPr i="1">
-                    <a:solidFill>
-                      <a:srgbClr val="60A0B0"/>
-                    </a:solidFill>
-                    <a:latin typeface="Courier"/>
-                  </a:rPr>
-                  <a:t># The mean of the means</a:t>
-                </a:r>
-                <a:br/>
-                <a:r>
-                  <a:rPr>
-                    <a:solidFill>
-                      <a:srgbClr val="06287E"/>
-                    </a:solidFill>
-                    <a:latin typeface="Courier"/>
-                  </a:rPr>
-                  <a:t>mean</a:t>
-                </a:r>
-                <a:r>
-                  <a:rPr>
-                    <a:latin typeface="Courier"/>
-                  </a:rPr>
-                  <a:t>(means)</a:t>
-                </a:r>
-                <a:br/>
-                <a:r>
-                  <a:rPr i="1">
-                    <a:solidFill>
-                      <a:srgbClr val="60A0B0"/>
-                    </a:solidFill>
-                    <a:latin typeface="Courier"/>
-                  </a:rPr>
-                  <a:t># The standard deviation of the means or standard error</a:t>
-                </a:r>
-                <a:br/>
-                <a:r>
-                  <a:rPr>
-                    <a:solidFill>
-                      <a:srgbClr val="06287E"/>
-                    </a:solidFill>
-                    <a:latin typeface="Courier"/>
-                  </a:rPr>
-                  <a:t>sd</a:t>
-                </a:r>
-                <a:r>
-                  <a:rPr>
-                    <a:latin typeface="Courier"/>
-                  </a:rPr>
-                  <a:t>(means)</a:t>
-                </a:r>
-              </a:p>
-              <a:p>
-                <a:pPr lvl="0" indent="0" marL="0">
-                  <a:spcBef>
-                    <a:spcPts val="3000"/>
-                  </a:spcBef>
-                  <a:buNone/>
-                </a:pPr>
-                <a:r>
-                  <a:rPr b="1"/>
-                  <a:t>Our analytical calculaton</a:t>
-                </a:r>
-              </a:p>
-              <a:p>
-                <a:pPr lvl="0" indent="0">
-                  <a:buNone/>
-                </a:pPr>
-                <a:r>
-                  <a:rPr>
-                    <a:latin typeface="Courier"/>
-                  </a:rPr>
-                  <a:t>se </a:t>
-                </a:r>
-                <a:r>
-                  <a:rPr>
-                    <a:solidFill>
-                      <a:srgbClr val="007020"/>
-                    </a:solidFill>
-                    <a:latin typeface="Courier"/>
-                  </a:rPr>
-                  <a:t>&lt;-</a:t>
-                </a:r>
-                <a:r>
-                  <a:rPr>
-                    <a:latin typeface="Courier"/>
-                  </a:rPr>
-                  <a:t> </a:t>
-                </a:r>
-                <a:r>
-                  <a:rPr>
-                    <a:solidFill>
-                      <a:srgbClr val="06287E"/>
-                    </a:solidFill>
-                    <a:latin typeface="Courier"/>
-                  </a:rPr>
-                  <a:t>sd</a:t>
-                </a:r>
-                <a:r>
-                  <a:rPr>
-                    <a:latin typeface="Courier"/>
-                  </a:rPr>
-                  <a:t>(mass)</a:t>
-                </a:r>
-                <a:r>
-                  <a:rPr>
-                    <a:solidFill>
-                      <a:srgbClr val="4070A0"/>
-                    </a:solidFill>
-                    <a:latin typeface="Courier"/>
-                  </a:rPr>
-                  <a:t>/</a:t>
-                </a:r>
-                <a:r>
-                  <a:rPr>
-                    <a:solidFill>
-                      <a:srgbClr val="06287E"/>
-                    </a:solidFill>
-                    <a:latin typeface="Courier"/>
-                  </a:rPr>
-                  <a:t>sqrt</a:t>
-                </a:r>
-                <a:r>
-                  <a:rPr>
-                    <a:latin typeface="Courier"/>
-                  </a:rPr>
-                  <a:t>(</a:t>
-                </a:r>
-                <a:r>
-                  <a:rPr>
-                    <a:solidFill>
-                      <a:srgbClr val="06287E"/>
-                    </a:solidFill>
-                    <a:latin typeface="Courier"/>
-                  </a:rPr>
-                  <a:t>length</a:t>
-                </a:r>
-                <a:r>
-                  <a:rPr>
-                    <a:latin typeface="Courier"/>
-                  </a:rPr>
-                  <a:t>(mass))</a:t>
-                </a:r>
-                <a:br/>
-                <a:r>
-                  <a:rPr>
-                    <a:latin typeface="Courier"/>
-                  </a:rPr>
-                  <a:t>se</a:t>
-                </a:r>
-              </a:p>
-              <a:p>
-                <a:pPr lvl="0" indent="0" marL="0">
-                  <a:spcBef>
-                    <a:spcPts val="3000"/>
-                  </a:spcBef>
-                  <a:buNone/>
-                </a:pPr>
-                <a:r>
-                  <a:rPr b="1"/>
-                  <a:t>Plots</a:t>
-                </a:r>
-              </a:p>
-              <a:p>
-                <a:pPr lvl="0" indent="0">
-                  <a:buNone/>
-                </a:pPr>
-                <a:r>
-                  <a:rPr>
-                    <a:solidFill>
-                      <a:srgbClr val="06287E"/>
-                    </a:solidFill>
-                    <a:latin typeface="Courier"/>
-                  </a:rPr>
-                  <a:t>ggplot</a:t>
-                </a:r>
-                <a:r>
-                  <a:rPr>
-                    <a:latin typeface="Courier"/>
-                  </a:rPr>
-                  <a:t>() </a:t>
-                </a:r>
-                <a:r>
-                  <a:rPr>
-                    <a:solidFill>
-                      <a:srgbClr val="4070A0"/>
-                    </a:solidFill>
-                    <a:latin typeface="Courier"/>
-                  </a:rPr>
-                  <a:t>+</a:t>
-                </a:r>
-                <a:r>
-                  <a:rPr>
-                    <a:latin typeface="Courier"/>
-                  </a:rPr>
-                  <a:t> </a:t>
-                </a:r>
-                <a:r>
-                  <a:rPr>
-                    <a:solidFill>
-                      <a:srgbClr val="06287E"/>
-                    </a:solidFill>
-                    <a:latin typeface="Courier"/>
-                  </a:rPr>
-                  <a:t>geom_histogram</a:t>
-                </a:r>
-                <a:r>
-                  <a:rPr>
-                    <a:latin typeface="Courier"/>
-                  </a:rPr>
-                  <a:t>(</a:t>
-                </a:r>
-                <a:r>
-                  <a:rPr>
-                    <a:solidFill>
-                      <a:srgbClr val="06287E"/>
-                    </a:solidFill>
-                    <a:latin typeface="Courier"/>
-                  </a:rPr>
-                  <a:t>aes</a:t>
-                </a:r>
-                <a:r>
-                  <a:rPr>
-                    <a:latin typeface="Courier"/>
-                  </a:rPr>
-                  <a:t>(</a:t>
-                </a:r>
-                <a:r>
-                  <a:rPr>
-                    <a:solidFill>
-                      <a:srgbClr val="7D9029"/>
-                    </a:solidFill>
-                    <a:latin typeface="Courier"/>
-                  </a:rPr>
-                  <a:t>x =</a:t>
-                </a:r>
-                <a:r>
-                  <a:rPr>
-                    <a:latin typeface="Courier"/>
-                  </a:rPr>
-                  <a:t> means))</a:t>
-                </a:r>
-              </a:p>
-              <a:p>
-                <a:pPr lvl="0" indent="0" marL="0">
-                  <a:spcBef>
-                    <a:spcPts val="3000"/>
-                  </a:spcBef>
-                  <a:buNone/>
-                </a:pPr>
-                <a:r>
-                  <a:rPr b="1"/>
-                  <a:t>Zr</a:t>
-                </a:r>
-              </a:p>
-              <a:p>
-                <a:pPr lvl="0" indent="0">
-                  <a:buNone/>
-                </a:pPr>
-                <a:r>
-                  <a:rPr>
-                    <a:latin typeface="Courier"/>
-                  </a:rPr>
-                  <a:t>zr_data </a:t>
-                </a:r>
-                <a:r>
-                  <a:rPr>
-                    <a:solidFill>
-                      <a:srgbClr val="007020"/>
-                    </a:solidFill>
-                    <a:latin typeface="Courier"/>
-                  </a:rPr>
-                  <a:t>&lt;-</a:t>
-                </a:r>
-                <a:r>
-                  <a:rPr>
-                    <a:latin typeface="Courier"/>
-                  </a:rPr>
-                  <a:t> </a:t>
-                </a:r>
-                <a:r>
-                  <a:rPr>
-                    <a:solidFill>
-                      <a:srgbClr val="06287E"/>
-                    </a:solidFill>
-                    <a:latin typeface="Courier"/>
-                  </a:rPr>
-                  <a:t>read.csv</a:t>
-                </a:r>
-                <a:r>
-                  <a:rPr>
-                    <a:latin typeface="Courier"/>
-                  </a:rPr>
-                  <a:t>(</a:t>
-                </a:r>
-                <a:r>
-                  <a:rPr>
-                    <a:solidFill>
-                      <a:srgbClr val="4070A0"/>
-                    </a:solidFill>
-                    <a:latin typeface="Courier"/>
-                  </a:rPr>
-                  <a:t>"https://raw.githubusercontent.com/daniel1noble/meta-workshop/gh-pages/data/ind_disp_raw_data.csv"</a:t>
-                </a:r>
-                <a:r>
-                  <a:rPr>
-                    <a:latin typeface="Courier"/>
-                  </a:rPr>
-                  <a:t>) </a:t>
-                </a:r>
-                <a:r>
-                  <a:rPr>
-                    <a:solidFill>
-                      <a:srgbClr val="4070A0"/>
-                    </a:solidFill>
-                    <a:latin typeface="Courier"/>
-                  </a:rPr>
-                  <a:t>%&gt;%</a:t>
-                </a:r>
-                <a:br/>
-                <a:r>
-                  <a:rPr>
-                    <a:latin typeface="Courier"/>
-                  </a:rPr>
-                  <a:t>  dplyr</a:t>
-                </a:r>
-                <a:r>
-                  <a:rPr>
-                    <a:solidFill>
-                      <a:srgbClr val="4070A0"/>
-                    </a:solidFill>
-                    <a:latin typeface="Courier"/>
-                  </a:rPr>
-                  <a:t>::</a:t>
-                </a:r>
-                <a:r>
-                  <a:rPr>
-                    <a:solidFill>
-                      <a:srgbClr val="06287E"/>
-                    </a:solidFill>
-                    <a:latin typeface="Courier"/>
-                  </a:rPr>
-                  <a:t>select</a:t>
-                </a:r>
-                <a:r>
-                  <a:rPr>
-                    <a:latin typeface="Courier"/>
-                  </a:rPr>
-                  <a:t>(study_ID, taxa, species, trait, response, response_unit, disp_trait, disp_unit, corr_coeff, sample_size) </a:t>
-                </a:r>
-                <a:r>
-                  <a:rPr>
-                    <a:solidFill>
-                      <a:srgbClr val="4070A0"/>
-                    </a:solidFill>
-                    <a:latin typeface="Courier"/>
-                  </a:rPr>
-                  <a:t>%&gt;%</a:t>
-                </a:r>
-                <a:r>
-                  <a:rPr>
-                    <a:latin typeface="Courier"/>
-                  </a:rPr>
-                  <a:t> </a:t>
-                </a:r>
-                <a:r>
-                  <a:rPr i="1">
-                    <a:solidFill>
-                      <a:srgbClr val="60A0B0"/>
-                    </a:solidFill>
-                    <a:latin typeface="Courier"/>
-                  </a:rPr>
-                  <a:t># remove irrelevant columns for this tutorial</a:t>
-                </a:r>
-                <a:br/>
-                <a:r>
-                  <a:rPr>
-                    <a:latin typeface="Courier"/>
-                  </a:rPr>
-                  <a:t>  dplyr</a:t>
-                </a:r>
-                <a:r>
-                  <a:rPr>
-                    <a:solidFill>
-                      <a:srgbClr val="4070A0"/>
-                    </a:solidFill>
-                    <a:latin typeface="Courier"/>
-                  </a:rPr>
-                  <a:t>::</a:t>
-                </a:r>
-                <a:r>
-                  <a:rPr>
-                    <a:solidFill>
-                      <a:srgbClr val="06287E"/>
-                    </a:solidFill>
-                    <a:latin typeface="Courier"/>
-                  </a:rPr>
-                  <a:t>top_n</a:t>
-                </a:r>
-                <a:r>
-                  <a:rPr>
-                    <a:latin typeface="Courier"/>
-                  </a:rPr>
-                  <a:t>(</a:t>
-                </a:r>
-                <a:r>
-                  <a:rPr>
-                    <a:solidFill>
-                      <a:srgbClr val="40A070"/>
-                    </a:solidFill>
-                    <a:latin typeface="Courier"/>
-                  </a:rPr>
-                  <a:t>10</a:t>
-                </a:r>
-                <a:r>
-                  <a:rPr>
-                    <a:latin typeface="Courier"/>
-                  </a:rPr>
-                  <a:t>) </a:t>
-                </a:r>
-                <a:r>
-                  <a:rPr i="1">
-                    <a:solidFill>
-                      <a:srgbClr val="60A0B0"/>
-                    </a:solidFill>
-                    <a:latin typeface="Courier"/>
-                  </a:rPr>
-                  <a:t># select first 10 effect sizes to illustrate escalc function</a:t>
-                </a:r>
-              </a:p>
-              <a:p>
-                <a:pPr lvl="0" indent="0">
-                  <a:buNone/>
-                </a:pPr>
-                <a:r>
-                  <a:rPr>
-                    <a:latin typeface="Courier"/>
-                  </a:rPr>
-                  <a:t>## Selecting by sample_size</a:t>
-                </a:r>
-              </a:p>
-              <a:p>
-                <a:pPr lvl="0" indent="0" marL="0">
-                  <a:spcBef>
-                    <a:spcPts val="3000"/>
-                  </a:spcBef>
-                  <a:buNone/>
-                </a:pPr>
-                <a:r>
-                  <a:rPr b="1"/>
-                  <a:t>Effect calculation</a:t>
-                </a:r>
-              </a:p>
-              <a:p>
-                <a:pPr lvl="0" indent="0">
-                  <a:buNone/>
-                </a:pPr>
-                <a:r>
-                  <a:rPr i="1">
-                    <a:solidFill>
-                      <a:srgbClr val="60A0B0"/>
-                    </a:solidFill>
-                    <a:latin typeface="Courier"/>
-                  </a:rPr>
-                  <a:t># Calculate Fisher's r-to-z transformed correlation coefficient (ZCOR) as yi = effect size and vi = sampling variances, where ri = raw correlation coefficients, and ni = sample size.</a:t>
-                </a:r>
-                <a:br/>
-                <a:r>
-                  <a:rPr>
-                    <a:latin typeface="Courier"/>
-                  </a:rPr>
-                  <a:t>zr_data </a:t>
-                </a:r>
-                <a:r>
-                  <a:rPr>
-                    <a:solidFill>
-                      <a:srgbClr val="007020"/>
-                    </a:solidFill>
-                    <a:latin typeface="Courier"/>
-                  </a:rPr>
-                  <a:t>&lt;-</a:t>
-                </a:r>
-                <a:r>
-                  <a:rPr>
-                    <a:latin typeface="Courier"/>
-                  </a:rPr>
-                  <a:t> metafor</a:t>
-                </a:r>
-                <a:r>
-                  <a:rPr>
-                    <a:solidFill>
-                      <a:srgbClr val="4070A0"/>
-                    </a:solidFill>
-                    <a:latin typeface="Courier"/>
-                  </a:rPr>
-                  <a:t>::</a:t>
-                </a:r>
-                <a:r>
-                  <a:rPr>
-                    <a:solidFill>
-                      <a:srgbClr val="06287E"/>
-                    </a:solidFill>
-                    <a:latin typeface="Courier"/>
-                  </a:rPr>
-                  <a:t>escalc</a:t>
-                </a:r>
-                <a:r>
-                  <a:rPr>
-                    <a:latin typeface="Courier"/>
-                  </a:rPr>
-                  <a:t>(</a:t>
-                </a:r>
-                <a:r>
-                  <a:rPr>
-                    <a:solidFill>
-                      <a:srgbClr val="7D9029"/>
-                    </a:solidFill>
-                    <a:latin typeface="Courier"/>
-                  </a:rPr>
-                  <a:t>measure =</a:t>
-                </a:r>
-                <a:r>
-                  <a:rPr>
-                    <a:latin typeface="Courier"/>
-                  </a:rPr>
-                  <a:t> </a:t>
-                </a:r>
-                <a:r>
-                  <a:rPr>
-                    <a:solidFill>
-                      <a:srgbClr val="4070A0"/>
-                    </a:solidFill>
-                    <a:latin typeface="Courier"/>
-                  </a:rPr>
-                  <a:t>"ZCOR"</a:t>
-                </a:r>
-                <a:r>
-                  <a:rPr>
-                    <a:latin typeface="Courier"/>
-                  </a:rPr>
-                  <a:t>, </a:t>
-                </a:r>
-                <a:r>
-                  <a:rPr>
-                    <a:solidFill>
-                      <a:srgbClr val="7D9029"/>
-                    </a:solidFill>
-                    <a:latin typeface="Courier"/>
-                  </a:rPr>
-                  <a:t>ri =</a:t>
-                </a:r>
-                <a:r>
-                  <a:rPr>
-                    <a:latin typeface="Courier"/>
-                  </a:rPr>
-                  <a:t> corr_coeff, </a:t>
-                </a:r>
-                <a:r>
-                  <a:rPr>
-                    <a:solidFill>
-                      <a:srgbClr val="7D9029"/>
-                    </a:solidFill>
-                    <a:latin typeface="Courier"/>
-                  </a:rPr>
-                  <a:t>ni =</a:t>
-                </a:r>
-                <a:r>
-                  <a:rPr>
-                    <a:latin typeface="Courier"/>
-                  </a:rPr>
-                  <a:t> sample_size, </a:t>
-                </a:r>
-                <a:r>
-                  <a:rPr>
-                    <a:solidFill>
-                      <a:srgbClr val="7D9029"/>
-                    </a:solidFill>
-                    <a:latin typeface="Courier"/>
-                  </a:rPr>
-                  <a:t>data =</a:t>
-                </a:r>
-                <a:r>
-                  <a:rPr>
-                    <a:latin typeface="Courier"/>
-                  </a:rPr>
-                  <a:t> zr_data, </a:t>
-                </a:r>
-                <a:r>
-                  <a:rPr>
-                    <a:solidFill>
-                      <a:srgbClr val="7D9029"/>
-                    </a:solidFill>
-                    <a:latin typeface="Courier"/>
-                  </a:rPr>
-                  <a:t>var.names=</a:t>
-                </a:r>
-                <a:r>
-                  <a:rPr>
-                    <a:solidFill>
-                      <a:srgbClr val="06287E"/>
-                    </a:solidFill>
-                    <a:latin typeface="Courier"/>
-                  </a:rPr>
-                  <a:t>c</a:t>
-                </a:r>
-                <a:r>
-                  <a:rPr>
-                    <a:latin typeface="Courier"/>
-                  </a:rPr>
-                  <a:t>(</a:t>
-                </a:r>
-                <a:r>
-                  <a:rPr>
-                    <a:solidFill>
-                      <a:srgbClr val="4070A0"/>
-                    </a:solidFill>
-                    <a:latin typeface="Courier"/>
-                  </a:rPr>
-                  <a:t>"Zr"</a:t>
-                </a:r>
-                <a:r>
-                  <a:rPr>
-                    <a:latin typeface="Courier"/>
-                  </a:rPr>
-                  <a:t>,</a:t>
-                </a:r>
-                <a:r>
-                  <a:rPr>
-                    <a:solidFill>
-                      <a:srgbClr val="4070A0"/>
-                    </a:solidFill>
-                    <a:latin typeface="Courier"/>
-                  </a:rPr>
-                  <a:t>"v_Zr"</a:t>
-                </a:r>
-                <a:r>
-                  <a:rPr>
-                    <a:latin typeface="Courier"/>
-                  </a:rPr>
-                  <a:t>))</a:t>
-                </a:r>
-                <a:br/>
-                <a:br/>
-                <a:r>
-                  <a:rPr>
-                    <a:latin typeface="Courier"/>
-                  </a:rPr>
-                  <a:t>zr_data</a:t>
-                </a:r>
-              </a:p>
-              <a:p>
-                <a:pPr lvl="0" indent="0">
-                  <a:buNone/>
-                </a:pPr>
-                <a:r>
-                  <a:rPr>
-                    <a:latin typeface="Courier"/>
-                  </a:rPr>
-                  <a:t>## 
+      <p:sp>
+        <p:nvSpPr>
+          <p:cNvPr id="2" name="Title 1"/>
+          <p:cNvSpPr>
+            <a:spLocks noGrp="1"/>
+          </p:cNvSpPr>
+          <p:nvPr>
+            <p:ph type="title"/>
+          </p:nvPr>
+        </p:nvSpPr>
+        <p:spPr/>
+        <p:txBody>
+          <a:bodyPr/>
+          <a:lstStyle/>
+          <a:p>
+            <a:pPr lvl="0" indent="0" marL="0">
+              <a:buNone/>
+            </a:pPr>
+            <a:r>
+              <a:rPr/>
+              <a:t>Effect calculation</a:t>
+            </a:r>
+          </a:p>
+        </p:txBody>
+      </p:sp>
+      <p:sp>
+        <p:nvSpPr>
+          <p:cNvPr id="3" name="Content Placeholder 2"/>
+          <p:cNvSpPr>
+            <a:spLocks noGrp="1"/>
+          </p:cNvSpPr>
+          <p:nvPr>
+            <p:ph idx="1"/>
+          </p:nvPr>
+        </p:nvSpPr>
+        <p:spPr/>
+        <p:txBody>
+          <a:bodyPr/>
+          <a:lstStyle/>
+          <a:p>
+            <a:pPr lvl="0" indent="0">
+              <a:buNone/>
+            </a:pPr>
+            <a:r>
+              <a:rPr i="1">
+                <a:solidFill>
+                  <a:srgbClr val="60A0B0"/>
+                </a:solidFill>
+                <a:latin typeface="Courier"/>
+              </a:rPr>
+              <a:t># Calculate Fisher's r-to-z transformed correlation coefficient (ZCOR) as yi = effect size and vi = sampling variances, where ri = raw correlation coefficients, and ni = sample size.</a:t>
+            </a:r>
+            <a:br/>
+            <a:r>
+              <a:rPr>
+                <a:latin typeface="Courier"/>
+              </a:rPr>
+              <a:t>zr_data </a:t>
+            </a:r>
+            <a:r>
+              <a:rPr>
+                <a:solidFill>
+                  <a:srgbClr val="007020"/>
+                </a:solidFill>
+                <a:latin typeface="Courier"/>
+              </a:rPr>
+              <a:t>&lt;-</a:t>
+            </a:r>
+            <a:r>
+              <a:rPr>
+                <a:latin typeface="Courier"/>
+              </a:rPr>
+              <a:t> metafor</a:t>
+            </a:r>
+            <a:r>
+              <a:rPr>
+                <a:solidFill>
+                  <a:srgbClr val="4070A0"/>
+                </a:solidFill>
+                <a:latin typeface="Courier"/>
+              </a:rPr>
+              <a:t>::</a:t>
+            </a:r>
+            <a:r>
+              <a:rPr>
+                <a:solidFill>
+                  <a:srgbClr val="06287E"/>
+                </a:solidFill>
+                <a:latin typeface="Courier"/>
+              </a:rPr>
+              <a:t>escalc</a:t>
+            </a:r>
+            <a:r>
+              <a:rPr>
+                <a:latin typeface="Courier"/>
+              </a:rPr>
+              <a:t>(</a:t>
+            </a:r>
+            <a:r>
+              <a:rPr>
+                <a:solidFill>
+                  <a:srgbClr val="7D9029"/>
+                </a:solidFill>
+                <a:latin typeface="Courier"/>
+              </a:rPr>
+              <a:t>measure =</a:t>
+            </a:r>
+            <a:r>
+              <a:rPr>
+                <a:latin typeface="Courier"/>
+              </a:rPr>
+              <a:t> </a:t>
+            </a:r>
+            <a:r>
+              <a:rPr>
+                <a:solidFill>
+                  <a:srgbClr val="4070A0"/>
+                </a:solidFill>
+                <a:latin typeface="Courier"/>
+              </a:rPr>
+              <a:t>"ZCOR"</a:t>
+            </a:r>
+            <a:r>
+              <a:rPr>
+                <a:latin typeface="Courier"/>
+              </a:rPr>
+              <a:t>, </a:t>
+            </a:r>
+            <a:r>
+              <a:rPr>
+                <a:solidFill>
+                  <a:srgbClr val="7D9029"/>
+                </a:solidFill>
+                <a:latin typeface="Courier"/>
+              </a:rPr>
+              <a:t>ri =</a:t>
+            </a:r>
+            <a:r>
+              <a:rPr>
+                <a:latin typeface="Courier"/>
+              </a:rPr>
+              <a:t> corr_coeff, </a:t>
+            </a:r>
+            <a:r>
+              <a:rPr>
+                <a:solidFill>
+                  <a:srgbClr val="7D9029"/>
+                </a:solidFill>
+                <a:latin typeface="Courier"/>
+              </a:rPr>
+              <a:t>ni =</a:t>
+            </a:r>
+            <a:r>
+              <a:rPr>
+                <a:latin typeface="Courier"/>
+              </a:rPr>
+              <a:t> sample_size, </a:t>
+            </a:r>
+            <a:r>
+              <a:rPr>
+                <a:solidFill>
+                  <a:srgbClr val="7D9029"/>
+                </a:solidFill>
+                <a:latin typeface="Courier"/>
+              </a:rPr>
+              <a:t>data =</a:t>
+            </a:r>
+            <a:r>
+              <a:rPr>
+                <a:latin typeface="Courier"/>
+              </a:rPr>
+              <a:t> zr_data, </a:t>
+            </a:r>
+            <a:r>
+              <a:rPr>
+                <a:solidFill>
+                  <a:srgbClr val="7D9029"/>
+                </a:solidFill>
+                <a:latin typeface="Courier"/>
+              </a:rPr>
+              <a:t>var.names=</a:t>
+            </a:r>
+            <a:r>
+              <a:rPr>
+                <a:solidFill>
+                  <a:srgbClr val="06287E"/>
+                </a:solidFill>
+                <a:latin typeface="Courier"/>
+              </a:rPr>
+              <a:t>c</a:t>
+            </a:r>
+            <a:r>
+              <a:rPr>
+                <a:latin typeface="Courier"/>
+              </a:rPr>
+              <a:t>(</a:t>
+            </a:r>
+            <a:r>
+              <a:rPr>
+                <a:solidFill>
+                  <a:srgbClr val="4070A0"/>
+                </a:solidFill>
+                <a:latin typeface="Courier"/>
+              </a:rPr>
+              <a:t>"Zr"</a:t>
+            </a:r>
+            <a:r>
+              <a:rPr>
+                <a:latin typeface="Courier"/>
+              </a:rPr>
+              <a:t>,</a:t>
+            </a:r>
+            <a:r>
+              <a:rPr>
+                <a:solidFill>
+                  <a:srgbClr val="4070A0"/>
+                </a:solidFill>
+                <a:latin typeface="Courier"/>
+              </a:rPr>
+              <a:t>"v_Zr"</a:t>
+            </a:r>
+            <a:r>
+              <a:rPr>
+                <a:latin typeface="Courier"/>
+              </a:rPr>
+              <a:t>))</a:t>
+            </a:r>
+            <a:br/>
+            <a:br/>
+            <a:r>
+              <a:rPr>
+                <a:latin typeface="Courier"/>
+              </a:rPr>
+              <a:t>zr_data</a:t>
+            </a:r>
+          </a:p>
+          <a:p>
+            <a:pPr lvl="0" indent="0">
+              <a:buNone/>
+            </a:pPr>
+            <a:r>
+              <a:rPr>
+                <a:latin typeface="Courier"/>
+              </a:rPr>
+              <a:t>## 
 ##    study_ID     taxa              species          trait       response 
 ## 1         5 Mammalia      Tamias_striatus     Metabolism     Resting MR 
 ## 2        13     Aves          Parus_major     Metabolism       Basal MR 
@@ -5663,148 +3744,199 @@
 ## 8  0.0021 
 ## 9  0.0021 
 ## 10 0.0021</a:t>
-                </a:r>
-              </a:p>
-              <a:p>
-                <a:pPr lvl="0" indent="0" marL="0">
-                  <a:spcBef>
-                    <a:spcPts val="3000"/>
-                  </a:spcBef>
-                  <a:buNone/>
-                </a:pPr>
-                <a:r>
-                  <a:rPr b="1"/>
-                  <a:t>Back transofrmation</a:t>
-                </a:r>
-              </a:p>
-              <a:p>
-                <a:pPr lvl="0" indent="0">
-                  <a:buNone/>
-                </a:pPr>
-                <a:r>
-                  <a:rPr i="1">
-                    <a:solidFill>
-                      <a:srgbClr val="60A0B0"/>
-                    </a:solidFill>
-                    <a:latin typeface="Courier"/>
-                  </a:rPr>
-                  <a:t># We can easily convert back to r as follows</a:t>
-                </a:r>
-                <a:br/>
-                <a:r>
-                  <a:rPr>
-                    <a:latin typeface="Courier"/>
-                  </a:rPr>
-                  <a:t>zr_data</a:t>
-                </a:r>
-                <a:r>
-                  <a:rPr>
-                    <a:solidFill>
-                      <a:srgbClr val="4070A0"/>
-                    </a:solidFill>
-                    <a:latin typeface="Courier"/>
-                  </a:rPr>
-                  <a:t>$</a:t>
-                </a:r>
-                <a:r>
-                  <a:rPr>
-                    <a:latin typeface="Courier"/>
-                  </a:rPr>
-                  <a:t>r </a:t>
-                </a:r>
-                <a:r>
-                  <a:rPr>
-                    <a:solidFill>
-                      <a:srgbClr val="007020"/>
-                    </a:solidFill>
-                    <a:latin typeface="Courier"/>
-                  </a:rPr>
-                  <a:t>&lt;-</a:t>
-                </a:r>
-                <a:r>
-                  <a:rPr>
-                    <a:latin typeface="Courier"/>
-                  </a:rPr>
-                  <a:t> </a:t>
-                </a:r>
-                <a:r>
-                  <a:rPr>
-                    <a:solidFill>
-                      <a:srgbClr val="06287E"/>
-                    </a:solidFill>
-                    <a:latin typeface="Courier"/>
-                  </a:rPr>
-                  <a:t>tanh</a:t>
-                </a:r>
-                <a:r>
-                  <a:rPr>
-                    <a:latin typeface="Courier"/>
-                  </a:rPr>
-                  <a:t>(zr_data</a:t>
-                </a:r>
-                <a:r>
-                  <a:rPr>
-                    <a:solidFill>
-                      <a:srgbClr val="4070A0"/>
-                    </a:solidFill>
-                    <a:latin typeface="Courier"/>
-                  </a:rPr>
-                  <a:t>$</a:t>
-                </a:r>
-                <a:r>
-                  <a:rPr>
-                    <a:latin typeface="Courier"/>
-                  </a:rPr>
-                  <a:t>Zr)</a:t>
-                </a:r>
-                <a:br/>
-                <a:br/>
-                <a:r>
-                  <a:rPr>
-                    <a:latin typeface="Courier"/>
-                  </a:rPr>
-                  <a:t>zr_data </a:t>
-                </a:r>
-                <a:r>
-                  <a:rPr>
-                    <a:solidFill>
-                      <a:srgbClr val="4070A0"/>
-                    </a:solidFill>
-                    <a:latin typeface="Courier"/>
-                  </a:rPr>
-                  <a:t>%&gt;%</a:t>
-                </a:r>
-                <a:r>
-                  <a:rPr>
-                    <a:latin typeface="Courier"/>
-                  </a:rPr>
-                  <a:t> </a:t>
-                </a:r>
-                <a:r>
-                  <a:rPr>
-                    <a:solidFill>
-                      <a:srgbClr val="06287E"/>
-                    </a:solidFill>
-                    <a:latin typeface="Courier"/>
-                  </a:rPr>
-                  <a:t>select</a:t>
-                </a:r>
-                <a:r>
-                  <a:rPr>
-                    <a:latin typeface="Courier"/>
-                  </a:rPr>
-                  <a:t>(corr_coeff, r)</a:t>
-                </a:r>
-              </a:p>
-              <a:p>
-                <a:pPr lvl="0" indent="0">
-                  <a:buNone/>
-                </a:pPr>
-                <a:r>
-                  <a:rPr>
-                    <a:latin typeface="Courier"/>
-                  </a:rPr>
-                  <a:t>## 
+            </a:r>
+          </a:p>
+        </p:txBody>
+      </p:sp>
+    </p:spTree>
+  </p:cSld>
+</p:sld>
+</file>
+
+<file path=ppt/slides/slide12.xml><?xml version="1.0" encoding="utf-8"?>
+<p:sld xmlns:a="http://schemas.openxmlformats.org/drawingml/2006/main" xmlns:r="http://schemas.openxmlformats.org/officeDocument/2006/relationships" xmlns:p="http://schemas.openxmlformats.org/presentationml/2006/main">
+  <p:cSld>
+    <p:spTree>
+      <p:nvGrpSpPr>
+        <p:cNvPr id="1" name=""/>
+        <p:cNvGrpSpPr/>
+        <p:nvPr/>
+      </p:nvGrpSpPr>
+      <p:grpSpPr>
+        <a:xfrm>
+          <a:off x="0" y="0"/>
+          <a:ext cx="0" cy="0"/>
+          <a:chOff x="0" y="0"/>
+          <a:chExt cx="0" cy="0"/>
+        </a:xfrm>
+      </p:grpSpPr>
+      <p:sp>
+        <p:nvSpPr>
+          <p:cNvPr id="2" name="Title 1"/>
+          <p:cNvSpPr>
+            <a:spLocks noGrp="1"/>
+          </p:cNvSpPr>
+          <p:nvPr>
+            <p:ph type="title"/>
+          </p:nvPr>
+        </p:nvSpPr>
+        <p:spPr/>
+        <p:txBody>
+          <a:bodyPr/>
+          <a:lstStyle/>
+          <a:p>
+            <a:pPr lvl="0" indent="0" marL="0">
+              <a:buNone/>
+            </a:pPr>
+            <a:r>
+              <a:rPr/>
+              <a:t>Back transofrmation</a:t>
+            </a:r>
+          </a:p>
+        </p:txBody>
+      </p:sp>
+      <p:sp>
+        <p:nvSpPr>
+          <p:cNvPr id="3" name="Content Placeholder 2"/>
+          <p:cNvSpPr>
+            <a:spLocks noGrp="1"/>
+          </p:cNvSpPr>
+          <p:nvPr>
+            <p:ph idx="1"/>
+          </p:nvPr>
+        </p:nvSpPr>
+        <p:spPr/>
+        <p:txBody>
+          <a:bodyPr/>
+          <a:lstStyle/>
+          <a:p>
+            <a:pPr lvl="0" indent="0">
+              <a:buNone/>
+            </a:pPr>
+            <a:r>
+              <a:rPr i="1">
+                <a:solidFill>
+                  <a:srgbClr val="60A0B0"/>
+                </a:solidFill>
+                <a:latin typeface="Courier"/>
+              </a:rPr>
+              <a:t># We can easily convert back to r as follows</a:t>
+            </a:r>
+            <a:br/>
+            <a:r>
+              <a:rPr>
+                <a:latin typeface="Courier"/>
+              </a:rPr>
+              <a:t>zr_data</a:t>
+            </a:r>
+            <a:r>
+              <a:rPr>
+                <a:solidFill>
+                  <a:srgbClr val="4070A0"/>
+                </a:solidFill>
+                <a:latin typeface="Courier"/>
+              </a:rPr>
+              <a:t>$</a:t>
+            </a:r>
+            <a:r>
+              <a:rPr>
+                <a:latin typeface="Courier"/>
+              </a:rPr>
+              <a:t>r </a:t>
+            </a:r>
+            <a:r>
+              <a:rPr>
+                <a:solidFill>
+                  <a:srgbClr val="007020"/>
+                </a:solidFill>
+                <a:latin typeface="Courier"/>
+              </a:rPr>
+              <a:t>&lt;-</a:t>
+            </a:r>
+            <a:r>
+              <a:rPr>
+                <a:latin typeface="Courier"/>
+              </a:rPr>
+              <a:t> </a:t>
+            </a:r>
+            <a:r>
+              <a:rPr>
+                <a:solidFill>
+                  <a:srgbClr val="06287E"/>
+                </a:solidFill>
+                <a:latin typeface="Courier"/>
+              </a:rPr>
+              <a:t>tanh</a:t>
+            </a:r>
+            <a:r>
+              <a:rPr>
+                <a:latin typeface="Courier"/>
+              </a:rPr>
+              <a:t>(zr_data</a:t>
+            </a:r>
+            <a:r>
+              <a:rPr>
+                <a:solidFill>
+                  <a:srgbClr val="4070A0"/>
+                </a:solidFill>
+                <a:latin typeface="Courier"/>
+              </a:rPr>
+              <a:t>$</a:t>
+            </a:r>
+            <a:r>
+              <a:rPr>
+                <a:latin typeface="Courier"/>
+              </a:rPr>
+              <a:t>Zr)</a:t>
+            </a:r>
+            <a:br/>
+            <a:br/>
+            <a:r>
+              <a:rPr>
+                <a:latin typeface="Courier"/>
+              </a:rPr>
+              <a:t>zr_data </a:t>
+            </a:r>
+            <a:r>
+              <a:rPr>
+                <a:solidFill>
+                  <a:srgbClr val="4070A0"/>
+                </a:solidFill>
+                <a:latin typeface="Courier"/>
+              </a:rPr>
+              <a:t>%&gt;%</a:t>
+            </a:r>
+            <a:r>
+              <a:rPr>
+                <a:latin typeface="Courier"/>
+              </a:rPr>
+              <a:t> </a:t>
+            </a:r>
+            <a:r>
+              <a:rPr>
+                <a:solidFill>
+                  <a:srgbClr val="06287E"/>
+                </a:solidFill>
+                <a:latin typeface="Courier"/>
+              </a:rPr>
+              <a:t>select</a:t>
+            </a:r>
+            <a:r>
+              <a:rPr>
+                <a:latin typeface="Courier"/>
+              </a:rPr>
+              <a:t>(corr_coeff, r)</a:t>
+            </a:r>
+          </a:p>
+          <a:p>
+            <a:pPr lvl="0" indent="0">
+              <a:buNone/>
+            </a:pPr>
+            <a:r>
+              <a:rPr>
+                <a:latin typeface="Courier"/>
+              </a:rPr>
+              <a:t>## 
 ##     corr_coeff           r 
 ## 1  -0.14300000 -0.14300000 
 ## 2   0.05547002  0.05547002 
@@ -5816,534 +3948,636 @@
 ## 8   0.01500000  0.01500000 
 ## 9   0.17000000  0.17000000 
 ## 10 -0.13000000 -0.13000000</a:t>
-                </a:r>
-              </a:p>
-              <a:p>
-                <a:pPr lvl="0" indent="0" marL="0">
-                  <a:spcBef>
-                    <a:spcPts val="3000"/>
-                  </a:spcBef>
-                  <a:buNone/>
-                </a:pPr>
-                <a:r>
-                  <a:rPr b="1"/>
-                  <a:t>Hedges</a:t>
-                </a:r>
-              </a:p>
-              <a:p>
-                <a:pPr lvl="0" indent="0">
-                  <a:buNone/>
-                </a:pPr>
-                <a:r>
-                  <a:rPr>
-                    <a:latin typeface="Courier"/>
-                  </a:rPr>
-                  <a:t>contrast_data </a:t>
-                </a:r>
-                <a:r>
-                  <a:rPr>
-                    <a:solidFill>
-                      <a:srgbClr val="007020"/>
-                    </a:solidFill>
-                    <a:latin typeface="Courier"/>
-                  </a:rPr>
-                  <a:t>&lt;-</a:t>
-                </a:r>
-                <a:r>
-                  <a:rPr>
-                    <a:latin typeface="Courier"/>
-                  </a:rPr>
-                  <a:t> </a:t>
-                </a:r>
-                <a:r>
-                  <a:rPr>
-                    <a:solidFill>
-                      <a:srgbClr val="06287E"/>
-                    </a:solidFill>
-                    <a:latin typeface="Courier"/>
-                  </a:rPr>
-                  <a:t>read.csv</a:t>
-                </a:r>
-                <a:r>
-                  <a:rPr>
-                    <a:latin typeface="Courier"/>
-                  </a:rPr>
-                  <a:t>(</a:t>
-                </a:r>
-                <a:r>
-                  <a:rPr>
-                    <a:solidFill>
-                      <a:srgbClr val="4070A0"/>
-                    </a:solidFill>
-                    <a:latin typeface="Courier"/>
-                  </a:rPr>
-                  <a:t>"https://raw.githubusercontent.com/daniel1noble/meta-workshop/gh-pages/data/pop_disp_raw_data.csv"</a:t>
-                </a:r>
-                <a:r>
-                  <a:rPr>
-                    <a:latin typeface="Courier"/>
-                  </a:rPr>
-                  <a:t>) </a:t>
-                </a:r>
-                <a:r>
-                  <a:rPr>
-                    <a:solidFill>
-                      <a:srgbClr val="4070A0"/>
-                    </a:solidFill>
-                    <a:latin typeface="Courier"/>
-                  </a:rPr>
-                  <a:t>%&gt;%</a:t>
-                </a:r>
-                <a:br/>
-                <a:r>
-                  <a:rPr>
-                    <a:latin typeface="Courier"/>
-                  </a:rPr>
-                  <a:t>  dplyr</a:t>
-                </a:r>
-                <a:r>
-                  <a:rPr>
-                    <a:solidFill>
-                      <a:srgbClr val="4070A0"/>
-                    </a:solidFill>
-                    <a:latin typeface="Courier"/>
-                  </a:rPr>
-                  <a:t>::</a:t>
-                </a:r>
-                <a:r>
-                  <a:rPr>
-                    <a:solidFill>
-                      <a:srgbClr val="06287E"/>
-                    </a:solidFill>
-                    <a:latin typeface="Courier"/>
-                  </a:rPr>
-                  <a:t>select</a:t>
-                </a:r>
-                <a:r>
-                  <a:rPr>
-                    <a:latin typeface="Courier"/>
-                  </a:rPr>
-                  <a:t>(study_ID, taxa, species, trait, response, response_unit, mean_core, sd_core, n_core, mean_front, sd_front, n_front) </a:t>
-                </a:r>
-                <a:r>
-                  <a:rPr>
-                    <a:solidFill>
-                      <a:srgbClr val="4070A0"/>
-                    </a:solidFill>
-                    <a:latin typeface="Courier"/>
-                  </a:rPr>
-                  <a:t>%&gt;%</a:t>
-                </a:r>
-                <a:r>
-                  <a:rPr>
-                    <a:latin typeface="Courier"/>
-                  </a:rPr>
-                  <a:t> </a:t>
-                </a:r>
-                <a:r>
-                  <a:rPr i="1">
-                    <a:solidFill>
-                      <a:srgbClr val="60A0B0"/>
-                    </a:solidFill>
-                    <a:latin typeface="Courier"/>
-                  </a:rPr>
-                  <a:t># remove irrelevant columns for this tutorial</a:t>
-                </a:r>
-                <a:br/>
-                <a:r>
-                  <a:rPr>
-                    <a:latin typeface="Courier"/>
-                  </a:rPr>
-                  <a:t>  dplyr</a:t>
-                </a:r>
-                <a:r>
-                  <a:rPr>
-                    <a:solidFill>
-                      <a:srgbClr val="4070A0"/>
-                    </a:solidFill>
-                    <a:latin typeface="Courier"/>
-                  </a:rPr>
-                  <a:t>::</a:t>
-                </a:r>
-                <a:r>
-                  <a:rPr>
-                    <a:solidFill>
-                      <a:srgbClr val="06287E"/>
-                    </a:solidFill>
-                    <a:latin typeface="Courier"/>
-                  </a:rPr>
-                  <a:t>top_n</a:t>
-                </a:r>
-                <a:r>
-                  <a:rPr>
-                    <a:latin typeface="Courier"/>
-                  </a:rPr>
-                  <a:t>(</a:t>
-                </a:r>
-                <a:r>
-                  <a:rPr>
-                    <a:solidFill>
-                      <a:srgbClr val="40A070"/>
-                    </a:solidFill>
-                    <a:latin typeface="Courier"/>
-                  </a:rPr>
-                  <a:t>10</a:t>
-                </a:r>
-                <a:r>
-                  <a:rPr>
-                    <a:latin typeface="Courier"/>
-                  </a:rPr>
-                  <a:t>) </a:t>
-                </a:r>
-                <a:r>
-                  <a:rPr i="1">
-                    <a:solidFill>
-                      <a:srgbClr val="60A0B0"/>
-                    </a:solidFill>
-                    <a:latin typeface="Courier"/>
-                  </a:rPr>
-                  <a:t># select first 10 effect sizes to illustrate escalc function</a:t>
-                </a:r>
-              </a:p>
-              <a:p>
-                <a:pPr lvl="0" indent="0">
-                  <a:buNone/>
-                </a:pPr>
-                <a:r>
-                  <a:rPr>
-                    <a:latin typeface="Courier"/>
-                  </a:rPr>
-                  <a:t>## Selecting by n_front</a:t>
-                </a:r>
-              </a:p>
-              <a:p>
-                <a:pPr lvl="0" indent="0" marL="0">
-                  <a:spcBef>
-                    <a:spcPts val="3000"/>
-                  </a:spcBef>
-                  <a:buNone/>
-                </a:pPr>
-                <a:r>
-                  <a:rPr b="1"/>
-                  <a:t>Hedgesg</a:t>
-                </a:r>
-              </a:p>
-              <a:p>
-                <a:pPr lvl="0" indent="0">
-                  <a:buNone/>
-                </a:pPr>
-                <a:r>
-                  <a:rPr i="1">
-                    <a:solidFill>
-                      <a:srgbClr val="60A0B0"/>
-                    </a:solidFill>
-                    <a:latin typeface="Courier"/>
-                  </a:rPr>
-                  <a:t># Calculate Hedges' g as g = effect size and v_g = sampling variances, where m1i = mean of edge population, n1i = sample size of edge population, sd1i = standard deviation of edge population, m2i = mean of core population, n2i = sample size of core population, sd2i = standard deviation of core population.</a:t>
-                </a:r>
-                <a:br/>
-                <a:r>
-                  <a:rPr>
-                    <a:latin typeface="Courier"/>
-                  </a:rPr>
-                  <a:t>contrast_data </a:t>
-                </a:r>
-                <a:r>
-                  <a:rPr>
-                    <a:solidFill>
-                      <a:srgbClr val="007020"/>
-                    </a:solidFill>
-                    <a:latin typeface="Courier"/>
-                  </a:rPr>
-                  <a:t>&lt;-</a:t>
-                </a:r>
-                <a:r>
-                  <a:rPr>
-                    <a:latin typeface="Courier"/>
-                  </a:rPr>
-                  <a:t> metafor</a:t>
-                </a:r>
-                <a:r>
-                  <a:rPr>
-                    <a:solidFill>
-                      <a:srgbClr val="4070A0"/>
-                    </a:solidFill>
-                    <a:latin typeface="Courier"/>
-                  </a:rPr>
-                  <a:t>::</a:t>
-                </a:r>
-                <a:r>
-                  <a:rPr>
-                    <a:solidFill>
-                      <a:srgbClr val="06287E"/>
-                    </a:solidFill>
-                    <a:latin typeface="Courier"/>
-                  </a:rPr>
-                  <a:t>escalc</a:t>
-                </a:r>
-                <a:r>
-                  <a:rPr>
-                    <a:latin typeface="Courier"/>
-                  </a:rPr>
-                  <a:t>(</a:t>
-                </a:r>
-                <a:r>
-                  <a:rPr>
-                    <a:solidFill>
-                      <a:srgbClr val="7D9029"/>
-                    </a:solidFill>
-                    <a:latin typeface="Courier"/>
-                  </a:rPr>
-                  <a:t>measure =</a:t>
-                </a:r>
-                <a:r>
-                  <a:rPr>
-                    <a:latin typeface="Courier"/>
-                  </a:rPr>
-                  <a:t> </a:t>
-                </a:r>
-                <a:r>
-                  <a:rPr>
-                    <a:solidFill>
-                      <a:srgbClr val="4070A0"/>
-                    </a:solidFill>
-                    <a:latin typeface="Courier"/>
-                  </a:rPr>
-                  <a:t>"SMD"</a:t>
-                </a:r>
-                <a:r>
-                  <a:rPr>
-                    <a:latin typeface="Courier"/>
-                  </a:rPr>
-                  <a:t>, </a:t>
-                </a:r>
-                <a:br/>
-                <a:r>
-                  <a:rPr>
-                    <a:latin typeface="Courier"/>
-                  </a:rPr>
-                  <a:t>                              </a:t>
-                </a:r>
-                <a:r>
-                  <a:rPr>
-                    <a:solidFill>
-                      <a:srgbClr val="7D9029"/>
-                    </a:solidFill>
-                    <a:latin typeface="Courier"/>
-                  </a:rPr>
-                  <a:t>m1i =</a:t>
-                </a:r>
-                <a:r>
-                  <a:rPr>
-                    <a:latin typeface="Courier"/>
-                  </a:rPr>
-                  <a:t> mean_front, </a:t>
-                </a:r>
-                <a:r>
-                  <a:rPr>
-                    <a:solidFill>
-                      <a:srgbClr val="7D9029"/>
-                    </a:solidFill>
-                    <a:latin typeface="Courier"/>
-                  </a:rPr>
-                  <a:t>n1i =</a:t>
-                </a:r>
-                <a:r>
-                  <a:rPr>
-                    <a:latin typeface="Courier"/>
-                  </a:rPr>
-                  <a:t> n_front, </a:t>
-                </a:r>
-                <a:r>
-                  <a:rPr>
-                    <a:solidFill>
-                      <a:srgbClr val="7D9029"/>
-                    </a:solidFill>
-                    <a:latin typeface="Courier"/>
-                  </a:rPr>
-                  <a:t>sd1i =</a:t>
-                </a:r>
-                <a:r>
-                  <a:rPr>
-                    <a:latin typeface="Courier"/>
-                  </a:rPr>
-                  <a:t> sd_front,</a:t>
-                </a:r>
-                <a:br/>
-                <a:r>
-                  <a:rPr>
-                    <a:latin typeface="Courier"/>
-                  </a:rPr>
-                  <a:t>                              </a:t>
-                </a:r>
-                <a:r>
-                  <a:rPr>
-                    <a:solidFill>
-                      <a:srgbClr val="7D9029"/>
-                    </a:solidFill>
-                    <a:latin typeface="Courier"/>
-                  </a:rPr>
-                  <a:t>m2i =</a:t>
-                </a:r>
-                <a:r>
-                  <a:rPr>
-                    <a:latin typeface="Courier"/>
-                  </a:rPr>
-                  <a:t> mean_core, </a:t>
-                </a:r>
-                <a:r>
-                  <a:rPr>
-                    <a:solidFill>
-                      <a:srgbClr val="7D9029"/>
-                    </a:solidFill>
-                    <a:latin typeface="Courier"/>
-                  </a:rPr>
-                  <a:t>n2i =</a:t>
-                </a:r>
-                <a:r>
-                  <a:rPr>
-                    <a:latin typeface="Courier"/>
-                  </a:rPr>
-                  <a:t> n_core, </a:t>
-                </a:r>
-                <a:r>
-                  <a:rPr>
-                    <a:solidFill>
-                      <a:srgbClr val="7D9029"/>
-                    </a:solidFill>
-                    <a:latin typeface="Courier"/>
-                  </a:rPr>
-                  <a:t>sd2i =</a:t>
-                </a:r>
-                <a:r>
-                  <a:rPr>
-                    <a:latin typeface="Courier"/>
-                  </a:rPr>
-                  <a:t> sd_core, </a:t>
-                </a:r>
-                <a:br/>
-                <a:r>
-                  <a:rPr>
-                    <a:latin typeface="Courier"/>
-                  </a:rPr>
-                  <a:t>                              </a:t>
-                </a:r>
-                <a:r>
-                  <a:rPr>
-                    <a:solidFill>
-                      <a:srgbClr val="7D9029"/>
-                    </a:solidFill>
-                    <a:latin typeface="Courier"/>
-                  </a:rPr>
-                  <a:t>data =</a:t>
-                </a:r>
-                <a:r>
-                  <a:rPr>
-                    <a:latin typeface="Courier"/>
-                  </a:rPr>
-                  <a:t> contrast_data, </a:t>
-                </a:r>
-                <a:r>
-                  <a:rPr>
-                    <a:solidFill>
-                      <a:srgbClr val="7D9029"/>
-                    </a:solidFill>
-                    <a:latin typeface="Courier"/>
-                  </a:rPr>
-                  <a:t>var.names=</a:t>
-                </a:r>
-                <a:r>
-                  <a:rPr>
-                    <a:solidFill>
-                      <a:srgbClr val="06287E"/>
-                    </a:solidFill>
-                    <a:latin typeface="Courier"/>
-                  </a:rPr>
-                  <a:t>c</a:t>
-                </a:r>
-                <a:r>
-                  <a:rPr>
-                    <a:latin typeface="Courier"/>
-                  </a:rPr>
-                  <a:t>(</a:t>
-                </a:r>
-                <a:r>
-                  <a:rPr>
-                    <a:solidFill>
-                      <a:srgbClr val="4070A0"/>
-                    </a:solidFill>
-                    <a:latin typeface="Courier"/>
-                  </a:rPr>
-                  <a:t>"g"</a:t>
-                </a:r>
-                <a:r>
-                  <a:rPr>
-                    <a:latin typeface="Courier"/>
-                  </a:rPr>
-                  <a:t>,</a:t>
-                </a:r>
-                <a:r>
-                  <a:rPr>
-                    <a:solidFill>
-                      <a:srgbClr val="4070A0"/>
-                    </a:solidFill>
-                    <a:latin typeface="Courier"/>
-                  </a:rPr>
-                  <a:t>"v_g"</a:t>
-                </a:r>
-                <a:r>
-                  <a:rPr>
-                    <a:latin typeface="Courier"/>
-                  </a:rPr>
-                  <a:t>))</a:t>
-                </a:r>
-                <a:br/>
-                <a:r>
-                  <a:rPr>
-                    <a:latin typeface="Courier"/>
-                  </a:rPr>
-                  <a:t>contrast_data </a:t>
-                </a:r>
-                <a:r>
-                  <a:rPr>
-                    <a:solidFill>
-                      <a:srgbClr val="4070A0"/>
-                    </a:solidFill>
-                    <a:latin typeface="Courier"/>
-                  </a:rPr>
-                  <a:t>%&gt;%</a:t>
-                </a:r>
-                <a:r>
-                  <a:rPr>
-                    <a:latin typeface="Courier"/>
-                  </a:rPr>
-                  <a:t> </a:t>
-                </a:r>
-                <a:r>
-                  <a:rPr>
-                    <a:solidFill>
-                      <a:srgbClr val="06287E"/>
-                    </a:solidFill>
-                    <a:latin typeface="Courier"/>
-                  </a:rPr>
-                  <a:t>select</a:t>
-                </a:r>
-                <a:r>
-                  <a:rPr>
-                    <a:latin typeface="Courier"/>
-                  </a:rPr>
-                  <a:t>(study_ID, mean_core, sd_core, n_core, mean_front, sd_front, n_front, g, v_g)</a:t>
-                </a:r>
-              </a:p>
-              <a:p>
-                <a:pPr lvl="0" indent="0">
-                  <a:buNone/>
-                </a:pPr>
-                <a:r>
-                  <a:rPr>
-                    <a:latin typeface="Courier"/>
-                  </a:rPr>
-                  <a:t>## 
+            </a:r>
+          </a:p>
+        </p:txBody>
+      </p:sp>
+    </p:spTree>
+  </p:cSld>
+</p:sld>
+</file>
+
+<file path=ppt/slides/slide13.xml><?xml version="1.0" encoding="utf-8"?>
+<p:sld xmlns:a="http://schemas.openxmlformats.org/drawingml/2006/main" xmlns:r="http://schemas.openxmlformats.org/officeDocument/2006/relationships" xmlns:p="http://schemas.openxmlformats.org/presentationml/2006/main">
+  <p:cSld>
+    <p:spTree>
+      <p:nvGrpSpPr>
+        <p:cNvPr id="1" name=""/>
+        <p:cNvGrpSpPr/>
+        <p:nvPr/>
+      </p:nvGrpSpPr>
+      <p:grpSpPr>
+        <a:xfrm>
+          <a:off x="0" y="0"/>
+          <a:ext cx="0" cy="0"/>
+          <a:chOff x="0" y="0"/>
+          <a:chExt cx="0" cy="0"/>
+        </a:xfrm>
+      </p:grpSpPr>
+      <p:sp>
+        <p:nvSpPr>
+          <p:cNvPr id="2" name="Title 1"/>
+          <p:cNvSpPr>
+            <a:spLocks noGrp="1"/>
+          </p:cNvSpPr>
+          <p:nvPr>
+            <p:ph type="title"/>
+          </p:nvPr>
+        </p:nvSpPr>
+        <p:spPr/>
+        <p:txBody>
+          <a:bodyPr/>
+          <a:lstStyle/>
+          <a:p>
+            <a:pPr lvl="0" indent="0" marL="0">
+              <a:buNone/>
+            </a:pPr>
+            <a:r>
+              <a:rPr/>
+              <a:t>Hedges</a:t>
+            </a:r>
+          </a:p>
+        </p:txBody>
+      </p:sp>
+      <p:sp>
+        <p:nvSpPr>
+          <p:cNvPr id="3" name="Content Placeholder 2"/>
+          <p:cNvSpPr>
+            <a:spLocks noGrp="1"/>
+          </p:cNvSpPr>
+          <p:nvPr>
+            <p:ph idx="1"/>
+          </p:nvPr>
+        </p:nvSpPr>
+        <p:spPr/>
+        <p:txBody>
+          <a:bodyPr/>
+          <a:lstStyle/>
+          <a:p>
+            <a:pPr lvl="0" indent="0">
+              <a:buNone/>
+            </a:pPr>
+            <a:r>
+              <a:rPr>
+                <a:latin typeface="Courier"/>
+              </a:rPr>
+              <a:t>contrast_data </a:t>
+            </a:r>
+            <a:r>
+              <a:rPr>
+                <a:solidFill>
+                  <a:srgbClr val="007020"/>
+                </a:solidFill>
+                <a:latin typeface="Courier"/>
+              </a:rPr>
+              <a:t>&lt;-</a:t>
+            </a:r>
+            <a:r>
+              <a:rPr>
+                <a:latin typeface="Courier"/>
+              </a:rPr>
+              <a:t> </a:t>
+            </a:r>
+            <a:r>
+              <a:rPr>
+                <a:solidFill>
+                  <a:srgbClr val="06287E"/>
+                </a:solidFill>
+                <a:latin typeface="Courier"/>
+              </a:rPr>
+              <a:t>read.csv</a:t>
+            </a:r>
+            <a:r>
+              <a:rPr>
+                <a:latin typeface="Courier"/>
+              </a:rPr>
+              <a:t>(</a:t>
+            </a:r>
+            <a:r>
+              <a:rPr>
+                <a:solidFill>
+                  <a:srgbClr val="4070A0"/>
+                </a:solidFill>
+                <a:latin typeface="Courier"/>
+              </a:rPr>
+              <a:t>"https://raw.githubusercontent.com/daniel1noble/meta-workshop/gh-pages/data/pop_disp_raw_data.csv"</a:t>
+            </a:r>
+            <a:r>
+              <a:rPr>
+                <a:latin typeface="Courier"/>
+              </a:rPr>
+              <a:t>) </a:t>
+            </a:r>
+            <a:r>
+              <a:rPr>
+                <a:solidFill>
+                  <a:srgbClr val="4070A0"/>
+                </a:solidFill>
+                <a:latin typeface="Courier"/>
+              </a:rPr>
+              <a:t>%&gt;%</a:t>
+            </a:r>
+            <a:br/>
+            <a:r>
+              <a:rPr>
+                <a:latin typeface="Courier"/>
+              </a:rPr>
+              <a:t>  dplyr</a:t>
+            </a:r>
+            <a:r>
+              <a:rPr>
+                <a:solidFill>
+                  <a:srgbClr val="4070A0"/>
+                </a:solidFill>
+                <a:latin typeface="Courier"/>
+              </a:rPr>
+              <a:t>::</a:t>
+            </a:r>
+            <a:r>
+              <a:rPr>
+                <a:solidFill>
+                  <a:srgbClr val="06287E"/>
+                </a:solidFill>
+                <a:latin typeface="Courier"/>
+              </a:rPr>
+              <a:t>select</a:t>
+            </a:r>
+            <a:r>
+              <a:rPr>
+                <a:latin typeface="Courier"/>
+              </a:rPr>
+              <a:t>(study_ID, taxa, species, trait, response, response_unit, mean_core, sd_core, n_core, mean_front, sd_front, n_front) </a:t>
+            </a:r>
+            <a:r>
+              <a:rPr>
+                <a:solidFill>
+                  <a:srgbClr val="4070A0"/>
+                </a:solidFill>
+                <a:latin typeface="Courier"/>
+              </a:rPr>
+              <a:t>%&gt;%</a:t>
+            </a:r>
+            <a:r>
+              <a:rPr>
+                <a:latin typeface="Courier"/>
+              </a:rPr>
+              <a:t> </a:t>
+            </a:r>
+            <a:r>
+              <a:rPr i="1">
+                <a:solidFill>
+                  <a:srgbClr val="60A0B0"/>
+                </a:solidFill>
+                <a:latin typeface="Courier"/>
+              </a:rPr>
+              <a:t># remove irrelevant columns for this tutorial</a:t>
+            </a:r>
+            <a:br/>
+            <a:r>
+              <a:rPr>
+                <a:latin typeface="Courier"/>
+              </a:rPr>
+              <a:t>  dplyr</a:t>
+            </a:r>
+            <a:r>
+              <a:rPr>
+                <a:solidFill>
+                  <a:srgbClr val="4070A0"/>
+                </a:solidFill>
+                <a:latin typeface="Courier"/>
+              </a:rPr>
+              <a:t>::</a:t>
+            </a:r>
+            <a:r>
+              <a:rPr>
+                <a:solidFill>
+                  <a:srgbClr val="06287E"/>
+                </a:solidFill>
+                <a:latin typeface="Courier"/>
+              </a:rPr>
+              <a:t>top_n</a:t>
+            </a:r>
+            <a:r>
+              <a:rPr>
+                <a:latin typeface="Courier"/>
+              </a:rPr>
+              <a:t>(</a:t>
+            </a:r>
+            <a:r>
+              <a:rPr>
+                <a:solidFill>
+                  <a:srgbClr val="40A070"/>
+                </a:solidFill>
+                <a:latin typeface="Courier"/>
+              </a:rPr>
+              <a:t>10</a:t>
+            </a:r>
+            <a:r>
+              <a:rPr>
+                <a:latin typeface="Courier"/>
+              </a:rPr>
+              <a:t>) </a:t>
+            </a:r>
+            <a:r>
+              <a:rPr i="1">
+                <a:solidFill>
+                  <a:srgbClr val="60A0B0"/>
+                </a:solidFill>
+                <a:latin typeface="Courier"/>
+              </a:rPr>
+              <a:t># select first 10 effect sizes to illustrate escalc function</a:t>
+            </a:r>
+          </a:p>
+          <a:p>
+            <a:pPr lvl="0" indent="0">
+              <a:buNone/>
+            </a:pPr>
+            <a:r>
+              <a:rPr>
+                <a:latin typeface="Courier"/>
+              </a:rPr>
+              <a:t>## Selecting by n_front</a:t>
+            </a:r>
+          </a:p>
+        </p:txBody>
+      </p:sp>
+    </p:spTree>
+  </p:cSld>
+</p:sld>
+</file>
+
+<file path=ppt/slides/slide14.xml><?xml version="1.0" encoding="utf-8"?>
+<p:sld xmlns:a="http://schemas.openxmlformats.org/drawingml/2006/main" xmlns:r="http://schemas.openxmlformats.org/officeDocument/2006/relationships" xmlns:p="http://schemas.openxmlformats.org/presentationml/2006/main">
+  <p:cSld>
+    <p:spTree>
+      <p:nvGrpSpPr>
+        <p:cNvPr id="1" name=""/>
+        <p:cNvGrpSpPr/>
+        <p:nvPr/>
+      </p:nvGrpSpPr>
+      <p:grpSpPr>
+        <a:xfrm>
+          <a:off x="0" y="0"/>
+          <a:ext cx="0" cy="0"/>
+          <a:chOff x="0" y="0"/>
+          <a:chExt cx="0" cy="0"/>
+        </a:xfrm>
+      </p:grpSpPr>
+      <p:sp>
+        <p:nvSpPr>
+          <p:cNvPr id="2" name="Title 1"/>
+          <p:cNvSpPr>
+            <a:spLocks noGrp="1"/>
+          </p:cNvSpPr>
+          <p:nvPr>
+            <p:ph type="title"/>
+          </p:nvPr>
+        </p:nvSpPr>
+        <p:spPr/>
+        <p:txBody>
+          <a:bodyPr/>
+          <a:lstStyle/>
+          <a:p>
+            <a:pPr lvl="0" indent="0" marL="0">
+              <a:buNone/>
+            </a:pPr>
+            <a:r>
+              <a:rPr/>
+              <a:t>Hedgesg</a:t>
+            </a:r>
+          </a:p>
+        </p:txBody>
+      </p:sp>
+      <p:sp>
+        <p:nvSpPr>
+          <p:cNvPr id="3" name="Content Placeholder 2"/>
+          <p:cNvSpPr>
+            <a:spLocks noGrp="1"/>
+          </p:cNvSpPr>
+          <p:nvPr>
+            <p:ph idx="1"/>
+          </p:nvPr>
+        </p:nvSpPr>
+        <p:spPr/>
+        <p:txBody>
+          <a:bodyPr/>
+          <a:lstStyle/>
+          <a:p>
+            <a:pPr lvl="0" indent="0">
+              <a:buNone/>
+            </a:pPr>
+            <a:r>
+              <a:rPr i="1">
+                <a:solidFill>
+                  <a:srgbClr val="60A0B0"/>
+                </a:solidFill>
+                <a:latin typeface="Courier"/>
+              </a:rPr>
+              <a:t># Calculate Hedges' g as g = effect size and v_g = sampling variances, where m1i = mean of edge population, n1i = sample size of edge population, sd1i = standard deviation of edge population, m2i = mean of core population, n2i = sample size of core population, sd2i = standard deviation of core population.</a:t>
+            </a:r>
+            <a:br/>
+            <a:r>
+              <a:rPr>
+                <a:latin typeface="Courier"/>
+              </a:rPr>
+              <a:t>contrast_data </a:t>
+            </a:r>
+            <a:r>
+              <a:rPr>
+                <a:solidFill>
+                  <a:srgbClr val="007020"/>
+                </a:solidFill>
+                <a:latin typeface="Courier"/>
+              </a:rPr>
+              <a:t>&lt;-</a:t>
+            </a:r>
+            <a:r>
+              <a:rPr>
+                <a:latin typeface="Courier"/>
+              </a:rPr>
+              <a:t> metafor</a:t>
+            </a:r>
+            <a:r>
+              <a:rPr>
+                <a:solidFill>
+                  <a:srgbClr val="4070A0"/>
+                </a:solidFill>
+                <a:latin typeface="Courier"/>
+              </a:rPr>
+              <a:t>::</a:t>
+            </a:r>
+            <a:r>
+              <a:rPr>
+                <a:solidFill>
+                  <a:srgbClr val="06287E"/>
+                </a:solidFill>
+                <a:latin typeface="Courier"/>
+              </a:rPr>
+              <a:t>escalc</a:t>
+            </a:r>
+            <a:r>
+              <a:rPr>
+                <a:latin typeface="Courier"/>
+              </a:rPr>
+              <a:t>(</a:t>
+            </a:r>
+            <a:r>
+              <a:rPr>
+                <a:solidFill>
+                  <a:srgbClr val="7D9029"/>
+                </a:solidFill>
+                <a:latin typeface="Courier"/>
+              </a:rPr>
+              <a:t>measure =</a:t>
+            </a:r>
+            <a:r>
+              <a:rPr>
+                <a:latin typeface="Courier"/>
+              </a:rPr>
+              <a:t> </a:t>
+            </a:r>
+            <a:r>
+              <a:rPr>
+                <a:solidFill>
+                  <a:srgbClr val="4070A0"/>
+                </a:solidFill>
+                <a:latin typeface="Courier"/>
+              </a:rPr>
+              <a:t>"SMD"</a:t>
+            </a:r>
+            <a:r>
+              <a:rPr>
+                <a:latin typeface="Courier"/>
+              </a:rPr>
+              <a:t>, </a:t>
+            </a:r>
+            <a:br/>
+            <a:r>
+              <a:rPr>
+                <a:latin typeface="Courier"/>
+              </a:rPr>
+              <a:t>                              </a:t>
+            </a:r>
+            <a:r>
+              <a:rPr>
+                <a:solidFill>
+                  <a:srgbClr val="7D9029"/>
+                </a:solidFill>
+                <a:latin typeface="Courier"/>
+              </a:rPr>
+              <a:t>m1i =</a:t>
+            </a:r>
+            <a:r>
+              <a:rPr>
+                <a:latin typeface="Courier"/>
+              </a:rPr>
+              <a:t> mean_front, </a:t>
+            </a:r>
+            <a:r>
+              <a:rPr>
+                <a:solidFill>
+                  <a:srgbClr val="7D9029"/>
+                </a:solidFill>
+                <a:latin typeface="Courier"/>
+              </a:rPr>
+              <a:t>n1i =</a:t>
+            </a:r>
+            <a:r>
+              <a:rPr>
+                <a:latin typeface="Courier"/>
+              </a:rPr>
+              <a:t> n_front, </a:t>
+            </a:r>
+            <a:r>
+              <a:rPr>
+                <a:solidFill>
+                  <a:srgbClr val="7D9029"/>
+                </a:solidFill>
+                <a:latin typeface="Courier"/>
+              </a:rPr>
+              <a:t>sd1i =</a:t>
+            </a:r>
+            <a:r>
+              <a:rPr>
+                <a:latin typeface="Courier"/>
+              </a:rPr>
+              <a:t> sd_front,</a:t>
+            </a:r>
+            <a:br/>
+            <a:r>
+              <a:rPr>
+                <a:latin typeface="Courier"/>
+              </a:rPr>
+              <a:t>                              </a:t>
+            </a:r>
+            <a:r>
+              <a:rPr>
+                <a:solidFill>
+                  <a:srgbClr val="7D9029"/>
+                </a:solidFill>
+                <a:latin typeface="Courier"/>
+              </a:rPr>
+              <a:t>m2i =</a:t>
+            </a:r>
+            <a:r>
+              <a:rPr>
+                <a:latin typeface="Courier"/>
+              </a:rPr>
+              <a:t> mean_core, </a:t>
+            </a:r>
+            <a:r>
+              <a:rPr>
+                <a:solidFill>
+                  <a:srgbClr val="7D9029"/>
+                </a:solidFill>
+                <a:latin typeface="Courier"/>
+              </a:rPr>
+              <a:t>n2i =</a:t>
+            </a:r>
+            <a:r>
+              <a:rPr>
+                <a:latin typeface="Courier"/>
+              </a:rPr>
+              <a:t> n_core, </a:t>
+            </a:r>
+            <a:r>
+              <a:rPr>
+                <a:solidFill>
+                  <a:srgbClr val="7D9029"/>
+                </a:solidFill>
+                <a:latin typeface="Courier"/>
+              </a:rPr>
+              <a:t>sd2i =</a:t>
+            </a:r>
+            <a:r>
+              <a:rPr>
+                <a:latin typeface="Courier"/>
+              </a:rPr>
+              <a:t> sd_core, </a:t>
+            </a:r>
+            <a:br/>
+            <a:r>
+              <a:rPr>
+                <a:latin typeface="Courier"/>
+              </a:rPr>
+              <a:t>                              </a:t>
+            </a:r>
+            <a:r>
+              <a:rPr>
+                <a:solidFill>
+                  <a:srgbClr val="7D9029"/>
+                </a:solidFill>
+                <a:latin typeface="Courier"/>
+              </a:rPr>
+              <a:t>data =</a:t>
+            </a:r>
+            <a:r>
+              <a:rPr>
+                <a:latin typeface="Courier"/>
+              </a:rPr>
+              <a:t> contrast_data, </a:t>
+            </a:r>
+            <a:r>
+              <a:rPr>
+                <a:solidFill>
+                  <a:srgbClr val="7D9029"/>
+                </a:solidFill>
+                <a:latin typeface="Courier"/>
+              </a:rPr>
+              <a:t>var.names=</a:t>
+            </a:r>
+            <a:r>
+              <a:rPr>
+                <a:solidFill>
+                  <a:srgbClr val="06287E"/>
+                </a:solidFill>
+                <a:latin typeface="Courier"/>
+              </a:rPr>
+              <a:t>c</a:t>
+            </a:r>
+            <a:r>
+              <a:rPr>
+                <a:latin typeface="Courier"/>
+              </a:rPr>
+              <a:t>(</a:t>
+            </a:r>
+            <a:r>
+              <a:rPr>
+                <a:solidFill>
+                  <a:srgbClr val="4070A0"/>
+                </a:solidFill>
+                <a:latin typeface="Courier"/>
+              </a:rPr>
+              <a:t>"g"</a:t>
+            </a:r>
+            <a:r>
+              <a:rPr>
+                <a:latin typeface="Courier"/>
+              </a:rPr>
+              <a:t>,</a:t>
+            </a:r>
+            <a:r>
+              <a:rPr>
+                <a:solidFill>
+                  <a:srgbClr val="4070A0"/>
+                </a:solidFill>
+                <a:latin typeface="Courier"/>
+              </a:rPr>
+              <a:t>"v_g"</a:t>
+            </a:r>
+            <a:r>
+              <a:rPr>
+                <a:latin typeface="Courier"/>
+              </a:rPr>
+              <a:t>))</a:t>
+            </a:r>
+            <a:br/>
+            <a:r>
+              <a:rPr>
+                <a:latin typeface="Courier"/>
+              </a:rPr>
+              <a:t>contrast_data </a:t>
+            </a:r>
+            <a:r>
+              <a:rPr>
+                <a:solidFill>
+                  <a:srgbClr val="4070A0"/>
+                </a:solidFill>
+                <a:latin typeface="Courier"/>
+              </a:rPr>
+              <a:t>%&gt;%</a:t>
+            </a:r>
+            <a:r>
+              <a:rPr>
+                <a:latin typeface="Courier"/>
+              </a:rPr>
+              <a:t> </a:t>
+            </a:r>
+            <a:r>
+              <a:rPr>
+                <a:solidFill>
+                  <a:srgbClr val="06287E"/>
+                </a:solidFill>
+                <a:latin typeface="Courier"/>
+              </a:rPr>
+              <a:t>select</a:t>
+            </a:r>
+            <a:r>
+              <a:rPr>
+                <a:latin typeface="Courier"/>
+              </a:rPr>
+              <a:t>(study_ID, mean_core, sd_core, n_core, mean_front, sd_front, n_front, g, v_g)</a:t>
+            </a:r>
+          </a:p>
+          <a:p>
+            <a:pPr lvl="0" indent="0">
+              <a:buNone/>
+            </a:pPr>
+            <a:r>
+              <a:rPr>
+                <a:latin typeface="Courier"/>
+              </a:rPr>
+              <a:t>## 
 ##    study_ID    mean_core      sd_core n_core   mean_front     sd_front n_front 
 ## 1         9    0.8264591   0.41322957     98    0.9525292   0.58132296     161 
 ## 2        24    0.4333333   0.02804233    116    0.5116402   0.02698413     117 
@@ -6368,336 +4602,387 @@
 ## 9  -0.0604 0.0193 
 ## 10  0.9980 0.0120 
 ## 11  1.4977 0.0102</a:t>
-                </a:r>
-              </a:p>
-              <a:p>
-                <a:pPr lvl="0" indent="0" marL="0">
-                  <a:spcBef>
-                    <a:spcPts val="3000"/>
-                  </a:spcBef>
-                  <a:buNone/>
-                </a:pPr>
-                <a:r>
-                  <a:rPr b="1"/>
-                  <a:t>lnRR</a:t>
-                </a:r>
-              </a:p>
-              <a:p>
-                <a:pPr lvl="0" indent="0">
-                  <a:buNone/>
-                </a:pPr>
-                <a:r>
-                  <a:rPr i="1">
-                    <a:solidFill>
-                      <a:srgbClr val="60A0B0"/>
-                    </a:solidFill>
-                    <a:latin typeface="Courier"/>
-                  </a:rPr>
-                  <a:t># Calculate log response ratio, lnRR = effect size and v_lnRR = sampling variances, where m1i = mean of edge population, n1i = sample size of edge population, sd1i = standard deviation of edge population, m2i = mean of core population, n2i = sample size of core population, sd2i = standard deviation of core population.</a:t>
-                </a:r>
-                <a:br/>
-                <a:r>
-                  <a:rPr>
-                    <a:latin typeface="Courier"/>
-                  </a:rPr>
-                  <a:t>contrast_data </a:t>
-                </a:r>
-                <a:r>
-                  <a:rPr>
-                    <a:solidFill>
-                      <a:srgbClr val="007020"/>
-                    </a:solidFill>
-                    <a:latin typeface="Courier"/>
-                  </a:rPr>
-                  <a:t>&lt;-</a:t>
-                </a:r>
-                <a:r>
-                  <a:rPr>
-                    <a:latin typeface="Courier"/>
-                  </a:rPr>
-                  <a:t> metafor</a:t>
-                </a:r>
-                <a:r>
-                  <a:rPr>
-                    <a:solidFill>
-                      <a:srgbClr val="4070A0"/>
-                    </a:solidFill>
-                    <a:latin typeface="Courier"/>
-                  </a:rPr>
-                  <a:t>::</a:t>
-                </a:r>
-                <a:r>
-                  <a:rPr>
-                    <a:solidFill>
-                      <a:srgbClr val="06287E"/>
-                    </a:solidFill>
-                    <a:latin typeface="Courier"/>
-                  </a:rPr>
-                  <a:t>escalc</a:t>
-                </a:r>
-                <a:r>
-                  <a:rPr>
-                    <a:latin typeface="Courier"/>
-                  </a:rPr>
-                  <a:t>(</a:t>
-                </a:r>
-                <a:r>
-                  <a:rPr>
-                    <a:solidFill>
-                      <a:srgbClr val="7D9029"/>
-                    </a:solidFill>
-                    <a:latin typeface="Courier"/>
-                  </a:rPr>
-                  <a:t>measure =</a:t>
-                </a:r>
-                <a:r>
-                  <a:rPr>
-                    <a:latin typeface="Courier"/>
-                  </a:rPr>
-                  <a:t> </a:t>
-                </a:r>
-                <a:r>
-                  <a:rPr>
-                    <a:solidFill>
-                      <a:srgbClr val="4070A0"/>
-                    </a:solidFill>
-                    <a:latin typeface="Courier"/>
-                  </a:rPr>
-                  <a:t>"ROM"</a:t>
-                </a:r>
-                <a:r>
-                  <a:rPr>
-                    <a:latin typeface="Courier"/>
-                  </a:rPr>
-                  <a:t>, </a:t>
-                </a:r>
-                <a:br/>
-                <a:r>
-                  <a:rPr>
-                    <a:latin typeface="Courier"/>
-                  </a:rPr>
-                  <a:t>                              </a:t>
-                </a:r>
-                <a:r>
-                  <a:rPr>
-                    <a:solidFill>
-                      <a:srgbClr val="7D9029"/>
-                    </a:solidFill>
-                    <a:latin typeface="Courier"/>
-                  </a:rPr>
-                  <a:t>m1i =</a:t>
-                </a:r>
-                <a:r>
-                  <a:rPr>
-                    <a:latin typeface="Courier"/>
-                  </a:rPr>
-                  <a:t> mean_front, </a:t>
-                </a:r>
-                <a:r>
-                  <a:rPr>
-                    <a:solidFill>
-                      <a:srgbClr val="7D9029"/>
-                    </a:solidFill>
-                    <a:latin typeface="Courier"/>
-                  </a:rPr>
-                  <a:t>n1i =</a:t>
-                </a:r>
-                <a:r>
-                  <a:rPr>
-                    <a:latin typeface="Courier"/>
-                  </a:rPr>
-                  <a:t> n_front, </a:t>
-                </a:r>
-                <a:r>
-                  <a:rPr>
-                    <a:solidFill>
-                      <a:srgbClr val="7D9029"/>
-                    </a:solidFill>
-                    <a:latin typeface="Courier"/>
-                  </a:rPr>
-                  <a:t>sd1i =</a:t>
-                </a:r>
-                <a:r>
-                  <a:rPr>
-                    <a:latin typeface="Courier"/>
-                  </a:rPr>
-                  <a:t> sd_front,</a:t>
-                </a:r>
-                <a:br/>
-                <a:r>
-                  <a:rPr>
-                    <a:latin typeface="Courier"/>
-                  </a:rPr>
-                  <a:t>                              </a:t>
-                </a:r>
-                <a:r>
-                  <a:rPr>
-                    <a:solidFill>
-                      <a:srgbClr val="7D9029"/>
-                    </a:solidFill>
-                    <a:latin typeface="Courier"/>
-                  </a:rPr>
-                  <a:t>m2i =</a:t>
-                </a:r>
-                <a:r>
-                  <a:rPr>
-                    <a:latin typeface="Courier"/>
-                  </a:rPr>
-                  <a:t> mean_core, </a:t>
-                </a:r>
-                <a:r>
-                  <a:rPr>
-                    <a:solidFill>
-                      <a:srgbClr val="7D9029"/>
-                    </a:solidFill>
-                    <a:latin typeface="Courier"/>
-                  </a:rPr>
-                  <a:t>n2i =</a:t>
-                </a:r>
-                <a:r>
-                  <a:rPr>
-                    <a:latin typeface="Courier"/>
-                  </a:rPr>
-                  <a:t> n_core, </a:t>
-                </a:r>
-                <a:r>
-                  <a:rPr>
-                    <a:solidFill>
-                      <a:srgbClr val="7D9029"/>
-                    </a:solidFill>
-                    <a:latin typeface="Courier"/>
-                  </a:rPr>
-                  <a:t>sd2i =</a:t>
-                </a:r>
-                <a:r>
-                  <a:rPr>
-                    <a:latin typeface="Courier"/>
-                  </a:rPr>
-                  <a:t> sd_core, </a:t>
-                </a:r>
-                <a:br/>
-                <a:r>
-                  <a:rPr>
-                    <a:latin typeface="Courier"/>
-                  </a:rPr>
-                  <a:t>                              </a:t>
-                </a:r>
-                <a:r>
-                  <a:rPr>
-                    <a:solidFill>
-                      <a:srgbClr val="7D9029"/>
-                    </a:solidFill>
-                    <a:latin typeface="Courier"/>
-                  </a:rPr>
-                  <a:t>data =</a:t>
-                </a:r>
-                <a:r>
-                  <a:rPr>
-                    <a:latin typeface="Courier"/>
-                  </a:rPr>
-                  <a:t> contrast_data, </a:t>
-                </a:r>
-                <a:r>
-                  <a:rPr>
-                    <a:solidFill>
-                      <a:srgbClr val="7D9029"/>
-                    </a:solidFill>
-                    <a:latin typeface="Courier"/>
-                  </a:rPr>
-                  <a:t>var.names=</a:t>
-                </a:r>
-                <a:r>
-                  <a:rPr>
-                    <a:solidFill>
-                      <a:srgbClr val="06287E"/>
-                    </a:solidFill>
-                    <a:latin typeface="Courier"/>
-                  </a:rPr>
-                  <a:t>c</a:t>
-                </a:r>
-                <a:r>
-                  <a:rPr>
-                    <a:latin typeface="Courier"/>
-                  </a:rPr>
-                  <a:t>(</a:t>
-                </a:r>
-                <a:r>
-                  <a:rPr>
-                    <a:solidFill>
-                      <a:srgbClr val="4070A0"/>
-                    </a:solidFill>
-                    <a:latin typeface="Courier"/>
-                  </a:rPr>
-                  <a:t>"lnRR"</a:t>
-                </a:r>
-                <a:r>
-                  <a:rPr>
-                    <a:latin typeface="Courier"/>
-                  </a:rPr>
-                  <a:t>,</a:t>
-                </a:r>
-                <a:r>
-                  <a:rPr>
-                    <a:solidFill>
-                      <a:srgbClr val="4070A0"/>
-                    </a:solidFill>
-                    <a:latin typeface="Courier"/>
-                  </a:rPr>
-                  <a:t>"v_lnRR"</a:t>
-                </a:r>
-                <a:r>
-                  <a:rPr>
-                    <a:latin typeface="Courier"/>
-                  </a:rPr>
-                  <a:t>))</a:t>
-                </a:r>
-                <a:br/>
-                <a:r>
-                  <a:rPr>
-                    <a:latin typeface="Courier"/>
-                  </a:rPr>
-                  <a:t>contrast_data </a:t>
-                </a:r>
-                <a:r>
-                  <a:rPr>
-                    <a:solidFill>
-                      <a:srgbClr val="4070A0"/>
-                    </a:solidFill>
-                    <a:latin typeface="Courier"/>
-                  </a:rPr>
-                  <a:t>%&gt;%</a:t>
-                </a:r>
-                <a:r>
-                  <a:rPr>
-                    <a:latin typeface="Courier"/>
-                  </a:rPr>
-                  <a:t> </a:t>
-                </a:r>
-                <a:r>
-                  <a:rPr>
-                    <a:solidFill>
-                      <a:srgbClr val="06287E"/>
-                    </a:solidFill>
-                    <a:latin typeface="Courier"/>
-                  </a:rPr>
-                  <a:t>select</a:t>
-                </a:r>
-                <a:r>
-                  <a:rPr>
-                    <a:latin typeface="Courier"/>
-                  </a:rPr>
-                  <a:t>(study_ID, mean_core, sd_core, n_core, mean_front, sd_front, n_front, lnRR, v_lnRR)</a:t>
-                </a:r>
-              </a:p>
-              <a:p>
-                <a:pPr lvl="0" indent="0">
-                  <a:buNone/>
-                </a:pPr>
-                <a:r>
-                  <a:rPr>
-                    <a:latin typeface="Courier"/>
-                  </a:rPr>
-                  <a:t>## 
+            </a:r>
+          </a:p>
+        </p:txBody>
+      </p:sp>
+    </p:spTree>
+  </p:cSld>
+</p:sld>
+</file>
+
+<file path=ppt/slides/slide15.xml><?xml version="1.0" encoding="utf-8"?>
+<p:sld xmlns:a="http://schemas.openxmlformats.org/drawingml/2006/main" xmlns:r="http://schemas.openxmlformats.org/officeDocument/2006/relationships" xmlns:p="http://schemas.openxmlformats.org/presentationml/2006/main">
+  <p:cSld>
+    <p:spTree>
+      <p:nvGrpSpPr>
+        <p:cNvPr id="1" name=""/>
+        <p:cNvGrpSpPr/>
+        <p:nvPr/>
+      </p:nvGrpSpPr>
+      <p:grpSpPr>
+        <a:xfrm>
+          <a:off x="0" y="0"/>
+          <a:ext cx="0" cy="0"/>
+          <a:chOff x="0" y="0"/>
+          <a:chExt cx="0" cy="0"/>
+        </a:xfrm>
+      </p:grpSpPr>
+      <p:sp>
+        <p:nvSpPr>
+          <p:cNvPr id="2" name="Title 1"/>
+          <p:cNvSpPr>
+            <a:spLocks noGrp="1"/>
+          </p:cNvSpPr>
+          <p:nvPr>
+            <p:ph type="title"/>
+          </p:nvPr>
+        </p:nvSpPr>
+        <p:spPr/>
+        <p:txBody>
+          <a:bodyPr/>
+          <a:lstStyle/>
+          <a:p>
+            <a:pPr lvl="0" indent="0" marL="0">
+              <a:buNone/>
+            </a:pPr>
+            <a:r>
+              <a:rPr/>
+              <a:t>lnRR</a:t>
+            </a:r>
+          </a:p>
+        </p:txBody>
+      </p:sp>
+      <p:sp>
+        <p:nvSpPr>
+          <p:cNvPr id="3" name="Content Placeholder 2"/>
+          <p:cNvSpPr>
+            <a:spLocks noGrp="1"/>
+          </p:cNvSpPr>
+          <p:nvPr>
+            <p:ph idx="1"/>
+          </p:nvPr>
+        </p:nvSpPr>
+        <p:spPr/>
+        <p:txBody>
+          <a:bodyPr/>
+          <a:lstStyle/>
+          <a:p>
+            <a:pPr lvl="0" indent="0">
+              <a:buNone/>
+            </a:pPr>
+            <a:r>
+              <a:rPr i="1">
+                <a:solidFill>
+                  <a:srgbClr val="60A0B0"/>
+                </a:solidFill>
+                <a:latin typeface="Courier"/>
+              </a:rPr>
+              <a:t># Calculate log response ratio, lnRR = effect size and v_lnRR = sampling variances, where m1i = mean of edge population, n1i = sample size of edge population, sd1i = standard deviation of edge population, m2i = mean of core population, n2i = sample size of core population, sd2i = standard deviation of core population.</a:t>
+            </a:r>
+            <a:br/>
+            <a:r>
+              <a:rPr>
+                <a:latin typeface="Courier"/>
+              </a:rPr>
+              <a:t>contrast_data </a:t>
+            </a:r>
+            <a:r>
+              <a:rPr>
+                <a:solidFill>
+                  <a:srgbClr val="007020"/>
+                </a:solidFill>
+                <a:latin typeface="Courier"/>
+              </a:rPr>
+              <a:t>&lt;-</a:t>
+            </a:r>
+            <a:r>
+              <a:rPr>
+                <a:latin typeface="Courier"/>
+              </a:rPr>
+              <a:t> metafor</a:t>
+            </a:r>
+            <a:r>
+              <a:rPr>
+                <a:solidFill>
+                  <a:srgbClr val="4070A0"/>
+                </a:solidFill>
+                <a:latin typeface="Courier"/>
+              </a:rPr>
+              <a:t>::</a:t>
+            </a:r>
+            <a:r>
+              <a:rPr>
+                <a:solidFill>
+                  <a:srgbClr val="06287E"/>
+                </a:solidFill>
+                <a:latin typeface="Courier"/>
+              </a:rPr>
+              <a:t>escalc</a:t>
+            </a:r>
+            <a:r>
+              <a:rPr>
+                <a:latin typeface="Courier"/>
+              </a:rPr>
+              <a:t>(</a:t>
+            </a:r>
+            <a:r>
+              <a:rPr>
+                <a:solidFill>
+                  <a:srgbClr val="7D9029"/>
+                </a:solidFill>
+                <a:latin typeface="Courier"/>
+              </a:rPr>
+              <a:t>measure =</a:t>
+            </a:r>
+            <a:r>
+              <a:rPr>
+                <a:latin typeface="Courier"/>
+              </a:rPr>
+              <a:t> </a:t>
+            </a:r>
+            <a:r>
+              <a:rPr>
+                <a:solidFill>
+                  <a:srgbClr val="4070A0"/>
+                </a:solidFill>
+                <a:latin typeface="Courier"/>
+              </a:rPr>
+              <a:t>"ROM"</a:t>
+            </a:r>
+            <a:r>
+              <a:rPr>
+                <a:latin typeface="Courier"/>
+              </a:rPr>
+              <a:t>, </a:t>
+            </a:r>
+            <a:br/>
+            <a:r>
+              <a:rPr>
+                <a:latin typeface="Courier"/>
+              </a:rPr>
+              <a:t>                              </a:t>
+            </a:r>
+            <a:r>
+              <a:rPr>
+                <a:solidFill>
+                  <a:srgbClr val="7D9029"/>
+                </a:solidFill>
+                <a:latin typeface="Courier"/>
+              </a:rPr>
+              <a:t>m1i =</a:t>
+            </a:r>
+            <a:r>
+              <a:rPr>
+                <a:latin typeface="Courier"/>
+              </a:rPr>
+              <a:t> mean_front, </a:t>
+            </a:r>
+            <a:r>
+              <a:rPr>
+                <a:solidFill>
+                  <a:srgbClr val="7D9029"/>
+                </a:solidFill>
+                <a:latin typeface="Courier"/>
+              </a:rPr>
+              <a:t>n1i =</a:t>
+            </a:r>
+            <a:r>
+              <a:rPr>
+                <a:latin typeface="Courier"/>
+              </a:rPr>
+              <a:t> n_front, </a:t>
+            </a:r>
+            <a:r>
+              <a:rPr>
+                <a:solidFill>
+                  <a:srgbClr val="7D9029"/>
+                </a:solidFill>
+                <a:latin typeface="Courier"/>
+              </a:rPr>
+              <a:t>sd1i =</a:t>
+            </a:r>
+            <a:r>
+              <a:rPr>
+                <a:latin typeface="Courier"/>
+              </a:rPr>
+              <a:t> sd_front,</a:t>
+            </a:r>
+            <a:br/>
+            <a:r>
+              <a:rPr>
+                <a:latin typeface="Courier"/>
+              </a:rPr>
+              <a:t>                              </a:t>
+            </a:r>
+            <a:r>
+              <a:rPr>
+                <a:solidFill>
+                  <a:srgbClr val="7D9029"/>
+                </a:solidFill>
+                <a:latin typeface="Courier"/>
+              </a:rPr>
+              <a:t>m2i =</a:t>
+            </a:r>
+            <a:r>
+              <a:rPr>
+                <a:latin typeface="Courier"/>
+              </a:rPr>
+              <a:t> mean_core, </a:t>
+            </a:r>
+            <a:r>
+              <a:rPr>
+                <a:solidFill>
+                  <a:srgbClr val="7D9029"/>
+                </a:solidFill>
+                <a:latin typeface="Courier"/>
+              </a:rPr>
+              <a:t>n2i =</a:t>
+            </a:r>
+            <a:r>
+              <a:rPr>
+                <a:latin typeface="Courier"/>
+              </a:rPr>
+              <a:t> n_core, </a:t>
+            </a:r>
+            <a:r>
+              <a:rPr>
+                <a:solidFill>
+                  <a:srgbClr val="7D9029"/>
+                </a:solidFill>
+                <a:latin typeface="Courier"/>
+              </a:rPr>
+              <a:t>sd2i =</a:t>
+            </a:r>
+            <a:r>
+              <a:rPr>
+                <a:latin typeface="Courier"/>
+              </a:rPr>
+              <a:t> sd_core, </a:t>
+            </a:r>
+            <a:br/>
+            <a:r>
+              <a:rPr>
+                <a:latin typeface="Courier"/>
+              </a:rPr>
+              <a:t>                              </a:t>
+            </a:r>
+            <a:r>
+              <a:rPr>
+                <a:solidFill>
+                  <a:srgbClr val="7D9029"/>
+                </a:solidFill>
+                <a:latin typeface="Courier"/>
+              </a:rPr>
+              <a:t>data =</a:t>
+            </a:r>
+            <a:r>
+              <a:rPr>
+                <a:latin typeface="Courier"/>
+              </a:rPr>
+              <a:t> contrast_data, </a:t>
+            </a:r>
+            <a:r>
+              <a:rPr>
+                <a:solidFill>
+                  <a:srgbClr val="7D9029"/>
+                </a:solidFill>
+                <a:latin typeface="Courier"/>
+              </a:rPr>
+              <a:t>var.names=</a:t>
+            </a:r>
+            <a:r>
+              <a:rPr>
+                <a:solidFill>
+                  <a:srgbClr val="06287E"/>
+                </a:solidFill>
+                <a:latin typeface="Courier"/>
+              </a:rPr>
+              <a:t>c</a:t>
+            </a:r>
+            <a:r>
+              <a:rPr>
+                <a:latin typeface="Courier"/>
+              </a:rPr>
+              <a:t>(</a:t>
+            </a:r>
+            <a:r>
+              <a:rPr>
+                <a:solidFill>
+                  <a:srgbClr val="4070A0"/>
+                </a:solidFill>
+                <a:latin typeface="Courier"/>
+              </a:rPr>
+              <a:t>"lnRR"</a:t>
+            </a:r>
+            <a:r>
+              <a:rPr>
+                <a:latin typeface="Courier"/>
+              </a:rPr>
+              <a:t>,</a:t>
+            </a:r>
+            <a:r>
+              <a:rPr>
+                <a:solidFill>
+                  <a:srgbClr val="4070A0"/>
+                </a:solidFill>
+                <a:latin typeface="Courier"/>
+              </a:rPr>
+              <a:t>"v_lnRR"</a:t>
+            </a:r>
+            <a:r>
+              <a:rPr>
+                <a:latin typeface="Courier"/>
+              </a:rPr>
+              <a:t>))</a:t>
+            </a:r>
+            <a:br/>
+            <a:r>
+              <a:rPr>
+                <a:latin typeface="Courier"/>
+              </a:rPr>
+              <a:t>contrast_data </a:t>
+            </a:r>
+            <a:r>
+              <a:rPr>
+                <a:solidFill>
+                  <a:srgbClr val="4070A0"/>
+                </a:solidFill>
+                <a:latin typeface="Courier"/>
+              </a:rPr>
+              <a:t>%&gt;%</a:t>
+            </a:r>
+            <a:r>
+              <a:rPr>
+                <a:latin typeface="Courier"/>
+              </a:rPr>
+              <a:t> </a:t>
+            </a:r>
+            <a:r>
+              <a:rPr>
+                <a:solidFill>
+                  <a:srgbClr val="06287E"/>
+                </a:solidFill>
+                <a:latin typeface="Courier"/>
+              </a:rPr>
+              <a:t>select</a:t>
+            </a:r>
+            <a:r>
+              <a:rPr>
+                <a:latin typeface="Courier"/>
+              </a:rPr>
+              <a:t>(study_ID, mean_core, sd_core, n_core, mean_front, sd_front, n_front, lnRR, v_lnRR)</a:t>
+            </a:r>
+          </a:p>
+          <a:p>
+            <a:pPr lvl="0" indent="0">
+              <a:buNone/>
+            </a:pPr>
+            <a:r>
+              <a:rPr>
+                <a:latin typeface="Courier"/>
+              </a:rPr>
+              <a:t>## 
 ##    study_ID    mean_core      sd_core n_core   mean_front     sd_front n_front 
 ## 1         9    0.8264591   0.41322957     98    0.9525292   0.58132296     161 
 ## 2        24    0.4333333   0.02804233    116    0.5116402   0.02698413     117 
@@ -6722,606 +5007,655 @@
 ## 9  -0.0249 0.0037 
 ## 10  0.0896 0.0001 
 ## 11  0.0984 0.0000</a:t>
-                </a:r>
-              </a:p>
-              <a:p>
-                <a:pPr lvl="0" indent="0" marL="0">
-                  <a:spcBef>
-                    <a:spcPts val="3000"/>
-                  </a:spcBef>
-                  <a:buNone/>
-                </a:pPr>
-                <a:r>
-                  <a:rPr b="1"/>
-                  <a:t>COnverting back to understand lnRR</a:t>
-                </a:r>
-              </a:p>
-              <a:p>
-                <a:pPr lvl="0" indent="0">
-                  <a:buNone/>
-                </a:pPr>
-                <a:r>
-                  <a:rPr i="1">
-                    <a:solidFill>
-                      <a:srgbClr val="BA2121"/>
-                    </a:solidFill>
-                    <a:latin typeface="Courier"/>
-                  </a:rPr>
-                  <a:t>### Let's back calculate effects to make sure we understand why they are interpreted as percentage differences</a:t>
-                </a:r>
-                <a:br/>
-                <a:br/>
-                <a:r>
-                  <a:rPr i="1">
-                    <a:solidFill>
-                      <a:srgbClr val="60A0B0"/>
-                    </a:solidFill>
-                    <a:latin typeface="Courier"/>
-                  </a:rPr>
-                  <a:t># Make sure we understand how it's calculated</a:t>
-                </a:r>
-                <a:br/>
-                <a:r>
-                  <a:rPr>
-                    <a:solidFill>
-                      <a:srgbClr val="06287E"/>
-                    </a:solidFill>
-                    <a:latin typeface="Courier"/>
-                  </a:rPr>
-                  <a:t>with</a:t>
-                </a:r>
-                <a:r>
-                  <a:rPr>
-                    <a:latin typeface="Courier"/>
-                  </a:rPr>
-                  <a:t>(contrast_data, </a:t>
-                </a:r>
-                <a:r>
-                  <a:rPr>
-                    <a:solidFill>
-                      <a:srgbClr val="06287E"/>
-                    </a:solidFill>
-                    <a:latin typeface="Courier"/>
-                  </a:rPr>
-                  <a:t>log</a:t>
-                </a:r>
-                <a:r>
-                  <a:rPr>
-                    <a:latin typeface="Courier"/>
-                  </a:rPr>
-                  <a:t>(mean_front[</a:t>
-                </a:r>
-                <a:r>
-                  <a:rPr>
-                    <a:solidFill>
-                      <a:srgbClr val="40A070"/>
-                    </a:solidFill>
-                    <a:latin typeface="Courier"/>
-                  </a:rPr>
-                  <a:t>1</a:t>
-                </a:r>
-                <a:r>
-                  <a:rPr>
-                    <a:latin typeface="Courier"/>
-                  </a:rPr>
-                  <a:t>] </a:t>
-                </a:r>
-                <a:r>
-                  <a:rPr>
-                    <a:solidFill>
-                      <a:srgbClr val="4070A0"/>
-                    </a:solidFill>
-                    <a:latin typeface="Courier"/>
-                  </a:rPr>
-                  <a:t>/</a:t>
-                </a:r>
-                <a:r>
-                  <a:rPr>
-                    <a:latin typeface="Courier"/>
-                  </a:rPr>
-                  <a:t> mean_core[</a:t>
-                </a:r>
-                <a:r>
-                  <a:rPr>
-                    <a:solidFill>
-                      <a:srgbClr val="40A070"/>
-                    </a:solidFill>
-                    <a:latin typeface="Courier"/>
-                  </a:rPr>
-                  <a:t>1</a:t>
-                </a:r>
-                <a:r>
-                  <a:rPr>
-                    <a:latin typeface="Courier"/>
-                  </a:rPr>
-                  <a:t>]))</a:t>
-                </a:r>
-              </a:p>
-              <a:p>
-                <a:pPr lvl="0" indent="0">
-                  <a:buNone/>
-                </a:pPr>
-                <a:r>
-                  <a:rPr>
-                    <a:latin typeface="Courier"/>
-                  </a:rPr>
-                  <a:t>## [1] 0.1419703</a:t>
-                </a:r>
-              </a:p>
-              <a:p>
-                <a:pPr lvl="0" indent="0">
-                  <a:buNone/>
-                </a:pPr>
-                <a:r>
-                  <a:rPr i="1">
-                    <a:solidFill>
-                      <a:srgbClr val="60A0B0"/>
-                    </a:solidFill>
-                    <a:latin typeface="Courier"/>
-                  </a:rPr>
-                  <a:t># Alternatively....</a:t>
-                </a:r>
-                <a:br/>
-                <a:r>
-                  <a:rPr>
-                    <a:solidFill>
-                      <a:srgbClr val="06287E"/>
-                    </a:solidFill>
-                    <a:latin typeface="Courier"/>
-                  </a:rPr>
-                  <a:t>with</a:t>
-                </a:r>
-                <a:r>
-                  <a:rPr>
-                    <a:latin typeface="Courier"/>
-                  </a:rPr>
-                  <a:t>(contrast_data, </a:t>
-                </a:r>
-                <a:r>
-                  <a:rPr>
-                    <a:solidFill>
-                      <a:srgbClr val="06287E"/>
-                    </a:solidFill>
-                    <a:latin typeface="Courier"/>
-                  </a:rPr>
-                  <a:t>log</a:t>
-                </a:r>
-                <a:r>
-                  <a:rPr>
-                    <a:latin typeface="Courier"/>
-                  </a:rPr>
-                  <a:t>(mean_front[</a:t>
-                </a:r>
-                <a:r>
-                  <a:rPr>
-                    <a:solidFill>
-                      <a:srgbClr val="40A070"/>
-                    </a:solidFill>
-                    <a:latin typeface="Courier"/>
-                  </a:rPr>
-                  <a:t>1</a:t>
-                </a:r>
-                <a:r>
-                  <a:rPr>
-                    <a:latin typeface="Courier"/>
-                  </a:rPr>
-                  <a:t>]) </a:t>
-                </a:r>
-                <a:r>
-                  <a:rPr>
-                    <a:solidFill>
-                      <a:srgbClr val="4070A0"/>
-                    </a:solidFill>
-                    <a:latin typeface="Courier"/>
-                  </a:rPr>
-                  <a:t>-</a:t>
-                </a:r>
-                <a:r>
-                  <a:rPr>
-                    <a:latin typeface="Courier"/>
-                  </a:rPr>
-                  <a:t> </a:t>
-                </a:r>
-                <a:r>
-                  <a:rPr>
-                    <a:solidFill>
-                      <a:srgbClr val="06287E"/>
-                    </a:solidFill>
-                    <a:latin typeface="Courier"/>
-                  </a:rPr>
-                  <a:t>log</a:t>
-                </a:r>
-                <a:r>
-                  <a:rPr>
-                    <a:latin typeface="Courier"/>
-                  </a:rPr>
-                  <a:t>(mean_core[</a:t>
-                </a:r>
-                <a:r>
-                  <a:rPr>
-                    <a:solidFill>
-                      <a:srgbClr val="40A070"/>
-                    </a:solidFill>
-                    <a:latin typeface="Courier"/>
-                  </a:rPr>
-                  <a:t>1</a:t>
-                </a:r>
-                <a:r>
-                  <a:rPr>
-                    <a:latin typeface="Courier"/>
-                  </a:rPr>
-                  <a:t>]))</a:t>
-                </a:r>
-              </a:p>
-              <a:p>
-                <a:pPr lvl="0" indent="0">
-                  <a:buNone/>
-                </a:pPr>
-                <a:r>
-                  <a:rPr>
-                    <a:latin typeface="Courier"/>
-                  </a:rPr>
-                  <a:t>## [1] 0.1419703</a:t>
-                </a:r>
-              </a:p>
-              <a:p>
-                <a:pPr lvl="0" indent="0">
-                  <a:buNone/>
-                </a:pPr>
-                <a:r>
-                  <a:rPr i="1">
-                    <a:solidFill>
-                      <a:srgbClr val="60A0B0"/>
-                    </a:solidFill>
-                    <a:latin typeface="Courier"/>
-                  </a:rPr>
-                  <a:t># Now lets back-transform to odds. </a:t>
-                </a:r>
-                <a:br/>
-                <a:r>
-                  <a:rPr>
-                    <a:solidFill>
-                      <a:srgbClr val="06287E"/>
-                    </a:solidFill>
-                    <a:latin typeface="Courier"/>
-                  </a:rPr>
-                  <a:t>with</a:t>
-                </a:r>
-                <a:r>
-                  <a:rPr>
-                    <a:latin typeface="Courier"/>
-                  </a:rPr>
-                  <a:t>(contrast_data, </a:t>
-                </a:r>
-                <a:r>
-                  <a:rPr>
-                    <a:solidFill>
-                      <a:srgbClr val="06287E"/>
-                    </a:solidFill>
-                    <a:latin typeface="Courier"/>
-                  </a:rPr>
-                  <a:t>exp</a:t>
-                </a:r>
-                <a:r>
-                  <a:rPr>
-                    <a:latin typeface="Courier"/>
-                  </a:rPr>
-                  <a:t>(</a:t>
-                </a:r>
-                <a:r>
-                  <a:rPr>
-                    <a:solidFill>
-                      <a:srgbClr val="06287E"/>
-                    </a:solidFill>
-                    <a:latin typeface="Courier"/>
-                  </a:rPr>
-                  <a:t>log</a:t>
-                </a:r>
-                <a:r>
-                  <a:rPr>
-                    <a:latin typeface="Courier"/>
-                  </a:rPr>
-                  <a:t>(mean_front[</a:t>
-                </a:r>
-                <a:r>
-                  <a:rPr>
-                    <a:solidFill>
-                      <a:srgbClr val="40A070"/>
-                    </a:solidFill>
-                    <a:latin typeface="Courier"/>
-                  </a:rPr>
-                  <a:t>1</a:t>
-                </a:r>
-                <a:r>
-                  <a:rPr>
-                    <a:latin typeface="Courier"/>
-                  </a:rPr>
-                  <a:t>]) </a:t>
-                </a:r>
-                <a:r>
-                  <a:rPr>
-                    <a:solidFill>
-                      <a:srgbClr val="4070A0"/>
-                    </a:solidFill>
-                    <a:latin typeface="Courier"/>
-                  </a:rPr>
-                  <a:t>-</a:t>
-                </a:r>
-                <a:r>
-                  <a:rPr>
-                    <a:latin typeface="Courier"/>
-                  </a:rPr>
-                  <a:t> </a:t>
-                </a:r>
-                <a:r>
-                  <a:rPr>
-                    <a:solidFill>
-                      <a:srgbClr val="06287E"/>
-                    </a:solidFill>
-                    <a:latin typeface="Courier"/>
-                  </a:rPr>
-                  <a:t>log</a:t>
-                </a:r>
-                <a:r>
-                  <a:rPr>
-                    <a:latin typeface="Courier"/>
-                  </a:rPr>
-                  <a:t>(mean_core[</a:t>
-                </a:r>
-                <a:r>
-                  <a:rPr>
-                    <a:solidFill>
-                      <a:srgbClr val="40A070"/>
-                    </a:solidFill>
-                    <a:latin typeface="Courier"/>
-                  </a:rPr>
-                  <a:t>1</a:t>
-                </a:r>
-                <a:r>
-                  <a:rPr>
-                    <a:latin typeface="Courier"/>
-                  </a:rPr>
-                  <a:t>])))</a:t>
-                </a:r>
-              </a:p>
-              <a:p>
-                <a:pPr lvl="0" indent="0">
-                  <a:buNone/>
-                </a:pPr>
-                <a:r>
-                  <a:rPr>
-                    <a:latin typeface="Courier"/>
-                  </a:rPr>
-                  <a:t>## [1] 1.152542</a:t>
-                </a:r>
-              </a:p>
-              <a:p>
-                <a:pPr lvl="0" indent="0">
-                  <a:buNone/>
-                </a:pPr>
-                <a:r>
-                  <a:rPr i="1">
-                    <a:solidFill>
-                      <a:srgbClr val="60A0B0"/>
-                    </a:solidFill>
-                    <a:latin typeface="Courier"/>
-                  </a:rPr>
-                  <a:t># Interpretation: What this tells us is that the numerator is 1.15 times the denominator, or, that the marginal (front) mean is 15% larger compared to the core mean. We can see that this is true as follows:</a:t>
-                </a:r>
-                <a:br/>
-                <a:r>
-                  <a:rPr>
-                    <a:solidFill>
-                      <a:srgbClr val="06287E"/>
-                    </a:solidFill>
-                    <a:latin typeface="Courier"/>
-                  </a:rPr>
-                  <a:t>with</a:t>
-                </a:r>
-                <a:r>
-                  <a:rPr>
-                    <a:latin typeface="Courier"/>
-                  </a:rPr>
-                  <a:t>(contrast_data, </a:t>
-                </a:r>
-                <a:r>
-                  <a:rPr>
-                    <a:solidFill>
-                      <a:srgbClr val="06287E"/>
-                    </a:solidFill>
-                    <a:latin typeface="Courier"/>
-                  </a:rPr>
-                  <a:t>exp</a:t>
-                </a:r>
-                <a:r>
-                  <a:rPr>
-                    <a:latin typeface="Courier"/>
-                  </a:rPr>
-                  <a:t>(</a:t>
-                </a:r>
-                <a:r>
-                  <a:rPr>
-                    <a:solidFill>
-                      <a:srgbClr val="06287E"/>
-                    </a:solidFill>
-                    <a:latin typeface="Courier"/>
-                  </a:rPr>
-                  <a:t>log</a:t>
-                </a:r>
-                <a:r>
-                  <a:rPr>
-                    <a:latin typeface="Courier"/>
-                  </a:rPr>
-                  <a:t>(mean_front[</a:t>
-                </a:r>
-                <a:r>
-                  <a:rPr>
-                    <a:solidFill>
-                      <a:srgbClr val="40A070"/>
-                    </a:solidFill>
-                    <a:latin typeface="Courier"/>
-                  </a:rPr>
-                  <a:t>1</a:t>
-                </a:r>
-                <a:r>
-                  <a:rPr>
-                    <a:latin typeface="Courier"/>
-                  </a:rPr>
-                  <a:t>]) </a:t>
-                </a:r>
-                <a:r>
-                  <a:rPr>
-                    <a:solidFill>
-                      <a:srgbClr val="4070A0"/>
-                    </a:solidFill>
-                    <a:latin typeface="Courier"/>
-                  </a:rPr>
-                  <a:t>-</a:t>
-                </a:r>
-                <a:r>
-                  <a:rPr>
-                    <a:latin typeface="Courier"/>
-                  </a:rPr>
-                  <a:t> </a:t>
-                </a:r>
-                <a:r>
-                  <a:rPr>
-                    <a:solidFill>
-                      <a:srgbClr val="06287E"/>
-                    </a:solidFill>
-                    <a:latin typeface="Courier"/>
-                  </a:rPr>
-                  <a:t>log</a:t>
-                </a:r>
-                <a:r>
-                  <a:rPr>
-                    <a:latin typeface="Courier"/>
-                  </a:rPr>
-                  <a:t>(mean_core[</a:t>
-                </a:r>
-                <a:r>
-                  <a:rPr>
-                    <a:solidFill>
-                      <a:srgbClr val="40A070"/>
-                    </a:solidFill>
-                    <a:latin typeface="Courier"/>
-                  </a:rPr>
-                  <a:t>1</a:t>
-                </a:r>
-                <a:r>
-                  <a:rPr>
-                    <a:latin typeface="Courier"/>
-                  </a:rPr>
-                  <a:t>])) </a:t>
-                </a:r>
-                <a:r>
-                  <a:rPr>
-                    <a:solidFill>
-                      <a:srgbClr val="4070A0"/>
-                    </a:solidFill>
-                    <a:latin typeface="Courier"/>
-                  </a:rPr>
-                  <a:t>*</a:t>
-                </a:r>
-                <a:r>
-                  <a:rPr>
-                    <a:latin typeface="Courier"/>
-                  </a:rPr>
-                  <a:t> mean_core[</a:t>
-                </a:r>
-                <a:r>
-                  <a:rPr>
-                    <a:solidFill>
-                      <a:srgbClr val="40A070"/>
-                    </a:solidFill>
-                    <a:latin typeface="Courier"/>
-                  </a:rPr>
-                  <a:t>1</a:t>
-                </a:r>
-                <a:r>
-                  <a:rPr>
-                    <a:latin typeface="Courier"/>
-                  </a:rPr>
-                  <a:t>])</a:t>
-                </a:r>
-              </a:p>
-              <a:p>
-                <a:pPr lvl="0" indent="0">
-                  <a:buNone/>
-                </a:pPr>
-                <a:r>
-                  <a:rPr>
-                    <a:latin typeface="Courier"/>
-                  </a:rPr>
-                  <a:t>## [1] 0.9525292</a:t>
-                </a:r>
-              </a:p>
-              <a:p>
-                <a:pPr lvl="0" indent="0">
-                  <a:buNone/>
-                </a:pPr>
-                <a:r>
-                  <a:rPr i="1">
-                    <a:solidFill>
-                      <a:srgbClr val="60A0B0"/>
-                    </a:solidFill>
-                    <a:latin typeface="Courier"/>
-                  </a:rPr>
-                  <a:t># This value should now match the marginal mean value, which it does</a:t>
-                </a:r>
-                <a:br/>
-                <a:r>
-                  <a:rPr>
-                    <a:solidFill>
-                      <a:srgbClr val="06287E"/>
-                    </a:solidFill>
-                    <a:latin typeface="Courier"/>
-                  </a:rPr>
-                  <a:t>with</a:t>
-                </a:r>
-                <a:r>
-                  <a:rPr>
-                    <a:latin typeface="Courier"/>
-                  </a:rPr>
-                  <a:t>(contrast_data, mean_front[</a:t>
-                </a:r>
-                <a:r>
-                  <a:rPr>
-                    <a:solidFill>
-                      <a:srgbClr val="40A070"/>
-                    </a:solidFill>
-                    <a:latin typeface="Courier"/>
-                  </a:rPr>
-                  <a:t>1</a:t>
-                </a:r>
-                <a:r>
-                  <a:rPr>
-                    <a:latin typeface="Courier"/>
-                  </a:rPr>
-                  <a:t>])</a:t>
-                </a:r>
-              </a:p>
-              <a:p>
-                <a:pPr lvl="0" indent="0">
-                  <a:buNone/>
-                </a:pPr>
-                <a:r>
-                  <a:rPr>
-                    <a:latin typeface="Courier"/>
-                  </a:rPr>
-                  <a:t>## [1] 0.9525292</a:t>
-                </a:r>
-              </a:p>
-            </p:txBody>
-          </p:sp>
-        </mc:Choice>
-      </mc:AlternateContent>
+            </a:r>
+          </a:p>
+        </p:txBody>
+      </p:sp>
     </p:spTree>
   </p:cSld>
 </p:sld>
 </file>
 
-<file path=ppt/slides/slide4.xml><?xml version="1.0" encoding="utf-8"?>
+<file path=ppt/slides/slide16.xml><?xml version="1.0" encoding="utf-8"?>
+<p:sld xmlns:a="http://schemas.openxmlformats.org/drawingml/2006/main" xmlns:r="http://schemas.openxmlformats.org/officeDocument/2006/relationships" xmlns:p="http://schemas.openxmlformats.org/presentationml/2006/main">
+  <p:cSld>
+    <p:spTree>
+      <p:nvGrpSpPr>
+        <p:cNvPr id="1" name=""/>
+        <p:cNvGrpSpPr/>
+        <p:nvPr/>
+      </p:nvGrpSpPr>
+      <p:grpSpPr>
+        <a:xfrm>
+          <a:off x="0" y="0"/>
+          <a:ext cx="0" cy="0"/>
+          <a:chOff x="0" y="0"/>
+          <a:chExt cx="0" cy="0"/>
+        </a:xfrm>
+      </p:grpSpPr>
+      <p:sp>
+        <p:nvSpPr>
+          <p:cNvPr id="2" name="Title 1"/>
+          <p:cNvSpPr>
+            <a:spLocks noGrp="1"/>
+          </p:cNvSpPr>
+          <p:nvPr>
+            <p:ph type="title"/>
+          </p:nvPr>
+        </p:nvSpPr>
+        <p:spPr/>
+        <p:txBody>
+          <a:bodyPr/>
+          <a:lstStyle/>
+          <a:p>
+            <a:pPr lvl="0" indent="0" marL="0">
+              <a:buNone/>
+            </a:pPr>
+            <a:r>
+              <a:rPr/>
+              <a:t>COnverting back to understand lnRR</a:t>
+            </a:r>
+          </a:p>
+        </p:txBody>
+      </p:sp>
+      <p:sp>
+        <p:nvSpPr>
+          <p:cNvPr id="3" name="Content Placeholder 2"/>
+          <p:cNvSpPr>
+            <a:spLocks noGrp="1"/>
+          </p:cNvSpPr>
+          <p:nvPr>
+            <p:ph idx="1"/>
+          </p:nvPr>
+        </p:nvSpPr>
+        <p:spPr/>
+        <p:txBody>
+          <a:bodyPr/>
+          <a:lstStyle/>
+          <a:p>
+            <a:pPr lvl="0" indent="0">
+              <a:buNone/>
+            </a:pPr>
+            <a:r>
+              <a:rPr i="1">
+                <a:solidFill>
+                  <a:srgbClr val="BA2121"/>
+                </a:solidFill>
+                <a:latin typeface="Courier"/>
+              </a:rPr>
+              <a:t>### Let's back calculate effects to make sure we understand why they are interpreted as percentage differences</a:t>
+            </a:r>
+            <a:br/>
+            <a:br/>
+            <a:r>
+              <a:rPr i="1">
+                <a:solidFill>
+                  <a:srgbClr val="60A0B0"/>
+                </a:solidFill>
+                <a:latin typeface="Courier"/>
+              </a:rPr>
+              <a:t># Make sure we understand how it's calculated</a:t>
+            </a:r>
+            <a:br/>
+            <a:r>
+              <a:rPr>
+                <a:solidFill>
+                  <a:srgbClr val="06287E"/>
+                </a:solidFill>
+                <a:latin typeface="Courier"/>
+              </a:rPr>
+              <a:t>with</a:t>
+            </a:r>
+            <a:r>
+              <a:rPr>
+                <a:latin typeface="Courier"/>
+              </a:rPr>
+              <a:t>(contrast_data, </a:t>
+            </a:r>
+            <a:r>
+              <a:rPr>
+                <a:solidFill>
+                  <a:srgbClr val="06287E"/>
+                </a:solidFill>
+                <a:latin typeface="Courier"/>
+              </a:rPr>
+              <a:t>log</a:t>
+            </a:r>
+            <a:r>
+              <a:rPr>
+                <a:latin typeface="Courier"/>
+              </a:rPr>
+              <a:t>(mean_front[</a:t>
+            </a:r>
+            <a:r>
+              <a:rPr>
+                <a:solidFill>
+                  <a:srgbClr val="40A070"/>
+                </a:solidFill>
+                <a:latin typeface="Courier"/>
+              </a:rPr>
+              <a:t>1</a:t>
+            </a:r>
+            <a:r>
+              <a:rPr>
+                <a:latin typeface="Courier"/>
+              </a:rPr>
+              <a:t>] </a:t>
+            </a:r>
+            <a:r>
+              <a:rPr>
+                <a:solidFill>
+                  <a:srgbClr val="4070A0"/>
+                </a:solidFill>
+                <a:latin typeface="Courier"/>
+              </a:rPr>
+              <a:t>/</a:t>
+            </a:r>
+            <a:r>
+              <a:rPr>
+                <a:latin typeface="Courier"/>
+              </a:rPr>
+              <a:t> mean_core[</a:t>
+            </a:r>
+            <a:r>
+              <a:rPr>
+                <a:solidFill>
+                  <a:srgbClr val="40A070"/>
+                </a:solidFill>
+                <a:latin typeface="Courier"/>
+              </a:rPr>
+              <a:t>1</a:t>
+            </a:r>
+            <a:r>
+              <a:rPr>
+                <a:latin typeface="Courier"/>
+              </a:rPr>
+              <a:t>]))</a:t>
+            </a:r>
+          </a:p>
+          <a:p>
+            <a:pPr lvl="0" indent="0">
+              <a:buNone/>
+            </a:pPr>
+            <a:r>
+              <a:rPr>
+                <a:latin typeface="Courier"/>
+              </a:rPr>
+              <a:t>## [1] 0.1419703</a:t>
+            </a:r>
+          </a:p>
+          <a:p>
+            <a:pPr lvl="0" indent="0">
+              <a:buNone/>
+            </a:pPr>
+            <a:r>
+              <a:rPr i="1">
+                <a:solidFill>
+                  <a:srgbClr val="60A0B0"/>
+                </a:solidFill>
+                <a:latin typeface="Courier"/>
+              </a:rPr>
+              <a:t># Alternatively....</a:t>
+            </a:r>
+            <a:br/>
+            <a:r>
+              <a:rPr>
+                <a:solidFill>
+                  <a:srgbClr val="06287E"/>
+                </a:solidFill>
+                <a:latin typeface="Courier"/>
+              </a:rPr>
+              <a:t>with</a:t>
+            </a:r>
+            <a:r>
+              <a:rPr>
+                <a:latin typeface="Courier"/>
+              </a:rPr>
+              <a:t>(contrast_data, </a:t>
+            </a:r>
+            <a:r>
+              <a:rPr>
+                <a:solidFill>
+                  <a:srgbClr val="06287E"/>
+                </a:solidFill>
+                <a:latin typeface="Courier"/>
+              </a:rPr>
+              <a:t>log</a:t>
+            </a:r>
+            <a:r>
+              <a:rPr>
+                <a:latin typeface="Courier"/>
+              </a:rPr>
+              <a:t>(mean_front[</a:t>
+            </a:r>
+            <a:r>
+              <a:rPr>
+                <a:solidFill>
+                  <a:srgbClr val="40A070"/>
+                </a:solidFill>
+                <a:latin typeface="Courier"/>
+              </a:rPr>
+              <a:t>1</a:t>
+            </a:r>
+            <a:r>
+              <a:rPr>
+                <a:latin typeface="Courier"/>
+              </a:rPr>
+              <a:t>]) </a:t>
+            </a:r>
+            <a:r>
+              <a:rPr>
+                <a:solidFill>
+                  <a:srgbClr val="4070A0"/>
+                </a:solidFill>
+                <a:latin typeface="Courier"/>
+              </a:rPr>
+              <a:t>-</a:t>
+            </a:r>
+            <a:r>
+              <a:rPr>
+                <a:latin typeface="Courier"/>
+              </a:rPr>
+              <a:t> </a:t>
+            </a:r>
+            <a:r>
+              <a:rPr>
+                <a:solidFill>
+                  <a:srgbClr val="06287E"/>
+                </a:solidFill>
+                <a:latin typeface="Courier"/>
+              </a:rPr>
+              <a:t>log</a:t>
+            </a:r>
+            <a:r>
+              <a:rPr>
+                <a:latin typeface="Courier"/>
+              </a:rPr>
+              <a:t>(mean_core[</a:t>
+            </a:r>
+            <a:r>
+              <a:rPr>
+                <a:solidFill>
+                  <a:srgbClr val="40A070"/>
+                </a:solidFill>
+                <a:latin typeface="Courier"/>
+              </a:rPr>
+              <a:t>1</a:t>
+            </a:r>
+            <a:r>
+              <a:rPr>
+                <a:latin typeface="Courier"/>
+              </a:rPr>
+              <a:t>]))</a:t>
+            </a:r>
+          </a:p>
+          <a:p>
+            <a:pPr lvl="0" indent="0">
+              <a:buNone/>
+            </a:pPr>
+            <a:r>
+              <a:rPr>
+                <a:latin typeface="Courier"/>
+              </a:rPr>
+              <a:t>## [1] 0.1419703</a:t>
+            </a:r>
+          </a:p>
+          <a:p>
+            <a:pPr lvl="0" indent="0">
+              <a:buNone/>
+            </a:pPr>
+            <a:r>
+              <a:rPr i="1">
+                <a:solidFill>
+                  <a:srgbClr val="60A0B0"/>
+                </a:solidFill>
+                <a:latin typeface="Courier"/>
+              </a:rPr>
+              <a:t># Now lets back-transform to odds. </a:t>
+            </a:r>
+            <a:br/>
+            <a:r>
+              <a:rPr>
+                <a:solidFill>
+                  <a:srgbClr val="06287E"/>
+                </a:solidFill>
+                <a:latin typeface="Courier"/>
+              </a:rPr>
+              <a:t>with</a:t>
+            </a:r>
+            <a:r>
+              <a:rPr>
+                <a:latin typeface="Courier"/>
+              </a:rPr>
+              <a:t>(contrast_data, </a:t>
+            </a:r>
+            <a:r>
+              <a:rPr>
+                <a:solidFill>
+                  <a:srgbClr val="06287E"/>
+                </a:solidFill>
+                <a:latin typeface="Courier"/>
+              </a:rPr>
+              <a:t>exp</a:t>
+            </a:r>
+            <a:r>
+              <a:rPr>
+                <a:latin typeface="Courier"/>
+              </a:rPr>
+              <a:t>(</a:t>
+            </a:r>
+            <a:r>
+              <a:rPr>
+                <a:solidFill>
+                  <a:srgbClr val="06287E"/>
+                </a:solidFill>
+                <a:latin typeface="Courier"/>
+              </a:rPr>
+              <a:t>log</a:t>
+            </a:r>
+            <a:r>
+              <a:rPr>
+                <a:latin typeface="Courier"/>
+              </a:rPr>
+              <a:t>(mean_front[</a:t>
+            </a:r>
+            <a:r>
+              <a:rPr>
+                <a:solidFill>
+                  <a:srgbClr val="40A070"/>
+                </a:solidFill>
+                <a:latin typeface="Courier"/>
+              </a:rPr>
+              <a:t>1</a:t>
+            </a:r>
+            <a:r>
+              <a:rPr>
+                <a:latin typeface="Courier"/>
+              </a:rPr>
+              <a:t>]) </a:t>
+            </a:r>
+            <a:r>
+              <a:rPr>
+                <a:solidFill>
+                  <a:srgbClr val="4070A0"/>
+                </a:solidFill>
+                <a:latin typeface="Courier"/>
+              </a:rPr>
+              <a:t>-</a:t>
+            </a:r>
+            <a:r>
+              <a:rPr>
+                <a:latin typeface="Courier"/>
+              </a:rPr>
+              <a:t> </a:t>
+            </a:r>
+            <a:r>
+              <a:rPr>
+                <a:solidFill>
+                  <a:srgbClr val="06287E"/>
+                </a:solidFill>
+                <a:latin typeface="Courier"/>
+              </a:rPr>
+              <a:t>log</a:t>
+            </a:r>
+            <a:r>
+              <a:rPr>
+                <a:latin typeface="Courier"/>
+              </a:rPr>
+              <a:t>(mean_core[</a:t>
+            </a:r>
+            <a:r>
+              <a:rPr>
+                <a:solidFill>
+                  <a:srgbClr val="40A070"/>
+                </a:solidFill>
+                <a:latin typeface="Courier"/>
+              </a:rPr>
+              <a:t>1</a:t>
+            </a:r>
+            <a:r>
+              <a:rPr>
+                <a:latin typeface="Courier"/>
+              </a:rPr>
+              <a:t>])))</a:t>
+            </a:r>
+          </a:p>
+          <a:p>
+            <a:pPr lvl="0" indent="0">
+              <a:buNone/>
+            </a:pPr>
+            <a:r>
+              <a:rPr>
+                <a:latin typeface="Courier"/>
+              </a:rPr>
+              <a:t>## [1] 1.152542</a:t>
+            </a:r>
+          </a:p>
+          <a:p>
+            <a:pPr lvl="0" indent="0">
+              <a:buNone/>
+            </a:pPr>
+            <a:r>
+              <a:rPr i="1">
+                <a:solidFill>
+                  <a:srgbClr val="60A0B0"/>
+                </a:solidFill>
+                <a:latin typeface="Courier"/>
+              </a:rPr>
+              <a:t># Interpretation: What this tells us is that the numerator is 1.15 times the denominator, or, that the marginal (front) mean is 15% larger compared to the core mean. We can see that this is true as follows:</a:t>
+            </a:r>
+            <a:br/>
+            <a:r>
+              <a:rPr>
+                <a:solidFill>
+                  <a:srgbClr val="06287E"/>
+                </a:solidFill>
+                <a:latin typeface="Courier"/>
+              </a:rPr>
+              <a:t>with</a:t>
+            </a:r>
+            <a:r>
+              <a:rPr>
+                <a:latin typeface="Courier"/>
+              </a:rPr>
+              <a:t>(contrast_data, </a:t>
+            </a:r>
+            <a:r>
+              <a:rPr>
+                <a:solidFill>
+                  <a:srgbClr val="06287E"/>
+                </a:solidFill>
+                <a:latin typeface="Courier"/>
+              </a:rPr>
+              <a:t>exp</a:t>
+            </a:r>
+            <a:r>
+              <a:rPr>
+                <a:latin typeface="Courier"/>
+              </a:rPr>
+              <a:t>(</a:t>
+            </a:r>
+            <a:r>
+              <a:rPr>
+                <a:solidFill>
+                  <a:srgbClr val="06287E"/>
+                </a:solidFill>
+                <a:latin typeface="Courier"/>
+              </a:rPr>
+              <a:t>log</a:t>
+            </a:r>
+            <a:r>
+              <a:rPr>
+                <a:latin typeface="Courier"/>
+              </a:rPr>
+              <a:t>(mean_front[</a:t>
+            </a:r>
+            <a:r>
+              <a:rPr>
+                <a:solidFill>
+                  <a:srgbClr val="40A070"/>
+                </a:solidFill>
+                <a:latin typeface="Courier"/>
+              </a:rPr>
+              <a:t>1</a:t>
+            </a:r>
+            <a:r>
+              <a:rPr>
+                <a:latin typeface="Courier"/>
+              </a:rPr>
+              <a:t>]) </a:t>
+            </a:r>
+            <a:r>
+              <a:rPr>
+                <a:solidFill>
+                  <a:srgbClr val="4070A0"/>
+                </a:solidFill>
+                <a:latin typeface="Courier"/>
+              </a:rPr>
+              <a:t>-</a:t>
+            </a:r>
+            <a:r>
+              <a:rPr>
+                <a:latin typeface="Courier"/>
+              </a:rPr>
+              <a:t> </a:t>
+            </a:r>
+            <a:r>
+              <a:rPr>
+                <a:solidFill>
+                  <a:srgbClr val="06287E"/>
+                </a:solidFill>
+                <a:latin typeface="Courier"/>
+              </a:rPr>
+              <a:t>log</a:t>
+            </a:r>
+            <a:r>
+              <a:rPr>
+                <a:latin typeface="Courier"/>
+              </a:rPr>
+              <a:t>(mean_core[</a:t>
+            </a:r>
+            <a:r>
+              <a:rPr>
+                <a:solidFill>
+                  <a:srgbClr val="40A070"/>
+                </a:solidFill>
+                <a:latin typeface="Courier"/>
+              </a:rPr>
+              <a:t>1</a:t>
+            </a:r>
+            <a:r>
+              <a:rPr>
+                <a:latin typeface="Courier"/>
+              </a:rPr>
+              <a:t>])) </a:t>
+            </a:r>
+            <a:r>
+              <a:rPr>
+                <a:solidFill>
+                  <a:srgbClr val="4070A0"/>
+                </a:solidFill>
+                <a:latin typeface="Courier"/>
+              </a:rPr>
+              <a:t>*</a:t>
+            </a:r>
+            <a:r>
+              <a:rPr>
+                <a:latin typeface="Courier"/>
+              </a:rPr>
+              <a:t> mean_core[</a:t>
+            </a:r>
+            <a:r>
+              <a:rPr>
+                <a:solidFill>
+                  <a:srgbClr val="40A070"/>
+                </a:solidFill>
+                <a:latin typeface="Courier"/>
+              </a:rPr>
+              <a:t>1</a:t>
+            </a:r>
+            <a:r>
+              <a:rPr>
+                <a:latin typeface="Courier"/>
+              </a:rPr>
+              <a:t>])</a:t>
+            </a:r>
+          </a:p>
+          <a:p>
+            <a:pPr lvl="0" indent="0">
+              <a:buNone/>
+            </a:pPr>
+            <a:r>
+              <a:rPr>
+                <a:latin typeface="Courier"/>
+              </a:rPr>
+              <a:t>## [1] 0.9525292</a:t>
+            </a:r>
+          </a:p>
+          <a:p>
+            <a:pPr lvl="0" indent="0">
+              <a:buNone/>
+            </a:pPr>
+            <a:r>
+              <a:rPr i="1">
+                <a:solidFill>
+                  <a:srgbClr val="60A0B0"/>
+                </a:solidFill>
+                <a:latin typeface="Courier"/>
+              </a:rPr>
+              <a:t># This value should now match the marginal mean value, which it does</a:t>
+            </a:r>
+            <a:br/>
+            <a:r>
+              <a:rPr>
+                <a:solidFill>
+                  <a:srgbClr val="06287E"/>
+                </a:solidFill>
+                <a:latin typeface="Courier"/>
+              </a:rPr>
+              <a:t>with</a:t>
+            </a:r>
+            <a:r>
+              <a:rPr>
+                <a:latin typeface="Courier"/>
+              </a:rPr>
+              <a:t>(contrast_data, mean_front[</a:t>
+            </a:r>
+            <a:r>
+              <a:rPr>
+                <a:solidFill>
+                  <a:srgbClr val="40A070"/>
+                </a:solidFill>
+                <a:latin typeface="Courier"/>
+              </a:rPr>
+              <a:t>1</a:t>
+            </a:r>
+            <a:r>
+              <a:rPr>
+                <a:latin typeface="Courier"/>
+              </a:rPr>
+              <a:t>])</a:t>
+            </a:r>
+          </a:p>
+          <a:p>
+            <a:pPr lvl="0" indent="0">
+              <a:buNone/>
+            </a:pPr>
+            <a:r>
+              <a:rPr>
+                <a:latin typeface="Courier"/>
+              </a:rPr>
+              <a:t>## [1] 0.9525292</a:t>
+            </a:r>
+          </a:p>
+        </p:txBody>
+      </p:sp>
+    </p:spTree>
+  </p:cSld>
+</p:sld>
+</file>
+
+<file path=ppt/slides/slide17.xml><?xml version="1.0" encoding="utf-8"?>
 <p:sld xmlns:a="http://schemas.openxmlformats.org/drawingml/2006/main" xmlns:r="http://schemas.openxmlformats.org/officeDocument/2006/relationships" xmlns:p="http://schemas.openxmlformats.org/presentationml/2006/main">
   <p:cSld>
     <p:spTree>
@@ -7649,7 +5983,7 @@
 </p:sld>
 </file>
 
-<file path=ppt/slides/slide5.xml><?xml version="1.0" encoding="utf-8"?>
+<file path=ppt/slides/slide18.xml><?xml version="1.0" encoding="utf-8"?>
 <p:sld xmlns:a="http://schemas.openxmlformats.org/drawingml/2006/main" xmlns:r="http://schemas.openxmlformats.org/officeDocument/2006/relationships" xmlns:p="http://schemas.openxmlformats.org/presentationml/2006/main">
   <p:cSld>
     <p:spTree>
@@ -7930,7 +6264,7 @@
 </p:sld>
 </file>
 
-<file path=ppt/slides/slide6.xml><?xml version="1.0" encoding="utf-8"?>
+<file path=ppt/slides/slide19.xml><?xml version="1.0" encoding="utf-8"?>
 <p:sld xmlns:a="http://schemas.openxmlformats.org/drawingml/2006/main" xmlns:r="http://schemas.openxmlformats.org/officeDocument/2006/relationships" xmlns:p="http://schemas.openxmlformats.org/presentationml/2006/main">
   <p:cSld>
     <p:spTree>
@@ -7967,7 +6301,7 @@
             </a:pPr>
             <a:r>
               <a:rPr/>
-              <a:t>Geary test - Counts</a:t>
+              <a:t>Arcsine transformation</a:t>
             </a:r>
           </a:p>
         </p:txBody>
@@ -7988,6 +6322,212 @@
             <p:txBody>
               <a:bodyPr/>
               <a:lstStyle/>
+              <a:p>
+                <a:pPr lvl="0" indent="0" marL="0">
+                  <a:buNone/>
+                </a:pPr>
+                <a14:m>
+                  <m:oMathPara xmlns:m="http://schemas.openxmlformats.org/officeDocument/2006/math">
+                    <m:oMathParaPr>
+                      <m:jc m:val="center"/>
+                    </m:oMathParaPr>
+                    <m:oMath>
+                      <m:acc>
+                        <m:accPr>
+                          <m:chr m:val="‾"/>
+                        </m:accPr>
+                        <m:e>
+                          <m:sSub>
+                            <m:e>
+                              <m:r>
+                                <m:t>X</m:t>
+                              </m:r>
+                            </m:e>
+                            <m:sub>
+                              <m:r>
+                                <m:t>t</m:t>
+                              </m:r>
+                            </m:sub>
+                          </m:sSub>
+                        </m:e>
+                      </m:acc>
+                      <m:r>
+                        <m:rPr>
+                          <m:sty m:val="p"/>
+                        </m:rPr>
+                        <m:t>=</m:t>
+                      </m:r>
+                      <m:r>
+                        <m:t>a</m:t>
+                      </m:r>
+                      <m:r>
+                        <m:t>r</m:t>
+                      </m:r>
+                      <m:r>
+                        <m:t>c</m:t>
+                      </m:r>
+                      <m:r>
+                        <m:t>s</m:t>
+                      </m:r>
+                      <m:r>
+                        <m:t>i</m:t>
+                      </m:r>
+                      <m:r>
+                        <m:t>n</m:t>
+                      </m:r>
+                      <m:r>
+                        <m:t>e</m:t>
+                      </m:r>
+                      <m:d>
+                        <m:dPr>
+                          <m:begChr m:val="("/>
+                          <m:endChr m:val=")"/>
+                          <m:sepChr m:val=""/>
+                          <m:grow/>
+                        </m:dPr>
+                        <m:e>
+                          <m:rad>
+                            <m:radPr>
+                              <m:degHide m:val="1"/>
+                            </m:radPr>
+                            <m:deg/>
+                            <m:e>
+                              <m:acc>
+                                <m:accPr>
+                                  <m:chr m:val="‾"/>
+                                </m:accPr>
+                                <m:e>
+                                  <m:r>
+                                    <m:t>X</m:t>
+                                  </m:r>
+                                </m:e>
+                              </m:acc>
+                            </m:e>
+                          </m:rad>
+                        </m:e>
+                      </m:d>
+                    </m:oMath>
+                  </m:oMathPara>
+                </a14:m>
+              </a:p>
+              <a:p>
+                <a:pPr lvl="0" indent="0" marL="0">
+                  <a:buNone/>
+                </a:pPr>
+                <a14:m>
+                  <m:oMathPara xmlns:m="http://schemas.openxmlformats.org/officeDocument/2006/math">
+                    <m:oMathParaPr>
+                      <m:jc m:val="center"/>
+                    </m:oMathParaPr>
+                    <m:oMath>
+                      <m:r>
+                        <m:t>S</m:t>
+                      </m:r>
+                      <m:sSub>
+                        <m:e>
+                          <m:r>
+                            <m:t>D</m:t>
+                          </m:r>
+                        </m:e>
+                        <m:sub>
+                          <m:r>
+                            <m:t>t</m:t>
+                          </m:r>
+                        </m:sub>
+                      </m:sSub>
+                      <m:r>
+                        <m:rPr>
+                          <m:sty m:val="p"/>
+                        </m:rPr>
+                        <m:t>=</m:t>
+                      </m:r>
+                      <m:rad>
+                        <m:radPr>
+                          <m:degHide m:val="1"/>
+                        </m:radPr>
+                        <m:deg/>
+                        <m:e>
+                          <m:f>
+                            <m:fPr>
+                              <m:type m:val="bar"/>
+                            </m:fPr>
+                            <m:num>
+                              <m:r>
+                                <m:t>S</m:t>
+                              </m:r>
+                              <m:sSup>
+                                <m:e>
+                                  <m:r>
+                                    <m:t>D</m:t>
+                                  </m:r>
+                                </m:e>
+                                <m:sup>
+                                  <m:r>
+                                    <m:t>2</m:t>
+                                  </m:r>
+                                </m:sup>
+                              </m:sSup>
+                            </m:num>
+                            <m:den>
+                              <m:r>
+                                <m:t>4</m:t>
+                              </m:r>
+                              <m:acc>
+                                <m:accPr>
+                                  <m:chr m:val="‾"/>
+                                </m:accPr>
+                                <m:e>
+                                  <m:r>
+                                    <m:t>X</m:t>
+                                  </m:r>
+                                </m:e>
+                              </m:acc>
+                              <m:d>
+                                <m:dPr>
+                                  <m:begChr m:val="("/>
+                                  <m:endChr m:val=")"/>
+                                  <m:sepChr m:val=""/>
+                                  <m:grow/>
+                                </m:dPr>
+                                <m:e>
+                                  <m:r>
+                                    <m:t>1</m:t>
+                                  </m:r>
+                                  <m:r>
+                                    <m:rPr>
+                                      <m:sty m:val="p"/>
+                                    </m:rPr>
+                                    <m:t>−</m:t>
+                                  </m:r>
+                                  <m:acc>
+                                    <m:accPr>
+                                      <m:chr m:val="‾"/>
+                                    </m:accPr>
+                                    <m:e>
+                                      <m:r>
+                                        <m:t>X</m:t>
+                                      </m:r>
+                                    </m:e>
+                                  </m:acc>
+                                </m:e>
+                              </m:d>
+                            </m:den>
+                          </m:f>
+                        </m:e>
+                      </m:rad>
+                    </m:oMath>
+                  </m:oMathPara>
+                </a14:m>
+              </a:p>
+              <a:p>
+                <a:pPr lvl="0" indent="0" marL="0">
+                  <a:buNone/>
+                </a:pPr>
+                <a:r>
+                  <a:rPr/>
+                  <a:t>## Geary test - Counts</a:t>
+                </a:r>
+              </a:p>
               <a:p>
                 <a:pPr lvl="0" indent="0" marL="0">
                   <a:buNone/>
@@ -8098,6 +6638,2353 @@
           </p:sp>
         </mc:Choice>
       </mc:AlternateContent>
+    </p:spTree>
+  </p:cSld>
+</p:sld>
+</file>
+
+<file path=ppt/slides/slide2.xml><?xml version="1.0" encoding="utf-8"?>
+<p:sld xmlns:a="http://schemas.openxmlformats.org/drawingml/2006/main" xmlns:r="http://schemas.openxmlformats.org/officeDocument/2006/relationships" xmlns:p="http://schemas.openxmlformats.org/presentationml/2006/main">
+  <p:cSld>
+    <p:spTree>
+      <p:nvGrpSpPr>
+        <p:cNvPr id="1" name=""/>
+        <p:cNvGrpSpPr/>
+        <p:nvPr/>
+      </p:nvGrpSpPr>
+      <p:grpSpPr>
+        <a:xfrm>
+          <a:off x="0" y="0"/>
+          <a:ext cx="0" cy="0"/>
+          <a:chOff x="0" y="0"/>
+          <a:chExt cx="0" cy="0"/>
+        </a:xfrm>
+      </p:grpSpPr>
+      <p:sp>
+        <p:nvSpPr>
+          <p:cNvPr id="2" name="Title 1"/>
+          <p:cNvSpPr>
+            <a:spLocks noGrp="1"/>
+          </p:cNvSpPr>
+          <p:nvPr>
+            <p:ph type="title"/>
+          </p:nvPr>
+        </p:nvSpPr>
+        <p:spPr/>
+        <p:txBody>
+          <a:bodyPr/>
+          <a:lstStyle/>
+          <a:p>
+            <a:pPr lvl="0" indent="0" marL="0">
+              <a:buNone/>
+            </a:pPr>
+            <a:r>
+              <a:rPr/>
+              <a:t>Slide with Bullets</a:t>
+            </a:r>
+          </a:p>
+        </p:txBody>
+      </p:sp>
+      <mc:AlternateContent xmlns:mc="http://schemas.openxmlformats.org/markup-compatibility/2006">
+        <mc:Choice xmlns:a14="http://schemas.microsoft.com/office/drawing/2010/main" Requires="a14">
+          <p:sp>
+            <p:nvSpPr>
+              <p:cNvPr id="3" name="Content Placeholder 2"/>
+              <p:cNvSpPr>
+                <a:spLocks noGrp="1"/>
+              </p:cNvSpPr>
+              <p:nvPr>
+                <p:ph idx="1"/>
+              </p:nvPr>
+            </p:nvSpPr>
+            <p:spPr/>
+            <p:txBody>
+              <a:bodyPr/>
+              <a:lstStyle/>
+              <a:p>
+                <a:pPr lvl="0"/>
+                <a:r>
+                  <a:rPr/>
+                  <a:t>Bullet 1</a:t>
+                </a:r>
+              </a:p>
+              <a:p>
+                <a:pPr lvl="0"/>
+                <a:r>
+                  <a:rPr/>
+                  <a:t>Bullet 2</a:t>
+                </a:r>
+              </a:p>
+              <a:p>
+                <a:pPr lvl="0"/>
+                <a:r>
+                  <a:rPr/>
+                  <a:t>Bullet 3</a:t>
+                </a:r>
+              </a:p>
+              <a:p>
+                <a:pPr lvl="0" indent="0" marL="0">
+                  <a:buNone/>
+                </a:pPr>
+                <a14:m>
+                  <m:oMathPara xmlns:m="http://schemas.openxmlformats.org/officeDocument/2006/math">
+                    <m:oMathParaPr>
+                      <m:jc m:val="center"/>
+                    </m:oMathParaPr>
+                    <m:oMath>
+                      <m:sSub>
+                        <m:e>
+                          <m:r>
+                            <m:t>y</m:t>
+                          </m:r>
+                        </m:e>
+                        <m:sub>
+                          <m:r>
+                            <m:t>i</m:t>
+                          </m:r>
+                        </m:sub>
+                      </m:sSub>
+                      <m:r>
+                        <m:rPr>
+                          <m:sty m:val="p"/>
+                        </m:rPr>
+                        <m:t>=</m:t>
+                      </m:r>
+                      <m:sSup>
+                        <m:e>
+                          <m:r>
+                            <m:t>x</m:t>
+                          </m:r>
+                        </m:e>
+                        <m:sup>
+                          <m:r>
+                            <m:t>2</m:t>
+                          </m:r>
+                        </m:sup>
+                      </m:sSup>
+                    </m:oMath>
+                  </m:oMathPara>
+                </a14:m>
+              </a:p>
+              <a:p>
+                <a:pPr lvl="0"/>
+                <a:r>
+                  <a:rPr/>
+                  <a:t>Eat eggs</a:t>
+                </a:r>
+              </a:p>
+              <a:p>
+                <a:pPr lvl="0"/>
+                <a:r>
+                  <a:rPr/>
+                  <a:t>Drink coffee</a:t>
+                </a:r>
+              </a:p>
+            </p:txBody>
+          </p:sp>
+        </mc:Choice>
+      </mc:AlternateContent>
+    </p:spTree>
+  </p:cSld>
+  <p:timing>
+    <p:tnLst>
+      <p:par>
+        <p:cTn id="1" dur="indefinite" restart="never" nodeType="tmRoot">
+          <p:childTnLst>
+            <p:seq concurrent="1" nextAc="seek">
+              <p:cTn id="2" dur="indefinite" nodeType="mainSeq">
+                <p:childTnLst>
+                  <p:par>
+                    <p:cTn id="3" fill="hold">
+                      <p:stCondLst>
+                        <p:cond delay="indefinite"/>
+                      </p:stCondLst>
+                      <p:childTnLst>
+                        <p:par>
+                          <p:cTn id="4" fill="hold">
+                            <p:stCondLst>
+                              <p:cond delay="0"/>
+                            </p:stCondLst>
+                            <p:childTnLst>
+                              <p:par>
+                                <p:cTn id="5" presetID="1" presetClass="entr" presetSubtype="0" fill="hold" grpId="0" nodeType="clickEffect">
+                                  <p:stCondLst>
+                                    <p:cond delay="0"/>
+                                  </p:stCondLst>
+                                  <p:childTnLst>
+                                    <p:set>
+                                      <p:cBhvr>
+                                        <p:cTn id="6" dur="1" fill="hold">
+                                          <p:stCondLst>
+                                            <p:cond delay="0"/>
+                                          </p:stCondLst>
+                                        </p:cTn>
+                                        <p:tgtEl>
+                                          <p:spTgt spid="3">
+                                            <p:txEl>
+                                              <p:pRg st="4" end="4"/>
+                                            </p:txEl>
+                                          </p:spTgt>
+                                        </p:tgtEl>
+                                        <p:attrNameLst>
+                                          <p:attrName>style.visibility</p:attrName>
+                                        </p:attrNameLst>
+                                      </p:cBhvr>
+                                      <p:to>
+                                        <p:strVal val="visible"/>
+                                      </p:to>
+                                    </p:set>
+                                  </p:childTnLst>
+                                </p:cTn>
+                              </p:par>
+                            </p:childTnLst>
+                          </p:cTn>
+                        </p:par>
+                      </p:childTnLst>
+                    </p:cTn>
+                  </p:par>
+                  <p:par>
+                    <p:cTn id="7" fill="hold">
+                      <p:stCondLst>
+                        <p:cond delay="indefinite"/>
+                      </p:stCondLst>
+                      <p:childTnLst>
+                        <p:par>
+                          <p:cTn id="8" fill="hold">
+                            <p:stCondLst>
+                              <p:cond delay="0"/>
+                            </p:stCondLst>
+                            <p:childTnLst>
+                              <p:par>
+                                <p:cTn id="9" presetID="1" presetClass="entr" presetSubtype="0" fill="hold" grpId="0" nodeType="clickEffect">
+                                  <p:stCondLst>
+                                    <p:cond delay="0"/>
+                                  </p:stCondLst>
+                                  <p:childTnLst>
+                                    <p:set>
+                                      <p:cBhvr>
+                                        <p:cTn id="10" dur="1" fill="hold">
+                                          <p:stCondLst>
+                                            <p:cond delay="0"/>
+                                          </p:stCondLst>
+                                        </p:cTn>
+                                        <p:tgtEl>
+                                          <p:spTgt spid="3">
+                                            <p:txEl>
+                                              <p:pRg st="5" end="5"/>
+                                            </p:txEl>
+                                          </p:spTgt>
+                                        </p:tgtEl>
+                                        <p:attrNameLst>
+                                          <p:attrName>style.visibility</p:attrName>
+                                        </p:attrNameLst>
+                                      </p:cBhvr>
+                                      <p:to>
+                                        <p:strVal val="visible"/>
+                                      </p:to>
+                                    </p:set>
+                                  </p:childTnLst>
+                                </p:cTn>
+                              </p:par>
+                            </p:childTnLst>
+                          </p:cTn>
+                        </p:par>
+                      </p:childTnLst>
+                    </p:cTn>
+                  </p:par>
+                </p:childTnLst>
+              </p:cTn>
+              <p:prevCondLst>
+                <p:cond evt="onPrev" delay="0">
+                  <p:tgtEl>
+                    <p:sldTgt/>
+                  </p:tgtEl>
+                </p:cond>
+              </p:prevCondLst>
+              <p:nextCondLst>
+                <p:cond evt="onNext" delay="0">
+                  <p:tgtEl>
+                    <p:sldTgt/>
+                  </p:tgtEl>
+                </p:cond>
+              </p:nextCondLst>
+            </p:seq>
+          </p:childTnLst>
+        </p:cTn>
+      </p:par>
+    </p:tnLst>
+    <p:bldLst>
+      <p:bldP spid="3" grpId="0" uiExpand="1" build="p"/>
+    </p:bldLst>
+  </p:timing>
+</p:sld>
+</file>
+
+<file path=ppt/slides/slide3.xml><?xml version="1.0" encoding="utf-8"?>
+<p:sld xmlns:a="http://schemas.openxmlformats.org/drawingml/2006/main" xmlns:r="http://schemas.openxmlformats.org/officeDocument/2006/relationships" xmlns:p="http://schemas.openxmlformats.org/presentationml/2006/main">
+  <p:cSld>
+    <p:spTree>
+      <p:nvGrpSpPr>
+        <p:cNvPr id="1" name=""/>
+        <p:cNvGrpSpPr/>
+        <p:nvPr/>
+      </p:nvGrpSpPr>
+      <p:grpSpPr>
+        <a:xfrm>
+          <a:off x="0" y="0"/>
+          <a:ext cx="0" cy="0"/>
+          <a:chOff x="0" y="0"/>
+          <a:chExt cx="0" cy="0"/>
+        </a:xfrm>
+      </p:grpSpPr>
+      <p:sp>
+        <p:nvSpPr>
+          <p:cNvPr id="2" name="Title 1"/>
+          <p:cNvSpPr>
+            <a:spLocks noGrp="1"/>
+          </p:cNvSpPr>
+          <p:nvPr>
+            <p:ph type="title"/>
+          </p:nvPr>
+        </p:nvSpPr>
+        <p:spPr/>
+        <p:txBody>
+          <a:bodyPr/>
+          <a:lstStyle/>
+          <a:p>
+            <a:pPr lvl="0" indent="0" marL="0">
+              <a:buNone/>
+            </a:pPr>
+            <a:r>
+              <a:rPr/>
+              <a:t>Slide with R Output</a:t>
+            </a:r>
+          </a:p>
+        </p:txBody>
+      </p:sp>
+      <p:sp>
+        <p:nvSpPr>
+          <p:cNvPr id="3" name="Content Placeholder 2"/>
+          <p:cNvSpPr>
+            <a:spLocks noGrp="1"/>
+          </p:cNvSpPr>
+          <p:nvPr>
+            <p:ph idx="1"/>
+          </p:nvPr>
+        </p:nvSpPr>
+        <p:spPr/>
+        <p:txBody>
+          <a:bodyPr/>
+          <a:lstStyle/>
+          <a:p>
+            <a:pPr lvl="0" indent="0">
+              <a:buNone/>
+            </a:pPr>
+            <a:r>
+              <a:rPr i="1">
+                <a:solidFill>
+                  <a:srgbClr val="60A0B0"/>
+                </a:solidFill>
+                <a:latin typeface="Courier"/>
+              </a:rPr>
+              <a:t># LDH activity in 8 C treatment</a:t>
+            </a:r>
+            <a:br/>
+            <a:r>
+              <a:rPr>
+                <a:latin typeface="Courier"/>
+              </a:rPr>
+              <a:t>trt_8C </a:t>
+            </a:r>
+            <a:r>
+              <a:rPr>
+                <a:solidFill>
+                  <a:srgbClr val="007020"/>
+                </a:solidFill>
+                <a:latin typeface="Courier"/>
+              </a:rPr>
+              <a:t>&lt;-</a:t>
+            </a:r>
+            <a:r>
+              <a:rPr>
+                <a:latin typeface="Courier"/>
+              </a:rPr>
+              <a:t> </a:t>
+            </a:r>
+            <a:r>
+              <a:rPr>
+                <a:solidFill>
+                  <a:srgbClr val="06287E"/>
+                </a:solidFill>
+                <a:latin typeface="Courier"/>
+              </a:rPr>
+              <a:t>rnorm</a:t>
+            </a:r>
+            <a:r>
+              <a:rPr>
+                <a:latin typeface="Courier"/>
+              </a:rPr>
+              <a:t>(</a:t>
+            </a:r>
+            <a:r>
+              <a:rPr>
+                <a:solidFill>
+                  <a:srgbClr val="40A070"/>
+                </a:solidFill>
+                <a:latin typeface="Courier"/>
+              </a:rPr>
+              <a:t>10</a:t>
+            </a:r>
+            <a:r>
+              <a:rPr>
+                <a:latin typeface="Courier"/>
+              </a:rPr>
+              <a:t>, </a:t>
+            </a:r>
+            <a:r>
+              <a:rPr>
+                <a:solidFill>
+                  <a:srgbClr val="40A070"/>
+                </a:solidFill>
+                <a:latin typeface="Courier"/>
+              </a:rPr>
+              <a:t>0.4</a:t>
+            </a:r>
+            <a:r>
+              <a:rPr>
+                <a:latin typeface="Courier"/>
+              </a:rPr>
+              <a:t>, </a:t>
+            </a:r>
+            <a:r>
+              <a:rPr>
+                <a:solidFill>
+                  <a:srgbClr val="40A070"/>
+                </a:solidFill>
+                <a:latin typeface="Courier"/>
+              </a:rPr>
+              <a:t>0.5</a:t>
+            </a:r>
+            <a:r>
+              <a:rPr>
+                <a:latin typeface="Courier"/>
+              </a:rPr>
+              <a:t>)</a:t>
+            </a:r>
+            <a:br/>
+            <a:br/>
+            <a:r>
+              <a:rPr i="1">
+                <a:solidFill>
+                  <a:srgbClr val="60A0B0"/>
+                </a:solidFill>
+                <a:latin typeface="Courier"/>
+              </a:rPr>
+              <a:t># LDH activity in 26 C treatment</a:t>
+            </a:r>
+            <a:br/>
+            <a:r>
+              <a:rPr>
+                <a:latin typeface="Courier"/>
+              </a:rPr>
+              <a:t>trt_26C </a:t>
+            </a:r>
+            <a:r>
+              <a:rPr>
+                <a:solidFill>
+                  <a:srgbClr val="007020"/>
+                </a:solidFill>
+                <a:latin typeface="Courier"/>
+              </a:rPr>
+              <a:t>&lt;-</a:t>
+            </a:r>
+            <a:r>
+              <a:rPr>
+                <a:latin typeface="Courier"/>
+              </a:rPr>
+              <a:t> </a:t>
+            </a:r>
+            <a:r>
+              <a:rPr>
+                <a:solidFill>
+                  <a:srgbClr val="06287E"/>
+                </a:solidFill>
+                <a:latin typeface="Courier"/>
+              </a:rPr>
+              <a:t>rnorm</a:t>
+            </a:r>
+            <a:r>
+              <a:rPr>
+                <a:latin typeface="Courier"/>
+              </a:rPr>
+              <a:t>(</a:t>
+            </a:r>
+            <a:r>
+              <a:rPr>
+                <a:solidFill>
+                  <a:srgbClr val="40A070"/>
+                </a:solidFill>
+                <a:latin typeface="Courier"/>
+              </a:rPr>
+              <a:t>10</a:t>
+            </a:r>
+            <a:r>
+              <a:rPr>
+                <a:latin typeface="Courier"/>
+              </a:rPr>
+              <a:t>, </a:t>
+            </a:r>
+            <a:r>
+              <a:rPr>
+                <a:solidFill>
+                  <a:srgbClr val="40A070"/>
+                </a:solidFill>
+                <a:latin typeface="Courier"/>
+              </a:rPr>
+              <a:t>0.6</a:t>
+            </a:r>
+            <a:r>
+              <a:rPr>
+                <a:latin typeface="Courier"/>
+              </a:rPr>
+              <a:t>, </a:t>
+            </a:r>
+            <a:r>
+              <a:rPr>
+                <a:solidFill>
+                  <a:srgbClr val="40A070"/>
+                </a:solidFill>
+                <a:latin typeface="Courier"/>
+              </a:rPr>
+              <a:t>0.2</a:t>
+            </a:r>
+            <a:r>
+              <a:rPr>
+                <a:latin typeface="Courier"/>
+              </a:rPr>
+              <a:t>)</a:t>
+            </a:r>
+            <a:br/>
+            <a:br/>
+            <a:r>
+              <a:rPr i="1">
+                <a:solidFill>
+                  <a:srgbClr val="60A0B0"/>
+                </a:solidFill>
+                <a:latin typeface="Courier"/>
+              </a:rPr>
+              <a:t># What's the difference, i.e., effect size, between treatments?</a:t>
+            </a:r>
+            <a:br/>
+            <a:r>
+              <a:rPr>
+                <a:solidFill>
+                  <a:srgbClr val="06287E"/>
+                </a:solidFill>
+                <a:latin typeface="Courier"/>
+              </a:rPr>
+              <a:t>mean</a:t>
+            </a:r>
+            <a:r>
+              <a:rPr>
+                <a:latin typeface="Courier"/>
+              </a:rPr>
+              <a:t>(trt_26C </a:t>
+            </a:r>
+            <a:r>
+              <a:rPr>
+                <a:solidFill>
+                  <a:srgbClr val="4070A0"/>
+                </a:solidFill>
+                <a:latin typeface="Courier"/>
+              </a:rPr>
+              <a:t>-</a:t>
+            </a:r>
+            <a:r>
+              <a:rPr>
+                <a:latin typeface="Courier"/>
+              </a:rPr>
+              <a:t> trt_8C)</a:t>
+            </a:r>
+          </a:p>
+          <a:p>
+            <a:pPr lvl="0" indent="0">
+              <a:buNone/>
+            </a:pPr>
+            <a:r>
+              <a:rPr>
+                <a:latin typeface="Courier"/>
+              </a:rPr>
+              <a:t>## [1] 0.1804066</a:t>
+            </a:r>
+          </a:p>
+          <a:p>
+            <a:pPr lvl="0" indent="0">
+              <a:buNone/>
+            </a:pPr>
+            <a:r>
+              <a:rPr>
+                <a:solidFill>
+                  <a:srgbClr val="06287E"/>
+                </a:solidFill>
+                <a:latin typeface="Courier"/>
+              </a:rPr>
+              <a:t>t.test</a:t>
+            </a:r>
+            <a:r>
+              <a:rPr>
+                <a:latin typeface="Courier"/>
+              </a:rPr>
+              <a:t>(trt_26C, trt_8C)</a:t>
+            </a:r>
+          </a:p>
+          <a:p>
+            <a:pPr lvl="0" indent="0">
+              <a:buNone/>
+            </a:pPr>
+            <a:r>
+              <a:rPr>
+                <a:latin typeface="Courier"/>
+              </a:rPr>
+              <a:t>## 
+##  Welch Two Sample t-test
+## 
+## data:  trt_26C and trt_8C
+## t = 0.90835, df = 12.707, p-value = 0.3806
+## alternative hypothesis: true difference in means is not equal to 0
+## 95 percent confidence interval:
+##  -0.2496710  0.6104843
+## sample estimates:
+## mean of x mean of y 
+## 0.5828005 0.4023939</a:t>
+            </a:r>
+          </a:p>
+        </p:txBody>
+      </p:sp>
+    </p:spTree>
+  </p:cSld>
+</p:sld>
+</file>
+
+<file path=ppt/slides/slide4.xml><?xml version="1.0" encoding="utf-8"?>
+<p:sld xmlns:a="http://schemas.openxmlformats.org/drawingml/2006/main" xmlns:r="http://schemas.openxmlformats.org/officeDocument/2006/relationships" xmlns:p="http://schemas.openxmlformats.org/presentationml/2006/main">
+  <p:cSld>
+    <p:spTree>
+      <p:nvGrpSpPr>
+        <p:cNvPr id="1" name=""/>
+        <p:cNvGrpSpPr/>
+        <p:nvPr/>
+      </p:nvGrpSpPr>
+      <p:grpSpPr>
+        <a:xfrm>
+          <a:off x="0" y="0"/>
+          <a:ext cx="0" cy="0"/>
+          <a:chOff x="0" y="0"/>
+          <a:chExt cx="0" cy="0"/>
+        </a:xfrm>
+      </p:grpSpPr>
+      <p:sp>
+        <p:nvSpPr>
+          <p:cNvPr id="2" name="Title 1"/>
+          <p:cNvSpPr>
+            <a:spLocks noGrp="1"/>
+          </p:cNvSpPr>
+          <p:nvPr>
+            <p:ph type="title"/>
+          </p:nvPr>
+        </p:nvSpPr>
+        <p:spPr/>
+        <p:txBody>
+          <a:bodyPr/>
+          <a:lstStyle/>
+          <a:p>
+            <a:pPr lvl="0" indent="0" marL="0">
+              <a:buNone/>
+            </a:pPr>
+            <a:r>
+              <a:rPr/>
+              <a:t>Do 1000s of experiments</a:t>
+            </a:r>
+          </a:p>
+        </p:txBody>
+      </p:sp>
+      <p:sp>
+        <p:nvSpPr>
+          <p:cNvPr id="3" name="Content Placeholder 2"/>
+          <p:cNvSpPr>
+            <a:spLocks noGrp="1"/>
+          </p:cNvSpPr>
+          <p:nvPr>
+            <p:ph idx="1"/>
+          </p:nvPr>
+        </p:nvSpPr>
+        <p:spPr/>
+        <p:txBody>
+          <a:bodyPr/>
+          <a:lstStyle/>
+          <a:p>
+            <a:pPr lvl="0" indent="0">
+              <a:buNone/>
+            </a:pPr>
+            <a:r>
+              <a:rPr>
+                <a:latin typeface="Courier"/>
+              </a:rPr>
+              <a:t>experiment </a:t>
+            </a:r>
+            <a:r>
+              <a:rPr>
+                <a:solidFill>
+                  <a:srgbClr val="007020"/>
+                </a:solidFill>
+                <a:latin typeface="Courier"/>
+              </a:rPr>
+              <a:t>&lt;-</a:t>
+            </a:r>
+            <a:r>
+              <a:rPr>
+                <a:latin typeface="Courier"/>
+              </a:rPr>
+              <a:t> </a:t>
+            </a:r>
+            <a:r>
+              <a:rPr b="1">
+                <a:solidFill>
+                  <a:srgbClr val="007020"/>
+                </a:solidFill>
+                <a:latin typeface="Courier"/>
+              </a:rPr>
+              <a:t>function</a:t>
+            </a:r>
+            <a:r>
+              <a:rPr>
+                <a:latin typeface="Courier"/>
+              </a:rPr>
+              <a:t>(times) {</a:t>
+            </a:r>
+            <a:br/>
+            <a:br/>
+            <a:r>
+              <a:rPr>
+                <a:latin typeface="Courier"/>
+              </a:rPr>
+              <a:t>    dat </a:t>
+            </a:r>
+            <a:r>
+              <a:rPr>
+                <a:solidFill>
+                  <a:srgbClr val="007020"/>
+                </a:solidFill>
+                <a:latin typeface="Courier"/>
+              </a:rPr>
+              <a:t>&lt;-</a:t>
+            </a:r>
+            <a:r>
+              <a:rPr>
+                <a:latin typeface="Courier"/>
+              </a:rPr>
+              <a:t> </a:t>
+            </a:r>
+            <a:r>
+              <a:rPr>
+                <a:solidFill>
+                  <a:srgbClr val="06287E"/>
+                </a:solidFill>
+                <a:latin typeface="Courier"/>
+              </a:rPr>
+              <a:t>data.frame</a:t>
+            </a:r>
+            <a:r>
+              <a:rPr>
+                <a:latin typeface="Courier"/>
+              </a:rPr>
+              <a:t>(</a:t>
+            </a:r>
+            <a:r>
+              <a:rPr>
+                <a:solidFill>
+                  <a:srgbClr val="06287E"/>
+                </a:solidFill>
+                <a:latin typeface="Courier"/>
+              </a:rPr>
+              <a:t>matrix</a:t>
+            </a:r>
+            <a:r>
+              <a:rPr>
+                <a:latin typeface="Courier"/>
+              </a:rPr>
+              <a:t>(</a:t>
+            </a:r>
+            <a:r>
+              <a:rPr>
+                <a:solidFill>
+                  <a:srgbClr val="7D9029"/>
+                </a:solidFill>
+                <a:latin typeface="Courier"/>
+              </a:rPr>
+              <a:t>nrow =</a:t>
+            </a:r>
+            <a:r>
+              <a:rPr>
+                <a:latin typeface="Courier"/>
+              </a:rPr>
+              <a:t> times, </a:t>
+            </a:r>
+            <a:r>
+              <a:rPr>
+                <a:solidFill>
+                  <a:srgbClr val="7D9029"/>
+                </a:solidFill>
+                <a:latin typeface="Courier"/>
+              </a:rPr>
+              <a:t>ncol =</a:t>
+            </a:r>
+            <a:r>
+              <a:rPr>
+                <a:latin typeface="Courier"/>
+              </a:rPr>
+              <a:t> </a:t>
+            </a:r>
+            <a:r>
+              <a:rPr>
+                <a:solidFill>
+                  <a:srgbClr val="40A070"/>
+                </a:solidFill>
+                <a:latin typeface="Courier"/>
+              </a:rPr>
+              <a:t>2</a:t>
+            </a:r>
+            <a:r>
+              <a:rPr>
+                <a:latin typeface="Courier"/>
+              </a:rPr>
+              <a:t>))</a:t>
+            </a:r>
+            <a:br/>
+            <a:br/>
+            <a:r>
+              <a:rPr>
+                <a:latin typeface="Courier"/>
+              </a:rPr>
+              <a:t>    </a:t>
+            </a:r>
+            <a:r>
+              <a:rPr b="1">
+                <a:solidFill>
+                  <a:srgbClr val="007020"/>
+                </a:solidFill>
+                <a:latin typeface="Courier"/>
+              </a:rPr>
+              <a:t>for</a:t>
+            </a:r>
+            <a:r>
+              <a:rPr>
+                <a:latin typeface="Courier"/>
+              </a:rPr>
+              <a:t> (i </a:t>
+            </a:r>
+            <a:r>
+              <a:rPr b="1">
+                <a:solidFill>
+                  <a:srgbClr val="007020"/>
+                </a:solidFill>
+                <a:latin typeface="Courier"/>
+              </a:rPr>
+              <a:t>in</a:t>
+            </a:r>
+            <a:r>
+              <a:rPr>
+                <a:latin typeface="Courier"/>
+              </a:rPr>
+              <a:t> </a:t>
+            </a:r>
+            <a:r>
+              <a:rPr>
+                <a:solidFill>
+                  <a:srgbClr val="40A070"/>
+                </a:solidFill>
+                <a:latin typeface="Courier"/>
+              </a:rPr>
+              <a:t>1</a:t>
+            </a:r>
+            <a:r>
+              <a:rPr>
+                <a:solidFill>
+                  <a:srgbClr val="4070A0"/>
+                </a:solidFill>
+                <a:latin typeface="Courier"/>
+              </a:rPr>
+              <a:t>:</a:t>
+            </a:r>
+            <a:r>
+              <a:rPr>
+                <a:latin typeface="Courier"/>
+              </a:rPr>
+              <a:t>times) {</a:t>
+            </a:r>
+            <a:br/>
+            <a:r>
+              <a:rPr>
+                <a:latin typeface="Courier"/>
+              </a:rPr>
+              <a:t>        </a:t>
+            </a:r>
+            <a:r>
+              <a:rPr i="1">
+                <a:solidFill>
+                  <a:srgbClr val="60A0B0"/>
+                </a:solidFill>
+                <a:latin typeface="Courier"/>
+              </a:rPr>
+              <a:t># LDH activity in 8 C treatment</a:t>
+            </a:r>
+            <a:br/>
+            <a:r>
+              <a:rPr>
+                <a:latin typeface="Courier"/>
+              </a:rPr>
+              <a:t>        trt_8C </a:t>
+            </a:r>
+            <a:r>
+              <a:rPr>
+                <a:solidFill>
+                  <a:srgbClr val="007020"/>
+                </a:solidFill>
+                <a:latin typeface="Courier"/>
+              </a:rPr>
+              <a:t>&lt;-</a:t>
+            </a:r>
+            <a:r>
+              <a:rPr>
+                <a:latin typeface="Courier"/>
+              </a:rPr>
+              <a:t> </a:t>
+            </a:r>
+            <a:r>
+              <a:rPr>
+                <a:solidFill>
+                  <a:srgbClr val="06287E"/>
+                </a:solidFill>
+                <a:latin typeface="Courier"/>
+              </a:rPr>
+              <a:t>rnorm</a:t>
+            </a:r>
+            <a:r>
+              <a:rPr>
+                <a:latin typeface="Courier"/>
+              </a:rPr>
+              <a:t>(</a:t>
+            </a:r>
+            <a:r>
+              <a:rPr>
+                <a:solidFill>
+                  <a:srgbClr val="40A070"/>
+                </a:solidFill>
+                <a:latin typeface="Courier"/>
+              </a:rPr>
+              <a:t>10</a:t>
+            </a:r>
+            <a:r>
+              <a:rPr>
+                <a:latin typeface="Courier"/>
+              </a:rPr>
+              <a:t>, </a:t>
+            </a:r>
+            <a:r>
+              <a:rPr>
+                <a:solidFill>
+                  <a:srgbClr val="40A070"/>
+                </a:solidFill>
+                <a:latin typeface="Courier"/>
+              </a:rPr>
+              <a:t>0.4</a:t>
+            </a:r>
+            <a:r>
+              <a:rPr>
+                <a:latin typeface="Courier"/>
+              </a:rPr>
+              <a:t>, </a:t>
+            </a:r>
+            <a:r>
+              <a:rPr>
+                <a:solidFill>
+                  <a:srgbClr val="40A070"/>
+                </a:solidFill>
+                <a:latin typeface="Courier"/>
+              </a:rPr>
+              <a:t>0.5</a:t>
+            </a:r>
+            <a:r>
+              <a:rPr>
+                <a:latin typeface="Courier"/>
+              </a:rPr>
+              <a:t>)</a:t>
+            </a:r>
+            <a:br/>
+            <a:br/>
+            <a:r>
+              <a:rPr>
+                <a:latin typeface="Courier"/>
+              </a:rPr>
+              <a:t>        </a:t>
+            </a:r>
+            <a:r>
+              <a:rPr i="1">
+                <a:solidFill>
+                  <a:srgbClr val="60A0B0"/>
+                </a:solidFill>
+                <a:latin typeface="Courier"/>
+              </a:rPr>
+              <a:t># LDH activity in 26 C treatment</a:t>
+            </a:r>
+            <a:br/>
+            <a:r>
+              <a:rPr>
+                <a:latin typeface="Courier"/>
+              </a:rPr>
+              <a:t>        trt_26C </a:t>
+            </a:r>
+            <a:r>
+              <a:rPr>
+                <a:solidFill>
+                  <a:srgbClr val="007020"/>
+                </a:solidFill>
+                <a:latin typeface="Courier"/>
+              </a:rPr>
+              <a:t>&lt;-</a:t>
+            </a:r>
+            <a:r>
+              <a:rPr>
+                <a:latin typeface="Courier"/>
+              </a:rPr>
+              <a:t> </a:t>
+            </a:r>
+            <a:r>
+              <a:rPr>
+                <a:solidFill>
+                  <a:srgbClr val="06287E"/>
+                </a:solidFill>
+                <a:latin typeface="Courier"/>
+              </a:rPr>
+              <a:t>rnorm</a:t>
+            </a:r>
+            <a:r>
+              <a:rPr>
+                <a:latin typeface="Courier"/>
+              </a:rPr>
+              <a:t>(</a:t>
+            </a:r>
+            <a:r>
+              <a:rPr>
+                <a:solidFill>
+                  <a:srgbClr val="40A070"/>
+                </a:solidFill>
+                <a:latin typeface="Courier"/>
+              </a:rPr>
+              <a:t>10</a:t>
+            </a:r>
+            <a:r>
+              <a:rPr>
+                <a:latin typeface="Courier"/>
+              </a:rPr>
+              <a:t>, </a:t>
+            </a:r>
+            <a:r>
+              <a:rPr>
+                <a:solidFill>
+                  <a:srgbClr val="40A070"/>
+                </a:solidFill>
+                <a:latin typeface="Courier"/>
+              </a:rPr>
+              <a:t>0.6</a:t>
+            </a:r>
+            <a:r>
+              <a:rPr>
+                <a:latin typeface="Courier"/>
+              </a:rPr>
+              <a:t>, </a:t>
+            </a:r>
+            <a:r>
+              <a:rPr>
+                <a:solidFill>
+                  <a:srgbClr val="40A070"/>
+                </a:solidFill>
+                <a:latin typeface="Courier"/>
+              </a:rPr>
+              <a:t>0.2</a:t>
+            </a:r>
+            <a:r>
+              <a:rPr>
+                <a:latin typeface="Courier"/>
+              </a:rPr>
+              <a:t>)</a:t>
+            </a:r>
+            <a:br/>
+            <a:br/>
+            <a:r>
+              <a:rPr>
+                <a:latin typeface="Courier"/>
+              </a:rPr>
+              <a:t>        </a:t>
+            </a:r>
+            <a:r>
+              <a:rPr i="1">
+                <a:solidFill>
+                  <a:srgbClr val="60A0B0"/>
+                </a:solidFill>
+                <a:latin typeface="Courier"/>
+              </a:rPr>
+              <a:t># What's the difference, i.e., effect size, between treatments?</a:t>
+            </a:r>
+            <a:br/>
+            <a:r>
+              <a:rPr>
+                <a:latin typeface="Courier"/>
+              </a:rPr>
+              <a:t>        dat[i, </a:t>
+            </a:r>
+            <a:r>
+              <a:rPr>
+                <a:solidFill>
+                  <a:srgbClr val="40A070"/>
+                </a:solidFill>
+                <a:latin typeface="Courier"/>
+              </a:rPr>
+              <a:t>1</a:t>
+            </a:r>
+            <a:r>
+              <a:rPr>
+                <a:latin typeface="Courier"/>
+              </a:rPr>
+              <a:t>] </a:t>
+            </a:r>
+            <a:r>
+              <a:rPr>
+                <a:solidFill>
+                  <a:srgbClr val="007020"/>
+                </a:solidFill>
+                <a:latin typeface="Courier"/>
+              </a:rPr>
+              <a:t>&lt;-</a:t>
+            </a:r>
+            <a:r>
+              <a:rPr>
+                <a:latin typeface="Courier"/>
+              </a:rPr>
+              <a:t> </a:t>
+            </a:r>
+            <a:r>
+              <a:rPr>
+                <a:solidFill>
+                  <a:srgbClr val="06287E"/>
+                </a:solidFill>
+                <a:latin typeface="Courier"/>
+              </a:rPr>
+              <a:t>mean</a:t>
+            </a:r>
+            <a:r>
+              <a:rPr>
+                <a:latin typeface="Courier"/>
+              </a:rPr>
+              <a:t>(trt_26C </a:t>
+            </a:r>
+            <a:r>
+              <a:rPr>
+                <a:solidFill>
+                  <a:srgbClr val="4070A0"/>
+                </a:solidFill>
+                <a:latin typeface="Courier"/>
+              </a:rPr>
+              <a:t>-</a:t>
+            </a:r>
+            <a:r>
+              <a:rPr>
+                <a:latin typeface="Courier"/>
+              </a:rPr>
+              <a:t> trt_8C)</a:t>
+            </a:r>
+            <a:br/>
+            <a:r>
+              <a:rPr>
+                <a:latin typeface="Courier"/>
+              </a:rPr>
+              <a:t>        dat[i, </a:t>
+            </a:r>
+            <a:r>
+              <a:rPr>
+                <a:solidFill>
+                  <a:srgbClr val="40A070"/>
+                </a:solidFill>
+                <a:latin typeface="Courier"/>
+              </a:rPr>
+              <a:t>2</a:t>
+            </a:r>
+            <a:r>
+              <a:rPr>
+                <a:latin typeface="Courier"/>
+              </a:rPr>
+              <a:t>] </a:t>
+            </a:r>
+            <a:r>
+              <a:rPr>
+                <a:solidFill>
+                  <a:srgbClr val="007020"/>
+                </a:solidFill>
+                <a:latin typeface="Courier"/>
+              </a:rPr>
+              <a:t>&lt;-</a:t>
+            </a:r>
+            <a:r>
+              <a:rPr>
+                <a:latin typeface="Courier"/>
+              </a:rPr>
+              <a:t> </a:t>
+            </a:r>
+            <a:r>
+              <a:rPr>
+                <a:solidFill>
+                  <a:srgbClr val="06287E"/>
+                </a:solidFill>
+                <a:latin typeface="Courier"/>
+              </a:rPr>
+              <a:t>t.test</a:t>
+            </a:r>
+            <a:r>
+              <a:rPr>
+                <a:latin typeface="Courier"/>
+              </a:rPr>
+              <a:t>(trt_26C, trt_8C)</a:t>
+            </a:r>
+            <a:r>
+              <a:rPr>
+                <a:solidFill>
+                  <a:srgbClr val="4070A0"/>
+                </a:solidFill>
+                <a:latin typeface="Courier"/>
+              </a:rPr>
+              <a:t>$</a:t>
+            </a:r>
+            <a:r>
+              <a:rPr>
+                <a:latin typeface="Courier"/>
+              </a:rPr>
+              <a:t>p.value</a:t>
+            </a:r>
+            <a:br/>
+            <a:br/>
+            <a:r>
+              <a:rPr>
+                <a:latin typeface="Courier"/>
+              </a:rPr>
+              <a:t>    }</a:t>
+            </a:r>
+            <a:br/>
+            <a:r>
+              <a:rPr>
+                <a:latin typeface="Courier"/>
+              </a:rPr>
+              <a:t>    </a:t>
+            </a:r>
+            <a:r>
+              <a:rPr>
+                <a:solidFill>
+                  <a:srgbClr val="06287E"/>
+                </a:solidFill>
+                <a:latin typeface="Courier"/>
+              </a:rPr>
+              <a:t>names</a:t>
+            </a:r>
+            <a:r>
+              <a:rPr>
+                <a:latin typeface="Courier"/>
+              </a:rPr>
+              <a:t>(dat) </a:t>
+            </a:r>
+            <a:r>
+              <a:rPr>
+                <a:solidFill>
+                  <a:srgbClr val="007020"/>
+                </a:solidFill>
+                <a:latin typeface="Courier"/>
+              </a:rPr>
+              <a:t>&lt;-</a:t>
+            </a:r>
+            <a:r>
+              <a:rPr>
+                <a:latin typeface="Courier"/>
+              </a:rPr>
+              <a:t> </a:t>
+            </a:r>
+            <a:r>
+              <a:rPr>
+                <a:solidFill>
+                  <a:srgbClr val="06287E"/>
+                </a:solidFill>
+                <a:latin typeface="Courier"/>
+              </a:rPr>
+              <a:t>c</a:t>
+            </a:r>
+            <a:r>
+              <a:rPr>
+                <a:latin typeface="Courier"/>
+              </a:rPr>
+              <a:t>(</a:t>
+            </a:r>
+            <a:r>
+              <a:rPr>
+                <a:solidFill>
+                  <a:srgbClr val="4070A0"/>
+                </a:solidFill>
+                <a:latin typeface="Courier"/>
+              </a:rPr>
+              <a:t>"effect"</a:t>
+            </a:r>
+            <a:r>
+              <a:rPr>
+                <a:latin typeface="Courier"/>
+              </a:rPr>
+              <a:t>, </a:t>
+            </a:r>
+            <a:r>
+              <a:rPr>
+                <a:solidFill>
+                  <a:srgbClr val="4070A0"/>
+                </a:solidFill>
+                <a:latin typeface="Courier"/>
+              </a:rPr>
+              <a:t>"p"</a:t>
+            </a:r>
+            <a:r>
+              <a:rPr>
+                <a:latin typeface="Courier"/>
+              </a:rPr>
+              <a:t>)</a:t>
+            </a:r>
+            <a:br/>
+            <a:r>
+              <a:rPr>
+                <a:latin typeface="Courier"/>
+              </a:rPr>
+              <a:t>    </a:t>
+            </a:r>
+            <a:r>
+              <a:rPr>
+                <a:solidFill>
+                  <a:srgbClr val="06287E"/>
+                </a:solidFill>
+                <a:latin typeface="Courier"/>
+              </a:rPr>
+              <a:t>return</a:t>
+            </a:r>
+            <a:r>
+              <a:rPr>
+                <a:latin typeface="Courier"/>
+              </a:rPr>
+              <a:t>(dat)</a:t>
+            </a:r>
+            <a:br/>
+            <a:r>
+              <a:rPr>
+                <a:latin typeface="Courier"/>
+              </a:rPr>
+              <a:t>}</a:t>
+            </a:r>
+            <a:br/>
+            <a:br/>
+            <a:r>
+              <a:rPr>
+                <a:latin typeface="Courier"/>
+              </a:rPr>
+              <a:t>expts </a:t>
+            </a:r>
+            <a:r>
+              <a:rPr>
+                <a:solidFill>
+                  <a:srgbClr val="007020"/>
+                </a:solidFill>
+                <a:latin typeface="Courier"/>
+              </a:rPr>
+              <a:t>&lt;-</a:t>
+            </a:r>
+            <a:r>
+              <a:rPr>
+                <a:latin typeface="Courier"/>
+              </a:rPr>
+              <a:t> </a:t>
+            </a:r>
+            <a:r>
+              <a:rPr>
+                <a:solidFill>
+                  <a:srgbClr val="06287E"/>
+                </a:solidFill>
+                <a:latin typeface="Courier"/>
+              </a:rPr>
+              <a:t>experiment</a:t>
+            </a:r>
+            <a:r>
+              <a:rPr>
+                <a:latin typeface="Courier"/>
+              </a:rPr>
+              <a:t>(</a:t>
+            </a:r>
+            <a:r>
+              <a:rPr>
+                <a:solidFill>
+                  <a:srgbClr val="40A070"/>
+                </a:solidFill>
+                <a:latin typeface="Courier"/>
+              </a:rPr>
+              <a:t>10000</a:t>
+            </a:r>
+            <a:r>
+              <a:rPr>
+                <a:latin typeface="Courier"/>
+              </a:rPr>
+              <a:t>)</a:t>
+            </a:r>
+          </a:p>
+        </p:txBody>
+      </p:sp>
+    </p:spTree>
+  </p:cSld>
+</p:sld>
+</file>
+
+<file path=ppt/slides/slide5.xml><?xml version="1.0" encoding="utf-8"?>
+<p:sld xmlns:a="http://schemas.openxmlformats.org/drawingml/2006/main" xmlns:r="http://schemas.openxmlformats.org/officeDocument/2006/relationships" xmlns:p="http://schemas.openxmlformats.org/presentationml/2006/main">
+  <p:cSld>
+    <p:spTree>
+      <p:nvGrpSpPr>
+        <p:cNvPr id="1" name=""/>
+        <p:cNvGrpSpPr/>
+        <p:nvPr/>
+      </p:nvGrpSpPr>
+      <p:grpSpPr>
+        <a:xfrm>
+          <a:off x="0" y="0"/>
+          <a:ext cx="0" cy="0"/>
+          <a:chOff x="0" y="0"/>
+          <a:chExt cx="0" cy="0"/>
+        </a:xfrm>
+      </p:grpSpPr>
+      <p:sp>
+        <p:nvSpPr>
+          <p:cNvPr id="2" name="Title 1"/>
+          <p:cNvSpPr>
+            <a:spLocks noGrp="1"/>
+          </p:cNvSpPr>
+          <p:nvPr>
+            <p:ph type="title"/>
+          </p:nvPr>
+        </p:nvSpPr>
+        <p:spPr/>
+        <p:txBody>
+          <a:bodyPr/>
+          <a:lstStyle/>
+          <a:p>
+            <a:pPr lvl="0" indent="0" marL="0">
+              <a:buNone/>
+            </a:pPr>
+            <a:r>
+              <a:rPr/>
+              <a:t>Figure</a:t>
+            </a:r>
+          </a:p>
+        </p:txBody>
+      </p:sp>
+      <p:pic>
+        <p:nvPicPr>
+          <p:cNvPr descr="code_slides_files/figure-pptx/simfig-1.png" id="0" name="Picture 1"/>
+          <p:cNvPicPr>
+            <a:picLocks noGrp="1" noChangeAspect="1"/>
+          </p:cNvPicPr>
+          <p:nvPr/>
+        </p:nvPicPr>
+        <p:blipFill>
+          <a:blip r:embed="rId2"/>
+          <a:stretch>
+            <a:fillRect/>
+          </a:stretch>
+        </p:blipFill>
+        <p:spPr bwMode="auto">
+          <a:xfrm>
+            <a:off x="2451100" y="1193800"/>
+            <a:ext cx="4241800" cy="3390900"/>
+          </a:xfrm>
+          <a:prstGeom prst="rect">
+            <a:avLst/>
+          </a:prstGeom>
+          <a:noFill/>
+          <a:ln w="9525">
+            <a:noFill/>
+            <a:headEnd/>
+            <a:tailEnd/>
+          </a:ln>
+        </p:spPr>
+      </p:pic>
+    </p:spTree>
+  </p:cSld>
+</p:sld>
+</file>
+
+<file path=ppt/slides/slide6.xml><?xml version="1.0" encoding="utf-8"?>
+<p:sld xmlns:a="http://schemas.openxmlformats.org/drawingml/2006/main" xmlns:r="http://schemas.openxmlformats.org/officeDocument/2006/relationships" xmlns:p="http://schemas.openxmlformats.org/presentationml/2006/main">
+  <p:cSld>
+    <p:spTree>
+      <p:nvGrpSpPr>
+        <p:cNvPr id="1" name=""/>
+        <p:cNvGrpSpPr/>
+        <p:nvPr/>
+      </p:nvGrpSpPr>
+      <p:grpSpPr>
+        <a:xfrm>
+          <a:off x="0" y="0"/>
+          <a:ext cx="0" cy="0"/>
+          <a:chOff x="0" y="0"/>
+          <a:chExt cx="0" cy="0"/>
+        </a:xfrm>
+      </p:grpSpPr>
+      <p:sp>
+        <p:nvSpPr>
+          <p:cNvPr id="2" name="Title 1"/>
+          <p:cNvSpPr>
+            <a:spLocks noGrp="1"/>
+          </p:cNvSpPr>
+          <p:nvPr>
+            <p:ph type="title"/>
+          </p:nvPr>
+        </p:nvSpPr>
+        <p:spPr/>
+        <p:txBody>
+          <a:bodyPr/>
+          <a:lstStyle/>
+          <a:p>
+            <a:pPr lvl="0" indent="0" marL="0">
+              <a:buNone/>
+            </a:pPr>
+            <a:r>
+              <a:rPr/>
+              <a:t>errors</a:t>
+            </a:r>
+          </a:p>
+        </p:txBody>
+      </p:sp>
+      <mc:AlternateContent xmlns:mc="http://schemas.openxmlformats.org/markup-compatibility/2006">
+        <mc:Choice xmlns:a14="http://schemas.microsoft.com/office/drawing/2010/main" Requires="a14">
+          <p:sp>
+            <p:nvSpPr>
+              <p:cNvPr id="3" name="Content Placeholder 2"/>
+              <p:cNvSpPr>
+                <a:spLocks noGrp="1"/>
+              </p:cNvSpPr>
+              <p:nvPr>
+                <p:ph idx="1"/>
+              </p:nvPr>
+            </p:nvSpPr>
+            <p:spPr/>
+            <p:txBody>
+              <a:bodyPr/>
+              <a:lstStyle/>
+              <a:p>
+                <a:pPr lvl="0" indent="0" marL="0">
+                  <a:buNone/>
+                </a:pPr>
+                <a14:m>
+                  <m:oMathPara xmlns:m="http://schemas.openxmlformats.org/officeDocument/2006/math">
+                    <m:oMathParaPr>
+                      <m:jc m:val="center"/>
+                    </m:oMathParaPr>
+                    <m:oMath>
+                      <m:r>
+                        <m:t>S</m:t>
+                      </m:r>
+                      <m:r>
+                        <m:t>E</m:t>
+                      </m:r>
+                      <m:r>
+                        <m:rPr>
+                          <m:sty m:val="p"/>
+                        </m:rPr>
+                        <m:t>=</m:t>
+                      </m:r>
+                      <m:r>
+                        <m:t>S</m:t>
+                      </m:r>
+                      <m:r>
+                        <m:t>D</m:t>
+                      </m:r>
+                      <m:r>
+                        <m:rPr>
+                          <m:sty m:val="p"/>
+                        </m:rPr>
+                        <m:t>/</m:t>
+                      </m:r>
+                      <m:rad>
+                        <m:radPr>
+                          <m:degHide m:val="1"/>
+                        </m:radPr>
+                        <m:deg/>
+                        <m:e>
+                          <m:r>
+                            <m:t>N</m:t>
+                          </m:r>
+                        </m:e>
+                      </m:rad>
+                    </m:oMath>
+                  </m:oMathPara>
+                </a14:m>
+              </a:p>
+              <a:p>
+                <a:pPr lvl="0" indent="0">
+                  <a:buNone/>
+                </a:pPr>
+                <a:r>
+                  <a:rPr>
+                    <a:solidFill>
+                      <a:srgbClr val="06287E"/>
+                    </a:solidFill>
+                    <a:latin typeface="Courier"/>
+                  </a:rPr>
+                  <a:t>sd</a:t>
+                </a:r>
+                <a:r>
+                  <a:rPr>
+                    <a:latin typeface="Courier"/>
+                  </a:rPr>
+                  <a:t>(expts</a:t>
+                </a:r>
+                <a:r>
+                  <a:rPr>
+                    <a:solidFill>
+                      <a:srgbClr val="4070A0"/>
+                    </a:solidFill>
+                    <a:latin typeface="Courier"/>
+                  </a:rPr>
+                  <a:t>$</a:t>
+                </a:r>
+                <a:r>
+                  <a:rPr>
+                    <a:latin typeface="Courier"/>
+                  </a:rPr>
+                  <a:t>effect)</a:t>
+                </a:r>
+              </a:p>
+              <a:p>
+                <a:pPr lvl="0" indent="0">
+                  <a:buNone/>
+                </a:pPr>
+                <a:r>
+                  <a:rPr>
+                    <a:latin typeface="Courier"/>
+                  </a:rPr>
+                  <a:t>## [1] 0.1718532</a:t>
+                </a:r>
+              </a:p>
+            </p:txBody>
+          </p:sp>
+        </mc:Choice>
+      </mc:AlternateContent>
+    </p:spTree>
+  </p:cSld>
+</p:sld>
+</file>
+
+<file path=ppt/slides/slide7.xml><?xml version="1.0" encoding="utf-8"?>
+<p:sld xmlns:a="http://schemas.openxmlformats.org/drawingml/2006/main" xmlns:r="http://schemas.openxmlformats.org/officeDocument/2006/relationships" xmlns:p="http://schemas.openxmlformats.org/presentationml/2006/main">
+  <p:cSld>
+    <p:spTree>
+      <p:nvGrpSpPr>
+        <p:cNvPr id="1" name=""/>
+        <p:cNvGrpSpPr/>
+        <p:nvPr/>
+      </p:nvGrpSpPr>
+      <p:grpSpPr>
+        <a:xfrm>
+          <a:off x="0" y="0"/>
+          <a:ext cx="0" cy="0"/>
+          <a:chOff x="0" y="0"/>
+          <a:chExt cx="0" cy="0"/>
+        </a:xfrm>
+      </p:grpSpPr>
+      <p:sp>
+        <p:nvSpPr>
+          <p:cNvPr id="2" name="Title 1"/>
+          <p:cNvSpPr>
+            <a:spLocks noGrp="1"/>
+          </p:cNvSpPr>
+          <p:nvPr>
+            <p:ph type="title"/>
+          </p:nvPr>
+        </p:nvSpPr>
+        <p:spPr/>
+        <p:txBody>
+          <a:bodyPr/>
+          <a:lstStyle/>
+          <a:p>
+            <a:pPr lvl="0" indent="0" marL="0">
+              <a:buNone/>
+            </a:pPr>
+            <a:r>
+              <a:rPr/>
+              <a:t>se</a:t>
+            </a:r>
+          </a:p>
+        </p:txBody>
+      </p:sp>
+      <p:sp>
+        <p:nvSpPr>
+          <p:cNvPr id="3" name="Content Placeholder 2"/>
+          <p:cNvSpPr>
+            <a:spLocks noGrp="1"/>
+          </p:cNvSpPr>
+          <p:nvPr>
+            <p:ph idx="1"/>
+          </p:nvPr>
+        </p:nvSpPr>
+        <p:spPr/>
+        <p:txBody>
+          <a:bodyPr/>
+          <a:lstStyle/>
+          <a:p>
+            <a:pPr lvl="0" indent="0">
+              <a:buNone/>
+            </a:pPr>
+            <a:r>
+              <a:rPr>
+                <a:latin typeface="Courier"/>
+              </a:rPr>
+              <a:t>means </a:t>
+            </a:r>
+            <a:r>
+              <a:rPr>
+                <a:solidFill>
+                  <a:srgbClr val="007020"/>
+                </a:solidFill>
+                <a:latin typeface="Courier"/>
+              </a:rPr>
+              <a:t>&lt;-</a:t>
+            </a:r>
+            <a:r>
+              <a:rPr>
+                <a:latin typeface="Courier"/>
+              </a:rPr>
+              <a:t> </a:t>
+            </a:r>
+            <a:r>
+              <a:rPr>
+                <a:solidFill>
+                  <a:srgbClr val="06287E"/>
+                </a:solidFill>
+                <a:latin typeface="Courier"/>
+              </a:rPr>
+              <a:t>c</a:t>
+            </a:r>
+            <a:r>
+              <a:rPr>
+                <a:latin typeface="Courier"/>
+              </a:rPr>
+              <a:t>()</a:t>
+            </a:r>
+            <a:br/>
+            <a:br/>
+            <a:r>
+              <a:rPr b="1">
+                <a:solidFill>
+                  <a:srgbClr val="007020"/>
+                </a:solidFill>
+                <a:latin typeface="Courier"/>
+              </a:rPr>
+              <a:t>for</a:t>
+            </a:r>
+            <a:r>
+              <a:rPr>
+                <a:latin typeface="Courier"/>
+              </a:rPr>
+              <a:t> (i </a:t>
+            </a:r>
+            <a:r>
+              <a:rPr b="1">
+                <a:solidFill>
+                  <a:srgbClr val="007020"/>
+                </a:solidFill>
+                <a:latin typeface="Courier"/>
+              </a:rPr>
+              <a:t>in</a:t>
+            </a:r>
+            <a:r>
+              <a:rPr>
+                <a:latin typeface="Courier"/>
+              </a:rPr>
+              <a:t> </a:t>
+            </a:r>
+            <a:r>
+              <a:rPr>
+                <a:solidFill>
+                  <a:srgbClr val="40A070"/>
+                </a:solidFill>
+                <a:latin typeface="Courier"/>
+              </a:rPr>
+              <a:t>1</a:t>
+            </a:r>
+            <a:r>
+              <a:rPr>
+                <a:solidFill>
+                  <a:srgbClr val="4070A0"/>
+                </a:solidFill>
+                <a:latin typeface="Courier"/>
+              </a:rPr>
+              <a:t>:</a:t>
+            </a:r>
+            <a:r>
+              <a:rPr>
+                <a:solidFill>
+                  <a:srgbClr val="40A070"/>
+                </a:solidFill>
+                <a:latin typeface="Courier"/>
+              </a:rPr>
+              <a:t>1e+06</a:t>
+            </a:r>
+            <a:r>
+              <a:rPr>
+                <a:latin typeface="Courier"/>
+              </a:rPr>
+              <a:t>) {</a:t>
+            </a:r>
+            <a:br/>
+            <a:r>
+              <a:rPr>
+                <a:latin typeface="Courier"/>
+              </a:rPr>
+              <a:t>    mass </a:t>
+            </a:r>
+            <a:r>
+              <a:rPr>
+                <a:solidFill>
+                  <a:srgbClr val="007020"/>
+                </a:solidFill>
+                <a:latin typeface="Courier"/>
+              </a:rPr>
+              <a:t>&lt;-</a:t>
+            </a:r>
+            <a:r>
+              <a:rPr>
+                <a:latin typeface="Courier"/>
+              </a:rPr>
+              <a:t> </a:t>
+            </a:r>
+            <a:r>
+              <a:rPr>
+                <a:solidFill>
+                  <a:srgbClr val="06287E"/>
+                </a:solidFill>
+                <a:latin typeface="Courier"/>
+              </a:rPr>
+              <a:t>rnorm</a:t>
+            </a:r>
+            <a:r>
+              <a:rPr>
+                <a:latin typeface="Courier"/>
+              </a:rPr>
+              <a:t>(</a:t>
+            </a:r>
+            <a:r>
+              <a:rPr>
+                <a:solidFill>
+                  <a:srgbClr val="7D9029"/>
+                </a:solidFill>
+                <a:latin typeface="Courier"/>
+              </a:rPr>
+              <a:t>n =</a:t>
+            </a:r>
+            <a:r>
+              <a:rPr>
+                <a:latin typeface="Courier"/>
+              </a:rPr>
+              <a:t> </a:t>
+            </a:r>
+            <a:r>
+              <a:rPr>
+                <a:solidFill>
+                  <a:srgbClr val="40A070"/>
+                </a:solidFill>
+                <a:latin typeface="Courier"/>
+              </a:rPr>
+              <a:t>18</a:t>
+            </a:r>
+            <a:r>
+              <a:rPr>
+                <a:latin typeface="Courier"/>
+              </a:rPr>
+              <a:t>, </a:t>
+            </a:r>
+            <a:r>
+              <a:rPr>
+                <a:solidFill>
+                  <a:srgbClr val="7D9029"/>
+                </a:solidFill>
+                <a:latin typeface="Courier"/>
+              </a:rPr>
+              <a:t>mean =</a:t>
+            </a:r>
+            <a:r>
+              <a:rPr>
+                <a:latin typeface="Courier"/>
+              </a:rPr>
+              <a:t> </a:t>
+            </a:r>
+            <a:r>
+              <a:rPr>
+                <a:solidFill>
+                  <a:srgbClr val="40A070"/>
+                </a:solidFill>
+                <a:latin typeface="Courier"/>
+              </a:rPr>
+              <a:t>10.8</a:t>
+            </a:r>
+            <a:r>
+              <a:rPr>
+                <a:latin typeface="Courier"/>
+              </a:rPr>
+              <a:t>, </a:t>
+            </a:r>
+            <a:r>
+              <a:rPr>
+                <a:solidFill>
+                  <a:srgbClr val="7D9029"/>
+                </a:solidFill>
+                <a:latin typeface="Courier"/>
+              </a:rPr>
+              <a:t>sd =</a:t>
+            </a:r>
+            <a:r>
+              <a:rPr>
+                <a:latin typeface="Courier"/>
+              </a:rPr>
+              <a:t> </a:t>
+            </a:r>
+            <a:r>
+              <a:rPr>
+                <a:solidFill>
+                  <a:srgbClr val="40A070"/>
+                </a:solidFill>
+                <a:latin typeface="Courier"/>
+              </a:rPr>
+              <a:t>0.988</a:t>
+            </a:r>
+            <a:r>
+              <a:rPr>
+                <a:latin typeface="Courier"/>
+              </a:rPr>
+              <a:t>)</a:t>
+            </a:r>
+            <a:br/>
+            <a:r>
+              <a:rPr>
+                <a:latin typeface="Courier"/>
+              </a:rPr>
+              <a:t>    means </a:t>
+            </a:r>
+            <a:r>
+              <a:rPr>
+                <a:solidFill>
+                  <a:srgbClr val="007020"/>
+                </a:solidFill>
+                <a:latin typeface="Courier"/>
+              </a:rPr>
+              <a:t>&lt;-</a:t>
+            </a:r>
+            <a:r>
+              <a:rPr>
+                <a:latin typeface="Courier"/>
+              </a:rPr>
+              <a:t> </a:t>
+            </a:r>
+            <a:r>
+              <a:rPr>
+                <a:solidFill>
+                  <a:srgbClr val="06287E"/>
+                </a:solidFill>
+                <a:latin typeface="Courier"/>
+              </a:rPr>
+              <a:t>c</a:t>
+            </a:r>
+            <a:r>
+              <a:rPr>
+                <a:latin typeface="Courier"/>
+              </a:rPr>
+              <a:t>(means, </a:t>
+            </a:r>
+            <a:r>
+              <a:rPr>
+                <a:solidFill>
+                  <a:srgbClr val="06287E"/>
+                </a:solidFill>
+                <a:latin typeface="Courier"/>
+              </a:rPr>
+              <a:t>mean</a:t>
+            </a:r>
+            <a:r>
+              <a:rPr>
+                <a:latin typeface="Courier"/>
+              </a:rPr>
+              <a:t>(mass))</a:t>
+            </a:r>
+            <a:br/>
+            <a:r>
+              <a:rPr>
+                <a:latin typeface="Courier"/>
+              </a:rPr>
+              <a:t>}</a:t>
+            </a:r>
+            <a:br/>
+            <a:br/>
+            <a:r>
+              <a:rPr i="1">
+                <a:solidFill>
+                  <a:srgbClr val="60A0B0"/>
+                </a:solidFill>
+                <a:latin typeface="Courier"/>
+              </a:rPr>
+              <a:t># The mean of the means</a:t>
+            </a:r>
+            <a:br/>
+            <a:r>
+              <a:rPr>
+                <a:solidFill>
+                  <a:srgbClr val="06287E"/>
+                </a:solidFill>
+                <a:latin typeface="Courier"/>
+              </a:rPr>
+              <a:t>mean</a:t>
+            </a:r>
+            <a:r>
+              <a:rPr>
+                <a:latin typeface="Courier"/>
+              </a:rPr>
+              <a:t>(means)</a:t>
+            </a:r>
+            <a:br/>
+            <a:r>
+              <a:rPr i="1">
+                <a:solidFill>
+                  <a:srgbClr val="60A0B0"/>
+                </a:solidFill>
+                <a:latin typeface="Courier"/>
+              </a:rPr>
+              <a:t># The standard deviation of the means or standard error</a:t>
+            </a:r>
+            <a:br/>
+            <a:r>
+              <a:rPr>
+                <a:solidFill>
+                  <a:srgbClr val="06287E"/>
+                </a:solidFill>
+                <a:latin typeface="Courier"/>
+              </a:rPr>
+              <a:t>sd</a:t>
+            </a:r>
+            <a:r>
+              <a:rPr>
+                <a:latin typeface="Courier"/>
+              </a:rPr>
+              <a:t>(means)</a:t>
+            </a:r>
+          </a:p>
+        </p:txBody>
+      </p:sp>
+    </p:spTree>
+  </p:cSld>
+</p:sld>
+</file>
+
+<file path=ppt/slides/slide8.xml><?xml version="1.0" encoding="utf-8"?>
+<p:sld xmlns:a="http://schemas.openxmlformats.org/drawingml/2006/main" xmlns:r="http://schemas.openxmlformats.org/officeDocument/2006/relationships" xmlns:p="http://schemas.openxmlformats.org/presentationml/2006/main">
+  <p:cSld>
+    <p:spTree>
+      <p:nvGrpSpPr>
+        <p:cNvPr id="1" name=""/>
+        <p:cNvGrpSpPr/>
+        <p:nvPr/>
+      </p:nvGrpSpPr>
+      <p:grpSpPr>
+        <a:xfrm>
+          <a:off x="0" y="0"/>
+          <a:ext cx="0" cy="0"/>
+          <a:chOff x="0" y="0"/>
+          <a:chExt cx="0" cy="0"/>
+        </a:xfrm>
+      </p:grpSpPr>
+      <p:sp>
+        <p:nvSpPr>
+          <p:cNvPr id="2" name="Title 1"/>
+          <p:cNvSpPr>
+            <a:spLocks noGrp="1"/>
+          </p:cNvSpPr>
+          <p:nvPr>
+            <p:ph type="title"/>
+          </p:nvPr>
+        </p:nvSpPr>
+        <p:spPr/>
+        <p:txBody>
+          <a:bodyPr/>
+          <a:lstStyle/>
+          <a:p>
+            <a:pPr lvl="0" indent="0" marL="0">
+              <a:buNone/>
+            </a:pPr>
+            <a:r>
+              <a:rPr/>
+              <a:t>Our analytical calculaton</a:t>
+            </a:r>
+          </a:p>
+        </p:txBody>
+      </p:sp>
+      <p:sp>
+        <p:nvSpPr>
+          <p:cNvPr id="3" name="Content Placeholder 2"/>
+          <p:cNvSpPr>
+            <a:spLocks noGrp="1"/>
+          </p:cNvSpPr>
+          <p:nvPr>
+            <p:ph idx="1"/>
+          </p:nvPr>
+        </p:nvSpPr>
+        <p:spPr/>
+        <p:txBody>
+          <a:bodyPr/>
+          <a:lstStyle/>
+          <a:p>
+            <a:pPr lvl="0" indent="0">
+              <a:buNone/>
+            </a:pPr>
+            <a:r>
+              <a:rPr>
+                <a:latin typeface="Courier"/>
+              </a:rPr>
+              <a:t>se </a:t>
+            </a:r>
+            <a:r>
+              <a:rPr>
+                <a:solidFill>
+                  <a:srgbClr val="007020"/>
+                </a:solidFill>
+                <a:latin typeface="Courier"/>
+              </a:rPr>
+              <a:t>&lt;-</a:t>
+            </a:r>
+            <a:r>
+              <a:rPr>
+                <a:latin typeface="Courier"/>
+              </a:rPr>
+              <a:t> </a:t>
+            </a:r>
+            <a:r>
+              <a:rPr>
+                <a:solidFill>
+                  <a:srgbClr val="06287E"/>
+                </a:solidFill>
+                <a:latin typeface="Courier"/>
+              </a:rPr>
+              <a:t>sd</a:t>
+            </a:r>
+            <a:r>
+              <a:rPr>
+                <a:latin typeface="Courier"/>
+              </a:rPr>
+              <a:t>(mass)</a:t>
+            </a:r>
+            <a:r>
+              <a:rPr>
+                <a:solidFill>
+                  <a:srgbClr val="4070A0"/>
+                </a:solidFill>
+                <a:latin typeface="Courier"/>
+              </a:rPr>
+              <a:t>/</a:t>
+            </a:r>
+            <a:r>
+              <a:rPr>
+                <a:solidFill>
+                  <a:srgbClr val="06287E"/>
+                </a:solidFill>
+                <a:latin typeface="Courier"/>
+              </a:rPr>
+              <a:t>sqrt</a:t>
+            </a:r>
+            <a:r>
+              <a:rPr>
+                <a:latin typeface="Courier"/>
+              </a:rPr>
+              <a:t>(</a:t>
+            </a:r>
+            <a:r>
+              <a:rPr>
+                <a:solidFill>
+                  <a:srgbClr val="06287E"/>
+                </a:solidFill>
+                <a:latin typeface="Courier"/>
+              </a:rPr>
+              <a:t>length</a:t>
+            </a:r>
+            <a:r>
+              <a:rPr>
+                <a:latin typeface="Courier"/>
+              </a:rPr>
+              <a:t>(mass))</a:t>
+            </a:r>
+            <a:br/>
+            <a:r>
+              <a:rPr>
+                <a:latin typeface="Courier"/>
+              </a:rPr>
+              <a:t>se</a:t>
+            </a:r>
+          </a:p>
+        </p:txBody>
+      </p:sp>
+    </p:spTree>
+  </p:cSld>
+</p:sld>
+</file>
+
+<file path=ppt/slides/slide9.xml><?xml version="1.0" encoding="utf-8"?>
+<p:sld xmlns:a="http://schemas.openxmlformats.org/drawingml/2006/main" xmlns:r="http://schemas.openxmlformats.org/officeDocument/2006/relationships" xmlns:p="http://schemas.openxmlformats.org/presentationml/2006/main">
+  <p:cSld>
+    <p:spTree>
+      <p:nvGrpSpPr>
+        <p:cNvPr id="1" name=""/>
+        <p:cNvGrpSpPr/>
+        <p:nvPr/>
+      </p:nvGrpSpPr>
+      <p:grpSpPr>
+        <a:xfrm>
+          <a:off x="0" y="0"/>
+          <a:ext cx="0" cy="0"/>
+          <a:chOff x="0" y="0"/>
+          <a:chExt cx="0" cy="0"/>
+        </a:xfrm>
+      </p:grpSpPr>
+      <p:sp>
+        <p:nvSpPr>
+          <p:cNvPr id="2" name="Title 1"/>
+          <p:cNvSpPr>
+            <a:spLocks noGrp="1"/>
+          </p:cNvSpPr>
+          <p:nvPr>
+            <p:ph type="title"/>
+          </p:nvPr>
+        </p:nvSpPr>
+        <p:spPr/>
+        <p:txBody>
+          <a:bodyPr/>
+          <a:lstStyle/>
+          <a:p>
+            <a:pPr lvl="0" indent="0" marL="0">
+              <a:buNone/>
+            </a:pPr>
+            <a:r>
+              <a:rPr/>
+              <a:t>Plots</a:t>
+            </a:r>
+          </a:p>
+        </p:txBody>
+      </p:sp>
+      <p:sp>
+        <p:nvSpPr>
+          <p:cNvPr id="3" name="Content Placeholder 2"/>
+          <p:cNvSpPr>
+            <a:spLocks noGrp="1"/>
+          </p:cNvSpPr>
+          <p:nvPr>
+            <p:ph idx="1"/>
+          </p:nvPr>
+        </p:nvSpPr>
+        <p:spPr/>
+        <p:txBody>
+          <a:bodyPr/>
+          <a:lstStyle/>
+          <a:p>
+            <a:pPr lvl="0" indent="0">
+              <a:buNone/>
+            </a:pPr>
+            <a:r>
+              <a:rPr>
+                <a:solidFill>
+                  <a:srgbClr val="06287E"/>
+                </a:solidFill>
+                <a:latin typeface="Courier"/>
+              </a:rPr>
+              <a:t>ggplot</a:t>
+            </a:r>
+            <a:r>
+              <a:rPr>
+                <a:latin typeface="Courier"/>
+              </a:rPr>
+              <a:t>() </a:t>
+            </a:r>
+            <a:r>
+              <a:rPr>
+                <a:solidFill>
+                  <a:srgbClr val="4070A0"/>
+                </a:solidFill>
+                <a:latin typeface="Courier"/>
+              </a:rPr>
+              <a:t>+</a:t>
+            </a:r>
+            <a:r>
+              <a:rPr>
+                <a:latin typeface="Courier"/>
+              </a:rPr>
+              <a:t> </a:t>
+            </a:r>
+            <a:r>
+              <a:rPr>
+                <a:solidFill>
+                  <a:srgbClr val="06287E"/>
+                </a:solidFill>
+                <a:latin typeface="Courier"/>
+              </a:rPr>
+              <a:t>geom_histogram</a:t>
+            </a:r>
+            <a:r>
+              <a:rPr>
+                <a:latin typeface="Courier"/>
+              </a:rPr>
+              <a:t>(</a:t>
+            </a:r>
+            <a:r>
+              <a:rPr>
+                <a:solidFill>
+                  <a:srgbClr val="06287E"/>
+                </a:solidFill>
+                <a:latin typeface="Courier"/>
+              </a:rPr>
+              <a:t>aes</a:t>
+            </a:r>
+            <a:r>
+              <a:rPr>
+                <a:latin typeface="Courier"/>
+              </a:rPr>
+              <a:t>(</a:t>
+            </a:r>
+            <a:r>
+              <a:rPr>
+                <a:solidFill>
+                  <a:srgbClr val="7D9029"/>
+                </a:solidFill>
+                <a:latin typeface="Courier"/>
+              </a:rPr>
+              <a:t>x =</a:t>
+            </a:r>
+            <a:r>
+              <a:rPr>
+                <a:latin typeface="Courier"/>
+              </a:rPr>
+              <a:t> means))</a:t>
+            </a:r>
+          </a:p>
+        </p:txBody>
+      </p:sp>
     </p:spTree>
   </p:cSld>
 </p:sld>

--- a/slides/code_slides.pptx
+++ b/slides/code_slides.pptx
@@ -24,6 +24,7 @@
     <p:sldId id="272" r:id="rId18"/>
     <p:sldId id="273" r:id="rId19"/>
     <p:sldId id="274" r:id="rId20"/>
+    <p:sldId id="275" r:id="rId21"/>
   </p:sldIdLst>
   <p:sldSz cx="9144000" cy="5143500" type="screen16x9"/>
   <p:notesSz cx="6858000" cy="9144000"/>
@@ -3190,7 +3191,7 @@
             </a:pPr>
             <a:r>
               <a:rPr/>
-              <a:t>2022-06-13</a:t>
+              <a:t>2022-06-14</a:t>
             </a:r>
           </a:p>
         </p:txBody>
@@ -6920,6 +6921,600 @@
 </p:sld>
 </file>
 
+<file path=ppt/slides/slide20.xml><?xml version="1.0" encoding="utf-8"?>
+<p:sld xmlns:a="http://schemas.openxmlformats.org/drawingml/2006/main" xmlns:r="http://schemas.openxmlformats.org/officeDocument/2006/relationships" xmlns:p="http://schemas.openxmlformats.org/presentationml/2006/main">
+  <p:cSld>
+    <p:spTree>
+      <p:nvGrpSpPr>
+        <p:cNvPr id="1" name=""/>
+        <p:cNvGrpSpPr/>
+        <p:nvPr/>
+      </p:nvGrpSpPr>
+      <p:grpSpPr>
+        <a:xfrm>
+          <a:off x="0" y="0"/>
+          <a:ext cx="0" cy="0"/>
+          <a:chOff x="0" y="0"/>
+          <a:chExt cx="0" cy="0"/>
+        </a:xfrm>
+      </p:grpSpPr>
+      <p:sp>
+        <p:nvSpPr>
+          <p:cNvPr id="2" name="Title 1"/>
+          <p:cNvSpPr>
+            <a:spLocks noGrp="1"/>
+          </p:cNvSpPr>
+          <p:nvPr>
+            <p:ph type="title"/>
+          </p:nvPr>
+        </p:nvSpPr>
+        <p:spPr/>
+        <p:txBody>
+          <a:bodyPr/>
+          <a:lstStyle/>
+          <a:p>
+            <a:pPr lvl="0" indent="0" marL="0">
+              <a:buNone/>
+            </a:pPr>
+            <a:r>
+              <a:rPr/>
+              <a:t>Q10</a:t>
+            </a:r>
+          </a:p>
+        </p:txBody>
+      </p:sp>
+      <mc:AlternateContent xmlns:mc="http://schemas.openxmlformats.org/markup-compatibility/2006">
+        <mc:Choice xmlns:a14="http://schemas.microsoft.com/office/drawing/2010/main" Requires="a14">
+          <p:sp>
+            <p:nvSpPr>
+              <p:cNvPr id="3" name="Content Placeholder 2"/>
+              <p:cNvSpPr>
+                <a:spLocks noGrp="1"/>
+              </p:cNvSpPr>
+              <p:nvPr>
+                <p:ph idx="1"/>
+              </p:nvPr>
+            </p:nvSpPr>
+            <p:spPr/>
+            <p:txBody>
+              <a:bodyPr/>
+              <a:lstStyle/>
+              <a:p>
+                <a:pPr lvl="0" indent="0" marL="0">
+                  <a:buNone/>
+                </a:pPr>
+                <a14:m>
+                  <m:oMathPara xmlns:m="http://schemas.openxmlformats.org/officeDocument/2006/math">
+                    <m:oMathParaPr>
+                      <m:jc m:val="center"/>
+                    </m:oMathParaPr>
+                    <m:oMath>
+                      <m:r>
+                        <m:t>l</m:t>
+                      </m:r>
+                      <m:r>
+                        <m:t>n</m:t>
+                      </m:r>
+                      <m:r>
+                        <m:t>R</m:t>
+                      </m:r>
+                      <m:sSub>
+                        <m:e>
+                          <m:r>
+                            <m:t>R</m:t>
+                          </m:r>
+                        </m:e>
+                        <m:sub>
+                          <m:sSub>
+                            <m:e>
+                              <m:r>
+                                <m:t>Q</m:t>
+                              </m:r>
+                            </m:e>
+                            <m:sub>
+                              <m:r>
+                                <m:t>10</m:t>
+                              </m:r>
+                            </m:sub>
+                          </m:sSub>
+                        </m:sub>
+                      </m:sSub>
+                      <m:r>
+                        <m:rPr>
+                          <m:sty m:val="p"/>
+                        </m:rPr>
+                        <m:t>=</m:t>
+                      </m:r>
+                      <m:r>
+                        <m:t>l</m:t>
+                      </m:r>
+                      <m:r>
+                        <m:t>n</m:t>
+                      </m:r>
+                      <m:d>
+                        <m:dPr>
+                          <m:begChr m:val="("/>
+                          <m:endChr m:val=")"/>
+                          <m:sepChr m:val=""/>
+                          <m:grow/>
+                        </m:dPr>
+                        <m:e>
+                          <m:f>
+                            <m:fPr>
+                              <m:type m:val="bar"/>
+                            </m:fPr>
+                            <m:num>
+                              <m:sSub>
+                                <m:e>
+                                  <m:r>
+                                    <m:t>R</m:t>
+                                  </m:r>
+                                </m:e>
+                                <m:sub>
+                                  <m:r>
+                                    <m:t>2</m:t>
+                                  </m:r>
+                                </m:sub>
+                              </m:sSub>
+                            </m:num>
+                            <m:den>
+                              <m:sSub>
+                                <m:e>
+                                  <m:r>
+                                    <m:t>R</m:t>
+                                  </m:r>
+                                </m:e>
+                                <m:sub>
+                                  <m:r>
+                                    <m:t>1</m:t>
+                                  </m:r>
+                                </m:sub>
+                              </m:sSub>
+                            </m:den>
+                          </m:f>
+                        </m:e>
+                      </m:d>
+                      <m:d>
+                        <m:dPr>
+                          <m:begChr m:val="("/>
+                          <m:endChr m:val=")"/>
+                          <m:sepChr m:val=""/>
+                          <m:grow/>
+                        </m:dPr>
+                        <m:e>
+                          <m:r>
+                            <m:t> </m:t>
+                          </m:r>
+                          <m:f>
+                            <m:fPr>
+                              <m:type m:val="bar"/>
+                            </m:fPr>
+                            <m:num>
+                              <m:sSup>
+                                <m:e>
+                                  <m:r>
+                                    <m:t>10</m:t>
+                                  </m:r>
+                                </m:e>
+                                <m:sup>
+                                  <m:r>
+                                    <m:rPr>
+                                      <m:sty m:val="p"/>
+                                    </m:rPr>
+                                    <m:t>∘</m:t>
+                                  </m:r>
+                                </m:sup>
+                              </m:sSup>
+                              <m:r>
+                                <m:t>C</m:t>
+                              </m:r>
+                            </m:num>
+                            <m:den>
+                              <m:sSub>
+                                <m:e>
+                                  <m:r>
+                                    <m:t>T</m:t>
+                                  </m:r>
+                                </m:e>
+                                <m:sub>
+                                  <m:r>
+                                    <m:t>2</m:t>
+                                  </m:r>
+                                </m:sub>
+                              </m:sSub>
+                              <m:r>
+                                <m:rPr>
+                                  <m:sty m:val="p"/>
+                                </m:rPr>
+                                <m:t>−</m:t>
+                              </m:r>
+                              <m:sSub>
+                                <m:e>
+                                  <m:r>
+                                    <m:t>T</m:t>
+                                  </m:r>
+                                </m:e>
+                                <m:sub>
+                                  <m:r>
+                                    <m:t>1</m:t>
+                                  </m:r>
+                                </m:sub>
+                              </m:sSub>
+                            </m:den>
+                          </m:f>
+                        </m:e>
+                      </m:d>
+                      <m:d>
+                        <m:dPr>
+                          <m:begChr m:val="("/>
+                          <m:endChr m:val=")"/>
+                          <m:sepChr m:val=""/>
+                          <m:grow/>
+                        </m:dPr>
+                        <m:e>
+                          <m:r>
+                            <m:rPr>
+                              <m:sty m:val="p"/>
+                            </m:rPr>
+                            <m:t>#</m:t>
+                          </m:r>
+                          <m:r>
+                            <m:t>e</m:t>
+                          </m:r>
+                          <m:r>
+                            <m:t>q</m:t>
+                          </m:r>
+                          <m:r>
+                            <m:rPr>
+                              <m:sty m:val="p"/>
+                            </m:rPr>
+                            <m:t>:</m:t>
+                          </m:r>
+                          <m:r>
+                            <m:t>l</m:t>
+                          </m:r>
+                          <m:r>
+                            <m:t>n</m:t>
+                          </m:r>
+                          <m:r>
+                            <m:t>q</m:t>
+                          </m:r>
+                          <m:r>
+                            <m:t>10</m:t>
+                          </m:r>
+                        </m:e>
+                      </m:d>
+                    </m:oMath>
+                  </m:oMathPara>
+                </a14:m>
+              </a:p>
+              <a:p>
+                <a:pPr lvl="0" indent="0" marL="0">
+                  <a:buNone/>
+                </a:pPr>
+                <a14:m>
+                  <m:oMathPara xmlns:m="http://schemas.openxmlformats.org/officeDocument/2006/math">
+                    <m:oMathParaPr>
+                      <m:jc m:val="center"/>
+                    </m:oMathParaPr>
+                    <m:oMath>
+                      <m:sSubSup>
+                        <m:e>
+                          <m:r>
+                            <m:t>s</m:t>
+                          </m:r>
+                        </m:e>
+                        <m:sub>
+                          <m:r>
+                            <m:t>l</m:t>
+                          </m:r>
+                          <m:r>
+                            <m:t>n</m:t>
+                          </m:r>
+                          <m:r>
+                            <m:t>R</m:t>
+                          </m:r>
+                          <m:sSub>
+                            <m:e>
+                              <m:r>
+                                <m:t>R</m:t>
+                              </m:r>
+                            </m:e>
+                            <m:sub>
+                              <m:sSub>
+                                <m:e>
+                                  <m:r>
+                                    <m:t>Q</m:t>
+                                  </m:r>
+                                </m:e>
+                                <m:sub>
+                                  <m:r>
+                                    <m:t>10</m:t>
+                                  </m:r>
+                                </m:sub>
+                              </m:sSub>
+                            </m:sub>
+                          </m:sSub>
+                        </m:sub>
+                        <m:sup>
+                          <m:r>
+                            <m:t>2</m:t>
+                          </m:r>
+                        </m:sup>
+                      </m:sSubSup>
+                      <m:r>
+                        <m:rPr>
+                          <m:sty m:val="p"/>
+                        </m:rPr>
+                        <m:t>=</m:t>
+                      </m:r>
+                      <m:d>
+                        <m:dPr>
+                          <m:begChr m:val="("/>
+                          <m:endChr m:val=")"/>
+                          <m:sepChr m:val=""/>
+                          <m:grow/>
+                        </m:dPr>
+                        <m:e>
+                          <m:f>
+                            <m:fPr>
+                              <m:type m:val="bar"/>
+                            </m:fPr>
+                            <m:num>
+                              <m:r>
+                                <m:t>S</m:t>
+                              </m:r>
+                              <m:sSubSup>
+                                <m:e>
+                                  <m:r>
+                                    <m:t>D</m:t>
+                                  </m:r>
+                                </m:e>
+                                <m:sub>
+                                  <m:r>
+                                    <m:t>2</m:t>
+                                  </m:r>
+                                </m:sub>
+                                <m:sup>
+                                  <m:r>
+                                    <m:t>2</m:t>
+                                  </m:r>
+                                </m:sup>
+                              </m:sSubSup>
+                            </m:num>
+                            <m:den>
+                              <m:sSubSup>
+                                <m:e>
+                                  <m:r>
+                                    <m:t>R</m:t>
+                                  </m:r>
+                                </m:e>
+                                <m:sub>
+                                  <m:r>
+                                    <m:t>2</m:t>
+                                  </m:r>
+                                </m:sub>
+                                <m:sup>
+                                  <m:r>
+                                    <m:t>2</m:t>
+                                  </m:r>
+                                </m:sup>
+                              </m:sSubSup>
+                              <m:sSub>
+                                <m:e>
+                                  <m:r>
+                                    <m:t>N</m:t>
+                                  </m:r>
+                                </m:e>
+                                <m:sub>
+                                  <m:r>
+                                    <m:t>2</m:t>
+                                  </m:r>
+                                </m:sub>
+                              </m:sSub>
+                            </m:den>
+                          </m:f>
+                          <m:r>
+                            <m:rPr>
+                              <m:sty m:val="p"/>
+                            </m:rPr>
+                            <m:t>+</m:t>
+                          </m:r>
+                          <m:f>
+                            <m:fPr>
+                              <m:type m:val="bar"/>
+                            </m:fPr>
+                            <m:num>
+                              <m:r>
+                                <m:t>S</m:t>
+                              </m:r>
+                              <m:sSubSup>
+                                <m:e>
+                                  <m:r>
+                                    <m:t>D</m:t>
+                                  </m:r>
+                                </m:e>
+                                <m:sub>
+                                  <m:r>
+                                    <m:t>1</m:t>
+                                  </m:r>
+                                </m:sub>
+                                <m:sup>
+                                  <m:r>
+                                    <m:t>2</m:t>
+                                  </m:r>
+                                </m:sup>
+                              </m:sSubSup>
+                            </m:num>
+                            <m:den>
+                              <m:sSubSup>
+                                <m:e>
+                                  <m:r>
+                                    <m:t>R</m:t>
+                                  </m:r>
+                                </m:e>
+                                <m:sub>
+                                  <m:r>
+                                    <m:t>1</m:t>
+                                  </m:r>
+                                </m:sub>
+                                <m:sup>
+                                  <m:r>
+                                    <m:t>2</m:t>
+                                  </m:r>
+                                </m:sup>
+                              </m:sSubSup>
+                              <m:sSub>
+                                <m:e>
+                                  <m:r>
+                                    <m:t>N</m:t>
+                                  </m:r>
+                                </m:e>
+                                <m:sub>
+                                  <m:r>
+                                    <m:t>1</m:t>
+                                  </m:r>
+                                </m:sub>
+                              </m:sSub>
+                            </m:den>
+                          </m:f>
+                        </m:e>
+                      </m:d>
+                      <m:sSup>
+                        <m:e>
+                          <m:d>
+                            <m:dPr>
+                              <m:begChr m:val="("/>
+                              <m:endChr m:val=")"/>
+                              <m:sepChr m:val=""/>
+                              <m:grow/>
+                            </m:dPr>
+                            <m:e>
+                              <m:r>
+                                <m:t> </m:t>
+                              </m:r>
+                              <m:f>
+                                <m:fPr>
+                                  <m:type m:val="bar"/>
+                                </m:fPr>
+                                <m:num>
+                                  <m:sSup>
+                                    <m:e>
+                                      <m:r>
+                                        <m:t>10</m:t>
+                                      </m:r>
+                                    </m:e>
+                                    <m:sup>
+                                      <m:r>
+                                        <m:rPr>
+                                          <m:sty m:val="p"/>
+                                        </m:rPr>
+                                        <m:t>∘</m:t>
+                                      </m:r>
+                                    </m:sup>
+                                  </m:sSup>
+                                  <m:r>
+                                    <m:t>C</m:t>
+                                  </m:r>
+                                </m:num>
+                                <m:den>
+                                  <m:sSub>
+                                    <m:e>
+                                      <m:r>
+                                        <m:t>T</m:t>
+                                      </m:r>
+                                    </m:e>
+                                    <m:sub>
+                                      <m:r>
+                                        <m:t>2</m:t>
+                                      </m:r>
+                                    </m:sub>
+                                  </m:sSub>
+                                  <m:r>
+                                    <m:rPr>
+                                      <m:sty m:val="p"/>
+                                    </m:rPr>
+                                    <m:t>−</m:t>
+                                  </m:r>
+                                  <m:sSub>
+                                    <m:e>
+                                      <m:r>
+                                        <m:t>T</m:t>
+                                      </m:r>
+                                    </m:e>
+                                    <m:sub>
+                                      <m:r>
+                                        <m:t>1</m:t>
+                                      </m:r>
+                                    </m:sub>
+                                  </m:sSub>
+                                </m:den>
+                              </m:f>
+                            </m:e>
+                          </m:d>
+                        </m:e>
+                        <m:sup>
+                          <m:r>
+                            <m:t>2</m:t>
+                          </m:r>
+                        </m:sup>
+                      </m:sSup>
+                      <m:d>
+                        <m:dPr>
+                          <m:begChr m:val="("/>
+                          <m:endChr m:val=")"/>
+                          <m:sepChr m:val=""/>
+                          <m:grow/>
+                        </m:dPr>
+                        <m:e>
+                          <m:r>
+                            <m:rPr>
+                              <m:sty m:val="p"/>
+                            </m:rPr>
+                            <m:t>#</m:t>
+                          </m:r>
+                          <m:r>
+                            <m:t>e</m:t>
+                          </m:r>
+                          <m:r>
+                            <m:t>q</m:t>
+                          </m:r>
+                          <m:r>
+                            <m:rPr>
+                              <m:sty m:val="p"/>
+                            </m:rPr>
+                            <m:t>:</m:t>
+                          </m:r>
+                          <m:r>
+                            <m:t>V</m:t>
+                          </m:r>
+                          <m:r>
+                            <m:t>l</m:t>
+                          </m:r>
+                          <m:r>
+                            <m:t>n</m:t>
+                          </m:r>
+                          <m:r>
+                            <m:t>q</m:t>
+                          </m:r>
+                          <m:r>
+                            <m:t>10</m:t>
+                          </m:r>
+                        </m:e>
+                      </m:d>
+                    </m:oMath>
+                  </m:oMathPara>
+                </a14:m>
+              </a:p>
+            </p:txBody>
+          </p:sp>
+        </mc:Choice>
+      </mc:AlternateContent>
+    </p:spTree>
+  </p:cSld>
+</p:sld>
+</file>
+
 <file path=ppt/slides/slide3.xml><?xml version="1.0" encoding="utf-8"?>
 <p:sld xmlns:a="http://schemas.openxmlformats.org/drawingml/2006/main" xmlns:r="http://schemas.openxmlformats.org/officeDocument/2006/relationships" xmlns:p="http://schemas.openxmlformats.org/presentationml/2006/main">
   <p:cSld>
@@ -7215,7 +7810,7 @@
               <a:rPr>
                 <a:latin typeface="Courier"/>
               </a:rPr>
-              <a:t>## [1] 0.1804066</a:t>
+              <a:t>## [1] 0.3029623</a:t>
             </a:r>
           </a:p>
           <a:p>
@@ -7250,13 +7845,13 @@
 ##  Welch Two Sample t-test
 ## 
 ## data:  trt_26C and trt_8C
-## t = 0.90835, df = 12.707, p-value = 0.3806
+## t = 1.9464, df = 11.693, p-value = 0.07603
 ## alternative hypothesis: true difference in means is not equal to 0
 ## 95 percent confidence interval:
-##  -0.2496710  0.6104843
+##  -0.03716318  0.64308774
 ## sample estimates:
 ## mean of x mean of y 
-## 0.5828005 0.4023939</a:t>
+## 0.5520438 0.2490815</a:t>
             </a:r>
           </a:p>
         </p:txBody>
@@ -8277,7 +8872,7 @@
                   <a:rPr>
                     <a:latin typeface="Courier"/>
                   </a:rPr>
-                  <a:t>## [1] 0.1718532</a:t>
+                  <a:t>## [1] 0.1707906</a:t>
                 </a:r>
               </a:p>
             </p:txBody>

--- a/slides/code_slides.pptx
+++ b/slides/code_slides.pptx
@@ -3191,7 +3191,7 @@
             </a:pPr>
             <a:r>
               <a:rPr/>
-              <a:t>2022-06-14</a:t>
+              <a:t>2022-06-17</a:t>
             </a:r>
           </a:p>
         </p:txBody>
@@ -3477,7 +3477,12 @@
             <p:ph type="title"/>
           </p:nvPr>
         </p:nvSpPr>
-        <p:spPr/>
+        <p:spPr>
+          <a:xfrm>
+            <a:off x="457201" y="204787"/>
+            <a:ext cx="3008313" cy="871538"/>
+          </a:xfrm>
+        </p:spPr>
         <p:txBody>
           <a:bodyPr/>
           <a:lstStyle/>
@@ -3494,12 +3499,12 @@
       </p:sp>
       <p:sp>
         <p:nvSpPr>
-          <p:cNvPr id="3" name="Content Placeholder 2"/>
+          <p:cNvPr id="4" name="Text Placeholder 3"/>
           <p:cNvSpPr>
             <a:spLocks noGrp="1"/>
           </p:cNvSpPr>
           <p:nvPr>
-            <p:ph idx="1"/>
+            <p:ph idx="2" sz="half" type="body"/>
           </p:nvPr>
         </p:nvSpPr>
         <p:spPr/>
@@ -3747,8 +3752,229 @@
 ## 10 0.0021</a:t>
             </a:r>
           </a:p>
+          <a:p>
+            <a:pPr lvl="0" indent="0">
+              <a:buNone/>
+            </a:pPr>
+            <a:r>
+              <a:rPr>
+                <a:latin typeface="Courier"/>
+              </a:rPr>
+              <a:t>metafor</a:t>
+            </a:r>
+            <a:r>
+              <a:rPr>
+                <a:solidFill>
+                  <a:srgbClr val="4070A0"/>
+                </a:solidFill>
+                <a:latin typeface="Courier"/>
+              </a:rPr>
+              <a:t>::</a:t>
+            </a:r>
+            <a:r>
+              <a:rPr>
+                <a:solidFill>
+                  <a:srgbClr val="06287E"/>
+                </a:solidFill>
+                <a:latin typeface="Courier"/>
+              </a:rPr>
+              <a:t>forest</a:t>
+            </a:r>
+            <a:r>
+              <a:rPr>
+                <a:latin typeface="Courier"/>
+              </a:rPr>
+              <a:t>(</a:t>
+            </a:r>
+            <a:r>
+              <a:rPr>
+                <a:solidFill>
+                  <a:srgbClr val="7D9029"/>
+                </a:solidFill>
+                <a:latin typeface="Courier"/>
+              </a:rPr>
+              <a:t>x =</a:t>
+            </a:r>
+            <a:r>
+              <a:rPr>
+                <a:latin typeface="Courier"/>
+              </a:rPr>
+              <a:t> zr_data</a:t>
+            </a:r>
+            <a:r>
+              <a:rPr>
+                <a:solidFill>
+                  <a:srgbClr val="4070A0"/>
+                </a:solidFill>
+                <a:latin typeface="Courier"/>
+              </a:rPr>
+              <a:t>$</a:t>
+            </a:r>
+            <a:r>
+              <a:rPr>
+                <a:latin typeface="Courier"/>
+              </a:rPr>
+              <a:t>Zr[</a:t>
+            </a:r>
+            <a:r>
+              <a:rPr>
+                <a:solidFill>
+                  <a:srgbClr val="40A070"/>
+                </a:solidFill>
+                <a:latin typeface="Courier"/>
+              </a:rPr>
+              <a:t>1</a:t>
+            </a:r>
+            <a:r>
+              <a:rPr>
+                <a:solidFill>
+                  <a:srgbClr val="4070A0"/>
+                </a:solidFill>
+                <a:latin typeface="Courier"/>
+              </a:rPr>
+              <a:t>:</a:t>
+            </a:r>
+            <a:r>
+              <a:rPr>
+                <a:solidFill>
+                  <a:srgbClr val="40A070"/>
+                </a:solidFill>
+                <a:latin typeface="Courier"/>
+              </a:rPr>
+              <a:t>6</a:t>
+            </a:r>
+            <a:r>
+              <a:rPr>
+                <a:latin typeface="Courier"/>
+              </a:rPr>
+              <a:t>], </a:t>
+            </a:r>
+            <a:r>
+              <a:rPr>
+                <a:solidFill>
+                  <a:srgbClr val="7D9029"/>
+                </a:solidFill>
+                <a:latin typeface="Courier"/>
+              </a:rPr>
+              <a:t>vi =</a:t>
+            </a:r>
+            <a:r>
+              <a:rPr>
+                <a:latin typeface="Courier"/>
+              </a:rPr>
+              <a:t> zr_data</a:t>
+            </a:r>
+            <a:r>
+              <a:rPr>
+                <a:solidFill>
+                  <a:srgbClr val="4070A0"/>
+                </a:solidFill>
+                <a:latin typeface="Courier"/>
+              </a:rPr>
+              <a:t>$</a:t>
+            </a:r>
+            <a:r>
+              <a:rPr>
+                <a:latin typeface="Courier"/>
+              </a:rPr>
+              <a:t>v_Zr[</a:t>
+            </a:r>
+            <a:r>
+              <a:rPr>
+                <a:solidFill>
+                  <a:srgbClr val="40A070"/>
+                </a:solidFill>
+                <a:latin typeface="Courier"/>
+              </a:rPr>
+              <a:t>1</a:t>
+            </a:r>
+            <a:r>
+              <a:rPr>
+                <a:solidFill>
+                  <a:srgbClr val="4070A0"/>
+                </a:solidFill>
+                <a:latin typeface="Courier"/>
+              </a:rPr>
+              <a:t>:</a:t>
+            </a:r>
+            <a:r>
+              <a:rPr>
+                <a:solidFill>
+                  <a:srgbClr val="40A070"/>
+                </a:solidFill>
+                <a:latin typeface="Courier"/>
+              </a:rPr>
+              <a:t>6</a:t>
+            </a:r>
+            <a:r>
+              <a:rPr>
+                <a:latin typeface="Courier"/>
+              </a:rPr>
+              <a:t>], </a:t>
+            </a:r>
+            <a:r>
+              <a:rPr>
+                <a:solidFill>
+                  <a:srgbClr val="7D9029"/>
+                </a:solidFill>
+                <a:latin typeface="Courier"/>
+              </a:rPr>
+              <a:t>xlab =</a:t>
+            </a:r>
+            <a:r>
+              <a:rPr>
+                <a:latin typeface="Courier"/>
+              </a:rPr>
+              <a:t> </a:t>
+            </a:r>
+            <a:r>
+              <a:rPr>
+                <a:solidFill>
+                  <a:srgbClr val="4070A0"/>
+                </a:solidFill>
+                <a:latin typeface="Courier"/>
+              </a:rPr>
+              <a:t>"Z-transformed Correlation (Zr)"</a:t>
+            </a:r>
+            <a:r>
+              <a:rPr>
+                <a:latin typeface="Courier"/>
+              </a:rPr>
+              <a:t>)</a:t>
+            </a:r>
+          </a:p>
         </p:txBody>
       </p:sp>
+      <p:pic>
+        <p:nvPicPr>
+          <p:cNvPr descr="code_slides_files/figure-pptx/Zrescalc-1.png" id="0" name="Picture 1"/>
+          <p:cNvPicPr>
+            <a:picLocks noGrp="1" noChangeAspect="1"/>
+          </p:cNvPicPr>
+          <p:nvPr/>
+        </p:nvPicPr>
+        <p:blipFill>
+          <a:blip r:embed="rId2"/>
+          <a:stretch>
+            <a:fillRect/>
+          </a:stretch>
+        </p:blipFill>
+        <p:spPr bwMode="auto">
+          <a:xfrm>
+            <a:off x="3568700" y="355600"/>
+            <a:ext cx="5105400" cy="4089400"/>
+          </a:xfrm>
+          <a:prstGeom prst="rect">
+            <a:avLst/>
+          </a:prstGeom>
+          <a:noFill/>
+          <a:ln w="9525">
+            <a:noFill/>
+            <a:headEnd/>
+            <a:tailEnd/>
+          </a:ln>
+        </p:spPr>
+      </p:pic>
     </p:spTree>
   </p:cSld>
 </p:sld>
@@ -7810,7 +8036,7 @@
               <a:rPr>
                 <a:latin typeface="Courier"/>
               </a:rPr>
-              <a:t>## [1] 0.3029623</a:t>
+              <a:t>## [1] 0.4488822</a:t>
             </a:r>
           </a:p>
           <a:p>
@@ -7845,13 +8071,13 @@
 ##  Welch Two Sample t-test
 ## 
 ## data:  trt_26C and trt_8C
-## t = 1.9464, df = 11.693, p-value = 0.07603
+## t = 3.3675, df = 14.857, p-value = 0.004279
 ## alternative hypothesis: true difference in means is not equal to 0
 ## 95 percent confidence interval:
-##  -0.03716318  0.64308774
+##  0.1645284 0.7332360
 ## sample estimates:
 ## mean of x mean of y 
-## 0.5520438 0.2490815</a:t>
+## 0.6295455 0.1806633</a:t>
             </a:r>
           </a:p>
         </p:txBody>
@@ -8872,7 +9098,7 @@
                   <a:rPr>
                     <a:latin typeface="Courier"/>
                   </a:rPr>
-                  <a:t>## [1] 0.1707906</a:t>
+                  <a:t>## [1] 0.169391</a:t>
                 </a:r>
               </a:p>
             </p:txBody>

--- a/slides/code_slides.pptx
+++ b/slides/code_slides.pptx
@@ -25,6 +25,16 @@
     <p:sldId id="273" r:id="rId19"/>
     <p:sldId id="274" r:id="rId20"/>
     <p:sldId id="275" r:id="rId21"/>
+    <p:sldId id="276" r:id="rId22"/>
+    <p:sldId id="277" r:id="rId23"/>
+    <p:sldId id="278" r:id="rId24"/>
+    <p:sldId id="279" r:id="rId25"/>
+    <p:sldId id="280" r:id="rId26"/>
+    <p:sldId id="281" r:id="rId27"/>
+    <p:sldId id="282" r:id="rId28"/>
+    <p:sldId id="283" r:id="rId29"/>
+    <p:sldId id="284" r:id="rId30"/>
+    <p:sldId id="285" r:id="rId31"/>
   </p:sldIdLst>
   <p:sldSz cx="9144000" cy="5143500" type="screen16x9"/>
   <p:notesSz cx="6858000" cy="9144000"/>
@@ -7741,6 +7751,2969 @@
 </p:sld>
 </file>
 
+<file path=ppt/slides/slide21.xml><?xml version="1.0" encoding="utf-8"?>
+<p:sld xmlns:a="http://schemas.openxmlformats.org/drawingml/2006/main" xmlns:r="http://schemas.openxmlformats.org/officeDocument/2006/relationships" xmlns:p="http://schemas.openxmlformats.org/presentationml/2006/main">
+  <p:cSld>
+    <p:spTree>
+      <p:nvGrpSpPr>
+        <p:cNvPr id="1" name=""/>
+        <p:cNvGrpSpPr/>
+        <p:nvPr/>
+      </p:nvGrpSpPr>
+      <p:grpSpPr>
+        <a:xfrm>
+          <a:off x="0" y="0"/>
+          <a:ext cx="0" cy="0"/>
+          <a:chOff x="0" y="0"/>
+          <a:chExt cx="0" cy="0"/>
+        </a:xfrm>
+      </p:grpSpPr>
+      <p:sp>
+        <p:nvSpPr>
+          <p:cNvPr id="2" name="Title 1"/>
+          <p:cNvSpPr>
+            <a:spLocks noGrp="1"/>
+          </p:cNvSpPr>
+          <p:nvPr>
+            <p:ph type="title"/>
+          </p:nvPr>
+        </p:nvSpPr>
+        <p:spPr/>
+        <p:txBody>
+          <a:bodyPr/>
+          <a:lstStyle/>
+          <a:p>
+            <a:pPr lvl="0" indent="0" marL="0">
+              <a:buNone/>
+            </a:pPr>
+            <a:r>
+              <a:rPr/>
+              <a:t>Fixed effect</a:t>
+            </a:r>
+          </a:p>
+        </p:txBody>
+      </p:sp>
+      <p:sp>
+        <p:nvSpPr>
+          <p:cNvPr id="3" name="Content Placeholder 2"/>
+          <p:cNvSpPr>
+            <a:spLocks noGrp="1"/>
+          </p:cNvSpPr>
+          <p:nvPr>
+            <p:ph idx="1"/>
+          </p:nvPr>
+        </p:nvSpPr>
+        <p:spPr/>
+        <p:txBody>
+          <a:bodyPr/>
+          <a:lstStyle/>
+          <a:p>
+            <a:pPr lvl="0" indent="0">
+              <a:buNone/>
+            </a:pPr>
+            <a:r>
+              <a:rPr i="1">
+                <a:solidFill>
+                  <a:srgbClr val="60A0B0"/>
+                </a:solidFill>
+                <a:latin typeface="Courier"/>
+              </a:rPr>
+              <a:t># Generate some simulated effect size data with known sampling variance</a:t>
+            </a:r>
+            <a:br/>
+            <a:r>
+              <a:rPr i="1">
+                <a:solidFill>
+                  <a:srgbClr val="60A0B0"/>
+                </a:solidFill>
+                <a:latin typeface="Courier"/>
+              </a:rPr>
+              <a:t># assumed to come from a common underlying distribution</a:t>
+            </a:r>
+            <a:br/>
+            <a:r>
+              <a:rPr>
+                <a:solidFill>
+                  <a:srgbClr val="06287E"/>
+                </a:solidFill>
+                <a:latin typeface="Courier"/>
+              </a:rPr>
+              <a:t>set.seed</a:t>
+            </a:r>
+            <a:r>
+              <a:rPr>
+                <a:latin typeface="Courier"/>
+              </a:rPr>
+              <a:t>(</a:t>
+            </a:r>
+            <a:r>
+              <a:rPr>
+                <a:solidFill>
+                  <a:srgbClr val="40A070"/>
+                </a:solidFill>
+                <a:latin typeface="Courier"/>
+              </a:rPr>
+              <a:t>86</a:t>
+            </a:r>
+            <a:r>
+              <a:rPr>
+                <a:latin typeface="Courier"/>
+              </a:rPr>
+              <a:t>) </a:t>
+            </a:r>
+            <a:r>
+              <a:rPr i="1">
+                <a:solidFill>
+                  <a:srgbClr val="60A0B0"/>
+                </a:solidFill>
+                <a:latin typeface="Courier"/>
+              </a:rPr>
+              <a:t># Set see so that we all get the same simulated results</a:t>
+            </a:r>
+            <a:br/>
+            <a:r>
+              <a:rPr>
+                <a:latin typeface="Courier"/>
+              </a:rPr>
+              <a:t> </a:t>
+            </a:r>
+            <a:r>
+              <a:rPr i="1">
+                <a:solidFill>
+                  <a:srgbClr val="60A0B0"/>
+                </a:solidFill>
+                <a:latin typeface="Courier"/>
+              </a:rPr>
+              <a:t># We will have 5 studies</a:t>
+            </a:r>
+            <a:br/>
+            <a:r>
+              <a:rPr>
+                <a:latin typeface="Courier"/>
+              </a:rPr>
+              <a:t>    stdy  </a:t>
+            </a:r>
+            <a:r>
+              <a:rPr>
+                <a:solidFill>
+                  <a:srgbClr val="007020"/>
+                </a:solidFill>
+                <a:latin typeface="Courier"/>
+              </a:rPr>
+              <a:t>&lt;-</a:t>
+            </a:r>
+            <a:r>
+              <a:rPr>
+                <a:latin typeface="Courier"/>
+              </a:rPr>
+              <a:t> </a:t>
+            </a:r>
+            <a:r>
+              <a:rPr>
+                <a:solidFill>
+                  <a:srgbClr val="40A070"/>
+                </a:solidFill>
+                <a:latin typeface="Courier"/>
+              </a:rPr>
+              <a:t>1</a:t>
+            </a:r>
+            <a:r>
+              <a:rPr>
+                <a:solidFill>
+                  <a:srgbClr val="4070A0"/>
+                </a:solidFill>
+                <a:latin typeface="Courier"/>
+              </a:rPr>
+              <a:t>:</a:t>
+            </a:r>
+            <a:r>
+              <a:rPr>
+                <a:solidFill>
+                  <a:srgbClr val="40A070"/>
+                </a:solidFill>
+                <a:latin typeface="Courier"/>
+              </a:rPr>
+              <a:t>5</a:t>
+            </a:r>
+            <a:r>
+              <a:rPr>
+                <a:latin typeface="Courier"/>
+              </a:rPr>
+              <a:t>                                      </a:t>
+            </a:r>
+            <a:br/>
+            <a:r>
+              <a:rPr i="1">
+                <a:solidFill>
+                  <a:srgbClr val="60A0B0"/>
+                </a:solidFill>
+                <a:latin typeface="Courier"/>
+              </a:rPr>
+              <a:t># We know the variance for each effect</a:t>
+            </a:r>
+            <a:br/>
+            <a:r>
+              <a:rPr>
+                <a:latin typeface="Courier"/>
+              </a:rPr>
+              <a:t>    Ves     </a:t>
+            </a:r>
+            <a:r>
+              <a:rPr>
+                <a:solidFill>
+                  <a:srgbClr val="007020"/>
+                </a:solidFill>
+                <a:latin typeface="Courier"/>
+              </a:rPr>
+              <a:t>&lt;-</a:t>
+            </a:r>
+            <a:r>
+              <a:rPr>
+                <a:latin typeface="Courier"/>
+              </a:rPr>
+              <a:t> </a:t>
+            </a:r>
+            <a:r>
+              <a:rPr>
+                <a:solidFill>
+                  <a:srgbClr val="06287E"/>
+                </a:solidFill>
+                <a:latin typeface="Courier"/>
+              </a:rPr>
+              <a:t>c</a:t>
+            </a:r>
+            <a:r>
+              <a:rPr>
+                <a:latin typeface="Courier"/>
+              </a:rPr>
+              <a:t>(</a:t>
+            </a:r>
+            <a:r>
+              <a:rPr>
+                <a:solidFill>
+                  <a:srgbClr val="40A070"/>
+                </a:solidFill>
+                <a:latin typeface="Courier"/>
+              </a:rPr>
+              <a:t>0.05</a:t>
+            </a:r>
+            <a:r>
+              <a:rPr>
+                <a:latin typeface="Courier"/>
+              </a:rPr>
+              <a:t>, </a:t>
+            </a:r>
+            <a:r>
+              <a:rPr>
+                <a:solidFill>
+                  <a:srgbClr val="40A070"/>
+                </a:solidFill>
+                <a:latin typeface="Courier"/>
+              </a:rPr>
+              <a:t>0.10</a:t>
+            </a:r>
+            <a:r>
+              <a:rPr>
+                <a:latin typeface="Courier"/>
+              </a:rPr>
+              <a:t>, </a:t>
+            </a:r>
+            <a:r>
+              <a:rPr>
+                <a:solidFill>
+                  <a:srgbClr val="40A070"/>
+                </a:solidFill>
+                <a:latin typeface="Courier"/>
+              </a:rPr>
+              <a:t>0.02</a:t>
+            </a:r>
+            <a:r>
+              <a:rPr>
+                <a:latin typeface="Courier"/>
+              </a:rPr>
+              <a:t>, </a:t>
+            </a:r>
+            <a:r>
+              <a:rPr>
+                <a:solidFill>
+                  <a:srgbClr val="40A070"/>
+                </a:solidFill>
+                <a:latin typeface="Courier"/>
+              </a:rPr>
+              <a:t>0.10</a:t>
+            </a:r>
+            <a:r>
+              <a:rPr>
+                <a:latin typeface="Courier"/>
+              </a:rPr>
+              <a:t>, </a:t>
+            </a:r>
+            <a:r>
+              <a:rPr>
+                <a:solidFill>
+                  <a:srgbClr val="40A070"/>
+                </a:solidFill>
+                <a:latin typeface="Courier"/>
+              </a:rPr>
+              <a:t>0.09</a:t>
+            </a:r>
+            <a:r>
+              <a:rPr>
+                <a:latin typeface="Courier"/>
+              </a:rPr>
+              <a:t>)    </a:t>
+            </a:r>
+            <a:br/>
+            <a:r>
+              <a:rPr i="1">
+                <a:solidFill>
+                  <a:srgbClr val="60A0B0"/>
+                </a:solidFill>
+                <a:latin typeface="Courier"/>
+              </a:rPr>
+              <a:t># We'll need this later but these are weights</a:t>
+            </a:r>
+            <a:br/>
+            <a:r>
+              <a:rPr>
+                <a:latin typeface="Courier"/>
+              </a:rPr>
+              <a:t>    W     </a:t>
+            </a:r>
+            <a:r>
+              <a:rPr>
+                <a:solidFill>
+                  <a:srgbClr val="007020"/>
+                </a:solidFill>
+                <a:latin typeface="Courier"/>
+              </a:rPr>
+              <a:t>&lt;-</a:t>
+            </a:r>
+            <a:r>
+              <a:rPr>
+                <a:latin typeface="Courier"/>
+              </a:rPr>
+              <a:t> </a:t>
+            </a:r>
+            <a:r>
+              <a:rPr>
+                <a:solidFill>
+                  <a:srgbClr val="40A070"/>
+                </a:solidFill>
+                <a:latin typeface="Courier"/>
+              </a:rPr>
+              <a:t>1</a:t>
+            </a:r>
+            <a:r>
+              <a:rPr>
+                <a:latin typeface="Courier"/>
+              </a:rPr>
+              <a:t> </a:t>
+            </a:r>
+            <a:r>
+              <a:rPr>
+                <a:solidFill>
+                  <a:srgbClr val="4070A0"/>
+                </a:solidFill>
+                <a:latin typeface="Courier"/>
+              </a:rPr>
+              <a:t>/</a:t>
+            </a:r>
+            <a:r>
+              <a:rPr>
+                <a:latin typeface="Courier"/>
+              </a:rPr>
+              <a:t> Ves                                          </a:t>
+            </a:r>
+            <a:br/>
+            <a:r>
+              <a:rPr i="1">
+                <a:solidFill>
+                  <a:srgbClr val="60A0B0"/>
+                </a:solidFill>
+                <a:latin typeface="Courier"/>
+              </a:rPr>
+              <a:t># We assume they are sampled from a normal distribution  with a mean effect size of 2</a:t>
+            </a:r>
+            <a:br/>
+            <a:r>
+              <a:rPr>
+                <a:latin typeface="Courier"/>
+              </a:rPr>
+              <a:t>    es     </a:t>
+            </a:r>
+            <a:r>
+              <a:rPr>
+                <a:solidFill>
+                  <a:srgbClr val="007020"/>
+                </a:solidFill>
+                <a:latin typeface="Courier"/>
+              </a:rPr>
+              <a:t>&lt;-</a:t>
+            </a:r>
+            <a:r>
+              <a:rPr>
+                <a:latin typeface="Courier"/>
+              </a:rPr>
+              <a:t> </a:t>
+            </a:r>
+            <a:r>
+              <a:rPr>
+                <a:solidFill>
+                  <a:srgbClr val="06287E"/>
+                </a:solidFill>
+                <a:latin typeface="Courier"/>
+              </a:rPr>
+              <a:t>rnorm</a:t>
+            </a:r>
+            <a:r>
+              <a:rPr>
+                <a:latin typeface="Courier"/>
+              </a:rPr>
+              <a:t>(</a:t>
+            </a:r>
+            <a:r>
+              <a:rPr>
+                <a:solidFill>
+                  <a:srgbClr val="06287E"/>
+                </a:solidFill>
+                <a:latin typeface="Courier"/>
+              </a:rPr>
+              <a:t>length</a:t>
+            </a:r>
+            <a:r>
+              <a:rPr>
+                <a:latin typeface="Courier"/>
+              </a:rPr>
+              <a:t>(Ves), </a:t>
+            </a:r>
+            <a:r>
+              <a:rPr>
+                <a:solidFill>
+                  <a:srgbClr val="40A070"/>
+                </a:solidFill>
+                <a:latin typeface="Courier"/>
+              </a:rPr>
+              <a:t>2</a:t>
+            </a:r>
+            <a:r>
+              <a:rPr>
+                <a:latin typeface="Courier"/>
+              </a:rPr>
+              <a:t>, </a:t>
+            </a:r>
+            <a:r>
+              <a:rPr>
+                <a:solidFill>
+                  <a:srgbClr val="06287E"/>
+                </a:solidFill>
+                <a:latin typeface="Courier"/>
+              </a:rPr>
+              <a:t>sqrt</a:t>
+            </a:r>
+            <a:r>
+              <a:rPr>
+                <a:latin typeface="Courier"/>
+              </a:rPr>
+              <a:t>(Ves))          </a:t>
+            </a:r>
+            <a:br/>
+            <a:r>
+              <a:rPr i="1">
+                <a:solidFill>
+                  <a:srgbClr val="60A0B0"/>
+                </a:solidFill>
+                <a:latin typeface="Courier"/>
+              </a:rPr>
+              <a:t># Data for our fixed effect meta-analysis</a:t>
+            </a:r>
+            <a:br/>
+            <a:r>
+              <a:rPr>
+                <a:latin typeface="Courier"/>
+              </a:rPr>
+              <a:t>    dataFE </a:t>
+            </a:r>
+            <a:r>
+              <a:rPr>
+                <a:solidFill>
+                  <a:srgbClr val="007020"/>
+                </a:solidFill>
+                <a:latin typeface="Courier"/>
+              </a:rPr>
+              <a:t>&lt;-</a:t>
+            </a:r>
+            <a:r>
+              <a:rPr>
+                <a:latin typeface="Courier"/>
+              </a:rPr>
+              <a:t> </a:t>
+            </a:r>
+            <a:r>
+              <a:rPr>
+                <a:solidFill>
+                  <a:srgbClr val="06287E"/>
+                </a:solidFill>
+                <a:latin typeface="Courier"/>
+              </a:rPr>
+              <a:t>data.frame</a:t>
+            </a:r>
+            <a:r>
+              <a:rPr>
+                <a:latin typeface="Courier"/>
+              </a:rPr>
+              <a:t>(</a:t>
+            </a:r>
+            <a:r>
+              <a:rPr>
+                <a:solidFill>
+                  <a:srgbClr val="7D9029"/>
+                </a:solidFill>
+                <a:latin typeface="Courier"/>
+              </a:rPr>
+              <a:t>stdy =</a:t>
+            </a:r>
+            <a:r>
+              <a:rPr>
+                <a:latin typeface="Courier"/>
+              </a:rPr>
+              <a:t> stdy, es, Ves)</a:t>
+            </a:r>
+          </a:p>
+        </p:txBody>
+      </p:sp>
+    </p:spTree>
+  </p:cSld>
+</p:sld>
+</file>
+
+<file path=ppt/slides/slide22.xml><?xml version="1.0" encoding="utf-8"?>
+<p:sld xmlns:a="http://schemas.openxmlformats.org/drawingml/2006/main" xmlns:r="http://schemas.openxmlformats.org/officeDocument/2006/relationships" xmlns:p="http://schemas.openxmlformats.org/presentationml/2006/main">
+  <p:cSld>
+    <p:spTree>
+      <p:nvGrpSpPr>
+        <p:cNvPr id="1" name=""/>
+        <p:cNvGrpSpPr/>
+        <p:nvPr/>
+      </p:nvGrpSpPr>
+      <p:grpSpPr>
+        <a:xfrm>
+          <a:off x="0" y="0"/>
+          <a:ext cx="0" cy="0"/>
+          <a:chOff x="0" y="0"/>
+          <a:chExt cx="0" cy="0"/>
+        </a:xfrm>
+      </p:grpSpPr>
+      <p:sp>
+        <p:nvSpPr>
+          <p:cNvPr id="2" name="Title 1"/>
+          <p:cNvSpPr>
+            <a:spLocks noGrp="1"/>
+          </p:cNvSpPr>
+          <p:nvPr>
+            <p:ph type="title"/>
+          </p:nvPr>
+        </p:nvSpPr>
+        <p:spPr/>
+        <p:txBody>
+          <a:bodyPr/>
+          <a:lstStyle/>
+          <a:p>
+            <a:pPr lvl="0" indent="0" marL="0">
+              <a:buNone/>
+            </a:pPr>
+            <a:r>
+              <a:rPr/>
+              <a:t>Fixed effects</a:t>
+            </a:r>
+          </a:p>
+        </p:txBody>
+      </p:sp>
+      <p:pic>
+        <p:nvPicPr>
+          <p:cNvPr descr="code_slides_files/figure-pptx/fePLOT-1.png" id="0" name="Picture 1"/>
+          <p:cNvPicPr>
+            <a:picLocks noGrp="1" noChangeAspect="1"/>
+          </p:cNvPicPr>
+          <p:nvPr/>
+        </p:nvPicPr>
+        <p:blipFill>
+          <a:blip r:embed="rId2"/>
+          <a:stretch>
+            <a:fillRect/>
+          </a:stretch>
+        </p:blipFill>
+        <p:spPr bwMode="auto">
+          <a:xfrm>
+            <a:off x="2451100" y="1193800"/>
+            <a:ext cx="4241800" cy="3390900"/>
+          </a:xfrm>
+          <a:prstGeom prst="rect">
+            <a:avLst/>
+          </a:prstGeom>
+          <a:noFill/>
+          <a:ln w="9525">
+            <a:noFill/>
+            <a:headEnd/>
+            <a:tailEnd/>
+          </a:ln>
+        </p:spPr>
+      </p:pic>
+    </p:spTree>
+  </p:cSld>
+</p:sld>
+</file>
+
+<file path=ppt/slides/slide23.xml><?xml version="1.0" encoding="utf-8"?>
+<p:sld xmlns:a="http://schemas.openxmlformats.org/drawingml/2006/main" xmlns:r="http://schemas.openxmlformats.org/officeDocument/2006/relationships" xmlns:p="http://schemas.openxmlformats.org/presentationml/2006/main">
+  <p:cSld>
+    <p:spTree>
+      <p:nvGrpSpPr>
+        <p:cNvPr id="1" name=""/>
+        <p:cNvGrpSpPr/>
+        <p:nvPr/>
+      </p:nvGrpSpPr>
+      <p:grpSpPr>
+        <a:xfrm>
+          <a:off x="0" y="0"/>
+          <a:ext cx="0" cy="0"/>
+          <a:chOff x="0" y="0"/>
+          <a:chExt cx="0" cy="0"/>
+        </a:xfrm>
+      </p:grpSpPr>
+      <p:sp>
+        <p:nvSpPr>
+          <p:cNvPr id="2" name="Title 1"/>
+          <p:cNvSpPr>
+            <a:spLocks noGrp="1"/>
+          </p:cNvSpPr>
+          <p:nvPr>
+            <p:ph type="title"/>
+          </p:nvPr>
+        </p:nvSpPr>
+        <p:spPr/>
+        <p:txBody>
+          <a:bodyPr/>
+          <a:lstStyle/>
+          <a:p>
+            <a:pPr lvl="0" indent="0" marL="0">
+              <a:buNone/>
+            </a:pPr>
+            <a:r>
+              <a:rPr/>
+              <a:t>Fixed effect model</a:t>
+            </a:r>
+          </a:p>
+        </p:txBody>
+      </p:sp>
+      <p:sp>
+        <p:nvSpPr>
+          <p:cNvPr id="3" name="Content Placeholder 2"/>
+          <p:cNvSpPr>
+            <a:spLocks noGrp="1"/>
+          </p:cNvSpPr>
+          <p:nvPr>
+            <p:ph idx="1"/>
+          </p:nvPr>
+        </p:nvSpPr>
+        <p:spPr/>
+        <p:txBody>
+          <a:bodyPr/>
+          <a:lstStyle/>
+          <a:p>
+            <a:pPr lvl="0" indent="0">
+              <a:buNone/>
+            </a:pPr>
+            <a:r>
+              <a:rPr i="1">
+                <a:solidFill>
+                  <a:srgbClr val="60A0B0"/>
+                </a:solidFill>
+                <a:latin typeface="Courier"/>
+              </a:rPr>
+              <a:t># Run a fixed effect meta-analysis using the FE dataset. </a:t>
+            </a:r>
+            <a:br/>
+            <a:r>
+              <a:rPr>
+                <a:latin typeface="Courier"/>
+              </a:rPr>
+              <a:t>    metafor</a:t>
+            </a:r>
+            <a:r>
+              <a:rPr>
+                <a:solidFill>
+                  <a:srgbClr val="4070A0"/>
+                </a:solidFill>
+                <a:latin typeface="Courier"/>
+              </a:rPr>
+              <a:t>::</a:t>
+            </a:r>
+            <a:r>
+              <a:rPr>
+                <a:solidFill>
+                  <a:srgbClr val="06287E"/>
+                </a:solidFill>
+                <a:latin typeface="Courier"/>
+              </a:rPr>
+              <a:t>rma</a:t>
+            </a:r>
+            <a:r>
+              <a:rPr>
+                <a:latin typeface="Courier"/>
+              </a:rPr>
+              <a:t>(</a:t>
+            </a:r>
+            <a:r>
+              <a:rPr>
+                <a:solidFill>
+                  <a:srgbClr val="7D9029"/>
+                </a:solidFill>
+                <a:latin typeface="Courier"/>
+              </a:rPr>
+              <a:t>yi =</a:t>
+            </a:r>
+            <a:r>
+              <a:rPr>
+                <a:latin typeface="Courier"/>
+              </a:rPr>
+              <a:t> es, </a:t>
+            </a:r>
+            <a:r>
+              <a:rPr>
+                <a:solidFill>
+                  <a:srgbClr val="7D9029"/>
+                </a:solidFill>
+                <a:latin typeface="Courier"/>
+              </a:rPr>
+              <a:t>vi =</a:t>
+            </a:r>
+            <a:r>
+              <a:rPr>
+                <a:latin typeface="Courier"/>
+              </a:rPr>
+              <a:t> Ves, </a:t>
+            </a:r>
+            <a:r>
+              <a:rPr>
+                <a:solidFill>
+                  <a:srgbClr val="7D9029"/>
+                </a:solidFill>
+                <a:latin typeface="Courier"/>
+              </a:rPr>
+              <a:t>method =</a:t>
+            </a:r>
+            <a:r>
+              <a:rPr>
+                <a:latin typeface="Courier"/>
+              </a:rPr>
+              <a:t> </a:t>
+            </a:r>
+            <a:r>
+              <a:rPr>
+                <a:solidFill>
+                  <a:srgbClr val="4070A0"/>
+                </a:solidFill>
+                <a:latin typeface="Courier"/>
+              </a:rPr>
+              <a:t>"FE"</a:t>
+            </a:r>
+            <a:r>
+              <a:rPr>
+                <a:latin typeface="Courier"/>
+              </a:rPr>
+              <a:t>, </a:t>
+            </a:r>
+            <a:r>
+              <a:rPr>
+                <a:solidFill>
+                  <a:srgbClr val="7D9029"/>
+                </a:solidFill>
+                <a:latin typeface="Courier"/>
+              </a:rPr>
+              <a:t>data =</a:t>
+            </a:r>
+            <a:r>
+              <a:rPr>
+                <a:latin typeface="Courier"/>
+              </a:rPr>
+              <a:t> dataFE)</a:t>
+            </a:r>
+          </a:p>
+          <a:p>
+            <a:pPr lvl="0" indent="0">
+              <a:buNone/>
+            </a:pPr>
+            <a:r>
+              <a:rPr>
+                <a:latin typeface="Courier"/>
+              </a:rPr>
+              <a:t>## 
+## Fixed-Effects Model (k = 5)
+## 
+## I^2 (total heterogeneity / total variability):   0.00%
+## H^2 (total variability / sampling variability):  0.56
+## 
+## Test for Heterogeneity:
+## Q(df = 4) = 2.2340, p-val = 0.6928
+## 
+## Model Results:
+## 
+## estimate      se     zval    pval   ci.lb   ci.ub     ​ 
+##   2.0731  0.0994  20.8459  &lt;.0001  1.8782  2.2680  *** 
+## 
+## ---
+## Signif. codes:  0 '***' 0.001 '**' 0.01 '*' 0.05 '.' 0.1 ' ' 1</a:t>
+            </a:r>
+          </a:p>
+        </p:txBody>
+      </p:sp>
+    </p:spTree>
+  </p:cSld>
+</p:sld>
+</file>
+
+<file path=ppt/slides/slide24.xml><?xml version="1.0" encoding="utf-8"?>
+<p:sld xmlns:a="http://schemas.openxmlformats.org/drawingml/2006/main" xmlns:r="http://schemas.openxmlformats.org/officeDocument/2006/relationships" xmlns:p="http://schemas.openxmlformats.org/presentationml/2006/main">
+  <p:cSld>
+    <p:spTree>
+      <p:nvGrpSpPr>
+        <p:cNvPr id="1" name=""/>
+        <p:cNvGrpSpPr/>
+        <p:nvPr/>
+      </p:nvGrpSpPr>
+      <p:grpSpPr>
+        <a:xfrm>
+          <a:off x="0" y="0"/>
+          <a:ext cx="0" cy="0"/>
+          <a:chOff x="0" y="0"/>
+          <a:chExt cx="0" cy="0"/>
+        </a:xfrm>
+      </p:grpSpPr>
+      <p:sp>
+        <p:nvSpPr>
+          <p:cNvPr id="2" name="Title 1"/>
+          <p:cNvSpPr>
+            <a:spLocks noGrp="1"/>
+          </p:cNvSpPr>
+          <p:nvPr>
+            <p:ph type="title"/>
+          </p:nvPr>
+        </p:nvSpPr>
+        <p:spPr/>
+        <p:txBody>
+          <a:bodyPr/>
+          <a:lstStyle/>
+          <a:p>
+            <a:pPr lvl="0" indent="0" marL="0">
+              <a:buNone/>
+            </a:pPr>
+            <a:r>
+              <a:rPr/>
+              <a:t>Now by hand FE</a:t>
+            </a:r>
+          </a:p>
+        </p:txBody>
+      </p:sp>
+      <mc:AlternateContent xmlns:mc="http://schemas.openxmlformats.org/markup-compatibility/2006">
+        <mc:Choice xmlns:a14="http://schemas.microsoft.com/office/drawing/2010/main" Requires="a14">
+          <p:sp>
+            <p:nvSpPr>
+              <p:cNvPr id="3" name="Content Placeholder 2"/>
+              <p:cNvSpPr>
+                <a:spLocks noGrp="1"/>
+              </p:cNvSpPr>
+              <p:nvPr>
+                <p:ph idx="1"/>
+              </p:nvPr>
+            </p:nvSpPr>
+            <p:spPr/>
+            <p:txBody>
+              <a:bodyPr/>
+              <a:lstStyle/>
+              <a:p>
+                <a:pPr lvl="0" indent="0" marL="0">
+                  <a:buNone/>
+                </a:pPr>
+                <a:r>
+                  <a:rPr/>
+                  <a:t>We can even do all the seemingly fancy stuff </a:t>
+                </a:r>
+                <a:r>
+                  <a:rPr>
+                    <a:latin typeface="Courier"/>
+                  </a:rPr>
+                  <a:t>metafor</a:t>
+                </a:r>
+                <a:r>
+                  <a:rPr/>
+                  <a:t> is doing ourselves if we want….we just need to know the equations:</a:t>
+                </a:r>
+              </a:p>
+              <a:p>
+                <a:pPr lvl="0" indent="0" marL="0">
+                  <a:buNone/>
+                </a:pPr>
+                <a14:m>
+                  <m:oMathPara xmlns:m="http://schemas.openxmlformats.org/officeDocument/2006/math">
+                    <m:oMathParaPr>
+                      <m:jc m:val="center"/>
+                    </m:oMathParaPr>
+                    <m:oMath>
+                      <m:acc>
+                        <m:accPr>
+                          <m:chr m:val="‾"/>
+                        </m:accPr>
+                        <m:e>
+                          <m:r>
+                            <m:t>E</m:t>
+                          </m:r>
+                          <m:r>
+                            <m:t>S</m:t>
+                          </m:r>
+                        </m:e>
+                      </m:acc>
+                      <m:r>
+                        <m:rPr>
+                          <m:sty m:val="p"/>
+                        </m:rPr>
+                        <m:t>=</m:t>
+                      </m:r>
+                      <m:r>
+                        <m:rPr>
+                          <m:sty m:val="p"/>
+                        </m:rPr>
+                        <m:t>∑</m:t>
+                      </m:r>
+                      <m:d>
+                        <m:dPr>
+                          <m:begChr m:val="("/>
+                          <m:endChr m:val=")"/>
+                          <m:sepChr m:val=""/>
+                          <m:grow/>
+                        </m:dPr>
+                        <m:e>
+                          <m:r>
+                            <m:t>W</m:t>
+                          </m:r>
+                          <m:r>
+                            <m:rPr>
+                              <m:sty m:val="p"/>
+                            </m:rPr>
+                            <m:t>*</m:t>
+                          </m:r>
+                          <m:r>
+                            <m:t>E</m:t>
+                          </m:r>
+                          <m:r>
+                            <m:t>S</m:t>
+                          </m:r>
+                        </m:e>
+                      </m:d>
+                      <m:r>
+                        <m:rPr>
+                          <m:sty m:val="p"/>
+                        </m:rPr>
+                        <m:t>/</m:t>
+                      </m:r>
+                      <m:r>
+                        <m:rPr>
+                          <m:sty m:val="p"/>
+                        </m:rPr>
+                        <m:t>∑</m:t>
+                      </m:r>
+                      <m:r>
+                        <m:t>W</m:t>
+                      </m:r>
+                    </m:oMath>
+                  </m:oMathPara>
+                </a14:m>
+              </a:p>
+              <a:p>
+                <a:pPr lvl="0" indent="0" marL="0">
+                  <a:buNone/>
+                </a:pPr>
+                <a14:m>
+                  <m:oMathPara xmlns:m="http://schemas.openxmlformats.org/officeDocument/2006/math">
+                    <m:oMathParaPr>
+                      <m:jc m:val="center"/>
+                    </m:oMathParaPr>
+                    <m:oMath>
+                      <m:sSubSup>
+                        <m:e>
+                          <m:r>
+                            <m:t>σ</m:t>
+                          </m:r>
+                        </m:e>
+                        <m:sub>
+                          <m:acc>
+                            <m:accPr>
+                              <m:chr m:val="‾"/>
+                            </m:accPr>
+                            <m:e>
+                              <m:r>
+                                <m:t>E</m:t>
+                              </m:r>
+                              <m:r>
+                                <m:t>S</m:t>
+                              </m:r>
+                            </m:e>
+                          </m:acc>
+                        </m:sub>
+                        <m:sup>
+                          <m:r>
+                            <m:t>2</m:t>
+                          </m:r>
+                        </m:sup>
+                      </m:sSubSup>
+                      <m:r>
+                        <m:rPr>
+                          <m:sty m:val="p"/>
+                        </m:rPr>
+                        <m:t>=</m:t>
+                      </m:r>
+                      <m:f>
+                        <m:fPr>
+                          <m:type m:val="bar"/>
+                        </m:fPr>
+                        <m:num>
+                          <m:r>
+                            <m:t>1</m:t>
+                          </m:r>
+                        </m:num>
+                        <m:den>
+                          <m:r>
+                            <m:rPr>
+                              <m:sty m:val="p"/>
+                            </m:rPr>
+                            <m:t>∑</m:t>
+                          </m:r>
+                          <m:r>
+                            <m:t>W</m:t>
+                          </m:r>
+                        </m:den>
+                      </m:f>
+                    </m:oMath>
+                  </m:oMathPara>
+                </a14:m>
+              </a:p>
+              <a:p>
+                <a:pPr lvl="0" indent="0">
+                  <a:buNone/>
+                </a:pPr>
+                <a:r>
+                  <a:rPr i="1">
+                    <a:solidFill>
+                      <a:srgbClr val="60A0B0"/>
+                    </a:solidFill>
+                    <a:latin typeface="Courier"/>
+                  </a:rPr>
+                  <a:t># Calculate pooled effect size</a:t>
+                </a:r>
+                <a:br/>
+                <a:r>
+                  <a:rPr>
+                    <a:latin typeface="Courier"/>
+                  </a:rPr>
+                  <a:t>       EsP.FE </a:t>
+                </a:r>
+                <a:r>
+                  <a:rPr>
+                    <a:solidFill>
+                      <a:srgbClr val="007020"/>
+                    </a:solidFill>
+                    <a:latin typeface="Courier"/>
+                  </a:rPr>
+                  <a:t>&lt;-</a:t>
+                </a:r>
+                <a:r>
+                  <a:rPr>
+                    <a:latin typeface="Courier"/>
+                  </a:rPr>
+                  <a:t> </a:t>
+                </a:r>
+                <a:r>
+                  <a:rPr>
+                    <a:solidFill>
+                      <a:srgbClr val="06287E"/>
+                    </a:solidFill>
+                    <a:latin typeface="Courier"/>
+                  </a:rPr>
+                  <a:t>sum</a:t>
+                </a:r>
+                <a:r>
+                  <a:rPr>
+                    <a:latin typeface="Courier"/>
+                  </a:rPr>
+                  <a:t>(W</a:t>
+                </a:r>
+                <a:r>
+                  <a:rPr>
+                    <a:solidFill>
+                      <a:srgbClr val="4070A0"/>
+                    </a:solidFill>
+                    <a:latin typeface="Courier"/>
+                  </a:rPr>
+                  <a:t>*</a:t>
+                </a:r>
+                <a:r>
+                  <a:rPr>
+                    <a:latin typeface="Courier"/>
+                  </a:rPr>
+                  <a:t>dataFE</a:t>
+                </a:r>
+                <a:r>
+                  <a:rPr>
+                    <a:solidFill>
+                      <a:srgbClr val="4070A0"/>
+                    </a:solidFill>
+                    <a:latin typeface="Courier"/>
+                  </a:rPr>
+                  <a:t>$</a:t>
+                </a:r>
+                <a:r>
+                  <a:rPr>
+                    <a:latin typeface="Courier"/>
+                  </a:rPr>
+                  <a:t>es) </a:t>
+                </a:r>
+                <a:r>
+                  <a:rPr>
+                    <a:solidFill>
+                      <a:srgbClr val="4070A0"/>
+                    </a:solidFill>
+                    <a:latin typeface="Courier"/>
+                  </a:rPr>
+                  <a:t>/</a:t>
+                </a:r>
+                <a:r>
+                  <a:rPr>
+                    <a:latin typeface="Courier"/>
+                  </a:rPr>
+                  <a:t> </a:t>
+                </a:r>
+                <a:r>
+                  <a:rPr>
+                    <a:solidFill>
+                      <a:srgbClr val="06287E"/>
+                    </a:solidFill>
+                    <a:latin typeface="Courier"/>
+                  </a:rPr>
+                  <a:t>sum</a:t>
+                </a:r>
+                <a:r>
+                  <a:rPr>
+                    <a:latin typeface="Courier"/>
+                  </a:rPr>
+                  <a:t>(W)</a:t>
+                </a:r>
+                <a:br/>
+                <a:r>
+                  <a:rPr>
+                    <a:latin typeface="Courier"/>
+                  </a:rPr>
+                  <a:t>       EsP.FE</a:t>
+                </a:r>
+              </a:p>
+              <a:p>
+                <a:pPr lvl="0" indent="0">
+                  <a:buNone/>
+                </a:pPr>
+                <a:r>
+                  <a:rPr>
+                    <a:latin typeface="Courier"/>
+                  </a:rPr>
+                  <a:t>## [1] 2.073105</a:t>
+                </a:r>
+              </a:p>
+              <a:p>
+                <a:pPr lvl="0" indent="0">
+                  <a:buNone/>
+                </a:pPr>
+                <a:r>
+                  <a:rPr i="1">
+                    <a:solidFill>
+                      <a:srgbClr val="60A0B0"/>
+                    </a:solidFill>
+                    <a:latin typeface="Courier"/>
+                  </a:rPr>
+                  <a:t># Calculate the pooled variance around estimate</a:t>
+                </a:r>
+                <a:br/>
+                <a:r>
+                  <a:rPr>
+                    <a:latin typeface="Courier"/>
+                  </a:rPr>
+                  <a:t>    VarEsP.FE </a:t>
+                </a:r>
+                <a:r>
+                  <a:rPr>
+                    <a:solidFill>
+                      <a:srgbClr val="007020"/>
+                    </a:solidFill>
+                    <a:latin typeface="Courier"/>
+                  </a:rPr>
+                  <a:t>&lt;-</a:t>
+                </a:r>
+                <a:r>
+                  <a:rPr>
+                    <a:latin typeface="Courier"/>
+                  </a:rPr>
+                  <a:t> </a:t>
+                </a:r>
+                <a:r>
+                  <a:rPr>
+                    <a:solidFill>
+                      <a:srgbClr val="40A070"/>
+                    </a:solidFill>
+                    <a:latin typeface="Courier"/>
+                  </a:rPr>
+                  <a:t>1</a:t>
+                </a:r>
+                <a:r>
+                  <a:rPr>
+                    <a:latin typeface="Courier"/>
+                  </a:rPr>
+                  <a:t> </a:t>
+                </a:r>
+                <a:r>
+                  <a:rPr>
+                    <a:solidFill>
+                      <a:srgbClr val="4070A0"/>
+                    </a:solidFill>
+                    <a:latin typeface="Courier"/>
+                  </a:rPr>
+                  <a:t>/</a:t>
+                </a:r>
+                <a:r>
+                  <a:rPr>
+                    <a:latin typeface="Courier"/>
+                  </a:rPr>
+                  <a:t> </a:t>
+                </a:r>
+                <a:r>
+                  <a:rPr>
+                    <a:solidFill>
+                      <a:srgbClr val="06287E"/>
+                    </a:solidFill>
+                    <a:latin typeface="Courier"/>
+                  </a:rPr>
+                  <a:t>sum</a:t>
+                </a:r>
+                <a:r>
+                  <a:rPr>
+                    <a:latin typeface="Courier"/>
+                  </a:rPr>
+                  <a:t>(W)</a:t>
+                </a:r>
+                <a:br/>
+                <a:r>
+                  <a:rPr>
+                    <a:latin typeface="Courier"/>
+                  </a:rPr>
+                  <a:t>    VarEsP.FE</a:t>
+                </a:r>
+              </a:p>
+              <a:p>
+                <a:pPr lvl="0" indent="0">
+                  <a:buNone/>
+                </a:pPr>
+                <a:r>
+                  <a:rPr>
+                    <a:latin typeface="Courier"/>
+                  </a:rPr>
+                  <a:t>## [1] 0.00989011</a:t>
+                </a:r>
+              </a:p>
+              <a:p>
+                <a:pPr lvl="0" indent="0">
+                  <a:buNone/>
+                </a:pPr>
+                <a:r>
+                  <a:rPr i="1">
+                    <a:solidFill>
+                      <a:srgbClr val="60A0B0"/>
+                    </a:solidFill>
+                    <a:latin typeface="Courier"/>
+                  </a:rPr>
+                  <a:t># Calculate the standard error around estimate</a:t>
+                </a:r>
+                <a:br/>
+                <a:r>
+                  <a:rPr>
+                    <a:latin typeface="Courier"/>
+                  </a:rPr>
+                  <a:t>    SE.EsP.FE </a:t>
+                </a:r>
+                <a:r>
+                  <a:rPr>
+                    <a:solidFill>
+                      <a:srgbClr val="007020"/>
+                    </a:solidFill>
+                    <a:latin typeface="Courier"/>
+                  </a:rPr>
+                  <a:t>&lt;-</a:t>
+                </a:r>
+                <a:r>
+                  <a:rPr>
+                    <a:latin typeface="Courier"/>
+                  </a:rPr>
+                  <a:t> </a:t>
+                </a:r>
+                <a:r>
+                  <a:rPr>
+                    <a:solidFill>
+                      <a:srgbClr val="06287E"/>
+                    </a:solidFill>
+                    <a:latin typeface="Courier"/>
+                  </a:rPr>
+                  <a:t>sqrt</a:t>
+                </a:r>
+                <a:r>
+                  <a:rPr>
+                    <a:latin typeface="Courier"/>
+                  </a:rPr>
+                  <a:t>(VarEsP.FE)</a:t>
+                </a:r>
+                <a:br/>
+                <a:r>
+                  <a:rPr>
+                    <a:latin typeface="Courier"/>
+                  </a:rPr>
+                  <a:t>    SE.EsP.FE</a:t>
+                </a:r>
+              </a:p>
+              <a:p>
+                <a:pPr lvl="0" indent="0">
+                  <a:buNone/>
+                </a:pPr>
+                <a:r>
+                  <a:rPr>
+                    <a:latin typeface="Courier"/>
+                  </a:rPr>
+                  <a:t>## [1] 0.09944903</a:t>
+                </a:r>
+              </a:p>
+            </p:txBody>
+          </p:sp>
+        </mc:Choice>
+      </mc:AlternateContent>
+    </p:spTree>
+  </p:cSld>
+</p:sld>
+</file>
+
+<file path=ppt/slides/slide25.xml><?xml version="1.0" encoding="utf-8"?>
+<p:sld xmlns:a="http://schemas.openxmlformats.org/drawingml/2006/main" xmlns:r="http://schemas.openxmlformats.org/officeDocument/2006/relationships" xmlns:p="http://schemas.openxmlformats.org/presentationml/2006/main">
+  <p:cSld>
+    <p:spTree>
+      <p:nvGrpSpPr>
+        <p:cNvPr id="1" name=""/>
+        <p:cNvGrpSpPr/>
+        <p:nvPr/>
+      </p:nvGrpSpPr>
+      <p:grpSpPr>
+        <a:xfrm>
+          <a:off x="0" y="0"/>
+          <a:ext cx="0" cy="0"/>
+          <a:chOff x="0" y="0"/>
+          <a:chExt cx="0" cy="0"/>
+        </a:xfrm>
+      </p:grpSpPr>
+      <p:sp>
+        <p:nvSpPr>
+          <p:cNvPr id="2" name="Title 1"/>
+          <p:cNvSpPr>
+            <a:spLocks noGrp="1"/>
+          </p:cNvSpPr>
+          <p:nvPr>
+            <p:ph type="title"/>
+          </p:nvPr>
+        </p:nvSpPr>
+        <p:spPr/>
+        <p:txBody>
+          <a:bodyPr/>
+          <a:lstStyle/>
+          <a:p>
+            <a:pPr lvl="0" indent="0" marL="0">
+              <a:buNone/>
+            </a:pPr>
+            <a:r>
+              <a:rPr/>
+              <a:t>Random effect in code</a:t>
+            </a:r>
+          </a:p>
+        </p:txBody>
+      </p:sp>
+      <p:sp>
+        <p:nvSpPr>
+          <p:cNvPr id="3" name="Content Placeholder 2"/>
+          <p:cNvSpPr>
+            <a:spLocks noGrp="1"/>
+          </p:cNvSpPr>
+          <p:nvPr>
+            <p:ph idx="1"/>
+          </p:nvPr>
+        </p:nvSpPr>
+        <p:spPr/>
+        <p:txBody>
+          <a:bodyPr/>
+          <a:lstStyle/>
+          <a:p>
+            <a:pPr lvl="0" indent="0">
+              <a:buNone/>
+            </a:pPr>
+            <a:r>
+              <a:rPr i="1">
+                <a:solidFill>
+                  <a:srgbClr val="60A0B0"/>
+                </a:solidFill>
+                <a:latin typeface="Courier"/>
+              </a:rPr>
+              <a:t># Here adding 0.8 says we want to add 0.8 as the between study variability. In other words, each effect size is sampled from a larger distribution of effect sizes that itself comes from a distribution with a variance of 0.8. </a:t>
+            </a:r>
+            <a:br/>
+            <a:r>
+              <a:rPr>
+                <a:latin typeface="Courier"/>
+              </a:rPr>
+              <a:t>    esRE        </a:t>
+            </a:r>
+            <a:r>
+              <a:rPr>
+                <a:solidFill>
+                  <a:srgbClr val="007020"/>
+                </a:solidFill>
+                <a:latin typeface="Courier"/>
+              </a:rPr>
+              <a:t>&lt;-</a:t>
+            </a:r>
+            <a:r>
+              <a:rPr>
+                <a:latin typeface="Courier"/>
+              </a:rPr>
+              <a:t> </a:t>
+            </a:r>
+            <a:r>
+              <a:rPr>
+                <a:solidFill>
+                  <a:srgbClr val="06287E"/>
+                </a:solidFill>
+                <a:latin typeface="Courier"/>
+              </a:rPr>
+              <a:t>rnorm</a:t>
+            </a:r>
+            <a:r>
+              <a:rPr>
+                <a:latin typeface="Courier"/>
+              </a:rPr>
+              <a:t>(</a:t>
+            </a:r>
+            <a:r>
+              <a:rPr>
+                <a:solidFill>
+                  <a:srgbClr val="06287E"/>
+                </a:solidFill>
+                <a:latin typeface="Courier"/>
+              </a:rPr>
+              <a:t>length</a:t>
+            </a:r>
+            <a:r>
+              <a:rPr>
+                <a:latin typeface="Courier"/>
+              </a:rPr>
+              <a:t>(Ves), </a:t>
+            </a:r>
+            <a:r>
+              <a:rPr>
+                <a:solidFill>
+                  <a:srgbClr val="40A070"/>
+                </a:solidFill>
+                <a:latin typeface="Courier"/>
+              </a:rPr>
+              <a:t>2</a:t>
+            </a:r>
+            <a:r>
+              <a:rPr>
+                <a:latin typeface="Courier"/>
+              </a:rPr>
+              <a:t>, </a:t>
+            </a:r>
+            <a:r>
+              <a:rPr>
+                <a:solidFill>
+                  <a:srgbClr val="06287E"/>
+                </a:solidFill>
+                <a:latin typeface="Courier"/>
+              </a:rPr>
+              <a:t>sqrt</a:t>
+            </a:r>
+            <a:r>
+              <a:rPr>
+                <a:latin typeface="Courier"/>
+              </a:rPr>
+              <a:t>(Ves </a:t>
+            </a:r>
+            <a:r>
+              <a:rPr>
+                <a:solidFill>
+                  <a:srgbClr val="4070A0"/>
+                </a:solidFill>
+                <a:latin typeface="Courier"/>
+              </a:rPr>
+              <a:t>+</a:t>
+            </a:r>
+            <a:r>
+              <a:rPr>
+                <a:latin typeface="Courier"/>
+              </a:rPr>
+              <a:t> </a:t>
+            </a:r>
+            <a:r>
+              <a:rPr>
+                <a:solidFill>
+                  <a:srgbClr val="40A070"/>
+                </a:solidFill>
+                <a:latin typeface="Courier"/>
+              </a:rPr>
+              <a:t>0.8</a:t>
+            </a:r>
+            <a:r>
+              <a:rPr>
+                <a:latin typeface="Courier"/>
+              </a:rPr>
+              <a:t>)) </a:t>
+            </a:r>
+            <a:br/>
+            <a:r>
+              <a:rPr i="1">
+                <a:solidFill>
+                  <a:srgbClr val="60A0B0"/>
+                </a:solidFill>
+                <a:latin typeface="Courier"/>
+              </a:rPr>
+              <a:t># Data for our random effect meta-analysis </a:t>
+            </a:r>
+            <a:br/>
+            <a:r>
+              <a:rPr>
+                <a:latin typeface="Courier"/>
+              </a:rPr>
+              <a:t>    dataRE </a:t>
+            </a:r>
+            <a:r>
+              <a:rPr>
+                <a:solidFill>
+                  <a:srgbClr val="007020"/>
+                </a:solidFill>
+                <a:latin typeface="Courier"/>
+              </a:rPr>
+              <a:t>&lt;-</a:t>
+            </a:r>
+            <a:r>
+              <a:rPr>
+                <a:latin typeface="Courier"/>
+              </a:rPr>
+              <a:t>  </a:t>
+            </a:r>
+            <a:r>
+              <a:rPr>
+                <a:solidFill>
+                  <a:srgbClr val="06287E"/>
+                </a:solidFill>
+                <a:latin typeface="Courier"/>
+              </a:rPr>
+              <a:t>data.frame</a:t>
+            </a:r>
+            <a:r>
+              <a:rPr>
+                <a:latin typeface="Courier"/>
+              </a:rPr>
+              <a:t>(</a:t>
+            </a:r>
+            <a:r>
+              <a:rPr>
+                <a:solidFill>
+                  <a:srgbClr val="7D9029"/>
+                </a:solidFill>
+                <a:latin typeface="Courier"/>
+              </a:rPr>
+              <a:t>stdy =</a:t>
+            </a:r>
+            <a:r>
+              <a:rPr>
+                <a:latin typeface="Courier"/>
+              </a:rPr>
+              <a:t> stdy, esRE, Ves)</a:t>
+            </a:r>
+          </a:p>
+        </p:txBody>
+      </p:sp>
+    </p:spTree>
+  </p:cSld>
+</p:sld>
+</file>
+
+<file path=ppt/slides/slide26.xml><?xml version="1.0" encoding="utf-8"?>
+<p:sld xmlns:a="http://schemas.openxmlformats.org/drawingml/2006/main" xmlns:r="http://schemas.openxmlformats.org/officeDocument/2006/relationships" xmlns:p="http://schemas.openxmlformats.org/presentationml/2006/main">
+  <p:cSld>
+    <p:spTree>
+      <p:nvGrpSpPr>
+        <p:cNvPr id="1" name=""/>
+        <p:cNvGrpSpPr/>
+        <p:nvPr/>
+      </p:nvGrpSpPr>
+      <p:grpSpPr>
+        <a:xfrm>
+          <a:off x="0" y="0"/>
+          <a:ext cx="0" cy="0"/>
+          <a:chOff x="0" y="0"/>
+          <a:chExt cx="0" cy="0"/>
+        </a:xfrm>
+      </p:grpSpPr>
+      <p:sp>
+        <p:nvSpPr>
+          <p:cNvPr id="2" name="Title 1"/>
+          <p:cNvSpPr>
+            <a:spLocks noGrp="1"/>
+          </p:cNvSpPr>
+          <p:nvPr>
+            <p:ph type="title"/>
+          </p:nvPr>
+        </p:nvSpPr>
+        <p:spPr/>
+        <p:txBody>
+          <a:bodyPr/>
+          <a:lstStyle/>
+          <a:p>
+            <a:pPr lvl="0" indent="0" marL="0">
+              <a:buNone/>
+            </a:pPr>
+            <a:r>
+              <a:rPr/>
+              <a:t>Random effect plot</a:t>
+            </a:r>
+          </a:p>
+        </p:txBody>
+      </p:sp>
+      <p:pic>
+        <p:nvPicPr>
+          <p:cNvPr descr="code_slides_files/figure-pptx/fvsr-1.png" id="0" name="Picture 1"/>
+          <p:cNvPicPr>
+            <a:picLocks noGrp="1" noChangeAspect="1"/>
+          </p:cNvPicPr>
+          <p:nvPr/>
+        </p:nvPicPr>
+        <p:blipFill>
+          <a:blip r:embed="rId2"/>
+          <a:stretch>
+            <a:fillRect/>
+          </a:stretch>
+        </p:blipFill>
+        <p:spPr bwMode="auto">
+          <a:xfrm>
+            <a:off x="2768600" y="1193800"/>
+            <a:ext cx="3606800" cy="2882900"/>
+          </a:xfrm>
+          <a:prstGeom prst="rect">
+            <a:avLst/>
+          </a:prstGeom>
+          <a:noFill/>
+          <a:ln w="9525">
+            <a:noFill/>
+            <a:headEnd/>
+            <a:tailEnd/>
+          </a:ln>
+        </p:spPr>
+      </p:pic>
+      <p:sp>
+        <p:nvSpPr>
+          <p:cNvPr id="1" name="TextBox 3"/>
+          <p:cNvSpPr txBox="1"/>
+          <p:nvPr/>
+        </p:nvSpPr>
+        <p:spPr>
+          <a:xfrm>
+            <a:off x="457200" y="4076700"/>
+            <a:ext cx="8229600" cy="508000"/>
+          </a:xfrm>
+          <a:prstGeom prst="rect">
+            <a:avLst/>
+          </a:prstGeom>
+          <a:noFill/>
+        </p:spPr>
+        <p:txBody>
+          <a:bodyPr/>
+          <a:lstStyle/>
+          <a:p>
+            <a:pPr lvl="0" indent="0" marL="0" algn="ctr">
+              <a:buNone/>
+            </a:pPr>
+            <a:r>
+              <a:rPr/>
+              <a:t>Mean (arrows are sampling standard deviation) effect size for each study. Data simulated under a fixed effect model in black and data simulated under a random effect model in red.</a:t>
+            </a:r>
+          </a:p>
+        </p:txBody>
+      </p:sp>
+    </p:spTree>
+  </p:cSld>
+</p:sld>
+</file>
+
+<file path=ppt/slides/slide27.xml><?xml version="1.0" encoding="utf-8"?>
+<p:sld xmlns:a="http://schemas.openxmlformats.org/drawingml/2006/main" xmlns:r="http://schemas.openxmlformats.org/officeDocument/2006/relationships" xmlns:p="http://schemas.openxmlformats.org/presentationml/2006/main">
+  <p:cSld>
+    <p:spTree>
+      <p:nvGrpSpPr>
+        <p:cNvPr id="1" name=""/>
+        <p:cNvGrpSpPr/>
+        <p:nvPr/>
+      </p:nvGrpSpPr>
+      <p:grpSpPr>
+        <a:xfrm>
+          <a:off x="0" y="0"/>
+          <a:ext cx="0" cy="0"/>
+          <a:chOff x="0" y="0"/>
+          <a:chExt cx="0" cy="0"/>
+        </a:xfrm>
+      </p:grpSpPr>
+      <p:sp>
+        <p:nvSpPr>
+          <p:cNvPr id="3" name="Content Placeholder 2"/>
+          <p:cNvSpPr>
+            <a:spLocks noGrp="1"/>
+          </p:cNvSpPr>
+          <p:nvPr>
+            <p:ph idx="1"/>
+          </p:nvPr>
+        </p:nvSpPr>
+        <p:spPr/>
+        <p:txBody>
+          <a:bodyPr/>
+          <a:lstStyle/>
+          <a:p>
+            <a:pPr lvl="0" indent="0" marL="0">
+              <a:buNone/>
+            </a:pPr>
+            <a:r>
+              <a:rPr/>
+              <a:t> ## random effect model</a:t>
+            </a:r>
+          </a:p>
+          <a:p>
+            <a:pPr lvl="0" indent="0">
+              <a:buNone/>
+            </a:pPr>
+            <a:r>
+              <a:rPr>
+                <a:latin typeface="Courier"/>
+              </a:rPr>
+              <a:t>metafor</a:t>
+            </a:r>
+            <a:r>
+              <a:rPr>
+                <a:solidFill>
+                  <a:srgbClr val="4070A0"/>
+                </a:solidFill>
+                <a:latin typeface="Courier"/>
+              </a:rPr>
+              <a:t>::</a:t>
+            </a:r>
+            <a:r>
+              <a:rPr>
+                <a:solidFill>
+                  <a:srgbClr val="06287E"/>
+                </a:solidFill>
+                <a:latin typeface="Courier"/>
+              </a:rPr>
+              <a:t>rma</a:t>
+            </a:r>
+            <a:r>
+              <a:rPr>
+                <a:latin typeface="Courier"/>
+              </a:rPr>
+              <a:t>(</a:t>
+            </a:r>
+            <a:r>
+              <a:rPr>
+                <a:solidFill>
+                  <a:srgbClr val="7D9029"/>
+                </a:solidFill>
+                <a:latin typeface="Courier"/>
+              </a:rPr>
+              <a:t>yi =</a:t>
+            </a:r>
+            <a:r>
+              <a:rPr>
+                <a:latin typeface="Courier"/>
+              </a:rPr>
+              <a:t> esRE, </a:t>
+            </a:r>
+            <a:r>
+              <a:rPr>
+                <a:solidFill>
+                  <a:srgbClr val="7D9029"/>
+                </a:solidFill>
+                <a:latin typeface="Courier"/>
+              </a:rPr>
+              <a:t>vi =</a:t>
+            </a:r>
+            <a:r>
+              <a:rPr>
+                <a:latin typeface="Courier"/>
+              </a:rPr>
+              <a:t> Ves, </a:t>
+            </a:r>
+            <a:r>
+              <a:rPr>
+                <a:solidFill>
+                  <a:srgbClr val="7D9029"/>
+                </a:solidFill>
+                <a:latin typeface="Courier"/>
+              </a:rPr>
+              <a:t>method=</a:t>
+            </a:r>
+            <a:r>
+              <a:rPr>
+                <a:solidFill>
+                  <a:srgbClr val="4070A0"/>
+                </a:solidFill>
+                <a:latin typeface="Courier"/>
+              </a:rPr>
+              <a:t>"DL"</a:t>
+            </a:r>
+            <a:r>
+              <a:rPr>
+                <a:latin typeface="Courier"/>
+              </a:rPr>
+              <a:t>, </a:t>
+            </a:r>
+            <a:r>
+              <a:rPr>
+                <a:solidFill>
+                  <a:srgbClr val="7D9029"/>
+                </a:solidFill>
+                <a:latin typeface="Courier"/>
+              </a:rPr>
+              <a:t>data =</a:t>
+            </a:r>
+            <a:r>
+              <a:rPr>
+                <a:latin typeface="Courier"/>
+              </a:rPr>
+              <a:t> dataRE)</a:t>
+            </a:r>
+          </a:p>
+          <a:p>
+            <a:pPr lvl="0" indent="0">
+              <a:buNone/>
+            </a:pPr>
+            <a:r>
+              <a:rPr>
+                <a:latin typeface="Courier"/>
+              </a:rPr>
+              <a:t>## 
+## Random-Effects Model (k = 5; tau^2 estimator: DL)
+## 
+## tau^2 (estimated amount of total heterogeneity): 0.2947 (SE = 0.2731)
+## tau (square root of estimated tau^2 value):      0.5429
+## I^2 (total heterogeneity / total variability):   83.61%
+## H^2 (total variability / sampling variability):  6.10
+## 
+## Test for Heterogeneity:
+## Q(df = 4) = 24.4015, p-val &lt; .0001
+## 
+## Model Results:
+## 
+## estimate      se    zval    pval   ci.lb   ci.ub     ​ 
+##   2.0163  0.2697  7.4753  &lt;.0001  1.4876  2.5449  *** 
+## 
+## ---
+## Signif. codes:  0 '***' 0.001 '**' 0.01 '*' 0.05 '.' 0.1 ' ' 1</a:t>
+            </a:r>
+          </a:p>
+        </p:txBody>
+      </p:sp>
+    </p:spTree>
+  </p:cSld>
+</p:sld>
+</file>
+
+<file path=ppt/slides/slide28.xml><?xml version="1.0" encoding="utf-8"?>
+<p:sld xmlns:a="http://schemas.openxmlformats.org/drawingml/2006/main" xmlns:r="http://schemas.openxmlformats.org/officeDocument/2006/relationships" xmlns:p="http://schemas.openxmlformats.org/presentationml/2006/main">
+  <p:cSld>
+    <p:spTree>
+      <p:nvGrpSpPr>
+        <p:cNvPr id="1" name=""/>
+        <p:cNvGrpSpPr/>
+        <p:nvPr/>
+      </p:nvGrpSpPr>
+      <p:grpSpPr>
+        <a:xfrm>
+          <a:off x="0" y="0"/>
+          <a:ext cx="0" cy="0"/>
+          <a:chOff x="0" y="0"/>
+          <a:chExt cx="0" cy="0"/>
+        </a:xfrm>
+      </p:grpSpPr>
+      <p:sp>
+        <p:nvSpPr>
+          <p:cNvPr id="2" name="Title 1"/>
+          <p:cNvSpPr>
+            <a:spLocks noGrp="1"/>
+          </p:cNvSpPr>
+          <p:nvPr>
+            <p:ph type="title"/>
+          </p:nvPr>
+        </p:nvSpPr>
+        <p:spPr/>
+        <p:txBody>
+          <a:bodyPr/>
+          <a:lstStyle/>
+          <a:p>
+            <a:pPr lvl="0" indent="0" marL="0">
+              <a:buNone/>
+            </a:pPr>
+            <a:r>
+              <a:rPr/>
+              <a:t>Random by hand</a:t>
+            </a:r>
+          </a:p>
+        </p:txBody>
+      </p:sp>
+      <mc:AlternateContent xmlns:mc="http://schemas.openxmlformats.org/markup-compatibility/2006">
+        <mc:Choice xmlns:a14="http://schemas.microsoft.com/office/drawing/2010/main" Requires="a14">
+          <p:sp>
+            <p:nvSpPr>
+              <p:cNvPr id="3" name="Content Placeholder 2"/>
+              <p:cNvSpPr>
+                <a:spLocks noGrp="1"/>
+              </p:cNvSpPr>
+              <p:nvPr>
+                <p:ph idx="1"/>
+              </p:nvPr>
+            </p:nvSpPr>
+            <p:spPr/>
+            <p:txBody>
+              <a:bodyPr/>
+              <a:lstStyle/>
+              <a:p>
+                <a:pPr lvl="0" indent="0" marL="0">
+                  <a:buNone/>
+                </a:pPr>
+                <a:r>
+                  <a:rPr/>
+                  <a:t>We first need to estimate </a:t>
+                </a:r>
+                <a14:m>
+                  <m:oMath xmlns:m="http://schemas.openxmlformats.org/officeDocument/2006/math">
+                    <m:sSup>
+                      <m:e>
+                        <m:r>
+                          <m:t>τ</m:t>
+                        </m:r>
+                      </m:e>
+                      <m:sup>
+                        <m:r>
+                          <m:t>2</m:t>
+                        </m:r>
+                      </m:sup>
+                    </m:sSup>
+                  </m:oMath>
+                </a14:m>
+                <a:r>
+                  <a:rPr/>
+                  <a:t> or the between-study variance which can be calculated from these equations:</a:t>
+                </a:r>
+              </a:p>
+              <a:p>
+                <a:pPr lvl="0" indent="0" marL="0">
+                  <a:buNone/>
+                </a:pPr>
+                <a14:m>
+                  <m:oMathPara xmlns:m="http://schemas.openxmlformats.org/officeDocument/2006/math">
+                    <m:oMathParaPr>
+                      <m:jc m:val="center"/>
+                    </m:oMathParaPr>
+                    <m:oMath>
+                      <m:sSup>
+                        <m:e>
+                          <m:r>
+                            <m:t>τ</m:t>
+                          </m:r>
+                        </m:e>
+                        <m:sup>
+                          <m:r>
+                            <m:t>2</m:t>
+                          </m:r>
+                        </m:sup>
+                      </m:sSup>
+                      <m:r>
+                        <m:rPr>
+                          <m:sty m:val="p"/>
+                        </m:rPr>
+                        <m:t>=</m:t>
+                      </m:r>
+                      <m:f>
+                        <m:fPr>
+                          <m:type m:val="bar"/>
+                        </m:fPr>
+                        <m:num>
+                          <m:r>
+                            <m:t>Q</m:t>
+                          </m:r>
+                          <m:r>
+                            <m:rPr>
+                              <m:sty m:val="p"/>
+                            </m:rPr>
+                            <m:t>−</m:t>
+                          </m:r>
+                          <m:r>
+                            <m:t>d</m:t>
+                          </m:r>
+                          <m:r>
+                            <m:t>f</m:t>
+                          </m:r>
+                        </m:num>
+                        <m:den>
+                          <m:r>
+                            <m:t>C</m:t>
+                          </m:r>
+                        </m:den>
+                      </m:f>
+                    </m:oMath>
+                  </m:oMathPara>
+                </a14:m>
+              </a:p>
+              <a:p>
+                <a:pPr lvl="0" indent="0" marL="0">
+                  <a:buNone/>
+                </a:pPr>
+                <a:r>
+                  <a:rPr/>
+                  <a:t>where</a:t>
+                </a:r>
+              </a:p>
+              <a:p>
+                <a:pPr lvl="0" indent="0" marL="0">
+                  <a:buNone/>
+                </a:pPr>
+                <a14:m>
+                  <m:oMathPara xmlns:m="http://schemas.openxmlformats.org/officeDocument/2006/math">
+                    <m:oMathParaPr>
+                      <m:jc m:val="center"/>
+                    </m:oMathParaPr>
+                    <m:oMath>
+                      <m:r>
+                        <m:t>Q</m:t>
+                      </m:r>
+                      <m:r>
+                        <m:rPr>
+                          <m:sty m:val="p"/>
+                        </m:rPr>
+                        <m:t>=</m:t>
+                      </m:r>
+                      <m:nary>
+                        <m:naryPr>
+                          <m:chr m:val="∑"/>
+                          <m:limLoc m:val="undOvr"/>
+                          <m:subHide m:val="0"/>
+                          <m:supHide m:val="0"/>
+                        </m:naryPr>
+                        <m:sub>
+                          <m:r>
+                            <m:t>i</m:t>
+                          </m:r>
+                          <m:r>
+                            <m:rPr>
+                              <m:sty m:val="p"/>
+                            </m:rPr>
+                            <m:t>=</m:t>
+                          </m:r>
+                          <m:r>
+                            <m:t>1</m:t>
+                          </m:r>
+                        </m:sub>
+                        <m:sup>
+                          <m:r>
+                            <m:t>k</m:t>
+                          </m:r>
+                        </m:sup>
+                        <m:e>
+                          <m:sSub>
+                            <m:e>
+                              <m:r>
+                                <m:t>W</m:t>
+                              </m:r>
+                            </m:e>
+                            <m:sub>
+                              <m:r>
+                                <m:t>i</m:t>
+                              </m:r>
+                            </m:sub>
+                          </m:sSub>
+                          <m:r>
+                            <m:t>E</m:t>
+                          </m:r>
+                          <m:sSubSup>
+                            <m:e>
+                              <m:r>
+                                <m:t>S</m:t>
+                              </m:r>
+                            </m:e>
+                            <m:sub>
+                              <m:r>
+                                <m:t>i</m:t>
+                              </m:r>
+                            </m:sub>
+                            <m:sup>
+                              <m:r>
+                                <m:t>2</m:t>
+                              </m:r>
+                            </m:sup>
+                          </m:sSubSup>
+                        </m:e>
+                      </m:nary>
+                      <m:r>
+                        <m:rPr>
+                          <m:sty m:val="p"/>
+                        </m:rPr>
+                        <m:t>−</m:t>
+                      </m:r>
+                      <m:f>
+                        <m:fPr>
+                          <m:type m:val="bar"/>
+                        </m:fPr>
+                        <m:num>
+                          <m:sSup>
+                            <m:e>
+                              <m:d>
+                                <m:dPr>
+                                  <m:begChr m:val="("/>
+                                  <m:endChr m:val=")"/>
+                                  <m:sepChr m:val=""/>
+                                  <m:grow/>
+                                </m:dPr>
+                                <m:e>
+                                  <m:nary>
+                                    <m:naryPr>
+                                      <m:chr m:val="∑"/>
+                                      <m:limLoc m:val="undOvr"/>
+                                      <m:subHide m:val="0"/>
+                                      <m:supHide m:val="0"/>
+                                    </m:naryPr>
+                                    <m:sub>
+                                      <m:r>
+                                        <m:t>i</m:t>
+                                      </m:r>
+                                      <m:r>
+                                        <m:rPr>
+                                          <m:sty m:val="p"/>
+                                        </m:rPr>
+                                        <m:t>=</m:t>
+                                      </m:r>
+                                      <m:r>
+                                        <m:t>1</m:t>
+                                      </m:r>
+                                    </m:sub>
+                                    <m:sup>
+                                      <m:r>
+                                        <m:t>k</m:t>
+                                      </m:r>
+                                    </m:sup>
+                                    <m:e>
+                                      <m:sSub>
+                                        <m:e>
+                                          <m:r>
+                                            <m:t>W</m:t>
+                                          </m:r>
+                                        </m:e>
+                                        <m:sub>
+                                          <m:r>
+                                            <m:t>i</m:t>
+                                          </m:r>
+                                        </m:sub>
+                                      </m:sSub>
+                                      <m:r>
+                                        <m:t>E</m:t>
+                                      </m:r>
+                                      <m:sSub>
+                                        <m:e>
+                                          <m:r>
+                                            <m:t>S</m:t>
+                                          </m:r>
+                                        </m:e>
+                                        <m:sub>
+                                          <m:r>
+                                            <m:t>i</m:t>
+                                          </m:r>
+                                        </m:sub>
+                                      </m:sSub>
+                                    </m:e>
+                                  </m:nary>
+                                </m:e>
+                              </m:d>
+                            </m:e>
+                            <m:sup>
+                              <m:r>
+                                <m:t>2</m:t>
+                              </m:r>
+                            </m:sup>
+                          </m:sSup>
+                        </m:num>
+                        <m:den>
+                          <m:nary>
+                            <m:naryPr>
+                              <m:chr m:val="∑"/>
+                              <m:limLoc m:val="undOvr"/>
+                              <m:subHide m:val="0"/>
+                              <m:supHide m:val="0"/>
+                            </m:naryPr>
+                            <m:sub>
+                              <m:r>
+                                <m:t>i</m:t>
+                              </m:r>
+                              <m:r>
+                                <m:rPr>
+                                  <m:sty m:val="p"/>
+                                </m:rPr>
+                                <m:t>=</m:t>
+                              </m:r>
+                              <m:r>
+                                <m:t>1</m:t>
+                              </m:r>
+                            </m:sub>
+                            <m:sup>
+                              <m:r>
+                                <m:t>k</m:t>
+                              </m:r>
+                            </m:sup>
+                            <m:e>
+                              <m:sSub>
+                                <m:e>
+                                  <m:r>
+                                    <m:t>W</m:t>
+                                  </m:r>
+                                </m:e>
+                                <m:sub>
+                                  <m:r>
+                                    <m:t>i</m:t>
+                                  </m:r>
+                                </m:sub>
+                              </m:sSub>
+                            </m:e>
+                          </m:nary>
+                        </m:den>
+                      </m:f>
+                    </m:oMath>
+                  </m:oMathPara>
+                </a14:m>
+              </a:p>
+              <a:p>
+                <a:pPr lvl="0" indent="0" marL="0">
+                  <a:buNone/>
+                </a:pPr>
+                <a14:m>
+                  <m:oMathPara xmlns:m="http://schemas.openxmlformats.org/officeDocument/2006/math">
+                    <m:oMathParaPr>
+                      <m:jc m:val="center"/>
+                    </m:oMathParaPr>
+                    <m:oMath>
+                      <m:r>
+                        <m:t>C</m:t>
+                      </m:r>
+                      <m:r>
+                        <m:rPr>
+                          <m:sty m:val="p"/>
+                        </m:rPr>
+                        <m:t>=</m:t>
+                      </m:r>
+                      <m:r>
+                        <m:rPr>
+                          <m:sty m:val="p"/>
+                        </m:rPr>
+                        <m:t>∑</m:t>
+                      </m:r>
+                      <m:sSub>
+                        <m:e>
+                          <m:r>
+                            <m:t>W</m:t>
+                          </m:r>
+                        </m:e>
+                        <m:sub>
+                          <m:r>
+                            <m:t>i</m:t>
+                          </m:r>
+                        </m:sub>
+                      </m:sSub>
+                      <m:r>
+                        <m:rPr>
+                          <m:sty m:val="p"/>
+                        </m:rPr>
+                        <m:t>−</m:t>
+                      </m:r>
+                      <m:f>
+                        <m:fPr>
+                          <m:type m:val="bar"/>
+                        </m:fPr>
+                        <m:num>
+                          <m:r>
+                            <m:rPr>
+                              <m:sty m:val="p"/>
+                            </m:rPr>
+                            <m:t>∑</m:t>
+                          </m:r>
+                          <m:sSubSup>
+                            <m:e>
+                              <m:r>
+                                <m:t>W</m:t>
+                              </m:r>
+                            </m:e>
+                            <m:sub>
+                              <m:r>
+                                <m:t>i</m:t>
+                              </m:r>
+                            </m:sub>
+                            <m:sup>
+                              <m:r>
+                                <m:t>2</m:t>
+                              </m:r>
+                            </m:sup>
+                          </m:sSubSup>
+                        </m:num>
+                        <m:den>
+                          <m:r>
+                            <m:rPr>
+                              <m:sty m:val="p"/>
+                            </m:rPr>
+                            <m:t>∑</m:t>
+                          </m:r>
+                          <m:sSub>
+                            <m:e>
+                              <m:r>
+                                <m:t>W</m:t>
+                              </m:r>
+                            </m:e>
+                            <m:sub>
+                              <m:r>
+                                <m:t>i</m:t>
+                              </m:r>
+                            </m:sub>
+                          </m:sSub>
+                        </m:den>
+                      </m:f>
+                    </m:oMath>
+                  </m:oMathPara>
+                </a14:m>
+              </a:p>
+            </p:txBody>
+          </p:sp>
+        </mc:Choice>
+      </mc:AlternateContent>
+    </p:spTree>
+  </p:cSld>
+</p:sld>
+</file>
+
+<file path=ppt/slides/slide29.xml><?xml version="1.0" encoding="utf-8"?>
+<p:sld xmlns:a="http://schemas.openxmlformats.org/drawingml/2006/main" xmlns:r="http://schemas.openxmlformats.org/officeDocument/2006/relationships" xmlns:p="http://schemas.openxmlformats.org/presentationml/2006/main">
+  <p:cSld>
+    <p:spTree>
+      <p:nvGrpSpPr>
+        <p:cNvPr id="1" name=""/>
+        <p:cNvGrpSpPr/>
+        <p:nvPr/>
+      </p:nvGrpSpPr>
+      <p:grpSpPr>
+        <a:xfrm>
+          <a:off x="0" y="0"/>
+          <a:ext cx="0" cy="0"/>
+          <a:chOff x="0" y="0"/>
+          <a:chExt cx="0" cy="0"/>
+        </a:xfrm>
+      </p:grpSpPr>
+      <p:sp>
+        <p:nvSpPr>
+          <p:cNvPr id="2" name="Title 1"/>
+          <p:cNvSpPr>
+            <a:spLocks noGrp="1"/>
+          </p:cNvSpPr>
+          <p:nvPr>
+            <p:ph type="title"/>
+          </p:nvPr>
+        </p:nvSpPr>
+        <p:spPr/>
+        <p:txBody>
+          <a:bodyPr/>
+          <a:lstStyle/>
+          <a:p>
+            <a:pPr lvl="0" indent="0" marL="0">
+              <a:buNone/>
+            </a:pPr>
+            <a:r>
+              <a:rPr/>
+              <a:t>Random effect by hand 2</a:t>
+            </a:r>
+          </a:p>
+        </p:txBody>
+      </p:sp>
+      <p:sp>
+        <p:nvSpPr>
+          <p:cNvPr id="3" name="Content Placeholder 2"/>
+          <p:cNvSpPr>
+            <a:spLocks noGrp="1"/>
+          </p:cNvSpPr>
+          <p:nvPr>
+            <p:ph idx="1"/>
+          </p:nvPr>
+        </p:nvSpPr>
+        <p:spPr/>
+        <p:txBody>
+          <a:bodyPr/>
+          <a:lstStyle/>
+          <a:p>
+            <a:pPr lvl="0" indent="0">
+              <a:buNone/>
+            </a:pPr>
+            <a:r>
+              <a:rPr i="1">
+                <a:solidFill>
+                  <a:srgbClr val="60A0B0"/>
+                </a:solidFill>
+                <a:latin typeface="Courier"/>
+              </a:rPr>
+              <a:t># Calculate our Q statistic again</a:t>
+            </a:r>
+            <a:br/>
+            <a:r>
+              <a:rPr>
+                <a:latin typeface="Courier"/>
+              </a:rPr>
+              <a:t>    Q </a:t>
+            </a:r>
+            <a:r>
+              <a:rPr>
+                <a:solidFill>
+                  <a:srgbClr val="007020"/>
+                </a:solidFill>
+                <a:latin typeface="Courier"/>
+              </a:rPr>
+              <a:t>&lt;-</a:t>
+            </a:r>
+            <a:r>
+              <a:rPr>
+                <a:latin typeface="Courier"/>
+              </a:rPr>
+              <a:t> </a:t>
+            </a:r>
+            <a:r>
+              <a:rPr>
+                <a:solidFill>
+                  <a:srgbClr val="06287E"/>
+                </a:solidFill>
+                <a:latin typeface="Courier"/>
+              </a:rPr>
+              <a:t>sum</a:t>
+            </a:r>
+            <a:r>
+              <a:rPr>
+                <a:latin typeface="Courier"/>
+              </a:rPr>
+              <a:t>(W</a:t>
+            </a:r>
+            <a:r>
+              <a:rPr>
+                <a:solidFill>
+                  <a:srgbClr val="4070A0"/>
+                </a:solidFill>
+                <a:latin typeface="Courier"/>
+              </a:rPr>
+              <a:t>*</a:t>
+            </a:r>
+            <a:r>
+              <a:rPr>
+                <a:latin typeface="Courier"/>
+              </a:rPr>
+              <a:t>(dataRE</a:t>
+            </a:r>
+            <a:r>
+              <a:rPr>
+                <a:solidFill>
+                  <a:srgbClr val="4070A0"/>
+                </a:solidFill>
+                <a:latin typeface="Courier"/>
+              </a:rPr>
+              <a:t>$</a:t>
+            </a:r>
+            <a:r>
+              <a:rPr>
+                <a:latin typeface="Courier"/>
+              </a:rPr>
+              <a:t>es</a:t>
+            </a:r>
+            <a:r>
+              <a:rPr>
+                <a:solidFill>
+                  <a:srgbClr val="4070A0"/>
+                </a:solidFill>
+                <a:latin typeface="Courier"/>
+              </a:rPr>
+              <a:t>^</a:t>
+            </a:r>
+            <a:r>
+              <a:rPr>
+                <a:solidFill>
+                  <a:srgbClr val="40A070"/>
+                </a:solidFill>
+                <a:latin typeface="Courier"/>
+              </a:rPr>
+              <a:t>2</a:t>
+            </a:r>
+            <a:r>
+              <a:rPr>
+                <a:latin typeface="Courier"/>
+              </a:rPr>
+              <a:t>) ) </a:t>
+            </a:r>
+            <a:r>
+              <a:rPr>
+                <a:solidFill>
+                  <a:srgbClr val="4070A0"/>
+                </a:solidFill>
+                <a:latin typeface="Courier"/>
+              </a:rPr>
+              <a:t>-</a:t>
+            </a:r>
+            <a:r>
+              <a:rPr>
+                <a:latin typeface="Courier"/>
+              </a:rPr>
+              <a:t> (</a:t>
+            </a:r>
+            <a:r>
+              <a:rPr>
+                <a:solidFill>
+                  <a:srgbClr val="06287E"/>
+                </a:solidFill>
+                <a:latin typeface="Courier"/>
+              </a:rPr>
+              <a:t>sum</a:t>
+            </a:r>
+            <a:r>
+              <a:rPr>
+                <a:latin typeface="Courier"/>
+              </a:rPr>
+              <a:t>(W</a:t>
+            </a:r>
+            <a:r>
+              <a:rPr>
+                <a:solidFill>
+                  <a:srgbClr val="4070A0"/>
+                </a:solidFill>
+                <a:latin typeface="Courier"/>
+              </a:rPr>
+              <a:t>*</a:t>
+            </a:r>
+            <a:r>
+              <a:rPr>
+                <a:latin typeface="Courier"/>
+              </a:rPr>
+              <a:t>dataRE</a:t>
+            </a:r>
+            <a:r>
+              <a:rPr>
+                <a:solidFill>
+                  <a:srgbClr val="4070A0"/>
+                </a:solidFill>
+                <a:latin typeface="Courier"/>
+              </a:rPr>
+              <a:t>$</a:t>
+            </a:r>
+            <a:r>
+              <a:rPr>
+                <a:latin typeface="Courier"/>
+              </a:rPr>
+              <a:t>es)</a:t>
+            </a:r>
+            <a:r>
+              <a:rPr>
+                <a:solidFill>
+                  <a:srgbClr val="4070A0"/>
+                </a:solidFill>
+                <a:latin typeface="Courier"/>
+              </a:rPr>
+              <a:t>^</a:t>
+            </a:r>
+            <a:r>
+              <a:rPr>
+                <a:solidFill>
+                  <a:srgbClr val="40A070"/>
+                </a:solidFill>
+                <a:latin typeface="Courier"/>
+              </a:rPr>
+              <a:t>2</a:t>
+            </a:r>
+            <a:r>
+              <a:rPr>
+                <a:latin typeface="Courier"/>
+              </a:rPr>
+              <a:t> </a:t>
+            </a:r>
+            <a:r>
+              <a:rPr>
+                <a:solidFill>
+                  <a:srgbClr val="4070A0"/>
+                </a:solidFill>
+                <a:latin typeface="Courier"/>
+              </a:rPr>
+              <a:t>/</a:t>
+            </a:r>
+            <a:r>
+              <a:rPr>
+                <a:latin typeface="Courier"/>
+              </a:rPr>
+              <a:t> </a:t>
+            </a:r>
+            <a:r>
+              <a:rPr>
+                <a:solidFill>
+                  <a:srgbClr val="06287E"/>
+                </a:solidFill>
+                <a:latin typeface="Courier"/>
+              </a:rPr>
+              <a:t>sum</a:t>
+            </a:r>
+            <a:r>
+              <a:rPr>
+                <a:latin typeface="Courier"/>
+              </a:rPr>
+              <a:t>(W))</a:t>
+            </a:r>
+            <a:br/>
+            <a:r>
+              <a:rPr>
+                <a:latin typeface="Courier"/>
+              </a:rPr>
+              <a:t>    Q</a:t>
+            </a:r>
+          </a:p>
+          <a:p>
+            <a:pPr lvl="0" indent="0">
+              <a:buNone/>
+            </a:pPr>
+            <a:r>
+              <a:rPr>
+                <a:latin typeface="Courier"/>
+              </a:rPr>
+              <a:t>## [1] 24.40149</a:t>
+            </a:r>
+          </a:p>
+          <a:p>
+            <a:pPr lvl="0" indent="0">
+              <a:buNone/>
+            </a:pPr>
+            <a:r>
+              <a:rPr i="1">
+                <a:solidFill>
+                  <a:srgbClr val="60A0B0"/>
+                </a:solidFill>
+                <a:latin typeface="Courier"/>
+              </a:rPr>
+              <a:t># Calculate tau2</a:t>
+            </a:r>
+            <a:br/>
+            <a:r>
+              <a:rPr>
+                <a:latin typeface="Courier"/>
+              </a:rPr>
+              <a:t>    C </a:t>
+            </a:r>
+            <a:r>
+              <a:rPr>
+                <a:solidFill>
+                  <a:srgbClr val="007020"/>
+                </a:solidFill>
+                <a:latin typeface="Courier"/>
+              </a:rPr>
+              <a:t>&lt;-</a:t>
+            </a:r>
+            <a:r>
+              <a:rPr>
+                <a:latin typeface="Courier"/>
+              </a:rPr>
+              <a:t> </a:t>
+            </a:r>
+            <a:r>
+              <a:rPr>
+                <a:solidFill>
+                  <a:srgbClr val="06287E"/>
+                </a:solidFill>
+                <a:latin typeface="Courier"/>
+              </a:rPr>
+              <a:t>sum</a:t>
+            </a:r>
+            <a:r>
+              <a:rPr>
+                <a:latin typeface="Courier"/>
+              </a:rPr>
+              <a:t>(W) </a:t>
+            </a:r>
+            <a:r>
+              <a:rPr>
+                <a:solidFill>
+                  <a:srgbClr val="4070A0"/>
+                </a:solidFill>
+                <a:latin typeface="Courier"/>
+              </a:rPr>
+              <a:t>-</a:t>
+            </a:r>
+            <a:r>
+              <a:rPr>
+                <a:latin typeface="Courier"/>
+              </a:rPr>
+              <a:t> ((</a:t>
+            </a:r>
+            <a:r>
+              <a:rPr>
+                <a:solidFill>
+                  <a:srgbClr val="06287E"/>
+                </a:solidFill>
+                <a:latin typeface="Courier"/>
+              </a:rPr>
+              <a:t>sum</a:t>
+            </a:r>
+            <a:r>
+              <a:rPr>
+                <a:latin typeface="Courier"/>
+              </a:rPr>
+              <a:t>(W</a:t>
+            </a:r>
+            <a:r>
+              <a:rPr>
+                <a:solidFill>
+                  <a:srgbClr val="4070A0"/>
+                </a:solidFill>
+                <a:latin typeface="Courier"/>
+              </a:rPr>
+              <a:t>^</a:t>
+            </a:r>
+            <a:r>
+              <a:rPr>
+                <a:solidFill>
+                  <a:srgbClr val="40A070"/>
+                </a:solidFill>
+                <a:latin typeface="Courier"/>
+              </a:rPr>
+              <a:t>2</a:t>
+            </a:r>
+            <a:r>
+              <a:rPr>
+                <a:latin typeface="Courier"/>
+              </a:rPr>
+              <a:t>))</a:t>
+            </a:r>
+            <a:r>
+              <a:rPr>
+                <a:solidFill>
+                  <a:srgbClr val="4070A0"/>
+                </a:solidFill>
+                <a:latin typeface="Courier"/>
+              </a:rPr>
+              <a:t>/</a:t>
+            </a:r>
+            <a:r>
+              <a:rPr>
+                <a:solidFill>
+                  <a:srgbClr val="06287E"/>
+                </a:solidFill>
+                <a:latin typeface="Courier"/>
+              </a:rPr>
+              <a:t>sum</a:t>
+            </a:r>
+            <a:r>
+              <a:rPr>
+                <a:latin typeface="Courier"/>
+              </a:rPr>
+              <a:t>(W))</a:t>
+            </a:r>
+            <a:br/>
+            <a:r>
+              <a:rPr>
+                <a:latin typeface="Courier"/>
+              </a:rPr>
+              <a:t>    C</a:t>
+            </a:r>
+          </a:p>
+          <a:p>
+            <a:pPr lvl="0" indent="0">
+              <a:buNone/>
+            </a:pPr>
+            <a:r>
+              <a:rPr>
+                <a:latin typeface="Courier"/>
+              </a:rPr>
+              <a:t>## [1] 69.23077</a:t>
+            </a:r>
+          </a:p>
+          <a:p>
+            <a:pPr lvl="0" indent="0">
+              <a:buNone/>
+            </a:pPr>
+            <a:r>
+              <a:rPr i="1">
+                <a:solidFill>
+                  <a:srgbClr val="60A0B0"/>
+                </a:solidFill>
+                <a:latin typeface="Courier"/>
+              </a:rPr>
+              <a:t># Calculate df</a:t>
+            </a:r>
+            <a:br/>
+            <a:r>
+              <a:rPr>
+                <a:latin typeface="Courier"/>
+              </a:rPr>
+              <a:t>    df </a:t>
+            </a:r>
+            <a:r>
+              <a:rPr>
+                <a:solidFill>
+                  <a:srgbClr val="007020"/>
+                </a:solidFill>
+                <a:latin typeface="Courier"/>
+              </a:rPr>
+              <a:t>&lt;-</a:t>
+            </a:r>
+            <a:r>
+              <a:rPr>
+                <a:latin typeface="Courier"/>
+              </a:rPr>
+              <a:t> </a:t>
+            </a:r>
+            <a:r>
+              <a:rPr>
+                <a:solidFill>
+                  <a:srgbClr val="06287E"/>
+                </a:solidFill>
+                <a:latin typeface="Courier"/>
+              </a:rPr>
+              <a:t>nrow</a:t>
+            </a:r>
+            <a:r>
+              <a:rPr>
+                <a:latin typeface="Courier"/>
+              </a:rPr>
+              <a:t>(dataRE) </a:t>
+            </a:r>
+            <a:r>
+              <a:rPr>
+                <a:solidFill>
+                  <a:srgbClr val="4070A0"/>
+                </a:solidFill>
+                <a:latin typeface="Courier"/>
+              </a:rPr>
+              <a:t>-</a:t>
+            </a:r>
+            <a:r>
+              <a:rPr>
+                <a:latin typeface="Courier"/>
+              </a:rPr>
+              <a:t> </a:t>
+            </a:r>
+            <a:r>
+              <a:rPr>
+                <a:solidFill>
+                  <a:srgbClr val="40A070"/>
+                </a:solidFill>
+                <a:latin typeface="Courier"/>
+              </a:rPr>
+              <a:t>1</a:t>
+            </a:r>
+            <a:r>
+              <a:rPr>
+                <a:latin typeface="Courier"/>
+              </a:rPr>
+              <a:t>   </a:t>
+            </a:r>
+            <a:br/>
+            <a:r>
+              <a:rPr>
+                <a:latin typeface="Courier"/>
+              </a:rPr>
+              <a:t>    T2 </a:t>
+            </a:r>
+            <a:r>
+              <a:rPr>
+                <a:solidFill>
+                  <a:srgbClr val="007020"/>
+                </a:solidFill>
+                <a:latin typeface="Courier"/>
+              </a:rPr>
+              <a:t>&lt;-</a:t>
+            </a:r>
+            <a:r>
+              <a:rPr>
+                <a:latin typeface="Courier"/>
+              </a:rPr>
+              <a:t> (Q </a:t>
+            </a:r>
+            <a:r>
+              <a:rPr>
+                <a:solidFill>
+                  <a:srgbClr val="4070A0"/>
+                </a:solidFill>
+                <a:latin typeface="Courier"/>
+              </a:rPr>
+              <a:t>-</a:t>
+            </a:r>
+            <a:r>
+              <a:rPr>
+                <a:latin typeface="Courier"/>
+              </a:rPr>
+              <a:t> df) </a:t>
+            </a:r>
+            <a:r>
+              <a:rPr>
+                <a:solidFill>
+                  <a:srgbClr val="4070A0"/>
+                </a:solidFill>
+                <a:latin typeface="Courier"/>
+              </a:rPr>
+              <a:t>/</a:t>
+            </a:r>
+            <a:r>
+              <a:rPr>
+                <a:latin typeface="Courier"/>
+              </a:rPr>
+              <a:t> C</a:t>
+            </a:r>
+            <a:br/>
+            <a:r>
+              <a:rPr>
+                <a:latin typeface="Courier"/>
+              </a:rPr>
+              <a:t>    T2</a:t>
+            </a:r>
+          </a:p>
+          <a:p>
+            <a:pPr lvl="0" indent="0">
+              <a:buNone/>
+            </a:pPr>
+            <a:r>
+              <a:rPr>
+                <a:latin typeface="Courier"/>
+              </a:rPr>
+              <a:t>## [1] 0.2946883</a:t>
+            </a:r>
+          </a:p>
+        </p:txBody>
+      </p:sp>
+    </p:spTree>
+  </p:cSld>
+</p:sld>
+</file>
+
 <file path=ppt/slides/slide3.xml><?xml version="1.0" encoding="utf-8"?>
 <p:sld xmlns:a="http://schemas.openxmlformats.org/drawingml/2006/main" xmlns:r="http://schemas.openxmlformats.org/officeDocument/2006/relationships" xmlns:p="http://schemas.openxmlformats.org/presentationml/2006/main">
   <p:cSld>
@@ -8036,7 +11009,7 @@
               <a:rPr>
                 <a:latin typeface="Courier"/>
               </a:rPr>
-              <a:t>## [1] 0.4488822</a:t>
+              <a:t>## [1] 0.2004822</a:t>
             </a:r>
           </a:p>
           <a:p>
@@ -8071,13 +11044,490 @@
 ##  Welch Two Sample t-test
 ## 
 ## data:  trt_26C and trt_8C
-## t = 3.3675, df = 14.857, p-value = 0.004279
+## t = 1.3226, df = 10.893, p-value = 0.2131
 ## alternative hypothesis: true difference in means is not equal to 0
 ## 95 percent confidence interval:
-##  0.1645284 0.7332360
+##  -0.1335494  0.5345138
 ## sample estimates:
 ## mean of x mean of y 
-## 0.6295455 0.1806633</a:t>
+## 0.5349029 0.3344207</a:t>
+            </a:r>
+          </a:p>
+        </p:txBody>
+      </p:sp>
+    </p:spTree>
+  </p:cSld>
+</p:sld>
+</file>
+
+<file path=ppt/slides/slide30.xml><?xml version="1.0" encoding="utf-8"?>
+<p:sld xmlns:a="http://schemas.openxmlformats.org/drawingml/2006/main" xmlns:r="http://schemas.openxmlformats.org/officeDocument/2006/relationships" xmlns:p="http://schemas.openxmlformats.org/presentationml/2006/main">
+  <p:cSld>
+    <p:spTree>
+      <p:nvGrpSpPr>
+        <p:cNvPr id="1" name=""/>
+        <p:cNvGrpSpPr/>
+        <p:nvPr/>
+      </p:nvGrpSpPr>
+      <p:grpSpPr>
+        <a:xfrm>
+          <a:off x="0" y="0"/>
+          <a:ext cx="0" cy="0"/>
+          <a:chOff x="0" y="0"/>
+          <a:chExt cx="0" cy="0"/>
+        </a:xfrm>
+      </p:grpSpPr>
+      <p:sp>
+        <p:nvSpPr>
+          <p:cNvPr id="2" name="Title 1"/>
+          <p:cNvSpPr>
+            <a:spLocks noGrp="1"/>
+          </p:cNvSpPr>
+          <p:nvPr>
+            <p:ph type="title"/>
+          </p:nvPr>
+        </p:nvSpPr>
+        <p:spPr/>
+        <p:txBody>
+          <a:bodyPr/>
+          <a:lstStyle/>
+          <a:p>
+            <a:pPr lvl="0" indent="0" marL="0">
+              <a:buNone/>
+            </a:pPr>
+            <a:r>
+              <a:rPr/>
+              <a:t>Now that we have tau2 lets do the meta-analysis</a:t>
+            </a:r>
+          </a:p>
+        </p:txBody>
+      </p:sp>
+      <p:sp>
+        <p:nvSpPr>
+          <p:cNvPr id="3" name="Content Placeholder 2"/>
+          <p:cNvSpPr>
+            <a:spLocks noGrp="1"/>
+          </p:cNvSpPr>
+          <p:nvPr>
+            <p:ph idx="1"/>
+          </p:nvPr>
+        </p:nvSpPr>
+        <p:spPr/>
+        <p:txBody>
+          <a:bodyPr/>
+          <a:lstStyle/>
+          <a:p>
+            <a:pPr lvl="0" indent="0" marL="0">
+              <a:buNone/>
+            </a:pPr>
+            <a:r>
+              <a:rPr/>
+              <a:t>Remember, things are the same but the weighting is different now.</a:t>
+            </a:r>
+          </a:p>
+          <a:p>
+            <a:pPr lvl="0" indent="0">
+              <a:buNone/>
+            </a:pPr>
+            <a:r>
+              <a:rPr>
+                <a:latin typeface="Courier"/>
+              </a:rPr>
+              <a:t>    </a:t>
+            </a:r>
+            <a:r>
+              <a:rPr i="1">
+                <a:solidFill>
+                  <a:srgbClr val="60A0B0"/>
+                </a:solidFill>
+                <a:latin typeface="Courier"/>
+              </a:rPr>
+              <a:t># RE weights</a:t>
+            </a:r>
+            <a:br/>
+            <a:r>
+              <a:rPr>
+                <a:latin typeface="Courier"/>
+              </a:rPr>
+              <a:t>      W.re </a:t>
+            </a:r>
+            <a:r>
+              <a:rPr>
+                <a:solidFill>
+                  <a:srgbClr val="007020"/>
+                </a:solidFill>
+                <a:latin typeface="Courier"/>
+              </a:rPr>
+              <a:t>&lt;-</a:t>
+            </a:r>
+            <a:r>
+              <a:rPr>
+                <a:latin typeface="Courier"/>
+              </a:rPr>
+              <a:t> </a:t>
+            </a:r>
+            <a:r>
+              <a:rPr>
+                <a:solidFill>
+                  <a:srgbClr val="40A070"/>
+                </a:solidFill>
+                <a:latin typeface="Courier"/>
+              </a:rPr>
+              <a:t>1</a:t>
+            </a:r>
+            <a:r>
+              <a:rPr>
+                <a:latin typeface="Courier"/>
+              </a:rPr>
+              <a:t> </a:t>
+            </a:r>
+            <a:r>
+              <a:rPr>
+                <a:solidFill>
+                  <a:srgbClr val="4070A0"/>
+                </a:solidFill>
+                <a:latin typeface="Courier"/>
+              </a:rPr>
+              <a:t>/</a:t>
+            </a:r>
+            <a:r>
+              <a:rPr>
+                <a:latin typeface="Courier"/>
+              </a:rPr>
+              <a:t> (T2 </a:t>
+            </a:r>
+            <a:r>
+              <a:rPr>
+                <a:solidFill>
+                  <a:srgbClr val="4070A0"/>
+                </a:solidFill>
+                <a:latin typeface="Courier"/>
+              </a:rPr>
+              <a:t>+</a:t>
+            </a:r>
+            <a:r>
+              <a:rPr>
+                <a:latin typeface="Courier"/>
+              </a:rPr>
+              <a:t> dataRE</a:t>
+            </a:r>
+            <a:r>
+              <a:rPr>
+                <a:solidFill>
+                  <a:srgbClr val="4070A0"/>
+                </a:solidFill>
+                <a:latin typeface="Courier"/>
+              </a:rPr>
+              <a:t>$</a:t>
+            </a:r>
+            <a:r>
+              <a:rPr>
+                <a:latin typeface="Courier"/>
+              </a:rPr>
+              <a:t>Ves)</a:t>
+            </a:r>
+            <a:br/>
+            <a:r>
+              <a:rPr>
+                <a:latin typeface="Courier"/>
+              </a:rPr>
+              <a:t>    </a:t>
+            </a:r>
+            <a:br/>
+            <a:r>
+              <a:rPr>
+                <a:latin typeface="Courier"/>
+              </a:rPr>
+              <a:t>    </a:t>
+            </a:r>
+            <a:r>
+              <a:rPr i="1">
+                <a:solidFill>
+                  <a:srgbClr val="60A0B0"/>
+                </a:solidFill>
+                <a:latin typeface="Courier"/>
+              </a:rPr>
+              <a:t>#Pooled effect size for random effect meta-analysis</a:t>
+            </a:r>
+            <a:br/>
+            <a:r>
+              <a:rPr>
+                <a:latin typeface="Courier"/>
+              </a:rPr>
+              <a:t>      esPoolRE  </a:t>
+            </a:r>
+            <a:r>
+              <a:rPr>
+                <a:solidFill>
+                  <a:srgbClr val="007020"/>
+                </a:solidFill>
+                <a:latin typeface="Courier"/>
+              </a:rPr>
+              <a:t>&lt;-</a:t>
+            </a:r>
+            <a:r>
+              <a:rPr>
+                <a:latin typeface="Courier"/>
+              </a:rPr>
+              <a:t> </a:t>
+            </a:r>
+            <a:r>
+              <a:rPr>
+                <a:solidFill>
+                  <a:srgbClr val="06287E"/>
+                </a:solidFill>
+                <a:latin typeface="Courier"/>
+              </a:rPr>
+              <a:t>sum</a:t>
+            </a:r>
+            <a:r>
+              <a:rPr>
+                <a:latin typeface="Courier"/>
+              </a:rPr>
+              <a:t>(W.re</a:t>
+            </a:r>
+            <a:r>
+              <a:rPr>
+                <a:solidFill>
+                  <a:srgbClr val="4070A0"/>
+                </a:solidFill>
+                <a:latin typeface="Courier"/>
+              </a:rPr>
+              <a:t>*</a:t>
+            </a:r>
+            <a:r>
+              <a:rPr>
+                <a:latin typeface="Courier"/>
+              </a:rPr>
+              <a:t>dataRE</a:t>
+            </a:r>
+            <a:r>
+              <a:rPr>
+                <a:solidFill>
+                  <a:srgbClr val="4070A0"/>
+                </a:solidFill>
+                <a:latin typeface="Courier"/>
+              </a:rPr>
+              <a:t>$</a:t>
+            </a:r>
+            <a:r>
+              <a:rPr>
+                <a:latin typeface="Courier"/>
+              </a:rPr>
+              <a:t>es) </a:t>
+            </a:r>
+            <a:r>
+              <a:rPr>
+                <a:solidFill>
+                  <a:srgbClr val="4070A0"/>
+                </a:solidFill>
+                <a:latin typeface="Courier"/>
+              </a:rPr>
+              <a:t>/</a:t>
+            </a:r>
+            <a:r>
+              <a:rPr>
+                <a:latin typeface="Courier"/>
+              </a:rPr>
+              <a:t> </a:t>
+            </a:r>
+            <a:r>
+              <a:rPr>
+                <a:solidFill>
+                  <a:srgbClr val="06287E"/>
+                </a:solidFill>
+                <a:latin typeface="Courier"/>
+              </a:rPr>
+              <a:t>sum</a:t>
+            </a:r>
+            <a:r>
+              <a:rPr>
+                <a:latin typeface="Courier"/>
+              </a:rPr>
+              <a:t>(W.re) </a:t>
+            </a:r>
+            <a:br/>
+            <a:r>
+              <a:rPr>
+                <a:latin typeface="Courier"/>
+              </a:rPr>
+              <a:t>      esPoolRE</a:t>
+            </a:r>
+          </a:p>
+          <a:p>
+            <a:pPr lvl="0" indent="0">
+              <a:buNone/>
+            </a:pPr>
+            <a:r>
+              <a:rPr>
+                <a:latin typeface="Courier"/>
+              </a:rPr>
+              <a:t>## [1] 2.016261</a:t>
+            </a:r>
+          </a:p>
+          <a:p>
+            <a:pPr lvl="0" indent="0">
+              <a:buNone/>
+            </a:pPr>
+            <a:r>
+              <a:rPr>
+                <a:latin typeface="Courier"/>
+              </a:rPr>
+              <a:t>    </a:t>
+            </a:r>
+            <a:r>
+              <a:rPr i="1">
+                <a:solidFill>
+                  <a:srgbClr val="60A0B0"/>
+                </a:solidFill>
+                <a:latin typeface="Courier"/>
+              </a:rPr>
+              <a:t># Calculate the pooled variance around estimate</a:t>
+            </a:r>
+            <a:br/>
+            <a:r>
+              <a:rPr>
+                <a:latin typeface="Courier"/>
+              </a:rPr>
+              <a:t>       VarES </a:t>
+            </a:r>
+            <a:r>
+              <a:rPr>
+                <a:solidFill>
+                  <a:srgbClr val="007020"/>
+                </a:solidFill>
+                <a:latin typeface="Courier"/>
+              </a:rPr>
+              <a:t>&lt;-</a:t>
+            </a:r>
+            <a:r>
+              <a:rPr>
+                <a:latin typeface="Courier"/>
+              </a:rPr>
+              <a:t> </a:t>
+            </a:r>
+            <a:r>
+              <a:rPr>
+                <a:solidFill>
+                  <a:srgbClr val="40A070"/>
+                </a:solidFill>
+                <a:latin typeface="Courier"/>
+              </a:rPr>
+              <a:t>1</a:t>
+            </a:r>
+            <a:r>
+              <a:rPr>
+                <a:latin typeface="Courier"/>
+              </a:rPr>
+              <a:t> </a:t>
+            </a:r>
+            <a:r>
+              <a:rPr>
+                <a:solidFill>
+                  <a:srgbClr val="4070A0"/>
+                </a:solidFill>
+                <a:latin typeface="Courier"/>
+              </a:rPr>
+              <a:t>/</a:t>
+            </a:r>
+            <a:r>
+              <a:rPr>
+                <a:latin typeface="Courier"/>
+              </a:rPr>
+              <a:t> </a:t>
+            </a:r>
+            <a:r>
+              <a:rPr>
+                <a:solidFill>
+                  <a:srgbClr val="06287E"/>
+                </a:solidFill>
+                <a:latin typeface="Courier"/>
+              </a:rPr>
+              <a:t>sum</a:t>
+            </a:r>
+            <a:r>
+              <a:rPr>
+                <a:latin typeface="Courier"/>
+              </a:rPr>
+              <a:t>(W.re)</a:t>
+            </a:r>
+            <a:br/>
+            <a:r>
+              <a:rPr>
+                <a:latin typeface="Courier"/>
+              </a:rPr>
+              <a:t>    </a:t>
+            </a:r>
+            <a:br/>
+            <a:r>
+              <a:rPr>
+                <a:latin typeface="Courier"/>
+              </a:rPr>
+              <a:t>    </a:t>
+            </a:r>
+            <a:r>
+              <a:rPr i="1">
+                <a:solidFill>
+                  <a:srgbClr val="60A0B0"/>
+                </a:solidFill>
+                <a:latin typeface="Courier"/>
+              </a:rPr>
+              <a:t># Calculate the standard error around estimate</a:t>
+            </a:r>
+            <a:br/>
+            <a:r>
+              <a:rPr>
+                <a:latin typeface="Courier"/>
+              </a:rPr>
+              <a:t>       SE.ES.RE </a:t>
+            </a:r>
+            <a:r>
+              <a:rPr>
+                <a:solidFill>
+                  <a:srgbClr val="007020"/>
+                </a:solidFill>
+                <a:latin typeface="Courier"/>
+              </a:rPr>
+              <a:t>&lt;-</a:t>
+            </a:r>
+            <a:r>
+              <a:rPr>
+                <a:latin typeface="Courier"/>
+              </a:rPr>
+              <a:t> </a:t>
+            </a:r>
+            <a:r>
+              <a:rPr>
+                <a:solidFill>
+                  <a:srgbClr val="06287E"/>
+                </a:solidFill>
+                <a:latin typeface="Courier"/>
+              </a:rPr>
+              <a:t>sqrt</a:t>
+            </a:r>
+            <a:r>
+              <a:rPr>
+                <a:latin typeface="Courier"/>
+              </a:rPr>
+              <a:t>(VarES)</a:t>
+            </a:r>
+            <a:br/>
+            <a:r>
+              <a:rPr>
+                <a:latin typeface="Courier"/>
+              </a:rPr>
+              <a:t>       SE.ES.RE</a:t>
+            </a:r>
+          </a:p>
+          <a:p>
+            <a:pPr lvl="0" indent="0">
+              <a:buNone/>
+            </a:pPr>
+            <a:r>
+              <a:rPr>
+                <a:latin typeface="Courier"/>
+              </a:rPr>
+              <a:t>## [1] 0.2697219</a:t>
             </a:r>
           </a:p>
         </p:txBody>
@@ -9098,7 +12548,7 @@
                   <a:rPr>
                     <a:latin typeface="Courier"/>
                   </a:rPr>
-                  <a:t>## [1] 0.169391</a:t>
+                  <a:t>## [1] 0.1719139</a:t>
                 </a:r>
               </a:p>
             </p:txBody>

--- a/slides/code_slides.pptx
+++ b/slides/code_slides.pptx
@@ -35,6 +35,9 @@
     <p:sldId id="283" r:id="rId29"/>
     <p:sldId id="284" r:id="rId30"/>
     <p:sldId id="285" r:id="rId31"/>
+    <p:sldId id="286" r:id="rId32"/>
+    <p:sldId id="287" r:id="rId33"/>
+    <p:sldId id="288" r:id="rId34"/>
   </p:sldIdLst>
   <p:sldSz cx="9144000" cy="5143500" type="screen16x9"/>
   <p:notesSz cx="6858000" cy="9144000"/>
@@ -3201,7 +3204,7 @@
             </a:pPr>
             <a:r>
               <a:rPr/>
-              <a:t>2022-06-17</a:t>
+              <a:t>2022-06-27</a:t>
             </a:r>
           </a:p>
         </p:txBody>
@@ -5210,40 +5213,2344 @@
               </a:rPr>
               <a:t>(study_ID, mean_core, sd_core, n_core, mean_front, sd_front, n_front, lnRR, v_lnRR)</a:t>
             </a:r>
-          </a:p>
-          <a:p>
-            <a:pPr lvl="0" indent="0">
-              <a:buNone/>
-            </a:pPr>
-            <a:r>
-              <a:rPr>
-                <a:latin typeface="Courier"/>
-              </a:rPr>
-              <a:t>## 
-##    study_ID    mean_core      sd_core n_core   mean_front     sd_front n_front 
-## 1         9    0.8264591   0.41322957     98    0.9525292   0.58132296     161 
-## 2        24    0.4333333   0.02804233    116    0.5116402   0.02698413     117 
-## 3        34 2491.3240000 619.79470000     94 2528.9950000 603.98380000      96 
-## 4        34 2491.3240000 619.79470000     94 2850.9130000 749.38730000      96 
-## 5        37    1.3800000   0.18000000   2757    1.4400000   0.18000000     306 
-## 6        37    1.3600000   0.17000000   2478    1.4100000   0.16000000     215 
-## 7        38    1.3900000   0.13000000    228    1.4600000   0.20000000     238 
-## 8        38    1.3700000   0.16000000    200    1.4300000   0.19000000     137 
-## 9        38    1.2200000   0.59000000     86    1.1900000   0.42000000     130 
-## 10       39    0.0320000   0.00300000    188    0.0350000   0.00300000     188 
-## 11       39    0.0290000   0.00200000    251    0.0320000   0.00200000     251 
-##       lnRR v_lnRR 
-## 1   0.1420 0.0049 
-## 2   0.1661 0.0001 
-## 3   0.0150 0.0013 
-## 4   0.1348 0.0014 
-## 5   0.0426 0.0001 
-## 6   0.0361 0.0001 
-## 7   0.0491 0.0001 
-## 8   0.0429 0.0002 
-## 9  -0.0249 0.0037 
-## 10  0.0896 0.0001 
-## 11  0.0984 0.0000</a:t>
+            <a:br/>
+            <a:r>
+              <a:rPr i="1">
+                <a:solidFill>
+                  <a:srgbClr val="60A0B0"/>
+                </a:solidFill>
+                <a:latin typeface="Courier"/>
+              </a:rPr>
+              <a:t>#contrast_data$cluster &lt;- c(1,1,1,2,2,3,4,5,6,7,8)</a:t>
+            </a:r>
+            <a:br/>
+            <a:r>
+              <a:rPr>
+                <a:latin typeface="Courier"/>
+              </a:rPr>
+              <a:t>contrast_data</a:t>
+            </a:r>
+            <a:r>
+              <a:rPr>
+                <a:solidFill>
+                  <a:srgbClr val="4070A0"/>
+                </a:solidFill>
+                <a:latin typeface="Courier"/>
+              </a:rPr>
+              <a:t>$</a:t>
+            </a:r>
+            <a:r>
+              <a:rPr>
+                <a:latin typeface="Courier"/>
+              </a:rPr>
+              <a:t>obs </a:t>
+            </a:r>
+            <a:r>
+              <a:rPr>
+                <a:solidFill>
+                  <a:srgbClr val="007020"/>
+                </a:solidFill>
+                <a:latin typeface="Courier"/>
+              </a:rPr>
+              <a:t>&lt;-</a:t>
+            </a:r>
+            <a:r>
+              <a:rPr>
+                <a:latin typeface="Courier"/>
+              </a:rPr>
+              <a:t> </a:t>
+            </a:r>
+            <a:r>
+              <a:rPr>
+                <a:solidFill>
+                  <a:srgbClr val="40A070"/>
+                </a:solidFill>
+                <a:latin typeface="Courier"/>
+              </a:rPr>
+              <a:t>1</a:t>
+            </a:r>
+            <a:r>
+              <a:rPr>
+                <a:solidFill>
+                  <a:srgbClr val="4070A0"/>
+                </a:solidFill>
+                <a:latin typeface="Courier"/>
+              </a:rPr>
+              <a:t>:</a:t>
+            </a:r>
+            <a:r>
+              <a:rPr>
+                <a:solidFill>
+                  <a:srgbClr val="06287E"/>
+                </a:solidFill>
+                <a:latin typeface="Courier"/>
+              </a:rPr>
+              <a:t>nrow</a:t>
+            </a:r>
+            <a:r>
+              <a:rPr>
+                <a:latin typeface="Courier"/>
+              </a:rPr>
+              <a:t>(contrast_data)</a:t>
+            </a:r>
+            <a:br/>
+            <a:r>
+              <a:rPr>
+                <a:latin typeface="Courier"/>
+              </a:rPr>
+              <a:t>data </a:t>
+            </a:r>
+            <a:r>
+              <a:rPr>
+                <a:solidFill>
+                  <a:srgbClr val="007020"/>
+                </a:solidFill>
+                <a:latin typeface="Courier"/>
+              </a:rPr>
+              <a:t>&lt;-</a:t>
+            </a:r>
+            <a:r>
+              <a:rPr>
+                <a:latin typeface="Courier"/>
+              </a:rPr>
+              <a:t> contrast_data</a:t>
+            </a:r>
+            <a:br/>
+            <a:r>
+              <a:rPr>
+                <a:latin typeface="Courier"/>
+              </a:rPr>
+              <a:t>covariance_funtions </a:t>
+            </a:r>
+            <a:r>
+              <a:rPr>
+                <a:solidFill>
+                  <a:srgbClr val="007020"/>
+                </a:solidFill>
+                <a:latin typeface="Courier"/>
+              </a:rPr>
+              <a:t>&lt;-</a:t>
+            </a:r>
+            <a:r>
+              <a:rPr>
+                <a:latin typeface="Courier"/>
+              </a:rPr>
+              <a:t> </a:t>
+            </a:r>
+            <a:r>
+              <a:rPr b="1">
+                <a:solidFill>
+                  <a:srgbClr val="007020"/>
+                </a:solidFill>
+                <a:latin typeface="Courier"/>
+              </a:rPr>
+              <a:t>function</a:t>
+            </a:r>
+            <a:r>
+              <a:rPr>
+                <a:latin typeface="Courier"/>
+              </a:rPr>
+              <a:t>(data, m, sd, n, cov_type){</a:t>
+            </a:r>
+            <a:br/>
+            <a:br/>
+            <a:r>
+              <a:rPr>
+                <a:latin typeface="Courier"/>
+              </a:rPr>
+              <a:t>  </a:t>
+            </a:r>
+            <a:r>
+              <a:rPr b="1">
+                <a:solidFill>
+                  <a:srgbClr val="007020"/>
+                </a:solidFill>
+                <a:latin typeface="Courier"/>
+              </a:rPr>
+              <a:t>if</a:t>
+            </a:r>
+            <a:r>
+              <a:rPr>
+                <a:latin typeface="Courier"/>
+              </a:rPr>
+              <a:t>(cov_type </a:t>
+            </a:r>
+            <a:r>
+              <a:rPr>
+                <a:solidFill>
+                  <a:srgbClr val="4070A0"/>
+                </a:solidFill>
+                <a:latin typeface="Courier"/>
+              </a:rPr>
+              <a:t>==</a:t>
+            </a:r>
+            <a:r>
+              <a:rPr>
+                <a:latin typeface="Courier"/>
+              </a:rPr>
+              <a:t> </a:t>
+            </a:r>
+            <a:r>
+              <a:rPr>
+                <a:solidFill>
+                  <a:srgbClr val="4070A0"/>
+                </a:solidFill>
+                <a:latin typeface="Courier"/>
+              </a:rPr>
+              <a:t>"ROM"</a:t>
+            </a:r>
+            <a:r>
+              <a:rPr>
+                <a:latin typeface="Courier"/>
+              </a:rPr>
+              <a:t>){</a:t>
+            </a:r>
+            <a:br/>
+            <a:r>
+              <a:rPr>
+                <a:latin typeface="Courier"/>
+              </a:rPr>
+              <a:t>    </a:t>
+            </a:r>
+            <a:r>
+              <a:rPr i="1">
+                <a:solidFill>
+                  <a:srgbClr val="60A0B0"/>
+                </a:solidFill>
+                <a:latin typeface="Courier"/>
+              </a:rPr>
+              <a:t># Covariance for shared control when using log response ratio. From Jageunesse 2011. Ecology</a:t>
+            </a:r>
+            <a:br/>
+            <a:r>
+              <a:rPr>
+                <a:latin typeface="Courier"/>
+              </a:rPr>
+              <a:t>    cov </a:t>
+            </a:r>
+            <a:r>
+              <a:rPr>
+                <a:solidFill>
+                  <a:srgbClr val="007020"/>
+                </a:solidFill>
+                <a:latin typeface="Courier"/>
+              </a:rPr>
+              <a:t>&lt;-</a:t>
+            </a:r>
+            <a:r>
+              <a:rPr>
+                <a:latin typeface="Courier"/>
+              </a:rPr>
+              <a:t> data[, sd]</a:t>
+            </a:r>
+            <a:r>
+              <a:rPr>
+                <a:solidFill>
+                  <a:srgbClr val="4070A0"/>
+                </a:solidFill>
+                <a:latin typeface="Courier"/>
+              </a:rPr>
+              <a:t>^</a:t>
+            </a:r>
+            <a:r>
+              <a:rPr>
+                <a:solidFill>
+                  <a:srgbClr val="40A070"/>
+                </a:solidFill>
+                <a:latin typeface="Courier"/>
+              </a:rPr>
+              <a:t>2</a:t>
+            </a:r>
+            <a:r>
+              <a:rPr>
+                <a:latin typeface="Courier"/>
+              </a:rPr>
+              <a:t> </a:t>
+            </a:r>
+            <a:r>
+              <a:rPr>
+                <a:solidFill>
+                  <a:srgbClr val="4070A0"/>
+                </a:solidFill>
+                <a:latin typeface="Courier"/>
+              </a:rPr>
+              <a:t>/</a:t>
+            </a:r>
+            <a:r>
+              <a:rPr>
+                <a:latin typeface="Courier"/>
+              </a:rPr>
+              <a:t> (data[, n] </a:t>
+            </a:r>
+            <a:r>
+              <a:rPr>
+                <a:solidFill>
+                  <a:srgbClr val="4070A0"/>
+                </a:solidFill>
+                <a:latin typeface="Courier"/>
+              </a:rPr>
+              <a:t>*</a:t>
+            </a:r>
+            <a:r>
+              <a:rPr>
+                <a:latin typeface="Courier"/>
+              </a:rPr>
+              <a:t> data[, m]</a:t>
+            </a:r>
+            <a:r>
+              <a:rPr>
+                <a:solidFill>
+                  <a:srgbClr val="4070A0"/>
+                </a:solidFill>
+                <a:latin typeface="Courier"/>
+              </a:rPr>
+              <a:t>^</a:t>
+            </a:r>
+            <a:r>
+              <a:rPr>
+                <a:solidFill>
+                  <a:srgbClr val="40A070"/>
+                </a:solidFill>
+                <a:latin typeface="Courier"/>
+              </a:rPr>
+              <a:t>2</a:t>
+            </a:r>
+            <a:r>
+              <a:rPr>
+                <a:latin typeface="Courier"/>
+              </a:rPr>
+              <a:t>)</a:t>
+            </a:r>
+            <a:br/>
+            <a:r>
+              <a:rPr>
+                <a:latin typeface="Courier"/>
+              </a:rPr>
+              <a:t>  }</a:t>
+            </a:r>
+            <a:br/>
+            <a:br/>
+            <a:r>
+              <a:rPr>
+                <a:latin typeface="Courier"/>
+              </a:rPr>
+              <a:t>  </a:t>
+            </a:r>
+            <a:r>
+              <a:rPr b="1">
+                <a:solidFill>
+                  <a:srgbClr val="007020"/>
+                </a:solidFill>
+                <a:latin typeface="Courier"/>
+              </a:rPr>
+              <a:t>if</a:t>
+            </a:r>
+            <a:r>
+              <a:rPr>
+                <a:latin typeface="Courier"/>
+              </a:rPr>
+              <a:t>(cov_type </a:t>
+            </a:r>
+            <a:r>
+              <a:rPr>
+                <a:solidFill>
+                  <a:srgbClr val="4070A0"/>
+                </a:solidFill>
+                <a:latin typeface="Courier"/>
+              </a:rPr>
+              <a:t>==</a:t>
+            </a:r>
+            <a:r>
+              <a:rPr>
+                <a:latin typeface="Courier"/>
+              </a:rPr>
+              <a:t> </a:t>
+            </a:r>
+            <a:r>
+              <a:rPr>
+                <a:solidFill>
+                  <a:srgbClr val="4070A0"/>
+                </a:solidFill>
+                <a:latin typeface="Courier"/>
+              </a:rPr>
+              <a:t>"LOR"</a:t>
+            </a:r>
+            <a:r>
+              <a:rPr>
+                <a:latin typeface="Courier"/>
+              </a:rPr>
+              <a:t>){</a:t>
+            </a:r>
+            <a:br/>
+            <a:r>
+              <a:rPr>
+                <a:latin typeface="Courier"/>
+              </a:rPr>
+              <a:t>    </a:t>
+            </a:r>
+            <a:r>
+              <a:rPr i="1">
+                <a:solidFill>
+                  <a:srgbClr val="60A0B0"/>
+                </a:solidFill>
+                <a:latin typeface="Courier"/>
+              </a:rPr>
+              <a:t>#formula for odds ratio (1/x + 1/(m-x))</a:t>
+            </a:r>
+            <a:br/>
+            <a:r>
+              <a:rPr>
+                <a:latin typeface="Courier"/>
+              </a:rPr>
+              <a:t>    cov </a:t>
+            </a:r>
+            <a:r>
+              <a:rPr>
+                <a:solidFill>
+                  <a:srgbClr val="007020"/>
+                </a:solidFill>
+                <a:latin typeface="Courier"/>
+              </a:rPr>
+              <a:t>&lt;-</a:t>
+            </a:r>
+            <a:r>
+              <a:rPr>
+                <a:latin typeface="Courier"/>
+              </a:rPr>
+              <a:t> (</a:t>
+            </a:r>
+            <a:r>
+              <a:rPr>
+                <a:solidFill>
+                  <a:srgbClr val="40A070"/>
+                </a:solidFill>
+                <a:latin typeface="Courier"/>
+              </a:rPr>
+              <a:t>1</a:t>
+            </a:r>
+            <a:r>
+              <a:rPr>
+                <a:solidFill>
+                  <a:srgbClr val="4070A0"/>
+                </a:solidFill>
+                <a:latin typeface="Courier"/>
+              </a:rPr>
+              <a:t>/</a:t>
+            </a:r>
+            <a:r>
+              <a:rPr>
+                <a:latin typeface="Courier"/>
+              </a:rPr>
+              <a:t>data[, m] </a:t>
+            </a:r>
+            <a:r>
+              <a:rPr>
+                <a:solidFill>
+                  <a:srgbClr val="4070A0"/>
+                </a:solidFill>
+                <a:latin typeface="Courier"/>
+              </a:rPr>
+              <a:t>+</a:t>
+            </a:r>
+            <a:r>
+              <a:rPr>
+                <a:latin typeface="Courier"/>
+              </a:rPr>
+              <a:t> </a:t>
+            </a:r>
+            <a:r>
+              <a:rPr>
+                <a:solidFill>
+                  <a:srgbClr val="40A070"/>
+                </a:solidFill>
+                <a:latin typeface="Courier"/>
+              </a:rPr>
+              <a:t>1</a:t>
+            </a:r>
+            <a:r>
+              <a:rPr>
+                <a:latin typeface="Courier"/>
+              </a:rPr>
+              <a:t>) </a:t>
+            </a:r>
+            <a:r>
+              <a:rPr>
+                <a:solidFill>
+                  <a:srgbClr val="4070A0"/>
+                </a:solidFill>
+                <a:latin typeface="Courier"/>
+              </a:rPr>
+              <a:t>/</a:t>
+            </a:r>
+            <a:r>
+              <a:rPr>
+                <a:latin typeface="Courier"/>
+              </a:rPr>
+              <a:t> (data[, n] </a:t>
+            </a:r>
+            <a:r>
+              <a:rPr>
+                <a:solidFill>
+                  <a:srgbClr val="4070A0"/>
+                </a:solidFill>
+                <a:latin typeface="Courier"/>
+              </a:rPr>
+              <a:t>-</a:t>
+            </a:r>
+            <a:r>
+              <a:rPr>
+                <a:latin typeface="Courier"/>
+              </a:rPr>
+              <a:t> data[, m])</a:t>
+            </a:r>
+            <a:br/>
+            <a:r>
+              <a:rPr>
+                <a:latin typeface="Courier"/>
+              </a:rPr>
+              <a:t>  }</a:t>
+            </a:r>
+            <a:br/>
+            <a:r>
+              <a:rPr>
+                <a:latin typeface="Courier"/>
+              </a:rPr>
+              <a:t>  </a:t>
+            </a:r>
+            <a:r>
+              <a:rPr>
+                <a:solidFill>
+                  <a:srgbClr val="06287E"/>
+                </a:solidFill>
+                <a:latin typeface="Courier"/>
+              </a:rPr>
+              <a:t>return</a:t>
+            </a:r>
+            <a:r>
+              <a:rPr>
+                <a:latin typeface="Courier"/>
+              </a:rPr>
+              <a:t>(cov)</a:t>
+            </a:r>
+            <a:br/>
+            <a:r>
+              <a:rPr>
+                <a:latin typeface="Courier"/>
+              </a:rPr>
+              <a:t>}</a:t>
+            </a:r>
+            <a:br/>
+            <a:br/>
+            <a:r>
+              <a:rPr i="1">
+                <a:solidFill>
+                  <a:srgbClr val="60A0B0"/>
+                </a:solidFill>
+                <a:latin typeface="Courier"/>
+              </a:rPr>
+              <a:t># Step 1: split on cluster</a:t>
+            </a:r>
+            <a:br/>
+            <a:r>
+              <a:rPr>
+                <a:latin typeface="Courier"/>
+              </a:rPr>
+              <a:t>splt </a:t>
+            </a:r>
+            <a:r>
+              <a:rPr>
+                <a:solidFill>
+                  <a:srgbClr val="007020"/>
+                </a:solidFill>
+                <a:latin typeface="Courier"/>
+              </a:rPr>
+              <a:t>&lt;-</a:t>
+            </a:r>
+            <a:r>
+              <a:rPr>
+                <a:latin typeface="Courier"/>
+              </a:rPr>
+              <a:t> </a:t>
+            </a:r>
+            <a:r>
+              <a:rPr>
+                <a:solidFill>
+                  <a:srgbClr val="06287E"/>
+                </a:solidFill>
+                <a:latin typeface="Courier"/>
+              </a:rPr>
+              <a:t>split</a:t>
+            </a:r>
+            <a:r>
+              <a:rPr>
+                <a:latin typeface="Courier"/>
+              </a:rPr>
+              <a:t>(data, data</a:t>
+            </a:r>
+            <a:r>
+              <a:rPr>
+                <a:solidFill>
+                  <a:srgbClr val="4070A0"/>
+                </a:solidFill>
+                <a:latin typeface="Courier"/>
+              </a:rPr>
+              <a:t>$</a:t>
+            </a:r>
+            <a:r>
+              <a:rPr>
+                <a:latin typeface="Courier"/>
+              </a:rPr>
+              <a:t>cluster)</a:t>
+            </a:r>
+            <a:br/>
+            <a:br/>
+            <a:r>
+              <a:rPr i="1">
+                <a:solidFill>
+                  <a:srgbClr val="60A0B0"/>
+                </a:solidFill>
+                <a:latin typeface="Courier"/>
+              </a:rPr>
+              <a:t># Step 2: calculate the covariance. Because cluster will have repeated values these will be the same within a study</a:t>
+            </a:r>
+            <a:br/>
+            <a:r>
+              <a:rPr>
+                <a:latin typeface="Courier"/>
+              </a:rPr>
+              <a:t>data</a:t>
+            </a:r>
+            <a:r>
+              <a:rPr>
+                <a:solidFill>
+                  <a:srgbClr val="4070A0"/>
+                </a:solidFill>
+                <a:latin typeface="Courier"/>
+              </a:rPr>
+              <a:t>$</a:t>
+            </a:r>
+            <a:r>
+              <a:rPr>
+                <a:latin typeface="Courier"/>
+              </a:rPr>
+              <a:t>cov </a:t>
+            </a:r>
+            <a:r>
+              <a:rPr>
+                <a:solidFill>
+                  <a:srgbClr val="007020"/>
+                </a:solidFill>
+                <a:latin typeface="Courier"/>
+              </a:rPr>
+              <a:t>&lt;-</a:t>
+            </a:r>
+            <a:r>
+              <a:rPr>
+                <a:latin typeface="Courier"/>
+              </a:rPr>
+              <a:t> </a:t>
+            </a:r>
+            <a:r>
+              <a:rPr>
+                <a:solidFill>
+                  <a:srgbClr val="06287E"/>
+                </a:solidFill>
+                <a:latin typeface="Courier"/>
+              </a:rPr>
+              <a:t>unlist</a:t>
+            </a:r>
+            <a:r>
+              <a:rPr>
+                <a:latin typeface="Courier"/>
+              </a:rPr>
+              <a:t>(</a:t>
+            </a:r>
+            <a:r>
+              <a:rPr>
+                <a:solidFill>
+                  <a:srgbClr val="06287E"/>
+                </a:solidFill>
+                <a:latin typeface="Courier"/>
+              </a:rPr>
+              <a:t>lapply</a:t>
+            </a:r>
+            <a:r>
+              <a:rPr>
+                <a:latin typeface="Courier"/>
+              </a:rPr>
+              <a:t>(splt, </a:t>
+            </a:r>
+            <a:r>
+              <a:rPr b="1">
+                <a:solidFill>
+                  <a:srgbClr val="007020"/>
+                </a:solidFill>
+                <a:latin typeface="Courier"/>
+              </a:rPr>
+              <a:t>function</a:t>
+            </a:r>
+            <a:r>
+              <a:rPr>
+                <a:latin typeface="Courier"/>
+              </a:rPr>
+              <a:t>(x) </a:t>
+            </a:r>
+            <a:br/>
+            <a:r>
+              <a:rPr>
+                <a:latin typeface="Courier"/>
+              </a:rPr>
+              <a:t>                  </a:t>
+            </a:r>
+            <a:r>
+              <a:rPr b="1">
+                <a:solidFill>
+                  <a:srgbClr val="007020"/>
+                </a:solidFill>
+                <a:latin typeface="Courier"/>
+              </a:rPr>
+              <a:t>if</a:t>
+            </a:r>
+            <a:r>
+              <a:rPr>
+                <a:latin typeface="Courier"/>
+              </a:rPr>
+              <a:t>(</a:t>
+            </a:r>
+            <a:r>
+              <a:rPr>
+                <a:solidFill>
+                  <a:srgbClr val="06287E"/>
+                </a:solidFill>
+                <a:latin typeface="Courier"/>
+              </a:rPr>
+              <a:t>dim</a:t>
+            </a:r>
+            <a:r>
+              <a:rPr>
+                <a:latin typeface="Courier"/>
+              </a:rPr>
+              <a:t>(x)[</a:t>
+            </a:r>
+            <a:r>
+              <a:rPr>
+                <a:solidFill>
+                  <a:srgbClr val="40A070"/>
+                </a:solidFill>
+                <a:latin typeface="Courier"/>
+              </a:rPr>
+              <a:t>1</a:t>
+            </a:r>
+            <a:r>
+              <a:rPr>
+                <a:latin typeface="Courier"/>
+              </a:rPr>
+              <a:t>] </a:t>
+            </a:r>
+            <a:r>
+              <a:rPr>
+                <a:solidFill>
+                  <a:srgbClr val="4070A0"/>
+                </a:solidFill>
+                <a:latin typeface="Courier"/>
+              </a:rPr>
+              <a:t>&gt;</a:t>
+            </a:r>
+            <a:r>
+              <a:rPr>
+                <a:latin typeface="Courier"/>
+              </a:rPr>
+              <a:t> </a:t>
+            </a:r>
+            <a:r>
+              <a:rPr>
+                <a:solidFill>
+                  <a:srgbClr val="40A070"/>
+                </a:solidFill>
+                <a:latin typeface="Courier"/>
+              </a:rPr>
+              <a:t>1</a:t>
+            </a:r>
+            <a:r>
+              <a:rPr>
+                <a:latin typeface="Courier"/>
+              </a:rPr>
+              <a:t>) {</a:t>
+            </a:r>
+            <a:br/>
+            <a:r>
+              <a:rPr>
+                <a:latin typeface="Courier"/>
+              </a:rPr>
+              <a:t>                    </a:t>
+            </a:r>
+            <a:r>
+              <a:rPr>
+                <a:solidFill>
+                  <a:srgbClr val="06287E"/>
+                </a:solidFill>
+                <a:latin typeface="Courier"/>
+              </a:rPr>
+              <a:t>covariance_funtions</a:t>
+            </a:r>
+            <a:r>
+              <a:rPr>
+                <a:latin typeface="Courier"/>
+              </a:rPr>
+              <a:t>(x, </a:t>
+            </a:r>
+            <a:r>
+              <a:rPr>
+                <a:solidFill>
+                  <a:srgbClr val="7D9029"/>
+                </a:solidFill>
+                <a:latin typeface="Courier"/>
+              </a:rPr>
+              <a:t>m =</a:t>
+            </a:r>
+            <a:r>
+              <a:rPr>
+                <a:latin typeface="Courier"/>
+              </a:rPr>
+              <a:t> </a:t>
+            </a:r>
+            <a:r>
+              <a:rPr>
+                <a:solidFill>
+                  <a:srgbClr val="4070A0"/>
+                </a:solidFill>
+                <a:latin typeface="Courier"/>
+              </a:rPr>
+              <a:t>"mean_core"</a:t>
+            </a:r>
+            <a:r>
+              <a:rPr>
+                <a:latin typeface="Courier"/>
+              </a:rPr>
+              <a:t>,</a:t>
+            </a:r>
+            <a:r>
+              <a:rPr>
+                <a:solidFill>
+                  <a:srgbClr val="7D9029"/>
+                </a:solidFill>
+                <a:latin typeface="Courier"/>
+              </a:rPr>
+              <a:t>sd =</a:t>
+            </a:r>
+            <a:r>
+              <a:rPr>
+                <a:latin typeface="Courier"/>
+              </a:rPr>
+              <a:t> </a:t>
+            </a:r>
+            <a:r>
+              <a:rPr>
+                <a:solidFill>
+                  <a:srgbClr val="4070A0"/>
+                </a:solidFill>
+                <a:latin typeface="Courier"/>
+              </a:rPr>
+              <a:t>"sd_core"</a:t>
+            </a:r>
+            <a:r>
+              <a:rPr>
+                <a:latin typeface="Courier"/>
+              </a:rPr>
+              <a:t>, </a:t>
+            </a:r>
+            <a:r>
+              <a:rPr>
+                <a:solidFill>
+                  <a:srgbClr val="7D9029"/>
+                </a:solidFill>
+                <a:latin typeface="Courier"/>
+              </a:rPr>
+              <a:t>n =</a:t>
+            </a:r>
+            <a:r>
+              <a:rPr>
+                <a:latin typeface="Courier"/>
+              </a:rPr>
+              <a:t> </a:t>
+            </a:r>
+            <a:r>
+              <a:rPr>
+                <a:solidFill>
+                  <a:srgbClr val="4070A0"/>
+                </a:solidFill>
+                <a:latin typeface="Courier"/>
+              </a:rPr>
+              <a:t>"n_core"</a:t>
+            </a:r>
+            <a:r>
+              <a:rPr>
+                <a:latin typeface="Courier"/>
+              </a:rPr>
+              <a:t>, </a:t>
+            </a:r>
+            <a:r>
+              <a:rPr>
+                <a:solidFill>
+                  <a:srgbClr val="7D9029"/>
+                </a:solidFill>
+                <a:latin typeface="Courier"/>
+              </a:rPr>
+              <a:t>cov_type =</a:t>
+            </a:r>
+            <a:r>
+              <a:rPr>
+                <a:latin typeface="Courier"/>
+              </a:rPr>
+              <a:t> </a:t>
+            </a:r>
+            <a:r>
+              <a:rPr>
+                <a:solidFill>
+                  <a:srgbClr val="4070A0"/>
+                </a:solidFill>
+                <a:latin typeface="Courier"/>
+              </a:rPr>
+              <a:t>"ROM"</a:t>
+            </a:r>
+            <a:r>
+              <a:rPr>
+                <a:latin typeface="Courier"/>
+              </a:rPr>
+              <a:t>) } </a:t>
+            </a:r>
+            <a:r>
+              <a:rPr b="1">
+                <a:solidFill>
+                  <a:srgbClr val="007020"/>
+                </a:solidFill>
+                <a:latin typeface="Courier"/>
+              </a:rPr>
+              <a:t>else</a:t>
+            </a:r>
+            <a:r>
+              <a:rPr>
+                <a:latin typeface="Courier"/>
+              </a:rPr>
+              <a:t> { </a:t>
+            </a:r>
+            <a:r>
+              <a:rPr>
+                <a:solidFill>
+                  <a:srgbClr val="40A070"/>
+                </a:solidFill>
+                <a:latin typeface="Courier"/>
+              </a:rPr>
+              <a:t>0</a:t>
+            </a:r>
+            <a:r>
+              <a:rPr>
+                <a:latin typeface="Courier"/>
+              </a:rPr>
+              <a:t>}))</a:t>
+            </a:r>
+            <a:br/>
+            <a:br/>
+            <a:r>
+              <a:rPr i="1">
+                <a:solidFill>
+                  <a:srgbClr val="60A0B0"/>
+                </a:solidFill>
+                <a:latin typeface="Courier"/>
+              </a:rPr>
+              <a:t># Step 3: build matrix</a:t>
+            </a:r>
+            <a:br/>
+            <a:r>
+              <a:rPr>
+                <a:latin typeface="Courier"/>
+              </a:rPr>
+              <a:t>m </a:t>
+            </a:r>
+            <a:r>
+              <a:rPr>
+                <a:solidFill>
+                  <a:srgbClr val="007020"/>
+                </a:solidFill>
+                <a:latin typeface="Courier"/>
+              </a:rPr>
+              <a:t>&lt;-</a:t>
+            </a:r>
+            <a:r>
+              <a:rPr>
+                <a:latin typeface="Courier"/>
+              </a:rPr>
+              <a:t> </a:t>
+            </a:r>
+            <a:r>
+              <a:rPr>
+                <a:solidFill>
+                  <a:srgbClr val="06287E"/>
+                </a:solidFill>
+                <a:latin typeface="Courier"/>
+              </a:rPr>
+              <a:t>diag</a:t>
+            </a:r>
+            <a:r>
+              <a:rPr>
+                <a:latin typeface="Courier"/>
+              </a:rPr>
+              <a:t>(data</a:t>
+            </a:r>
+            <a:r>
+              <a:rPr>
+                <a:solidFill>
+                  <a:srgbClr val="4070A0"/>
+                </a:solidFill>
+                <a:latin typeface="Courier"/>
+              </a:rPr>
+              <a:t>$</a:t>
+            </a:r>
+            <a:r>
+              <a:rPr>
+                <a:latin typeface="Courier"/>
+              </a:rPr>
+              <a:t>v_lnRR)</a:t>
+            </a:r>
+            <a:br/>
+            <a:br/>
+            <a:r>
+              <a:rPr>
+                <a:latin typeface="Courier"/>
+              </a:rPr>
+              <a:t>m </a:t>
+            </a:r>
+            <a:r>
+              <a:rPr>
+                <a:solidFill>
+                  <a:srgbClr val="007020"/>
+                </a:solidFill>
+                <a:latin typeface="Courier"/>
+              </a:rPr>
+              <a:t>&lt;-</a:t>
+            </a:r>
+            <a:r>
+              <a:rPr>
+                <a:latin typeface="Courier"/>
+              </a:rPr>
+              <a:t> </a:t>
+            </a:r>
+            <a:r>
+              <a:rPr>
+                <a:solidFill>
+                  <a:srgbClr val="06287E"/>
+                </a:solidFill>
+                <a:latin typeface="Courier"/>
+              </a:rPr>
+              <a:t>lapply</a:t>
+            </a:r>
+            <a:r>
+              <a:rPr>
+                <a:latin typeface="Courier"/>
+              </a:rPr>
+              <a:t>(splt, </a:t>
+            </a:r>
+            <a:r>
+              <a:rPr b="1">
+                <a:solidFill>
+                  <a:srgbClr val="007020"/>
+                </a:solidFill>
+                <a:latin typeface="Courier"/>
+              </a:rPr>
+              <a:t>function</a:t>
+            </a:r>
+            <a:r>
+              <a:rPr>
+                <a:latin typeface="Courier"/>
+              </a:rPr>
+              <a:t>(x) </a:t>
+            </a:r>
+            <a:r>
+              <a:rPr>
+                <a:solidFill>
+                  <a:srgbClr val="06287E"/>
+                </a:solidFill>
+                <a:latin typeface="Courier"/>
+              </a:rPr>
+              <a:t>matrix</a:t>
+            </a:r>
+            <a:r>
+              <a:rPr>
+                <a:latin typeface="Courier"/>
+              </a:rPr>
+              <a:t>(x</a:t>
+            </a:r>
+            <a:r>
+              <a:rPr>
+                <a:solidFill>
+                  <a:srgbClr val="4070A0"/>
+                </a:solidFill>
+                <a:latin typeface="Courier"/>
+              </a:rPr>
+              <a:t>$</a:t>
+            </a:r>
+            <a:r>
+              <a:rPr>
+                <a:latin typeface="Courier"/>
+              </a:rPr>
+              <a:t>v_lnRR))</a:t>
+            </a:r>
+            <a:br/>
+            <a:br/>
+            <a:r>
+              <a:rPr>
+                <a:latin typeface="Courier"/>
+              </a:rPr>
+              <a:t>m_splt </a:t>
+            </a:r>
+            <a:r>
+              <a:rPr>
+                <a:solidFill>
+                  <a:srgbClr val="007020"/>
+                </a:solidFill>
+                <a:latin typeface="Courier"/>
+              </a:rPr>
+              <a:t>&lt;-</a:t>
+            </a:r>
+            <a:r>
+              <a:rPr>
+                <a:latin typeface="Courier"/>
+              </a:rPr>
+              <a:t> </a:t>
+            </a:r>
+            <a:r>
+              <a:rPr>
+                <a:solidFill>
+                  <a:srgbClr val="06287E"/>
+                </a:solidFill>
+                <a:latin typeface="Courier"/>
+              </a:rPr>
+              <a:t>split</a:t>
+            </a:r>
+            <a:r>
+              <a:rPr>
+                <a:latin typeface="Courier"/>
+              </a:rPr>
+              <a:t>(m, data</a:t>
+            </a:r>
+            <a:r>
+              <a:rPr>
+                <a:solidFill>
+                  <a:srgbClr val="4070A0"/>
+                </a:solidFill>
+                <a:latin typeface="Courier"/>
+              </a:rPr>
+              <a:t>$</a:t>
+            </a:r>
+            <a:r>
+              <a:rPr>
+                <a:latin typeface="Courier"/>
+              </a:rPr>
+              <a:t>cluster)</a:t>
+            </a:r>
+            <a:br/>
+            <a:r>
+              <a:rPr>
+                <a:solidFill>
+                  <a:srgbClr val="06287E"/>
+                </a:solidFill>
+                <a:latin typeface="Courier"/>
+              </a:rPr>
+              <a:t>bdiag</a:t>
+            </a:r>
+            <a:r>
+              <a:rPr>
+                <a:latin typeface="Courier"/>
+              </a:rPr>
+              <a:t>(m)</a:t>
+            </a:r>
+            <a:br/>
+            <a:r>
+              <a:rPr>
+                <a:latin typeface="Courier"/>
+              </a:rPr>
+              <a:t>m[</a:t>
+            </a:r>
+            <a:r>
+              <a:rPr>
+                <a:solidFill>
+                  <a:srgbClr val="06287E"/>
+                </a:solidFill>
+                <a:latin typeface="Courier"/>
+              </a:rPr>
+              <a:t>which</a:t>
+            </a:r>
+            <a:r>
+              <a:rPr>
+                <a:latin typeface="Courier"/>
+              </a:rPr>
+              <a:t>(</a:t>
+            </a:r>
+            <a:r>
+              <a:rPr>
+                <a:solidFill>
+                  <a:srgbClr val="06287E"/>
+                </a:solidFill>
+                <a:latin typeface="Courier"/>
+              </a:rPr>
+              <a:t>duplicated</a:t>
+            </a:r>
+            <a:r>
+              <a:rPr>
+                <a:latin typeface="Courier"/>
+              </a:rPr>
+              <a:t>(data[,cluster])</a:t>
+            </a:r>
+            <a:r>
+              <a:rPr>
+                <a:solidFill>
+                  <a:srgbClr val="4070A0"/>
+                </a:solidFill>
+                <a:latin typeface="Courier"/>
+              </a:rPr>
+              <a:t>==</a:t>
+            </a:r>
+            <a:r>
+              <a:rPr>
+                <a:solidFill>
+                  <a:srgbClr val="880000"/>
+                </a:solidFill>
+                <a:latin typeface="Courier"/>
+              </a:rPr>
+              <a:t>TRUE</a:t>
+            </a:r>
+            <a:r>
+              <a:rPr>
+                <a:latin typeface="Courier"/>
+              </a:rPr>
+              <a:t>), </a:t>
+            </a:r>
+            <a:r>
+              <a:rPr>
+                <a:solidFill>
+                  <a:srgbClr val="06287E"/>
+                </a:solidFill>
+                <a:latin typeface="Courier"/>
+              </a:rPr>
+              <a:t>which</a:t>
+            </a:r>
+            <a:r>
+              <a:rPr>
+                <a:latin typeface="Courier"/>
+              </a:rPr>
+              <a:t>(</a:t>
+            </a:r>
+            <a:r>
+              <a:rPr>
+                <a:solidFill>
+                  <a:srgbClr val="06287E"/>
+                </a:solidFill>
+                <a:latin typeface="Courier"/>
+              </a:rPr>
+              <a:t>duplicated</a:t>
+            </a:r>
+            <a:r>
+              <a:rPr>
+                <a:latin typeface="Courier"/>
+              </a:rPr>
+              <a:t>(data[,cluster])</a:t>
+            </a:r>
+            <a:r>
+              <a:rPr>
+                <a:solidFill>
+                  <a:srgbClr val="4070A0"/>
+                </a:solidFill>
+                <a:latin typeface="Courier"/>
+              </a:rPr>
+              <a:t>==</a:t>
+            </a:r>
+            <a:r>
+              <a:rPr>
+                <a:solidFill>
+                  <a:srgbClr val="880000"/>
+                </a:solidFill>
+                <a:latin typeface="Courier"/>
+              </a:rPr>
+              <a:t>TRUE</a:t>
+            </a:r>
+            <a:r>
+              <a:rPr>
+                <a:latin typeface="Courier"/>
+              </a:rPr>
+              <a:t>)] </a:t>
+            </a:r>
+            <a:r>
+              <a:rPr>
+                <a:solidFill>
+                  <a:srgbClr val="007020"/>
+                </a:solidFill>
+                <a:latin typeface="Courier"/>
+              </a:rPr>
+              <a:t>&lt;-</a:t>
+            </a:r>
+            <a:r>
+              <a:rPr>
+                <a:latin typeface="Courier"/>
+              </a:rPr>
+              <a:t> data</a:t>
+            </a:r>
+            <a:r>
+              <a:rPr>
+                <a:solidFill>
+                  <a:srgbClr val="4070A0"/>
+                </a:solidFill>
+                <a:latin typeface="Courier"/>
+              </a:rPr>
+              <a:t>$</a:t>
+            </a:r>
+            <a:r>
+              <a:rPr>
+                <a:latin typeface="Courier"/>
+              </a:rPr>
+              <a:t>cov[</a:t>
+            </a:r>
+            <a:r>
+              <a:rPr>
+                <a:solidFill>
+                  <a:srgbClr val="06287E"/>
+                </a:solidFill>
+                <a:latin typeface="Courier"/>
+              </a:rPr>
+              <a:t>which</a:t>
+            </a:r>
+            <a:r>
+              <a:rPr>
+                <a:latin typeface="Courier"/>
+              </a:rPr>
+              <a:t>(</a:t>
+            </a:r>
+            <a:r>
+              <a:rPr>
+                <a:solidFill>
+                  <a:srgbClr val="06287E"/>
+                </a:solidFill>
+                <a:latin typeface="Courier"/>
+              </a:rPr>
+              <a:t>duplicated</a:t>
+            </a:r>
+            <a:r>
+              <a:rPr>
+                <a:latin typeface="Courier"/>
+              </a:rPr>
+              <a:t>(data[,cluster])</a:t>
+            </a:r>
+            <a:r>
+              <a:rPr>
+                <a:solidFill>
+                  <a:srgbClr val="4070A0"/>
+                </a:solidFill>
+                <a:latin typeface="Courier"/>
+              </a:rPr>
+              <a:t>==</a:t>
+            </a:r>
+            <a:r>
+              <a:rPr>
+                <a:solidFill>
+                  <a:srgbClr val="880000"/>
+                </a:solidFill>
+                <a:latin typeface="Courier"/>
+              </a:rPr>
+              <a:t>TRUE</a:t>
+            </a:r>
+            <a:r>
+              <a:rPr>
+                <a:latin typeface="Courier"/>
+              </a:rPr>
+              <a:t>)]</a:t>
+            </a:r>
+            <a:br/>
+            <a:br/>
+            <a:r>
+              <a:rPr>
+                <a:latin typeface="Courier"/>
+              </a:rPr>
+              <a:t>  m[</a:t>
+            </a:r>
+            <a:r>
+              <a:rPr>
+                <a:solidFill>
+                  <a:srgbClr val="06287E"/>
+                </a:solidFill>
+                <a:latin typeface="Courier"/>
+              </a:rPr>
+              <a:t>upper.tri</a:t>
+            </a:r>
+            <a:r>
+              <a:rPr>
+                <a:latin typeface="Courier"/>
+              </a:rPr>
+              <a:t>(m)] </a:t>
+            </a:r>
+            <a:r>
+              <a:rPr>
+                <a:solidFill>
+                  <a:srgbClr val="007020"/>
+                </a:solidFill>
+                <a:latin typeface="Courier"/>
+              </a:rPr>
+              <a:t>&lt;-</a:t>
+            </a:r>
+            <a:r>
+              <a:rPr>
+                <a:latin typeface="Courier"/>
+              </a:rPr>
+              <a:t> </a:t>
+            </a:r>
+            <a:r>
+              <a:rPr>
+                <a:solidFill>
+                  <a:srgbClr val="06287E"/>
+                </a:solidFill>
+                <a:latin typeface="Courier"/>
+              </a:rPr>
+              <a:t>t</a:t>
+            </a:r>
+            <a:r>
+              <a:rPr>
+                <a:latin typeface="Courier"/>
+              </a:rPr>
+              <a:t>(m[</a:t>
+            </a:r>
+            <a:r>
+              <a:rPr>
+                <a:solidFill>
+                  <a:srgbClr val="06287E"/>
+                </a:solidFill>
+                <a:latin typeface="Courier"/>
+              </a:rPr>
+              <a:t>lower.tri</a:t>
+            </a:r>
+            <a:r>
+              <a:rPr>
+                <a:latin typeface="Courier"/>
+              </a:rPr>
+              <a:t>(m)])</a:t>
+            </a:r>
+            <a:br/>
+            <a:br/>
+            <a:r>
+              <a:rPr>
+                <a:latin typeface="Courier"/>
+              </a:rPr>
+              <a:t>mat_splt </a:t>
+            </a:r>
+            <a:r>
+              <a:rPr>
+                <a:solidFill>
+                  <a:srgbClr val="007020"/>
+                </a:solidFill>
+                <a:latin typeface="Courier"/>
+              </a:rPr>
+              <a:t>&lt;-</a:t>
+            </a:r>
+            <a:r>
+              <a:rPr>
+                <a:latin typeface="Courier"/>
+              </a:rPr>
+              <a:t> </a:t>
+            </a:r>
+            <a:r>
+              <a:rPr>
+                <a:solidFill>
+                  <a:srgbClr val="06287E"/>
+                </a:solidFill>
+                <a:latin typeface="Courier"/>
+              </a:rPr>
+              <a:t>lapply</a:t>
+            </a:r>
+            <a:r>
+              <a:rPr>
+                <a:latin typeface="Courier"/>
+              </a:rPr>
+              <a:t>(splt, </a:t>
+            </a:r>
+            <a:r>
+              <a:rPr b="1">
+                <a:solidFill>
+                  <a:srgbClr val="007020"/>
+                </a:solidFill>
+                <a:latin typeface="Courier"/>
+              </a:rPr>
+              <a:t>function</a:t>
+            </a:r>
+            <a:r>
+              <a:rPr>
+                <a:latin typeface="Courier"/>
+              </a:rPr>
+              <a:t>(x) </a:t>
+            </a:r>
+            <a:r>
+              <a:rPr>
+                <a:solidFill>
+                  <a:srgbClr val="06287E"/>
+                </a:solidFill>
+                <a:latin typeface="Courier"/>
+              </a:rPr>
+              <a:t>diag</a:t>
+            </a:r>
+            <a:r>
+              <a:rPr>
+                <a:latin typeface="Courier"/>
+              </a:rPr>
+              <a:t>(x</a:t>
+            </a:r>
+            <a:r>
+              <a:rPr>
+                <a:solidFill>
+                  <a:srgbClr val="4070A0"/>
+                </a:solidFill>
+                <a:latin typeface="Courier"/>
+              </a:rPr>
+              <a:t>$</a:t>
+            </a:r>
+            <a:r>
+              <a:rPr>
+                <a:latin typeface="Courier"/>
+              </a:rPr>
+              <a:t>v_lnRR))</a:t>
+            </a:r>
+            <a:br/>
+            <a:br/>
+            <a:br/>
+            <a:br/>
+            <a:r>
+              <a:rPr>
+                <a:latin typeface="Courier"/>
+              </a:rPr>
+              <a:t>mat_splt[[</a:t>
+            </a:r>
+            <a:r>
+              <a:rPr>
+                <a:solidFill>
+                  <a:srgbClr val="40A070"/>
+                </a:solidFill>
+                <a:latin typeface="Courier"/>
+              </a:rPr>
+              <a:t>2</a:t>
+            </a:r>
+            <a:r>
+              <a:rPr>
+                <a:latin typeface="Courier"/>
+              </a:rPr>
+              <a:t>]][</a:t>
+            </a:r>
+            <a:r>
+              <a:rPr>
+                <a:solidFill>
+                  <a:srgbClr val="06287E"/>
+                </a:solidFill>
+                <a:latin typeface="Courier"/>
+              </a:rPr>
+              <a:t>lower.tri</a:t>
+            </a:r>
+            <a:r>
+              <a:rPr>
+                <a:latin typeface="Courier"/>
+              </a:rPr>
+              <a:t>(mat_splt[[</a:t>
+            </a:r>
+            <a:r>
+              <a:rPr>
+                <a:solidFill>
+                  <a:srgbClr val="40A070"/>
+                </a:solidFill>
+                <a:latin typeface="Courier"/>
+              </a:rPr>
+              <a:t>2</a:t>
+            </a:r>
+            <a:r>
+              <a:rPr>
+                <a:latin typeface="Courier"/>
+              </a:rPr>
+              <a:t>]])] </a:t>
+            </a:r>
+            <a:r>
+              <a:rPr>
+                <a:solidFill>
+                  <a:srgbClr val="007020"/>
+                </a:solidFill>
+                <a:latin typeface="Courier"/>
+              </a:rPr>
+              <a:t>&lt;-</a:t>
+            </a:r>
+            <a:r>
+              <a:rPr>
+                <a:latin typeface="Courier"/>
+              </a:rPr>
+              <a:t> data</a:t>
+            </a:r>
+            <a:r>
+              <a:rPr>
+                <a:solidFill>
+                  <a:srgbClr val="4070A0"/>
+                </a:solidFill>
+                <a:latin typeface="Courier"/>
+              </a:rPr>
+              <a:t>$</a:t>
+            </a:r>
+            <a:r>
+              <a:rPr>
+                <a:latin typeface="Courier"/>
+              </a:rPr>
+              <a:t>cov[</a:t>
+            </a:r>
+            <a:r>
+              <a:rPr>
+                <a:solidFill>
+                  <a:srgbClr val="40A070"/>
+                </a:solidFill>
+                <a:latin typeface="Courier"/>
+              </a:rPr>
+              <a:t>1</a:t>
+            </a:r>
+            <a:r>
+              <a:rPr>
+                <a:solidFill>
+                  <a:srgbClr val="4070A0"/>
+                </a:solidFill>
+                <a:latin typeface="Courier"/>
+              </a:rPr>
+              <a:t>:</a:t>
+            </a:r>
+            <a:r>
+              <a:rPr>
+                <a:solidFill>
+                  <a:srgbClr val="40A070"/>
+                </a:solidFill>
+                <a:latin typeface="Courier"/>
+              </a:rPr>
+              <a:t>3</a:t>
+            </a:r>
+            <a:r>
+              <a:rPr>
+                <a:latin typeface="Courier"/>
+              </a:rPr>
+              <a:t>]</a:t>
+            </a:r>
+            <a:br/>
+            <a:br/>
+            <a:br/>
+            <a:r>
+              <a:rPr i="1">
+                <a:solidFill>
+                  <a:srgbClr val="BA2121"/>
+                </a:solidFill>
+                <a:latin typeface="Courier"/>
+              </a:rPr>
+              <a:t>### Testing out new make_VCV with contrast_data as example</a:t>
+            </a:r>
+            <a:br/>
+            <a:r>
+              <a:rPr>
+                <a:latin typeface="Courier"/>
+              </a:rPr>
+              <a:t>contrast_data</a:t>
+            </a:r>
+            <a:r>
+              <a:rPr>
+                <a:solidFill>
+                  <a:srgbClr val="4070A0"/>
+                </a:solidFill>
+                <a:latin typeface="Courier"/>
+              </a:rPr>
+              <a:t>$</a:t>
+            </a:r>
+            <a:r>
+              <a:rPr>
+                <a:latin typeface="Courier"/>
+              </a:rPr>
+              <a:t>cluster </a:t>
+            </a:r>
+            <a:r>
+              <a:rPr>
+                <a:solidFill>
+                  <a:srgbClr val="007020"/>
+                </a:solidFill>
+                <a:latin typeface="Courier"/>
+              </a:rPr>
+              <a:t>&lt;-</a:t>
+            </a:r>
+            <a:r>
+              <a:rPr>
+                <a:latin typeface="Courier"/>
+              </a:rPr>
+              <a:t> </a:t>
+            </a:r>
+            <a:r>
+              <a:rPr>
+                <a:solidFill>
+                  <a:srgbClr val="06287E"/>
+                </a:solidFill>
+                <a:latin typeface="Courier"/>
+              </a:rPr>
+              <a:t>c</a:t>
+            </a:r>
+            <a:r>
+              <a:rPr>
+                <a:latin typeface="Courier"/>
+              </a:rPr>
+              <a:t>(</a:t>
+            </a:r>
+            <a:r>
+              <a:rPr>
+                <a:solidFill>
+                  <a:srgbClr val="40A070"/>
+                </a:solidFill>
+                <a:latin typeface="Courier"/>
+              </a:rPr>
+              <a:t>1</a:t>
+            </a:r>
+            <a:r>
+              <a:rPr>
+                <a:latin typeface="Courier"/>
+              </a:rPr>
+              <a:t>,</a:t>
+            </a:r>
+            <a:r>
+              <a:rPr>
+                <a:solidFill>
+                  <a:srgbClr val="40A070"/>
+                </a:solidFill>
+                <a:latin typeface="Courier"/>
+              </a:rPr>
+              <a:t>1</a:t>
+            </a:r>
+            <a:r>
+              <a:rPr>
+                <a:latin typeface="Courier"/>
+              </a:rPr>
+              <a:t>,</a:t>
+            </a:r>
+            <a:r>
+              <a:rPr>
+                <a:solidFill>
+                  <a:srgbClr val="40A070"/>
+                </a:solidFill>
+                <a:latin typeface="Courier"/>
+              </a:rPr>
+              <a:t>2</a:t>
+            </a:r>
+            <a:r>
+              <a:rPr>
+                <a:latin typeface="Courier"/>
+              </a:rPr>
+              <a:t>,</a:t>
+            </a:r>
+            <a:r>
+              <a:rPr>
+                <a:solidFill>
+                  <a:srgbClr val="40A070"/>
+                </a:solidFill>
+                <a:latin typeface="Courier"/>
+              </a:rPr>
+              <a:t>2</a:t>
+            </a:r>
+            <a:r>
+              <a:rPr>
+                <a:latin typeface="Courier"/>
+              </a:rPr>
+              <a:t>,</a:t>
+            </a:r>
+            <a:r>
+              <a:rPr>
+                <a:solidFill>
+                  <a:srgbClr val="40A070"/>
+                </a:solidFill>
+                <a:latin typeface="Courier"/>
+              </a:rPr>
+              <a:t>3</a:t>
+            </a:r>
+            <a:r>
+              <a:rPr>
+                <a:latin typeface="Courier"/>
+              </a:rPr>
+              <a:t>,</a:t>
+            </a:r>
+            <a:r>
+              <a:rPr>
+                <a:solidFill>
+                  <a:srgbClr val="40A070"/>
+                </a:solidFill>
+                <a:latin typeface="Courier"/>
+              </a:rPr>
+              <a:t>3</a:t>
+            </a:r>
+            <a:r>
+              <a:rPr>
+                <a:latin typeface="Courier"/>
+              </a:rPr>
+              <a:t>,</a:t>
+            </a:r>
+            <a:r>
+              <a:rPr>
+                <a:solidFill>
+                  <a:srgbClr val="40A070"/>
+                </a:solidFill>
+                <a:latin typeface="Courier"/>
+              </a:rPr>
+              <a:t>3</a:t>
+            </a:r>
+            <a:r>
+              <a:rPr>
+                <a:latin typeface="Courier"/>
+              </a:rPr>
+              <a:t>,</a:t>
+            </a:r>
+            <a:r>
+              <a:rPr>
+                <a:solidFill>
+                  <a:srgbClr val="40A070"/>
+                </a:solidFill>
+                <a:latin typeface="Courier"/>
+              </a:rPr>
+              <a:t>0</a:t>
+            </a:r>
+            <a:r>
+              <a:rPr>
+                <a:latin typeface="Courier"/>
+              </a:rPr>
+              <a:t>,</a:t>
+            </a:r>
+            <a:r>
+              <a:rPr>
+                <a:solidFill>
+                  <a:srgbClr val="40A070"/>
+                </a:solidFill>
+                <a:latin typeface="Courier"/>
+              </a:rPr>
+              <a:t>0</a:t>
+            </a:r>
+            <a:r>
+              <a:rPr>
+                <a:latin typeface="Courier"/>
+              </a:rPr>
+              <a:t>,</a:t>
+            </a:r>
+            <a:r>
+              <a:rPr>
+                <a:solidFill>
+                  <a:srgbClr val="40A070"/>
+                </a:solidFill>
+                <a:latin typeface="Courier"/>
+              </a:rPr>
+              <a:t>0</a:t>
+            </a:r>
+            <a:r>
+              <a:rPr>
+                <a:latin typeface="Courier"/>
+              </a:rPr>
+              <a:t>,</a:t>
+            </a:r>
+            <a:r>
+              <a:rPr>
+                <a:solidFill>
+                  <a:srgbClr val="40A070"/>
+                </a:solidFill>
+                <a:latin typeface="Courier"/>
+              </a:rPr>
+              <a:t>0</a:t>
+            </a:r>
+            <a:r>
+              <a:rPr>
+                <a:latin typeface="Courier"/>
+              </a:rPr>
+              <a:t>)</a:t>
+            </a:r>
+            <a:br/>
+            <a:r>
+              <a:rPr>
+                <a:latin typeface="Courier"/>
+              </a:rPr>
+              <a:t>contrast_data</a:t>
+            </a:r>
+            <a:r>
+              <a:rPr>
+                <a:solidFill>
+                  <a:srgbClr val="4070A0"/>
+                </a:solidFill>
+                <a:latin typeface="Courier"/>
+              </a:rPr>
+              <a:t>$</a:t>
+            </a:r>
+            <a:r>
+              <a:rPr>
+                <a:latin typeface="Courier"/>
+              </a:rPr>
+              <a:t>cluster </a:t>
+            </a:r>
+            <a:r>
+              <a:rPr>
+                <a:solidFill>
+                  <a:srgbClr val="007020"/>
+                </a:solidFill>
+                <a:latin typeface="Courier"/>
+              </a:rPr>
+              <a:t>&lt;-</a:t>
+            </a:r>
+            <a:r>
+              <a:rPr>
+                <a:latin typeface="Courier"/>
+              </a:rPr>
+              <a:t> </a:t>
+            </a:r>
+            <a:r>
+              <a:rPr>
+                <a:solidFill>
+                  <a:srgbClr val="06287E"/>
+                </a:solidFill>
+                <a:latin typeface="Courier"/>
+              </a:rPr>
+              <a:t>paste0</a:t>
+            </a:r>
+            <a:r>
+              <a:rPr>
+                <a:latin typeface="Courier"/>
+              </a:rPr>
+              <a:t>(contrast_data</a:t>
+            </a:r>
+            <a:r>
+              <a:rPr>
+                <a:solidFill>
+                  <a:srgbClr val="4070A0"/>
+                </a:solidFill>
+                <a:latin typeface="Courier"/>
+              </a:rPr>
+              <a:t>$</a:t>
+            </a:r>
+            <a:r>
+              <a:rPr>
+                <a:latin typeface="Courier"/>
+              </a:rPr>
+              <a:t>cluster,</a:t>
+            </a:r>
+            <a:r>
+              <a:rPr>
+                <a:solidFill>
+                  <a:srgbClr val="4070A0"/>
+                </a:solidFill>
+                <a:latin typeface="Courier"/>
+              </a:rPr>
+              <a:t>"."</a:t>
+            </a:r>
+            <a:r>
+              <a:rPr>
+                <a:latin typeface="Courier"/>
+              </a:rPr>
+              <a:t>, contrast_data</a:t>
+            </a:r>
+            <a:r>
+              <a:rPr>
+                <a:solidFill>
+                  <a:srgbClr val="4070A0"/>
+                </a:solidFill>
+                <a:latin typeface="Courier"/>
+              </a:rPr>
+              <a:t>$</a:t>
+            </a:r>
+            <a:r>
+              <a:rPr>
+                <a:latin typeface="Courier"/>
+              </a:rPr>
+              <a:t>study_ID)</a:t>
+            </a:r>
+            <a:br/>
+            <a:br/>
+            <a:r>
+              <a:rPr>
+                <a:latin typeface="Courier"/>
+              </a:rPr>
+              <a:t>metaAidR</a:t>
+            </a:r>
+            <a:r>
+              <a:rPr>
+                <a:solidFill>
+                  <a:srgbClr val="4070A0"/>
+                </a:solidFill>
+                <a:latin typeface="Courier"/>
+              </a:rPr>
+              <a:t>::</a:t>
+            </a:r>
+            <a:r>
+              <a:rPr>
+                <a:solidFill>
+                  <a:srgbClr val="06287E"/>
+                </a:solidFill>
+                <a:latin typeface="Courier"/>
+              </a:rPr>
+              <a:t>make_VCV_matrix</a:t>
+            </a:r>
+            <a:r>
+              <a:rPr>
+                <a:latin typeface="Courier"/>
+              </a:rPr>
+              <a:t>(</a:t>
+            </a:r>
+            <a:r>
+              <a:rPr>
+                <a:solidFill>
+                  <a:srgbClr val="7D9029"/>
+                </a:solidFill>
+                <a:latin typeface="Courier"/>
+              </a:rPr>
+              <a:t>data =</a:t>
+            </a:r>
+            <a:r>
+              <a:rPr>
+                <a:latin typeface="Courier"/>
+              </a:rPr>
+              <a:t> contrast_data, </a:t>
+            </a:r>
+            <a:r>
+              <a:rPr>
+                <a:solidFill>
+                  <a:srgbClr val="7D9029"/>
+                </a:solidFill>
+                <a:latin typeface="Courier"/>
+              </a:rPr>
+              <a:t>V =</a:t>
+            </a:r>
+            <a:r>
+              <a:rPr>
+                <a:latin typeface="Courier"/>
+              </a:rPr>
+              <a:t> </a:t>
+            </a:r>
+            <a:r>
+              <a:rPr>
+                <a:solidFill>
+                  <a:srgbClr val="4070A0"/>
+                </a:solidFill>
+                <a:latin typeface="Courier"/>
+              </a:rPr>
+              <a:t>"v_lnRR"</a:t>
+            </a:r>
+            <a:r>
+              <a:rPr>
+                <a:latin typeface="Courier"/>
+              </a:rPr>
+              <a:t>, </a:t>
+            </a:r>
+            <a:r>
+              <a:rPr>
+                <a:solidFill>
+                  <a:srgbClr val="7D9029"/>
+                </a:solidFill>
+                <a:latin typeface="Courier"/>
+              </a:rPr>
+              <a:t>obs =</a:t>
+            </a:r>
+            <a:r>
+              <a:rPr>
+                <a:latin typeface="Courier"/>
+              </a:rPr>
+              <a:t> </a:t>
+            </a:r>
+            <a:r>
+              <a:rPr>
+                <a:solidFill>
+                  <a:srgbClr val="4070A0"/>
+                </a:solidFill>
+                <a:latin typeface="Courier"/>
+              </a:rPr>
+              <a:t>"obs"</a:t>
+            </a:r>
+            <a:r>
+              <a:rPr>
+                <a:latin typeface="Courier"/>
+              </a:rPr>
+              <a:t>, </a:t>
+            </a:r>
+            <a:r>
+              <a:rPr>
+                <a:solidFill>
+                  <a:srgbClr val="7D9029"/>
+                </a:solidFill>
+                <a:latin typeface="Courier"/>
+              </a:rPr>
+              <a:t>cluster =</a:t>
+            </a:r>
+            <a:r>
+              <a:rPr>
+                <a:latin typeface="Courier"/>
+              </a:rPr>
+              <a:t> </a:t>
+            </a:r>
+            <a:r>
+              <a:rPr>
+                <a:solidFill>
+                  <a:srgbClr val="4070A0"/>
+                </a:solidFill>
+                <a:latin typeface="Courier"/>
+              </a:rPr>
+              <a:t>"cluster"</a:t>
+            </a:r>
+            <a:r>
+              <a:rPr>
+                <a:latin typeface="Courier"/>
+              </a:rPr>
+              <a:t>, </a:t>
+            </a:r>
+            <a:r>
+              <a:rPr>
+                <a:solidFill>
+                  <a:srgbClr val="7D9029"/>
+                </a:solidFill>
+                <a:latin typeface="Courier"/>
+              </a:rPr>
+              <a:t>type =</a:t>
+            </a:r>
+            <a:r>
+              <a:rPr>
+                <a:latin typeface="Courier"/>
+              </a:rPr>
+              <a:t> </a:t>
+            </a:r>
+            <a:r>
+              <a:rPr>
+                <a:solidFill>
+                  <a:srgbClr val="4070A0"/>
+                </a:solidFill>
+                <a:latin typeface="Courier"/>
+              </a:rPr>
+              <a:t>"cor"</a:t>
+            </a:r>
+            <a:r>
+              <a:rPr>
+                <a:latin typeface="Courier"/>
+              </a:rPr>
+              <a:t>)</a:t>
+            </a:r>
+            <a:br/>
+            <a:br/>
+            <a:r>
+              <a:rPr>
+                <a:solidFill>
+                  <a:srgbClr val="06287E"/>
+                </a:solidFill>
+                <a:latin typeface="Courier"/>
+              </a:rPr>
+              <a:t>make_VCV_matrix</a:t>
+            </a:r>
+            <a:r>
+              <a:rPr>
+                <a:latin typeface="Courier"/>
+              </a:rPr>
+              <a:t>(contrast_data, </a:t>
+            </a:r>
+            <a:r>
+              <a:rPr>
+                <a:solidFill>
+                  <a:srgbClr val="7D9029"/>
+                </a:solidFill>
+                <a:latin typeface="Courier"/>
+              </a:rPr>
+              <a:t>V =</a:t>
+            </a:r>
+            <a:r>
+              <a:rPr>
+                <a:latin typeface="Courier"/>
+              </a:rPr>
+              <a:t> </a:t>
+            </a:r>
+            <a:r>
+              <a:rPr>
+                <a:solidFill>
+                  <a:srgbClr val="4070A0"/>
+                </a:solidFill>
+                <a:latin typeface="Courier"/>
+              </a:rPr>
+              <a:t>"v_lnRR"</a:t>
+            </a:r>
+            <a:r>
+              <a:rPr>
+                <a:latin typeface="Courier"/>
+              </a:rPr>
+              <a:t>, </a:t>
+            </a:r>
+            <a:r>
+              <a:rPr>
+                <a:solidFill>
+                  <a:srgbClr val="7D9029"/>
+                </a:solidFill>
+                <a:latin typeface="Courier"/>
+              </a:rPr>
+              <a:t>obs =</a:t>
+            </a:r>
+            <a:r>
+              <a:rPr>
+                <a:latin typeface="Courier"/>
+              </a:rPr>
+              <a:t> </a:t>
+            </a:r>
+            <a:r>
+              <a:rPr>
+                <a:solidFill>
+                  <a:srgbClr val="4070A0"/>
+                </a:solidFill>
+                <a:latin typeface="Courier"/>
+              </a:rPr>
+              <a:t>"obs"</a:t>
+            </a:r>
+            <a:r>
+              <a:rPr>
+                <a:latin typeface="Courier"/>
+              </a:rPr>
+              <a:t>, </a:t>
+            </a:r>
+            <a:r>
+              <a:rPr>
+                <a:solidFill>
+                  <a:srgbClr val="7D9029"/>
+                </a:solidFill>
+                <a:latin typeface="Courier"/>
+              </a:rPr>
+              <a:t>cluster =</a:t>
+            </a:r>
+            <a:r>
+              <a:rPr>
+                <a:latin typeface="Courier"/>
+              </a:rPr>
+              <a:t> </a:t>
+            </a:r>
+            <a:r>
+              <a:rPr>
+                <a:solidFill>
+                  <a:srgbClr val="4070A0"/>
+                </a:solidFill>
+                <a:latin typeface="Courier"/>
+              </a:rPr>
+              <a:t>"cluster"</a:t>
+            </a:r>
+            <a:r>
+              <a:rPr>
+                <a:latin typeface="Courier"/>
+              </a:rPr>
+              <a:t>, </a:t>
+            </a:r>
+            <a:r>
+              <a:rPr>
+                <a:solidFill>
+                  <a:srgbClr val="7D9029"/>
+                </a:solidFill>
+                <a:latin typeface="Courier"/>
+              </a:rPr>
+              <a:t>m =</a:t>
+            </a:r>
+            <a:r>
+              <a:rPr>
+                <a:latin typeface="Courier"/>
+              </a:rPr>
+              <a:t> </a:t>
+            </a:r>
+            <a:r>
+              <a:rPr>
+                <a:solidFill>
+                  <a:srgbClr val="4070A0"/>
+                </a:solidFill>
+                <a:latin typeface="Courier"/>
+              </a:rPr>
+              <a:t>"mean_core"</a:t>
+            </a:r>
+            <a:r>
+              <a:rPr>
+                <a:latin typeface="Courier"/>
+              </a:rPr>
+              <a:t>, </a:t>
+            </a:r>
+            <a:r>
+              <a:rPr>
+                <a:solidFill>
+                  <a:srgbClr val="7D9029"/>
+                </a:solidFill>
+                <a:latin typeface="Courier"/>
+              </a:rPr>
+              <a:t>sd =</a:t>
+            </a:r>
+            <a:r>
+              <a:rPr>
+                <a:latin typeface="Courier"/>
+              </a:rPr>
+              <a:t> </a:t>
+            </a:r>
+            <a:r>
+              <a:rPr>
+                <a:solidFill>
+                  <a:srgbClr val="4070A0"/>
+                </a:solidFill>
+                <a:latin typeface="Courier"/>
+              </a:rPr>
+              <a:t>"sd_core"</a:t>
+            </a:r>
+            <a:r>
+              <a:rPr>
+                <a:latin typeface="Courier"/>
+              </a:rPr>
+              <a:t>, </a:t>
+            </a:r>
+            <a:r>
+              <a:rPr>
+                <a:solidFill>
+                  <a:srgbClr val="7D9029"/>
+                </a:solidFill>
+                <a:latin typeface="Courier"/>
+              </a:rPr>
+              <a:t>n =</a:t>
+            </a:r>
+            <a:r>
+              <a:rPr>
+                <a:latin typeface="Courier"/>
+              </a:rPr>
+              <a:t> </a:t>
+            </a:r>
+            <a:r>
+              <a:rPr>
+                <a:solidFill>
+                  <a:srgbClr val="4070A0"/>
+                </a:solidFill>
+                <a:latin typeface="Courier"/>
+              </a:rPr>
+              <a:t>"n_core"</a:t>
+            </a:r>
+            <a:r>
+              <a:rPr>
+                <a:latin typeface="Courier"/>
+              </a:rPr>
+              <a:t>, </a:t>
+            </a:r>
+            <a:r>
+              <a:rPr>
+                <a:solidFill>
+                  <a:srgbClr val="7D9029"/>
+                </a:solidFill>
+                <a:latin typeface="Courier"/>
+              </a:rPr>
+              <a:t>cov_type =</a:t>
+            </a:r>
+            <a:r>
+              <a:rPr>
+                <a:latin typeface="Courier"/>
+              </a:rPr>
+              <a:t> </a:t>
+            </a:r>
+            <a:r>
+              <a:rPr>
+                <a:solidFill>
+                  <a:srgbClr val="4070A0"/>
+                </a:solidFill>
+                <a:latin typeface="Courier"/>
+              </a:rPr>
+              <a:t>"ROM"</a:t>
+            </a:r>
+            <a:r>
+              <a:rPr>
+                <a:latin typeface="Courier"/>
+              </a:rPr>
+              <a:t>)</a:t>
             </a:r>
           </a:p>
         </p:txBody>
@@ -11009,7 +13316,7 @@
               <a:rPr>
                 <a:latin typeface="Courier"/>
               </a:rPr>
-              <a:t>## [1] 0.2004822</a:t>
+              <a:t>## [1] -0.0549564</a:t>
             </a:r>
           </a:p>
           <a:p>
@@ -11044,13 +13351,13 @@
 ##  Welch Two Sample t-test
 ## 
 ## data:  trt_26C and trt_8C
-## t = 1.3226, df = 10.893, p-value = 0.2131
+## t = -0.39812, df = 11.942, p-value = 0.6976
 ## alternative hypothesis: true difference in means is not equal to 0
 ## 95 percent confidence interval:
-##  -0.1335494  0.5345138
+##  -0.3558830  0.2459702
 ## sample estimates:
 ## mean of x mean of y 
-## 0.5349029 0.3344207</a:t>
+## 0.6234178 0.6783742</a:t>
             </a:r>
           </a:p>
         </p:txBody>
@@ -11532,6 +13839,1521 @@
           </a:p>
         </p:txBody>
       </p:sp>
+    </p:spTree>
+  </p:cSld>
+</p:sld>
+</file>
+
+<file path=ppt/slides/slide31.xml><?xml version="1.0" encoding="utf-8"?>
+<p:sld xmlns:a="http://schemas.openxmlformats.org/drawingml/2006/main" xmlns:r="http://schemas.openxmlformats.org/officeDocument/2006/relationships" xmlns:p="http://schemas.openxmlformats.org/presentationml/2006/main">
+  <p:cSld>
+    <p:spTree>
+      <p:nvGrpSpPr>
+        <p:cNvPr id="1" name=""/>
+        <p:cNvGrpSpPr/>
+        <p:nvPr/>
+      </p:nvGrpSpPr>
+      <p:grpSpPr>
+        <a:xfrm>
+          <a:off x="0" y="0"/>
+          <a:ext cx="0" cy="0"/>
+          <a:chOff x="0" y="0"/>
+          <a:chExt cx="0" cy="0"/>
+        </a:xfrm>
+      </p:grpSpPr>
+      <p:sp>
+        <p:nvSpPr>
+          <p:cNvPr id="2" name="Title 1"/>
+          <p:cNvSpPr>
+            <a:spLocks noGrp="1"/>
+          </p:cNvSpPr>
+          <p:nvPr>
+            <p:ph type="title"/>
+          </p:nvPr>
+        </p:nvSpPr>
+        <p:spPr/>
+        <p:txBody>
+          <a:bodyPr/>
+          <a:lstStyle/>
+          <a:p>
+            <a:pPr lvl="0" indent="0" marL="0">
+              <a:buNone/>
+            </a:pPr>
+            <a:r>
+              <a:rPr/>
+              <a:t>Q10 write our functioon</a:t>
+            </a:r>
+          </a:p>
+        </p:txBody>
+      </p:sp>
+      <p:sp>
+        <p:nvSpPr>
+          <p:cNvPr id="3" name="Content Placeholder 2"/>
+          <p:cNvSpPr>
+            <a:spLocks noGrp="1"/>
+          </p:cNvSpPr>
+          <p:nvPr>
+            <p:ph idx="1"/>
+          </p:nvPr>
+        </p:nvSpPr>
+        <p:spPr/>
+        <p:txBody>
+          <a:bodyPr/>
+          <a:lstStyle/>
+          <a:p>
+            <a:pPr lvl="0" indent="0">
+              <a:buNone/>
+            </a:pPr>
+            <a:r>
+              <a:rPr i="1">
+                <a:solidFill>
+                  <a:srgbClr val="60A0B0"/>
+                </a:solidFill>
+                <a:latin typeface="Courier"/>
+              </a:rPr>
+              <a:t>#' @title lnRR_Q10</a:t>
+            </a:r>
+            <a:br/>
+            <a:r>
+              <a:rPr i="1">
+                <a:solidFill>
+                  <a:srgbClr val="60A0B0"/>
+                </a:solidFill>
+                <a:latin typeface="Courier"/>
+              </a:rPr>
+              <a:t>#' @description Calculates the log Q10 response ratio.  Note that temperature 2 is placed in the numerator and temperature 1 is in the denominator</a:t>
+            </a:r>
+            <a:br/>
+            <a:r>
+              <a:rPr i="1">
+                <a:solidFill>
+                  <a:srgbClr val="60A0B0"/>
+                </a:solidFill>
+                <a:latin typeface="Courier"/>
+              </a:rPr>
+              <a:t>#' @param t1  Lowest of the two treatment temperatures</a:t>
+            </a:r>
+            <a:br/>
+            <a:r>
+              <a:rPr i="1">
+                <a:solidFill>
+                  <a:srgbClr val="60A0B0"/>
+                </a:solidFill>
+                <a:latin typeface="Courier"/>
+              </a:rPr>
+              <a:t>#' @param t2  Highest of the two treatment temperatures</a:t>
+            </a:r>
+            <a:br/>
+            <a:r>
+              <a:rPr i="1">
+                <a:solidFill>
+                  <a:srgbClr val="60A0B0"/>
+                </a:solidFill>
+                <a:latin typeface="Courier"/>
+              </a:rPr>
+              <a:t>#' @param r1  Mean physiological rate for temperature 1</a:t>
+            </a:r>
+            <a:br/>
+            <a:r>
+              <a:rPr i="1">
+                <a:solidFill>
+                  <a:srgbClr val="60A0B0"/>
+                </a:solidFill>
+                <a:latin typeface="Courier"/>
+              </a:rPr>
+              <a:t>#' @param r2  Mean physiological rate for temperature 2</a:t>
+            </a:r>
+            <a:br/>
+            <a:r>
+              <a:rPr i="1">
+                <a:solidFill>
+                  <a:srgbClr val="60A0B0"/>
+                </a:solidFill>
+                <a:latin typeface="Courier"/>
+              </a:rPr>
+              <a:t>#' @param sd1 Standard deviation for physiological rates at temperature 1</a:t>
+            </a:r>
+            <a:br/>
+            <a:r>
+              <a:rPr i="1">
+                <a:solidFill>
+                  <a:srgbClr val="60A0B0"/>
+                </a:solidFill>
+                <a:latin typeface="Courier"/>
+              </a:rPr>
+              <a:t>#' @param sd2 Standard deviation for physiological rates at temperature 2</a:t>
+            </a:r>
+            <a:br/>
+            <a:r>
+              <a:rPr i="1">
+                <a:solidFill>
+                  <a:srgbClr val="60A0B0"/>
+                </a:solidFill>
+                <a:latin typeface="Courier"/>
+              </a:rPr>
+              <a:t>#' @param n1  Sample size at temperature 1</a:t>
+            </a:r>
+            <a:br/>
+            <a:r>
+              <a:rPr i="1">
+                <a:solidFill>
+                  <a:srgbClr val="60A0B0"/>
+                </a:solidFill>
+                <a:latin typeface="Courier"/>
+              </a:rPr>
+              <a:t>#' @param n2  Sample size at temperature 2</a:t>
+            </a:r>
+            <a:br/>
+            <a:r>
+              <a:rPr i="1">
+                <a:solidFill>
+                  <a:srgbClr val="60A0B0"/>
+                </a:solidFill>
+                <a:latin typeface="Courier"/>
+              </a:rPr>
+              <a:t>#' @param name Character string for column name</a:t>
+            </a:r>
+            <a:br/>
+            <a:r>
+              <a:rPr i="1">
+                <a:solidFill>
+                  <a:srgbClr val="60A0B0"/>
+                </a:solidFill>
+                <a:latin typeface="Courier"/>
+              </a:rPr>
+              <a:t>#' @example</a:t>
+            </a:r>
+            <a:br/>
+            <a:r>
+              <a:rPr i="1">
+                <a:solidFill>
+                  <a:srgbClr val="60A0B0"/>
+                </a:solidFill>
+                <a:latin typeface="Courier"/>
+              </a:rPr>
+              <a:t>#' lnRR_Q10(20, 30, 10, 5, 1, 1, 30, 30)</a:t>
+            </a:r>
+            <a:br/>
+            <a:r>
+              <a:rPr i="1">
+                <a:solidFill>
+                  <a:srgbClr val="60A0B0"/>
+                </a:solidFill>
+                <a:latin typeface="Courier"/>
+              </a:rPr>
+              <a:t>#' lnRR_Q10(20, 30, 10, 5, 1, 1, 30, 30, name = "acclim")</a:t>
+            </a:r>
+            <a:br/>
+            <a:r>
+              <a:rPr i="1">
+                <a:solidFill>
+                  <a:srgbClr val="60A0B0"/>
+                </a:solidFill>
+                <a:latin typeface="Courier"/>
+              </a:rPr>
+              <a:t>#' @export</a:t>
+            </a:r>
+            <a:br/>
+            <a:br/>
+            <a:r>
+              <a:rPr>
+                <a:latin typeface="Courier"/>
+              </a:rPr>
+              <a:t>lnRR_Q10 </a:t>
+            </a:r>
+            <a:r>
+              <a:rPr>
+                <a:solidFill>
+                  <a:srgbClr val="007020"/>
+                </a:solidFill>
+                <a:latin typeface="Courier"/>
+              </a:rPr>
+              <a:t>&lt;-</a:t>
+            </a:r>
+            <a:r>
+              <a:rPr>
+                <a:latin typeface="Courier"/>
+              </a:rPr>
+              <a:t> </a:t>
+            </a:r>
+            <a:r>
+              <a:rPr b="1">
+                <a:solidFill>
+                  <a:srgbClr val="007020"/>
+                </a:solidFill>
+                <a:latin typeface="Courier"/>
+              </a:rPr>
+              <a:t>function</a:t>
+            </a:r>
+            <a:r>
+              <a:rPr>
+                <a:latin typeface="Courier"/>
+              </a:rPr>
+              <a:t>(t1, t2, r1, r2, sd1, sd2, n1, n2, </a:t>
+            </a:r>
+            <a:r>
+              <a:rPr>
+                <a:solidFill>
+                  <a:srgbClr val="7D9029"/>
+                </a:solidFill>
+                <a:latin typeface="Courier"/>
+              </a:rPr>
+              <a:t>name =</a:t>
+            </a:r>
+            <a:r>
+              <a:rPr>
+                <a:solidFill>
+                  <a:srgbClr val="4070A0"/>
+                </a:solidFill>
+                <a:latin typeface="Courier"/>
+              </a:rPr>
+              <a:t>"acute"</a:t>
+            </a:r>
+            <a:r>
+              <a:rPr>
+                <a:latin typeface="Courier"/>
+              </a:rPr>
+              <a:t>){</a:t>
+            </a:r>
+            <a:br/>
+            <a:r>
+              <a:rPr>
+                <a:latin typeface="Courier"/>
+              </a:rPr>
+              <a:t>        </a:t>
+            </a:r>
+            <a:br/>
+            <a:r>
+              <a:rPr>
+                <a:latin typeface="Courier"/>
+              </a:rPr>
+              <a:t>    lnRR_Q10 </a:t>
+            </a:r>
+            <a:r>
+              <a:rPr>
+                <a:solidFill>
+                  <a:srgbClr val="007020"/>
+                </a:solidFill>
+                <a:latin typeface="Courier"/>
+              </a:rPr>
+              <a:t>&lt;-</a:t>
+            </a:r>
+            <a:r>
+              <a:rPr>
+                <a:latin typeface="Courier"/>
+              </a:rPr>
+              <a:t> (</a:t>
+            </a:r>
+            <a:r>
+              <a:rPr>
+                <a:solidFill>
+                  <a:srgbClr val="40A070"/>
+                </a:solidFill>
+                <a:latin typeface="Courier"/>
+              </a:rPr>
+              <a:t>10</a:t>
+            </a:r>
+            <a:r>
+              <a:rPr>
+                <a:latin typeface="Courier"/>
+              </a:rPr>
+              <a:t> </a:t>
+            </a:r>
+            <a:r>
+              <a:rPr>
+                <a:solidFill>
+                  <a:srgbClr val="4070A0"/>
+                </a:solidFill>
+                <a:latin typeface="Courier"/>
+              </a:rPr>
+              <a:t>/</a:t>
+            </a:r>
+            <a:r>
+              <a:rPr>
+                <a:latin typeface="Courier"/>
+              </a:rPr>
+              <a:t> (t2 </a:t>
+            </a:r>
+            <a:r>
+              <a:rPr>
+                <a:solidFill>
+                  <a:srgbClr val="4070A0"/>
+                </a:solidFill>
+                <a:latin typeface="Courier"/>
+              </a:rPr>
+              <a:t>-</a:t>
+            </a:r>
+            <a:r>
+              <a:rPr>
+                <a:latin typeface="Courier"/>
+              </a:rPr>
+              <a:t> t1))   </a:t>
+            </a:r>
+            <a:r>
+              <a:rPr>
+                <a:solidFill>
+                  <a:srgbClr val="4070A0"/>
+                </a:solidFill>
+                <a:latin typeface="Courier"/>
+              </a:rPr>
+              <a:t>*</a:t>
+            </a:r>
+            <a:r>
+              <a:rPr>
+                <a:latin typeface="Courier"/>
+              </a:rPr>
+              <a:t> </a:t>
+            </a:r>
+            <a:r>
+              <a:rPr>
+                <a:solidFill>
+                  <a:srgbClr val="06287E"/>
+                </a:solidFill>
+                <a:latin typeface="Courier"/>
+              </a:rPr>
+              <a:t>log</a:t>
+            </a:r>
+            <a:r>
+              <a:rPr>
+                <a:latin typeface="Courier"/>
+              </a:rPr>
+              <a:t>(r2 </a:t>
+            </a:r>
+            <a:r>
+              <a:rPr>
+                <a:solidFill>
+                  <a:srgbClr val="4070A0"/>
+                </a:solidFill>
+                <a:latin typeface="Courier"/>
+              </a:rPr>
+              <a:t>/</a:t>
+            </a:r>
+            <a:r>
+              <a:rPr>
+                <a:latin typeface="Courier"/>
+              </a:rPr>
+              <a:t> r1)</a:t>
+            </a:r>
+            <a:br/>
+            <a:r>
+              <a:rPr>
+                <a:latin typeface="Courier"/>
+              </a:rPr>
+              <a:t>  V_lnRR_Q10 </a:t>
+            </a:r>
+            <a:r>
+              <a:rPr>
+                <a:solidFill>
+                  <a:srgbClr val="007020"/>
+                </a:solidFill>
+                <a:latin typeface="Courier"/>
+              </a:rPr>
+              <a:t>&lt;-</a:t>
+            </a:r>
+            <a:r>
+              <a:rPr>
+                <a:latin typeface="Courier"/>
+              </a:rPr>
+              <a:t> (</a:t>
+            </a:r>
+            <a:r>
+              <a:rPr>
+                <a:solidFill>
+                  <a:srgbClr val="40A070"/>
+                </a:solidFill>
+                <a:latin typeface="Courier"/>
+              </a:rPr>
+              <a:t>10</a:t>
+            </a:r>
+            <a:r>
+              <a:rPr>
+                <a:latin typeface="Courier"/>
+              </a:rPr>
+              <a:t> </a:t>
+            </a:r>
+            <a:r>
+              <a:rPr>
+                <a:solidFill>
+                  <a:srgbClr val="4070A0"/>
+                </a:solidFill>
+                <a:latin typeface="Courier"/>
+              </a:rPr>
+              <a:t>/</a:t>
+            </a:r>
+            <a:r>
+              <a:rPr>
+                <a:latin typeface="Courier"/>
+              </a:rPr>
+              <a:t> (t2 </a:t>
+            </a:r>
+            <a:r>
+              <a:rPr>
+                <a:solidFill>
+                  <a:srgbClr val="4070A0"/>
+                </a:solidFill>
+                <a:latin typeface="Courier"/>
+              </a:rPr>
+              <a:t>-</a:t>
+            </a:r>
+            <a:r>
+              <a:rPr>
+                <a:latin typeface="Courier"/>
+              </a:rPr>
+              <a:t> t1))</a:t>
+            </a:r>
+            <a:r>
+              <a:rPr>
+                <a:solidFill>
+                  <a:srgbClr val="4070A0"/>
+                </a:solidFill>
+                <a:latin typeface="Courier"/>
+              </a:rPr>
+              <a:t>^</a:t>
+            </a:r>
+            <a:r>
+              <a:rPr>
+                <a:solidFill>
+                  <a:srgbClr val="40A070"/>
+                </a:solidFill>
+                <a:latin typeface="Courier"/>
+              </a:rPr>
+              <a:t>2</a:t>
+            </a:r>
+            <a:r>
+              <a:rPr>
+                <a:latin typeface="Courier"/>
+              </a:rPr>
+              <a:t> </a:t>
+            </a:r>
+            <a:r>
+              <a:rPr>
+                <a:solidFill>
+                  <a:srgbClr val="4070A0"/>
+                </a:solidFill>
+                <a:latin typeface="Courier"/>
+              </a:rPr>
+              <a:t>*</a:t>
+            </a:r>
+            <a:r>
+              <a:rPr>
+                <a:latin typeface="Courier"/>
+              </a:rPr>
+              <a:t> ((sd1</a:t>
+            </a:r>
+            <a:r>
+              <a:rPr>
+                <a:solidFill>
+                  <a:srgbClr val="4070A0"/>
+                </a:solidFill>
+                <a:latin typeface="Courier"/>
+              </a:rPr>
+              <a:t>^</a:t>
+            </a:r>
+            <a:r>
+              <a:rPr>
+                <a:solidFill>
+                  <a:srgbClr val="40A070"/>
+                </a:solidFill>
+                <a:latin typeface="Courier"/>
+              </a:rPr>
+              <a:t>2</a:t>
+            </a:r>
+            <a:r>
+              <a:rPr>
+                <a:latin typeface="Courier"/>
+              </a:rPr>
+              <a:t> </a:t>
+            </a:r>
+            <a:r>
+              <a:rPr>
+                <a:solidFill>
+                  <a:srgbClr val="4070A0"/>
+                </a:solidFill>
+                <a:latin typeface="Courier"/>
+              </a:rPr>
+              <a:t>/</a:t>
+            </a:r>
+            <a:r>
+              <a:rPr>
+                <a:latin typeface="Courier"/>
+              </a:rPr>
+              <a:t> (n1</a:t>
+            </a:r>
+            <a:r>
+              <a:rPr>
+                <a:solidFill>
+                  <a:srgbClr val="4070A0"/>
+                </a:solidFill>
+                <a:latin typeface="Courier"/>
+              </a:rPr>
+              <a:t>*</a:t>
+            </a:r>
+            <a:r>
+              <a:rPr>
+                <a:latin typeface="Courier"/>
+              </a:rPr>
+              <a:t>r1</a:t>
+            </a:r>
+            <a:r>
+              <a:rPr>
+                <a:solidFill>
+                  <a:srgbClr val="4070A0"/>
+                </a:solidFill>
+                <a:latin typeface="Courier"/>
+              </a:rPr>
+              <a:t>^</a:t>
+            </a:r>
+            <a:r>
+              <a:rPr>
+                <a:solidFill>
+                  <a:srgbClr val="40A070"/>
+                </a:solidFill>
+                <a:latin typeface="Courier"/>
+              </a:rPr>
+              <a:t>2</a:t>
+            </a:r>
+            <a:r>
+              <a:rPr>
+                <a:latin typeface="Courier"/>
+              </a:rPr>
+              <a:t>)) </a:t>
+            </a:r>
+            <a:r>
+              <a:rPr>
+                <a:solidFill>
+                  <a:srgbClr val="4070A0"/>
+                </a:solidFill>
+                <a:latin typeface="Courier"/>
+              </a:rPr>
+              <a:t>+</a:t>
+            </a:r>
+            <a:r>
+              <a:rPr>
+                <a:latin typeface="Courier"/>
+              </a:rPr>
+              <a:t> (sd2</a:t>
+            </a:r>
+            <a:r>
+              <a:rPr>
+                <a:solidFill>
+                  <a:srgbClr val="4070A0"/>
+                </a:solidFill>
+                <a:latin typeface="Courier"/>
+              </a:rPr>
+              <a:t>^</a:t>
+            </a:r>
+            <a:r>
+              <a:rPr>
+                <a:solidFill>
+                  <a:srgbClr val="40A070"/>
+                </a:solidFill>
+                <a:latin typeface="Courier"/>
+              </a:rPr>
+              <a:t>2</a:t>
+            </a:r>
+            <a:r>
+              <a:rPr>
+                <a:latin typeface="Courier"/>
+              </a:rPr>
+              <a:t> </a:t>
+            </a:r>
+            <a:r>
+              <a:rPr>
+                <a:solidFill>
+                  <a:srgbClr val="4070A0"/>
+                </a:solidFill>
+                <a:latin typeface="Courier"/>
+              </a:rPr>
+              <a:t>/</a:t>
+            </a:r>
+            <a:r>
+              <a:rPr>
+                <a:latin typeface="Courier"/>
+              </a:rPr>
+              <a:t> (n2</a:t>
+            </a:r>
+            <a:r>
+              <a:rPr>
+                <a:solidFill>
+                  <a:srgbClr val="4070A0"/>
+                </a:solidFill>
+                <a:latin typeface="Courier"/>
+              </a:rPr>
+              <a:t>*</a:t>
+            </a:r>
+            <a:r>
+              <a:rPr>
+                <a:latin typeface="Courier"/>
+              </a:rPr>
+              <a:t>r2</a:t>
+            </a:r>
+            <a:r>
+              <a:rPr>
+                <a:solidFill>
+                  <a:srgbClr val="4070A0"/>
+                </a:solidFill>
+                <a:latin typeface="Courier"/>
+              </a:rPr>
+              <a:t>^</a:t>
+            </a:r>
+            <a:r>
+              <a:rPr>
+                <a:solidFill>
+                  <a:srgbClr val="40A070"/>
+                </a:solidFill>
+                <a:latin typeface="Courier"/>
+              </a:rPr>
+              <a:t>2</a:t>
+            </a:r>
+            <a:r>
+              <a:rPr>
+                <a:latin typeface="Courier"/>
+              </a:rPr>
+              <a:t>)))</a:t>
+            </a:r>
+            <a:br/>
+            <a:r>
+              <a:rPr>
+                <a:latin typeface="Courier"/>
+              </a:rPr>
+              <a:t>  </a:t>
+            </a:r>
+            <a:br/>
+            <a:r>
+              <a:rPr>
+                <a:latin typeface="Courier"/>
+              </a:rPr>
+              <a:t>              dat </a:t>
+            </a:r>
+            <a:r>
+              <a:rPr>
+                <a:solidFill>
+                  <a:srgbClr val="007020"/>
+                </a:solidFill>
+                <a:latin typeface="Courier"/>
+              </a:rPr>
+              <a:t>&lt;-</a:t>
+            </a:r>
+            <a:r>
+              <a:rPr>
+                <a:latin typeface="Courier"/>
+              </a:rPr>
+              <a:t> </a:t>
+            </a:r>
+            <a:r>
+              <a:rPr>
+                <a:solidFill>
+                  <a:srgbClr val="06287E"/>
+                </a:solidFill>
+                <a:latin typeface="Courier"/>
+              </a:rPr>
+              <a:t>data.frame</a:t>
+            </a:r>
+            <a:r>
+              <a:rPr>
+                <a:latin typeface="Courier"/>
+              </a:rPr>
+              <a:t>(lnRR_Q10, V_lnRR_Q10)</a:t>
+            </a:r>
+            <a:br/>
+            <a:r>
+              <a:rPr>
+                <a:latin typeface="Courier"/>
+              </a:rPr>
+              <a:t>    </a:t>
+            </a:r>
+            <a:r>
+              <a:rPr>
+                <a:solidFill>
+                  <a:srgbClr val="06287E"/>
+                </a:solidFill>
+                <a:latin typeface="Courier"/>
+              </a:rPr>
+              <a:t>colnames</a:t>
+            </a:r>
+            <a:r>
+              <a:rPr>
+                <a:latin typeface="Courier"/>
+              </a:rPr>
+              <a:t>(dat) </a:t>
+            </a:r>
+            <a:r>
+              <a:rPr>
+                <a:solidFill>
+                  <a:srgbClr val="007020"/>
+                </a:solidFill>
+                <a:latin typeface="Courier"/>
+              </a:rPr>
+              <a:t>&lt;-</a:t>
+            </a:r>
+            <a:r>
+              <a:rPr>
+                <a:latin typeface="Courier"/>
+              </a:rPr>
+              <a:t> </a:t>
+            </a:r>
+            <a:r>
+              <a:rPr>
+                <a:solidFill>
+                  <a:srgbClr val="06287E"/>
+                </a:solidFill>
+                <a:latin typeface="Courier"/>
+              </a:rPr>
+              <a:t>c</a:t>
+            </a:r>
+            <a:r>
+              <a:rPr>
+                <a:latin typeface="Courier"/>
+              </a:rPr>
+              <a:t>(</a:t>
+            </a:r>
+            <a:r>
+              <a:rPr>
+                <a:solidFill>
+                  <a:srgbClr val="06287E"/>
+                </a:solidFill>
+                <a:latin typeface="Courier"/>
+              </a:rPr>
+              <a:t>paste0</a:t>
+            </a:r>
+            <a:r>
+              <a:rPr>
+                <a:latin typeface="Courier"/>
+              </a:rPr>
+              <a:t>(</a:t>
+            </a:r>
+            <a:r>
+              <a:rPr>
+                <a:solidFill>
+                  <a:srgbClr val="4070A0"/>
+                </a:solidFill>
+                <a:latin typeface="Courier"/>
+              </a:rPr>
+              <a:t>"lnRR_Q10"</a:t>
+            </a:r>
+            <a:r>
+              <a:rPr>
+                <a:latin typeface="Courier"/>
+              </a:rPr>
+              <a:t>, name),  </a:t>
+            </a:r>
+            <a:br/>
+            <a:r>
+              <a:rPr>
+                <a:latin typeface="Courier"/>
+              </a:rPr>
+              <a:t>                       </a:t>
+            </a:r>
+            <a:r>
+              <a:rPr>
+                <a:solidFill>
+                  <a:srgbClr val="06287E"/>
+                </a:solidFill>
+                <a:latin typeface="Courier"/>
+              </a:rPr>
+              <a:t>paste0</a:t>
+            </a:r>
+            <a:r>
+              <a:rPr>
+                <a:latin typeface="Courier"/>
+              </a:rPr>
+              <a:t>(</a:t>
+            </a:r>
+            <a:r>
+              <a:rPr>
+                <a:solidFill>
+                  <a:srgbClr val="4070A0"/>
+                </a:solidFill>
+                <a:latin typeface="Courier"/>
+              </a:rPr>
+              <a:t>"V_lnRR_Q10"</a:t>
+            </a:r>
+            <a:r>
+              <a:rPr>
+                <a:latin typeface="Courier"/>
+              </a:rPr>
+              <a:t>, name))</a:t>
+            </a:r>
+            <a:br/>
+            <a:r>
+              <a:rPr>
+                <a:latin typeface="Courier"/>
+              </a:rPr>
+              <a:t>  </a:t>
+            </a:r>
+            <a:r>
+              <a:rPr>
+                <a:solidFill>
+                  <a:srgbClr val="06287E"/>
+                </a:solidFill>
+                <a:latin typeface="Courier"/>
+              </a:rPr>
+              <a:t>return</a:t>
+            </a:r>
+            <a:r>
+              <a:rPr>
+                <a:latin typeface="Courier"/>
+              </a:rPr>
+              <a:t>(dat)</a:t>
+            </a:r>
+            <a:br/>
+            <a:r>
+              <a:rPr>
+                <a:latin typeface="Courier"/>
+              </a:rPr>
+              <a:t>}</a:t>
+            </a:r>
+          </a:p>
+        </p:txBody>
+      </p:sp>
+    </p:spTree>
+  </p:cSld>
+</p:sld>
+</file>
+
+<file path=ppt/slides/slide32.xml><?xml version="1.0" encoding="utf-8"?>
+<p:sld xmlns:a="http://schemas.openxmlformats.org/drawingml/2006/main" xmlns:r="http://schemas.openxmlformats.org/officeDocument/2006/relationships" xmlns:p="http://schemas.openxmlformats.org/presentationml/2006/main">
+  <p:cSld>
+    <p:spTree>
+      <p:nvGrpSpPr>
+        <p:cNvPr id="1" name=""/>
+        <p:cNvGrpSpPr/>
+        <p:nvPr/>
+      </p:nvGrpSpPr>
+      <p:grpSpPr>
+        <a:xfrm>
+          <a:off x="0" y="0"/>
+          <a:ext cx="0" cy="0"/>
+          <a:chOff x="0" y="0"/>
+          <a:chExt cx="0" cy="0"/>
+        </a:xfrm>
+      </p:grpSpPr>
+      <p:sp>
+        <p:nvSpPr>
+          <p:cNvPr id="2" name="Title 1"/>
+          <p:cNvSpPr>
+            <a:spLocks noGrp="1"/>
+          </p:cNvSpPr>
+          <p:nvPr>
+            <p:ph type="title"/>
+          </p:nvPr>
+        </p:nvSpPr>
+        <p:spPr/>
+        <p:txBody>
+          <a:bodyPr/>
+          <a:lstStyle/>
+          <a:p>
+            <a:pPr lvl="0" indent="0" marL="0">
+              <a:buNone/>
+            </a:pPr>
+            <a:r>
+              <a:rPr/>
+              <a:t>Q10</a:t>
+            </a:r>
+          </a:p>
+        </p:txBody>
+      </p:sp>
+      <p:sp>
+        <p:nvSpPr>
+          <p:cNvPr id="3" name="Content Placeholder 2"/>
+          <p:cNvSpPr>
+            <a:spLocks noGrp="1"/>
+          </p:cNvSpPr>
+          <p:nvPr>
+            <p:ph idx="1"/>
+          </p:nvPr>
+        </p:nvSpPr>
+        <p:spPr/>
+        <p:txBody>
+          <a:bodyPr/>
+          <a:lstStyle/>
+          <a:p>
+            <a:pPr lvl="0" indent="0">
+              <a:buNone/>
+            </a:pPr>
+            <a:r>
+              <a:rPr>
+                <a:latin typeface="Courier"/>
+              </a:rPr>
+              <a:t>q10_dat </a:t>
+            </a:r>
+            <a:r>
+              <a:rPr>
+                <a:solidFill>
+                  <a:srgbClr val="007020"/>
+                </a:solidFill>
+                <a:latin typeface="Courier"/>
+              </a:rPr>
+              <a:t>&lt;-</a:t>
+            </a:r>
+            <a:r>
+              <a:rPr>
+                <a:latin typeface="Courier"/>
+              </a:rPr>
+              <a:t> </a:t>
+            </a:r>
+            <a:r>
+              <a:rPr>
+                <a:solidFill>
+                  <a:srgbClr val="06287E"/>
+                </a:solidFill>
+                <a:latin typeface="Courier"/>
+              </a:rPr>
+              <a:t>read.csv</a:t>
+            </a:r>
+            <a:r>
+              <a:rPr>
+                <a:latin typeface="Courier"/>
+              </a:rPr>
+              <a:t>(</a:t>
+            </a:r>
+            <a:r>
+              <a:rPr>
+                <a:solidFill>
+                  <a:srgbClr val="4070A0"/>
+                </a:solidFill>
+                <a:latin typeface="Courier"/>
+              </a:rPr>
+              <a:t>"https://osf.io/download/fb3ht/"</a:t>
+            </a:r>
+            <a:r>
+              <a:rPr>
+                <a:latin typeface="Courier"/>
+              </a:rPr>
+              <a:t>) </a:t>
+            </a:r>
+            <a:br/>
+            <a:br/>
+            <a:r>
+              <a:rPr i="1">
+                <a:solidFill>
+                  <a:srgbClr val="60A0B0"/>
+                </a:solidFill>
+                <a:latin typeface="Courier"/>
+              </a:rPr>
+              <a:t># Calculate lnRRQ10 and it's associated sampling variance</a:t>
+            </a:r>
+            <a:br/>
+            <a:r>
+              <a:rPr>
+                <a:latin typeface="Courier"/>
+              </a:rPr>
+              <a:t>q10_dat </a:t>
+            </a:r>
+            <a:r>
+              <a:rPr>
+                <a:solidFill>
+                  <a:srgbClr val="007020"/>
+                </a:solidFill>
+                <a:latin typeface="Courier"/>
+              </a:rPr>
+              <a:t>&lt;-</a:t>
+            </a:r>
+            <a:r>
+              <a:rPr>
+                <a:latin typeface="Courier"/>
+              </a:rPr>
+              <a:t> </a:t>
+            </a:r>
+            <a:r>
+              <a:rPr>
+                <a:solidFill>
+                  <a:srgbClr val="06287E"/>
+                </a:solidFill>
+                <a:latin typeface="Courier"/>
+              </a:rPr>
+              <a:t>cbind</a:t>
+            </a:r>
+            <a:r>
+              <a:rPr>
+                <a:latin typeface="Courier"/>
+              </a:rPr>
+              <a:t>(q10_dat, </a:t>
+            </a:r>
+            <a:r>
+              <a:rPr>
+                <a:solidFill>
+                  <a:srgbClr val="06287E"/>
+                </a:solidFill>
+                <a:latin typeface="Courier"/>
+              </a:rPr>
+              <a:t>with</a:t>
+            </a:r>
+            <a:r>
+              <a:rPr>
+                <a:latin typeface="Courier"/>
+              </a:rPr>
+              <a:t>(q10_dat, </a:t>
+            </a:r>
+            <a:r>
+              <a:rPr>
+                <a:solidFill>
+                  <a:srgbClr val="06287E"/>
+                </a:solidFill>
+                <a:latin typeface="Courier"/>
+              </a:rPr>
+              <a:t>lnRR_Q10</a:t>
+            </a:r>
+            <a:r>
+              <a:rPr>
+                <a:latin typeface="Courier"/>
+              </a:rPr>
+              <a:t>(</a:t>
+            </a:r>
+            <a:r>
+              <a:rPr>
+                <a:solidFill>
+                  <a:srgbClr val="7D9029"/>
+                </a:solidFill>
+                <a:latin typeface="Courier"/>
+              </a:rPr>
+              <a:t>t1 =</a:t>
+            </a:r>
+            <a:r>
+              <a:rPr>
+                <a:latin typeface="Courier"/>
+              </a:rPr>
+              <a:t> t1, </a:t>
+            </a:r>
+            <a:r>
+              <a:rPr>
+                <a:solidFill>
+                  <a:srgbClr val="7D9029"/>
+                </a:solidFill>
+                <a:latin typeface="Courier"/>
+              </a:rPr>
+              <a:t>t2 =</a:t>
+            </a:r>
+            <a:r>
+              <a:rPr>
+                <a:latin typeface="Courier"/>
+              </a:rPr>
+              <a:t> t2, </a:t>
+            </a:r>
+            <a:r>
+              <a:rPr>
+                <a:solidFill>
+                  <a:srgbClr val="7D9029"/>
+                </a:solidFill>
+                <a:latin typeface="Courier"/>
+              </a:rPr>
+              <a:t>r1 =</a:t>
+            </a:r>
+            <a:r>
+              <a:rPr>
+                <a:latin typeface="Courier"/>
+              </a:rPr>
+              <a:t> mean_t1, </a:t>
+            </a:r>
+            <a:r>
+              <a:rPr>
+                <a:solidFill>
+                  <a:srgbClr val="7D9029"/>
+                </a:solidFill>
+                <a:latin typeface="Courier"/>
+              </a:rPr>
+              <a:t>r2 =</a:t>
+            </a:r>
+            <a:r>
+              <a:rPr>
+                <a:latin typeface="Courier"/>
+              </a:rPr>
+              <a:t> mean_t2, </a:t>
+            </a:r>
+            <a:r>
+              <a:rPr>
+                <a:solidFill>
+                  <a:srgbClr val="7D9029"/>
+                </a:solidFill>
+                <a:latin typeface="Courier"/>
+              </a:rPr>
+              <a:t>sd1 =</a:t>
+            </a:r>
+            <a:r>
+              <a:rPr>
+                <a:latin typeface="Courier"/>
+              </a:rPr>
+              <a:t> sd_t1, </a:t>
+            </a:r>
+            <a:r>
+              <a:rPr>
+                <a:solidFill>
+                  <a:srgbClr val="7D9029"/>
+                </a:solidFill>
+                <a:latin typeface="Courier"/>
+              </a:rPr>
+              <a:t>sd2 =</a:t>
+            </a:r>
+            <a:r>
+              <a:rPr>
+                <a:latin typeface="Courier"/>
+              </a:rPr>
+              <a:t> sd_t2, </a:t>
+            </a:r>
+            <a:r>
+              <a:rPr>
+                <a:solidFill>
+                  <a:srgbClr val="7D9029"/>
+                </a:solidFill>
+                <a:latin typeface="Courier"/>
+              </a:rPr>
+              <a:t>n1 =</a:t>
+            </a:r>
+            <a:r>
+              <a:rPr>
+                <a:latin typeface="Courier"/>
+              </a:rPr>
+              <a:t> n_t1, </a:t>
+            </a:r>
+            <a:r>
+              <a:rPr>
+                <a:solidFill>
+                  <a:srgbClr val="7D9029"/>
+                </a:solidFill>
+                <a:latin typeface="Courier"/>
+              </a:rPr>
+              <a:t>n2 =</a:t>
+            </a:r>
+            <a:r>
+              <a:rPr>
+                <a:latin typeface="Courier"/>
+              </a:rPr>
+              <a:t> n_t2, </a:t>
+            </a:r>
+            <a:r>
+              <a:rPr>
+                <a:solidFill>
+                  <a:srgbClr val="7D9029"/>
+                </a:solidFill>
+                <a:latin typeface="Courier"/>
+              </a:rPr>
+              <a:t>name =</a:t>
+            </a:r>
+            <a:r>
+              <a:rPr>
+                <a:latin typeface="Courier"/>
+              </a:rPr>
+              <a:t> </a:t>
+            </a:r>
+            <a:r>
+              <a:rPr>
+                <a:solidFill>
+                  <a:srgbClr val="4070A0"/>
+                </a:solidFill>
+                <a:latin typeface="Courier"/>
+              </a:rPr>
+              <a:t>""</a:t>
+            </a:r>
+            <a:r>
+              <a:rPr>
+                <a:latin typeface="Courier"/>
+              </a:rPr>
+              <a:t>)))</a:t>
+            </a:r>
+            <a:br/>
+            <a:r>
+              <a:rPr>
+                <a:solidFill>
+                  <a:srgbClr val="06287E"/>
+                </a:solidFill>
+                <a:latin typeface="Courier"/>
+              </a:rPr>
+              <a:t>head</a:t>
+            </a:r>
+            <a:r>
+              <a:rPr>
+                <a:latin typeface="Courier"/>
+              </a:rPr>
+              <a:t>(q10_dat)</a:t>
+            </a:r>
+          </a:p>
+          <a:p>
+            <a:pPr lvl="0" indent="0">
+              <a:buNone/>
+            </a:pPr>
+            <a:r>
+              <a:rPr>
+                <a:latin typeface="Courier"/>
+              </a:rPr>
+              <a:t>##   study_ID            study_name year           species     order  life_stage
+## 1      119 119_Udyawer_etal_2016 2016  Hydrophis curtus serpentes unspecified
+## 2      119 119_Udyawer_etal_2016 2016  Hydrophis curtus serpentes unspecified
+## 3      119 119_Udyawer_etal_2016 2016  Hydrophis curtus serpentes unspecified
+## 4      119 119_Udyawer_etal_2016 2016 Hydrophis elegans serpentes unspecified
+## 5      119 119_Udyawer_etal_2016 2016 Hydrophis elegans serpentes unspecified
+## 6      119 119_Udyawer_etal_2016 2016 Hydrophis elegans serpentes unspecified
+##   animal_source body_mass respiration_mode replication_level dive.type
+## 1          wild       160          bimodal        individual voluntary
+## 2          wild       160          bimodal        individual voluntary
+## 3          wild       160          bimodal        individual voluntary
+## 4          wild      1035          bimodal        individual voluntary
+## 5          wild      1035          bimodal        individual voluntary
+## 6          wild      1035          bimodal        individual voluntary
+##   summary_stat acclimation_temp t1 t2 mean_t delta_t t_magnitude  mean_t1
+## 1         mean               27 21 24   22.5       3       plus3 39.78947
+## 2         mean               27 24 27   25.5       3       plus3 28.42105
+## 3         mean               27 27 30   28.5       3       plus3 15.78947
+## 4         mean               27 21 24   22.5       3       plus3 27.36842
+## 5         mean               27 24 27   25.5       3       plus3 21.68421
+## 6         mean               27 27 30   28.5       3       plus3 14.10526
+##       sd_t1 n_t1    se_t1  mean_t2     sd_t2 n_t2     se_t2 shared_control
+## 1 16.059446   11 4.842105 28.42105 15.361210   11 4.6315789              1
+## 2 15.361210   11 4.631579 15.78947  4.887658   11 1.4736842              2
+## 3  4.887658   11 1.473684 11.15789  3.491184   11 1.0526316              3
+## 4 13.314853   10 4.210526 21.68421  9.986140   10 3.1578947              1
+## 5  9.986140   10 3.157895 14.10526  4.660199   10 1.4736842              2
+## 6  4.660199   10 1.473684 10.94737  1.997228   10 0.6315789              3
+##         Q10 source   lnRR_Q10 V_lnRR_Q10
+## 1 0.3257666  Fig1B -1.1215741  0.4596238
+## 2 0.1409586  Fig1B -1.9592889  0.3918671
+## 3 0.3143272  Fig1B -1.1573207  0.1956786
+## 4 0.4602349  Fig1B -0.7760182  0.4986339
+## 5 0.2384836  Fig1B -1.4334546  0.3569331
+## 6 0.4296305  Fig1B -0.8448297  0.1582664</a:t>
+            </a:r>
+          </a:p>
+        </p:txBody>
+      </p:sp>
+    </p:spTree>
+  </p:cSld>
+</p:sld>
+</file>
+
+<file path=ppt/slides/slide33.xml><?xml version="1.0" encoding="utf-8"?>
+<p:sld xmlns:a="http://schemas.openxmlformats.org/drawingml/2006/main" xmlns:r="http://schemas.openxmlformats.org/officeDocument/2006/relationships" xmlns:p="http://schemas.openxmlformats.org/presentationml/2006/main">
+  <p:cSld>
+    <p:spTree>
+      <p:nvGrpSpPr>
+        <p:cNvPr id="1" name=""/>
+        <p:cNvGrpSpPr/>
+        <p:nvPr/>
+      </p:nvGrpSpPr>
+      <p:grpSpPr>
+        <a:xfrm>
+          <a:off x="0" y="0"/>
+          <a:ext cx="0" cy="0"/>
+          <a:chOff x="0" y="0"/>
+          <a:chExt cx="0" cy="0"/>
+        </a:xfrm>
+      </p:grpSpPr>
+      <p:sp>
+        <p:nvSpPr>
+          <p:cNvPr id="2" name="Title 1"/>
+          <p:cNvSpPr>
+            <a:spLocks noGrp="1"/>
+          </p:cNvSpPr>
+          <p:nvPr>
+            <p:ph type="title"/>
+          </p:nvPr>
+        </p:nvSpPr>
+        <p:spPr/>
+        <p:txBody>
+          <a:bodyPr/>
+          <a:lstStyle/>
+          <a:p>
+            <a:pPr lvl="0" indent="0" marL="0">
+              <a:buNone/>
+            </a:pPr>
+            <a:r>
+              <a:rPr/>
+              <a:t>Q10 Interpretation</a:t>
+            </a:r>
+          </a:p>
+        </p:txBody>
+      </p:sp>
+      <mc:AlternateContent xmlns:mc="http://schemas.openxmlformats.org/markup-compatibility/2006">
+        <mc:Choice xmlns:a14="http://schemas.microsoft.com/office/drawing/2010/main" Requires="a14">
+          <p:sp>
+            <p:nvSpPr>
+              <p:cNvPr id="3" name="Content Placeholder 2"/>
+              <p:cNvSpPr>
+                <a:spLocks noGrp="1"/>
+              </p:cNvSpPr>
+              <p:nvPr>
+                <p:ph idx="1"/>
+              </p:nvPr>
+            </p:nvSpPr>
+            <p:spPr/>
+            <p:txBody>
+              <a:bodyPr/>
+              <a:lstStyle/>
+              <a:p>
+                <a:pPr lvl="0" indent="0">
+                  <a:buNone/>
+                </a:pPr>
+                <a:r>
+                  <a:rPr i="1">
+                    <a:solidFill>
+                      <a:srgbClr val="60A0B0"/>
+                    </a:solidFill>
+                    <a:latin typeface="Courier"/>
+                  </a:rPr>
+                  <a:t># Now we can back-calculate to put on the original Q10 scale. We can than check that this matches the Q10 already in the data</a:t>
+                </a:r>
+                <a:br/>
+                <a:r>
+                  <a:rPr>
+                    <a:solidFill>
+                      <a:srgbClr val="06287E"/>
+                    </a:solidFill>
+                    <a:latin typeface="Courier"/>
+                  </a:rPr>
+                  <a:t>head</a:t>
+                </a:r>
+                <a:r>
+                  <a:rPr>
+                    <a:latin typeface="Courier"/>
+                  </a:rPr>
+                  <a:t>(q10_dat </a:t>
+                </a:r>
+                <a:r>
+                  <a:rPr>
+                    <a:solidFill>
+                      <a:srgbClr val="4070A0"/>
+                    </a:solidFill>
+                    <a:latin typeface="Courier"/>
+                  </a:rPr>
+                  <a:t>%&gt;%</a:t>
+                </a:r>
+                <a:r>
+                  <a:rPr>
+                    <a:latin typeface="Courier"/>
+                  </a:rPr>
+                  <a:t> </a:t>
+                </a:r>
+                <a:r>
+                  <a:rPr>
+                    <a:solidFill>
+                      <a:srgbClr val="06287E"/>
+                    </a:solidFill>
+                    <a:latin typeface="Courier"/>
+                  </a:rPr>
+                  <a:t>mutate</a:t>
+                </a:r>
+                <a:r>
+                  <a:rPr>
+                    <a:latin typeface="Courier"/>
+                  </a:rPr>
+                  <a:t>(</a:t>
+                </a:r>
+                <a:r>
+                  <a:rPr>
+                    <a:solidFill>
+                      <a:srgbClr val="7D9029"/>
+                    </a:solidFill>
+                    <a:latin typeface="Courier"/>
+                  </a:rPr>
+                  <a:t>exp_lnRR_Q10 =</a:t>
+                </a:r>
+                <a:r>
+                  <a:rPr>
+                    <a:latin typeface="Courier"/>
+                  </a:rPr>
+                  <a:t> </a:t>
+                </a:r>
+                <a:r>
+                  <a:rPr>
+                    <a:solidFill>
+                      <a:srgbClr val="06287E"/>
+                    </a:solidFill>
+                    <a:latin typeface="Courier"/>
+                  </a:rPr>
+                  <a:t>exp</a:t>
+                </a:r>
+                <a:r>
+                  <a:rPr>
+                    <a:latin typeface="Courier"/>
+                  </a:rPr>
+                  <a:t>(lnRR_Q10)) </a:t>
+                </a:r>
+                <a:r>
+                  <a:rPr>
+                    <a:solidFill>
+                      <a:srgbClr val="4070A0"/>
+                    </a:solidFill>
+                    <a:latin typeface="Courier"/>
+                  </a:rPr>
+                  <a:t>%&gt;%</a:t>
+                </a:r>
+                <a:r>
+                  <a:rPr>
+                    <a:latin typeface="Courier"/>
+                  </a:rPr>
+                  <a:t> </a:t>
+                </a:r>
+                <a:r>
+                  <a:rPr>
+                    <a:solidFill>
+                      <a:srgbClr val="06287E"/>
+                    </a:solidFill>
+                    <a:latin typeface="Courier"/>
+                  </a:rPr>
+                  <a:t>select</a:t>
+                </a:r>
+                <a:r>
+                  <a:rPr>
+                    <a:latin typeface="Courier"/>
+                  </a:rPr>
+                  <a:t>(exp_lnRR_Q10, Q10))</a:t>
+                </a:r>
+              </a:p>
+              <a:p>
+                <a:pPr lvl="0" indent="0">
+                  <a:buNone/>
+                </a:pPr>
+                <a:r>
+                  <a:rPr>
+                    <a:latin typeface="Courier"/>
+                  </a:rPr>
+                  <a:t>##   exp_lnRR_Q10       Q10
+## 1    0.3257666 0.3257666
+## 2    0.1409586 0.1409586
+## 3    0.3143272 0.3143272
+## 4    0.4602349 0.4602349
+## 5    0.2384836 0.2384836
+## 6    0.4296305 0.4296305</a:t>
+                </a:r>
+              </a:p>
+              <a:p>
+                <a:pPr lvl="0" indent="0" marL="0">
+                  <a:buNone/>
+                </a:pPr>
+                <a:r>
+                  <a:rPr b="1"/>
+                  <a:t>For the first row of our data we can see that dive duration when temperatures increase by 10</a:t>
+                </a:r>
+                <a14:m>
+                  <m:oMath xmlns:m="http://schemas.openxmlformats.org/officeDocument/2006/math">
+                    <m:sSup>
+                      <m:e>
+                        <m:r>
+                          <m:t>​</m:t>
+                        </m:r>
+                      </m:e>
+                      <m:sup>
+                        <m:r>
+                          <m:rPr>
+                            <m:sty m:val="p"/>
+                          </m:rPr>
+                          <m:t>∘</m:t>
+                        </m:r>
+                      </m:sup>
+                    </m:sSup>
+                  </m:oMath>
+                </a14:m>
+                <a:r>
+                  <a:rPr b="1"/>
+                  <a:t>C is expected to decrease by ~67% (1-0.33)</a:t>
+                </a:r>
+                <a:r>
+                  <a:rPr/>
+                  <a:t>.</a:t>
+                </a:r>
+              </a:p>
+            </p:txBody>
+          </p:sp>
+        </mc:Choice>
+      </mc:AlternateContent>
     </p:spTree>
   </p:cSld>
 </p:sld>
@@ -12548,7 +16370,7 @@
                   <a:rPr>
                     <a:latin typeface="Courier"/>
                   </a:rPr>
-                  <a:t>## [1] 0.1719139</a:t>
+                  <a:t>## [1] 0.1737988</a:t>
                 </a:r>
               </a:p>
             </p:txBody>

--- a/slides/code_slides.pptx
+++ b/slides/code_slides.pptx
@@ -38,6 +38,9 @@
     <p:sldId id="286" r:id="rId32"/>
     <p:sldId id="287" r:id="rId33"/>
     <p:sldId id="288" r:id="rId34"/>
+    <p:sldId id="289" r:id="rId35"/>
+    <p:sldId id="290" r:id="rId36"/>
+    <p:sldId id="291" r:id="rId37"/>
   </p:sldIdLst>
   <p:sldSz cx="9144000" cy="5143500" type="screen16x9"/>
   <p:notesSz cx="6858000" cy="9144000"/>
@@ -3204,7 +3207,7 @@
             </a:pPr>
             <a:r>
               <a:rPr/>
-              <a:t>2022-06-27</a:t>
+              <a:t>2022-06-28</a:t>
             </a:r>
           </a:p>
         </p:txBody>
@@ -13316,7 +13319,7 @@
               <a:rPr>
                 <a:latin typeface="Courier"/>
               </a:rPr>
-              <a:t>## [1] -0.0549564</a:t>
+              <a:t>## [1] 0.08647018</a:t>
             </a:r>
           </a:p>
           <a:p>
@@ -13351,13 +13354,13 @@
 ##  Welch Two Sample t-test
 ## 
 ## data:  trt_26C and trt_8C
-## t = -0.39812, df = 11.942, p-value = 0.6976
+## t = 0.48662, df = 13.648, p-value = 0.6342
 ## alternative hypothesis: true difference in means is not equal to 0
 ## 95 percent confidence interval:
-##  -0.3558830  0.2459702
+##  -0.2955729  0.4685132
 ## sample estimates:
 ## mean of x mean of y 
-## 0.6234178 0.6783742</a:t>
+## 0.5910876 0.5046174</a:t>
             </a:r>
           </a:p>
         </p:txBody>
@@ -15359,6 +15362,1641 @@
 </p:sld>
 </file>
 
+<file path=ppt/slides/slide34.xml><?xml version="1.0" encoding="utf-8"?>
+<p:sld xmlns:a="http://schemas.openxmlformats.org/drawingml/2006/main" xmlns:r="http://schemas.openxmlformats.org/officeDocument/2006/relationships" xmlns:p="http://schemas.openxmlformats.org/presentationml/2006/main">
+  <p:cSld>
+    <p:spTree>
+      <p:nvGrpSpPr>
+        <p:cNvPr id="1" name=""/>
+        <p:cNvGrpSpPr/>
+        <p:nvPr/>
+      </p:nvGrpSpPr>
+      <p:grpSpPr>
+        <a:xfrm>
+          <a:off x="0" y="0"/>
+          <a:ext cx="0" cy="0"/>
+          <a:chOff x="0" y="0"/>
+          <a:chExt cx="0" cy="0"/>
+        </a:xfrm>
+      </p:grpSpPr>
+      <p:sp>
+        <p:nvSpPr>
+          <p:cNvPr id="2" name="Title 1"/>
+          <p:cNvSpPr>
+            <a:spLocks noGrp="1"/>
+          </p:cNvSpPr>
+          <p:nvPr>
+            <p:ph type="title"/>
+          </p:nvPr>
+        </p:nvSpPr>
+        <p:spPr/>
+        <p:txBody>
+          <a:bodyPr/>
+          <a:lstStyle/>
+          <a:p>
+            <a:pPr lvl="0" indent="0" marL="0">
+              <a:buNone/>
+            </a:pPr>
+            <a:r>
+              <a:rPr/>
+              <a:t>MLMA</a:t>
+            </a:r>
+          </a:p>
+        </p:txBody>
+      </p:sp>
+      <p:sp>
+        <p:nvSpPr>
+          <p:cNvPr id="3" name="Content Placeholder 2"/>
+          <p:cNvSpPr>
+            <a:spLocks noGrp="1"/>
+          </p:cNvSpPr>
+          <p:nvPr>
+            <p:ph idx="1"/>
+          </p:nvPr>
+        </p:nvSpPr>
+        <p:spPr/>
+        <p:txBody>
+          <a:bodyPr/>
+          <a:lstStyle/>
+          <a:p>
+            <a:pPr lvl="0" indent="0">
+              <a:buNone/>
+            </a:pPr>
+            <a:r>
+              <a:rPr i="1">
+                <a:solidFill>
+                  <a:srgbClr val="60A0B0"/>
+                </a:solidFill>
+                <a:latin typeface="Courier"/>
+              </a:rPr>
+              <a:t># install.packages("pacman") ; uncomment this line if you haven't already installed 'pacman'</a:t>
+            </a:r>
+            <a:br/>
+            <a:r>
+              <a:rPr>
+                <a:latin typeface="Courier"/>
+              </a:rPr>
+              <a:t>pacman</a:t>
+            </a:r>
+            <a:r>
+              <a:rPr>
+                <a:solidFill>
+                  <a:srgbClr val="4070A0"/>
+                </a:solidFill>
+                <a:latin typeface="Courier"/>
+              </a:rPr>
+              <a:t>::</a:t>
+            </a:r>
+            <a:r>
+              <a:rPr>
+                <a:solidFill>
+                  <a:srgbClr val="06287E"/>
+                </a:solidFill>
+                <a:latin typeface="Courier"/>
+              </a:rPr>
+              <a:t>p_load</a:t>
+            </a:r>
+            <a:r>
+              <a:rPr>
+                <a:latin typeface="Courier"/>
+              </a:rPr>
+              <a:t>(metafor, tidyverse)</a:t>
+            </a:r>
+            <a:br/>
+            <a:br/>
+            <a:r>
+              <a:rPr>
+                <a:latin typeface="Courier"/>
+              </a:rPr>
+              <a:t>asr_dat </a:t>
+            </a:r>
+            <a:r>
+              <a:rPr>
+                <a:solidFill>
+                  <a:srgbClr val="007020"/>
+                </a:solidFill>
+                <a:latin typeface="Courier"/>
+              </a:rPr>
+              <a:t>&lt;-</a:t>
+            </a:r>
+            <a:r>
+              <a:rPr>
+                <a:latin typeface="Courier"/>
+              </a:rPr>
+              <a:t> </a:t>
+            </a:r>
+            <a:r>
+              <a:rPr>
+                <a:solidFill>
+                  <a:srgbClr val="06287E"/>
+                </a:solidFill>
+                <a:latin typeface="Courier"/>
+              </a:rPr>
+              <a:t>read.csv</a:t>
+            </a:r>
+            <a:r>
+              <a:rPr>
+                <a:latin typeface="Courier"/>
+              </a:rPr>
+              <a:t>(</a:t>
+            </a:r>
+            <a:r>
+              <a:rPr>
+                <a:solidFill>
+                  <a:srgbClr val="4070A0"/>
+                </a:solidFill>
+                <a:latin typeface="Courier"/>
+              </a:rPr>
+              <a:t>"https://osf.io/qn2af/download"</a:t>
+            </a:r>
+            <a:r>
+              <a:rPr>
+                <a:latin typeface="Courier"/>
+              </a:rPr>
+              <a:t>)</a:t>
+            </a:r>
+          </a:p>
+          <a:p>
+            <a:pPr lvl="0" indent="0" marL="0">
+              <a:buNone/>
+            </a:pPr>
+            <a:r>
+              <a:rPr/>
+              <a:t>We’ll also need our function for calculating ARR and its sampling variance because these don’t exist in any current packages.</a:t>
+            </a:r>
+          </a:p>
+          <a:p>
+            <a:pPr lvl="0" indent="0">
+              <a:buNone/>
+            </a:pPr>
+            <a:r>
+              <a:rPr i="1">
+                <a:solidFill>
+                  <a:srgbClr val="60A0B0"/>
+                </a:solidFill>
+                <a:latin typeface="Courier"/>
+              </a:rPr>
+              <a:t>#' @title arr</a:t>
+            </a:r>
+            <a:br/>
+            <a:r>
+              <a:rPr i="1">
+                <a:solidFill>
+                  <a:srgbClr val="60A0B0"/>
+                </a:solidFill>
+                <a:latin typeface="Courier"/>
+              </a:rPr>
+              <a:t>#' @description Calculates the acclimation response ratio (ARR).  </a:t>
+            </a:r>
+            <a:br/>
+            <a:r>
+              <a:rPr i="1">
+                <a:solidFill>
+                  <a:srgbClr val="60A0B0"/>
+                </a:solidFill>
+                <a:latin typeface="Courier"/>
+              </a:rPr>
+              <a:t>#' @param t2_l  Lowest of the two treatment temperatures</a:t>
+            </a:r>
+            <a:br/>
+            <a:r>
+              <a:rPr i="1">
+                <a:solidFill>
+                  <a:srgbClr val="60A0B0"/>
+                </a:solidFill>
+                <a:latin typeface="Courier"/>
+              </a:rPr>
+              <a:t>#' @param t1_h  Highest of the two treatment temperatures</a:t>
+            </a:r>
+            <a:br/>
+            <a:r>
+              <a:rPr i="1">
+                <a:solidFill>
+                  <a:srgbClr val="60A0B0"/>
+                </a:solidFill>
+                <a:latin typeface="Courier"/>
+              </a:rPr>
+              <a:t>#' @param x1_h  Mean trait value at high temperature</a:t>
+            </a:r>
+            <a:br/>
+            <a:r>
+              <a:rPr i="1">
+                <a:solidFill>
+                  <a:srgbClr val="60A0B0"/>
+                </a:solidFill>
+                <a:latin typeface="Courier"/>
+              </a:rPr>
+              <a:t>#' @param x2_l  Mean trait value at low temperature</a:t>
+            </a:r>
+            <a:br/>
+            <a:r>
+              <a:rPr i="1">
+                <a:solidFill>
+                  <a:srgbClr val="60A0B0"/>
+                </a:solidFill>
+                <a:latin typeface="Courier"/>
+              </a:rPr>
+              <a:t>#' @param sd1_h Standard deviation of mean trait value at high temperature</a:t>
+            </a:r>
+            <a:br/>
+            <a:r>
+              <a:rPr i="1">
+                <a:solidFill>
+                  <a:srgbClr val="60A0B0"/>
+                </a:solidFill>
+                <a:latin typeface="Courier"/>
+              </a:rPr>
+              <a:t>#' @param sd2_l Standard deviation of mean trait value at low temperature</a:t>
+            </a:r>
+            <a:br/>
+            <a:r>
+              <a:rPr i="1">
+                <a:solidFill>
+                  <a:srgbClr val="60A0B0"/>
+                </a:solidFill>
+                <a:latin typeface="Courier"/>
+              </a:rPr>
+              <a:t>#' @param n1_h  Sample size at high temperature</a:t>
+            </a:r>
+            <a:br/>
+            <a:r>
+              <a:rPr i="1">
+                <a:solidFill>
+                  <a:srgbClr val="60A0B0"/>
+                </a:solidFill>
+                <a:latin typeface="Courier"/>
+              </a:rPr>
+              <a:t>#' @param n2_l  Sample size at low temperature</a:t>
+            </a:r>
+            <a:br/>
+            <a:br/>
+            <a:r>
+              <a:rPr>
+                <a:latin typeface="Courier"/>
+              </a:rPr>
+              <a:t>arr </a:t>
+            </a:r>
+            <a:r>
+              <a:rPr>
+                <a:solidFill>
+                  <a:srgbClr val="007020"/>
+                </a:solidFill>
+                <a:latin typeface="Courier"/>
+              </a:rPr>
+              <a:t>&lt;-</a:t>
+            </a:r>
+            <a:r>
+              <a:rPr>
+                <a:latin typeface="Courier"/>
+              </a:rPr>
+              <a:t> </a:t>
+            </a:r>
+            <a:r>
+              <a:rPr b="1">
+                <a:solidFill>
+                  <a:srgbClr val="007020"/>
+                </a:solidFill>
+                <a:latin typeface="Courier"/>
+              </a:rPr>
+              <a:t>function</a:t>
+            </a:r>
+            <a:r>
+              <a:rPr>
+                <a:latin typeface="Courier"/>
+              </a:rPr>
+              <a:t>(x1_h, x2_l, sd1_h, sd2_l, n1_h, n2_l, t1_h, t2_l){</a:t>
+            </a:r>
+            <a:br/>
+            <a:r>
+              <a:rPr>
+                <a:latin typeface="Courier"/>
+              </a:rPr>
+              <a:t>        ARR </a:t>
+            </a:r>
+            <a:r>
+              <a:rPr>
+                <a:solidFill>
+                  <a:srgbClr val="007020"/>
+                </a:solidFill>
+                <a:latin typeface="Courier"/>
+              </a:rPr>
+              <a:t>&lt;-</a:t>
+            </a:r>
+            <a:r>
+              <a:rPr>
+                <a:latin typeface="Courier"/>
+              </a:rPr>
+              <a:t> (x1_h </a:t>
+            </a:r>
+            <a:r>
+              <a:rPr>
+                <a:solidFill>
+                  <a:srgbClr val="4070A0"/>
+                </a:solidFill>
+                <a:latin typeface="Courier"/>
+              </a:rPr>
+              <a:t>-</a:t>
+            </a:r>
+            <a:r>
+              <a:rPr>
+                <a:latin typeface="Courier"/>
+              </a:rPr>
+              <a:t> x2_l)</a:t>
+            </a:r>
+            <a:r>
+              <a:rPr>
+                <a:solidFill>
+                  <a:srgbClr val="4070A0"/>
+                </a:solidFill>
+                <a:latin typeface="Courier"/>
+              </a:rPr>
+              <a:t>/</a:t>
+            </a:r>
+            <a:r>
+              <a:rPr>
+                <a:latin typeface="Courier"/>
+              </a:rPr>
+              <a:t>(t1_h </a:t>
+            </a:r>
+            <a:r>
+              <a:rPr>
+                <a:solidFill>
+                  <a:srgbClr val="4070A0"/>
+                </a:solidFill>
+                <a:latin typeface="Courier"/>
+              </a:rPr>
+              <a:t>-</a:t>
+            </a:r>
+            <a:r>
+              <a:rPr>
+                <a:latin typeface="Courier"/>
+              </a:rPr>
+              <a:t> t2_l)</a:t>
+            </a:r>
+            <a:br/>
+            <a:r>
+              <a:rPr>
+                <a:latin typeface="Courier"/>
+              </a:rPr>
+              <a:t>      V_ARR </a:t>
+            </a:r>
+            <a:r>
+              <a:rPr>
+                <a:solidFill>
+                  <a:srgbClr val="007020"/>
+                </a:solidFill>
+                <a:latin typeface="Courier"/>
+              </a:rPr>
+              <a:t>&lt;-</a:t>
+            </a:r>
+            <a:r>
+              <a:rPr>
+                <a:latin typeface="Courier"/>
+              </a:rPr>
+              <a:t> ((</a:t>
+            </a:r>
+            <a:r>
+              <a:rPr>
+                <a:solidFill>
+                  <a:srgbClr val="40A070"/>
+                </a:solidFill>
+                <a:latin typeface="Courier"/>
+              </a:rPr>
+              <a:t>1</a:t>
+            </a:r>
+            <a:r>
+              <a:rPr>
+                <a:solidFill>
+                  <a:srgbClr val="4070A0"/>
+                </a:solidFill>
+                <a:latin typeface="Courier"/>
+              </a:rPr>
+              <a:t>/</a:t>
+            </a:r>
+            <a:r>
+              <a:rPr>
+                <a:latin typeface="Courier"/>
+              </a:rPr>
+              <a:t>(t1_h </a:t>
+            </a:r>
+            <a:r>
+              <a:rPr>
+                <a:solidFill>
+                  <a:srgbClr val="4070A0"/>
+                </a:solidFill>
+                <a:latin typeface="Courier"/>
+              </a:rPr>
+              <a:t>-</a:t>
+            </a:r>
+            <a:r>
+              <a:rPr>
+                <a:latin typeface="Courier"/>
+              </a:rPr>
+              <a:t> t2_l))</a:t>
+            </a:r>
+            <a:r>
+              <a:rPr>
+                <a:solidFill>
+                  <a:srgbClr val="4070A0"/>
+                </a:solidFill>
+                <a:latin typeface="Courier"/>
+              </a:rPr>
+              <a:t>^</a:t>
+            </a:r>
+            <a:r>
+              <a:rPr>
+                <a:solidFill>
+                  <a:srgbClr val="40A070"/>
+                </a:solidFill>
+                <a:latin typeface="Courier"/>
+              </a:rPr>
+              <a:t>2</a:t>
+            </a:r>
+            <a:r>
+              <a:rPr>
+                <a:solidFill>
+                  <a:srgbClr val="4070A0"/>
+                </a:solidFill>
+                <a:latin typeface="Courier"/>
+              </a:rPr>
+              <a:t>*</a:t>
+            </a:r>
+            <a:r>
+              <a:rPr>
+                <a:latin typeface="Courier"/>
+              </a:rPr>
+              <a:t>(sd2_l</a:t>
+            </a:r>
+            <a:r>
+              <a:rPr>
+                <a:solidFill>
+                  <a:srgbClr val="4070A0"/>
+                </a:solidFill>
+                <a:latin typeface="Courier"/>
+              </a:rPr>
+              <a:t>^</a:t>
+            </a:r>
+            <a:r>
+              <a:rPr>
+                <a:solidFill>
+                  <a:srgbClr val="40A070"/>
+                </a:solidFill>
+                <a:latin typeface="Courier"/>
+              </a:rPr>
+              <a:t>2</a:t>
+            </a:r>
+            <a:r>
+              <a:rPr>
+                <a:solidFill>
+                  <a:srgbClr val="4070A0"/>
+                </a:solidFill>
+                <a:latin typeface="Courier"/>
+              </a:rPr>
+              <a:t>/</a:t>
+            </a:r>
+            <a:r>
+              <a:rPr>
+                <a:latin typeface="Courier"/>
+              </a:rPr>
+              <a:t>n2_l </a:t>
+            </a:r>
+            <a:r>
+              <a:rPr>
+                <a:solidFill>
+                  <a:srgbClr val="4070A0"/>
+                </a:solidFill>
+                <a:latin typeface="Courier"/>
+              </a:rPr>
+              <a:t>+</a:t>
+            </a:r>
+            <a:r>
+              <a:rPr>
+                <a:latin typeface="Courier"/>
+              </a:rPr>
+              <a:t> sd1_h</a:t>
+            </a:r>
+            <a:r>
+              <a:rPr>
+                <a:solidFill>
+                  <a:srgbClr val="4070A0"/>
+                </a:solidFill>
+                <a:latin typeface="Courier"/>
+              </a:rPr>
+              <a:t>^</a:t>
+            </a:r>
+            <a:r>
+              <a:rPr>
+                <a:solidFill>
+                  <a:srgbClr val="40A070"/>
+                </a:solidFill>
+                <a:latin typeface="Courier"/>
+              </a:rPr>
+              <a:t>2</a:t>
+            </a:r>
+            <a:r>
+              <a:rPr>
+                <a:solidFill>
+                  <a:srgbClr val="4070A0"/>
+                </a:solidFill>
+                <a:latin typeface="Courier"/>
+              </a:rPr>
+              <a:t>/</a:t>
+            </a:r>
+            <a:r>
+              <a:rPr>
+                <a:latin typeface="Courier"/>
+              </a:rPr>
+              <a:t>n1_h))</a:t>
+            </a:r>
+            <a:br/>
+            <a:r>
+              <a:rPr>
+                <a:solidFill>
+                  <a:srgbClr val="06287E"/>
+                </a:solidFill>
+                <a:latin typeface="Courier"/>
+              </a:rPr>
+              <a:t>return</a:t>
+            </a:r>
+            <a:r>
+              <a:rPr>
+                <a:latin typeface="Courier"/>
+              </a:rPr>
+              <a:t>(</a:t>
+            </a:r>
+            <a:r>
+              <a:rPr>
+                <a:solidFill>
+                  <a:srgbClr val="06287E"/>
+                </a:solidFill>
+                <a:latin typeface="Courier"/>
+              </a:rPr>
+              <a:t>data.frame</a:t>
+            </a:r>
+            <a:r>
+              <a:rPr>
+                <a:latin typeface="Courier"/>
+              </a:rPr>
+              <a:t>(ARR, V_ARR))</a:t>
+            </a:r>
+            <a:br/>
+            <a:r>
+              <a:rPr>
+                <a:latin typeface="Courier"/>
+              </a:rPr>
+              <a:t>}</a:t>
+            </a:r>
+          </a:p>
+        </p:txBody>
+      </p:sp>
+    </p:spTree>
+  </p:cSld>
+</p:sld>
+</file>
+
+<file path=ppt/slides/slide35.xml><?xml version="1.0" encoding="utf-8"?>
+<p:sld xmlns:a="http://schemas.openxmlformats.org/drawingml/2006/main" xmlns:r="http://schemas.openxmlformats.org/officeDocument/2006/relationships" xmlns:p="http://schemas.openxmlformats.org/presentationml/2006/main">
+  <p:cSld>
+    <p:spTree>
+      <p:nvGrpSpPr>
+        <p:cNvPr id="1" name=""/>
+        <p:cNvGrpSpPr/>
+        <p:nvPr/>
+      </p:nvGrpSpPr>
+      <p:grpSpPr>
+        <a:xfrm>
+          <a:off x="0" y="0"/>
+          <a:ext cx="0" cy="0"/>
+          <a:chOff x="0" y="0"/>
+          <a:chExt cx="0" cy="0"/>
+        </a:xfrm>
+      </p:grpSpPr>
+      <p:sp>
+        <p:nvSpPr>
+          <p:cNvPr id="2" name="Title 1"/>
+          <p:cNvSpPr>
+            <a:spLocks noGrp="1"/>
+          </p:cNvSpPr>
+          <p:nvPr>
+            <p:ph type="title"/>
+          </p:nvPr>
+        </p:nvSpPr>
+        <p:spPr/>
+        <p:txBody>
+          <a:bodyPr/>
+          <a:lstStyle/>
+          <a:p>
+            <a:pPr lvl="0" indent="0" marL="0">
+              <a:buNone/>
+            </a:pPr>
+            <a:r>
+              <a:rPr/>
+              <a:t>Caluclate ARR</a:t>
+            </a:r>
+          </a:p>
+        </p:txBody>
+      </p:sp>
+      <p:sp>
+        <p:nvSpPr>
+          <p:cNvPr id="3" name="Content Placeholder 2"/>
+          <p:cNvSpPr>
+            <a:spLocks noGrp="1"/>
+          </p:cNvSpPr>
+          <p:nvPr>
+            <p:ph idx="1"/>
+          </p:nvPr>
+        </p:nvSpPr>
+        <p:spPr/>
+        <p:txBody>
+          <a:bodyPr/>
+          <a:lstStyle/>
+          <a:p>
+            <a:pPr lvl="0" indent="0">
+              <a:buNone/>
+            </a:pPr>
+            <a:r>
+              <a:rPr i="1">
+                <a:solidFill>
+                  <a:srgbClr val="60A0B0"/>
+                </a:solidFill>
+                <a:latin typeface="Courier"/>
+              </a:rPr>
+              <a:t># Calculate the effect sizes</a:t>
+            </a:r>
+            <a:br/>
+            <a:r>
+              <a:rPr>
+                <a:latin typeface="Courier"/>
+              </a:rPr>
+              <a:t>asr_dat </a:t>
+            </a:r>
+            <a:r>
+              <a:rPr>
+                <a:solidFill>
+                  <a:srgbClr val="007020"/>
+                </a:solidFill>
+                <a:latin typeface="Courier"/>
+              </a:rPr>
+              <a:t>&lt;-</a:t>
+            </a:r>
+            <a:r>
+              <a:rPr>
+                <a:latin typeface="Courier"/>
+              </a:rPr>
+              <a:t> asr_dat </a:t>
+            </a:r>
+            <a:r>
+              <a:rPr>
+                <a:solidFill>
+                  <a:srgbClr val="4070A0"/>
+                </a:solidFill>
+                <a:latin typeface="Courier"/>
+              </a:rPr>
+              <a:t>%&gt;%</a:t>
+            </a:r>
+            <a:br/>
+            <a:r>
+              <a:rPr>
+                <a:latin typeface="Courier"/>
+              </a:rPr>
+              <a:t>    </a:t>
+            </a:r>
+            <a:r>
+              <a:rPr>
+                <a:solidFill>
+                  <a:srgbClr val="06287E"/>
+                </a:solidFill>
+                <a:latin typeface="Courier"/>
+              </a:rPr>
+              <a:t>mutate</a:t>
+            </a:r>
+            <a:r>
+              <a:rPr>
+                <a:latin typeface="Courier"/>
+              </a:rPr>
+              <a:t>(</a:t>
+            </a:r>
+            <a:r>
+              <a:rPr>
+                <a:solidFill>
+                  <a:srgbClr val="7D9029"/>
+                </a:solidFill>
+                <a:latin typeface="Courier"/>
+              </a:rPr>
+              <a:t>ARR =</a:t>
+            </a:r>
+            <a:r>
+              <a:rPr>
+                <a:latin typeface="Courier"/>
+              </a:rPr>
+              <a:t> </a:t>
+            </a:r>
+            <a:r>
+              <a:rPr>
+                <a:solidFill>
+                  <a:srgbClr val="06287E"/>
+                </a:solidFill>
+                <a:latin typeface="Courier"/>
+              </a:rPr>
+              <a:t>arr</a:t>
+            </a:r>
+            <a:r>
+              <a:rPr>
+                <a:latin typeface="Courier"/>
+              </a:rPr>
+              <a:t>(</a:t>
+            </a:r>
+            <a:r>
+              <a:rPr>
+                <a:solidFill>
+                  <a:srgbClr val="7D9029"/>
+                </a:solidFill>
+                <a:latin typeface="Courier"/>
+              </a:rPr>
+              <a:t>x1_h =</a:t>
+            </a:r>
+            <a:r>
+              <a:rPr>
+                <a:latin typeface="Courier"/>
+              </a:rPr>
+              <a:t> mean_high, </a:t>
+            </a:r>
+            <a:r>
+              <a:rPr>
+                <a:solidFill>
+                  <a:srgbClr val="7D9029"/>
+                </a:solidFill>
+                <a:latin typeface="Courier"/>
+              </a:rPr>
+              <a:t>x2_l =</a:t>
+            </a:r>
+            <a:r>
+              <a:rPr>
+                <a:latin typeface="Courier"/>
+              </a:rPr>
+              <a:t> mean_low, </a:t>
+            </a:r>
+            <a:r>
+              <a:rPr>
+                <a:solidFill>
+                  <a:srgbClr val="7D9029"/>
+                </a:solidFill>
+                <a:latin typeface="Courier"/>
+              </a:rPr>
+              <a:t>t1_h =</a:t>
+            </a:r>
+            <a:r>
+              <a:rPr>
+                <a:latin typeface="Courier"/>
+              </a:rPr>
+              <a:t> acc_temp_high, </a:t>
+            </a:r>
+            <a:r>
+              <a:rPr>
+                <a:solidFill>
+                  <a:srgbClr val="7D9029"/>
+                </a:solidFill>
+                <a:latin typeface="Courier"/>
+              </a:rPr>
+              <a:t>t2_l =</a:t>
+            </a:r>
+            <a:r>
+              <a:rPr>
+                <a:latin typeface="Courier"/>
+              </a:rPr>
+              <a:t> acc_temp_low,</a:t>
+            </a:r>
+            <a:br/>
+            <a:r>
+              <a:rPr>
+                <a:latin typeface="Courier"/>
+              </a:rPr>
+              <a:t>        </a:t>
+            </a:r>
+            <a:r>
+              <a:rPr>
+                <a:solidFill>
+                  <a:srgbClr val="7D9029"/>
+                </a:solidFill>
+                <a:latin typeface="Courier"/>
+              </a:rPr>
+              <a:t>sd1_h =</a:t>
+            </a:r>
+            <a:r>
+              <a:rPr>
+                <a:latin typeface="Courier"/>
+              </a:rPr>
+              <a:t> sd_high, </a:t>
+            </a:r>
+            <a:r>
+              <a:rPr>
+                <a:solidFill>
+                  <a:srgbClr val="7D9029"/>
+                </a:solidFill>
+                <a:latin typeface="Courier"/>
+              </a:rPr>
+              <a:t>sd2_l =</a:t>
+            </a:r>
+            <a:r>
+              <a:rPr>
+                <a:latin typeface="Courier"/>
+              </a:rPr>
+              <a:t> sd_low, </a:t>
+            </a:r>
+            <a:r>
+              <a:rPr>
+                <a:solidFill>
+                  <a:srgbClr val="7D9029"/>
+                </a:solidFill>
+                <a:latin typeface="Courier"/>
+              </a:rPr>
+              <a:t>n1_h =</a:t>
+            </a:r>
+            <a:r>
+              <a:rPr>
+                <a:latin typeface="Courier"/>
+              </a:rPr>
+              <a:t> n_high_adj, </a:t>
+            </a:r>
+            <a:r>
+              <a:rPr>
+                <a:solidFill>
+                  <a:srgbClr val="7D9029"/>
+                </a:solidFill>
+                <a:latin typeface="Courier"/>
+              </a:rPr>
+              <a:t>n2_l =</a:t>
+            </a:r>
+            <a:r>
+              <a:rPr>
+                <a:latin typeface="Courier"/>
+              </a:rPr>
+              <a:t> n_low_adj)[, </a:t>
+            </a:r>
+            <a:r>
+              <a:rPr>
+                <a:solidFill>
+                  <a:srgbClr val="40A070"/>
+                </a:solidFill>
+                <a:latin typeface="Courier"/>
+              </a:rPr>
+              <a:t>1</a:t>
+            </a:r>
+            <a:r>
+              <a:rPr>
+                <a:latin typeface="Courier"/>
+              </a:rPr>
+              <a:t>],</a:t>
+            </a:r>
+            <a:br/>
+            <a:r>
+              <a:rPr>
+                <a:latin typeface="Courier"/>
+              </a:rPr>
+              <a:t>        </a:t>
+            </a:r>
+            <a:r>
+              <a:rPr>
+                <a:solidFill>
+                  <a:srgbClr val="7D9029"/>
+                </a:solidFill>
+                <a:latin typeface="Courier"/>
+              </a:rPr>
+              <a:t>V_ARR =</a:t>
+            </a:r>
+            <a:r>
+              <a:rPr>
+                <a:latin typeface="Courier"/>
+              </a:rPr>
+              <a:t> </a:t>
+            </a:r>
+            <a:r>
+              <a:rPr>
+                <a:solidFill>
+                  <a:srgbClr val="06287E"/>
+                </a:solidFill>
+                <a:latin typeface="Courier"/>
+              </a:rPr>
+              <a:t>arr</a:t>
+            </a:r>
+            <a:r>
+              <a:rPr>
+                <a:latin typeface="Courier"/>
+              </a:rPr>
+              <a:t>(</a:t>
+            </a:r>
+            <a:r>
+              <a:rPr>
+                <a:solidFill>
+                  <a:srgbClr val="7D9029"/>
+                </a:solidFill>
+                <a:latin typeface="Courier"/>
+              </a:rPr>
+              <a:t>x1_h =</a:t>
+            </a:r>
+            <a:r>
+              <a:rPr>
+                <a:latin typeface="Courier"/>
+              </a:rPr>
+              <a:t> mean_high, </a:t>
+            </a:r>
+            <a:r>
+              <a:rPr>
+                <a:solidFill>
+                  <a:srgbClr val="7D9029"/>
+                </a:solidFill>
+                <a:latin typeface="Courier"/>
+              </a:rPr>
+              <a:t>x2_l =</a:t>
+            </a:r>
+            <a:r>
+              <a:rPr>
+                <a:latin typeface="Courier"/>
+              </a:rPr>
+              <a:t> mean_low, </a:t>
+            </a:r>
+            <a:r>
+              <a:rPr>
+                <a:solidFill>
+                  <a:srgbClr val="7D9029"/>
+                </a:solidFill>
+                <a:latin typeface="Courier"/>
+              </a:rPr>
+              <a:t>t1_h =</a:t>
+            </a:r>
+            <a:r>
+              <a:rPr>
+                <a:latin typeface="Courier"/>
+              </a:rPr>
+              <a:t> acc_temp_high, </a:t>
+            </a:r>
+            <a:r>
+              <a:rPr>
+                <a:solidFill>
+                  <a:srgbClr val="7D9029"/>
+                </a:solidFill>
+                <a:latin typeface="Courier"/>
+              </a:rPr>
+              <a:t>t2_l =</a:t>
+            </a:r>
+            <a:r>
+              <a:rPr>
+                <a:latin typeface="Courier"/>
+              </a:rPr>
+              <a:t> acc_temp_low,</a:t>
+            </a:r>
+            <a:br/>
+            <a:r>
+              <a:rPr>
+                <a:latin typeface="Courier"/>
+              </a:rPr>
+              <a:t>            </a:t>
+            </a:r>
+            <a:r>
+              <a:rPr>
+                <a:solidFill>
+                  <a:srgbClr val="7D9029"/>
+                </a:solidFill>
+                <a:latin typeface="Courier"/>
+              </a:rPr>
+              <a:t>sd1_h =</a:t>
+            </a:r>
+            <a:r>
+              <a:rPr>
+                <a:latin typeface="Courier"/>
+              </a:rPr>
+              <a:t> sd_high, </a:t>
+            </a:r>
+            <a:r>
+              <a:rPr>
+                <a:solidFill>
+                  <a:srgbClr val="7D9029"/>
+                </a:solidFill>
+                <a:latin typeface="Courier"/>
+              </a:rPr>
+              <a:t>sd2_l =</a:t>
+            </a:r>
+            <a:r>
+              <a:rPr>
+                <a:latin typeface="Courier"/>
+              </a:rPr>
+              <a:t> sd_low, </a:t>
+            </a:r>
+            <a:r>
+              <a:rPr>
+                <a:solidFill>
+                  <a:srgbClr val="7D9029"/>
+                </a:solidFill>
+                <a:latin typeface="Courier"/>
+              </a:rPr>
+              <a:t>n1_h =</a:t>
+            </a:r>
+            <a:r>
+              <a:rPr>
+                <a:latin typeface="Courier"/>
+              </a:rPr>
+              <a:t> n_high_adj, </a:t>
+            </a:r>
+            <a:r>
+              <a:rPr>
+                <a:solidFill>
+                  <a:srgbClr val="7D9029"/>
+                </a:solidFill>
+                <a:latin typeface="Courier"/>
+              </a:rPr>
+              <a:t>n2_l =</a:t>
+            </a:r>
+            <a:r>
+              <a:rPr>
+                <a:latin typeface="Courier"/>
+              </a:rPr>
+              <a:t> n_low_adj)[,</a:t>
+            </a:r>
+            <a:br/>
+            <a:r>
+              <a:rPr>
+                <a:latin typeface="Courier"/>
+              </a:rPr>
+              <a:t>            </a:t>
+            </a:r>
+            <a:r>
+              <a:rPr>
+                <a:solidFill>
+                  <a:srgbClr val="40A070"/>
+                </a:solidFill>
+                <a:latin typeface="Courier"/>
+              </a:rPr>
+              <a:t>2</a:t>
+            </a:r>
+            <a:r>
+              <a:rPr>
+                <a:latin typeface="Courier"/>
+              </a:rPr>
+              <a:t>]) </a:t>
+            </a:r>
+            <a:r>
+              <a:rPr>
+                <a:solidFill>
+                  <a:srgbClr val="4070A0"/>
+                </a:solidFill>
+                <a:latin typeface="Courier"/>
+              </a:rPr>
+              <a:t>%&gt;%</a:t>
+            </a:r>
+            <a:br/>
+            <a:r>
+              <a:rPr>
+                <a:latin typeface="Courier"/>
+              </a:rPr>
+              <a:t>    </a:t>
+            </a:r>
+            <a:r>
+              <a:rPr>
+                <a:solidFill>
+                  <a:srgbClr val="06287E"/>
+                </a:solidFill>
+                <a:latin typeface="Courier"/>
+              </a:rPr>
+              <a:t>filter</a:t>
+            </a:r>
+            <a:r>
+              <a:rPr>
+                <a:latin typeface="Courier"/>
+              </a:rPr>
+              <a:t>(sex </a:t>
+            </a:r>
+            <a:r>
+              <a:rPr>
+                <a:solidFill>
+                  <a:srgbClr val="4070A0"/>
+                </a:solidFill>
+                <a:latin typeface="Courier"/>
+              </a:rPr>
+              <a:t>==</a:t>
+            </a:r>
+            <a:r>
+              <a:rPr>
+                <a:latin typeface="Courier"/>
+              </a:rPr>
+              <a:t> </a:t>
+            </a:r>
+            <a:r>
+              <a:rPr>
+                <a:solidFill>
+                  <a:srgbClr val="4070A0"/>
+                </a:solidFill>
+                <a:latin typeface="Courier"/>
+              </a:rPr>
+              <a:t>"female"</a:t>
+            </a:r>
+            <a:r>
+              <a:rPr>
+                <a:latin typeface="Courier"/>
+              </a:rPr>
+              <a:t>)</a:t>
+            </a:r>
+          </a:p>
+        </p:txBody>
+      </p:sp>
+    </p:spTree>
+  </p:cSld>
+</p:sld>
+</file>
+
+<file path=ppt/slides/slide36.xml><?xml version="1.0" encoding="utf-8"?>
+<p:sld xmlns:a="http://schemas.openxmlformats.org/drawingml/2006/main" xmlns:r="http://schemas.openxmlformats.org/officeDocument/2006/relationships" xmlns:p="http://schemas.openxmlformats.org/presentationml/2006/main">
+  <p:cSld>
+    <p:spTree>
+      <p:nvGrpSpPr>
+        <p:cNvPr id="1" name=""/>
+        <p:cNvGrpSpPr/>
+        <p:nvPr/>
+      </p:nvGrpSpPr>
+      <p:grpSpPr>
+        <a:xfrm>
+          <a:off x="0" y="0"/>
+          <a:ext cx="0" cy="0"/>
+          <a:chOff x="0" y="0"/>
+          <a:chExt cx="0" cy="0"/>
+        </a:xfrm>
+      </p:grpSpPr>
+      <p:sp>
+        <p:nvSpPr>
+          <p:cNvPr id="2" name="Title 1"/>
+          <p:cNvSpPr>
+            <a:spLocks noGrp="1"/>
+          </p:cNvSpPr>
+          <p:nvPr>
+            <p:ph type="title"/>
+          </p:nvPr>
+        </p:nvSpPr>
+        <p:spPr/>
+        <p:txBody>
+          <a:bodyPr/>
+          <a:lstStyle/>
+          <a:p>
+            <a:pPr lvl="0" indent="0" marL="0">
+              <a:buNone/>
+            </a:pPr>
+            <a:r>
+              <a:rPr/>
+              <a:t>Fit model</a:t>
+            </a:r>
+          </a:p>
+        </p:txBody>
+      </p:sp>
+      <p:sp>
+        <p:nvSpPr>
+          <p:cNvPr id="3" name="Content Placeholder 2"/>
+          <p:cNvSpPr>
+            <a:spLocks noGrp="1"/>
+          </p:cNvSpPr>
+          <p:nvPr>
+            <p:ph idx="1"/>
+          </p:nvPr>
+        </p:nvSpPr>
+        <p:spPr/>
+        <p:txBody>
+          <a:bodyPr/>
+          <a:lstStyle/>
+          <a:p>
+            <a:pPr lvl="0" indent="0">
+              <a:buNone/>
+            </a:pPr>
+            <a:r>
+              <a:rPr i="1">
+                <a:solidFill>
+                  <a:srgbClr val="60A0B0"/>
+                </a:solidFill>
+                <a:latin typeface="Courier"/>
+              </a:rPr>
+              <a:t># Multi-level meta-analytic model</a:t>
+            </a:r>
+            <a:br/>
+            <a:r>
+              <a:rPr>
+                <a:latin typeface="Courier"/>
+              </a:rPr>
+              <a:t>MLMA </a:t>
+            </a:r>
+            <a:r>
+              <a:rPr>
+                <a:solidFill>
+                  <a:srgbClr val="007020"/>
+                </a:solidFill>
+                <a:latin typeface="Courier"/>
+              </a:rPr>
+              <a:t>&lt;-</a:t>
+            </a:r>
+            <a:r>
+              <a:rPr>
+                <a:latin typeface="Courier"/>
+              </a:rPr>
+              <a:t> metafor</a:t>
+            </a:r>
+            <a:r>
+              <a:rPr>
+                <a:solidFill>
+                  <a:srgbClr val="4070A0"/>
+                </a:solidFill>
+                <a:latin typeface="Courier"/>
+              </a:rPr>
+              <a:t>::</a:t>
+            </a:r>
+            <a:r>
+              <a:rPr>
+                <a:solidFill>
+                  <a:srgbClr val="06287E"/>
+                </a:solidFill>
+                <a:latin typeface="Courier"/>
+              </a:rPr>
+              <a:t>rma.mv</a:t>
+            </a:r>
+            <a:r>
+              <a:rPr>
+                <a:latin typeface="Courier"/>
+              </a:rPr>
+              <a:t>(</a:t>
+            </a:r>
+            <a:r>
+              <a:rPr>
+                <a:solidFill>
+                  <a:srgbClr val="7D9029"/>
+                </a:solidFill>
+                <a:latin typeface="Courier"/>
+              </a:rPr>
+              <a:t>yi=</a:t>
+            </a:r>
+            <a:r>
+              <a:rPr>
+                <a:latin typeface="Courier"/>
+              </a:rPr>
+              <a:t> ARR</a:t>
+            </a:r>
+            <a:r>
+              <a:rPr>
+                <a:solidFill>
+                  <a:srgbClr val="4070A0"/>
+                </a:solidFill>
+                <a:latin typeface="Courier"/>
+              </a:rPr>
+              <a:t>~</a:t>
+            </a:r>
+            <a:r>
+              <a:rPr>
+                <a:latin typeface="Courier"/>
+              </a:rPr>
+              <a:t> </a:t>
+            </a:r>
+            <a:r>
+              <a:rPr>
+                <a:solidFill>
+                  <a:srgbClr val="40A070"/>
+                </a:solidFill>
+                <a:latin typeface="Courier"/>
+              </a:rPr>
+              <a:t>1</a:t>
+            </a:r>
+            <a:r>
+              <a:rPr>
+                <a:latin typeface="Courier"/>
+              </a:rPr>
+              <a:t>, </a:t>
+            </a:r>
+            <a:r>
+              <a:rPr>
+                <a:solidFill>
+                  <a:srgbClr val="7D9029"/>
+                </a:solidFill>
+                <a:latin typeface="Courier"/>
+              </a:rPr>
+              <a:t>V =</a:t>
+            </a:r>
+            <a:r>
+              <a:rPr>
+                <a:latin typeface="Courier"/>
+              </a:rPr>
+              <a:t> V_ARR, </a:t>
+            </a:r>
+            <a:br/>
+            <a:r>
+              <a:rPr>
+                <a:latin typeface="Courier"/>
+              </a:rPr>
+              <a:t>                   </a:t>
+            </a:r>
+            <a:r>
+              <a:rPr>
+                <a:solidFill>
+                  <a:srgbClr val="7D9029"/>
+                </a:solidFill>
+                <a:latin typeface="Courier"/>
+              </a:rPr>
+              <a:t>method=</a:t>
+            </a:r>
+            <a:r>
+              <a:rPr>
+                <a:solidFill>
+                  <a:srgbClr val="4070A0"/>
+                </a:solidFill>
+                <a:latin typeface="Courier"/>
+              </a:rPr>
+              <a:t>"REML"</a:t>
+            </a:r>
+            <a:r>
+              <a:rPr>
+                <a:latin typeface="Courier"/>
+              </a:rPr>
+              <a:t>,</a:t>
+            </a:r>
+            <a:br/>
+            <a:r>
+              <a:rPr>
+                <a:latin typeface="Courier"/>
+              </a:rPr>
+              <a:t>                   </a:t>
+            </a:r>
+            <a:r>
+              <a:rPr>
+                <a:solidFill>
+                  <a:srgbClr val="7D9029"/>
+                </a:solidFill>
+                <a:latin typeface="Courier"/>
+              </a:rPr>
+              <a:t>random=</a:t>
+            </a:r>
+            <a:r>
+              <a:rPr>
+                <a:solidFill>
+                  <a:srgbClr val="06287E"/>
+                </a:solidFill>
+                <a:latin typeface="Courier"/>
+              </a:rPr>
+              <a:t>list</a:t>
+            </a:r>
+            <a:r>
+              <a:rPr>
+                <a:latin typeface="Courier"/>
+              </a:rPr>
+              <a:t>(</a:t>
+            </a:r>
+            <a:r>
+              <a:rPr>
+                <a:solidFill>
+                  <a:srgbClr val="4070A0"/>
+                </a:solidFill>
+                <a:latin typeface="Courier"/>
+              </a:rPr>
+              <a:t>~</a:t>
+            </a:r>
+            <a:r>
+              <a:rPr>
+                <a:solidFill>
+                  <a:srgbClr val="40A070"/>
+                </a:solidFill>
+                <a:latin typeface="Courier"/>
+              </a:rPr>
+              <a:t>1</a:t>
+            </a:r>
+            <a:r>
+              <a:rPr>
+                <a:solidFill>
+                  <a:srgbClr val="4070A0"/>
+                </a:solidFill>
+                <a:latin typeface="Courier"/>
+              </a:rPr>
+              <a:t>|</a:t>
+            </a:r>
+            <a:r>
+              <a:rPr>
+                <a:latin typeface="Courier"/>
+              </a:rPr>
+              <a:t>species_ID,</a:t>
+            </a:r>
+            <a:br/>
+            <a:r>
+              <a:rPr>
+                <a:latin typeface="Courier"/>
+              </a:rPr>
+              <a:t>                               </a:t>
+            </a:r>
+            <a:r>
+              <a:rPr>
+                <a:solidFill>
+                  <a:srgbClr val="4070A0"/>
+                </a:solidFill>
+                <a:latin typeface="Courier"/>
+              </a:rPr>
+              <a:t>~</a:t>
+            </a:r>
+            <a:r>
+              <a:rPr>
+                <a:solidFill>
+                  <a:srgbClr val="40A070"/>
+                </a:solidFill>
+                <a:latin typeface="Courier"/>
+              </a:rPr>
+              <a:t>1</a:t>
+            </a:r>
+            <a:r>
+              <a:rPr>
+                <a:solidFill>
+                  <a:srgbClr val="4070A0"/>
+                </a:solidFill>
+                <a:latin typeface="Courier"/>
+              </a:rPr>
+              <a:t>|</a:t>
+            </a:r>
+            <a:r>
+              <a:rPr>
+                <a:latin typeface="Courier"/>
+              </a:rPr>
+              <a:t>authors,</a:t>
+            </a:r>
+            <a:br/>
+            <a:r>
+              <a:rPr>
+                <a:latin typeface="Courier"/>
+              </a:rPr>
+              <a:t>                               </a:t>
+            </a:r>
+            <a:r>
+              <a:rPr>
+                <a:solidFill>
+                  <a:srgbClr val="4070A0"/>
+                </a:solidFill>
+                <a:latin typeface="Courier"/>
+              </a:rPr>
+              <a:t>~</a:t>
+            </a:r>
+            <a:r>
+              <a:rPr>
+                <a:solidFill>
+                  <a:srgbClr val="40A070"/>
+                </a:solidFill>
+                <a:latin typeface="Courier"/>
+              </a:rPr>
+              <a:t>1</a:t>
+            </a:r>
+            <a:r>
+              <a:rPr>
+                <a:solidFill>
+                  <a:srgbClr val="4070A0"/>
+                </a:solidFill>
+                <a:latin typeface="Courier"/>
+              </a:rPr>
+              <a:t>|</a:t>
+            </a:r>
+            <a:r>
+              <a:rPr>
+                <a:latin typeface="Courier"/>
+              </a:rPr>
+              <a:t>es_ID), </a:t>
+            </a:r>
+            <a:br/>
+            <a:r>
+              <a:rPr>
+                <a:latin typeface="Courier"/>
+              </a:rPr>
+              <a:t>                   </a:t>
+            </a:r>
+            <a:r>
+              <a:rPr>
+                <a:solidFill>
+                  <a:srgbClr val="7D9029"/>
+                </a:solidFill>
+                <a:latin typeface="Courier"/>
+              </a:rPr>
+              <a:t>dfs =</a:t>
+            </a:r>
+            <a:r>
+              <a:rPr>
+                <a:latin typeface="Courier"/>
+              </a:rPr>
+              <a:t> </a:t>
+            </a:r>
+            <a:r>
+              <a:rPr>
+                <a:solidFill>
+                  <a:srgbClr val="4070A0"/>
+                </a:solidFill>
+                <a:latin typeface="Courier"/>
+              </a:rPr>
+              <a:t>"contain"</a:t>
+            </a:r>
+            <a:r>
+              <a:rPr>
+                <a:latin typeface="Courier"/>
+              </a:rPr>
+              <a:t>,</a:t>
+            </a:r>
+            <a:br/>
+            <a:r>
+              <a:rPr>
+                <a:latin typeface="Courier"/>
+              </a:rPr>
+              <a:t>                   </a:t>
+            </a:r>
+            <a:r>
+              <a:rPr>
+                <a:solidFill>
+                  <a:srgbClr val="7D9029"/>
+                </a:solidFill>
+                <a:latin typeface="Courier"/>
+              </a:rPr>
+              <a:t>test=</a:t>
+            </a:r>
+            <a:r>
+              <a:rPr>
+                <a:solidFill>
+                  <a:srgbClr val="4070A0"/>
+                </a:solidFill>
+                <a:latin typeface="Courier"/>
+              </a:rPr>
+              <a:t>"t"</a:t>
+            </a:r>
+            <a:r>
+              <a:rPr>
+                <a:latin typeface="Courier"/>
+              </a:rPr>
+              <a:t>,</a:t>
+            </a:r>
+            <a:br/>
+            <a:r>
+              <a:rPr>
+                <a:latin typeface="Courier"/>
+              </a:rPr>
+              <a:t>                   </a:t>
+            </a:r>
+            <a:r>
+              <a:rPr>
+                <a:solidFill>
+                  <a:srgbClr val="7D9029"/>
+                </a:solidFill>
+                <a:latin typeface="Courier"/>
+              </a:rPr>
+              <a:t>data=</a:t>
+            </a:r>
+            <a:r>
+              <a:rPr>
+                <a:latin typeface="Courier"/>
+              </a:rPr>
+              <a:t>asr_dat)</a:t>
+            </a:r>
+            <a:br/>
+            <a:r>
+              <a:rPr>
+                <a:solidFill>
+                  <a:srgbClr val="06287E"/>
+                </a:solidFill>
+                <a:latin typeface="Courier"/>
+              </a:rPr>
+              <a:t>print</a:t>
+            </a:r>
+            <a:r>
+              <a:rPr>
+                <a:latin typeface="Courier"/>
+              </a:rPr>
+              <a:t>(MLMA)</a:t>
+            </a:r>
+          </a:p>
+          <a:p>
+            <a:pPr lvl="0" indent="0">
+              <a:buNone/>
+            </a:pPr>
+            <a:r>
+              <a:rPr>
+                <a:latin typeface="Courier"/>
+              </a:rPr>
+              <a:t>## 
+## Multivariate Meta-Analysis Model (k = 123; method: REML)
+## 
+## Variance Components:
+## 
+##             estim    sqrt  nlvls  fixed      factor 
+## sigma^2.1  0.0008  0.0280     29     no  species_ID 
+## sigma^2.2  0.0154  0.1241     21     no     authors 
+## sigma^2.3  0.0097  0.0987    123     no       es_ID 
+## 
+## Test for Heterogeneity:
+## Q(df = 122) = 3941.0055, p-val &lt; .0001
+## 
+## Model Results:
+## 
+## estimate      se    tval  df    pval   ci.lb   ci.ub     ​ 
+##   0.1668  0.0316  5.2857  20  &lt;.0001  0.1010  0.2327  *** 
+## 
+## ---
+## Signif. codes:  0 '***' 0.001 '**' 0.01 '*' 0.05 '.' 0.1 ' ' 1</a:t>
+            </a:r>
+          </a:p>
+        </p:txBody>
+      </p:sp>
+    </p:spTree>
+  </p:cSld>
+</p:sld>
+</file>
+
 <file path=ppt/slides/slide4.xml><?xml version="1.0" encoding="utf-8"?>
 <p:sld xmlns:a="http://schemas.openxmlformats.org/drawingml/2006/main" xmlns:r="http://schemas.openxmlformats.org/officeDocument/2006/relationships" xmlns:p="http://schemas.openxmlformats.org/presentationml/2006/main">
   <p:cSld>
@@ -16370,7 +18008,7 @@
                   <a:rPr>
                     <a:latin typeface="Courier"/>
                   </a:rPr>
-                  <a:t>## [1] 0.1737988</a:t>
+                  <a:t>## [1] 0.1708647</a:t>
                 </a:r>
               </a:p>
             </p:txBody>

--- a/slides/code_slides.pptx
+++ b/slides/code_slides.pptx
@@ -1,6 +1,6 @@
 
 <file path=ppt/presentation.xml><?xml version="1.0" encoding="utf-8"?>
-<p:presentation xmlns:a="http://schemas.openxmlformats.org/drawingml/2006/main" xmlns:p="http://schemas.openxmlformats.org/presentationml/2006/main" xmlns:r="http://schemas.openxmlformats.org/officeDocument/2006/relationships" autoCompressPictures="0" saveSubsetFonts="1">
+<p:presentation xmlns:a="http://schemas.openxmlformats.org/drawingml/2006/main" xmlns:r="http://schemas.openxmlformats.org/officeDocument/2006/relationships" xmlns:p="http://schemas.openxmlformats.org/presentationml/2006/main" saveSubsetFonts="1" autoCompressPictures="0">
   <p:sldMasterIdLst>
     <p:sldMasterId id="2147483648" r:id="rId1"/>
   </p:sldMasterIdLst>
@@ -41,6 +41,9 @@
     <p:sldId id="289" r:id="rId35"/>
     <p:sldId id="290" r:id="rId36"/>
     <p:sldId id="291" r:id="rId37"/>
+    <p:sldId id="292" r:id="rId38"/>
+    <p:sldId id="293" r:id="rId39"/>
+    <p:sldId id="294" r:id="rId40"/>
   </p:sldIdLst>
   <p:sldSz cx="9144000" cy="5143500" type="screen16x9"/>
   <p:notesSz cx="6858000" cy="9144000"/>
@@ -48,8 +51,8 @@
     <a:defPPr>
       <a:defRPr lang="en-US"/>
     </a:defPPr>
-    <a:lvl1pPr algn="l" defTabSz="457200" eaLnBrk="1" hangingPunct="1" latinLnBrk="0" marL="0" rtl="0">
-      <a:defRPr kern="1200" sz="1800">
+    <a:lvl1pPr marL="0" algn="l" defTabSz="457200" rtl="0" eaLnBrk="1" latinLnBrk="0" hangingPunct="1">
+      <a:defRPr sz="1800" kern="1200">
         <a:solidFill>
           <a:schemeClr val="tx1"/>
         </a:solidFill>
@@ -58,8 +61,8 @@
         <a:cs typeface="+mn-cs"/>
       </a:defRPr>
     </a:lvl1pPr>
-    <a:lvl2pPr algn="l" defTabSz="457200" eaLnBrk="1" hangingPunct="1" latinLnBrk="0" marL="457200" rtl="0">
-      <a:defRPr kern="1200" sz="1800">
+    <a:lvl2pPr marL="457200" algn="l" defTabSz="457200" rtl="0" eaLnBrk="1" latinLnBrk="0" hangingPunct="1">
+      <a:defRPr sz="1800" kern="1200">
         <a:solidFill>
           <a:schemeClr val="tx1"/>
         </a:solidFill>
@@ -68,8 +71,8 @@
         <a:cs typeface="+mn-cs"/>
       </a:defRPr>
     </a:lvl2pPr>
-    <a:lvl3pPr algn="l" defTabSz="457200" eaLnBrk="1" hangingPunct="1" latinLnBrk="0" marL="914400" rtl="0">
-      <a:defRPr kern="1200" sz="1800">
+    <a:lvl3pPr marL="914400" algn="l" defTabSz="457200" rtl="0" eaLnBrk="1" latinLnBrk="0" hangingPunct="1">
+      <a:defRPr sz="1800" kern="1200">
         <a:solidFill>
           <a:schemeClr val="tx1"/>
         </a:solidFill>
@@ -78,8 +81,8 @@
         <a:cs typeface="+mn-cs"/>
       </a:defRPr>
     </a:lvl3pPr>
-    <a:lvl4pPr algn="l" defTabSz="457200" eaLnBrk="1" hangingPunct="1" latinLnBrk="0" marL="1371600" rtl="0">
-      <a:defRPr kern="1200" sz="1800">
+    <a:lvl4pPr marL="1371600" algn="l" defTabSz="457200" rtl="0" eaLnBrk="1" latinLnBrk="0" hangingPunct="1">
+      <a:defRPr sz="1800" kern="1200">
         <a:solidFill>
           <a:schemeClr val="tx1"/>
         </a:solidFill>
@@ -88,8 +91,8 @@
         <a:cs typeface="+mn-cs"/>
       </a:defRPr>
     </a:lvl4pPr>
-    <a:lvl5pPr algn="l" defTabSz="457200" eaLnBrk="1" hangingPunct="1" latinLnBrk="0" marL="1828800" rtl="0">
-      <a:defRPr kern="1200" sz="1800">
+    <a:lvl5pPr marL="1828800" algn="l" defTabSz="457200" rtl="0" eaLnBrk="1" latinLnBrk="0" hangingPunct="1">
+      <a:defRPr sz="1800" kern="1200">
         <a:solidFill>
           <a:schemeClr val="tx1"/>
         </a:solidFill>
@@ -98,8 +101,8 @@
         <a:cs typeface="+mn-cs"/>
       </a:defRPr>
     </a:lvl5pPr>
-    <a:lvl6pPr algn="l" defTabSz="457200" eaLnBrk="1" hangingPunct="1" latinLnBrk="0" marL="2286000" rtl="0">
-      <a:defRPr kern="1200" sz="1800">
+    <a:lvl6pPr marL="2286000" algn="l" defTabSz="457200" rtl="0" eaLnBrk="1" latinLnBrk="0" hangingPunct="1">
+      <a:defRPr sz="1800" kern="1200">
         <a:solidFill>
           <a:schemeClr val="tx1"/>
         </a:solidFill>
@@ -108,8 +111,8 @@
         <a:cs typeface="+mn-cs"/>
       </a:defRPr>
     </a:lvl6pPr>
-    <a:lvl7pPr algn="l" defTabSz="457200" eaLnBrk="1" hangingPunct="1" latinLnBrk="0" marL="2743200" rtl="0">
-      <a:defRPr kern="1200" sz="1800">
+    <a:lvl7pPr marL="2743200" algn="l" defTabSz="457200" rtl="0" eaLnBrk="1" latinLnBrk="0" hangingPunct="1">
+      <a:defRPr sz="1800" kern="1200">
         <a:solidFill>
           <a:schemeClr val="tx1"/>
         </a:solidFill>
@@ -118,8 +121,8 @@
         <a:cs typeface="+mn-cs"/>
       </a:defRPr>
     </a:lvl7pPr>
-    <a:lvl8pPr algn="l" defTabSz="457200" eaLnBrk="1" hangingPunct="1" latinLnBrk="0" marL="3200400" rtl="0">
-      <a:defRPr kern="1200" sz="1800">
+    <a:lvl8pPr marL="3200400" algn="l" defTabSz="457200" rtl="0" eaLnBrk="1" latinLnBrk="0" hangingPunct="1">
+      <a:defRPr sz="1800" kern="1200">
         <a:solidFill>
           <a:schemeClr val="tx1"/>
         </a:solidFill>
@@ -128,8 +131,8 @@
         <a:cs typeface="+mn-cs"/>
       </a:defRPr>
     </a:lvl8pPr>
-    <a:lvl9pPr algn="l" defTabSz="457200" eaLnBrk="1" hangingPunct="1" latinLnBrk="0" marL="3657600" rtl="0">
-      <a:defRPr kern="1200" sz="1800">
+    <a:lvl9pPr marL="3657600" algn="l" defTabSz="457200" rtl="0" eaLnBrk="1" latinLnBrk="0" hangingPunct="1">
+      <a:defRPr sz="1800" kern="1200">
         <a:solidFill>
           <a:schemeClr val="tx1"/>
         </a:solidFill>
@@ -337,7 +340,7 @@
           <a:p>
             <a:fld id="{241EB5C9-1307-BA42-ABA2-0BC069CD8E7F}" type="datetimeFigureOut">
               <a:rPr lang="en-US" smtClean="0"/>
-              <a:t>1/2/22</a:t>
+              <a:t>7/2/22</a:t>
             </a:fld>
             <a:endParaRPr lang="en-US"/>
           </a:p>
@@ -505,7 +508,7 @@
           <a:p>
             <a:fld id="{241EB5C9-1307-BA42-ABA2-0BC069CD8E7F}" type="datetimeFigureOut">
               <a:rPr lang="en-US" smtClean="0"/>
-              <a:t>1/2/22</a:t>
+              <a:t>7/2/22</a:t>
             </a:fld>
             <a:endParaRPr lang="en-US"/>
           </a:p>
@@ -683,7 +686,7 @@
           <a:p>
             <a:fld id="{241EB5C9-1307-BA42-ABA2-0BC069CD8E7F}" type="datetimeFigureOut">
               <a:rPr lang="en-US" smtClean="0"/>
-              <a:t>1/2/22</a:t>
+              <a:t>7/2/22</a:t>
             </a:fld>
             <a:endParaRPr lang="en-US"/>
           </a:p>
@@ -851,7 +854,7 @@
           <a:p>
             <a:fld id="{241EB5C9-1307-BA42-ABA2-0BC069CD8E7F}" type="datetimeFigureOut">
               <a:rPr lang="en-US" smtClean="0"/>
-              <a:t>1/2/22</a:t>
+              <a:t>7/2/22</a:t>
             </a:fld>
             <a:endParaRPr lang="en-US"/>
           </a:p>
@@ -1096,7 +1099,7 @@
           <a:p>
             <a:fld id="{241EB5C9-1307-BA42-ABA2-0BC069CD8E7F}" type="datetimeFigureOut">
               <a:rPr lang="en-US" smtClean="0"/>
-              <a:t>1/2/22</a:t>
+              <a:t>7/2/22</a:t>
             </a:fld>
             <a:endParaRPr lang="en-US"/>
           </a:p>
@@ -1381,7 +1384,7 @@
           <a:p>
             <a:fld id="{241EB5C9-1307-BA42-ABA2-0BC069CD8E7F}" type="datetimeFigureOut">
               <a:rPr lang="en-US" smtClean="0"/>
-              <a:t>1/2/22</a:t>
+              <a:t>7/2/22</a:t>
             </a:fld>
             <a:endParaRPr lang="en-US"/>
           </a:p>
@@ -1800,7 +1803,7 @@
           <a:p>
             <a:fld id="{241EB5C9-1307-BA42-ABA2-0BC069CD8E7F}" type="datetimeFigureOut">
               <a:rPr lang="en-US" smtClean="0"/>
-              <a:t>1/2/22</a:t>
+              <a:t>7/2/22</a:t>
             </a:fld>
             <a:endParaRPr lang="en-US"/>
           </a:p>
@@ -1917,7 +1920,7 @@
           <a:p>
             <a:fld id="{241EB5C9-1307-BA42-ABA2-0BC069CD8E7F}" type="datetimeFigureOut">
               <a:rPr lang="en-US" smtClean="0"/>
-              <a:t>1/2/22</a:t>
+              <a:t>7/2/22</a:t>
             </a:fld>
             <a:endParaRPr lang="en-US"/>
           </a:p>
@@ -2012,7 +2015,7 @@
           <a:p>
             <a:fld id="{241EB5C9-1307-BA42-ABA2-0BC069CD8E7F}" type="datetimeFigureOut">
               <a:rPr lang="en-US" smtClean="0"/>
-              <a:t>1/2/22</a:t>
+              <a:t>7/2/22</a:t>
             </a:fld>
             <a:endParaRPr lang="en-US"/>
           </a:p>
@@ -2287,7 +2290,7 @@
           <a:p>
             <a:fld id="{241EB5C9-1307-BA42-ABA2-0BC069CD8E7F}" type="datetimeFigureOut">
               <a:rPr lang="en-US" smtClean="0"/>
-              <a:t>1/2/22</a:t>
+              <a:t>7/2/22</a:t>
             </a:fld>
             <a:endParaRPr lang="en-US"/>
           </a:p>
@@ -2539,7 +2542,7 @@
           <a:p>
             <a:fld id="{241EB5C9-1307-BA42-ABA2-0BC069CD8E7F}" type="datetimeFigureOut">
               <a:rPr lang="en-US" smtClean="0"/>
-              <a:t>1/2/22</a:t>
+              <a:t>7/2/22</a:t>
             </a:fld>
             <a:endParaRPr lang="en-US"/>
           </a:p>
@@ -2601,7 +2604,7 @@
 </file>
 
 <file path=ppt/slideMasters/slideMaster1.xml><?xml version="1.0" encoding="utf-8"?>
-<p:sldMaster xmlns:a="http://schemas.openxmlformats.org/drawingml/2006/main" xmlns:p="http://schemas.openxmlformats.org/presentationml/2006/main" xmlns:r="http://schemas.openxmlformats.org/officeDocument/2006/relationships">
+<p:sldMaster xmlns:a="http://schemas.openxmlformats.org/drawingml/2006/main" xmlns:r="http://schemas.openxmlformats.org/officeDocument/2006/relationships" xmlns:p="http://schemas.openxmlformats.org/presentationml/2006/main">
   <p:cSld>
     <p:bg>
       <p:bgRef idx="1001">
@@ -2642,7 +2645,7 @@
           </a:prstGeom>
         </p:spPr>
         <p:txBody>
-          <a:bodyPr anchor="ctr" bIns="45720" lIns="91440" rIns="91440" rtlCol="0" tIns="45720" vert="horz">
+          <a:bodyPr vert="horz" lIns="91440" tIns="45720" rIns="91440" bIns="45720" rtlCol="0" anchor="ctr">
             <a:normAutofit/>
           </a:bodyPr>
           <a:lstStyle/>
@@ -2661,7 +2664,7 @@
             <a:spLocks noGrp="1"/>
           </p:cNvSpPr>
           <p:nvPr>
-            <p:ph idx="1" type="body"/>
+            <p:ph type="body" idx="1"/>
           </p:nvPr>
         </p:nvSpPr>
         <p:spPr>
@@ -2674,7 +2677,7 @@
           </a:prstGeom>
         </p:spPr>
         <p:txBody>
-          <a:bodyPr bIns="45720" lIns="91440" rIns="91440" rtlCol="0" tIns="45720" vert="horz">
+          <a:bodyPr vert="horz" lIns="91440" tIns="45720" rIns="91440" bIns="45720" rtlCol="0">
             <a:normAutofit/>
           </a:bodyPr>
           <a:lstStyle/>
@@ -2722,7 +2725,7 @@
             <a:spLocks noGrp="1"/>
           </p:cNvSpPr>
           <p:nvPr>
-            <p:ph idx="2" sz="half" type="dt"/>
+            <p:ph type="dt" sz="half" idx="2"/>
           </p:nvPr>
         </p:nvSpPr>
         <p:spPr>
@@ -2735,7 +2738,7 @@
           </a:prstGeom>
         </p:spPr>
         <p:txBody>
-          <a:bodyPr anchor="ctr" bIns="45720" lIns="91440" rIns="91440" rtlCol="0" tIns="45720" vert="horz"/>
+          <a:bodyPr vert="horz" lIns="91440" tIns="45720" rIns="91440" bIns="45720" rtlCol="0" anchor="ctr"/>
           <a:lstStyle>
             <a:lvl1pPr algn="l">
               <a:defRPr sz="900">
@@ -2750,7 +2753,7 @@
           <a:p>
             <a:fld id="{241EB5C9-1307-BA42-ABA2-0BC069CD8E7F}" type="datetimeFigureOut">
               <a:rPr lang="en-US" smtClean="0"/>
-              <a:t>1/2/22</a:t>
+              <a:t>7/2/22</a:t>
             </a:fld>
             <a:endParaRPr lang="en-US"/>
           </a:p>
@@ -2763,7 +2766,7 @@
             <a:spLocks noGrp="1"/>
           </p:cNvSpPr>
           <p:nvPr>
-            <p:ph idx="3" sz="quarter" type="ftr"/>
+            <p:ph type="ftr" sz="quarter" idx="3"/>
           </p:nvPr>
         </p:nvSpPr>
         <p:spPr>
@@ -2776,7 +2779,7 @@
           </a:prstGeom>
         </p:spPr>
         <p:txBody>
-          <a:bodyPr anchor="ctr" bIns="45720" lIns="91440" rIns="91440" rtlCol="0" tIns="45720" vert="horz"/>
+          <a:bodyPr vert="horz" lIns="91440" tIns="45720" rIns="91440" bIns="45720" rtlCol="0" anchor="ctr"/>
           <a:lstStyle>
             <a:lvl1pPr algn="ctr">
               <a:defRPr sz="900">
@@ -2800,7 +2803,7 @@
             <a:spLocks noGrp="1"/>
           </p:cNvSpPr>
           <p:nvPr>
-            <p:ph idx="4" sz="quarter" type="sldNum"/>
+            <p:ph type="sldNum" sz="quarter" idx="4"/>
           </p:nvPr>
         </p:nvSpPr>
         <p:spPr>
@@ -2813,7 +2816,7 @@
           </a:prstGeom>
         </p:spPr>
         <p:txBody>
-          <a:bodyPr anchor="ctr" bIns="45720" lIns="91440" rIns="91440" rtlCol="0" tIns="45720" vert="horz"/>
+          <a:bodyPr vert="horz" lIns="91440" tIns="45720" rIns="91440" bIns="45720" rtlCol="0" anchor="ctr"/>
           <a:lstStyle>
             <a:lvl1pPr algn="r">
               <a:defRPr sz="900">
@@ -2841,7 +2844,7 @@
       </p:ext>
     </p:extLst>
   </p:cSld>
-  <p:clrMap accent1="accent1" accent2="accent2" accent3="accent3" accent4="accent4" accent5="accent5" accent6="accent6" bg1="lt1" bg2="lt2" folHlink="folHlink" hlink="hlink" tx1="dk1" tx2="dk2"/>
+  <p:clrMap bg1="lt1" tx1="dk1" bg2="lt2" tx2="dk2" accent1="accent1" accent2="accent2" accent3="accent3" accent4="accent4" accent5="accent5" accent6="accent6" hlink="hlink" folHlink="folHlink"/>
   <p:sldLayoutIdLst>
     <p:sldLayoutId id="2147483649" r:id="rId1"/>
     <p:sldLayoutId id="2147483650" r:id="rId2"/>
@@ -2857,12 +2860,12 @@
   </p:sldLayoutIdLst>
   <p:txStyles>
     <p:titleStyle>
-      <a:lvl1pPr algn="ctr" defTabSz="342900" eaLnBrk="1" hangingPunct="1" latinLnBrk="0" rtl="0">
+      <a:lvl1pPr algn="ctr" defTabSz="342900" rtl="0" eaLnBrk="1" latinLnBrk="0" hangingPunct="1">
         <a:spcBef>
           <a:spcPct val="0"/>
         </a:spcBef>
         <a:buNone/>
-        <a:defRPr kern="1200" sz="3300">
+        <a:defRPr sz="3300" kern="1200">
           <a:solidFill>
             <a:schemeClr val="tx1"/>
           </a:solidFill>
@@ -2873,13 +2876,13 @@
       </a:lvl1pPr>
     </p:titleStyle>
     <p:bodyStyle>
-      <a:lvl1pPr algn="l" defTabSz="342900" eaLnBrk="1" hangingPunct="1" indent="-342900" latinLnBrk="0" marL="342900" rtl="0">
+      <a:lvl1pPr marL="342900" indent="-342900" algn="l" defTabSz="342900" rtl="0" eaLnBrk="1" latinLnBrk="0" hangingPunct="1">
         <a:spcBef>
           <a:spcPct val="20000"/>
         </a:spcBef>
         <a:buFont typeface="Arial"/>
         <a:buChar char="•"/>
-        <a:defRPr kern="1200" sz="2400">
+        <a:defRPr sz="2400" kern="1200">
           <a:solidFill>
             <a:schemeClr val="tx1"/>
           </a:solidFill>
@@ -2888,13 +2891,13 @@
           <a:cs typeface="+mn-cs"/>
         </a:defRPr>
       </a:lvl1pPr>
-      <a:lvl2pPr algn="l" defTabSz="342900" eaLnBrk="1" hangingPunct="1" indent="-342900" latinLnBrk="0" marL="685800" rtl="0">
+      <a:lvl2pPr marL="685800" indent="-342900" algn="l" defTabSz="342900" rtl="0" eaLnBrk="1" latinLnBrk="0" hangingPunct="1">
         <a:spcBef>
           <a:spcPct val="20000"/>
         </a:spcBef>
         <a:buFont typeface="Arial"/>
         <a:buChar char="–"/>
-        <a:defRPr kern="1200" sz="2100">
+        <a:defRPr sz="2100" kern="1200">
           <a:solidFill>
             <a:schemeClr val="tx1"/>
           </a:solidFill>
@@ -2903,13 +2906,13 @@
           <a:cs typeface="+mn-cs"/>
         </a:defRPr>
       </a:lvl2pPr>
-      <a:lvl3pPr algn="l" defTabSz="342900" eaLnBrk="1" hangingPunct="1" indent="-342900" latinLnBrk="0" marL="1028700" rtl="0">
+      <a:lvl3pPr marL="1028700" indent="-342900" algn="l" defTabSz="342900" rtl="0" eaLnBrk="1" latinLnBrk="0" hangingPunct="1">
         <a:spcBef>
           <a:spcPct val="20000"/>
         </a:spcBef>
         <a:buFont typeface="Arial"/>
         <a:buChar char="•"/>
-        <a:defRPr kern="1200" sz="1800">
+        <a:defRPr sz="1800" kern="1200">
           <a:solidFill>
             <a:schemeClr val="tx1"/>
           </a:solidFill>
@@ -2918,13 +2921,13 @@
           <a:cs typeface="+mn-cs"/>
         </a:defRPr>
       </a:lvl3pPr>
-      <a:lvl4pPr algn="l" defTabSz="342900" eaLnBrk="1" hangingPunct="1" indent="-342900" latinLnBrk="0" marL="1371600" rtl="0">
+      <a:lvl4pPr marL="1371600" indent="-342900" algn="l" defTabSz="342900" rtl="0" eaLnBrk="1" latinLnBrk="0" hangingPunct="1">
         <a:spcBef>
           <a:spcPct val="20000"/>
         </a:spcBef>
         <a:buFont typeface="Arial"/>
         <a:buChar char="–"/>
-        <a:defRPr kern="1200" sz="1500">
+        <a:defRPr sz="1500" kern="1200">
           <a:solidFill>
             <a:schemeClr val="tx1"/>
           </a:solidFill>
@@ -2933,13 +2936,13 @@
           <a:cs typeface="+mn-cs"/>
         </a:defRPr>
       </a:lvl4pPr>
-      <a:lvl5pPr algn="l" defTabSz="342900" eaLnBrk="1" hangingPunct="1" indent="-342900" latinLnBrk="0" marL="1714500" rtl="0">
+      <a:lvl5pPr marL="1714500" indent="-342900" algn="l" defTabSz="342900" rtl="0" eaLnBrk="1" latinLnBrk="0" hangingPunct="1">
         <a:spcBef>
           <a:spcPct val="20000"/>
         </a:spcBef>
         <a:buFont typeface="Arial"/>
         <a:buChar char="»"/>
-        <a:defRPr kern="1200" sz="1500">
+        <a:defRPr sz="1500" kern="1200">
           <a:solidFill>
             <a:schemeClr val="tx1"/>
           </a:solidFill>
@@ -2948,13 +2951,13 @@
           <a:cs typeface="+mn-cs"/>
         </a:defRPr>
       </a:lvl5pPr>
-      <a:lvl6pPr algn="l" defTabSz="342900" eaLnBrk="1" hangingPunct="1" indent="-342900" latinLnBrk="0" marL="2057400" rtl="0">
+      <a:lvl6pPr marL="2057400" indent="-342900" algn="l" defTabSz="342900" rtl="0" eaLnBrk="1" latinLnBrk="0" hangingPunct="1">
         <a:spcBef>
           <a:spcPct val="20000"/>
         </a:spcBef>
         <a:buFont typeface="Arial"/>
         <a:buChar char="•"/>
-        <a:defRPr kern="1200" sz="1500">
+        <a:defRPr sz="1500" kern="1200">
           <a:solidFill>
             <a:schemeClr val="tx1"/>
           </a:solidFill>
@@ -2963,13 +2966,13 @@
           <a:cs typeface="+mn-cs"/>
         </a:defRPr>
       </a:lvl6pPr>
-      <a:lvl7pPr algn="l" defTabSz="342900" eaLnBrk="1" hangingPunct="1" indent="-342900" latinLnBrk="0" marL="2400300" rtl="0">
+      <a:lvl7pPr marL="2400300" indent="-342900" algn="l" defTabSz="342900" rtl="0" eaLnBrk="1" latinLnBrk="0" hangingPunct="1">
         <a:spcBef>
           <a:spcPct val="20000"/>
         </a:spcBef>
         <a:buFont typeface="Arial"/>
         <a:buChar char="•"/>
-        <a:defRPr kern="1200" sz="1500">
+        <a:defRPr sz="1500" kern="1200">
           <a:solidFill>
             <a:schemeClr val="tx1"/>
           </a:solidFill>
@@ -2978,13 +2981,13 @@
           <a:cs typeface="+mn-cs"/>
         </a:defRPr>
       </a:lvl7pPr>
-      <a:lvl8pPr algn="l" defTabSz="342900" eaLnBrk="1" hangingPunct="1" indent="-342900" latinLnBrk="0" marL="2743200" rtl="0">
+      <a:lvl8pPr marL="2743200" indent="-342900" algn="l" defTabSz="342900" rtl="0" eaLnBrk="1" latinLnBrk="0" hangingPunct="1">
         <a:spcBef>
           <a:spcPct val="20000"/>
         </a:spcBef>
         <a:buFont typeface="Arial"/>
         <a:buChar char="•"/>
-        <a:defRPr kern="1200" sz="1500">
+        <a:defRPr sz="1500" kern="1200">
           <a:solidFill>
             <a:schemeClr val="tx1"/>
           </a:solidFill>
@@ -2993,13 +2996,13 @@
           <a:cs typeface="+mn-cs"/>
         </a:defRPr>
       </a:lvl8pPr>
-      <a:lvl9pPr algn="l" defTabSz="342900" eaLnBrk="1" hangingPunct="1" indent="-342900" latinLnBrk="0" marL="3086100" rtl="0">
+      <a:lvl9pPr marL="3086100" indent="-342900" algn="l" defTabSz="342900" rtl="0" eaLnBrk="1" latinLnBrk="0" hangingPunct="1">
         <a:spcBef>
           <a:spcPct val="20000"/>
         </a:spcBef>
         <a:buFont typeface="Arial"/>
         <a:buChar char="•"/>
-        <a:defRPr kern="1200" sz="1500">
+        <a:defRPr sz="1500" kern="1200">
           <a:solidFill>
             <a:schemeClr val="tx1"/>
           </a:solidFill>
@@ -3013,8 +3016,8 @@
       <a:defPPr>
         <a:defRPr lang="en-US"/>
       </a:defPPr>
-      <a:lvl1pPr algn="l" defTabSz="342900" eaLnBrk="1" hangingPunct="1" latinLnBrk="0" marL="0" rtl="0">
-        <a:defRPr kern="1200" sz="1350">
+      <a:lvl1pPr marL="0" algn="l" defTabSz="342900" rtl="0" eaLnBrk="1" latinLnBrk="0" hangingPunct="1">
+        <a:defRPr sz="1350" kern="1200">
           <a:solidFill>
             <a:schemeClr val="tx1"/>
           </a:solidFill>
@@ -3023,8 +3026,8 @@
           <a:cs typeface="+mn-cs"/>
         </a:defRPr>
       </a:lvl1pPr>
-      <a:lvl2pPr algn="l" defTabSz="342900" eaLnBrk="1" hangingPunct="1" latinLnBrk="0" marL="342900" rtl="0">
-        <a:defRPr kern="1200" sz="1350">
+      <a:lvl2pPr marL="342900" algn="l" defTabSz="342900" rtl="0" eaLnBrk="1" latinLnBrk="0" hangingPunct="1">
+        <a:defRPr sz="1350" kern="1200">
           <a:solidFill>
             <a:schemeClr val="tx1"/>
           </a:solidFill>
@@ -3033,8 +3036,8 @@
           <a:cs typeface="+mn-cs"/>
         </a:defRPr>
       </a:lvl2pPr>
-      <a:lvl3pPr algn="l" defTabSz="342900" eaLnBrk="1" hangingPunct="1" latinLnBrk="0" marL="685800" rtl="0">
-        <a:defRPr kern="1200" sz="1350">
+      <a:lvl3pPr marL="685800" algn="l" defTabSz="342900" rtl="0" eaLnBrk="1" latinLnBrk="0" hangingPunct="1">
+        <a:defRPr sz="1350" kern="1200">
           <a:solidFill>
             <a:schemeClr val="tx1"/>
           </a:solidFill>
@@ -3043,8 +3046,8 @@
           <a:cs typeface="+mn-cs"/>
         </a:defRPr>
       </a:lvl3pPr>
-      <a:lvl4pPr algn="l" defTabSz="342900" eaLnBrk="1" hangingPunct="1" latinLnBrk="0" marL="1028700" rtl="0">
-        <a:defRPr kern="1200" sz="1350">
+      <a:lvl4pPr marL="1028700" algn="l" defTabSz="342900" rtl="0" eaLnBrk="1" latinLnBrk="0" hangingPunct="1">
+        <a:defRPr sz="1350" kern="1200">
           <a:solidFill>
             <a:schemeClr val="tx1"/>
           </a:solidFill>
@@ -3053,8 +3056,8 @@
           <a:cs typeface="+mn-cs"/>
         </a:defRPr>
       </a:lvl4pPr>
-      <a:lvl5pPr algn="l" defTabSz="342900" eaLnBrk="1" hangingPunct="1" latinLnBrk="0" marL="1371600" rtl="0">
-        <a:defRPr kern="1200" sz="1350">
+      <a:lvl5pPr marL="1371600" algn="l" defTabSz="342900" rtl="0" eaLnBrk="1" latinLnBrk="0" hangingPunct="1">
+        <a:defRPr sz="1350" kern="1200">
           <a:solidFill>
             <a:schemeClr val="tx1"/>
           </a:solidFill>
@@ -3063,8 +3066,8 @@
           <a:cs typeface="+mn-cs"/>
         </a:defRPr>
       </a:lvl5pPr>
-      <a:lvl6pPr algn="l" defTabSz="342900" eaLnBrk="1" hangingPunct="1" latinLnBrk="0" marL="1714500" rtl="0">
-        <a:defRPr kern="1200" sz="1350">
+      <a:lvl6pPr marL="1714500" algn="l" defTabSz="342900" rtl="0" eaLnBrk="1" latinLnBrk="0" hangingPunct="1">
+        <a:defRPr sz="1350" kern="1200">
           <a:solidFill>
             <a:schemeClr val="tx1"/>
           </a:solidFill>
@@ -3073,8 +3076,8 @@
           <a:cs typeface="+mn-cs"/>
         </a:defRPr>
       </a:lvl6pPr>
-      <a:lvl7pPr algn="l" defTabSz="342900" eaLnBrk="1" hangingPunct="1" latinLnBrk="0" marL="2057400" rtl="0">
-        <a:defRPr kern="1200" sz="1350">
+      <a:lvl7pPr marL="2057400" algn="l" defTabSz="342900" rtl="0" eaLnBrk="1" latinLnBrk="0" hangingPunct="1">
+        <a:defRPr sz="1350" kern="1200">
           <a:solidFill>
             <a:schemeClr val="tx1"/>
           </a:solidFill>
@@ -3083,8 +3086,8 @@
           <a:cs typeface="+mn-cs"/>
         </a:defRPr>
       </a:lvl7pPr>
-      <a:lvl8pPr algn="l" defTabSz="342900" eaLnBrk="1" hangingPunct="1" latinLnBrk="0" marL="2400300" rtl="0">
-        <a:defRPr kern="1200" sz="1350">
+      <a:lvl8pPr marL="2400300" algn="l" defTabSz="342900" rtl="0" eaLnBrk="1" latinLnBrk="0" hangingPunct="1">
+        <a:defRPr sz="1350" kern="1200">
           <a:solidFill>
             <a:schemeClr val="tx1"/>
           </a:solidFill>
@@ -3093,8 +3096,8 @@
           <a:cs typeface="+mn-cs"/>
         </a:defRPr>
       </a:lvl8pPr>
-      <a:lvl9pPr algn="l" defTabSz="342900" eaLnBrk="1" hangingPunct="1" latinLnBrk="0" marL="2743200" rtl="0">
-        <a:defRPr kern="1200" sz="1350">
+      <a:lvl9pPr marL="2743200" algn="l" defTabSz="342900" rtl="0" eaLnBrk="1" latinLnBrk="0" hangingPunct="1">
+        <a:defRPr sz="1350" kern="1200">
           <a:solidFill>
             <a:schemeClr val="tx1"/>
           </a:solidFill>
@@ -3145,11 +3148,10 @@
           <a:bodyPr/>
           <a:lstStyle/>
           <a:p>
-            <a:pPr lvl="0" indent="0" marL="0">
+            <a:pPr marL="0" lvl="0" indent="0">
               <a:buNone/>
             </a:pPr>
             <a:r>
-              <a:rPr/>
               <a:t>Meta-analysis in Comparative Physiology: A brief introduction to effect sizes and meta-analytic modelling</a:t>
             </a:r>
           </a:p>
@@ -3162,7 +3164,7 @@
             <a:spLocks noGrp="1"/>
           </p:cNvSpPr>
           <p:nvPr>
-            <p:ph idx="1" type="subTitle"/>
+            <p:ph type="subTitle" idx="1"/>
           </p:nvPr>
         </p:nvSpPr>
         <p:spPr>
@@ -3175,13 +3177,12 @@
           <a:bodyPr/>
           <a:lstStyle/>
           <a:p>
-            <a:pPr lvl="0" indent="0" marL="0">
+            <a:pPr marL="0" lvl="0" indent="0">
               <a:buNone/>
             </a:pPr>
             <a:br/>
             <a:br/>
             <a:r>
-              <a:rPr/>
               <a:t>Daniel W.A Noble, Nicholis Wu, Essie Rodgers, Patrice Pottier</a:t>
             </a:r>
           </a:p>
@@ -3194,7 +3195,7 @@
             <a:spLocks noGrp="1"/>
           </p:cNvSpPr>
           <p:nvPr>
-            <p:ph idx="10" sz="half" type="dt"/>
+            <p:ph type="dt" sz="half" idx="10"/>
           </p:nvPr>
         </p:nvSpPr>
         <p:spPr/>
@@ -3202,18 +3203,20 @@
           <a:bodyPr/>
           <a:lstStyle/>
           <a:p>
-            <a:pPr lvl="0" indent="0" marL="0">
+            <a:pPr marL="0" lvl="0" indent="0">
               <a:buNone/>
             </a:pPr>
             <a:r>
-              <a:rPr/>
-              <a:t>2022-06-28</a:t>
+              <a:t>2022-07-02</a:t>
             </a:r>
           </a:p>
         </p:txBody>
       </p:sp>
     </p:spTree>
   </p:cSld>
+  <p:clrMapOvr>
+    <a:masterClrMapping/>
+  </p:clrMapOvr>
 </p:sld>
 </file>
 
@@ -3249,11 +3252,10 @@
           <a:bodyPr/>
           <a:lstStyle/>
           <a:p>
-            <a:pPr lvl="0" indent="0" marL="0">
+            <a:pPr marL="0" lvl="0" indent="0">
               <a:buNone/>
             </a:pPr>
             <a:r>
-              <a:rPr/>
               <a:t>Zr</a:t>
             </a:r>
           </a:p>
@@ -3463,6 +3465,9 @@
       </p:sp>
     </p:spTree>
   </p:cSld>
+  <p:clrMapOvr>
+    <a:masterClrMapping/>
+  </p:clrMapOvr>
 </p:sld>
 </file>
 
@@ -3503,11 +3508,10 @@
           <a:bodyPr/>
           <a:lstStyle/>
           <a:p>
-            <a:pPr lvl="0" indent="0" marL="0">
+            <a:pPr marL="0" lvl="0" indent="0">
               <a:buNone/>
             </a:pPr>
             <a:r>
-              <a:rPr/>
               <a:t>Effect calculation</a:t>
             </a:r>
           </a:p>
@@ -3520,7 +3524,7 @@
             <a:spLocks noGrp="1"/>
           </p:cNvSpPr>
           <p:nvPr>
-            <p:ph idx="2" sz="half" type="body"/>
+            <p:ph type="body" sz="half" idx="2"/>
           </p:nvPr>
         </p:nvSpPr>
         <p:spPr/>
@@ -3963,7 +3967,7 @@
       </p:sp>
       <p:pic>
         <p:nvPicPr>
-          <p:cNvPr descr="code_slides_files/figure-pptx/Zrescalc-1.png" id="0" name="Picture 1"/>
+          <p:cNvPr id="3" name="Picture 1" descr="code_slides_files/figure-pptx/Zrescalc-1.png"/>
           <p:cNvPicPr>
             <a:picLocks noGrp="1" noChangeAspect="1"/>
           </p:cNvPicPr>
@@ -3993,6 +3997,9 @@
       </p:pic>
     </p:spTree>
   </p:cSld>
+  <p:clrMapOvr>
+    <a:masterClrMapping/>
+  </p:clrMapOvr>
 </p:sld>
 </file>
 
@@ -4028,11 +4035,10 @@
           <a:bodyPr/>
           <a:lstStyle/>
           <a:p>
-            <a:pPr lvl="0" indent="0" marL="0">
+            <a:pPr marL="0" lvl="0" indent="0">
               <a:buNone/>
             </a:pPr>
             <a:r>
-              <a:rPr/>
               <a:t>Back transofrmation</a:t>
             </a:r>
           </a:p>
@@ -4197,6 +4203,9 @@
       </p:sp>
     </p:spTree>
   </p:cSld>
+  <p:clrMapOvr>
+    <a:masterClrMapping/>
+  </p:clrMapOvr>
 </p:sld>
 </file>
 
@@ -4232,11 +4241,10 @@
           <a:bodyPr/>
           <a:lstStyle/>
           <a:p>
-            <a:pPr lvl="0" indent="0" marL="0">
+            <a:pPr marL="0" lvl="0" indent="0">
               <a:buNone/>
             </a:pPr>
             <a:r>
-              <a:rPr/>
               <a:t>Hedges</a:t>
             </a:r>
           </a:p>
@@ -4446,6 +4454,9 @@
       </p:sp>
     </p:spTree>
   </p:cSld>
+  <p:clrMapOvr>
+    <a:masterClrMapping/>
+  </p:clrMapOvr>
 </p:sld>
 </file>
 
@@ -4481,11 +4492,10 @@
           <a:bodyPr/>
           <a:lstStyle/>
           <a:p>
-            <a:pPr lvl="0" indent="0" marL="0">
+            <a:pPr marL="0" lvl="0" indent="0">
               <a:buNone/>
             </a:pPr>
             <a:r>
-              <a:rPr/>
               <a:t>Hedgesg</a:t>
             </a:r>
           </a:p>
@@ -4851,6 +4861,9 @@
       </p:sp>
     </p:spTree>
   </p:cSld>
+  <p:clrMapOvr>
+    <a:masterClrMapping/>
+  </p:clrMapOvr>
 </p:sld>
 </file>
 
@@ -4886,11 +4899,10 @@
           <a:bodyPr/>
           <a:lstStyle/>
           <a:p>
-            <a:pPr lvl="0" indent="0" marL="0">
+            <a:pPr marL="0" lvl="0" indent="0">
               <a:buNone/>
             </a:pPr>
             <a:r>
-              <a:rPr/>
               <a:t>lnRR</a:t>
             </a:r>
           </a:p>
@@ -7560,6 +7572,9 @@
       </p:sp>
     </p:spTree>
   </p:cSld>
+  <p:clrMapOvr>
+    <a:masterClrMapping/>
+  </p:clrMapOvr>
 </p:sld>
 </file>
 
@@ -7595,11 +7610,10 @@
           <a:bodyPr/>
           <a:lstStyle/>
           <a:p>
-            <a:pPr lvl="0" indent="0" marL="0">
+            <a:pPr marL="0" lvl="0" indent="0">
               <a:buNone/>
             </a:pPr>
             <a:r>
-              <a:rPr/>
               <a:t>COnverting back to understand lnRR</a:t>
             </a:r>
           </a:p>
@@ -8199,6 +8213,9 @@
       </p:sp>
     </p:spTree>
   </p:cSld>
+  <p:clrMapOvr>
+    <a:masterClrMapping/>
+  </p:clrMapOvr>
 </p:sld>
 </file>
 
@@ -8234,299 +8251,381 @@
           <a:bodyPr/>
           <a:lstStyle/>
           <a:p>
-            <a:pPr lvl="0" indent="0" marL="0">
+            <a:pPr marL="0" lvl="0" indent="0">
               <a:buNone/>
             </a:pPr>
             <a:r>
-              <a:rPr/>
               <a:t>Latency</a:t>
             </a:r>
           </a:p>
         </p:txBody>
       </p:sp>
-      <mc:AlternateContent xmlns:mc="http://schemas.openxmlformats.org/markup-compatibility/2006">
-        <mc:Choice xmlns:a14="http://schemas.microsoft.com/office/drawing/2010/main" Requires="a14">
-          <p:sp>
-            <p:nvSpPr>
-              <p:cNvPr id="3" name="Content Placeholder 2"/>
-              <p:cNvSpPr>
-                <a:spLocks noGrp="1"/>
-              </p:cNvSpPr>
-              <p:nvPr>
-                <p:ph idx="1"/>
-              </p:nvPr>
-            </p:nvSpPr>
-            <p:spPr/>
-            <p:txBody>
-              <a:bodyPr/>
-              <a:lstStyle/>
-              <a:p>
-                <a:pPr lvl="0" indent="0" marL="0">
-                  <a:buNone/>
-                </a:pPr>
-                <a14:m>
-                  <m:oMathPara xmlns:m="http://schemas.openxmlformats.org/officeDocument/2006/math">
-                    <m:oMathParaPr>
-                      <m:jc m:val="center"/>
-                    </m:oMathParaPr>
-                    <m:oMath>
+      <p:sp>
+        <p:nvSpPr>
+          <p:cNvPr id="3" name="Content Placeholder 2"/>
+          <p:cNvSpPr>
+            <a:spLocks noGrp="1"/>
+          </p:cNvSpPr>
+          <p:nvPr>
+            <p:ph idx="1"/>
+          </p:nvPr>
+        </p:nvSpPr>
+        <p:spPr/>
+        <p:txBody>
+          <a:bodyPr/>
+          <a:lstStyle/>
+          <a:p>
+            <a:pPr marL="0" lvl="0" indent="0">
+              <a:buNone/>
+            </a:pPr>
+            <a14:m xmlns:a14="http://schemas.microsoft.com/office/drawing/2010/main">
+              <m:oMathPara xmlns:m="http://schemas.openxmlformats.org/officeDocument/2006/math">
+                <m:oMathParaPr>
+                  <m:jc m:val="center"/>
+                </m:oMathParaPr>
+                <m:oMath xmlns:m="http://schemas.openxmlformats.org/officeDocument/2006/math">
+                  <m:r>
+                    <a:rPr>
+                      <a:latin typeface="Cambria Math" panose="02040503050406030204" pitchFamily="18" charset="0"/>
+                    </a:rPr>
+                    <m:t>𝑙𝑛</m:t>
+                  </m:r>
+                  <m:acc>
+                    <m:accPr>
+                      <m:chr m:val="‾"/>
+                      <m:ctrlPr>
+                        <a:rPr i="1">
+                          <a:latin typeface="Cambria Math" panose="02040503050406030204" pitchFamily="18" charset="0"/>
+                        </a:rPr>
+                      </m:ctrlPr>
+                    </m:accPr>
+                    <m:e>
                       <m:r>
-                        <m:t>l</m:t>
+                        <a:rPr>
+                          <a:latin typeface="Cambria Math" panose="02040503050406030204" pitchFamily="18" charset="0"/>
+                        </a:rPr>
+                        <m:t>𝑋</m:t>
                       </m:r>
-                      <m:r>
-                        <m:t>n</m:t>
-                      </m:r>
+                    </m:e>
+                  </m:acc>
+                  <m:r>
+                    <a:rPr>
+                      <a:latin typeface="Cambria Math" panose="02040503050406030204" pitchFamily="18" charset="0"/>
+                    </a:rPr>
+                    <m:t>=</m:t>
+                  </m:r>
+                  <m:r>
+                    <a:rPr>
+                      <a:latin typeface="Cambria Math" panose="02040503050406030204" pitchFamily="18" charset="0"/>
+                    </a:rPr>
+                    <m:t>𝑙𝑜𝑔</m:t>
+                  </m:r>
+                  <m:d>
+                    <m:dPr>
+                      <m:ctrlPr>
+                        <a:rPr i="1">
+                          <a:latin typeface="Cambria Math" panose="02040503050406030204" pitchFamily="18" charset="0"/>
+                        </a:rPr>
+                      </m:ctrlPr>
+                    </m:dPr>
+                    <m:e>
                       <m:acc>
                         <m:accPr>
                           <m:chr m:val="‾"/>
+                          <m:ctrlPr>
+                            <a:rPr i="1">
+                              <a:latin typeface="Cambria Math" panose="02040503050406030204" pitchFamily="18" charset="0"/>
+                            </a:rPr>
+                          </m:ctrlPr>
                         </m:accPr>
                         <m:e>
                           <m:r>
-                            <m:t>X</m:t>
+                            <a:rPr>
+                              <a:latin typeface="Cambria Math" panose="02040503050406030204" pitchFamily="18" charset="0"/>
+                            </a:rPr>
+                            <m:t>𝑋</m:t>
                           </m:r>
                         </m:e>
                       </m:acc>
+                    </m:e>
+                  </m:d>
+                  <m:r>
+                    <a:rPr>
+                      <a:latin typeface="Cambria Math" panose="02040503050406030204" pitchFamily="18" charset="0"/>
+                    </a:rPr>
+                    <m:t>−</m:t>
+                  </m:r>
+                  <m:r>
+                    <a:rPr>
+                      <a:latin typeface="Cambria Math" panose="02040503050406030204" pitchFamily="18" charset="0"/>
+                    </a:rPr>
+                    <m:t>𝑙𝑜𝑔</m:t>
+                  </m:r>
+                  <m:rad>
+                    <m:radPr>
+                      <m:ctrlPr>
+                        <a:rPr i="1">
+                          <a:latin typeface="Cambria Math" panose="02040503050406030204" pitchFamily="18" charset="0"/>
+                        </a:rPr>
+                      </m:ctrlPr>
+                    </m:radPr>
+                    <m:deg/>
+                    <m:e>
+                      <m:d>
+                        <m:dPr>
+                          <m:ctrlPr>
+                            <a:rPr i="1">
+                              <a:latin typeface="Cambria Math" panose="02040503050406030204" pitchFamily="18" charset="0"/>
+                            </a:rPr>
+                          </m:ctrlPr>
+                        </m:dPr>
+                        <m:e>
+                          <m:r>
+                            <a:rPr>
+                              <a:latin typeface="Cambria Math" panose="02040503050406030204" pitchFamily="18" charset="0"/>
+                            </a:rPr>
+                            <m:t>1+</m:t>
+                          </m:r>
+                          <m:f>
+                            <m:fPr>
+                              <m:ctrlPr>
+                                <a:rPr i="1">
+                                  <a:latin typeface="Cambria Math" panose="02040503050406030204" pitchFamily="18" charset="0"/>
+                                </a:rPr>
+                              </m:ctrlPr>
+                            </m:fPr>
+                            <m:num>
+                              <m:r>
+                                <a:rPr>
+                                  <a:latin typeface="Cambria Math" panose="02040503050406030204" pitchFamily="18" charset="0"/>
+                                </a:rPr>
+                                <m:t>𝑆</m:t>
+                              </m:r>
+                              <m:sSup>
+                                <m:sSupPr>
+                                  <m:ctrlPr>
+                                    <a:rPr i="1">
+                                      <a:latin typeface="Cambria Math" panose="02040503050406030204" pitchFamily="18" charset="0"/>
+                                    </a:rPr>
+                                  </m:ctrlPr>
+                                </m:sSupPr>
+                                <m:e>
+                                  <m:r>
+                                    <a:rPr>
+                                      <a:latin typeface="Cambria Math" panose="02040503050406030204" pitchFamily="18" charset="0"/>
+                                    </a:rPr>
+                                    <m:t>𝐷</m:t>
+                                  </m:r>
+                                </m:e>
+                                <m:sup>
+                                  <m:r>
+                                    <a:rPr>
+                                      <a:latin typeface="Cambria Math" panose="02040503050406030204" pitchFamily="18" charset="0"/>
+                                    </a:rPr>
+                                    <m:t>2</m:t>
+                                  </m:r>
+                                </m:sup>
+                              </m:sSup>
+                            </m:num>
+                            <m:den>
+                              <m:sSup>
+                                <m:sSupPr>
+                                  <m:ctrlPr>
+                                    <a:rPr i="1">
+                                      <a:latin typeface="Cambria Math" panose="02040503050406030204" pitchFamily="18" charset="0"/>
+                                    </a:rPr>
+                                  </m:ctrlPr>
+                                </m:sSupPr>
+                                <m:e>
+                                  <m:acc>
+                                    <m:accPr>
+                                      <m:chr m:val="‾"/>
+                                      <m:ctrlPr>
+                                        <a:rPr i="1">
+                                          <a:latin typeface="Cambria Math" panose="02040503050406030204" pitchFamily="18" charset="0"/>
+                                        </a:rPr>
+                                      </m:ctrlPr>
+                                    </m:accPr>
+                                    <m:e>
+                                      <m:r>
+                                        <a:rPr>
+                                          <a:latin typeface="Cambria Math" panose="02040503050406030204" pitchFamily="18" charset="0"/>
+                                        </a:rPr>
+                                        <m:t>𝑋</m:t>
+                                      </m:r>
+                                    </m:e>
+                                  </m:acc>
+                                </m:e>
+                                <m:sup>
+                                  <m:r>
+                                    <a:rPr>
+                                      <a:latin typeface="Cambria Math" panose="02040503050406030204" pitchFamily="18" charset="0"/>
+                                    </a:rPr>
+                                    <m:t>2</m:t>
+                                  </m:r>
+                                </m:sup>
+                              </m:sSup>
+                            </m:den>
+                          </m:f>
+                        </m:e>
+                      </m:d>
+                    </m:e>
+                  </m:rad>
+                </m:oMath>
+              </m:oMathPara>
+            </a14:m>
+            <a:endParaRPr/>
+          </a:p>
+          <a:p>
+            <a:pPr marL="0" lvl="0" indent="0">
+              <a:buNone/>
+            </a:pPr>
+            <a14:m xmlns:a14="http://schemas.microsoft.com/office/drawing/2010/main">
+              <m:oMathPara xmlns:m="http://schemas.openxmlformats.org/officeDocument/2006/math">
+                <m:oMathParaPr>
+                  <m:jc m:val="center"/>
+                </m:oMathParaPr>
+                <m:oMath xmlns:m="http://schemas.openxmlformats.org/officeDocument/2006/math">
+                  <m:r>
+                    <a:rPr>
+                      <a:latin typeface="Cambria Math" panose="02040503050406030204" pitchFamily="18" charset="0"/>
+                    </a:rPr>
+                    <m:t>𝑙𝑛𝑆𝐷</m:t>
+                  </m:r>
+                  <m:r>
+                    <a:rPr>
+                      <a:latin typeface="Cambria Math" panose="02040503050406030204" pitchFamily="18" charset="0"/>
+                    </a:rPr>
+                    <m:t>=</m:t>
+                  </m:r>
+                  <m:rad>
+                    <m:radPr>
+                      <m:ctrlPr>
+                        <a:rPr i="1">
+                          <a:latin typeface="Cambria Math" panose="02040503050406030204" pitchFamily="18" charset="0"/>
+                        </a:rPr>
+                      </m:ctrlPr>
+                    </m:radPr>
+                    <m:deg/>
+                    <m:e>
                       <m:r>
-                        <m:rPr>
-                          <m:sty m:val="p"/>
-                        </m:rPr>
-                        <m:t>=</m:t>
-                      </m:r>
-                      <m:r>
-                        <m:t>l</m:t>
-                      </m:r>
-                      <m:r>
-                        <m:t>o</m:t>
-                      </m:r>
-                      <m:r>
-                        <m:t>g</m:t>
+                        <a:rPr>
+                          <a:latin typeface="Cambria Math" panose="02040503050406030204" pitchFamily="18" charset="0"/>
+                        </a:rPr>
+                        <m:t>𝑙𝑜𝑔</m:t>
                       </m:r>
                       <m:d>
                         <m:dPr>
-                          <m:begChr m:val="("/>
-                          <m:endChr m:val=")"/>
-                          <m:sepChr m:val=""/>
-                          <m:grow/>
+                          <m:ctrlPr>
+                            <a:rPr i="1">
+                              <a:latin typeface="Cambria Math" panose="02040503050406030204" pitchFamily="18" charset="0"/>
+                            </a:rPr>
+                          </m:ctrlPr>
                         </m:dPr>
                         <m:e>
-                          <m:acc>
-                            <m:accPr>
-                              <m:chr m:val="‾"/>
-                            </m:accPr>
-                            <m:e>
+                          <m:r>
+                            <a:rPr>
+                              <a:latin typeface="Cambria Math" panose="02040503050406030204" pitchFamily="18" charset="0"/>
+                            </a:rPr>
+                            <m:t>1+</m:t>
+                          </m:r>
+                          <m:f>
+                            <m:fPr>
+                              <m:ctrlPr>
+                                <a:rPr i="1">
+                                  <a:latin typeface="Cambria Math" panose="02040503050406030204" pitchFamily="18" charset="0"/>
+                                </a:rPr>
+                              </m:ctrlPr>
+                            </m:fPr>
+                            <m:num>
                               <m:r>
-                                <m:t>X</m:t>
+                                <a:rPr>
+                                  <a:latin typeface="Cambria Math" panose="02040503050406030204" pitchFamily="18" charset="0"/>
+                                </a:rPr>
+                                <m:t>𝑆</m:t>
                               </m:r>
-                            </m:e>
-                          </m:acc>
+                              <m:sSup>
+                                <m:sSupPr>
+                                  <m:ctrlPr>
+                                    <a:rPr i="1">
+                                      <a:latin typeface="Cambria Math" panose="02040503050406030204" pitchFamily="18" charset="0"/>
+                                    </a:rPr>
+                                  </m:ctrlPr>
+                                </m:sSupPr>
+                                <m:e>
+                                  <m:r>
+                                    <a:rPr>
+                                      <a:latin typeface="Cambria Math" panose="02040503050406030204" pitchFamily="18" charset="0"/>
+                                    </a:rPr>
+                                    <m:t>𝐷</m:t>
+                                  </m:r>
+                                </m:e>
+                                <m:sup>
+                                  <m:r>
+                                    <a:rPr>
+                                      <a:latin typeface="Cambria Math" panose="02040503050406030204" pitchFamily="18" charset="0"/>
+                                    </a:rPr>
+                                    <m:t>2</m:t>
+                                  </m:r>
+                                </m:sup>
+                              </m:sSup>
+                            </m:num>
+                            <m:den>
+                              <m:sSup>
+                                <m:sSupPr>
+                                  <m:ctrlPr>
+                                    <a:rPr i="1">
+                                      <a:latin typeface="Cambria Math" panose="02040503050406030204" pitchFamily="18" charset="0"/>
+                                    </a:rPr>
+                                  </m:ctrlPr>
+                                </m:sSupPr>
+                                <m:e>
+                                  <m:acc>
+                                    <m:accPr>
+                                      <m:chr m:val="‾"/>
+                                      <m:ctrlPr>
+                                        <a:rPr i="1">
+                                          <a:latin typeface="Cambria Math" panose="02040503050406030204" pitchFamily="18" charset="0"/>
+                                        </a:rPr>
+                                      </m:ctrlPr>
+                                    </m:accPr>
+                                    <m:e>
+                                      <m:r>
+                                        <a:rPr>
+                                          <a:latin typeface="Cambria Math" panose="02040503050406030204" pitchFamily="18" charset="0"/>
+                                        </a:rPr>
+                                        <m:t>𝑋</m:t>
+                                      </m:r>
+                                    </m:e>
+                                  </m:acc>
+                                </m:e>
+                                <m:sup>
+                                  <m:r>
+                                    <a:rPr>
+                                      <a:latin typeface="Cambria Math" panose="02040503050406030204" pitchFamily="18" charset="0"/>
+                                    </a:rPr>
+                                    <m:t>2</m:t>
+                                  </m:r>
+                                </m:sup>
+                              </m:sSup>
+                            </m:den>
+                          </m:f>
                         </m:e>
                       </m:d>
-                      <m:r>
-                        <m:rPr>
-                          <m:sty m:val="p"/>
-                        </m:rPr>
-                        <m:t>−</m:t>
-                      </m:r>
-                      <m:r>
-                        <m:t>l</m:t>
-                      </m:r>
-                      <m:r>
-                        <m:t>o</m:t>
-                      </m:r>
-                      <m:r>
-                        <m:t>g</m:t>
-                      </m:r>
-                      <m:rad>
-                        <m:radPr>
-                          <m:degHide m:val="1"/>
-                        </m:radPr>
-                        <m:deg/>
-                        <m:e>
-                          <m:d>
-                            <m:dPr>
-                              <m:begChr m:val="("/>
-                              <m:endChr m:val=")"/>
-                              <m:sepChr m:val=""/>
-                              <m:grow/>
-                            </m:dPr>
-                            <m:e>
-                              <m:r>
-                                <m:t>1</m:t>
-                              </m:r>
-                              <m:r>
-                                <m:rPr>
-                                  <m:sty m:val="p"/>
-                                </m:rPr>
-                                <m:t>+</m:t>
-                              </m:r>
-                              <m:f>
-                                <m:fPr>
-                                  <m:type m:val="bar"/>
-                                </m:fPr>
-                                <m:num>
-                                  <m:r>
-                                    <m:t>S</m:t>
-                                  </m:r>
-                                  <m:sSup>
-                                    <m:e>
-                                      <m:r>
-                                        <m:t>D</m:t>
-                                      </m:r>
-                                    </m:e>
-                                    <m:sup>
-                                      <m:r>
-                                        <m:t>2</m:t>
-                                      </m:r>
-                                    </m:sup>
-                                  </m:sSup>
-                                </m:num>
-                                <m:den>
-                                  <m:sSup>
-                                    <m:e>
-                                      <m:acc>
-                                        <m:accPr>
-                                          <m:chr m:val="‾"/>
-                                        </m:accPr>
-                                        <m:e>
-                                          <m:r>
-                                            <m:t>X</m:t>
-                                          </m:r>
-                                        </m:e>
-                                      </m:acc>
-                                    </m:e>
-                                    <m:sup>
-                                      <m:r>
-                                        <m:t>2</m:t>
-                                      </m:r>
-                                    </m:sup>
-                                  </m:sSup>
-                                </m:den>
-                              </m:f>
-                            </m:e>
-                          </m:d>
-                        </m:e>
-                      </m:rad>
-                    </m:oMath>
-                  </m:oMathPara>
-                </a14:m>
-              </a:p>
-              <a:p>
-                <a:pPr lvl="0" indent="0" marL="0">
-                  <a:buNone/>
-                </a:pPr>
-                <a14:m>
-                  <m:oMathPara xmlns:m="http://schemas.openxmlformats.org/officeDocument/2006/math">
-                    <m:oMathParaPr>
-                      <m:jc m:val="center"/>
-                    </m:oMathParaPr>
-                    <m:oMath>
-                      <m:r>
-                        <m:t>l</m:t>
-                      </m:r>
-                      <m:r>
-                        <m:t>n</m:t>
-                      </m:r>
-                      <m:r>
-                        <m:t>S</m:t>
-                      </m:r>
-                      <m:r>
-                        <m:t>D</m:t>
-                      </m:r>
-                      <m:r>
-                        <m:rPr>
-                          <m:sty m:val="p"/>
-                        </m:rPr>
-                        <m:t>=</m:t>
-                      </m:r>
-                      <m:rad>
-                        <m:radPr>
-                          <m:degHide m:val="1"/>
-                        </m:radPr>
-                        <m:deg/>
-                        <m:e>
-                          <m:r>
-                            <m:t>l</m:t>
-                          </m:r>
-                          <m:r>
-                            <m:t>o</m:t>
-                          </m:r>
-                          <m:r>
-                            <m:t>g</m:t>
-                          </m:r>
-                          <m:d>
-                            <m:dPr>
-                              <m:begChr m:val="("/>
-                              <m:endChr m:val=")"/>
-                              <m:sepChr m:val=""/>
-                              <m:grow/>
-                            </m:dPr>
-                            <m:e>
-                              <m:r>
-                                <m:t>1</m:t>
-                              </m:r>
-                              <m:r>
-                                <m:rPr>
-                                  <m:sty m:val="p"/>
-                                </m:rPr>
-                                <m:t>+</m:t>
-                              </m:r>
-                              <m:f>
-                                <m:fPr>
-                                  <m:type m:val="bar"/>
-                                </m:fPr>
-                                <m:num>
-                                  <m:r>
-                                    <m:t>S</m:t>
-                                  </m:r>
-                                  <m:sSup>
-                                    <m:e>
-                                      <m:r>
-                                        <m:t>D</m:t>
-                                      </m:r>
-                                    </m:e>
-                                    <m:sup>
-                                      <m:r>
-                                        <m:t>2</m:t>
-                                      </m:r>
-                                    </m:sup>
-                                  </m:sSup>
-                                </m:num>
-                                <m:den>
-                                  <m:sSup>
-                                    <m:e>
-                                      <m:acc>
-                                        <m:accPr>
-                                          <m:chr m:val="‾"/>
-                                        </m:accPr>
-                                        <m:e>
-                                          <m:r>
-                                            <m:t>X</m:t>
-                                          </m:r>
-                                        </m:e>
-                                      </m:acc>
-                                    </m:e>
-                                    <m:sup>
-                                      <m:r>
-                                        <m:t>2</m:t>
-                                      </m:r>
-                                    </m:sup>
-                                  </m:sSup>
-                                </m:den>
-                              </m:f>
-                            </m:e>
-                          </m:d>
-                        </m:e>
-                      </m:rad>
-                    </m:oMath>
-                  </m:oMathPara>
-                </a14:m>
-              </a:p>
-            </p:txBody>
-          </p:sp>
-        </mc:Choice>
-      </mc:AlternateContent>
+                    </m:e>
+                  </m:rad>
+                </m:oMath>
+              </m:oMathPara>
+            </a14:m>
+            <a:endParaRPr/>
+          </a:p>
+        </p:txBody>
+      </p:sp>
     </p:spTree>
   </p:cSld>
+  <p:clrMapOvr>
+    <a:masterClrMapping/>
+  </p:clrMapOvr>
 </p:sld>
 </file>
 
@@ -8562,252 +8661,340 @@
           <a:bodyPr/>
           <a:lstStyle/>
           <a:p>
-            <a:pPr lvl="0" indent="0" marL="0">
+            <a:pPr marL="0" lvl="0" indent="0">
               <a:buNone/>
             </a:pPr>
             <a:r>
-              <a:rPr/>
               <a:t>Proportions</a:t>
             </a:r>
           </a:p>
         </p:txBody>
       </p:sp>
-      <mc:AlternateContent xmlns:mc="http://schemas.openxmlformats.org/markup-compatibility/2006">
-        <mc:Choice xmlns:a14="http://schemas.microsoft.com/office/drawing/2010/main" Requires="a14">
-          <p:sp>
-            <p:nvSpPr>
-              <p:cNvPr id="3" name="Content Placeholder 2"/>
-              <p:cNvSpPr>
-                <a:spLocks noGrp="1"/>
-              </p:cNvSpPr>
-              <p:nvPr>
-                <p:ph idx="1"/>
-              </p:nvPr>
-            </p:nvSpPr>
-            <p:spPr/>
-            <p:txBody>
-              <a:bodyPr/>
-              <a:lstStyle/>
-              <a:p>
-                <a:pPr lvl="0" indent="0" marL="0">
-                  <a:buNone/>
-                </a:pPr>
-                <a14:m>
-                  <m:oMathPara xmlns:m="http://schemas.openxmlformats.org/officeDocument/2006/math">
-                    <m:oMathParaPr>
-                      <m:jc m:val="center"/>
-                    </m:oMathParaPr>
-                    <m:oMath>
-                      <m:acc>
-                        <m:accPr>
-                          <m:chr m:val="‾"/>
-                        </m:accPr>
+      <p:sp>
+        <p:nvSpPr>
+          <p:cNvPr id="3" name="Content Placeholder 2"/>
+          <p:cNvSpPr>
+            <a:spLocks noGrp="1"/>
+          </p:cNvSpPr>
+          <p:nvPr>
+            <p:ph idx="1"/>
+          </p:nvPr>
+        </p:nvSpPr>
+        <p:spPr/>
+        <p:txBody>
+          <a:bodyPr/>
+          <a:lstStyle/>
+          <a:p>
+            <a:pPr marL="0" lvl="0" indent="0">
+              <a:buNone/>
+            </a:pPr>
+            <a14:m xmlns:a14="http://schemas.microsoft.com/office/drawing/2010/main">
+              <m:oMathPara xmlns:m="http://schemas.openxmlformats.org/officeDocument/2006/math">
+                <m:oMathParaPr>
+                  <m:jc m:val="center"/>
+                </m:oMathParaPr>
+                <m:oMath xmlns:m="http://schemas.openxmlformats.org/officeDocument/2006/math">
+                  <m:acc>
+                    <m:accPr>
+                      <m:chr m:val="‾"/>
+                      <m:ctrlPr>
+                        <a:rPr>
+                          <a:latin typeface="Cambria Math" panose="02040503050406030204" pitchFamily="18" charset="0"/>
+                        </a:rPr>
+                      </m:ctrlPr>
+                    </m:accPr>
+                    <m:e>
+                      <m:sSub>
+                        <m:sSubPr>
+                          <m:ctrlPr>
+                            <a:rPr>
+                              <a:latin typeface="Cambria Math" panose="02040503050406030204" pitchFamily="18" charset="0"/>
+                            </a:rPr>
+                          </m:ctrlPr>
+                        </m:sSubPr>
                         <m:e>
-                          <m:sSub>
-                            <m:e>
-                              <m:r>
-                                <m:t>X</m:t>
-                              </m:r>
-                            </m:e>
-                            <m:sub>
-                              <m:r>
-                                <m:t>p</m:t>
-                              </m:r>
-                            </m:sub>
-                          </m:sSub>
+                          <m:r>
+                            <a:rPr>
+                              <a:latin typeface="Cambria Math" panose="02040503050406030204" pitchFamily="18" charset="0"/>
+                            </a:rPr>
+                            <m:t>𝑋</m:t>
+                          </m:r>
                         </m:e>
-                      </m:acc>
+                        <m:sub>
+                          <m:r>
+                            <a:rPr>
+                              <a:latin typeface="Cambria Math" panose="02040503050406030204" pitchFamily="18" charset="0"/>
+                            </a:rPr>
+                            <m:t>𝑝</m:t>
+                          </m:r>
+                        </m:sub>
+                      </m:sSub>
+                    </m:e>
+                  </m:acc>
+                  <m:r>
+                    <a:rPr>
+                      <a:latin typeface="Cambria Math" panose="02040503050406030204" pitchFamily="18" charset="0"/>
+                    </a:rPr>
+                    <m:t>=</m:t>
+                  </m:r>
+                  <m:r>
+                    <a:rPr>
+                      <a:latin typeface="Cambria Math" panose="02040503050406030204" pitchFamily="18" charset="0"/>
+                    </a:rPr>
+                    <m:t>𝑙𝑜𝑔</m:t>
+                  </m:r>
+                  <m:d>
+                    <m:dPr>
+                      <m:ctrlPr>
+                        <a:rPr i="1">
+                          <a:latin typeface="Cambria Math" panose="02040503050406030204" pitchFamily="18" charset="0"/>
+                        </a:rPr>
+                      </m:ctrlPr>
+                    </m:dPr>
+                    <m:e>
+                      <m:f>
+                        <m:fPr>
+                          <m:ctrlPr>
+                            <a:rPr i="1">
+                              <a:latin typeface="Cambria Math" panose="02040503050406030204" pitchFamily="18" charset="0"/>
+                            </a:rPr>
+                          </m:ctrlPr>
+                        </m:fPr>
+                        <m:num>
+                          <m:r>
+                            <a:rPr>
+                              <a:latin typeface="Cambria Math" panose="02040503050406030204" pitchFamily="18" charset="0"/>
+                            </a:rPr>
+                            <m:t>𝑝</m:t>
+                          </m:r>
+                        </m:num>
+                        <m:den>
+                          <m:r>
+                            <a:rPr>
+                              <a:latin typeface="Cambria Math" panose="02040503050406030204" pitchFamily="18" charset="0"/>
+                            </a:rPr>
+                            <m:t>1−</m:t>
+                          </m:r>
+                          <m:r>
+                            <a:rPr>
+                              <a:latin typeface="Cambria Math" panose="02040503050406030204" pitchFamily="18" charset="0"/>
+                            </a:rPr>
+                            <m:t>𝑝</m:t>
+                          </m:r>
+                        </m:den>
+                      </m:f>
+                    </m:e>
+                  </m:d>
+                </m:oMath>
+              </m:oMathPara>
+            </a14:m>
+            <a:endParaRPr/>
+          </a:p>
+          <a:p>
+            <a:pPr marL="0" lvl="0" indent="0">
+              <a:buNone/>
+            </a:pPr>
+            <a14:m xmlns:a14="http://schemas.microsoft.com/office/drawing/2010/main">
+              <m:oMathPara xmlns:m="http://schemas.openxmlformats.org/officeDocument/2006/math">
+                <m:oMathParaPr>
+                  <m:jc m:val="center"/>
+                </m:oMathParaPr>
+                <m:oMath xmlns:m="http://schemas.openxmlformats.org/officeDocument/2006/math">
+                  <m:r>
+                    <a:rPr>
+                      <a:latin typeface="Cambria Math" panose="02040503050406030204" pitchFamily="18" charset="0"/>
+                    </a:rPr>
+                    <m:t>𝑆</m:t>
+                  </m:r>
+                  <m:sSub>
+                    <m:sSubPr>
+                      <m:ctrlPr>
+                        <a:rPr i="1">
+                          <a:latin typeface="Cambria Math" panose="02040503050406030204" pitchFamily="18" charset="0"/>
+                        </a:rPr>
+                      </m:ctrlPr>
+                    </m:sSubPr>
+                    <m:e>
                       <m:r>
-                        <m:rPr>
-                          <m:sty m:val="p"/>
-                        </m:rPr>
-                        <m:t>=</m:t>
+                        <a:rPr>
+                          <a:latin typeface="Cambria Math" panose="02040503050406030204" pitchFamily="18" charset="0"/>
+                        </a:rPr>
+                        <m:t>𝐷</m:t>
                       </m:r>
+                    </m:e>
+                    <m:sub>
                       <m:r>
-                        <m:t>l</m:t>
+                        <a:rPr>
+                          <a:latin typeface="Cambria Math" panose="02040503050406030204" pitchFamily="18" charset="0"/>
+                        </a:rPr>
+                        <m:t>𝑝</m:t>
                       </m:r>
+                    </m:sub>
+                  </m:sSub>
+                  <m:r>
+                    <a:rPr>
+                      <a:latin typeface="Cambria Math" panose="02040503050406030204" pitchFamily="18" charset="0"/>
+                    </a:rPr>
+                    <m:t>=</m:t>
+                  </m:r>
+                  <m:rad>
+                    <m:radPr>
+                      <m:ctrlPr>
+                        <a:rPr i="1">
+                          <a:latin typeface="Cambria Math" panose="02040503050406030204" pitchFamily="18" charset="0"/>
+                        </a:rPr>
+                      </m:ctrlPr>
+                    </m:radPr>
+                    <m:deg/>
+                    <m:e>
                       <m:r>
-                        <m:t>o</m:t>
+                        <a:rPr>
+                          <a:latin typeface="Cambria Math" panose="02040503050406030204" pitchFamily="18" charset="0"/>
+                        </a:rPr>
+                        <m:t>𝑆</m:t>
                       </m:r>
-                      <m:r>
-                        <m:t>g</m:t>
-                      </m:r>
+                      <m:sSup>
+                        <m:sSupPr>
+                          <m:ctrlPr>
+                            <a:rPr i="1">
+                              <a:latin typeface="Cambria Math" panose="02040503050406030204" pitchFamily="18" charset="0"/>
+                            </a:rPr>
+                          </m:ctrlPr>
+                        </m:sSupPr>
+                        <m:e>
+                          <m:r>
+                            <a:rPr>
+                              <a:latin typeface="Cambria Math" panose="02040503050406030204" pitchFamily="18" charset="0"/>
+                            </a:rPr>
+                            <m:t>𝐷</m:t>
+                          </m:r>
+                        </m:e>
+                        <m:sup>
+                          <m:r>
+                            <a:rPr>
+                              <a:latin typeface="Cambria Math" panose="02040503050406030204" pitchFamily="18" charset="0"/>
+                            </a:rPr>
+                            <m:t>2</m:t>
+                          </m:r>
+                        </m:sup>
+                      </m:sSup>
                       <m:d>
                         <m:dPr>
-                          <m:begChr m:val="("/>
-                          <m:endChr m:val=")"/>
-                          <m:sepChr m:val=""/>
-                          <m:grow/>
+                          <m:ctrlPr>
+                            <a:rPr i="1">
+                              <a:latin typeface="Cambria Math" panose="02040503050406030204" pitchFamily="18" charset="0"/>
+                            </a:rPr>
+                          </m:ctrlPr>
                         </m:dPr>
                         <m:e>
                           <m:f>
                             <m:fPr>
-                              <m:type m:val="bar"/>
+                              <m:ctrlPr>
+                                <a:rPr i="1">
+                                  <a:latin typeface="Cambria Math" panose="02040503050406030204" pitchFamily="18" charset="0"/>
+                                </a:rPr>
+                              </m:ctrlPr>
                             </m:fPr>
                             <m:num>
                               <m:r>
-                                <m:t>p</m:t>
+                                <a:rPr>
+                                  <a:latin typeface="Cambria Math" panose="02040503050406030204" pitchFamily="18" charset="0"/>
+                                </a:rPr>
+                                <m:t>1</m:t>
                               </m:r>
                             </m:num>
                             <m:den>
                               <m:r>
-                                <m:t>1</m:t>
-                              </m:r>
-                              <m:r>
-                                <m:rPr>
-                                  <m:sty m:val="p"/>
-                                </m:rPr>
-                                <m:t>−</m:t>
-                              </m:r>
-                              <m:r>
-                                <m:t>p</m:t>
+                                <a:rPr>
+                                  <a:latin typeface="Cambria Math" panose="02040503050406030204" pitchFamily="18" charset="0"/>
+                                </a:rPr>
+                                <m:t>𝑝</m:t>
                               </m:r>
                             </m:den>
                           </m:f>
                         </m:e>
                       </m:d>
-                    </m:oMath>
-                  </m:oMathPara>
-                </a14:m>
-              </a:p>
-              <a:p>
-                <a:pPr lvl="0" indent="0" marL="0">
-                  <a:buNone/>
-                </a:pPr>
-                <a14:m>
-                  <m:oMathPara xmlns:m="http://schemas.openxmlformats.org/officeDocument/2006/math">
-                    <m:oMathParaPr>
-                      <m:jc m:val="center"/>
-                    </m:oMathParaPr>
-                    <m:oMath>
                       <m:r>
-                        <m:t>S</m:t>
+                        <a:rPr>
+                          <a:latin typeface="Cambria Math" panose="02040503050406030204" pitchFamily="18" charset="0"/>
+                        </a:rPr>
+                        <m:t>+</m:t>
                       </m:r>
-                      <m:sSub>
+                      <m:d>
+                        <m:dPr>
+                          <m:ctrlPr>
+                            <a:rPr i="1">
+                              <a:latin typeface="Cambria Math" panose="02040503050406030204" pitchFamily="18" charset="0"/>
+                            </a:rPr>
+                          </m:ctrlPr>
+                        </m:dPr>
                         <m:e>
-                          <m:r>
-                            <m:t>D</m:t>
-                          </m:r>
+                          <m:f>
+                            <m:fPr>
+                              <m:ctrlPr>
+                                <a:rPr i="1">
+                                  <a:latin typeface="Cambria Math" panose="02040503050406030204" pitchFamily="18" charset="0"/>
+                                </a:rPr>
+                              </m:ctrlPr>
+                            </m:fPr>
+                            <m:num>
+                              <m:r>
+                                <a:rPr>
+                                  <a:latin typeface="Cambria Math" panose="02040503050406030204" pitchFamily="18" charset="0"/>
+                                </a:rPr>
+                                <m:t>𝑝</m:t>
+                              </m:r>
+                            </m:num>
+                            <m:den>
+                              <m:r>
+                                <a:rPr>
+                                  <a:latin typeface="Cambria Math" panose="02040503050406030204" pitchFamily="18" charset="0"/>
+                                </a:rPr>
+                                <m:t>1−</m:t>
+                              </m:r>
+                              <m:sSup>
+                                <m:sSupPr>
+                                  <m:ctrlPr>
+                                    <a:rPr i="1">
+                                      <a:latin typeface="Cambria Math" panose="02040503050406030204" pitchFamily="18" charset="0"/>
+                                    </a:rPr>
+                                  </m:ctrlPr>
+                                </m:sSupPr>
+                                <m:e>
+                                  <m:r>
+                                    <a:rPr>
+                                      <a:latin typeface="Cambria Math" panose="02040503050406030204" pitchFamily="18" charset="0"/>
+                                    </a:rPr>
+                                    <m:t>𝑝</m:t>
+                                  </m:r>
+                                </m:e>
+                                <m:sup>
+                                  <m:r>
+                                    <a:rPr>
+                                      <a:latin typeface="Cambria Math" panose="02040503050406030204" pitchFamily="18" charset="0"/>
+                                    </a:rPr>
+                                    <m:t>2</m:t>
+                                  </m:r>
+                                </m:sup>
+                              </m:sSup>
+                            </m:den>
+                          </m:f>
                         </m:e>
-                        <m:sub>
-                          <m:r>
-                            <m:t>p</m:t>
-                          </m:r>
-                        </m:sub>
-                      </m:sSub>
-                      <m:r>
-                        <m:rPr>
-                          <m:sty m:val="p"/>
-                        </m:rPr>
-                        <m:t>=</m:t>
-                      </m:r>
-                      <m:rad>
-                        <m:radPr>
-                          <m:degHide m:val="1"/>
-                        </m:radPr>
-                        <m:deg/>
-                        <m:e>
-                          <m:r>
-                            <m:t>S</m:t>
-                          </m:r>
-                          <m:sSup>
-                            <m:e>
-                              <m:r>
-                                <m:t>D</m:t>
-                              </m:r>
-                            </m:e>
-                            <m:sup>
-                              <m:r>
-                                <m:t>2</m:t>
-                              </m:r>
-                            </m:sup>
-                          </m:sSup>
-                          <m:d>
-                            <m:dPr>
-                              <m:begChr m:val="("/>
-                              <m:endChr m:val=")"/>
-                              <m:sepChr m:val=""/>
-                              <m:grow/>
-                            </m:dPr>
-                            <m:e>
-                              <m:f>
-                                <m:fPr>
-                                  <m:type m:val="bar"/>
-                                </m:fPr>
-                                <m:num>
-                                  <m:r>
-                                    <m:t>1</m:t>
-                                  </m:r>
-                                </m:num>
-                                <m:den>
-                                  <m:r>
-                                    <m:t>p</m:t>
-                                  </m:r>
-                                </m:den>
-                              </m:f>
-                            </m:e>
-                          </m:d>
-                          <m:r>
-                            <m:rPr>
-                              <m:sty m:val="p"/>
-                            </m:rPr>
-                            <m:t>+</m:t>
-                          </m:r>
-                          <m:d>
-                            <m:dPr>
-                              <m:begChr m:val="("/>
-                              <m:endChr m:val=")"/>
-                              <m:sepChr m:val=""/>
-                              <m:grow/>
-                            </m:dPr>
-                            <m:e>
-                              <m:f>
-                                <m:fPr>
-                                  <m:type m:val="bar"/>
-                                </m:fPr>
-                                <m:num>
-                                  <m:r>
-                                    <m:t>p</m:t>
-                                  </m:r>
-                                </m:num>
-                                <m:den>
-                                  <m:r>
-                                    <m:t>1</m:t>
-                                  </m:r>
-                                  <m:r>
-                                    <m:rPr>
-                                      <m:sty m:val="p"/>
-                                    </m:rPr>
-                                    <m:t>−</m:t>
-                                  </m:r>
-                                  <m:sSup>
-                                    <m:e>
-                                      <m:r>
-                                        <m:t>p</m:t>
-                                      </m:r>
-                                    </m:e>
-                                    <m:sup>
-                                      <m:r>
-                                        <m:t>2</m:t>
-                                      </m:r>
-                                    </m:sup>
-                                  </m:sSup>
-                                </m:den>
-                              </m:f>
-                            </m:e>
-                          </m:d>
-                        </m:e>
-                      </m:rad>
-                    </m:oMath>
-                  </m:oMathPara>
-                </a14:m>
-              </a:p>
-            </p:txBody>
-          </p:sp>
-        </mc:Choice>
-      </mc:AlternateContent>
+                      </m:d>
+                    </m:e>
+                  </m:rad>
+                </m:oMath>
+              </m:oMathPara>
+            </a14:m>
+            <a:endParaRPr/>
+          </a:p>
+        </p:txBody>
+      </p:sp>
     </p:spTree>
   </p:cSld>
+  <p:clrMapOvr>
+    <a:masterClrMapping/>
+  </p:clrMapOvr>
 </p:sld>
 </file>
 
@@ -8843,350 +9030,441 @@
           <a:bodyPr/>
           <a:lstStyle/>
           <a:p>
-            <a:pPr lvl="0" indent="0" marL="0">
+            <a:pPr marL="0" lvl="0" indent="0">
               <a:buNone/>
             </a:pPr>
             <a:r>
-              <a:rPr/>
               <a:t>Arcsine transformation</a:t>
             </a:r>
           </a:p>
         </p:txBody>
       </p:sp>
-      <mc:AlternateContent xmlns:mc="http://schemas.openxmlformats.org/markup-compatibility/2006">
-        <mc:Choice xmlns:a14="http://schemas.microsoft.com/office/drawing/2010/main" Requires="a14">
-          <p:sp>
-            <p:nvSpPr>
-              <p:cNvPr id="3" name="Content Placeholder 2"/>
-              <p:cNvSpPr>
-                <a:spLocks noGrp="1"/>
-              </p:cNvSpPr>
-              <p:nvPr>
-                <p:ph idx="1"/>
-              </p:nvPr>
-            </p:nvSpPr>
-            <p:spPr/>
-            <p:txBody>
-              <a:bodyPr/>
-              <a:lstStyle/>
-              <a:p>
-                <a:pPr lvl="0" indent="0" marL="0">
-                  <a:buNone/>
-                </a:pPr>
-                <a14:m>
-                  <m:oMathPara xmlns:m="http://schemas.openxmlformats.org/officeDocument/2006/math">
-                    <m:oMathParaPr>
-                      <m:jc m:val="center"/>
-                    </m:oMathParaPr>
-                    <m:oMath>
-                      <m:acc>
-                        <m:accPr>
-                          <m:chr m:val="‾"/>
-                        </m:accPr>
+      <p:sp>
+        <p:nvSpPr>
+          <p:cNvPr id="3" name="Content Placeholder 2"/>
+          <p:cNvSpPr>
+            <a:spLocks noGrp="1"/>
+          </p:cNvSpPr>
+          <p:nvPr>
+            <p:ph idx="1"/>
+          </p:nvPr>
+        </p:nvSpPr>
+        <p:spPr/>
+        <p:txBody>
+          <a:bodyPr/>
+          <a:lstStyle/>
+          <a:p>
+            <a:pPr marL="0" lvl="0" indent="0">
+              <a:buNone/>
+            </a:pPr>
+            <a14:m xmlns:a14="http://schemas.microsoft.com/office/drawing/2010/main">
+              <m:oMathPara xmlns:m="http://schemas.openxmlformats.org/officeDocument/2006/math">
+                <m:oMathParaPr>
+                  <m:jc m:val="center"/>
+                </m:oMathParaPr>
+                <m:oMath xmlns:m="http://schemas.openxmlformats.org/officeDocument/2006/math">
+                  <m:acc>
+                    <m:accPr>
+                      <m:chr m:val="‾"/>
+                      <m:ctrlPr>
+                        <a:rPr>
+                          <a:latin typeface="Cambria Math" panose="02040503050406030204" pitchFamily="18" charset="0"/>
+                        </a:rPr>
+                      </m:ctrlPr>
+                    </m:accPr>
+                    <m:e>
+                      <m:sSub>
+                        <m:sSubPr>
+                          <m:ctrlPr>
+                            <a:rPr>
+                              <a:latin typeface="Cambria Math" panose="02040503050406030204" pitchFamily="18" charset="0"/>
+                            </a:rPr>
+                          </m:ctrlPr>
+                        </m:sSubPr>
                         <m:e>
-                          <m:sSub>
+                          <m:r>
+                            <a:rPr>
+                              <a:latin typeface="Cambria Math" panose="02040503050406030204" pitchFamily="18" charset="0"/>
+                            </a:rPr>
+                            <m:t>𝑋</m:t>
+                          </m:r>
+                        </m:e>
+                        <m:sub>
+                          <m:r>
+                            <a:rPr>
+                              <a:latin typeface="Cambria Math" panose="02040503050406030204" pitchFamily="18" charset="0"/>
+                            </a:rPr>
+                            <m:t>𝑡</m:t>
+                          </m:r>
+                        </m:sub>
+                      </m:sSub>
+                    </m:e>
+                  </m:acc>
+                  <m:r>
+                    <a:rPr>
+                      <a:latin typeface="Cambria Math" panose="02040503050406030204" pitchFamily="18" charset="0"/>
+                    </a:rPr>
+                    <m:t>=</m:t>
+                  </m:r>
+                  <m:r>
+                    <a:rPr>
+                      <a:latin typeface="Cambria Math" panose="02040503050406030204" pitchFamily="18" charset="0"/>
+                    </a:rPr>
+                    <m:t>𝑎𝑟𝑐𝑠𝑖𝑛𝑒</m:t>
+                  </m:r>
+                  <m:d>
+                    <m:dPr>
+                      <m:ctrlPr>
+                        <a:rPr i="1">
+                          <a:latin typeface="Cambria Math" panose="02040503050406030204" pitchFamily="18" charset="0"/>
+                        </a:rPr>
+                      </m:ctrlPr>
+                    </m:dPr>
+                    <m:e>
+                      <m:rad>
+                        <m:radPr>
+                          <m:ctrlPr>
+                            <a:rPr i="1">
+                              <a:latin typeface="Cambria Math" panose="02040503050406030204" pitchFamily="18" charset="0"/>
+                            </a:rPr>
+                          </m:ctrlPr>
+                        </m:radPr>
+                        <m:deg/>
+                        <m:e>
+                          <m:acc>
+                            <m:accPr>
+                              <m:chr m:val="‾"/>
+                              <m:ctrlPr>
+                                <a:rPr i="1">
+                                  <a:latin typeface="Cambria Math" panose="02040503050406030204" pitchFamily="18" charset="0"/>
+                                </a:rPr>
+                              </m:ctrlPr>
+                            </m:accPr>
                             <m:e>
                               <m:r>
-                                <m:t>X</m:t>
+                                <a:rPr>
+                                  <a:latin typeface="Cambria Math" panose="02040503050406030204" pitchFamily="18" charset="0"/>
+                                </a:rPr>
+                                <m:t>𝑋</m:t>
                               </m:r>
                             </m:e>
-                            <m:sub>
+                          </m:acc>
+                        </m:e>
+                      </m:rad>
+                    </m:e>
+                  </m:d>
+                </m:oMath>
+              </m:oMathPara>
+            </a14:m>
+            <a:endParaRPr/>
+          </a:p>
+          <a:p>
+            <a:pPr marL="0" lvl="0" indent="0">
+              <a:buNone/>
+            </a:pPr>
+            <a14:m xmlns:a14="http://schemas.microsoft.com/office/drawing/2010/main">
+              <m:oMathPara xmlns:m="http://schemas.openxmlformats.org/officeDocument/2006/math">
+                <m:oMathParaPr>
+                  <m:jc m:val="center"/>
+                </m:oMathParaPr>
+                <m:oMath xmlns:m="http://schemas.openxmlformats.org/officeDocument/2006/math">
+                  <m:r>
+                    <a:rPr>
+                      <a:latin typeface="Cambria Math" panose="02040503050406030204" pitchFamily="18" charset="0"/>
+                    </a:rPr>
+                    <m:t>𝑆</m:t>
+                  </m:r>
+                  <m:sSub>
+                    <m:sSubPr>
+                      <m:ctrlPr>
+                        <a:rPr i="1">
+                          <a:latin typeface="Cambria Math" panose="02040503050406030204" pitchFamily="18" charset="0"/>
+                        </a:rPr>
+                      </m:ctrlPr>
+                    </m:sSubPr>
+                    <m:e>
+                      <m:r>
+                        <a:rPr>
+                          <a:latin typeface="Cambria Math" panose="02040503050406030204" pitchFamily="18" charset="0"/>
+                        </a:rPr>
+                        <m:t>𝐷</m:t>
+                      </m:r>
+                    </m:e>
+                    <m:sub>
+                      <m:r>
+                        <a:rPr>
+                          <a:latin typeface="Cambria Math" panose="02040503050406030204" pitchFamily="18" charset="0"/>
+                        </a:rPr>
+                        <m:t>𝑡</m:t>
+                      </m:r>
+                    </m:sub>
+                  </m:sSub>
+                  <m:r>
+                    <a:rPr>
+                      <a:latin typeface="Cambria Math" panose="02040503050406030204" pitchFamily="18" charset="0"/>
+                    </a:rPr>
+                    <m:t>=</m:t>
+                  </m:r>
+                  <m:rad>
+                    <m:radPr>
+                      <m:ctrlPr>
+                        <a:rPr i="1">
+                          <a:latin typeface="Cambria Math" panose="02040503050406030204" pitchFamily="18" charset="0"/>
+                        </a:rPr>
+                      </m:ctrlPr>
+                    </m:radPr>
+                    <m:deg/>
+                    <m:e>
+                      <m:f>
+                        <m:fPr>
+                          <m:ctrlPr>
+                            <a:rPr i="1">
+                              <a:latin typeface="Cambria Math" panose="02040503050406030204" pitchFamily="18" charset="0"/>
+                            </a:rPr>
+                          </m:ctrlPr>
+                        </m:fPr>
+                        <m:num>
+                          <m:r>
+                            <a:rPr>
+                              <a:latin typeface="Cambria Math" panose="02040503050406030204" pitchFamily="18" charset="0"/>
+                            </a:rPr>
+                            <m:t>𝑆</m:t>
+                          </m:r>
+                          <m:sSup>
+                            <m:sSupPr>
+                              <m:ctrlPr>
+                                <a:rPr i="1">
+                                  <a:latin typeface="Cambria Math" panose="02040503050406030204" pitchFamily="18" charset="0"/>
+                                </a:rPr>
+                              </m:ctrlPr>
+                            </m:sSupPr>
+                            <m:e>
                               <m:r>
-                                <m:t>t</m:t>
+                                <a:rPr>
+                                  <a:latin typeface="Cambria Math" panose="02040503050406030204" pitchFamily="18" charset="0"/>
+                                </a:rPr>
+                                <m:t>𝐷</m:t>
                               </m:r>
-                            </m:sub>
-                          </m:sSub>
-                        </m:e>
-                      </m:acc>
-                      <m:r>
-                        <m:rPr>
-                          <m:sty m:val="p"/>
-                        </m:rPr>
-                        <m:t>=</m:t>
-                      </m:r>
-                      <m:r>
-                        <m:t>a</m:t>
-                      </m:r>
-                      <m:r>
-                        <m:t>r</m:t>
-                      </m:r>
-                      <m:r>
-                        <m:t>c</m:t>
-                      </m:r>
-                      <m:r>
-                        <m:t>s</m:t>
-                      </m:r>
-                      <m:r>
-                        <m:t>i</m:t>
-                      </m:r>
-                      <m:r>
-                        <m:t>n</m:t>
-                      </m:r>
-                      <m:r>
-                        <m:t>e</m:t>
-                      </m:r>
-                      <m:d>
-                        <m:dPr>
-                          <m:begChr m:val="("/>
-                          <m:endChr m:val=")"/>
-                          <m:sepChr m:val=""/>
-                          <m:grow/>
-                        </m:dPr>
-                        <m:e>
-                          <m:rad>
-                            <m:radPr>
-                              <m:degHide m:val="1"/>
-                            </m:radPr>
-                            <m:deg/>
+                            </m:e>
+                            <m:sup>
+                              <m:r>
+                                <a:rPr>
+                                  <a:latin typeface="Cambria Math" panose="02040503050406030204" pitchFamily="18" charset="0"/>
+                                </a:rPr>
+                                <m:t>2</m:t>
+                              </m:r>
+                            </m:sup>
+                          </m:sSup>
+                        </m:num>
+                        <m:den>
+                          <m:r>
+                            <a:rPr>
+                              <a:latin typeface="Cambria Math" panose="02040503050406030204" pitchFamily="18" charset="0"/>
+                            </a:rPr>
+                            <m:t>4</m:t>
+                          </m:r>
+                          <m:acc>
+                            <m:accPr>
+                              <m:chr m:val="‾"/>
+                              <m:ctrlPr>
+                                <a:rPr i="1">
+                                  <a:latin typeface="Cambria Math" panose="02040503050406030204" pitchFamily="18" charset="0"/>
+                                </a:rPr>
+                              </m:ctrlPr>
+                            </m:accPr>
                             <m:e>
+                              <m:r>
+                                <a:rPr>
+                                  <a:latin typeface="Cambria Math" panose="02040503050406030204" pitchFamily="18" charset="0"/>
+                                </a:rPr>
+                                <m:t>𝑋</m:t>
+                              </m:r>
+                            </m:e>
+                          </m:acc>
+                          <m:d>
+                            <m:dPr>
+                              <m:ctrlPr>
+                                <a:rPr i="1">
+                                  <a:latin typeface="Cambria Math" panose="02040503050406030204" pitchFamily="18" charset="0"/>
+                                </a:rPr>
+                              </m:ctrlPr>
+                            </m:dPr>
+                            <m:e>
+                              <m:r>
+                                <a:rPr>
+                                  <a:latin typeface="Cambria Math" panose="02040503050406030204" pitchFamily="18" charset="0"/>
+                                </a:rPr>
+                                <m:t>1−</m:t>
+                              </m:r>
                               <m:acc>
                                 <m:accPr>
                                   <m:chr m:val="‾"/>
+                                  <m:ctrlPr>
+                                    <a:rPr i="1">
+                                      <a:latin typeface="Cambria Math" panose="02040503050406030204" pitchFamily="18" charset="0"/>
+                                    </a:rPr>
+                                  </m:ctrlPr>
                                 </m:accPr>
                                 <m:e>
                                   <m:r>
-                                    <m:t>X</m:t>
+                                    <a:rPr>
+                                      <a:latin typeface="Cambria Math" panose="02040503050406030204" pitchFamily="18" charset="0"/>
+                                    </a:rPr>
+                                    <m:t>𝑋</m:t>
                                   </m:r>
                                 </m:e>
                               </m:acc>
                             </m:e>
-                          </m:rad>
-                        </m:e>
-                      </m:d>
-                    </m:oMath>
-                  </m:oMathPara>
-                </a14:m>
-              </a:p>
-              <a:p>
-                <a:pPr lvl="0" indent="0" marL="0">
-                  <a:buNone/>
-                </a:pPr>
-                <a14:m>
-                  <m:oMathPara xmlns:m="http://schemas.openxmlformats.org/officeDocument/2006/math">
-                    <m:oMathParaPr>
-                      <m:jc m:val="center"/>
-                    </m:oMathParaPr>
-                    <m:oMath>
-                      <m:r>
-                        <m:t>S</m:t>
-                      </m:r>
-                      <m:sSub>
+                          </m:d>
+                        </m:den>
+                      </m:f>
+                    </m:e>
+                  </m:rad>
+                </m:oMath>
+              </m:oMathPara>
+            </a14:m>
+            <a:endParaRPr/>
+          </a:p>
+          <a:p>
+            <a:pPr marL="0" lvl="0" indent="0">
+              <a:buNone/>
+            </a:pPr>
+            <a:r>
+              <a:t>## Geary test - Counts</a:t>
+            </a:r>
+          </a:p>
+          <a:p>
+            <a:pPr marL="0" lvl="0" indent="0">
+              <a:buNone/>
+            </a:pPr>
+            <a14:m xmlns:a14="http://schemas.microsoft.com/office/drawing/2010/main">
+              <m:oMathPara xmlns:m="http://schemas.openxmlformats.org/officeDocument/2006/math">
+                <m:oMathParaPr>
+                  <m:jc m:val="center"/>
+                </m:oMathParaPr>
+                <m:oMath xmlns:m="http://schemas.openxmlformats.org/officeDocument/2006/math">
+                  <m:f>
+                    <m:fPr>
+                      <m:ctrlPr>
+                        <a:rPr>
+                          <a:latin typeface="Cambria Math" panose="02040503050406030204" pitchFamily="18" charset="0"/>
+                        </a:rPr>
+                      </m:ctrlPr>
+                    </m:fPr>
+                    <m:num>
+                      <m:acc>
+                        <m:accPr>
+                          <m:chr m:val="‾"/>
+                          <m:ctrlPr>
+                            <a:rPr>
+                              <a:latin typeface="Cambria Math" panose="02040503050406030204" pitchFamily="18" charset="0"/>
+                            </a:rPr>
+                          </m:ctrlPr>
+                        </m:accPr>
                         <m:e>
                           <m:r>
-                            <m:t>D</m:t>
+                            <a:rPr>
+                              <a:latin typeface="Cambria Math" panose="02040503050406030204" pitchFamily="18" charset="0"/>
+                            </a:rPr>
+                            <m:t>𝑋</m:t>
                           </m:r>
                         </m:e>
-                        <m:sub>
-                          <m:r>
-                            <m:t>t</m:t>
-                          </m:r>
-                        </m:sub>
-                      </m:sSub>
+                      </m:acc>
+                    </m:num>
+                    <m:den>
                       <m:r>
-                        <m:rPr>
-                          <m:sty m:val="p"/>
-                        </m:rPr>
-                        <m:t>=</m:t>
+                        <a:rPr>
+                          <a:latin typeface="Cambria Math" panose="02040503050406030204" pitchFamily="18" charset="0"/>
+                        </a:rPr>
+                        <m:t>𝑆𝐷</m:t>
                       </m:r>
-                      <m:rad>
-                        <m:radPr>
-                          <m:degHide m:val="1"/>
-                        </m:radPr>
-                        <m:deg/>
-                        <m:e>
-                          <m:f>
-                            <m:fPr>
-                              <m:type m:val="bar"/>
-                            </m:fPr>
-                            <m:num>
-                              <m:r>
-                                <m:t>S</m:t>
-                              </m:r>
-                              <m:sSup>
-                                <m:e>
-                                  <m:r>
-                                    <m:t>D</m:t>
-                                  </m:r>
-                                </m:e>
-                                <m:sup>
-                                  <m:r>
-                                    <m:t>2</m:t>
-                                  </m:r>
-                                </m:sup>
-                              </m:sSup>
-                            </m:num>
-                            <m:den>
-                              <m:r>
-                                <m:t>4</m:t>
-                              </m:r>
-                              <m:acc>
-                                <m:accPr>
-                                  <m:chr m:val="‾"/>
-                                </m:accPr>
-                                <m:e>
-                                  <m:r>
-                                    <m:t>X</m:t>
-                                  </m:r>
-                                </m:e>
-                              </m:acc>
-                              <m:d>
-                                <m:dPr>
-                                  <m:begChr m:val="("/>
-                                  <m:endChr m:val=")"/>
-                                  <m:sepChr m:val=""/>
-                                  <m:grow/>
-                                </m:dPr>
-                                <m:e>
-                                  <m:r>
-                                    <m:t>1</m:t>
-                                  </m:r>
-                                  <m:r>
-                                    <m:rPr>
-                                      <m:sty m:val="p"/>
-                                    </m:rPr>
-                                    <m:t>−</m:t>
-                                  </m:r>
-                                  <m:acc>
-                                    <m:accPr>
-                                      <m:chr m:val="‾"/>
-                                    </m:accPr>
-                                    <m:e>
-                                      <m:r>
-                                        <m:t>X</m:t>
-                                      </m:r>
-                                    </m:e>
-                                  </m:acc>
-                                </m:e>
-                              </m:d>
-                            </m:den>
-                          </m:f>
-                        </m:e>
-                      </m:rad>
-                    </m:oMath>
-                  </m:oMathPara>
-                </a14:m>
-              </a:p>
-              <a:p>
-                <a:pPr lvl="0" indent="0" marL="0">
-                  <a:buNone/>
-                </a:pPr>
-                <a:r>
-                  <a:rPr/>
-                  <a:t>## Geary test - Counts</a:t>
-                </a:r>
-              </a:p>
-              <a:p>
-                <a:pPr lvl="0" indent="0" marL="0">
-                  <a:buNone/>
-                </a:pPr>
-                <a14:m>
-                  <m:oMathPara xmlns:m="http://schemas.openxmlformats.org/officeDocument/2006/math">
-                    <m:oMathParaPr>
-                      <m:jc m:val="center"/>
-                    </m:oMathParaPr>
-                    <m:oMath>
+                    </m:den>
+                  </m:f>
+                  <m:d>
+                    <m:dPr>
+                      <m:ctrlPr>
+                        <a:rPr i="1">
+                          <a:latin typeface="Cambria Math" panose="02040503050406030204" pitchFamily="18" charset="0"/>
+                        </a:rPr>
+                      </m:ctrlPr>
+                    </m:dPr>
+                    <m:e>
                       <m:f>
                         <m:fPr>
-                          <m:type m:val="bar"/>
+                          <m:ctrlPr>
+                            <a:rPr i="1">
+                              <a:latin typeface="Cambria Math" panose="02040503050406030204" pitchFamily="18" charset="0"/>
+                            </a:rPr>
+                          </m:ctrlPr>
                         </m:fPr>
                         <m:num>
-                          <m:acc>
-                            <m:accPr>
-                              <m:chr m:val="‾"/>
-                            </m:accPr>
+                          <m:r>
+                            <a:rPr>
+                              <a:latin typeface="Cambria Math" panose="02040503050406030204" pitchFamily="18" charset="0"/>
+                            </a:rPr>
+                            <m:t>4</m:t>
+                          </m:r>
+                          <m:sSup>
+                            <m:sSupPr>
+                              <m:ctrlPr>
+                                <a:rPr i="1">
+                                  <a:latin typeface="Cambria Math" panose="02040503050406030204" pitchFamily="18" charset="0"/>
+                                </a:rPr>
+                              </m:ctrlPr>
+                            </m:sSupPr>
                             <m:e>
                               <m:r>
-                                <m:t>X</m:t>
+                                <a:rPr>
+                                  <a:latin typeface="Cambria Math" panose="02040503050406030204" pitchFamily="18" charset="0"/>
+                                </a:rPr>
+                                <m:t>𝑁</m:t>
                               </m:r>
                             </m:e>
-                          </m:acc>
+                            <m:sup>
+                              <m:r>
+                                <a:rPr>
+                                  <a:latin typeface="Cambria Math" panose="02040503050406030204" pitchFamily="18" charset="0"/>
+                                </a:rPr>
+                                <m:t>3/2</m:t>
+                              </m:r>
+                            </m:sup>
+                          </m:sSup>
                         </m:num>
                         <m:den>
                           <m:r>
-                            <m:t>S</m:t>
+                            <a:rPr>
+                              <a:latin typeface="Cambria Math" panose="02040503050406030204" pitchFamily="18" charset="0"/>
+                            </a:rPr>
+                            <m:t>1+4</m:t>
                           </m:r>
                           <m:r>
-                            <m:t>D</m:t>
+                            <a:rPr>
+                              <a:latin typeface="Cambria Math" panose="02040503050406030204" pitchFamily="18" charset="0"/>
+                            </a:rPr>
+                            <m:t>𝑁</m:t>
                           </m:r>
                         </m:den>
                       </m:f>
-                      <m:d>
-                        <m:dPr>
-                          <m:begChr m:val="("/>
-                          <m:endChr m:val=")"/>
-                          <m:sepChr m:val=""/>
-                          <m:grow/>
-                        </m:dPr>
-                        <m:e>
-                          <m:f>
-                            <m:fPr>
-                              <m:type m:val="bar"/>
-                            </m:fPr>
-                            <m:num>
-                              <m:r>
-                                <m:t>4</m:t>
-                              </m:r>
-                              <m:sSup>
-                                <m:e>
-                                  <m:r>
-                                    <m:t>N</m:t>
-                                  </m:r>
-                                </m:e>
-                                <m:sup>
-                                  <m:r>
-                                    <m:t>3</m:t>
-                                  </m:r>
-                                  <m:r>
-                                    <m:rPr>
-                                      <m:sty m:val="p"/>
-                                    </m:rPr>
-                                    <m:t>/</m:t>
-                                  </m:r>
-                                  <m:r>
-                                    <m:t>2</m:t>
-                                  </m:r>
-                                </m:sup>
-                              </m:sSup>
-                            </m:num>
-                            <m:den>
-                              <m:r>
-                                <m:t>1</m:t>
-                              </m:r>
-                              <m:r>
-                                <m:rPr>
-                                  <m:sty m:val="p"/>
-                                </m:rPr>
-                                <m:t>+</m:t>
-                              </m:r>
-                              <m:r>
-                                <m:t>4</m:t>
-                              </m:r>
-                              <m:r>
-                                <m:t>N</m:t>
-                              </m:r>
-                            </m:den>
-                          </m:f>
-                        </m:e>
-                      </m:d>
-                      <m:r>
-                        <m:rPr>
-                          <m:sty m:val="p"/>
-                        </m:rPr>
-                        <m:t>≥</m:t>
-                      </m:r>
-                      <m:r>
-                        <m:t>3</m:t>
-                      </m:r>
-                    </m:oMath>
-                  </m:oMathPara>
-                </a14:m>
-              </a:p>
-            </p:txBody>
-          </p:sp>
-        </mc:Choice>
-      </mc:AlternateContent>
+                    </m:e>
+                  </m:d>
+                  <m:r>
+                    <a:rPr>
+                      <a:latin typeface="Cambria Math" panose="02040503050406030204" pitchFamily="18" charset="0"/>
+                    </a:rPr>
+                    <m:t>≥3</m:t>
+                  </m:r>
+                </m:oMath>
+              </m:oMathPara>
+            </a14:m>
+            <a:endParaRPr/>
+          </a:p>
+        </p:txBody>
+      </p:sp>
     </p:spTree>
   </p:cSld>
+  <p:clrMapOvr>
+    <a:masterClrMapping/>
+  </p:clrMapOvr>
 </p:sld>
 </file>
 
@@ -9222,117 +9500,137 @@
           <a:bodyPr/>
           <a:lstStyle/>
           <a:p>
-            <a:pPr lvl="0" indent="0" marL="0">
+            <a:pPr marL="0" lvl="0" indent="0">
               <a:buNone/>
             </a:pPr>
             <a:r>
-              <a:rPr/>
               <a:t>Slide with Bullets</a:t>
             </a:r>
           </a:p>
         </p:txBody>
       </p:sp>
-      <mc:AlternateContent xmlns:mc="http://schemas.openxmlformats.org/markup-compatibility/2006">
-        <mc:Choice xmlns:a14="http://schemas.microsoft.com/office/drawing/2010/main" Requires="a14">
-          <p:sp>
-            <p:nvSpPr>
-              <p:cNvPr id="3" name="Content Placeholder 2"/>
-              <p:cNvSpPr>
-                <a:spLocks noGrp="1"/>
-              </p:cNvSpPr>
-              <p:nvPr>
-                <p:ph idx="1"/>
-              </p:nvPr>
-            </p:nvSpPr>
-            <p:spPr/>
-            <p:txBody>
-              <a:bodyPr/>
-              <a:lstStyle/>
-              <a:p>
-                <a:pPr lvl="0"/>
-                <a:r>
-                  <a:rPr/>
-                  <a:t>Bullet 1</a:t>
-                </a:r>
-              </a:p>
-              <a:p>
-                <a:pPr lvl="0"/>
-                <a:r>
-                  <a:rPr/>
-                  <a:t>Bullet 2</a:t>
-                </a:r>
-              </a:p>
-              <a:p>
-                <a:pPr lvl="0"/>
-                <a:r>
-                  <a:rPr/>
-                  <a:t>Bullet 3</a:t>
-                </a:r>
-              </a:p>
-              <a:p>
-                <a:pPr lvl="0" indent="0" marL="0">
-                  <a:buNone/>
-                </a:pPr>
-                <a14:m>
-                  <m:oMathPara xmlns:m="http://schemas.openxmlformats.org/officeDocument/2006/math">
-                    <m:oMathParaPr>
-                      <m:jc m:val="center"/>
-                    </m:oMathParaPr>
-                    <m:oMath>
-                      <m:sSub>
-                        <m:e>
-                          <m:r>
-                            <m:t>y</m:t>
-                          </m:r>
-                        </m:e>
-                        <m:sub>
-                          <m:r>
-                            <m:t>i</m:t>
-                          </m:r>
-                        </m:sub>
-                      </m:sSub>
+      <p:sp>
+        <p:nvSpPr>
+          <p:cNvPr id="3" name="Content Placeholder 2"/>
+          <p:cNvSpPr>
+            <a:spLocks noGrp="1"/>
+          </p:cNvSpPr>
+          <p:nvPr>
+            <p:ph idx="1"/>
+          </p:nvPr>
+        </p:nvSpPr>
+        <p:spPr/>
+        <p:txBody>
+          <a:bodyPr/>
+          <a:lstStyle/>
+          <a:p>
+            <a:pPr lvl="0"/>
+            <a:r>
+              <a:t>Bullet 1</a:t>
+            </a:r>
+          </a:p>
+          <a:p>
+            <a:pPr lvl="0"/>
+            <a:r>
+              <a:t>Bullet 2</a:t>
+            </a:r>
+          </a:p>
+          <a:p>
+            <a:pPr lvl="0"/>
+            <a:r>
+              <a:t>Bullet 3</a:t>
+            </a:r>
+          </a:p>
+          <a:p>
+            <a:pPr marL="0" lvl="0" indent="0">
+              <a:buNone/>
+            </a:pPr>
+            <a14:m xmlns:a14="http://schemas.microsoft.com/office/drawing/2010/main">
+              <m:oMathPara xmlns:m="http://schemas.openxmlformats.org/officeDocument/2006/math">
+                <m:oMathParaPr>
+                  <m:jc m:val="center"/>
+                </m:oMathParaPr>
+                <m:oMath xmlns:m="http://schemas.openxmlformats.org/officeDocument/2006/math">
+                  <m:sSub>
+                    <m:sSubPr>
+                      <m:ctrlPr>
+                        <a:rPr>
+                          <a:latin typeface="Cambria Math" panose="02040503050406030204" pitchFamily="18" charset="0"/>
+                        </a:rPr>
+                      </m:ctrlPr>
+                    </m:sSubPr>
+                    <m:e>
                       <m:r>
-                        <m:rPr>
-                          <m:sty m:val="p"/>
-                        </m:rPr>
-                        <m:t>=</m:t>
+                        <a:rPr>
+                          <a:latin typeface="Cambria Math" panose="02040503050406030204" pitchFamily="18" charset="0"/>
+                        </a:rPr>
+                        <m:t>𝑦</m:t>
                       </m:r>
-                      <m:sSup>
-                        <m:e>
-                          <m:r>
-                            <m:t>x</m:t>
-                          </m:r>
-                        </m:e>
-                        <m:sup>
-                          <m:r>
-                            <m:t>2</m:t>
-                          </m:r>
-                        </m:sup>
-                      </m:sSup>
-                    </m:oMath>
-                  </m:oMathPara>
-                </a14:m>
-              </a:p>
-              <a:p>
-                <a:pPr lvl="0"/>
-                <a:r>
-                  <a:rPr/>
-                  <a:t>Eat eggs</a:t>
-                </a:r>
-              </a:p>
-              <a:p>
-                <a:pPr lvl="0"/>
-                <a:r>
-                  <a:rPr/>
-                  <a:t>Drink coffee</a:t>
-                </a:r>
-              </a:p>
-            </p:txBody>
-          </p:sp>
-        </mc:Choice>
-      </mc:AlternateContent>
+                    </m:e>
+                    <m:sub>
+                      <m:r>
+                        <a:rPr>
+                          <a:latin typeface="Cambria Math" panose="02040503050406030204" pitchFamily="18" charset="0"/>
+                        </a:rPr>
+                        <m:t>𝑖</m:t>
+                      </m:r>
+                    </m:sub>
+                  </m:sSub>
+                  <m:r>
+                    <a:rPr>
+                      <a:latin typeface="Cambria Math" panose="02040503050406030204" pitchFamily="18" charset="0"/>
+                    </a:rPr>
+                    <m:t>=</m:t>
+                  </m:r>
+                  <m:sSup>
+                    <m:sSupPr>
+                      <m:ctrlPr>
+                        <a:rPr i="1">
+                          <a:latin typeface="Cambria Math" panose="02040503050406030204" pitchFamily="18" charset="0"/>
+                        </a:rPr>
+                      </m:ctrlPr>
+                    </m:sSupPr>
+                    <m:e>
+                      <m:r>
+                        <a:rPr>
+                          <a:latin typeface="Cambria Math" panose="02040503050406030204" pitchFamily="18" charset="0"/>
+                        </a:rPr>
+                        <m:t>𝑥</m:t>
+                      </m:r>
+                    </m:e>
+                    <m:sup>
+                      <m:r>
+                        <a:rPr>
+                          <a:latin typeface="Cambria Math" panose="02040503050406030204" pitchFamily="18" charset="0"/>
+                        </a:rPr>
+                        <m:t>2</m:t>
+                      </m:r>
+                    </m:sup>
+                  </m:sSup>
+                </m:oMath>
+              </m:oMathPara>
+            </a14:m>
+            <a:endParaRPr/>
+          </a:p>
+          <a:p>
+            <a:pPr lvl="0"/>
+            <a:r>
+              <a:t>Eat eggs</a:t>
+            </a:r>
+          </a:p>
+          <a:p>
+            <a:pPr lvl="0"/>
+            <a:r>
+              <a:t>Drink coffee</a:t>
+            </a:r>
+          </a:p>
+        </p:txBody>
+      </p:sp>
     </p:spTree>
   </p:cSld>
+  <p:clrMapOvr>
+    <a:masterClrMapping/>
+  </p:clrMapOvr>
   <p:timing>
     <p:tnLst>
       <p:par>
@@ -9499,119 +9797,786 @@
           <a:bodyPr/>
           <a:lstStyle/>
           <a:p>
-            <a:pPr lvl="0" indent="0" marL="0">
+            <a:pPr marL="0" lvl="0" indent="0">
               <a:buNone/>
             </a:pPr>
             <a:r>
-              <a:rPr/>
               <a:t>Q10</a:t>
             </a:r>
           </a:p>
         </p:txBody>
       </p:sp>
-      <mc:AlternateContent xmlns:mc="http://schemas.openxmlformats.org/markup-compatibility/2006">
-        <mc:Choice xmlns:a14="http://schemas.microsoft.com/office/drawing/2010/main" Requires="a14">
-          <p:sp>
-            <p:nvSpPr>
-              <p:cNvPr id="3" name="Content Placeholder 2"/>
-              <p:cNvSpPr>
-                <a:spLocks noGrp="1"/>
-              </p:cNvSpPr>
-              <p:nvPr>
-                <p:ph idx="1"/>
-              </p:nvPr>
-            </p:nvSpPr>
-            <p:spPr/>
-            <p:txBody>
-              <a:bodyPr/>
-              <a:lstStyle/>
-              <a:p>
-                <a:pPr lvl="0" indent="0" marL="0">
-                  <a:buNone/>
-                </a:pPr>
-                <a14:m>
-                  <m:oMathPara xmlns:m="http://schemas.openxmlformats.org/officeDocument/2006/math">
-                    <m:oMathParaPr>
-                      <m:jc m:val="center"/>
-                    </m:oMathParaPr>
-                    <m:oMath>
+      <p:sp>
+        <p:nvSpPr>
+          <p:cNvPr id="3" name="Content Placeholder 2"/>
+          <p:cNvSpPr>
+            <a:spLocks noGrp="1"/>
+          </p:cNvSpPr>
+          <p:nvPr>
+            <p:ph idx="1"/>
+          </p:nvPr>
+        </p:nvSpPr>
+        <p:spPr/>
+        <p:txBody>
+          <a:bodyPr/>
+          <a:lstStyle/>
+          <a:p>
+            <a:pPr marL="0" lvl="0" indent="0">
+              <a:buNone/>
+            </a:pPr>
+            <a14:m xmlns:a14="http://schemas.microsoft.com/office/drawing/2010/main">
+              <m:oMathPara xmlns:m="http://schemas.openxmlformats.org/officeDocument/2006/math">
+                <m:oMathParaPr>
+                  <m:jc m:val="center"/>
+                </m:oMathParaPr>
+                <m:oMath xmlns:m="http://schemas.openxmlformats.org/officeDocument/2006/math">
+                  <m:r>
+                    <a:rPr>
+                      <a:latin typeface="Cambria Math" panose="02040503050406030204" pitchFamily="18" charset="0"/>
+                    </a:rPr>
+                    <m:t>𝑙𝑛𝑅</m:t>
+                  </m:r>
+                  <m:sSub>
+                    <m:sSubPr>
+                      <m:ctrlPr>
+                        <a:rPr i="1">
+                          <a:latin typeface="Cambria Math" panose="02040503050406030204" pitchFamily="18" charset="0"/>
+                        </a:rPr>
+                      </m:ctrlPr>
+                    </m:sSubPr>
+                    <m:e>
                       <m:r>
-                        <m:t>l</m:t>
+                        <a:rPr>
+                          <a:latin typeface="Cambria Math" panose="02040503050406030204" pitchFamily="18" charset="0"/>
+                        </a:rPr>
+                        <m:t>𝑅</m:t>
+                      </m:r>
+                    </m:e>
+                    <m:sub>
+                      <m:sSub>
+                        <m:sSubPr>
+                          <m:ctrlPr>
+                            <a:rPr i="1">
+                              <a:latin typeface="Cambria Math" panose="02040503050406030204" pitchFamily="18" charset="0"/>
+                            </a:rPr>
+                          </m:ctrlPr>
+                        </m:sSubPr>
+                        <m:e>
+                          <m:r>
+                            <a:rPr>
+                              <a:latin typeface="Cambria Math" panose="02040503050406030204" pitchFamily="18" charset="0"/>
+                            </a:rPr>
+                            <m:t>𝑄</m:t>
+                          </m:r>
+                        </m:e>
+                        <m:sub>
+                          <m:r>
+                            <a:rPr>
+                              <a:latin typeface="Cambria Math" panose="02040503050406030204" pitchFamily="18" charset="0"/>
+                            </a:rPr>
+                            <m:t>10</m:t>
+                          </m:r>
+                        </m:sub>
+                      </m:sSub>
+                    </m:sub>
+                  </m:sSub>
+                  <m:r>
+                    <a:rPr>
+                      <a:latin typeface="Cambria Math" panose="02040503050406030204" pitchFamily="18" charset="0"/>
+                    </a:rPr>
+                    <m:t>=</m:t>
+                  </m:r>
+                  <m:r>
+                    <a:rPr>
+                      <a:latin typeface="Cambria Math" panose="02040503050406030204" pitchFamily="18" charset="0"/>
+                    </a:rPr>
+                    <m:t>𝑙𝑛</m:t>
+                  </m:r>
+                  <m:d>
+                    <m:dPr>
+                      <m:ctrlPr>
+                        <a:rPr i="1">
+                          <a:latin typeface="Cambria Math" panose="02040503050406030204" pitchFamily="18" charset="0"/>
+                        </a:rPr>
+                      </m:ctrlPr>
+                    </m:dPr>
+                    <m:e>
+                      <m:f>
+                        <m:fPr>
+                          <m:ctrlPr>
+                            <a:rPr i="1">
+                              <a:latin typeface="Cambria Math" panose="02040503050406030204" pitchFamily="18" charset="0"/>
+                            </a:rPr>
+                          </m:ctrlPr>
+                        </m:fPr>
+                        <m:num>
+                          <m:sSub>
+                            <m:sSubPr>
+                              <m:ctrlPr>
+                                <a:rPr i="1">
+                                  <a:latin typeface="Cambria Math" panose="02040503050406030204" pitchFamily="18" charset="0"/>
+                                </a:rPr>
+                              </m:ctrlPr>
+                            </m:sSubPr>
+                            <m:e>
+                              <m:r>
+                                <a:rPr>
+                                  <a:latin typeface="Cambria Math" panose="02040503050406030204" pitchFamily="18" charset="0"/>
+                                </a:rPr>
+                                <m:t>𝑅</m:t>
+                              </m:r>
+                            </m:e>
+                            <m:sub>
+                              <m:r>
+                                <a:rPr>
+                                  <a:latin typeface="Cambria Math" panose="02040503050406030204" pitchFamily="18" charset="0"/>
+                                </a:rPr>
+                                <m:t>2</m:t>
+                              </m:r>
+                            </m:sub>
+                          </m:sSub>
+                        </m:num>
+                        <m:den>
+                          <m:sSub>
+                            <m:sSubPr>
+                              <m:ctrlPr>
+                                <a:rPr i="1">
+                                  <a:latin typeface="Cambria Math" panose="02040503050406030204" pitchFamily="18" charset="0"/>
+                                </a:rPr>
+                              </m:ctrlPr>
+                            </m:sSubPr>
+                            <m:e>
+                              <m:r>
+                                <a:rPr>
+                                  <a:latin typeface="Cambria Math" panose="02040503050406030204" pitchFamily="18" charset="0"/>
+                                </a:rPr>
+                                <m:t>𝑅</m:t>
+                              </m:r>
+                            </m:e>
+                            <m:sub>
+                              <m:r>
+                                <a:rPr>
+                                  <a:latin typeface="Cambria Math" panose="02040503050406030204" pitchFamily="18" charset="0"/>
+                                </a:rPr>
+                                <m:t>1</m:t>
+                              </m:r>
+                            </m:sub>
+                          </m:sSub>
+                        </m:den>
+                      </m:f>
+                    </m:e>
+                  </m:d>
+                  <m:d>
+                    <m:dPr>
+                      <m:ctrlPr>
+                        <a:rPr i="1">
+                          <a:latin typeface="Cambria Math" panose="02040503050406030204" pitchFamily="18" charset="0"/>
+                        </a:rPr>
+                      </m:ctrlPr>
+                    </m:dPr>
+                    <m:e>
+                      <m:r>
+                        <a:rPr>
+                          <a:latin typeface="Cambria Math" panose="02040503050406030204" pitchFamily="18" charset="0"/>
+                        </a:rPr>
+                        <m:t> </m:t>
+                      </m:r>
+                      <m:f>
+                        <m:fPr>
+                          <m:ctrlPr>
+                            <a:rPr i="1">
+                              <a:latin typeface="Cambria Math" panose="02040503050406030204" pitchFamily="18" charset="0"/>
+                            </a:rPr>
+                          </m:ctrlPr>
+                        </m:fPr>
+                        <m:num>
+                          <m:sSup>
+                            <m:sSupPr>
+                              <m:ctrlPr>
+                                <a:rPr i="1">
+                                  <a:latin typeface="Cambria Math" panose="02040503050406030204" pitchFamily="18" charset="0"/>
+                                </a:rPr>
+                              </m:ctrlPr>
+                            </m:sSupPr>
+                            <m:e>
+                              <m:r>
+                                <a:rPr>
+                                  <a:latin typeface="Cambria Math" panose="02040503050406030204" pitchFamily="18" charset="0"/>
+                                </a:rPr>
+                                <m:t>10</m:t>
+                              </m:r>
+                            </m:e>
+                            <m:sup>
+                              <m:r>
+                                <a:rPr>
+                                  <a:latin typeface="Cambria Math" panose="02040503050406030204" pitchFamily="18" charset="0"/>
+                                </a:rPr>
+                                <m:t>∘</m:t>
+                              </m:r>
+                            </m:sup>
+                          </m:sSup>
+                          <m:r>
+                            <a:rPr>
+                              <a:latin typeface="Cambria Math" panose="02040503050406030204" pitchFamily="18" charset="0"/>
+                            </a:rPr>
+                            <m:t>𝐶</m:t>
+                          </m:r>
+                        </m:num>
+                        <m:den>
+                          <m:sSub>
+                            <m:sSubPr>
+                              <m:ctrlPr>
+                                <a:rPr i="1">
+                                  <a:latin typeface="Cambria Math" panose="02040503050406030204" pitchFamily="18" charset="0"/>
+                                </a:rPr>
+                              </m:ctrlPr>
+                            </m:sSubPr>
+                            <m:e>
+                              <m:r>
+                                <a:rPr>
+                                  <a:latin typeface="Cambria Math" panose="02040503050406030204" pitchFamily="18" charset="0"/>
+                                </a:rPr>
+                                <m:t>𝑇</m:t>
+                              </m:r>
+                            </m:e>
+                            <m:sub>
+                              <m:r>
+                                <a:rPr>
+                                  <a:latin typeface="Cambria Math" panose="02040503050406030204" pitchFamily="18" charset="0"/>
+                                </a:rPr>
+                                <m:t>2</m:t>
+                              </m:r>
+                            </m:sub>
+                          </m:sSub>
+                          <m:r>
+                            <a:rPr>
+                              <a:latin typeface="Cambria Math" panose="02040503050406030204" pitchFamily="18" charset="0"/>
+                            </a:rPr>
+                            <m:t>−</m:t>
+                          </m:r>
+                          <m:sSub>
+                            <m:sSubPr>
+                              <m:ctrlPr>
+                                <a:rPr i="1">
+                                  <a:latin typeface="Cambria Math" panose="02040503050406030204" pitchFamily="18" charset="0"/>
+                                </a:rPr>
+                              </m:ctrlPr>
+                            </m:sSubPr>
+                            <m:e>
+                              <m:r>
+                                <a:rPr>
+                                  <a:latin typeface="Cambria Math" panose="02040503050406030204" pitchFamily="18" charset="0"/>
+                                </a:rPr>
+                                <m:t>𝑇</m:t>
+                              </m:r>
+                            </m:e>
+                            <m:sub>
+                              <m:r>
+                                <a:rPr>
+                                  <a:latin typeface="Cambria Math" panose="02040503050406030204" pitchFamily="18" charset="0"/>
+                                </a:rPr>
+                                <m:t>1</m:t>
+                              </m:r>
+                            </m:sub>
+                          </m:sSub>
+                        </m:den>
+                      </m:f>
+                    </m:e>
+                  </m:d>
+                  <m:d>
+                    <m:dPr>
+                      <m:ctrlPr>
+                        <a:rPr i="1">
+                          <a:latin typeface="Cambria Math" panose="02040503050406030204" pitchFamily="18" charset="0"/>
+                        </a:rPr>
+                      </m:ctrlPr>
+                    </m:dPr>
+                    <m:e>
+                      <m:r>
+                        <a:rPr>
+                          <a:latin typeface="Cambria Math" panose="02040503050406030204" pitchFamily="18" charset="0"/>
+                        </a:rPr>
+                        <m:t>#</m:t>
                       </m:r>
                       <m:r>
-                        <m:t>n</m:t>
+                        <a:rPr>
+                          <a:latin typeface="Cambria Math" panose="02040503050406030204" pitchFamily="18" charset="0"/>
+                        </a:rPr>
+                        <m:t>𝑒𝑞</m:t>
                       </m:r>
                       <m:r>
-                        <m:t>R</m:t>
+                        <a:rPr>
+                          <a:latin typeface="Cambria Math" panose="02040503050406030204" pitchFamily="18" charset="0"/>
+                        </a:rPr>
+                        <m:t>:</m:t>
+                      </m:r>
+                      <m:r>
+                        <a:rPr>
+                          <a:latin typeface="Cambria Math" panose="02040503050406030204" pitchFamily="18" charset="0"/>
+                        </a:rPr>
+                        <m:t>𝑙𝑛𝑞</m:t>
+                      </m:r>
+                      <m:r>
+                        <a:rPr>
+                          <a:latin typeface="Cambria Math" panose="02040503050406030204" pitchFamily="18" charset="0"/>
+                        </a:rPr>
+                        <m:t>10</m:t>
+                      </m:r>
+                    </m:e>
+                  </m:d>
+                </m:oMath>
+              </m:oMathPara>
+            </a14:m>
+            <a:endParaRPr/>
+          </a:p>
+          <a:p>
+            <a:pPr marL="0" lvl="0" indent="0">
+              <a:buNone/>
+            </a:pPr>
+            <a14:m xmlns:a14="http://schemas.microsoft.com/office/drawing/2010/main">
+              <m:oMathPara xmlns:m="http://schemas.openxmlformats.org/officeDocument/2006/math">
+                <m:oMathParaPr>
+                  <m:jc m:val="center"/>
+                </m:oMathParaPr>
+                <m:oMath xmlns:m="http://schemas.openxmlformats.org/officeDocument/2006/math">
+                  <m:sSubSup>
+                    <m:sSubSupPr>
+                      <m:ctrlPr>
+                        <a:rPr>
+                          <a:latin typeface="Cambria Math" panose="02040503050406030204" pitchFamily="18" charset="0"/>
+                        </a:rPr>
+                      </m:ctrlPr>
+                    </m:sSubSupPr>
+                    <m:e>
+                      <m:r>
+                        <a:rPr>
+                          <a:latin typeface="Cambria Math" panose="02040503050406030204" pitchFamily="18" charset="0"/>
+                        </a:rPr>
+                        <m:t>𝑠</m:t>
+                      </m:r>
+                    </m:e>
+                    <m:sub>
+                      <m:r>
+                        <a:rPr>
+                          <a:latin typeface="Cambria Math" panose="02040503050406030204" pitchFamily="18" charset="0"/>
+                        </a:rPr>
+                        <m:t>𝑙𝑛𝑅</m:t>
                       </m:r>
                       <m:sSub>
+                        <m:sSubPr>
+                          <m:ctrlPr>
+                            <a:rPr i="1">
+                              <a:latin typeface="Cambria Math" panose="02040503050406030204" pitchFamily="18" charset="0"/>
+                            </a:rPr>
+                          </m:ctrlPr>
+                        </m:sSubPr>
                         <m:e>
                           <m:r>
-                            <m:t>R</m:t>
+                            <a:rPr>
+                              <a:latin typeface="Cambria Math" panose="02040503050406030204" pitchFamily="18" charset="0"/>
+                            </a:rPr>
+                            <m:t>𝑅</m:t>
                           </m:r>
                         </m:e>
                         <m:sub>
                           <m:sSub>
+                            <m:sSubPr>
+                              <m:ctrlPr>
+                                <a:rPr i="1">
+                                  <a:latin typeface="Cambria Math" panose="02040503050406030204" pitchFamily="18" charset="0"/>
+                                </a:rPr>
+                              </m:ctrlPr>
+                            </m:sSubPr>
                             <m:e>
                               <m:r>
-                                <m:t>Q</m:t>
+                                <a:rPr>
+                                  <a:latin typeface="Cambria Math" panose="02040503050406030204" pitchFamily="18" charset="0"/>
+                                </a:rPr>
+                                <m:t>𝑄</m:t>
                               </m:r>
                             </m:e>
                             <m:sub>
                               <m:r>
+                                <a:rPr>
+                                  <a:latin typeface="Cambria Math" panose="02040503050406030204" pitchFamily="18" charset="0"/>
+                                </a:rPr>
                                 <m:t>10</m:t>
                               </m:r>
                             </m:sub>
                           </m:sSub>
                         </m:sub>
                       </m:sSub>
+                    </m:sub>
+                    <m:sup>
                       <m:r>
-                        <m:rPr>
-                          <m:sty m:val="p"/>
-                        </m:rPr>
-                        <m:t>=</m:t>
+                        <a:rPr>
+                          <a:latin typeface="Cambria Math" panose="02040503050406030204" pitchFamily="18" charset="0"/>
+                        </a:rPr>
+                        <m:t>2</m:t>
                       </m:r>
+                    </m:sup>
+                  </m:sSubSup>
+                  <m:r>
+                    <a:rPr>
+                      <a:latin typeface="Cambria Math" panose="02040503050406030204" pitchFamily="18" charset="0"/>
+                    </a:rPr>
+                    <m:t>=</m:t>
+                  </m:r>
+                  <m:d>
+                    <m:dPr>
+                      <m:ctrlPr>
+                        <a:rPr i="1">
+                          <a:latin typeface="Cambria Math" panose="02040503050406030204" pitchFamily="18" charset="0"/>
+                        </a:rPr>
+                      </m:ctrlPr>
+                    </m:dPr>
+                    <m:e>
+                      <m:f>
+                        <m:fPr>
+                          <m:ctrlPr>
+                            <a:rPr i="1">
+                              <a:latin typeface="Cambria Math" panose="02040503050406030204" pitchFamily="18" charset="0"/>
+                            </a:rPr>
+                          </m:ctrlPr>
+                        </m:fPr>
+                        <m:num>
+                          <m:r>
+                            <a:rPr>
+                              <a:latin typeface="Cambria Math" panose="02040503050406030204" pitchFamily="18" charset="0"/>
+                            </a:rPr>
+                            <m:t>𝑆</m:t>
+                          </m:r>
+                          <m:sSubSup>
+                            <m:sSubSupPr>
+                              <m:ctrlPr>
+                                <a:rPr i="1">
+                                  <a:latin typeface="Cambria Math" panose="02040503050406030204" pitchFamily="18" charset="0"/>
+                                </a:rPr>
+                              </m:ctrlPr>
+                            </m:sSubSupPr>
+                            <m:e>
+                              <m:r>
+                                <a:rPr>
+                                  <a:latin typeface="Cambria Math" panose="02040503050406030204" pitchFamily="18" charset="0"/>
+                                </a:rPr>
+                                <m:t>𝐷</m:t>
+                              </m:r>
+                            </m:e>
+                            <m:sub>
+                              <m:r>
+                                <a:rPr>
+                                  <a:latin typeface="Cambria Math" panose="02040503050406030204" pitchFamily="18" charset="0"/>
+                                </a:rPr>
+                                <m:t>2</m:t>
+                              </m:r>
+                            </m:sub>
+                            <m:sup>
+                              <m:r>
+                                <a:rPr>
+                                  <a:latin typeface="Cambria Math" panose="02040503050406030204" pitchFamily="18" charset="0"/>
+                                </a:rPr>
+                                <m:t>2</m:t>
+                              </m:r>
+                            </m:sup>
+                          </m:sSubSup>
+                        </m:num>
+                        <m:den>
+                          <m:sSubSup>
+                            <m:sSubSupPr>
+                              <m:ctrlPr>
+                                <a:rPr i="1">
+                                  <a:latin typeface="Cambria Math" panose="02040503050406030204" pitchFamily="18" charset="0"/>
+                                </a:rPr>
+                              </m:ctrlPr>
+                            </m:sSubSupPr>
+                            <m:e>
+                              <m:r>
+                                <a:rPr>
+                                  <a:latin typeface="Cambria Math" panose="02040503050406030204" pitchFamily="18" charset="0"/>
+                                </a:rPr>
+                                <m:t>𝑅</m:t>
+                              </m:r>
+                            </m:e>
+                            <m:sub>
+                              <m:r>
+                                <a:rPr>
+                                  <a:latin typeface="Cambria Math" panose="02040503050406030204" pitchFamily="18" charset="0"/>
+                                </a:rPr>
+                                <m:t>2</m:t>
+                              </m:r>
+                            </m:sub>
+                            <m:sup>
+                              <m:r>
+                                <a:rPr>
+                                  <a:latin typeface="Cambria Math" panose="02040503050406030204" pitchFamily="18" charset="0"/>
+                                </a:rPr>
+                                <m:t>2</m:t>
+                              </m:r>
+                            </m:sup>
+                          </m:sSubSup>
+                          <m:sSub>
+                            <m:sSubPr>
+                              <m:ctrlPr>
+                                <a:rPr i="1">
+                                  <a:latin typeface="Cambria Math" panose="02040503050406030204" pitchFamily="18" charset="0"/>
+                                </a:rPr>
+                              </m:ctrlPr>
+                            </m:sSubPr>
+                            <m:e>
+                              <m:r>
+                                <a:rPr>
+                                  <a:latin typeface="Cambria Math" panose="02040503050406030204" pitchFamily="18" charset="0"/>
+                                </a:rPr>
+                                <m:t>𝑁</m:t>
+                              </m:r>
+                            </m:e>
+                            <m:sub>
+                              <m:r>
+                                <a:rPr>
+                                  <a:latin typeface="Cambria Math" panose="02040503050406030204" pitchFamily="18" charset="0"/>
+                                </a:rPr>
+                                <m:t>2</m:t>
+                              </m:r>
+                            </m:sub>
+                          </m:sSub>
+                        </m:den>
+                      </m:f>
                       <m:r>
-                        <m:t>l</m:t>
+                        <a:rPr>
+                          <a:latin typeface="Cambria Math" panose="02040503050406030204" pitchFamily="18" charset="0"/>
+                        </a:rPr>
+                        <m:t>+</m:t>
                       </m:r>
-                      <m:r>
-                        <m:t>n</m:t>
-                      </m:r>
+                      <m:f>
+                        <m:fPr>
+                          <m:ctrlPr>
+                            <a:rPr i="1">
+                              <a:latin typeface="Cambria Math" panose="02040503050406030204" pitchFamily="18" charset="0"/>
+                            </a:rPr>
+                          </m:ctrlPr>
+                        </m:fPr>
+                        <m:num>
+                          <m:r>
+                            <a:rPr>
+                              <a:latin typeface="Cambria Math" panose="02040503050406030204" pitchFamily="18" charset="0"/>
+                            </a:rPr>
+                            <m:t>𝑆</m:t>
+                          </m:r>
+                          <m:sSubSup>
+                            <m:sSubSupPr>
+                              <m:ctrlPr>
+                                <a:rPr i="1">
+                                  <a:latin typeface="Cambria Math" panose="02040503050406030204" pitchFamily="18" charset="0"/>
+                                </a:rPr>
+                              </m:ctrlPr>
+                            </m:sSubSupPr>
+                            <m:e>
+                              <m:r>
+                                <a:rPr>
+                                  <a:latin typeface="Cambria Math" panose="02040503050406030204" pitchFamily="18" charset="0"/>
+                                </a:rPr>
+                                <m:t>𝐷</m:t>
+                              </m:r>
+                            </m:e>
+                            <m:sub>
+                              <m:r>
+                                <a:rPr>
+                                  <a:latin typeface="Cambria Math" panose="02040503050406030204" pitchFamily="18" charset="0"/>
+                                </a:rPr>
+                                <m:t>1</m:t>
+                              </m:r>
+                            </m:sub>
+                            <m:sup>
+                              <m:r>
+                                <a:rPr>
+                                  <a:latin typeface="Cambria Math" panose="02040503050406030204" pitchFamily="18" charset="0"/>
+                                </a:rPr>
+                                <m:t>2</m:t>
+                              </m:r>
+                            </m:sup>
+                          </m:sSubSup>
+                        </m:num>
+                        <m:den>
+                          <m:sSubSup>
+                            <m:sSubSupPr>
+                              <m:ctrlPr>
+                                <a:rPr i="1">
+                                  <a:latin typeface="Cambria Math" panose="02040503050406030204" pitchFamily="18" charset="0"/>
+                                </a:rPr>
+                              </m:ctrlPr>
+                            </m:sSubSupPr>
+                            <m:e>
+                              <m:r>
+                                <a:rPr>
+                                  <a:latin typeface="Cambria Math" panose="02040503050406030204" pitchFamily="18" charset="0"/>
+                                </a:rPr>
+                                <m:t>𝑅</m:t>
+                              </m:r>
+                            </m:e>
+                            <m:sub>
+                              <m:r>
+                                <a:rPr>
+                                  <a:latin typeface="Cambria Math" panose="02040503050406030204" pitchFamily="18" charset="0"/>
+                                </a:rPr>
+                                <m:t>1</m:t>
+                              </m:r>
+                            </m:sub>
+                            <m:sup>
+                              <m:r>
+                                <a:rPr>
+                                  <a:latin typeface="Cambria Math" panose="02040503050406030204" pitchFamily="18" charset="0"/>
+                                </a:rPr>
+                                <m:t>2</m:t>
+                              </m:r>
+                            </m:sup>
+                          </m:sSubSup>
+                          <m:sSub>
+                            <m:sSubPr>
+                              <m:ctrlPr>
+                                <a:rPr i="1">
+                                  <a:latin typeface="Cambria Math" panose="02040503050406030204" pitchFamily="18" charset="0"/>
+                                </a:rPr>
+                              </m:ctrlPr>
+                            </m:sSubPr>
+                            <m:e>
+                              <m:r>
+                                <a:rPr>
+                                  <a:latin typeface="Cambria Math" panose="02040503050406030204" pitchFamily="18" charset="0"/>
+                                </a:rPr>
+                                <m:t>𝑁</m:t>
+                              </m:r>
+                            </m:e>
+                            <m:sub>
+                              <m:r>
+                                <a:rPr>
+                                  <a:latin typeface="Cambria Math" panose="02040503050406030204" pitchFamily="18" charset="0"/>
+                                </a:rPr>
+                                <m:t>1</m:t>
+                              </m:r>
+                            </m:sub>
+                          </m:sSub>
+                        </m:den>
+                      </m:f>
+                    </m:e>
+                  </m:d>
+                  <m:sSup>
+                    <m:sSupPr>
+                      <m:ctrlPr>
+                        <a:rPr i="1">
+                          <a:latin typeface="Cambria Math" panose="02040503050406030204" pitchFamily="18" charset="0"/>
+                        </a:rPr>
+                      </m:ctrlPr>
+                    </m:sSupPr>
+                    <m:e>
                       <m:d>
                         <m:dPr>
-                          <m:begChr m:val="("/>
-                          <m:endChr m:val=")"/>
-                          <m:sepChr m:val=""/>
-                          <m:grow/>
+                          <m:ctrlPr>
+                            <a:rPr i="1">
+                              <a:latin typeface="Cambria Math" panose="02040503050406030204" pitchFamily="18" charset="0"/>
+                            </a:rPr>
+                          </m:ctrlPr>
                         </m:dPr>
                         <m:e>
+                          <m:r>
+                            <a:rPr>
+                              <a:latin typeface="Cambria Math" panose="02040503050406030204" pitchFamily="18" charset="0"/>
+                            </a:rPr>
+                            <m:t> </m:t>
+                          </m:r>
                           <m:f>
                             <m:fPr>
-                              <m:type m:val="bar"/>
+                              <m:ctrlPr>
+                                <a:rPr i="1">
+                                  <a:latin typeface="Cambria Math" panose="02040503050406030204" pitchFamily="18" charset="0"/>
+                                </a:rPr>
+                              </m:ctrlPr>
                             </m:fPr>
                             <m:num>
-                              <m:sSub>
+                              <m:sSup>
+                                <m:sSupPr>
+                                  <m:ctrlPr>
+                                    <a:rPr i="1">
+                                      <a:latin typeface="Cambria Math" panose="02040503050406030204" pitchFamily="18" charset="0"/>
+                                    </a:rPr>
+                                  </m:ctrlPr>
+                                </m:sSupPr>
                                 <m:e>
                                   <m:r>
-                                    <m:t>R</m:t>
+                                    <a:rPr>
+                                      <a:latin typeface="Cambria Math" panose="02040503050406030204" pitchFamily="18" charset="0"/>
+                                    </a:rPr>
+                                    <m:t>10</m:t>
+                                  </m:r>
+                                </m:e>
+                                <m:sup>
+                                  <m:r>
+                                    <a:rPr>
+                                      <a:latin typeface="Cambria Math" panose="02040503050406030204" pitchFamily="18" charset="0"/>
+                                    </a:rPr>
+                                    <m:t>∘</m:t>
+                                  </m:r>
+                                </m:sup>
+                              </m:sSup>
+                              <m:r>
+                                <a:rPr>
+                                  <a:latin typeface="Cambria Math" panose="02040503050406030204" pitchFamily="18" charset="0"/>
+                                </a:rPr>
+                                <m:t>𝐶</m:t>
+                              </m:r>
+                            </m:num>
+                            <m:den>
+                              <m:sSub>
+                                <m:sSubPr>
+                                  <m:ctrlPr>
+                                    <a:rPr i="1">
+                                      <a:latin typeface="Cambria Math" panose="02040503050406030204" pitchFamily="18" charset="0"/>
+                                    </a:rPr>
+                                  </m:ctrlPr>
+                                </m:sSubPr>
+                                <m:e>
+                                  <m:r>
+                                    <a:rPr>
+                                      <a:latin typeface="Cambria Math" panose="02040503050406030204" pitchFamily="18" charset="0"/>
+                                    </a:rPr>
+                                    <m:t>𝑇</m:t>
                                   </m:r>
                                 </m:e>
                                 <m:sub>
                                   <m:r>
+                                    <a:rPr>
+                                      <a:latin typeface="Cambria Math" panose="02040503050406030204" pitchFamily="18" charset="0"/>
+                                    </a:rPr>
                                     <m:t>2</m:t>
                                   </m:r>
                                 </m:sub>
                               </m:sSub>
-                            </m:num>
-                            <m:den>
+                              <m:r>
+                                <a:rPr>
+                                  <a:latin typeface="Cambria Math" panose="02040503050406030204" pitchFamily="18" charset="0"/>
+                                </a:rPr>
+                                <m:t>−</m:t>
+                              </m:r>
                               <m:sSub>
+                                <m:sSubPr>
+                                  <m:ctrlPr>
+                                    <a:rPr i="1">
+                                      <a:latin typeface="Cambria Math" panose="02040503050406030204" pitchFamily="18" charset="0"/>
+                                    </a:rPr>
+                                  </m:ctrlPr>
+                                </m:sSubPr>
                                 <m:e>
                                   <m:r>
-                                    <m:t>R</m:t>
+                                    <a:rPr>
+                                      <a:latin typeface="Cambria Math" panose="02040503050406030204" pitchFamily="18" charset="0"/>
+                                    </a:rPr>
+                                    <m:t>𝑇</m:t>
                                   </m:r>
                                 </m:e>
                                 <m:sub>
                                   <m:r>
+                                    <a:rPr>
+                                      <a:latin typeface="Cambria Math" panose="02040503050406030204" pitchFamily="18" charset="0"/>
+                                    </a:rPr>
                                     <m:t>1</m:t>
                                   </m:r>
                                 </m:sub>
@@ -9620,444 +10585,69 @@
                           </m:f>
                         </m:e>
                       </m:d>
-                      <m:d>
-                        <m:dPr>
-                          <m:begChr m:val="("/>
-                          <m:endChr m:val=")"/>
-                          <m:sepChr m:val=""/>
-                          <m:grow/>
-                        </m:dPr>
-                        <m:e>
-                          <m:r>
-                            <m:t> </m:t>
-                          </m:r>
-                          <m:f>
-                            <m:fPr>
-                              <m:type m:val="bar"/>
-                            </m:fPr>
-                            <m:num>
-                              <m:sSup>
-                                <m:e>
-                                  <m:r>
-                                    <m:t>10</m:t>
-                                  </m:r>
-                                </m:e>
-                                <m:sup>
-                                  <m:r>
-                                    <m:rPr>
-                                      <m:sty m:val="p"/>
-                                    </m:rPr>
-                                    <m:t>∘</m:t>
-                                  </m:r>
-                                </m:sup>
-                              </m:sSup>
-                              <m:r>
-                                <m:t>C</m:t>
-                              </m:r>
-                            </m:num>
-                            <m:den>
-                              <m:sSub>
-                                <m:e>
-                                  <m:r>
-                                    <m:t>T</m:t>
-                                  </m:r>
-                                </m:e>
-                                <m:sub>
-                                  <m:r>
-                                    <m:t>2</m:t>
-                                  </m:r>
-                                </m:sub>
-                              </m:sSub>
-                              <m:r>
-                                <m:rPr>
-                                  <m:sty m:val="p"/>
-                                </m:rPr>
-                                <m:t>−</m:t>
-                              </m:r>
-                              <m:sSub>
-                                <m:e>
-                                  <m:r>
-                                    <m:t>T</m:t>
-                                  </m:r>
-                                </m:e>
-                                <m:sub>
-                                  <m:r>
-                                    <m:t>1</m:t>
-                                  </m:r>
-                                </m:sub>
-                              </m:sSub>
-                            </m:den>
-                          </m:f>
-                        </m:e>
-                      </m:d>
-                      <m:d>
-                        <m:dPr>
-                          <m:begChr m:val="("/>
-                          <m:endChr m:val=")"/>
-                          <m:sepChr m:val=""/>
-                          <m:grow/>
-                        </m:dPr>
-                        <m:e>
-                          <m:r>
-                            <m:rPr>
-                              <m:sty m:val="p"/>
-                            </m:rPr>
-                            <m:t>#</m:t>
-                          </m:r>
-                          <m:r>
-                            <m:t>e</m:t>
-                          </m:r>
-                          <m:r>
-                            <m:t>q</m:t>
-                          </m:r>
-                          <m:r>
-                            <m:rPr>
-                              <m:sty m:val="p"/>
-                            </m:rPr>
-                            <m:t>:</m:t>
-                          </m:r>
-                          <m:r>
-                            <m:t>l</m:t>
-                          </m:r>
-                          <m:r>
-                            <m:t>n</m:t>
-                          </m:r>
-                          <m:r>
-                            <m:t>q</m:t>
-                          </m:r>
-                          <m:r>
-                            <m:t>10</m:t>
-                          </m:r>
-                        </m:e>
-                      </m:d>
-                    </m:oMath>
-                  </m:oMathPara>
-                </a14:m>
-              </a:p>
-              <a:p>
-                <a:pPr lvl="0" indent="0" marL="0">
-                  <a:buNone/>
-                </a:pPr>
-                <a14:m>
-                  <m:oMathPara xmlns:m="http://schemas.openxmlformats.org/officeDocument/2006/math">
-                    <m:oMathParaPr>
-                      <m:jc m:val="center"/>
-                    </m:oMathParaPr>
-                    <m:oMath>
-                      <m:sSubSup>
-                        <m:e>
-                          <m:r>
-                            <m:t>s</m:t>
-                          </m:r>
-                        </m:e>
-                        <m:sub>
-                          <m:r>
-                            <m:t>l</m:t>
-                          </m:r>
-                          <m:r>
-                            <m:t>n</m:t>
-                          </m:r>
-                          <m:r>
-                            <m:t>R</m:t>
-                          </m:r>
-                          <m:sSub>
-                            <m:e>
-                              <m:r>
-                                <m:t>R</m:t>
-                              </m:r>
-                            </m:e>
-                            <m:sub>
-                              <m:sSub>
-                                <m:e>
-                                  <m:r>
-                                    <m:t>Q</m:t>
-                                  </m:r>
-                                </m:e>
-                                <m:sub>
-                                  <m:r>
-                                    <m:t>10</m:t>
-                                  </m:r>
-                                </m:sub>
-                              </m:sSub>
-                            </m:sub>
-                          </m:sSub>
-                        </m:sub>
-                        <m:sup>
-                          <m:r>
-                            <m:t>2</m:t>
-                          </m:r>
-                        </m:sup>
-                      </m:sSubSup>
+                    </m:e>
+                    <m:sup>
                       <m:r>
-                        <m:rPr>
-                          <m:sty m:val="p"/>
-                        </m:rPr>
-                        <m:t>=</m:t>
+                        <a:rPr>
+                          <a:latin typeface="Cambria Math" panose="02040503050406030204" pitchFamily="18" charset="0"/>
+                        </a:rPr>
+                        <m:t>2</m:t>
                       </m:r>
-                      <m:d>
-                        <m:dPr>
-                          <m:begChr m:val="("/>
-                          <m:endChr m:val=")"/>
-                          <m:sepChr m:val=""/>
-                          <m:grow/>
-                        </m:dPr>
-                        <m:e>
-                          <m:f>
-                            <m:fPr>
-                              <m:type m:val="bar"/>
-                            </m:fPr>
-                            <m:num>
-                              <m:r>
-                                <m:t>S</m:t>
-                              </m:r>
-                              <m:sSubSup>
-                                <m:e>
-                                  <m:r>
-                                    <m:t>D</m:t>
-                                  </m:r>
-                                </m:e>
-                                <m:sub>
-                                  <m:r>
-                                    <m:t>2</m:t>
-                                  </m:r>
-                                </m:sub>
-                                <m:sup>
-                                  <m:r>
-                                    <m:t>2</m:t>
-                                  </m:r>
-                                </m:sup>
-                              </m:sSubSup>
-                            </m:num>
-                            <m:den>
-                              <m:sSubSup>
-                                <m:e>
-                                  <m:r>
-                                    <m:t>R</m:t>
-                                  </m:r>
-                                </m:e>
-                                <m:sub>
-                                  <m:r>
-                                    <m:t>2</m:t>
-                                  </m:r>
-                                </m:sub>
-                                <m:sup>
-                                  <m:r>
-                                    <m:t>2</m:t>
-                                  </m:r>
-                                </m:sup>
-                              </m:sSubSup>
-                              <m:sSub>
-                                <m:e>
-                                  <m:r>
-                                    <m:t>N</m:t>
-                                  </m:r>
-                                </m:e>
-                                <m:sub>
-                                  <m:r>
-                                    <m:t>2</m:t>
-                                  </m:r>
-                                </m:sub>
-                              </m:sSub>
-                            </m:den>
-                          </m:f>
-                          <m:r>
-                            <m:rPr>
-                              <m:sty m:val="p"/>
-                            </m:rPr>
-                            <m:t>+</m:t>
-                          </m:r>
-                          <m:f>
-                            <m:fPr>
-                              <m:type m:val="bar"/>
-                            </m:fPr>
-                            <m:num>
-                              <m:r>
-                                <m:t>S</m:t>
-                              </m:r>
-                              <m:sSubSup>
-                                <m:e>
-                                  <m:r>
-                                    <m:t>D</m:t>
-                                  </m:r>
-                                </m:e>
-                                <m:sub>
-                                  <m:r>
-                                    <m:t>1</m:t>
-                                  </m:r>
-                                </m:sub>
-                                <m:sup>
-                                  <m:r>
-                                    <m:t>2</m:t>
-                                  </m:r>
-                                </m:sup>
-                              </m:sSubSup>
-                            </m:num>
-                            <m:den>
-                              <m:sSubSup>
-                                <m:e>
-                                  <m:r>
-                                    <m:t>R</m:t>
-                                  </m:r>
-                                </m:e>
-                                <m:sub>
-                                  <m:r>
-                                    <m:t>1</m:t>
-                                  </m:r>
-                                </m:sub>
-                                <m:sup>
-                                  <m:r>
-                                    <m:t>2</m:t>
-                                  </m:r>
-                                </m:sup>
-                              </m:sSubSup>
-                              <m:sSub>
-                                <m:e>
-                                  <m:r>
-                                    <m:t>N</m:t>
-                                  </m:r>
-                                </m:e>
-                                <m:sub>
-                                  <m:r>
-                                    <m:t>1</m:t>
-                                  </m:r>
-                                </m:sub>
-                              </m:sSub>
-                            </m:den>
-                          </m:f>
-                        </m:e>
-                      </m:d>
-                      <m:sSup>
-                        <m:e>
-                          <m:d>
-                            <m:dPr>
-                              <m:begChr m:val="("/>
-                              <m:endChr m:val=")"/>
-                              <m:sepChr m:val=""/>
-                              <m:grow/>
-                            </m:dPr>
-                            <m:e>
-                              <m:r>
-                                <m:t> </m:t>
-                              </m:r>
-                              <m:f>
-                                <m:fPr>
-                                  <m:type m:val="bar"/>
-                                </m:fPr>
-                                <m:num>
-                                  <m:sSup>
-                                    <m:e>
-                                      <m:r>
-                                        <m:t>10</m:t>
-                                      </m:r>
-                                    </m:e>
-                                    <m:sup>
-                                      <m:r>
-                                        <m:rPr>
-                                          <m:sty m:val="p"/>
-                                        </m:rPr>
-                                        <m:t>∘</m:t>
-                                      </m:r>
-                                    </m:sup>
-                                  </m:sSup>
-                                  <m:r>
-                                    <m:t>C</m:t>
-                                  </m:r>
-                                </m:num>
-                                <m:den>
-                                  <m:sSub>
-                                    <m:e>
-                                      <m:r>
-                                        <m:t>T</m:t>
-                                      </m:r>
-                                    </m:e>
-                                    <m:sub>
-                                      <m:r>
-                                        <m:t>2</m:t>
-                                      </m:r>
-                                    </m:sub>
-                                  </m:sSub>
-                                  <m:r>
-                                    <m:rPr>
-                                      <m:sty m:val="p"/>
-                                    </m:rPr>
-                                    <m:t>−</m:t>
-                                  </m:r>
-                                  <m:sSub>
-                                    <m:e>
-                                      <m:r>
-                                        <m:t>T</m:t>
-                                      </m:r>
-                                    </m:e>
-                                    <m:sub>
-                                      <m:r>
-                                        <m:t>1</m:t>
-                                      </m:r>
-                                    </m:sub>
-                                  </m:sSub>
-                                </m:den>
-                              </m:f>
-                            </m:e>
-                          </m:d>
-                        </m:e>
-                        <m:sup>
-                          <m:r>
-                            <m:t>2</m:t>
-                          </m:r>
-                        </m:sup>
-                      </m:sSup>
-                      <m:d>
-                        <m:dPr>
-                          <m:begChr m:val="("/>
-                          <m:endChr m:val=")"/>
-                          <m:sepChr m:val=""/>
-                          <m:grow/>
-                        </m:dPr>
-                        <m:e>
-                          <m:r>
-                            <m:rPr>
-                              <m:sty m:val="p"/>
-                            </m:rPr>
-                            <m:t>#</m:t>
-                          </m:r>
-                          <m:r>
-                            <m:t>e</m:t>
-                          </m:r>
-                          <m:r>
-                            <m:t>q</m:t>
-                          </m:r>
-                          <m:r>
-                            <m:rPr>
-                              <m:sty m:val="p"/>
-                            </m:rPr>
-                            <m:t>:</m:t>
-                          </m:r>
-                          <m:r>
-                            <m:t>V</m:t>
-                          </m:r>
-                          <m:r>
-                            <m:t>l</m:t>
-                          </m:r>
-                          <m:r>
-                            <m:t>n</m:t>
-                          </m:r>
-                          <m:r>
-                            <m:t>q</m:t>
-                          </m:r>
-                          <m:r>
-                            <m:t>10</m:t>
-                          </m:r>
-                        </m:e>
-                      </m:d>
-                    </m:oMath>
-                  </m:oMathPara>
-                </a14:m>
-              </a:p>
-            </p:txBody>
-          </p:sp>
-        </mc:Choice>
-      </mc:AlternateContent>
+                    </m:sup>
+                  </m:sSup>
+                  <m:d>
+                    <m:dPr>
+                      <m:ctrlPr>
+                        <a:rPr i="1">
+                          <a:latin typeface="Cambria Math" panose="02040503050406030204" pitchFamily="18" charset="0"/>
+                        </a:rPr>
+                      </m:ctrlPr>
+                    </m:dPr>
+                    <m:e>
+                      <m:r>
+                        <a:rPr>
+                          <a:latin typeface="Cambria Math" panose="02040503050406030204" pitchFamily="18" charset="0"/>
+                        </a:rPr>
+                        <m:t>#</m:t>
+                      </m:r>
+                      <m:r>
+                        <a:rPr>
+                          <a:latin typeface="Cambria Math" panose="02040503050406030204" pitchFamily="18" charset="0"/>
+                        </a:rPr>
+                        <m:t>𝑒𝑞</m:t>
+                      </m:r>
+                      <m:r>
+                        <a:rPr>
+                          <a:latin typeface="Cambria Math" panose="02040503050406030204" pitchFamily="18" charset="0"/>
+                        </a:rPr>
+                        <m:t>:</m:t>
+                      </m:r>
+                      <m:r>
+                        <a:rPr>
+                          <a:latin typeface="Cambria Math" panose="02040503050406030204" pitchFamily="18" charset="0"/>
+                        </a:rPr>
+                        <m:t>𝑉𝑙𝑛𝑞</m:t>
+                      </m:r>
+                      <m:r>
+                        <a:rPr>
+                          <a:latin typeface="Cambria Math" panose="02040503050406030204" pitchFamily="18" charset="0"/>
+                        </a:rPr>
+                        <m:t>10</m:t>
+                      </m:r>
+                    </m:e>
+                  </m:d>
+                </m:oMath>
+              </m:oMathPara>
+            </a14:m>
+            <a:endParaRPr/>
+          </a:p>
+        </p:txBody>
+      </p:sp>
     </p:spTree>
   </p:cSld>
+  <p:clrMapOvr>
+    <a:masterClrMapping/>
+  </p:clrMapOvr>
 </p:sld>
 </file>
 
@@ -10093,11 +10683,10 @@
           <a:bodyPr/>
           <a:lstStyle/>
           <a:p>
-            <a:pPr lvl="0" indent="0" marL="0">
+            <a:pPr marL="0" lvl="0" indent="0">
               <a:buNone/>
             </a:pPr>
             <a:r>
-              <a:rPr/>
               <a:t>Fixed effect</a:t>
             </a:r>
           </a:p>
@@ -10594,6 +11183,9 @@
       </p:sp>
     </p:spTree>
   </p:cSld>
+  <p:clrMapOvr>
+    <a:masterClrMapping/>
+  </p:clrMapOvr>
 </p:sld>
 </file>
 
@@ -10629,11 +11221,10 @@
           <a:bodyPr/>
           <a:lstStyle/>
           <a:p>
-            <a:pPr lvl="0" indent="0" marL="0">
+            <a:pPr marL="0" lvl="0" indent="0">
               <a:buNone/>
             </a:pPr>
             <a:r>
-              <a:rPr/>
               <a:t>Fixed effects</a:t>
             </a:r>
           </a:p>
@@ -10641,7 +11232,7 @@
       </p:sp>
       <p:pic>
         <p:nvPicPr>
-          <p:cNvPr descr="code_slides_files/figure-pptx/fePLOT-1.png" id="0" name="Picture 1"/>
+          <p:cNvPr id="3" name="Picture 1" descr="code_slides_files/figure-pptx/fePLOT-1.png"/>
           <p:cNvPicPr>
             <a:picLocks noGrp="1" noChangeAspect="1"/>
           </p:cNvPicPr>
@@ -10671,6 +11262,9 @@
       </p:pic>
     </p:spTree>
   </p:cSld>
+  <p:clrMapOvr>
+    <a:masterClrMapping/>
+  </p:clrMapOvr>
 </p:sld>
 </file>
 
@@ -10706,11 +11300,10 @@
           <a:bodyPr/>
           <a:lstStyle/>
           <a:p>
-            <a:pPr lvl="0" indent="0" marL="0">
+            <a:pPr marL="0" lvl="0" indent="0">
               <a:buNone/>
             </a:pPr>
             <a:r>
-              <a:rPr/>
               <a:t>Fixed effect model</a:t>
             </a:r>
           </a:p>
@@ -10880,6 +11473,9 @@
       </p:sp>
     </p:spTree>
   </p:cSld>
+  <p:clrMapOvr>
+    <a:masterClrMapping/>
+  </p:clrMapOvr>
 </p:sld>
 </file>
 
@@ -10915,501 +11511,527 @@
           <a:bodyPr/>
           <a:lstStyle/>
           <a:p>
-            <a:pPr lvl="0" indent="0" marL="0">
+            <a:pPr marL="0" lvl="0" indent="0">
               <a:buNone/>
             </a:pPr>
             <a:r>
-              <a:rPr/>
               <a:t>Now by hand FE</a:t>
             </a:r>
           </a:p>
         </p:txBody>
       </p:sp>
-      <mc:AlternateContent xmlns:mc="http://schemas.openxmlformats.org/markup-compatibility/2006">
-        <mc:Choice xmlns:a14="http://schemas.microsoft.com/office/drawing/2010/main" Requires="a14">
-          <p:sp>
-            <p:nvSpPr>
-              <p:cNvPr id="3" name="Content Placeholder 2"/>
-              <p:cNvSpPr>
-                <a:spLocks noGrp="1"/>
-              </p:cNvSpPr>
-              <p:nvPr>
-                <p:ph idx="1"/>
-              </p:nvPr>
-            </p:nvSpPr>
-            <p:spPr/>
-            <p:txBody>
-              <a:bodyPr/>
-              <a:lstStyle/>
-              <a:p>
-                <a:pPr lvl="0" indent="0" marL="0">
-                  <a:buNone/>
-                </a:pPr>
-                <a:r>
-                  <a:rPr/>
-                  <a:t>We can even do all the seemingly fancy stuff </a:t>
-                </a:r>
-                <a:r>
-                  <a:rPr>
-                    <a:latin typeface="Courier"/>
-                  </a:rPr>
-                  <a:t>metafor</a:t>
-                </a:r>
-                <a:r>
-                  <a:rPr/>
-                  <a:t> is doing ourselves if we want….we just need to know the equations:</a:t>
-                </a:r>
-              </a:p>
-              <a:p>
-                <a:pPr lvl="0" indent="0" marL="0">
-                  <a:buNone/>
-                </a:pPr>
-                <a14:m>
-                  <m:oMathPara xmlns:m="http://schemas.openxmlformats.org/officeDocument/2006/math">
-                    <m:oMathParaPr>
-                      <m:jc m:val="center"/>
-                    </m:oMathParaPr>
-                    <m:oMath>
+      <p:sp>
+        <p:nvSpPr>
+          <p:cNvPr id="3" name="Content Placeholder 2"/>
+          <p:cNvSpPr>
+            <a:spLocks noGrp="1"/>
+          </p:cNvSpPr>
+          <p:nvPr>
+            <p:ph idx="1"/>
+          </p:nvPr>
+        </p:nvSpPr>
+        <p:spPr/>
+        <p:txBody>
+          <a:bodyPr/>
+          <a:lstStyle/>
+          <a:p>
+            <a:pPr marL="0" lvl="0" indent="0">
+              <a:buNone/>
+            </a:pPr>
+            <a:r>
+              <a:t>We can even do all the seemingly fancy stuff </a:t>
+            </a:r>
+            <a:r>
+              <a:rPr>
+                <a:latin typeface="Courier"/>
+              </a:rPr>
+              <a:t>metafor</a:t>
+            </a:r>
+            <a:r>
+              <a:t> is doing ourselves if we want….we just need to know the equations:</a:t>
+            </a:r>
+          </a:p>
+          <a:p>
+            <a:pPr marL="0" lvl="0" indent="0">
+              <a:buNone/>
+            </a:pPr>
+            <a14:m xmlns:a14="http://schemas.microsoft.com/office/drawing/2010/main">
+              <m:oMathPara xmlns:m="http://schemas.openxmlformats.org/officeDocument/2006/math">
+                <m:oMathParaPr>
+                  <m:jc m:val="center"/>
+                </m:oMathParaPr>
+                <m:oMath xmlns:m="http://schemas.openxmlformats.org/officeDocument/2006/math">
+                  <m:acc>
+                    <m:accPr>
+                      <m:chr m:val="‾"/>
+                      <m:ctrlPr>
+                        <a:rPr>
+                          <a:latin typeface="Cambria Math" panose="02040503050406030204" pitchFamily="18" charset="0"/>
+                        </a:rPr>
+                      </m:ctrlPr>
+                    </m:accPr>
+                    <m:e>
+                      <m:r>
+                        <a:rPr>
+                          <a:latin typeface="Cambria Math" panose="02040503050406030204" pitchFamily="18" charset="0"/>
+                        </a:rPr>
+                        <m:t>𝐸𝑆</m:t>
+                      </m:r>
+                    </m:e>
+                  </m:acc>
+                  <m:r>
+                    <a:rPr>
+                      <a:latin typeface="Cambria Math" panose="02040503050406030204" pitchFamily="18" charset="0"/>
+                    </a:rPr>
+                    <m:t>=∑</m:t>
+                  </m:r>
+                  <m:d>
+                    <m:dPr>
+                      <m:ctrlPr>
+                        <a:rPr i="1">
+                          <a:latin typeface="Cambria Math" panose="02040503050406030204" pitchFamily="18" charset="0"/>
+                        </a:rPr>
+                      </m:ctrlPr>
+                    </m:dPr>
+                    <m:e>
+                      <m:r>
+                        <a:rPr>
+                          <a:latin typeface="Cambria Math" panose="02040503050406030204" pitchFamily="18" charset="0"/>
+                        </a:rPr>
+                        <m:t>𝑊</m:t>
+                      </m:r>
+                      <m:r>
+                        <a:rPr>
+                          <a:latin typeface="Cambria Math" panose="02040503050406030204" pitchFamily="18" charset="0"/>
+                        </a:rPr>
+                        <m:t>∗</m:t>
+                      </m:r>
+                      <m:r>
+                        <a:rPr>
+                          <a:latin typeface="Cambria Math" panose="02040503050406030204" pitchFamily="18" charset="0"/>
+                        </a:rPr>
+                        <m:t>𝐸𝑆</m:t>
+                      </m:r>
+                    </m:e>
+                  </m:d>
+                  <m:r>
+                    <a:rPr>
+                      <a:latin typeface="Cambria Math" panose="02040503050406030204" pitchFamily="18" charset="0"/>
+                    </a:rPr>
+                    <m:t>/∑</m:t>
+                  </m:r>
+                  <m:r>
+                    <a:rPr>
+                      <a:latin typeface="Cambria Math" panose="02040503050406030204" pitchFamily="18" charset="0"/>
+                    </a:rPr>
+                    <m:t>𝑊</m:t>
+                  </m:r>
+                </m:oMath>
+              </m:oMathPara>
+            </a14:m>
+            <a:endParaRPr/>
+          </a:p>
+          <a:p>
+            <a:pPr marL="0" lvl="0" indent="0">
+              <a:buNone/>
+            </a:pPr>
+            <a14:m xmlns:a14="http://schemas.microsoft.com/office/drawing/2010/main">
+              <m:oMathPara xmlns:m="http://schemas.openxmlformats.org/officeDocument/2006/math">
+                <m:oMathParaPr>
+                  <m:jc m:val="center"/>
+                </m:oMathParaPr>
+                <m:oMath xmlns:m="http://schemas.openxmlformats.org/officeDocument/2006/math">
+                  <m:sSubSup>
+                    <m:sSubSupPr>
+                      <m:ctrlPr>
+                        <a:rPr>
+                          <a:latin typeface="Cambria Math" panose="02040503050406030204" pitchFamily="18" charset="0"/>
+                        </a:rPr>
+                      </m:ctrlPr>
+                    </m:sSubSupPr>
+                    <m:e>
+                      <m:r>
+                        <a:rPr>
+                          <a:latin typeface="Cambria Math" panose="02040503050406030204" pitchFamily="18" charset="0"/>
+                        </a:rPr>
+                        <m:t>𝜎</m:t>
+                      </m:r>
+                    </m:e>
+                    <m:sub>
                       <m:acc>
                         <m:accPr>
                           <m:chr m:val="‾"/>
+                          <m:ctrlPr>
+                            <a:rPr i="1">
+                              <a:latin typeface="Cambria Math" panose="02040503050406030204" pitchFamily="18" charset="0"/>
+                            </a:rPr>
+                          </m:ctrlPr>
                         </m:accPr>
                         <m:e>
                           <m:r>
-                            <m:t>E</m:t>
-                          </m:r>
-                          <m:r>
-                            <m:t>S</m:t>
+                            <a:rPr>
+                              <a:latin typeface="Cambria Math" panose="02040503050406030204" pitchFamily="18" charset="0"/>
+                            </a:rPr>
+                            <m:t>𝐸𝑆</m:t>
                           </m:r>
                         </m:e>
                       </m:acc>
+                    </m:sub>
+                    <m:sup>
                       <m:r>
-                        <m:rPr>
-                          <m:sty m:val="p"/>
-                        </m:rPr>
-                        <m:t>=</m:t>
+                        <a:rPr>
+                          <a:latin typeface="Cambria Math" panose="02040503050406030204" pitchFamily="18" charset="0"/>
+                        </a:rPr>
+                        <m:t>2</m:t>
                       </m:r>
+                    </m:sup>
+                  </m:sSubSup>
+                  <m:r>
+                    <a:rPr>
+                      <a:latin typeface="Cambria Math" panose="02040503050406030204" pitchFamily="18" charset="0"/>
+                    </a:rPr>
+                    <m:t>=</m:t>
+                  </m:r>
+                  <m:f>
+                    <m:fPr>
+                      <m:ctrlPr>
+                        <a:rPr i="1">
+                          <a:latin typeface="Cambria Math" panose="02040503050406030204" pitchFamily="18" charset="0"/>
+                        </a:rPr>
+                      </m:ctrlPr>
+                    </m:fPr>
+                    <m:num>
                       <m:r>
-                        <m:rPr>
-                          <m:sty m:val="p"/>
-                        </m:rPr>
-                        <m:t>∑</m:t>
+                        <a:rPr>
+                          <a:latin typeface="Cambria Math" panose="02040503050406030204" pitchFamily="18" charset="0"/>
+                        </a:rPr>
+                        <m:t>1</m:t>
                       </m:r>
-                      <m:d>
-                        <m:dPr>
-                          <m:begChr m:val="("/>
-                          <m:endChr m:val=")"/>
-                          <m:sepChr m:val=""/>
-                          <m:grow/>
-                        </m:dPr>
-                        <m:e>
-                          <m:r>
-                            <m:t>W</m:t>
-                          </m:r>
-                          <m:r>
-                            <m:rPr>
-                              <m:sty m:val="p"/>
-                            </m:rPr>
-                            <m:t>*</m:t>
-                          </m:r>
-                          <m:r>
-                            <m:t>E</m:t>
-                          </m:r>
-                          <m:r>
-                            <m:t>S</m:t>
-                          </m:r>
-                        </m:e>
-                      </m:d>
+                    </m:num>
+                    <m:den>
                       <m:r>
-                        <m:rPr>
-                          <m:sty m:val="p"/>
-                        </m:rPr>
-                        <m:t>/</m:t>
-                      </m:r>
-                      <m:r>
-                        <m:rPr>
-                          <m:sty m:val="p"/>
-                        </m:rPr>
+                        <a:rPr>
+                          <a:latin typeface="Cambria Math" panose="02040503050406030204" pitchFamily="18" charset="0"/>
+                        </a:rPr>
                         <m:t>∑</m:t>
                       </m:r>
                       <m:r>
-                        <m:t>W</m:t>
+                        <a:rPr>
+                          <a:latin typeface="Cambria Math" panose="02040503050406030204" pitchFamily="18" charset="0"/>
+                        </a:rPr>
+                        <m:t>𝑊</m:t>
                       </m:r>
-                    </m:oMath>
-                  </m:oMathPara>
-                </a14:m>
-              </a:p>
-              <a:p>
-                <a:pPr lvl="0" indent="0" marL="0">
-                  <a:buNone/>
-                </a:pPr>
-                <a14:m>
-                  <m:oMathPara xmlns:m="http://schemas.openxmlformats.org/officeDocument/2006/math">
-                    <m:oMathParaPr>
-                      <m:jc m:val="center"/>
-                    </m:oMathParaPr>
-                    <m:oMath>
-                      <m:sSubSup>
-                        <m:e>
-                          <m:r>
-                            <m:t>σ</m:t>
-                          </m:r>
-                        </m:e>
-                        <m:sub>
-                          <m:acc>
-                            <m:accPr>
-                              <m:chr m:val="‾"/>
-                            </m:accPr>
-                            <m:e>
-                              <m:r>
-                                <m:t>E</m:t>
-                              </m:r>
-                              <m:r>
-                                <m:t>S</m:t>
-                              </m:r>
-                            </m:e>
-                          </m:acc>
-                        </m:sub>
-                        <m:sup>
-                          <m:r>
-                            <m:t>2</m:t>
-                          </m:r>
-                        </m:sup>
-                      </m:sSubSup>
-                      <m:r>
-                        <m:rPr>
-                          <m:sty m:val="p"/>
-                        </m:rPr>
-                        <m:t>=</m:t>
-                      </m:r>
-                      <m:f>
-                        <m:fPr>
-                          <m:type m:val="bar"/>
-                        </m:fPr>
-                        <m:num>
-                          <m:r>
-                            <m:t>1</m:t>
-                          </m:r>
-                        </m:num>
-                        <m:den>
-                          <m:r>
-                            <m:rPr>
-                              <m:sty m:val="p"/>
-                            </m:rPr>
-                            <m:t>∑</m:t>
-                          </m:r>
-                          <m:r>
-                            <m:t>W</m:t>
-                          </m:r>
-                        </m:den>
-                      </m:f>
-                    </m:oMath>
-                  </m:oMathPara>
-                </a14:m>
-              </a:p>
-              <a:p>
-                <a:pPr lvl="0" indent="0">
-                  <a:buNone/>
-                </a:pPr>
-                <a:r>
-                  <a:rPr i="1">
-                    <a:solidFill>
-                      <a:srgbClr val="60A0B0"/>
-                    </a:solidFill>
-                    <a:latin typeface="Courier"/>
-                  </a:rPr>
-                  <a:t># Calculate pooled effect size</a:t>
-                </a:r>
-                <a:br/>
-                <a:r>
-                  <a:rPr>
-                    <a:latin typeface="Courier"/>
-                  </a:rPr>
-                  <a:t>       EsP.FE </a:t>
-                </a:r>
-                <a:r>
-                  <a:rPr>
-                    <a:solidFill>
-                      <a:srgbClr val="007020"/>
-                    </a:solidFill>
-                    <a:latin typeface="Courier"/>
-                  </a:rPr>
-                  <a:t>&lt;-</a:t>
-                </a:r>
-                <a:r>
-                  <a:rPr>
-                    <a:latin typeface="Courier"/>
-                  </a:rPr>
-                  <a:t> </a:t>
-                </a:r>
-                <a:r>
-                  <a:rPr>
-                    <a:solidFill>
-                      <a:srgbClr val="06287E"/>
-                    </a:solidFill>
-                    <a:latin typeface="Courier"/>
-                  </a:rPr>
-                  <a:t>sum</a:t>
-                </a:r>
-                <a:r>
-                  <a:rPr>
-                    <a:latin typeface="Courier"/>
-                  </a:rPr>
-                  <a:t>(W</a:t>
-                </a:r>
-                <a:r>
-                  <a:rPr>
-                    <a:solidFill>
-                      <a:srgbClr val="4070A0"/>
-                    </a:solidFill>
-                    <a:latin typeface="Courier"/>
-                  </a:rPr>
-                  <a:t>*</a:t>
-                </a:r>
-                <a:r>
-                  <a:rPr>
-                    <a:latin typeface="Courier"/>
-                  </a:rPr>
-                  <a:t>dataFE</a:t>
-                </a:r>
-                <a:r>
-                  <a:rPr>
-                    <a:solidFill>
-                      <a:srgbClr val="4070A0"/>
-                    </a:solidFill>
-                    <a:latin typeface="Courier"/>
-                  </a:rPr>
-                  <a:t>$</a:t>
-                </a:r>
-                <a:r>
-                  <a:rPr>
-                    <a:latin typeface="Courier"/>
-                  </a:rPr>
-                  <a:t>es) </a:t>
-                </a:r>
-                <a:r>
-                  <a:rPr>
-                    <a:solidFill>
-                      <a:srgbClr val="4070A0"/>
-                    </a:solidFill>
-                    <a:latin typeface="Courier"/>
-                  </a:rPr>
-                  <a:t>/</a:t>
-                </a:r>
-                <a:r>
-                  <a:rPr>
-                    <a:latin typeface="Courier"/>
-                  </a:rPr>
-                  <a:t> </a:t>
-                </a:r>
-                <a:r>
-                  <a:rPr>
-                    <a:solidFill>
-                      <a:srgbClr val="06287E"/>
-                    </a:solidFill>
-                    <a:latin typeface="Courier"/>
-                  </a:rPr>
-                  <a:t>sum</a:t>
-                </a:r>
-                <a:r>
-                  <a:rPr>
-                    <a:latin typeface="Courier"/>
-                  </a:rPr>
-                  <a:t>(W)</a:t>
-                </a:r>
-                <a:br/>
-                <a:r>
-                  <a:rPr>
-                    <a:latin typeface="Courier"/>
-                  </a:rPr>
-                  <a:t>       EsP.FE</a:t>
-                </a:r>
-              </a:p>
-              <a:p>
-                <a:pPr lvl="0" indent="0">
-                  <a:buNone/>
-                </a:pPr>
-                <a:r>
-                  <a:rPr>
-                    <a:latin typeface="Courier"/>
-                  </a:rPr>
-                  <a:t>## [1] 2.073105</a:t>
-                </a:r>
-              </a:p>
-              <a:p>
-                <a:pPr lvl="0" indent="0">
-                  <a:buNone/>
-                </a:pPr>
-                <a:r>
-                  <a:rPr i="1">
-                    <a:solidFill>
-                      <a:srgbClr val="60A0B0"/>
-                    </a:solidFill>
-                    <a:latin typeface="Courier"/>
-                  </a:rPr>
-                  <a:t># Calculate the pooled variance around estimate</a:t>
-                </a:r>
-                <a:br/>
-                <a:r>
-                  <a:rPr>
-                    <a:latin typeface="Courier"/>
-                  </a:rPr>
-                  <a:t>    VarEsP.FE </a:t>
-                </a:r>
-                <a:r>
-                  <a:rPr>
-                    <a:solidFill>
-                      <a:srgbClr val="007020"/>
-                    </a:solidFill>
-                    <a:latin typeface="Courier"/>
-                  </a:rPr>
-                  <a:t>&lt;-</a:t>
-                </a:r>
-                <a:r>
-                  <a:rPr>
-                    <a:latin typeface="Courier"/>
-                  </a:rPr>
-                  <a:t> </a:t>
-                </a:r>
-                <a:r>
-                  <a:rPr>
-                    <a:solidFill>
-                      <a:srgbClr val="40A070"/>
-                    </a:solidFill>
-                    <a:latin typeface="Courier"/>
-                  </a:rPr>
-                  <a:t>1</a:t>
-                </a:r>
-                <a:r>
-                  <a:rPr>
-                    <a:latin typeface="Courier"/>
-                  </a:rPr>
-                  <a:t> </a:t>
-                </a:r>
-                <a:r>
-                  <a:rPr>
-                    <a:solidFill>
-                      <a:srgbClr val="4070A0"/>
-                    </a:solidFill>
-                    <a:latin typeface="Courier"/>
-                  </a:rPr>
-                  <a:t>/</a:t>
-                </a:r>
-                <a:r>
-                  <a:rPr>
-                    <a:latin typeface="Courier"/>
-                  </a:rPr>
-                  <a:t> </a:t>
-                </a:r>
-                <a:r>
-                  <a:rPr>
-                    <a:solidFill>
-                      <a:srgbClr val="06287E"/>
-                    </a:solidFill>
-                    <a:latin typeface="Courier"/>
-                  </a:rPr>
-                  <a:t>sum</a:t>
-                </a:r>
-                <a:r>
-                  <a:rPr>
-                    <a:latin typeface="Courier"/>
-                  </a:rPr>
-                  <a:t>(W)</a:t>
-                </a:r>
-                <a:br/>
-                <a:r>
-                  <a:rPr>
-                    <a:latin typeface="Courier"/>
-                  </a:rPr>
-                  <a:t>    VarEsP.FE</a:t>
-                </a:r>
-              </a:p>
-              <a:p>
-                <a:pPr lvl="0" indent="0">
-                  <a:buNone/>
-                </a:pPr>
-                <a:r>
-                  <a:rPr>
-                    <a:latin typeface="Courier"/>
-                  </a:rPr>
-                  <a:t>## [1] 0.00989011</a:t>
-                </a:r>
-              </a:p>
-              <a:p>
-                <a:pPr lvl="0" indent="0">
-                  <a:buNone/>
-                </a:pPr>
-                <a:r>
-                  <a:rPr i="1">
-                    <a:solidFill>
-                      <a:srgbClr val="60A0B0"/>
-                    </a:solidFill>
-                    <a:latin typeface="Courier"/>
-                  </a:rPr>
-                  <a:t># Calculate the standard error around estimate</a:t>
-                </a:r>
-                <a:br/>
-                <a:r>
-                  <a:rPr>
-                    <a:latin typeface="Courier"/>
-                  </a:rPr>
-                  <a:t>    SE.EsP.FE </a:t>
-                </a:r>
-                <a:r>
-                  <a:rPr>
-                    <a:solidFill>
-                      <a:srgbClr val="007020"/>
-                    </a:solidFill>
-                    <a:latin typeface="Courier"/>
-                  </a:rPr>
-                  <a:t>&lt;-</a:t>
-                </a:r>
-                <a:r>
-                  <a:rPr>
-                    <a:latin typeface="Courier"/>
-                  </a:rPr>
-                  <a:t> </a:t>
-                </a:r>
-                <a:r>
-                  <a:rPr>
-                    <a:solidFill>
-                      <a:srgbClr val="06287E"/>
-                    </a:solidFill>
-                    <a:latin typeface="Courier"/>
-                  </a:rPr>
-                  <a:t>sqrt</a:t>
-                </a:r>
-                <a:r>
-                  <a:rPr>
-                    <a:latin typeface="Courier"/>
-                  </a:rPr>
-                  <a:t>(VarEsP.FE)</a:t>
-                </a:r>
-                <a:br/>
-                <a:r>
-                  <a:rPr>
-                    <a:latin typeface="Courier"/>
-                  </a:rPr>
-                  <a:t>    SE.EsP.FE</a:t>
-                </a:r>
-              </a:p>
-              <a:p>
-                <a:pPr lvl="0" indent="0">
-                  <a:buNone/>
-                </a:pPr>
-                <a:r>
-                  <a:rPr>
-                    <a:latin typeface="Courier"/>
-                  </a:rPr>
-                  <a:t>## [1] 0.09944903</a:t>
-                </a:r>
-              </a:p>
-            </p:txBody>
-          </p:sp>
-        </mc:Choice>
-      </mc:AlternateContent>
+                    </m:den>
+                  </m:f>
+                </m:oMath>
+              </m:oMathPara>
+            </a14:m>
+            <a:endParaRPr/>
+          </a:p>
+          <a:p>
+            <a:pPr lvl="0" indent="0">
+              <a:buNone/>
+            </a:pPr>
+            <a:r>
+              <a:rPr i="1">
+                <a:solidFill>
+                  <a:srgbClr val="60A0B0"/>
+                </a:solidFill>
+                <a:latin typeface="Courier"/>
+              </a:rPr>
+              <a:t># Calculate pooled effect size</a:t>
+            </a:r>
+            <a:br/>
+            <a:r>
+              <a:rPr>
+                <a:latin typeface="Courier"/>
+              </a:rPr>
+              <a:t>       EsP.FE </a:t>
+            </a:r>
+            <a:r>
+              <a:rPr>
+                <a:solidFill>
+                  <a:srgbClr val="007020"/>
+                </a:solidFill>
+                <a:latin typeface="Courier"/>
+              </a:rPr>
+              <a:t>&lt;-</a:t>
+            </a:r>
+            <a:r>
+              <a:rPr>
+                <a:latin typeface="Courier"/>
+              </a:rPr>
+              <a:t> </a:t>
+            </a:r>
+            <a:r>
+              <a:rPr>
+                <a:solidFill>
+                  <a:srgbClr val="06287E"/>
+                </a:solidFill>
+                <a:latin typeface="Courier"/>
+              </a:rPr>
+              <a:t>sum</a:t>
+            </a:r>
+            <a:r>
+              <a:rPr>
+                <a:latin typeface="Courier"/>
+              </a:rPr>
+              <a:t>(W</a:t>
+            </a:r>
+            <a:r>
+              <a:rPr>
+                <a:solidFill>
+                  <a:srgbClr val="4070A0"/>
+                </a:solidFill>
+                <a:latin typeface="Courier"/>
+              </a:rPr>
+              <a:t>*</a:t>
+            </a:r>
+            <a:r>
+              <a:rPr>
+                <a:latin typeface="Courier"/>
+              </a:rPr>
+              <a:t>dataFE</a:t>
+            </a:r>
+            <a:r>
+              <a:rPr>
+                <a:solidFill>
+                  <a:srgbClr val="4070A0"/>
+                </a:solidFill>
+                <a:latin typeface="Courier"/>
+              </a:rPr>
+              <a:t>$</a:t>
+            </a:r>
+            <a:r>
+              <a:rPr>
+                <a:latin typeface="Courier"/>
+              </a:rPr>
+              <a:t>es) </a:t>
+            </a:r>
+            <a:r>
+              <a:rPr>
+                <a:solidFill>
+                  <a:srgbClr val="4070A0"/>
+                </a:solidFill>
+                <a:latin typeface="Courier"/>
+              </a:rPr>
+              <a:t>/</a:t>
+            </a:r>
+            <a:r>
+              <a:rPr>
+                <a:latin typeface="Courier"/>
+              </a:rPr>
+              <a:t> </a:t>
+            </a:r>
+            <a:r>
+              <a:rPr>
+                <a:solidFill>
+                  <a:srgbClr val="06287E"/>
+                </a:solidFill>
+                <a:latin typeface="Courier"/>
+              </a:rPr>
+              <a:t>sum</a:t>
+            </a:r>
+            <a:r>
+              <a:rPr>
+                <a:latin typeface="Courier"/>
+              </a:rPr>
+              <a:t>(W)</a:t>
+            </a:r>
+            <a:br/>
+            <a:r>
+              <a:rPr>
+                <a:latin typeface="Courier"/>
+              </a:rPr>
+              <a:t>       EsP.FE</a:t>
+            </a:r>
+          </a:p>
+          <a:p>
+            <a:pPr lvl="0" indent="0">
+              <a:buNone/>
+            </a:pPr>
+            <a:r>
+              <a:rPr>
+                <a:latin typeface="Courier"/>
+              </a:rPr>
+              <a:t>## [1] 2.073105</a:t>
+            </a:r>
+          </a:p>
+          <a:p>
+            <a:pPr lvl="0" indent="0">
+              <a:buNone/>
+            </a:pPr>
+            <a:r>
+              <a:rPr i="1">
+                <a:solidFill>
+                  <a:srgbClr val="60A0B0"/>
+                </a:solidFill>
+                <a:latin typeface="Courier"/>
+              </a:rPr>
+              <a:t># Calculate the pooled variance around estimate</a:t>
+            </a:r>
+            <a:br/>
+            <a:r>
+              <a:rPr>
+                <a:latin typeface="Courier"/>
+              </a:rPr>
+              <a:t>    VarEsP.FE </a:t>
+            </a:r>
+            <a:r>
+              <a:rPr>
+                <a:solidFill>
+                  <a:srgbClr val="007020"/>
+                </a:solidFill>
+                <a:latin typeface="Courier"/>
+              </a:rPr>
+              <a:t>&lt;-</a:t>
+            </a:r>
+            <a:r>
+              <a:rPr>
+                <a:latin typeface="Courier"/>
+              </a:rPr>
+              <a:t> </a:t>
+            </a:r>
+            <a:r>
+              <a:rPr>
+                <a:solidFill>
+                  <a:srgbClr val="40A070"/>
+                </a:solidFill>
+                <a:latin typeface="Courier"/>
+              </a:rPr>
+              <a:t>1</a:t>
+            </a:r>
+            <a:r>
+              <a:rPr>
+                <a:latin typeface="Courier"/>
+              </a:rPr>
+              <a:t> </a:t>
+            </a:r>
+            <a:r>
+              <a:rPr>
+                <a:solidFill>
+                  <a:srgbClr val="4070A0"/>
+                </a:solidFill>
+                <a:latin typeface="Courier"/>
+              </a:rPr>
+              <a:t>/</a:t>
+            </a:r>
+            <a:r>
+              <a:rPr>
+                <a:latin typeface="Courier"/>
+              </a:rPr>
+              <a:t> </a:t>
+            </a:r>
+            <a:r>
+              <a:rPr>
+                <a:solidFill>
+                  <a:srgbClr val="06287E"/>
+                </a:solidFill>
+                <a:latin typeface="Courier"/>
+              </a:rPr>
+              <a:t>sum</a:t>
+            </a:r>
+            <a:r>
+              <a:rPr>
+                <a:latin typeface="Courier"/>
+              </a:rPr>
+              <a:t>(W)</a:t>
+            </a:r>
+            <a:br/>
+            <a:r>
+              <a:rPr>
+                <a:latin typeface="Courier"/>
+              </a:rPr>
+              <a:t>    VarEsP.FE</a:t>
+            </a:r>
+          </a:p>
+          <a:p>
+            <a:pPr lvl="0" indent="0">
+              <a:buNone/>
+            </a:pPr>
+            <a:r>
+              <a:rPr>
+                <a:latin typeface="Courier"/>
+              </a:rPr>
+              <a:t>## [1] 0.00989011</a:t>
+            </a:r>
+          </a:p>
+          <a:p>
+            <a:pPr lvl="0" indent="0">
+              <a:buNone/>
+            </a:pPr>
+            <a:r>
+              <a:rPr i="1">
+                <a:solidFill>
+                  <a:srgbClr val="60A0B0"/>
+                </a:solidFill>
+                <a:latin typeface="Courier"/>
+              </a:rPr>
+              <a:t># Calculate the standard error around estimate</a:t>
+            </a:r>
+            <a:br/>
+            <a:r>
+              <a:rPr>
+                <a:latin typeface="Courier"/>
+              </a:rPr>
+              <a:t>    SE.EsP.FE </a:t>
+            </a:r>
+            <a:r>
+              <a:rPr>
+                <a:solidFill>
+                  <a:srgbClr val="007020"/>
+                </a:solidFill>
+                <a:latin typeface="Courier"/>
+              </a:rPr>
+              <a:t>&lt;-</a:t>
+            </a:r>
+            <a:r>
+              <a:rPr>
+                <a:latin typeface="Courier"/>
+              </a:rPr>
+              <a:t> </a:t>
+            </a:r>
+            <a:r>
+              <a:rPr>
+                <a:solidFill>
+                  <a:srgbClr val="06287E"/>
+                </a:solidFill>
+                <a:latin typeface="Courier"/>
+              </a:rPr>
+              <a:t>sqrt</a:t>
+            </a:r>
+            <a:r>
+              <a:rPr>
+                <a:latin typeface="Courier"/>
+              </a:rPr>
+              <a:t>(VarEsP.FE)</a:t>
+            </a:r>
+            <a:br/>
+            <a:r>
+              <a:rPr>
+                <a:latin typeface="Courier"/>
+              </a:rPr>
+              <a:t>    SE.EsP.FE</a:t>
+            </a:r>
+          </a:p>
+          <a:p>
+            <a:pPr lvl="0" indent="0">
+              <a:buNone/>
+            </a:pPr>
+            <a:r>
+              <a:rPr>
+                <a:latin typeface="Courier"/>
+              </a:rPr>
+              <a:t>## [1] 0.09944903</a:t>
+            </a:r>
+          </a:p>
+        </p:txBody>
+      </p:sp>
     </p:spTree>
   </p:cSld>
+  <p:clrMapOvr>
+    <a:masterClrMapping/>
+  </p:clrMapOvr>
 </p:sld>
 </file>
 
@@ -11445,11 +12067,10 @@
           <a:bodyPr/>
           <a:lstStyle/>
           <a:p>
-            <a:pPr lvl="0" indent="0" marL="0">
+            <a:pPr marL="0" lvl="0" indent="0">
               <a:buNone/>
             </a:pPr>
             <a:r>
-              <a:rPr/>
               <a:t>Random effect in code</a:t>
             </a:r>
           </a:p>
@@ -11661,6 +12282,9 @@
       </p:sp>
     </p:spTree>
   </p:cSld>
+  <p:clrMapOvr>
+    <a:masterClrMapping/>
+  </p:clrMapOvr>
 </p:sld>
 </file>
 
@@ -11696,11 +12320,10 @@
           <a:bodyPr/>
           <a:lstStyle/>
           <a:p>
-            <a:pPr lvl="0" indent="0" marL="0">
+            <a:pPr marL="0" lvl="0" indent="0">
               <a:buNone/>
             </a:pPr>
             <a:r>
-              <a:rPr/>
               <a:t>Random effect plot</a:t>
             </a:r>
           </a:p>
@@ -11708,7 +12331,7 @@
       </p:sp>
       <p:pic>
         <p:nvPicPr>
-          <p:cNvPr descr="code_slides_files/figure-pptx/fvsr-1.png" id="0" name="Picture 1"/>
+          <p:cNvPr id="3" name="Picture 1" descr="code_slides_files/figure-pptx/fvsr-1.png"/>
           <p:cNvPicPr>
             <a:picLocks noGrp="1" noChangeAspect="1"/>
           </p:cNvPicPr>
@@ -11738,7 +12361,7 @@
       </p:pic>
       <p:sp>
         <p:nvSpPr>
-          <p:cNvPr id="1" name="TextBox 3"/>
+          <p:cNvPr id="4" name="TextBox 3"/>
           <p:cNvSpPr txBox="1"/>
           <p:nvPr/>
         </p:nvSpPr>
@@ -11756,11 +12379,10 @@
           <a:bodyPr/>
           <a:lstStyle/>
           <a:p>
-            <a:pPr lvl="0" indent="0" marL="0" algn="ctr">
+            <a:pPr marL="0" lvl="0" indent="0" algn="ctr">
               <a:buNone/>
             </a:pPr>
             <a:r>
-              <a:rPr/>
               <a:t>Mean (arrows are sampling standard deviation) effect size for each study. Data simulated under a fixed effect model in black and data simulated under a random effect model in red.</a:t>
             </a:r>
           </a:p>
@@ -11768,6 +12390,9 @@
       </p:sp>
     </p:spTree>
   </p:cSld>
+  <p:clrMapOvr>
+    <a:masterClrMapping/>
+  </p:clrMapOvr>
 </p:sld>
 </file>
 
@@ -11803,11 +12428,10 @@
           <a:bodyPr/>
           <a:lstStyle/>
           <a:p>
-            <a:pPr lvl="0" indent="0" marL="0">
+            <a:pPr marL="0" lvl="0" indent="0">
               <a:buNone/>
             </a:pPr>
             <a:r>
-              <a:rPr/>
               <a:t> ## random effect model</a:t>
             </a:r>
           </a:p>
@@ -11947,6 +12571,9 @@
       </p:sp>
     </p:spTree>
   </p:cSld>
+  <p:clrMapOvr>
+    <a:masterClrMapping/>
+  </p:clrMapOvr>
 </p:sld>
 </file>
 
@@ -11982,447 +12609,634 @@
           <a:bodyPr/>
           <a:lstStyle/>
           <a:p>
-            <a:pPr lvl="0" indent="0" marL="0">
+            <a:pPr marL="0" lvl="0" indent="0">
               <a:buNone/>
             </a:pPr>
             <a:r>
-              <a:rPr/>
               <a:t>Random by hand</a:t>
             </a:r>
           </a:p>
         </p:txBody>
       </p:sp>
-      <mc:AlternateContent xmlns:mc="http://schemas.openxmlformats.org/markup-compatibility/2006">
-        <mc:Choice xmlns:a14="http://schemas.microsoft.com/office/drawing/2010/main" Requires="a14">
-          <p:sp>
-            <p:nvSpPr>
-              <p:cNvPr id="3" name="Content Placeholder 2"/>
-              <p:cNvSpPr>
-                <a:spLocks noGrp="1"/>
-              </p:cNvSpPr>
-              <p:nvPr>
-                <p:ph idx="1"/>
-              </p:nvPr>
-            </p:nvSpPr>
-            <p:spPr/>
-            <p:txBody>
-              <a:bodyPr/>
-              <a:lstStyle/>
-              <a:p>
-                <a:pPr lvl="0" indent="0" marL="0">
-                  <a:buNone/>
-                </a:pPr>
-                <a:r>
-                  <a:rPr/>
-                  <a:t>We first need to estimate </a:t>
-                </a:r>
-                <a14:m>
-                  <m:oMath xmlns:m="http://schemas.openxmlformats.org/officeDocument/2006/math">
-                    <m:sSup>
-                      <m:e>
-                        <m:r>
-                          <m:t>τ</m:t>
-                        </m:r>
-                      </m:e>
-                      <m:sup>
-                        <m:r>
-                          <m:t>2</m:t>
-                        </m:r>
-                      </m:sup>
-                    </m:sSup>
-                  </m:oMath>
-                </a14:m>
-                <a:r>
-                  <a:rPr/>
-                  <a:t> or the between-study variance which can be calculated from these equations:</a:t>
-                </a:r>
-              </a:p>
-              <a:p>
-                <a:pPr lvl="0" indent="0" marL="0">
-                  <a:buNone/>
-                </a:pPr>
-                <a14:m>
-                  <m:oMathPara xmlns:m="http://schemas.openxmlformats.org/officeDocument/2006/math">
-                    <m:oMathParaPr>
-                      <m:jc m:val="center"/>
-                    </m:oMathParaPr>
-                    <m:oMath>
-                      <m:sSup>
+      <p:sp>
+        <p:nvSpPr>
+          <p:cNvPr id="3" name="Content Placeholder 2"/>
+          <p:cNvSpPr>
+            <a:spLocks noGrp="1"/>
+          </p:cNvSpPr>
+          <p:nvPr>
+            <p:ph idx="1"/>
+          </p:nvPr>
+        </p:nvSpPr>
+        <p:spPr/>
+        <p:txBody>
+          <a:bodyPr/>
+          <a:lstStyle/>
+          <a:p>
+            <a:pPr marL="0" lvl="0" indent="0">
+              <a:buNone/>
+            </a:pPr>
+            <a:r>
+              <a:t>We first need to estimate </a:t>
+            </a:r>
+            <a14:m xmlns:a14="http://schemas.microsoft.com/office/drawing/2010/main">
+              <m:oMath xmlns:m="http://schemas.openxmlformats.org/officeDocument/2006/math">
+                <m:sSup>
+                  <m:sSupPr>
+                    <m:ctrlPr>
+                      <a:rPr>
+                        <a:latin typeface="Cambria Math" panose="02040503050406030204" pitchFamily="18" charset="0"/>
+                      </a:rPr>
+                    </m:ctrlPr>
+                  </m:sSupPr>
+                  <m:e>
+                    <m:r>
+                      <a:rPr>
+                        <a:latin typeface="Cambria Math" panose="02040503050406030204" pitchFamily="18" charset="0"/>
+                      </a:rPr>
+                      <m:t>𝜏</m:t>
+                    </m:r>
+                  </m:e>
+                  <m:sup>
+                    <m:r>
+                      <a:rPr>
+                        <a:latin typeface="Cambria Math" panose="02040503050406030204" pitchFamily="18" charset="0"/>
+                      </a:rPr>
+                      <m:t>2</m:t>
+                    </m:r>
+                  </m:sup>
+                </m:sSup>
+              </m:oMath>
+            </a14:m>
+            <a:r>
+              <a:t> or the between-study variance which can be calculated from these equations:</a:t>
+            </a:r>
+          </a:p>
+          <a:p>
+            <a:pPr marL="0" lvl="0" indent="0">
+              <a:buNone/>
+            </a:pPr>
+            <a14:m xmlns:a14="http://schemas.microsoft.com/office/drawing/2010/main">
+              <m:oMathPara xmlns:m="http://schemas.openxmlformats.org/officeDocument/2006/math">
+                <m:oMathParaPr>
+                  <m:jc m:val="center"/>
+                </m:oMathParaPr>
+                <m:oMath xmlns:m="http://schemas.openxmlformats.org/officeDocument/2006/math">
+                  <m:sSup>
+                    <m:sSupPr>
+                      <m:ctrlPr>
+                        <a:rPr>
+                          <a:latin typeface="Cambria Math" panose="02040503050406030204" pitchFamily="18" charset="0"/>
+                        </a:rPr>
+                      </m:ctrlPr>
+                    </m:sSupPr>
+                    <m:e>
+                      <m:r>
+                        <a:rPr>
+                          <a:latin typeface="Cambria Math" panose="02040503050406030204" pitchFamily="18" charset="0"/>
+                        </a:rPr>
+                        <m:t>𝜏</m:t>
+                      </m:r>
+                    </m:e>
+                    <m:sup>
+                      <m:r>
+                        <a:rPr>
+                          <a:latin typeface="Cambria Math" panose="02040503050406030204" pitchFamily="18" charset="0"/>
+                        </a:rPr>
+                        <m:t>2</m:t>
+                      </m:r>
+                    </m:sup>
+                  </m:sSup>
+                  <m:r>
+                    <a:rPr>
+                      <a:latin typeface="Cambria Math" panose="02040503050406030204" pitchFamily="18" charset="0"/>
+                    </a:rPr>
+                    <m:t>=</m:t>
+                  </m:r>
+                  <m:f>
+                    <m:fPr>
+                      <m:ctrlPr>
+                        <a:rPr i="1">
+                          <a:latin typeface="Cambria Math" panose="02040503050406030204" pitchFamily="18" charset="0"/>
+                        </a:rPr>
+                      </m:ctrlPr>
+                    </m:fPr>
+                    <m:num>
+                      <m:r>
+                        <a:rPr>
+                          <a:latin typeface="Cambria Math" panose="02040503050406030204" pitchFamily="18" charset="0"/>
+                        </a:rPr>
+                        <m:t>𝑄</m:t>
+                      </m:r>
+                      <m:r>
+                        <a:rPr>
+                          <a:latin typeface="Cambria Math" panose="02040503050406030204" pitchFamily="18" charset="0"/>
+                        </a:rPr>
+                        <m:t>−</m:t>
+                      </m:r>
+                      <m:r>
+                        <a:rPr>
+                          <a:latin typeface="Cambria Math" panose="02040503050406030204" pitchFamily="18" charset="0"/>
+                        </a:rPr>
+                        <m:t>𝑑𝑓</m:t>
+                      </m:r>
+                    </m:num>
+                    <m:den>
+                      <m:r>
+                        <a:rPr>
+                          <a:latin typeface="Cambria Math" panose="02040503050406030204" pitchFamily="18" charset="0"/>
+                        </a:rPr>
+                        <m:t>𝐶</m:t>
+                      </m:r>
+                    </m:den>
+                  </m:f>
+                </m:oMath>
+              </m:oMathPara>
+            </a14:m>
+            <a:endParaRPr/>
+          </a:p>
+          <a:p>
+            <a:pPr marL="0" lvl="0" indent="0">
+              <a:buNone/>
+            </a:pPr>
+            <a:r>
+              <a:t>where</a:t>
+            </a:r>
+          </a:p>
+          <a:p>
+            <a:pPr marL="0" lvl="0" indent="0">
+              <a:buNone/>
+            </a:pPr>
+            <a14:m xmlns:a14="http://schemas.microsoft.com/office/drawing/2010/main">
+              <m:oMathPara xmlns:m="http://schemas.openxmlformats.org/officeDocument/2006/math">
+                <m:oMathParaPr>
+                  <m:jc m:val="center"/>
+                </m:oMathParaPr>
+                <m:oMath xmlns:m="http://schemas.openxmlformats.org/officeDocument/2006/math">
+                  <m:r>
+                    <a:rPr>
+                      <a:latin typeface="Cambria Math" panose="02040503050406030204" pitchFamily="18" charset="0"/>
+                    </a:rPr>
+                    <m:t>𝑄</m:t>
+                  </m:r>
+                  <m:r>
+                    <a:rPr>
+                      <a:latin typeface="Cambria Math" panose="02040503050406030204" pitchFamily="18" charset="0"/>
+                    </a:rPr>
+                    <m:t>=</m:t>
+                  </m:r>
+                  <m:nary>
+                    <m:naryPr>
+                      <m:chr m:val="∑"/>
+                      <m:limLoc m:val="undOvr"/>
+                      <m:ctrlPr>
+                        <a:rPr i="1">
+                          <a:latin typeface="Cambria Math" panose="02040503050406030204" pitchFamily="18" charset="0"/>
+                        </a:rPr>
+                      </m:ctrlPr>
+                    </m:naryPr>
+                    <m:sub>
+                      <m:r>
+                        <a:rPr>
+                          <a:latin typeface="Cambria Math" panose="02040503050406030204" pitchFamily="18" charset="0"/>
+                        </a:rPr>
+                        <m:t>𝑖</m:t>
+                      </m:r>
+                      <m:r>
+                        <a:rPr>
+                          <a:latin typeface="Cambria Math" panose="02040503050406030204" pitchFamily="18" charset="0"/>
+                        </a:rPr>
+                        <m:t>=1</m:t>
+                      </m:r>
+                    </m:sub>
+                    <m:sup>
+                      <m:r>
+                        <a:rPr>
+                          <a:latin typeface="Cambria Math" panose="02040503050406030204" pitchFamily="18" charset="0"/>
+                        </a:rPr>
+                        <m:t>𝑘</m:t>
+                      </m:r>
+                    </m:sup>
+                    <m:e>
+                      <m:sSub>
+                        <m:sSubPr>
+                          <m:ctrlPr>
+                            <a:rPr i="1">
+                              <a:latin typeface="Cambria Math" panose="02040503050406030204" pitchFamily="18" charset="0"/>
+                            </a:rPr>
+                          </m:ctrlPr>
+                        </m:sSubPr>
                         <m:e>
                           <m:r>
-                            <m:t>τ</m:t>
+                            <a:rPr>
+                              <a:latin typeface="Cambria Math" panose="02040503050406030204" pitchFamily="18" charset="0"/>
+                            </a:rPr>
+                            <m:t>𝑊</m:t>
                           </m:r>
+                        </m:e>
+                        <m:sub>
+                          <m:r>
+                            <a:rPr>
+                              <a:latin typeface="Cambria Math" panose="02040503050406030204" pitchFamily="18" charset="0"/>
+                            </a:rPr>
+                            <m:t>𝑖</m:t>
+                          </m:r>
+                        </m:sub>
+                      </m:sSub>
+                      <m:r>
+                        <a:rPr>
+                          <a:latin typeface="Cambria Math" panose="02040503050406030204" pitchFamily="18" charset="0"/>
+                        </a:rPr>
+                        <m:t>𝐸</m:t>
+                      </m:r>
+                      <m:sSubSup>
+                        <m:sSubSupPr>
+                          <m:ctrlPr>
+                            <a:rPr i="1">
+                              <a:latin typeface="Cambria Math" panose="02040503050406030204" pitchFamily="18" charset="0"/>
+                            </a:rPr>
+                          </m:ctrlPr>
+                        </m:sSubSupPr>
+                        <m:e>
+                          <m:r>
+                            <a:rPr>
+                              <a:latin typeface="Cambria Math" panose="02040503050406030204" pitchFamily="18" charset="0"/>
+                            </a:rPr>
+                            <m:t>𝑆</m:t>
+                          </m:r>
+                        </m:e>
+                        <m:sub>
+                          <m:r>
+                            <a:rPr>
+                              <a:latin typeface="Cambria Math" panose="02040503050406030204" pitchFamily="18" charset="0"/>
+                            </a:rPr>
+                            <m:t>𝑖</m:t>
+                          </m:r>
+                        </m:sub>
+                        <m:sup>
+                          <m:r>
+                            <a:rPr>
+                              <a:latin typeface="Cambria Math" panose="02040503050406030204" pitchFamily="18" charset="0"/>
+                            </a:rPr>
+                            <m:t>2</m:t>
+                          </m:r>
+                        </m:sup>
+                      </m:sSubSup>
+                    </m:e>
+                  </m:nary>
+                  <m:r>
+                    <a:rPr>
+                      <a:latin typeface="Cambria Math" panose="02040503050406030204" pitchFamily="18" charset="0"/>
+                    </a:rPr>
+                    <m:t>−</m:t>
+                  </m:r>
+                  <m:f>
+                    <m:fPr>
+                      <m:ctrlPr>
+                        <a:rPr i="1">
+                          <a:latin typeface="Cambria Math" panose="02040503050406030204" pitchFamily="18" charset="0"/>
+                        </a:rPr>
+                      </m:ctrlPr>
+                    </m:fPr>
+                    <m:num>
+                      <m:sSup>
+                        <m:sSupPr>
+                          <m:ctrlPr>
+                            <a:rPr i="1">
+                              <a:latin typeface="Cambria Math" panose="02040503050406030204" pitchFamily="18" charset="0"/>
+                            </a:rPr>
+                          </m:ctrlPr>
+                        </m:sSupPr>
+                        <m:e>
+                          <m:d>
+                            <m:dPr>
+                              <m:ctrlPr>
+                                <a:rPr i="1">
+                                  <a:latin typeface="Cambria Math" panose="02040503050406030204" pitchFamily="18" charset="0"/>
+                                </a:rPr>
+                              </m:ctrlPr>
+                            </m:dPr>
+                            <m:e>
+                              <m:nary>
+                                <m:naryPr>
+                                  <m:chr m:val="∑"/>
+                                  <m:limLoc m:val="undOvr"/>
+                                  <m:ctrlPr>
+                                    <a:rPr i="1">
+                                      <a:latin typeface="Cambria Math" panose="02040503050406030204" pitchFamily="18" charset="0"/>
+                                    </a:rPr>
+                                  </m:ctrlPr>
+                                </m:naryPr>
+                                <m:sub>
+                                  <m:r>
+                                    <a:rPr>
+                                      <a:latin typeface="Cambria Math" panose="02040503050406030204" pitchFamily="18" charset="0"/>
+                                    </a:rPr>
+                                    <m:t>𝑖</m:t>
+                                  </m:r>
+                                  <m:r>
+                                    <a:rPr>
+                                      <a:latin typeface="Cambria Math" panose="02040503050406030204" pitchFamily="18" charset="0"/>
+                                    </a:rPr>
+                                    <m:t>=1</m:t>
+                                  </m:r>
+                                </m:sub>
+                                <m:sup>
+                                  <m:r>
+                                    <a:rPr>
+                                      <a:latin typeface="Cambria Math" panose="02040503050406030204" pitchFamily="18" charset="0"/>
+                                    </a:rPr>
+                                    <m:t>𝑘</m:t>
+                                  </m:r>
+                                </m:sup>
+                                <m:e>
+                                  <m:sSub>
+                                    <m:sSubPr>
+                                      <m:ctrlPr>
+                                        <a:rPr i="1">
+                                          <a:latin typeface="Cambria Math" panose="02040503050406030204" pitchFamily="18" charset="0"/>
+                                        </a:rPr>
+                                      </m:ctrlPr>
+                                    </m:sSubPr>
+                                    <m:e>
+                                      <m:r>
+                                        <a:rPr>
+                                          <a:latin typeface="Cambria Math" panose="02040503050406030204" pitchFamily="18" charset="0"/>
+                                        </a:rPr>
+                                        <m:t>𝑊</m:t>
+                                      </m:r>
+                                    </m:e>
+                                    <m:sub>
+                                      <m:r>
+                                        <a:rPr>
+                                          <a:latin typeface="Cambria Math" panose="02040503050406030204" pitchFamily="18" charset="0"/>
+                                        </a:rPr>
+                                        <m:t>𝑖</m:t>
+                                      </m:r>
+                                    </m:sub>
+                                  </m:sSub>
+                                  <m:r>
+                                    <a:rPr>
+                                      <a:latin typeface="Cambria Math" panose="02040503050406030204" pitchFamily="18" charset="0"/>
+                                    </a:rPr>
+                                    <m:t>𝐸</m:t>
+                                  </m:r>
+                                  <m:sSub>
+                                    <m:sSubPr>
+                                      <m:ctrlPr>
+                                        <a:rPr i="1">
+                                          <a:latin typeface="Cambria Math" panose="02040503050406030204" pitchFamily="18" charset="0"/>
+                                        </a:rPr>
+                                      </m:ctrlPr>
+                                    </m:sSubPr>
+                                    <m:e>
+                                      <m:r>
+                                        <a:rPr>
+                                          <a:latin typeface="Cambria Math" panose="02040503050406030204" pitchFamily="18" charset="0"/>
+                                        </a:rPr>
+                                        <m:t>𝑆</m:t>
+                                      </m:r>
+                                    </m:e>
+                                    <m:sub>
+                                      <m:r>
+                                        <a:rPr>
+                                          <a:latin typeface="Cambria Math" panose="02040503050406030204" pitchFamily="18" charset="0"/>
+                                        </a:rPr>
+                                        <m:t>𝑖</m:t>
+                                      </m:r>
+                                    </m:sub>
+                                  </m:sSub>
+                                </m:e>
+                              </m:nary>
+                            </m:e>
+                          </m:d>
                         </m:e>
                         <m:sup>
                           <m:r>
+                            <a:rPr>
+                              <a:latin typeface="Cambria Math" panose="02040503050406030204" pitchFamily="18" charset="0"/>
+                            </a:rPr>
                             <m:t>2</m:t>
                           </m:r>
                         </m:sup>
                       </m:sSup>
-                      <m:r>
-                        <m:rPr>
-                          <m:sty m:val="p"/>
-                        </m:rPr>
-                        <m:t>=</m:t>
-                      </m:r>
-                      <m:f>
-                        <m:fPr>
-                          <m:type m:val="bar"/>
-                        </m:fPr>
-                        <m:num>
-                          <m:r>
-                            <m:t>Q</m:t>
-                          </m:r>
-                          <m:r>
-                            <m:rPr>
-                              <m:sty m:val="p"/>
-                            </m:rPr>
-                            <m:t>−</m:t>
-                          </m:r>
-                          <m:r>
-                            <m:t>d</m:t>
-                          </m:r>
-                          <m:r>
-                            <m:t>f</m:t>
-                          </m:r>
-                        </m:num>
-                        <m:den>
-                          <m:r>
-                            <m:t>C</m:t>
-                          </m:r>
-                        </m:den>
-                      </m:f>
-                    </m:oMath>
-                  </m:oMathPara>
-                </a14:m>
-              </a:p>
-              <a:p>
-                <a:pPr lvl="0" indent="0" marL="0">
-                  <a:buNone/>
-                </a:pPr>
-                <a:r>
-                  <a:rPr/>
-                  <a:t>where</a:t>
-                </a:r>
-              </a:p>
-              <a:p>
-                <a:pPr lvl="0" indent="0" marL="0">
-                  <a:buNone/>
-                </a:pPr>
-                <a14:m>
-                  <m:oMathPara xmlns:m="http://schemas.openxmlformats.org/officeDocument/2006/math">
-                    <m:oMathParaPr>
-                      <m:jc m:val="center"/>
-                    </m:oMathParaPr>
-                    <m:oMath>
-                      <m:r>
-                        <m:t>Q</m:t>
-                      </m:r>
-                      <m:r>
-                        <m:rPr>
-                          <m:sty m:val="p"/>
-                        </m:rPr>
-                        <m:t>=</m:t>
-                      </m:r>
+                    </m:num>
+                    <m:den>
                       <m:nary>
                         <m:naryPr>
                           <m:chr m:val="∑"/>
                           <m:limLoc m:val="undOvr"/>
-                          <m:subHide m:val="0"/>
-                          <m:supHide m:val="0"/>
+                          <m:ctrlPr>
+                            <a:rPr i="1">
+                              <a:latin typeface="Cambria Math" panose="02040503050406030204" pitchFamily="18" charset="0"/>
+                            </a:rPr>
+                          </m:ctrlPr>
                         </m:naryPr>
                         <m:sub>
                           <m:r>
-                            <m:t>i</m:t>
+                            <a:rPr>
+                              <a:latin typeface="Cambria Math" panose="02040503050406030204" pitchFamily="18" charset="0"/>
+                            </a:rPr>
+                            <m:t>𝑖</m:t>
                           </m:r>
                           <m:r>
-                            <m:rPr>
-                              <m:sty m:val="p"/>
-                            </m:rPr>
-                            <m:t>=</m:t>
-                          </m:r>
-                          <m:r>
-                            <m:t>1</m:t>
+                            <a:rPr>
+                              <a:latin typeface="Cambria Math" panose="02040503050406030204" pitchFamily="18" charset="0"/>
+                            </a:rPr>
+                            <m:t>=1</m:t>
                           </m:r>
                         </m:sub>
                         <m:sup>
                           <m:r>
-                            <m:t>k</m:t>
+                            <a:rPr>
+                              <a:latin typeface="Cambria Math" panose="02040503050406030204" pitchFamily="18" charset="0"/>
+                            </a:rPr>
+                            <m:t>𝑘</m:t>
                           </m:r>
                         </m:sup>
                         <m:e>
                           <m:sSub>
+                            <m:sSubPr>
+                              <m:ctrlPr>
+                                <a:rPr i="1">
+                                  <a:latin typeface="Cambria Math" panose="02040503050406030204" pitchFamily="18" charset="0"/>
+                                </a:rPr>
+                              </m:ctrlPr>
+                            </m:sSubPr>
                             <m:e>
                               <m:r>
-                                <m:t>W</m:t>
+                                <a:rPr>
+                                  <a:latin typeface="Cambria Math" panose="02040503050406030204" pitchFamily="18" charset="0"/>
+                                </a:rPr>
+                                <m:t>𝑊</m:t>
                               </m:r>
                             </m:e>
                             <m:sub>
                               <m:r>
-                                <m:t>i</m:t>
+                                <a:rPr>
+                                  <a:latin typeface="Cambria Math" panose="02040503050406030204" pitchFamily="18" charset="0"/>
+                                </a:rPr>
+                                <m:t>𝑖</m:t>
                               </m:r>
                             </m:sub>
                           </m:sSub>
-                          <m:r>
-                            <m:t>E</m:t>
-                          </m:r>
-                          <m:sSubSup>
-                            <m:e>
-                              <m:r>
-                                <m:t>S</m:t>
-                              </m:r>
-                            </m:e>
-                            <m:sub>
-                              <m:r>
-                                <m:t>i</m:t>
-                              </m:r>
-                            </m:sub>
-                            <m:sup>
-                              <m:r>
-                                <m:t>2</m:t>
-                              </m:r>
-                            </m:sup>
-                          </m:sSubSup>
                         </m:e>
                       </m:nary>
+                    </m:den>
+                  </m:f>
+                </m:oMath>
+              </m:oMathPara>
+            </a14:m>
+            <a:endParaRPr/>
+          </a:p>
+          <a:p>
+            <a:pPr marL="0" lvl="0" indent="0">
+              <a:buNone/>
+            </a:pPr>
+            <a14:m xmlns:a14="http://schemas.microsoft.com/office/drawing/2010/main">
+              <m:oMathPara xmlns:m="http://schemas.openxmlformats.org/officeDocument/2006/math">
+                <m:oMathParaPr>
+                  <m:jc m:val="center"/>
+                </m:oMathParaPr>
+                <m:oMath xmlns:m="http://schemas.openxmlformats.org/officeDocument/2006/math">
+                  <m:r>
+                    <a:rPr>
+                      <a:latin typeface="Cambria Math" panose="02040503050406030204" pitchFamily="18" charset="0"/>
+                    </a:rPr>
+                    <m:t>𝐶</m:t>
+                  </m:r>
+                  <m:r>
+                    <a:rPr>
+                      <a:latin typeface="Cambria Math" panose="02040503050406030204" pitchFamily="18" charset="0"/>
+                    </a:rPr>
+                    <m:t>=∑</m:t>
+                  </m:r>
+                  <m:sSub>
+                    <m:sSubPr>
+                      <m:ctrlPr>
+                        <a:rPr i="1">
+                          <a:latin typeface="Cambria Math" panose="02040503050406030204" pitchFamily="18" charset="0"/>
+                        </a:rPr>
+                      </m:ctrlPr>
+                    </m:sSubPr>
+                    <m:e>
                       <m:r>
-                        <m:rPr>
-                          <m:sty m:val="p"/>
-                        </m:rPr>
-                        <m:t>−</m:t>
+                        <a:rPr>
+                          <a:latin typeface="Cambria Math" panose="02040503050406030204" pitchFamily="18" charset="0"/>
+                        </a:rPr>
+                        <m:t>𝑊</m:t>
                       </m:r>
-                      <m:f>
-                        <m:fPr>
-                          <m:type m:val="bar"/>
-                        </m:fPr>
-                        <m:num>
-                          <m:sSup>
-                            <m:e>
-                              <m:d>
-                                <m:dPr>
-                                  <m:begChr m:val="("/>
-                                  <m:endChr m:val=")"/>
-                                  <m:sepChr m:val=""/>
-                                  <m:grow/>
-                                </m:dPr>
-                                <m:e>
-                                  <m:nary>
-                                    <m:naryPr>
-                                      <m:chr m:val="∑"/>
-                                      <m:limLoc m:val="undOvr"/>
-                                      <m:subHide m:val="0"/>
-                                      <m:supHide m:val="0"/>
-                                    </m:naryPr>
-                                    <m:sub>
-                                      <m:r>
-                                        <m:t>i</m:t>
-                                      </m:r>
-                                      <m:r>
-                                        <m:rPr>
-                                          <m:sty m:val="p"/>
-                                        </m:rPr>
-                                        <m:t>=</m:t>
-                                      </m:r>
-                                      <m:r>
-                                        <m:t>1</m:t>
-                                      </m:r>
-                                    </m:sub>
-                                    <m:sup>
-                                      <m:r>
-                                        <m:t>k</m:t>
-                                      </m:r>
-                                    </m:sup>
-                                    <m:e>
-                                      <m:sSub>
-                                        <m:e>
-                                          <m:r>
-                                            <m:t>W</m:t>
-                                          </m:r>
-                                        </m:e>
-                                        <m:sub>
-                                          <m:r>
-                                            <m:t>i</m:t>
-                                          </m:r>
-                                        </m:sub>
-                                      </m:sSub>
-                                      <m:r>
-                                        <m:t>E</m:t>
-                                      </m:r>
-                                      <m:sSub>
-                                        <m:e>
-                                          <m:r>
-                                            <m:t>S</m:t>
-                                          </m:r>
-                                        </m:e>
-                                        <m:sub>
-                                          <m:r>
-                                            <m:t>i</m:t>
-                                          </m:r>
-                                        </m:sub>
-                                      </m:sSub>
-                                    </m:e>
-                                  </m:nary>
-                                </m:e>
-                              </m:d>
-                            </m:e>
-                            <m:sup>
-                              <m:r>
-                                <m:t>2</m:t>
-                              </m:r>
-                            </m:sup>
-                          </m:sSup>
-                        </m:num>
-                        <m:den>
-                          <m:nary>
-                            <m:naryPr>
-                              <m:chr m:val="∑"/>
-                              <m:limLoc m:val="undOvr"/>
-                              <m:subHide m:val="0"/>
-                              <m:supHide m:val="0"/>
-                            </m:naryPr>
-                            <m:sub>
-                              <m:r>
-                                <m:t>i</m:t>
-                              </m:r>
-                              <m:r>
-                                <m:rPr>
-                                  <m:sty m:val="p"/>
-                                </m:rPr>
-                                <m:t>=</m:t>
-                              </m:r>
-                              <m:r>
-                                <m:t>1</m:t>
-                              </m:r>
-                            </m:sub>
-                            <m:sup>
-                              <m:r>
-                                <m:t>k</m:t>
-                              </m:r>
-                            </m:sup>
-                            <m:e>
-                              <m:sSub>
-                                <m:e>
-                                  <m:r>
-                                    <m:t>W</m:t>
-                                  </m:r>
-                                </m:e>
-                                <m:sub>
-                                  <m:r>
-                                    <m:t>i</m:t>
-                                  </m:r>
-                                </m:sub>
-                              </m:sSub>
-                            </m:e>
-                          </m:nary>
-                        </m:den>
-                      </m:f>
-                    </m:oMath>
-                  </m:oMathPara>
-                </a14:m>
-              </a:p>
-              <a:p>
-                <a:pPr lvl="0" indent="0" marL="0">
-                  <a:buNone/>
-                </a:pPr>
-                <a14:m>
-                  <m:oMathPara xmlns:m="http://schemas.openxmlformats.org/officeDocument/2006/math">
-                    <m:oMathParaPr>
-                      <m:jc m:val="center"/>
-                    </m:oMathParaPr>
-                    <m:oMath>
+                    </m:e>
+                    <m:sub>
                       <m:r>
-                        <m:t>C</m:t>
+                        <a:rPr>
+                          <a:latin typeface="Cambria Math" panose="02040503050406030204" pitchFamily="18" charset="0"/>
+                        </a:rPr>
+                        <m:t>𝑖</m:t>
                       </m:r>
+                    </m:sub>
+                  </m:sSub>
+                  <m:r>
+                    <a:rPr>
+                      <a:latin typeface="Cambria Math" panose="02040503050406030204" pitchFamily="18" charset="0"/>
+                    </a:rPr>
+                    <m:t>−</m:t>
+                  </m:r>
+                  <m:f>
+                    <m:fPr>
+                      <m:ctrlPr>
+                        <a:rPr i="1">
+                          <a:latin typeface="Cambria Math" panose="02040503050406030204" pitchFamily="18" charset="0"/>
+                        </a:rPr>
+                      </m:ctrlPr>
+                    </m:fPr>
+                    <m:num>
                       <m:r>
-                        <m:rPr>
-                          <m:sty m:val="p"/>
-                        </m:rPr>
-                        <m:t>=</m:t>
-                      </m:r>
-                      <m:r>
-                        <m:rPr>
-                          <m:sty m:val="p"/>
-                        </m:rPr>
+                        <a:rPr>
+                          <a:latin typeface="Cambria Math" panose="02040503050406030204" pitchFamily="18" charset="0"/>
+                        </a:rPr>
                         <m:t>∑</m:t>
                       </m:r>
-                      <m:sSub>
+                      <m:sSubSup>
+                        <m:sSubSupPr>
+                          <m:ctrlPr>
+                            <a:rPr i="1">
+                              <a:latin typeface="Cambria Math" panose="02040503050406030204" pitchFamily="18" charset="0"/>
+                            </a:rPr>
+                          </m:ctrlPr>
+                        </m:sSubSupPr>
                         <m:e>
                           <m:r>
-                            <m:t>W</m:t>
+                            <a:rPr>
+                              <a:latin typeface="Cambria Math" panose="02040503050406030204" pitchFamily="18" charset="0"/>
+                            </a:rPr>
+                            <m:t>𝑊</m:t>
                           </m:r>
                         </m:e>
                         <m:sub>
                           <m:r>
-                            <m:t>i</m:t>
+                            <a:rPr>
+                              <a:latin typeface="Cambria Math" panose="02040503050406030204" pitchFamily="18" charset="0"/>
+                            </a:rPr>
+                            <m:t>𝑖</m:t>
+                          </m:r>
+                        </m:sub>
+                        <m:sup>
+                          <m:r>
+                            <a:rPr>
+                              <a:latin typeface="Cambria Math" panose="02040503050406030204" pitchFamily="18" charset="0"/>
+                            </a:rPr>
+                            <m:t>2</m:t>
+                          </m:r>
+                        </m:sup>
+                      </m:sSubSup>
+                    </m:num>
+                    <m:den>
+                      <m:r>
+                        <a:rPr>
+                          <a:latin typeface="Cambria Math" panose="02040503050406030204" pitchFamily="18" charset="0"/>
+                        </a:rPr>
+                        <m:t>∑</m:t>
+                      </m:r>
+                      <m:sSub>
+                        <m:sSubPr>
+                          <m:ctrlPr>
+                            <a:rPr i="1">
+                              <a:latin typeface="Cambria Math" panose="02040503050406030204" pitchFamily="18" charset="0"/>
+                            </a:rPr>
+                          </m:ctrlPr>
+                        </m:sSubPr>
+                        <m:e>
+                          <m:r>
+                            <a:rPr>
+                              <a:latin typeface="Cambria Math" panose="02040503050406030204" pitchFamily="18" charset="0"/>
+                            </a:rPr>
+                            <m:t>𝑊</m:t>
+                          </m:r>
+                        </m:e>
+                        <m:sub>
+                          <m:r>
+                            <a:rPr>
+                              <a:latin typeface="Cambria Math" panose="02040503050406030204" pitchFamily="18" charset="0"/>
+                            </a:rPr>
+                            <m:t>𝑖</m:t>
                           </m:r>
                         </m:sub>
                       </m:sSub>
-                      <m:r>
-                        <m:rPr>
-                          <m:sty m:val="p"/>
-                        </m:rPr>
-                        <m:t>−</m:t>
-                      </m:r>
-                      <m:f>
-                        <m:fPr>
-                          <m:type m:val="bar"/>
-                        </m:fPr>
-                        <m:num>
-                          <m:r>
-                            <m:rPr>
-                              <m:sty m:val="p"/>
-                            </m:rPr>
-                            <m:t>∑</m:t>
-                          </m:r>
-                          <m:sSubSup>
-                            <m:e>
-                              <m:r>
-                                <m:t>W</m:t>
-                              </m:r>
-                            </m:e>
-                            <m:sub>
-                              <m:r>
-                                <m:t>i</m:t>
-                              </m:r>
-                            </m:sub>
-                            <m:sup>
-                              <m:r>
-                                <m:t>2</m:t>
-                              </m:r>
-                            </m:sup>
-                          </m:sSubSup>
-                        </m:num>
-                        <m:den>
-                          <m:r>
-                            <m:rPr>
-                              <m:sty m:val="p"/>
-                            </m:rPr>
-                            <m:t>∑</m:t>
-                          </m:r>
-                          <m:sSub>
-                            <m:e>
-                              <m:r>
-                                <m:t>W</m:t>
-                              </m:r>
-                            </m:e>
-                            <m:sub>
-                              <m:r>
-                                <m:t>i</m:t>
-                              </m:r>
-                            </m:sub>
-                          </m:sSub>
-                        </m:den>
-                      </m:f>
-                    </m:oMath>
-                  </m:oMathPara>
-                </a14:m>
-              </a:p>
-            </p:txBody>
-          </p:sp>
-        </mc:Choice>
-      </mc:AlternateContent>
+                    </m:den>
+                  </m:f>
+                </m:oMath>
+              </m:oMathPara>
+            </a14:m>
+            <a:endParaRPr/>
+          </a:p>
+        </p:txBody>
+      </p:sp>
     </p:spTree>
   </p:cSld>
+  <p:clrMapOvr>
+    <a:masterClrMapping/>
+  </p:clrMapOvr>
 </p:sld>
 </file>
 
@@ -12458,11 +13272,10 @@
           <a:bodyPr/>
           <a:lstStyle/>
           <a:p>
-            <a:pPr lvl="0" indent="0" marL="0">
+            <a:pPr marL="0" lvl="0" indent="0">
               <a:buNone/>
             </a:pPr>
             <a:r>
-              <a:rPr/>
               <a:t>Random effect by hand 2</a:t>
             </a:r>
           </a:p>
@@ -13021,6 +13834,9 @@
       </p:sp>
     </p:spTree>
   </p:cSld>
+  <p:clrMapOvr>
+    <a:masterClrMapping/>
+  </p:clrMapOvr>
 </p:sld>
 </file>
 
@@ -13056,11 +13872,10 @@
           <a:bodyPr/>
           <a:lstStyle/>
           <a:p>
-            <a:pPr lvl="0" indent="0" marL="0">
+            <a:pPr marL="0" lvl="0" indent="0">
               <a:buNone/>
             </a:pPr>
             <a:r>
-              <a:rPr/>
               <a:t>Slide with R Output</a:t>
             </a:r>
           </a:p>
@@ -13319,7 +14134,7 @@
               <a:rPr>
                 <a:latin typeface="Courier"/>
               </a:rPr>
-              <a:t>## [1] 0.08647018</a:t>
+              <a:t>## [1] 0.3447775</a:t>
             </a:r>
           </a:p>
           <a:p>
@@ -13354,19 +14169,22 @@
 ##  Welch Two Sample t-test
 ## 
 ## data:  trt_26C and trt_8C
-## t = 0.48662, df = 13.648, p-value = 0.6342
+## t = 2.243, df = 11.187, p-value = 0.04608
 ## alternative hypothesis: true difference in means is not equal to 0
 ## 95 percent confidence interval:
-##  -0.2955729  0.4685132
+##  0.007142345 0.682412703
 ## sample estimates:
 ## mean of x mean of y 
-## 0.5910876 0.5046174</a:t>
+## 0.6313495 0.2865720</a:t>
             </a:r>
           </a:p>
         </p:txBody>
       </p:sp>
     </p:spTree>
   </p:cSld>
+  <p:clrMapOvr>
+    <a:masterClrMapping/>
+  </p:clrMapOvr>
 </p:sld>
 </file>
 
@@ -13402,11 +14220,10 @@
           <a:bodyPr/>
           <a:lstStyle/>
           <a:p>
-            <a:pPr lvl="0" indent="0" marL="0">
+            <a:pPr marL="0" lvl="0" indent="0">
               <a:buNone/>
             </a:pPr>
             <a:r>
-              <a:rPr/>
               <a:t>Now that we have tau2 lets do the meta-analysis</a:t>
             </a:r>
           </a:p>
@@ -13427,11 +14244,10 @@
           <a:bodyPr/>
           <a:lstStyle/>
           <a:p>
-            <a:pPr lvl="0" indent="0" marL="0">
+            <a:pPr marL="0" lvl="0" indent="0">
               <a:buNone/>
             </a:pPr>
             <a:r>
-              <a:rPr/>
               <a:t>Remember, things are the same but the weighting is different now.</a:t>
             </a:r>
           </a:p>
@@ -13844,6 +14660,9 @@
       </p:sp>
     </p:spTree>
   </p:cSld>
+  <p:clrMapOvr>
+    <a:masterClrMapping/>
+  </p:clrMapOvr>
 </p:sld>
 </file>
 
@@ -13879,11 +14698,10 @@
           <a:bodyPr/>
           <a:lstStyle/>
           <a:p>
-            <a:pPr lvl="0" indent="0" marL="0">
+            <a:pPr marL="0" lvl="0" indent="0">
               <a:buNone/>
             </a:pPr>
             <a:r>
-              <a:rPr/>
               <a:t>Q10 write our functioon</a:t>
             </a:r>
           </a:p>
@@ -14711,6 +15529,9 @@
       </p:sp>
     </p:spTree>
   </p:cSld>
+  <p:clrMapOvr>
+    <a:masterClrMapping/>
+  </p:clrMapOvr>
 </p:sld>
 </file>
 
@@ -14746,11 +15567,10 @@
           <a:bodyPr/>
           <a:lstStyle/>
           <a:p>
-            <a:pPr lvl="0" indent="0" marL="0">
+            <a:pPr marL="0" lvl="0" indent="0">
               <a:buNone/>
             </a:pPr>
             <a:r>
-              <a:rPr/>
               <a:t>Q10</a:t>
             </a:r>
           </a:p>
@@ -15119,6 +15939,9 @@
       </p:sp>
     </p:spTree>
   </p:cSld>
+  <p:clrMapOvr>
+    <a:masterClrMapping/>
+  </p:clrMapOvr>
 </p:sld>
 </file>
 
@@ -15154,211 +15977,218 @@
           <a:bodyPr/>
           <a:lstStyle/>
           <a:p>
-            <a:pPr lvl="0" indent="0" marL="0">
+            <a:pPr marL="0" lvl="0" indent="0">
               <a:buNone/>
             </a:pPr>
             <a:r>
-              <a:rPr/>
               <a:t>Q10 Interpretation</a:t>
             </a:r>
           </a:p>
         </p:txBody>
       </p:sp>
-      <mc:AlternateContent xmlns:mc="http://schemas.openxmlformats.org/markup-compatibility/2006">
-        <mc:Choice xmlns:a14="http://schemas.microsoft.com/office/drawing/2010/main" Requires="a14">
-          <p:sp>
-            <p:nvSpPr>
-              <p:cNvPr id="3" name="Content Placeholder 2"/>
-              <p:cNvSpPr>
-                <a:spLocks noGrp="1"/>
-              </p:cNvSpPr>
-              <p:nvPr>
-                <p:ph idx="1"/>
-              </p:nvPr>
-            </p:nvSpPr>
-            <p:spPr/>
-            <p:txBody>
-              <a:bodyPr/>
-              <a:lstStyle/>
-              <a:p>
-                <a:pPr lvl="0" indent="0">
-                  <a:buNone/>
-                </a:pPr>
-                <a:r>
-                  <a:rPr i="1">
-                    <a:solidFill>
-                      <a:srgbClr val="60A0B0"/>
-                    </a:solidFill>
-                    <a:latin typeface="Courier"/>
-                  </a:rPr>
-                  <a:t># Now we can back-calculate to put on the original Q10 scale. We can than check that this matches the Q10 already in the data</a:t>
-                </a:r>
-                <a:br/>
-                <a:r>
-                  <a:rPr>
-                    <a:solidFill>
-                      <a:srgbClr val="06287E"/>
-                    </a:solidFill>
-                    <a:latin typeface="Courier"/>
-                  </a:rPr>
-                  <a:t>head</a:t>
-                </a:r>
-                <a:r>
-                  <a:rPr>
-                    <a:latin typeface="Courier"/>
-                  </a:rPr>
-                  <a:t>(q10_dat </a:t>
-                </a:r>
-                <a:r>
-                  <a:rPr>
-                    <a:solidFill>
-                      <a:srgbClr val="4070A0"/>
-                    </a:solidFill>
-                    <a:latin typeface="Courier"/>
-                  </a:rPr>
-                  <a:t>%&gt;%</a:t>
-                </a:r>
-                <a:r>
-                  <a:rPr>
-                    <a:latin typeface="Courier"/>
-                  </a:rPr>
-                  <a:t> </a:t>
-                </a:r>
-                <a:r>
-                  <a:rPr>
-                    <a:solidFill>
-                      <a:srgbClr val="06287E"/>
-                    </a:solidFill>
-                    <a:latin typeface="Courier"/>
-                  </a:rPr>
-                  <a:t>mutate</a:t>
-                </a:r>
-                <a:r>
-                  <a:rPr>
-                    <a:latin typeface="Courier"/>
-                  </a:rPr>
-                  <a:t>(</a:t>
-                </a:r>
-                <a:r>
-                  <a:rPr>
-                    <a:solidFill>
-                      <a:srgbClr val="7D9029"/>
-                    </a:solidFill>
-                    <a:latin typeface="Courier"/>
-                  </a:rPr>
-                  <a:t>exp_lnRR_Q10 =</a:t>
-                </a:r>
-                <a:r>
-                  <a:rPr>
-                    <a:latin typeface="Courier"/>
-                  </a:rPr>
-                  <a:t> </a:t>
-                </a:r>
-                <a:r>
-                  <a:rPr>
-                    <a:solidFill>
-                      <a:srgbClr val="06287E"/>
-                    </a:solidFill>
-                    <a:latin typeface="Courier"/>
-                  </a:rPr>
-                  <a:t>exp</a:t>
-                </a:r>
-                <a:r>
-                  <a:rPr>
-                    <a:latin typeface="Courier"/>
-                  </a:rPr>
-                  <a:t>(lnRR_Q10)) </a:t>
-                </a:r>
-                <a:r>
-                  <a:rPr>
-                    <a:solidFill>
-                      <a:srgbClr val="4070A0"/>
-                    </a:solidFill>
-                    <a:latin typeface="Courier"/>
-                  </a:rPr>
-                  <a:t>%&gt;%</a:t>
-                </a:r>
-                <a:r>
-                  <a:rPr>
-                    <a:latin typeface="Courier"/>
-                  </a:rPr>
-                  <a:t> </a:t>
-                </a:r>
-                <a:r>
-                  <a:rPr>
-                    <a:solidFill>
-                      <a:srgbClr val="06287E"/>
-                    </a:solidFill>
-                    <a:latin typeface="Courier"/>
-                  </a:rPr>
-                  <a:t>select</a:t>
-                </a:r>
-                <a:r>
-                  <a:rPr>
-                    <a:latin typeface="Courier"/>
-                  </a:rPr>
-                  <a:t>(exp_lnRR_Q10, Q10))</a:t>
-                </a:r>
-              </a:p>
-              <a:p>
-                <a:pPr lvl="0" indent="0">
-                  <a:buNone/>
-                </a:pPr>
-                <a:r>
-                  <a:rPr>
-                    <a:latin typeface="Courier"/>
-                  </a:rPr>
-                  <a:t>##   exp_lnRR_Q10       Q10
+      <p:sp>
+        <p:nvSpPr>
+          <p:cNvPr id="3" name="Content Placeholder 2"/>
+          <p:cNvSpPr>
+            <a:spLocks noGrp="1"/>
+          </p:cNvSpPr>
+          <p:nvPr>
+            <p:ph idx="1"/>
+          </p:nvPr>
+        </p:nvSpPr>
+        <p:spPr/>
+        <p:txBody>
+          <a:bodyPr/>
+          <a:lstStyle/>
+          <a:p>
+            <a:pPr lvl="0" indent="0">
+              <a:buNone/>
+            </a:pPr>
+            <a:r>
+              <a:rPr i="1">
+                <a:solidFill>
+                  <a:srgbClr val="60A0B0"/>
+                </a:solidFill>
+                <a:latin typeface="Courier"/>
+              </a:rPr>
+              <a:t># Now we can back-calculate to put on the original Q10 scale. We can than check that this matches the Q10 already in the data</a:t>
+            </a:r>
+            <a:br/>
+            <a:r>
+              <a:rPr>
+                <a:solidFill>
+                  <a:srgbClr val="06287E"/>
+                </a:solidFill>
+                <a:latin typeface="Courier"/>
+              </a:rPr>
+              <a:t>head</a:t>
+            </a:r>
+            <a:r>
+              <a:rPr>
+                <a:latin typeface="Courier"/>
+              </a:rPr>
+              <a:t>(q10_dat </a:t>
+            </a:r>
+            <a:r>
+              <a:rPr>
+                <a:solidFill>
+                  <a:srgbClr val="4070A0"/>
+                </a:solidFill>
+                <a:latin typeface="Courier"/>
+              </a:rPr>
+              <a:t>%&gt;%</a:t>
+            </a:r>
+            <a:r>
+              <a:rPr>
+                <a:latin typeface="Courier"/>
+              </a:rPr>
+              <a:t> </a:t>
+            </a:r>
+            <a:r>
+              <a:rPr>
+                <a:solidFill>
+                  <a:srgbClr val="06287E"/>
+                </a:solidFill>
+                <a:latin typeface="Courier"/>
+              </a:rPr>
+              <a:t>mutate</a:t>
+            </a:r>
+            <a:r>
+              <a:rPr>
+                <a:latin typeface="Courier"/>
+              </a:rPr>
+              <a:t>(</a:t>
+            </a:r>
+            <a:r>
+              <a:rPr>
+                <a:solidFill>
+                  <a:srgbClr val="7D9029"/>
+                </a:solidFill>
+                <a:latin typeface="Courier"/>
+              </a:rPr>
+              <a:t>exp_lnRR_Q10 =</a:t>
+            </a:r>
+            <a:r>
+              <a:rPr>
+                <a:latin typeface="Courier"/>
+              </a:rPr>
+              <a:t> </a:t>
+            </a:r>
+            <a:r>
+              <a:rPr>
+                <a:solidFill>
+                  <a:srgbClr val="06287E"/>
+                </a:solidFill>
+                <a:latin typeface="Courier"/>
+              </a:rPr>
+              <a:t>exp</a:t>
+            </a:r>
+            <a:r>
+              <a:rPr>
+                <a:latin typeface="Courier"/>
+              </a:rPr>
+              <a:t>(lnRR_Q10)) </a:t>
+            </a:r>
+            <a:r>
+              <a:rPr>
+                <a:solidFill>
+                  <a:srgbClr val="4070A0"/>
+                </a:solidFill>
+                <a:latin typeface="Courier"/>
+              </a:rPr>
+              <a:t>%&gt;%</a:t>
+            </a:r>
+            <a:r>
+              <a:rPr>
+                <a:latin typeface="Courier"/>
+              </a:rPr>
+              <a:t> </a:t>
+            </a:r>
+            <a:r>
+              <a:rPr>
+                <a:solidFill>
+                  <a:srgbClr val="06287E"/>
+                </a:solidFill>
+                <a:latin typeface="Courier"/>
+              </a:rPr>
+              <a:t>select</a:t>
+            </a:r>
+            <a:r>
+              <a:rPr>
+                <a:latin typeface="Courier"/>
+              </a:rPr>
+              <a:t>(exp_lnRR_Q10, Q10))</a:t>
+            </a:r>
+          </a:p>
+          <a:p>
+            <a:pPr lvl="0" indent="0">
+              <a:buNone/>
+            </a:pPr>
+            <a:r>
+              <a:rPr>
+                <a:latin typeface="Courier"/>
+              </a:rPr>
+              <a:t>##   exp_lnRR_Q10       Q10
 ## 1    0.3257666 0.3257666
 ## 2    0.1409586 0.1409586
 ## 3    0.3143272 0.3143272
 ## 4    0.4602349 0.4602349
 ## 5    0.2384836 0.2384836
 ## 6    0.4296305 0.4296305</a:t>
-                </a:r>
-              </a:p>
-              <a:p>
-                <a:pPr lvl="0" indent="0" marL="0">
-                  <a:buNone/>
-                </a:pPr>
-                <a:r>
-                  <a:rPr b="1"/>
-                  <a:t>For the first row of our data we can see that dive duration when temperatures increase by 10</a:t>
-                </a:r>
-                <a14:m>
-                  <m:oMath xmlns:m="http://schemas.openxmlformats.org/officeDocument/2006/math">
-                    <m:sSup>
-                      <m:e>
-                        <m:r>
-                          <m:t>​</m:t>
-                        </m:r>
-                      </m:e>
-                      <m:sup>
-                        <m:r>
-                          <m:rPr>
-                            <m:sty m:val="p"/>
-                          </m:rPr>
-                          <m:t>∘</m:t>
-                        </m:r>
-                      </m:sup>
-                    </m:sSup>
-                  </m:oMath>
-                </a14:m>
-                <a:r>
-                  <a:rPr b="1"/>
-                  <a:t>C is expected to decrease by ~67% (1-0.33)</a:t>
-                </a:r>
-                <a:r>
-                  <a:rPr/>
-                  <a:t>.</a:t>
-                </a:r>
-              </a:p>
-            </p:txBody>
-          </p:sp>
-        </mc:Choice>
-      </mc:AlternateContent>
+            </a:r>
+          </a:p>
+          <a:p>
+            <a:pPr marL="0" lvl="0" indent="0">
+              <a:buNone/>
+            </a:pPr>
+            <a:r>
+              <a:rPr b="1"/>
+              <a:t>For the first row of our data we can see that dive duration when temperatures increase by 10</a:t>
+            </a:r>
+            <a14:m xmlns:a14="http://schemas.microsoft.com/office/drawing/2010/main">
+              <m:oMath xmlns:m="http://schemas.openxmlformats.org/officeDocument/2006/math">
+                <m:sSup>
+                  <m:sSupPr>
+                    <m:ctrlPr>
+                      <a:rPr>
+                        <a:latin typeface="Cambria Math" panose="02040503050406030204" pitchFamily="18" charset="0"/>
+                      </a:rPr>
+                    </m:ctrlPr>
+                  </m:sSupPr>
+                  <m:e>
+                    <m:r>
+                      <a:rPr>
+                        <a:latin typeface="Cambria Math" panose="02040503050406030204" pitchFamily="18" charset="0"/>
+                      </a:rPr>
+                      <m:t>​</m:t>
+                    </m:r>
+                  </m:e>
+                  <m:sup>
+                    <m:r>
+                      <a:rPr>
+                        <a:latin typeface="Cambria Math" panose="02040503050406030204" pitchFamily="18" charset="0"/>
+                      </a:rPr>
+                      <m:t>∘</m:t>
+                    </m:r>
+                  </m:sup>
+                </m:sSup>
+              </m:oMath>
+            </a14:m>
+            <a:r>
+              <a:rPr b="1"/>
+              <a:t>C is expected to decrease by ~67% (1-0.33)</a:t>
+            </a:r>
+            <a:r>
+              <a:t>.</a:t>
+            </a:r>
+          </a:p>
+        </p:txBody>
+      </p:sp>
     </p:spTree>
   </p:cSld>
+  <p:clrMapOvr>
+    <a:masterClrMapping/>
+  </p:clrMapOvr>
 </p:sld>
 </file>
 
@@ -15394,11 +16224,10 @@
           <a:bodyPr/>
           <a:lstStyle/>
           <a:p>
-            <a:pPr lvl="0" indent="0" marL="0">
+            <a:pPr marL="0" lvl="0" indent="0">
               <a:buNone/>
             </a:pPr>
             <a:r>
-              <a:rPr/>
               <a:t>MLMA</a:t>
             </a:r>
           </a:p>
@@ -15517,11 +16346,10 @@
             </a:r>
           </a:p>
           <a:p>
-            <a:pPr lvl="0" indent="0" marL="0">
+            <a:pPr marL="0" lvl="0" indent="0">
               <a:buNone/>
             </a:pPr>
             <a:r>
-              <a:rPr/>
               <a:t>We’ll also need our function for calculating ARR and its sampling variance because these don’t exist in any current packages.</a:t>
             </a:r>
           </a:p>
@@ -15951,6 +16779,9 @@
       </p:sp>
     </p:spTree>
   </p:cSld>
+  <p:clrMapOvr>
+    <a:masterClrMapping/>
+  </p:clrMapOvr>
 </p:sld>
 </file>
 
@@ -15986,11 +16817,10 @@
           <a:bodyPr/>
           <a:lstStyle/>
           <a:p>
-            <a:pPr lvl="0" indent="0" marL="0">
+            <a:pPr marL="0" lvl="0" indent="0">
               <a:buNone/>
             </a:pPr>
             <a:r>
-              <a:rPr/>
               <a:t>Caluclate ARR</a:t>
             </a:r>
           </a:p>
@@ -16500,6 +17330,9 @@
       </p:sp>
     </p:spTree>
   </p:cSld>
+  <p:clrMapOvr>
+    <a:masterClrMapping/>
+  </p:clrMapOvr>
 </p:sld>
 </file>
 
@@ -16535,11 +17368,10 @@
           <a:bodyPr/>
           <a:lstStyle/>
           <a:p>
-            <a:pPr lvl="0" indent="0" marL="0">
+            <a:pPr marL="0" lvl="0" indent="0">
               <a:buNone/>
             </a:pPr>
             <a:r>
-              <a:rPr/>
               <a:t>Fit model</a:t>
             </a:r>
           </a:p>
@@ -16994,6 +17826,971 @@
       </p:sp>
     </p:spTree>
   </p:cSld>
+  <p:clrMapOvr>
+    <a:masterClrMapping/>
+  </p:clrMapOvr>
+</p:sld>
+</file>
+
+<file path=ppt/slides/slide37.xml><?xml version="1.0" encoding="utf-8"?>
+<p:sld xmlns:a="http://schemas.openxmlformats.org/drawingml/2006/main" xmlns:r="http://schemas.openxmlformats.org/officeDocument/2006/relationships" xmlns:p="http://schemas.openxmlformats.org/presentationml/2006/main">
+  <p:cSld>
+    <p:spTree>
+      <p:nvGrpSpPr>
+        <p:cNvPr id="1" name=""/>
+        <p:cNvGrpSpPr/>
+        <p:nvPr/>
+      </p:nvGrpSpPr>
+      <p:grpSpPr>
+        <a:xfrm>
+          <a:off x="0" y="0"/>
+          <a:ext cx="0" cy="0"/>
+          <a:chOff x="0" y="0"/>
+          <a:chExt cx="0" cy="0"/>
+        </a:xfrm>
+      </p:grpSpPr>
+      <p:sp>
+        <p:nvSpPr>
+          <p:cNvPr id="2" name="Title 1"/>
+          <p:cNvSpPr>
+            <a:spLocks noGrp="1"/>
+          </p:cNvSpPr>
+          <p:nvPr>
+            <p:ph type="title"/>
+          </p:nvPr>
+        </p:nvSpPr>
+        <p:spPr/>
+        <p:txBody>
+          <a:bodyPr/>
+          <a:lstStyle/>
+          <a:p>
+            <a:pPr marL="0" lvl="0" indent="0">
+              <a:buNone/>
+            </a:pPr>
+            <a:r>
+              <a:t>Phylogeny1</a:t>
+            </a:r>
+          </a:p>
+        </p:txBody>
+      </p:sp>
+      <p:sp>
+        <p:nvSpPr>
+          <p:cNvPr id="3" name="Content Placeholder 2"/>
+          <p:cNvSpPr>
+            <a:spLocks noGrp="1"/>
+          </p:cNvSpPr>
+          <p:nvPr>
+            <p:ph idx="1"/>
+          </p:nvPr>
+        </p:nvSpPr>
+        <p:spPr/>
+        <p:txBody>
+          <a:bodyPr/>
+          <a:lstStyle/>
+          <a:p>
+            <a:pPr lvl="0" indent="0">
+              <a:buNone/>
+            </a:pPr>
+            <a:r>
+              <a:rPr>
+                <a:latin typeface="Courier"/>
+              </a:rPr>
+              <a:t>## [1] search_string     unique_name       approximate_match ott_id           
+## [5] is_synonym        flags             number_matches   
+## &lt;0 rows&gt; (or 0-length row.names)</a:t>
+            </a:r>
+          </a:p>
+          <a:p>
+            <a:pPr lvl="0" indent="0">
+              <a:buNone/>
+            </a:pPr>
+            <a:r>
+              <a:rPr>
+                <a:latin typeface="Courier"/>
+              </a:rPr>
+              <a:t>## Progress [---------------------------------] 0/984 (  0) ?sProgress [==============================] 984/984 (100)  0s                                                            </a:t>
+            </a:r>
+          </a:p>
+          <a:p>
+            <a:pPr lvl="0" indent="0">
+              <a:buNone/>
+            </a:pPr>
+            <a:r>
+              <a:rPr>
+                <a:latin typeface="Courier"/>
+              </a:rPr>
+              <a:t>## Warning in collapse_singles(tr, show_progress): Dropping singleton
+## nodes with labels: Deuterostomia, Chordata, mrcaott42ott658, Craniata
+## (subphylum in Deuterostomia), Vertebrata (subphylum in Deuterostomia),
+## Gnathostomata (superclass in phylum Chordata), Teleostomi, Sarcopterygii,
+## Dipnotetrapodomorpha, Mammalia, Eutheria (in Deuterostomia), mrcaott42ott30082,
+## Glires, mrcaott42ott29157, Rodentia, mrcaott42ott48903, mrcaott42ott254702,
+## Myomorpha, Muroidea, mrcaott42ott45197, mrcaott42ott55942, mrcaott42ott102,
+## mrcaott102ott283439, mrcaott102ott38119, mrcaott102ott125766,
+## mrcaott102ott456651, mrcaott102ott1729, mrcaott102ott23039, mrcaott102ott289304,
+## mrcaott102ott185328, mrcaott102ott542525, mrcaott102ott348560,
+## mrcaott102ott542521, mrcaott102ott321218, Mus musculus, mrcaott8118ott211375,
+## mrcaott8118ott606407, mrcaott8118ott993024, mrcaott8118ott106790,
+## mrcaott8118ott366063, mrcaott8118ott167547, mrcaott8118ott106786,
+## mrcaott8118ott92106, mrcaott92106ott577539, mrcaott92106ott182319,
+## mrcaott19510ott565388, mrcaott19510ott154782, mrcaott19510ott981023,
+## mrcaott19510ott79088, mrcaott79088ott404792, mrcaott79088ott89162,
+## mrcaott79088ott89262, mrcaott89262ott89265, mrcaott89262ott838823,
+## mrcaott89262ott197974, mrcaott197974ott764841, mrcaott739ott15637, Neotominae,
+## mrcaott18770ott5266794, mrcaott18770ott39171, mrcaott18770ott39181,
+## mrcaott18770ott76407, mrcaott76407ott1024550, mrcaott76407ott138845,
+## mrcaott76407ott319357, mrcaott76407ott373073, mrcaott76407ott576106,
+## mrcaott76407ott259483, mrcaott259483ott1026151, mrcaott259483ott259485,
+## Peromyscus maniculatus, mrcaott9032ott42889, Arvicolinae, mrcaott42889ott176437,
+## mrcaott42889ott48249, mrcaott48249ott270179, mrcaott48249ott90548,
+## mrcaott48249ott496185, mrcaott48249ott131164, mrcaott131164ott427965,
+## mrcaott131164ott404170, mrcaott131164ott163267, mrcaott163267ott177476,
+## mrcaott163267ott509531, mrcaott163267ott803141, mrcaott163267ott7067213,
+## mrcaott163267ott449577, Hystricomorpha, mrcaott38834ott173065,
+## mrcaott38834ott45520, mrcaott38834ott44975, mrcaott44975ott67355,
+## mrcaott67355ott88915, mrcaott88915ott236057, mrcaott236057ott744018, Caviidae,
+## mrcaott236057ott264229, mrcaott236057ott484314, Cavia, mrcaott236059ott744000,
+## mrcaott236059ott810517, Sciuromorpha, mrcaott10477ott829369, Sciuridae,
+## mrcaott10477ott43435, mrcaott10477ott97818, mrcaott10477ott259084,
+## mrcaott10477ott152097, Marmotini, Tamias, mrcaott428070ott429973,
+## mrcaott429973ott501354, mrcaott429973ott501356, mrcaott501356ott599867,
+## mrcaott599867ott599879, mrcaott786ott112387, Primates, Haplorrhini, Simiiformes,
+## Catarrhini, mrcaott786ott3607729, mrcaott786ott83926, Cercopithecoidea,
+## Cercopithecidae, mrcaott786ott5512, Cercopithecinae, mrcaott33609ott111862,
+## mrcaott33609ott436611, mrcaott436611ott741053, mrcaott436611ott554544,
+## mrcaott436611ott665522, Papio, mrcaott485691ott741051, mrcaott485691ott554291,
+## mrcaott485691ott1013353, Papio cynocephalus, Strepsirrhini, mrcaott3428ott50727,
+## Lemuriformes, mrcaott3428ott22554, mrcaott3428ott132960, mrcaott3428ott5146,
+## Cheirogaleidae, mrcaott5146ott311696, mrcaott5146ott516007, mrcaott5146ott16910,
+## Microcebus, mrcaott311211ott765339, mrcaott1548ott6790, mrcaott1548ott3607484,
+## mrcaott1548ott4942380, mrcaott1548ott4942547, mrcaott1548ott3021, Artiodactyla,
+## mrcaott1548ott21987, mrcaott1548ott5256, Ruminantia, Pecora, Cervidae,
+## mrcaott15447ott54038, mrcaott54038ott256566, mrcaott256566ott1008240,
+## Capreolus, Capreolus capreolus, mrcaott20474ott233507, mrcaott20474ott561127,
+## mrcaott20474ott21273, mrcaott20474ott23046, mrcaott20474ott98208,
+## mrcaott20474ott938450, Caprinae, mrcaott20474ott768699, mrcaott20474ott274550,
+## mrcaott20474ott346628, mrcaott20474ott88864, mrcaott88864ott143624,
+## mrcaott88864ott698614, mrcaott88864ott556488, mrcaott556488ott862859, Capra
+## pyrenaica, mrcaott132224ott185299, Ovis, Bovinae, mrcaott24247ott73074,
+## mrcaott73074ott1054629, mrcaott73074ott354607, mrcaott73074ott116346,
+## Syncerus, Syncerus caffer, mrcaott4697ott263949, Carnivora, mrcaott4697ott6940,
+## Caniformia, mrcaott4697ott10732, mrcaott4697ott231602, mrcaott4697ott638813,
+## mrcaott4697ott203417, Mustelidae, mrcaott4697ott901933, mrcaott4697ott4709,
+## mrcaott4697ott135341, Melinae, Meles, Meles meles, Eulipotyphla,
+## mrcaott3285ott17250, mrcaott3285ott60434, Soricidae, Crocidurinae,
+## Crocidura, Metatheria, mrcaott6735ott29033, mrcaott6735ott905267,
+## mrcaott6735ott70811, Diprotodontia, mrcaott6735ott44497, mrcaott6735ott34417,
+## mrcaott34417ott262996, mrcaott34417ott42481, Macropodidae, mrcaott42481ott46393,
+## mrcaott42481ott42818, mrcaott42481ott65579, mrcaott42481ott317154,
+## mrcaott42481ott733444, mrcaott42481ott234941, mrcaott42481ott836770,
+## mrcaott42481ott42493, mrcaott42481ott398453, mrcaott42481ott901181, Sauropsida,
+## Sauria, mrcaott246ott4128455, mrcaott246ott4127082, mrcaott246ott4129629,
+## mrcaott246ott4142716, mrcaott246ott4126667, mrcaott246ott2982,
+## mrcaott246ott31216, mrcaott246ott4947920, mrcaott246ott4127428,
+## mrcaott246ott4126230, mrcaott246ott4127421, mrcaott246ott664349,
+## mrcaott246ott4126505, mrcaott246ott4127015, mrcaott246ott4129653,
+## mrcaott246ott4127541, mrcaott246ott4946623, mrcaott246ott4126482,
+## mrcaott246ott4128105, mrcaott246ott4127288, mrcaott246ott4132146,
+## mrcaott246ott3602822, mrcaott246ott4143599, mrcaott246ott3600976,
+## mrcaott246ott4132107, Aves, Neognathae, mrcaott246ott5481, mrcaott246ott5021,
+## mrcaott246ott7145, mrcaott246ott928360, mrcaott246ott3600042,
+## mrcaott246ott47588, mrcaott246ott7113, Passeriformes, mrcaott246ott3212,
+## mrcaott246ott428578, mrcaott246ott44866, mrcaott246ott5929, mrcaott246ott32658,
+## mrcaott246ott4820, mrcaott246ott22325, mrcaott246ott176461, mrcaott246ott10351,
+## mrcaott246ott3364, mrcaott3364ott73828, mrcaott3364ott4083, mrcaott4083ott35042,
+## mrcaott4083ott370807, mrcaott4083ott469177, mrcaott4083ott11712,
+## mrcaott4083ott52094, mrcaott4083ott24017, mrcaott24017ott105913,
+## mrcaott105913ott311555, mrcaott311555ott1082386, mrcaott311555ott445491,
+## Taeniopygia, mrcaott4088ott95302, mrcaott4088ott8371, mrcaott4088ott6366,
+## mrcaott4088ott5616, mrcaott5616ott5620, mrcaott5616ott28339,
+## mrcaott5616ott6023, mrcaott6023ott243614, mrcaott6023ott101225,
+## mrcaott6023ott125079, mrcaott125079ott463026, Zonotrichia (genus in domain
+## Eukaryota), Junco, mrcaott765405ott4947621, mrcaott765405ott7068418,
+## Junco hyemalis, mrcaott9416ott840030, mrcaott9416ott96147,
+## mrcaott9416ott7068473, Passer, mrcaott9416ott407769, mrcaott9416ott25628,
+## mrcaott9416ott407764, mrcaott9416ott68955, mrcaott9416ott73636, Passer
+## domesticus, mrcaott1488ott72472, mrcaott1488ott2375, mrcaott2375ott73144,
+## mrcaott2375ott71358, mrcaott2375ott814750, mrcaott2375ott61147, Cyanistes,
+## mrcaott123763ott258794, mrcaott84656ott5925750, mrcaott84656ott325811,
+## mrcaott84656ott325806, mrcaott84656ott875992, Parus, mrcaott84656ott492911,
+## mrcaott2907ott6895, Strigiformes, Strigidae, mrcaott98069ott254541,
+## mrcaott98069ott176475, mrcaott98069ott178693, Athene, mrcaott98069ott649945,
+## mrcaott98069ott526159, Accipitriformes, mrcaott1858ott1036186,
+## mrcaott1858ott806938, Accipitridae, Accipitrinae, mrcaott1858ott103122,
+## mrcaott1858ott8285, mrcaott1858ott238260, mrcaott1858ott317639,
+## mrcaott1858ott1866, mrcaott1858ott806935, mrcaott1858ott14661,
+## mrcaott1858ott1864, mrcaott1867ott14657, mrcaott14657ott901447,
+## mrcaott14657ott479314, mrcaott14657ott624767, mrcaott14657ott283156, Hieraaetus
+## fasciatus, mrcaott47576ott103132, mrcaott47576ott677096, mrcaott47576ott677101,
+## mrcaott47576ott317001, Neophron, Neophron percnopterus, mrcaott5272ott9830,
+## mrcaott5272ott92263, mrcaott92263ott472423, Phoenicopteriformes,
+## Phoenicopteridae, Phoenicopterus, mrcaott472423ott595567, Phoenicopterus
+## ruber, mrcaott1662ott4947157, Lepidosauria, Squamata (order in Deuterostomia),
+## Bifurcata, Unidentata, mrcaott1662ott4126044, Serpentes, mrcaott1662ott20148,
+## mrcaott1662ott4126085, mrcaott1662ott35603, mrcaott1662ott16254,
+## mrcaott1662ott106872, mrcaott1662ott215727, mrcaott1662ott6519,
+## mrcaott1662ott49551, mrcaott1662ott4565, mrcaott1662ott120972,
+## mrcaott1662ott106866, mrcaott1662ott69228, mrcaott1662ott69220,
+## mrcaott1662ott334726, mrcaott1662ott430823, mrcaott1662ott7069534,
+## mrcaott1662ott334719, mrcaott1662ott1669, mrcaott1669ott28505,
+## mrcaott28505ott331713, mrcaott28505ott234912, mrcaott28505ott49758,
+## mrcaott28505ott405892, Pantherophis</a:t>
+            </a:r>
+          </a:p>
+          <a:p>
+            <a:pPr lvl="0" indent="0">
+              <a:buNone/>
+            </a:pPr>
+            <a:r>
+              <a:rPr>
+                <a:latin typeface="Courier"/>
+              </a:rPr>
+              <a:t>## character(0)</a:t>
+            </a:r>
+          </a:p>
+        </p:txBody>
+      </p:sp>
+    </p:spTree>
+  </p:cSld>
+  <p:clrMapOvr>
+    <a:masterClrMapping/>
+  </p:clrMapOvr>
+</p:sld>
+</file>
+
+<file path=ppt/slides/slide38.xml><?xml version="1.0" encoding="utf-8"?>
+<p:sld xmlns:a="http://schemas.openxmlformats.org/drawingml/2006/main" xmlns:r="http://schemas.openxmlformats.org/officeDocument/2006/relationships" xmlns:p="http://schemas.openxmlformats.org/presentationml/2006/main">
+  <p:cSld>
+    <p:spTree>
+      <p:nvGrpSpPr>
+        <p:cNvPr id="1" name=""/>
+        <p:cNvGrpSpPr/>
+        <p:nvPr/>
+      </p:nvGrpSpPr>
+      <p:grpSpPr>
+        <a:xfrm>
+          <a:off x="0" y="0"/>
+          <a:ext cx="0" cy="0"/>
+          <a:chOff x="0" y="0"/>
+          <a:chExt cx="0" cy="0"/>
+        </a:xfrm>
+      </p:grpSpPr>
+      <p:sp>
+        <p:nvSpPr>
+          <p:cNvPr id="2" name="Title 1"/>
+          <p:cNvSpPr>
+            <a:spLocks noGrp="1"/>
+          </p:cNvSpPr>
+          <p:nvPr>
+            <p:ph type="title"/>
+          </p:nvPr>
+        </p:nvSpPr>
+        <p:spPr/>
+        <p:txBody>
+          <a:bodyPr/>
+          <a:lstStyle/>
+          <a:p>
+            <a:pPr marL="0" lvl="0" indent="0">
+              <a:buNone/>
+            </a:pPr>
+            <a:r>
+              <a:t>Phylegeny2</a:t>
+            </a:r>
+          </a:p>
+        </p:txBody>
+      </p:sp>
+    </p:spTree>
+  </p:cSld>
+  <p:clrMapOvr>
+    <a:masterClrMapping/>
+  </p:clrMapOvr>
+</p:sld>
+</file>
+
+<file path=ppt/slides/slide39.xml><?xml version="1.0" encoding="utf-8"?>
+<p:sld xmlns:a="http://schemas.openxmlformats.org/drawingml/2006/main" xmlns:r="http://schemas.openxmlformats.org/officeDocument/2006/relationships" xmlns:p="http://schemas.openxmlformats.org/presentationml/2006/main">
+  <p:cSld>
+    <p:spTree>
+      <p:nvGrpSpPr>
+        <p:cNvPr id="1" name=""/>
+        <p:cNvGrpSpPr/>
+        <p:nvPr/>
+      </p:nvGrpSpPr>
+      <p:grpSpPr>
+        <a:xfrm>
+          <a:off x="0" y="0"/>
+          <a:ext cx="0" cy="0"/>
+          <a:chOff x="0" y="0"/>
+          <a:chExt cx="0" cy="0"/>
+        </a:xfrm>
+      </p:grpSpPr>
+      <p:sp>
+        <p:nvSpPr>
+          <p:cNvPr id="2" name="Title 1"/>
+          <p:cNvSpPr>
+            <a:spLocks noGrp="1"/>
+          </p:cNvSpPr>
+          <p:nvPr>
+            <p:ph type="title"/>
+          </p:nvPr>
+        </p:nvSpPr>
+        <p:spPr/>
+        <p:txBody>
+          <a:bodyPr/>
+          <a:lstStyle/>
+          <a:p>
+            <a:pPr marL="0" lvl="0" indent="0">
+              <a:buNone/>
+            </a:pPr>
+            <a:r>
+              <a:t>Phylegeny3</a:t>
+            </a:r>
+          </a:p>
+        </p:txBody>
+      </p:sp>
+      <p:sp>
+        <p:nvSpPr>
+          <p:cNvPr id="3" name="Content Placeholder 2"/>
+          <p:cNvSpPr>
+            <a:spLocks noGrp="1"/>
+          </p:cNvSpPr>
+          <p:nvPr>
+            <p:ph idx="1"/>
+          </p:nvPr>
+        </p:nvSpPr>
+        <p:spPr/>
+        <p:txBody>
+          <a:bodyPr/>
+          <a:lstStyle/>
+          <a:p>
+            <a:pPr lvl="0" indent="0">
+              <a:buNone/>
+            </a:pPr>
+            <a:r>
+              <a:rPr>
+                <a:latin typeface="Courier"/>
+              </a:rPr>
+              <a:t>overall_model </a:t>
+            </a:r>
+            <a:r>
+              <a:rPr>
+                <a:solidFill>
+                  <a:srgbClr val="007020"/>
+                </a:solidFill>
+                <a:latin typeface="Courier"/>
+              </a:rPr>
+              <a:t>&lt;-</a:t>
+            </a:r>
+            <a:r>
+              <a:rPr>
+                <a:latin typeface="Courier"/>
+              </a:rPr>
+              <a:t> metafor</a:t>
+            </a:r>
+            <a:r>
+              <a:rPr>
+                <a:solidFill>
+                  <a:srgbClr val="4070A0"/>
+                </a:solidFill>
+                <a:latin typeface="Courier"/>
+              </a:rPr>
+              <a:t>::</a:t>
+            </a:r>
+            <a:r>
+              <a:rPr>
+                <a:solidFill>
+                  <a:srgbClr val="06287E"/>
+                </a:solidFill>
+                <a:latin typeface="Courier"/>
+              </a:rPr>
+              <a:t>rma.mv</a:t>
+            </a:r>
+            <a:r>
+              <a:rPr>
+                <a:latin typeface="Courier"/>
+              </a:rPr>
+              <a:t>(</a:t>
+            </a:r>
+            <a:r>
+              <a:rPr>
+                <a:solidFill>
+                  <a:srgbClr val="7D9029"/>
+                </a:solidFill>
+                <a:latin typeface="Courier"/>
+              </a:rPr>
+              <a:t>yi =</a:t>
+            </a:r>
+            <a:r>
+              <a:rPr>
+                <a:latin typeface="Courier"/>
+              </a:rPr>
+              <a:t> Zr, </a:t>
+            </a:r>
+            <a:r>
+              <a:rPr>
+                <a:solidFill>
+                  <a:srgbClr val="7D9029"/>
+                </a:solidFill>
+                <a:latin typeface="Courier"/>
+              </a:rPr>
+              <a:t>V =</a:t>
+            </a:r>
+            <a:r>
+              <a:rPr>
+                <a:latin typeface="Courier"/>
+              </a:rPr>
+              <a:t> V_Zr, </a:t>
+            </a:r>
+            <a:r>
+              <a:rPr>
+                <a:solidFill>
+                  <a:srgbClr val="7D9029"/>
+                </a:solidFill>
+                <a:latin typeface="Courier"/>
+              </a:rPr>
+              <a:t>mod =</a:t>
+            </a:r>
+            <a:r>
+              <a:rPr>
+                <a:latin typeface="Courier"/>
+              </a:rPr>
+              <a:t> </a:t>
+            </a:r>
+            <a:r>
+              <a:rPr>
+                <a:solidFill>
+                  <a:srgbClr val="4070A0"/>
+                </a:solidFill>
+                <a:latin typeface="Courier"/>
+              </a:rPr>
+              <a:t>~</a:t>
+            </a:r>
+            <a:r>
+              <a:rPr>
+                <a:solidFill>
+                  <a:srgbClr val="40A070"/>
+                </a:solidFill>
+                <a:latin typeface="Courier"/>
+              </a:rPr>
+              <a:t>1</a:t>
+            </a:r>
+            <a:r>
+              <a:rPr>
+                <a:latin typeface="Courier"/>
+              </a:rPr>
+              <a:t>, </a:t>
+            </a:r>
+            <a:r>
+              <a:rPr>
+                <a:solidFill>
+                  <a:srgbClr val="7D9029"/>
+                </a:solidFill>
+                <a:latin typeface="Courier"/>
+              </a:rPr>
+              <a:t>random =</a:t>
+            </a:r>
+            <a:r>
+              <a:rPr>
+                <a:latin typeface="Courier"/>
+              </a:rPr>
+              <a:t> </a:t>
+            </a:r>
+            <a:r>
+              <a:rPr>
+                <a:solidFill>
+                  <a:srgbClr val="06287E"/>
+                </a:solidFill>
+                <a:latin typeface="Courier"/>
+              </a:rPr>
+              <a:t>list</a:t>
+            </a:r>
+            <a:r>
+              <a:rPr>
+                <a:latin typeface="Courier"/>
+              </a:rPr>
+              <a:t>(</a:t>
+            </a:r>
+            <a:r>
+              <a:rPr>
+                <a:solidFill>
+                  <a:srgbClr val="4070A0"/>
+                </a:solidFill>
+                <a:latin typeface="Courier"/>
+              </a:rPr>
+              <a:t>~</a:t>
+            </a:r>
+            <a:r>
+              <a:rPr>
+                <a:solidFill>
+                  <a:srgbClr val="40A070"/>
+                </a:solidFill>
+                <a:latin typeface="Courier"/>
+              </a:rPr>
+              <a:t>1</a:t>
+            </a:r>
+            <a:r>
+              <a:rPr>
+                <a:latin typeface="Courier"/>
+              </a:rPr>
+              <a:t> </a:t>
+            </a:r>
+            <a:r>
+              <a:rPr>
+                <a:solidFill>
+                  <a:srgbClr val="4070A0"/>
+                </a:solidFill>
+                <a:latin typeface="Courier"/>
+              </a:rPr>
+              <a:t>|</a:t>
+            </a:r>
+            <a:br/>
+            <a:r>
+              <a:rPr>
+                <a:latin typeface="Courier"/>
+              </a:rPr>
+              <a:t>    study_ID, </a:t>
+            </a:r>
+            <a:r>
+              <a:rPr>
+                <a:solidFill>
+                  <a:srgbClr val="4070A0"/>
+                </a:solidFill>
+                <a:latin typeface="Courier"/>
+              </a:rPr>
+              <a:t>~</a:t>
+            </a:r>
+            <a:r>
+              <a:rPr>
+                <a:solidFill>
+                  <a:srgbClr val="40A070"/>
+                </a:solidFill>
+                <a:latin typeface="Courier"/>
+              </a:rPr>
+              <a:t>1</a:t>
+            </a:r>
+            <a:r>
+              <a:rPr>
+                <a:latin typeface="Courier"/>
+              </a:rPr>
+              <a:t> </a:t>
+            </a:r>
+            <a:r>
+              <a:rPr>
+                <a:solidFill>
+                  <a:srgbClr val="4070A0"/>
+                </a:solidFill>
+                <a:latin typeface="Courier"/>
+              </a:rPr>
+              <a:t>|</a:t>
+            </a:r>
+            <a:r>
+              <a:rPr>
+                <a:latin typeface="Courier"/>
+              </a:rPr>
+              <a:t> es_ID, </a:t>
+            </a:r>
+            <a:r>
+              <a:rPr>
+                <a:solidFill>
+                  <a:srgbClr val="4070A0"/>
+                </a:solidFill>
+                <a:latin typeface="Courier"/>
+              </a:rPr>
+              <a:t>~</a:t>
+            </a:r>
+            <a:r>
+              <a:rPr>
+                <a:solidFill>
+                  <a:srgbClr val="40A070"/>
+                </a:solidFill>
+                <a:latin typeface="Courier"/>
+              </a:rPr>
+              <a:t>1</a:t>
+            </a:r>
+            <a:r>
+              <a:rPr>
+                <a:latin typeface="Courier"/>
+              </a:rPr>
+              <a:t> </a:t>
+            </a:r>
+            <a:r>
+              <a:rPr>
+                <a:solidFill>
+                  <a:srgbClr val="4070A0"/>
+                </a:solidFill>
+                <a:latin typeface="Courier"/>
+              </a:rPr>
+              <a:t>|</a:t>
+            </a:r>
+            <a:r>
+              <a:rPr>
+                <a:latin typeface="Courier"/>
+              </a:rPr>
+              <a:t> species, </a:t>
+            </a:r>
+            <a:r>
+              <a:rPr>
+                <a:solidFill>
+                  <a:srgbClr val="4070A0"/>
+                </a:solidFill>
+                <a:latin typeface="Courier"/>
+              </a:rPr>
+              <a:t>~</a:t>
+            </a:r>
+            <a:r>
+              <a:rPr>
+                <a:solidFill>
+                  <a:srgbClr val="40A070"/>
+                </a:solidFill>
+                <a:latin typeface="Courier"/>
+              </a:rPr>
+              <a:t>1</a:t>
+            </a:r>
+            <a:r>
+              <a:rPr>
+                <a:latin typeface="Courier"/>
+              </a:rPr>
+              <a:t> </a:t>
+            </a:r>
+            <a:r>
+              <a:rPr>
+                <a:solidFill>
+                  <a:srgbClr val="4070A0"/>
+                </a:solidFill>
+                <a:latin typeface="Courier"/>
+              </a:rPr>
+              <a:t>|</a:t>
+            </a:r>
+            <a:r>
+              <a:rPr>
+                <a:latin typeface="Courier"/>
+              </a:rPr>
+              <a:t> species_OTL), </a:t>
+            </a:r>
+            <a:r>
+              <a:rPr>
+                <a:solidFill>
+                  <a:srgbClr val="7D9029"/>
+                </a:solidFill>
+                <a:latin typeface="Courier"/>
+              </a:rPr>
+              <a:t>R =</a:t>
+            </a:r>
+            <a:r>
+              <a:rPr>
+                <a:latin typeface="Courier"/>
+              </a:rPr>
+              <a:t> </a:t>
+            </a:r>
+            <a:r>
+              <a:rPr>
+                <a:solidFill>
+                  <a:srgbClr val="06287E"/>
+                </a:solidFill>
+                <a:latin typeface="Courier"/>
+              </a:rPr>
+              <a:t>list</a:t>
+            </a:r>
+            <a:r>
+              <a:rPr>
+                <a:latin typeface="Courier"/>
+              </a:rPr>
+              <a:t>(</a:t>
+            </a:r>
+            <a:r>
+              <a:rPr>
+                <a:solidFill>
+                  <a:srgbClr val="7D9029"/>
+                </a:solidFill>
+                <a:latin typeface="Courier"/>
+              </a:rPr>
+              <a:t>species_OTL =</a:t>
+            </a:r>
+            <a:r>
+              <a:rPr>
+                <a:latin typeface="Courier"/>
+              </a:rPr>
+              <a:t> phylo_cor),</a:t>
+            </a:r>
+            <a:br/>
+            <a:r>
+              <a:rPr>
+                <a:latin typeface="Courier"/>
+              </a:rPr>
+              <a:t>    </a:t>
+            </a:r>
+            <a:r>
+              <a:rPr>
+                <a:solidFill>
+                  <a:srgbClr val="7D9029"/>
+                </a:solidFill>
+                <a:latin typeface="Courier"/>
+              </a:rPr>
+              <a:t>method =</a:t>
+            </a:r>
+            <a:r>
+              <a:rPr>
+                <a:latin typeface="Courier"/>
+              </a:rPr>
+              <a:t> </a:t>
+            </a:r>
+            <a:r>
+              <a:rPr>
+                <a:solidFill>
+                  <a:srgbClr val="4070A0"/>
+                </a:solidFill>
+                <a:latin typeface="Courier"/>
+              </a:rPr>
+              <a:t>"REML"</a:t>
+            </a:r>
+            <a:r>
+              <a:rPr>
+                <a:latin typeface="Courier"/>
+              </a:rPr>
+              <a:t>, </a:t>
+            </a:r>
+            <a:r>
+              <a:rPr>
+                <a:solidFill>
+                  <a:srgbClr val="7D9029"/>
+                </a:solidFill>
+                <a:latin typeface="Courier"/>
+              </a:rPr>
+              <a:t>test =</a:t>
+            </a:r>
+            <a:r>
+              <a:rPr>
+                <a:latin typeface="Courier"/>
+              </a:rPr>
+              <a:t> </a:t>
+            </a:r>
+            <a:r>
+              <a:rPr>
+                <a:solidFill>
+                  <a:srgbClr val="4070A0"/>
+                </a:solidFill>
+                <a:latin typeface="Courier"/>
+              </a:rPr>
+              <a:t>"t"</a:t>
+            </a:r>
+            <a:r>
+              <a:rPr>
+                <a:latin typeface="Courier"/>
+              </a:rPr>
+              <a:t>, </a:t>
+            </a:r>
+            <a:r>
+              <a:rPr>
+                <a:solidFill>
+                  <a:srgbClr val="7D9029"/>
+                </a:solidFill>
+                <a:latin typeface="Courier"/>
+              </a:rPr>
+              <a:t>dfs =</a:t>
+            </a:r>
+            <a:r>
+              <a:rPr>
+                <a:latin typeface="Courier"/>
+              </a:rPr>
+              <a:t> </a:t>
+            </a:r>
+            <a:r>
+              <a:rPr>
+                <a:solidFill>
+                  <a:srgbClr val="4070A0"/>
+                </a:solidFill>
+                <a:latin typeface="Courier"/>
+              </a:rPr>
+              <a:t>"contain"</a:t>
+            </a:r>
+            <a:r>
+              <a:rPr>
+                <a:latin typeface="Courier"/>
+              </a:rPr>
+              <a:t>, </a:t>
+            </a:r>
+            <a:r>
+              <a:rPr>
+                <a:solidFill>
+                  <a:srgbClr val="7D9029"/>
+                </a:solidFill>
+                <a:latin typeface="Courier"/>
+              </a:rPr>
+              <a:t>data =</a:t>
+            </a:r>
+            <a:r>
+              <a:rPr>
+                <a:latin typeface="Courier"/>
+              </a:rPr>
+              <a:t> zr_data </a:t>
+            </a:r>
+            <a:r>
+              <a:rPr>
+                <a:solidFill>
+                  <a:srgbClr val="4070A0"/>
+                </a:solidFill>
+                <a:latin typeface="Courier"/>
+              </a:rPr>
+              <a:t>%&gt;%</a:t>
+            </a:r>
+            <a:br/>
+            <a:r>
+              <a:rPr>
+                <a:latin typeface="Courier"/>
+              </a:rPr>
+              <a:t>        dplyr</a:t>
+            </a:r>
+            <a:r>
+              <a:rPr>
+                <a:solidFill>
+                  <a:srgbClr val="4070A0"/>
+                </a:solidFill>
+                <a:latin typeface="Courier"/>
+              </a:rPr>
+              <a:t>::</a:t>
+            </a:r>
+            <a:r>
+              <a:rPr>
+                <a:solidFill>
+                  <a:srgbClr val="06287E"/>
+                </a:solidFill>
+                <a:latin typeface="Courier"/>
+              </a:rPr>
+              <a:t>mutate</a:t>
+            </a:r>
+            <a:r>
+              <a:rPr>
+                <a:latin typeface="Courier"/>
+              </a:rPr>
+              <a:t>(</a:t>
+            </a:r>
+            <a:r>
+              <a:rPr>
+                <a:solidFill>
+                  <a:srgbClr val="7D9029"/>
+                </a:solidFill>
+                <a:latin typeface="Courier"/>
+              </a:rPr>
+              <a:t>species_OTL =</a:t>
+            </a:r>
+            <a:r>
+              <a:rPr>
+                <a:latin typeface="Courier"/>
+              </a:rPr>
+              <a:t> stringr</a:t>
+            </a:r>
+            <a:r>
+              <a:rPr>
+                <a:solidFill>
+                  <a:srgbClr val="4070A0"/>
+                </a:solidFill>
+                <a:latin typeface="Courier"/>
+              </a:rPr>
+              <a:t>::</a:t>
+            </a:r>
+            <a:r>
+              <a:rPr>
+                <a:solidFill>
+                  <a:srgbClr val="06287E"/>
+                </a:solidFill>
+                <a:latin typeface="Courier"/>
+              </a:rPr>
+              <a:t>str_replace_all</a:t>
+            </a:r>
+            <a:r>
+              <a:rPr>
+                <a:latin typeface="Courier"/>
+              </a:rPr>
+              <a:t>(species_OTL, </a:t>
+            </a:r>
+            <a:r>
+              <a:rPr>
+                <a:solidFill>
+                  <a:srgbClr val="4070A0"/>
+                </a:solidFill>
+                <a:latin typeface="Courier"/>
+              </a:rPr>
+              <a:t>" "</a:t>
+            </a:r>
+            <a:r>
+              <a:rPr>
+                <a:latin typeface="Courier"/>
+              </a:rPr>
+              <a:t>, </a:t>
+            </a:r>
+            <a:r>
+              <a:rPr>
+                <a:solidFill>
+                  <a:srgbClr val="4070A0"/>
+                </a:solidFill>
+                <a:latin typeface="Courier"/>
+              </a:rPr>
+              <a:t>"_"</a:t>
+            </a:r>
+            <a:r>
+              <a:rPr>
+                <a:latin typeface="Courier"/>
+              </a:rPr>
+              <a:t>)))</a:t>
+            </a:r>
+            <a:br/>
+            <a:r>
+              <a:rPr>
+                <a:solidFill>
+                  <a:srgbClr val="06287E"/>
+                </a:solidFill>
+                <a:latin typeface="Courier"/>
+              </a:rPr>
+              <a:t>summary</a:t>
+            </a:r>
+            <a:r>
+              <a:rPr>
+                <a:latin typeface="Courier"/>
+              </a:rPr>
+              <a:t>(overall_model)</a:t>
+            </a:r>
+          </a:p>
+          <a:p>
+            <a:pPr lvl="0" indent="0">
+              <a:buNone/>
+            </a:pPr>
+            <a:r>
+              <a:rPr>
+                <a:latin typeface="Courier"/>
+              </a:rPr>
+              <a:t>## 
+## Multivariate Meta-Analysis Model (k = 272; method: REML)
+## 
+##    logLik   Deviance        AIC        BIC       AICc  ​ 
+## -160.5426   321.0852   331.0852   349.0958   331.3116   
+## 
+## Variance Components:
+## 
+##             estim    sqrt  nlvls  fixed       factor    R 
+## sigma^2.1  0.0016  0.0398     88     no     study_ID   no 
+## sigma^2.2  0.1155  0.3399    272     no        es_ID   no 
+## sigma^2.3  0.0260  0.1614     79     no      species   no 
+## sigma^2.4  0.0000  0.0000     74     no  species_OTL  yes 
+## 
+## Test for Heterogeneity:
+## Q(df = 271) = 2508.8317, p-val &lt; .0001
+## 
+## Model Results:
+## 
+## estimate      se    tval  df    pval   ci.lb   ci.ub    ​ 
+##   0.0979  0.0347  2.8202  73  0.0062  0.0287  0.1671  ** 
+## 
+## ---
+## Signif. codes:  0 '***' 0.001 '**' 0.01 '*' 0.05 '.' 0.1 ' ' 1</a:t>
+            </a:r>
+          </a:p>
+        </p:txBody>
+      </p:sp>
+    </p:spTree>
+  </p:cSld>
+  <p:clrMapOvr>
+    <a:masterClrMapping/>
+  </p:clrMapOvr>
 </p:sld>
 </file>
 
@@ -17029,11 +18826,10 @@
           <a:bodyPr/>
           <a:lstStyle/>
           <a:p>
-            <a:pPr lvl="0" indent="0" marL="0">
+            <a:pPr marL="0" lvl="0" indent="0">
               <a:buNone/>
             </a:pPr>
             <a:r>
-              <a:rPr/>
               <a:t>Do 1000s of experiments</a:t>
             </a:r>
           </a:p>
@@ -17778,6 +19574,9 @@
       </p:sp>
     </p:spTree>
   </p:cSld>
+  <p:clrMapOvr>
+    <a:masterClrMapping/>
+  </p:clrMapOvr>
 </p:sld>
 </file>
 
@@ -17813,11 +19612,10 @@
           <a:bodyPr/>
           <a:lstStyle/>
           <a:p>
-            <a:pPr lvl="0" indent="0" marL="0">
+            <a:pPr marL="0" lvl="0" indent="0">
               <a:buNone/>
             </a:pPr>
             <a:r>
-              <a:rPr/>
               <a:t>Figure</a:t>
             </a:r>
           </a:p>
@@ -17825,7 +19623,7 @@
       </p:sp>
       <p:pic>
         <p:nvPicPr>
-          <p:cNvPr descr="code_slides_files/figure-pptx/simfig-1.png" id="0" name="Picture 1"/>
+          <p:cNvPr id="3" name="Picture 1" descr="code_slides_files/figure-pptx/simfig-1.png"/>
           <p:cNvPicPr>
             <a:picLocks noGrp="1" noChangeAspect="1"/>
           </p:cNvPicPr>
@@ -17855,6 +19653,9 @@
       </p:pic>
     </p:spTree>
   </p:cSld>
+  <p:clrMapOvr>
+    <a:masterClrMapping/>
+  </p:clrMapOvr>
 </p:sld>
 </file>
 
@@ -17890,133 +19691,139 @@
           <a:bodyPr/>
           <a:lstStyle/>
           <a:p>
-            <a:pPr lvl="0" indent="0" marL="0">
+            <a:pPr marL="0" lvl="0" indent="0">
               <a:buNone/>
             </a:pPr>
             <a:r>
-              <a:rPr/>
               <a:t>errors</a:t>
             </a:r>
           </a:p>
         </p:txBody>
       </p:sp>
-      <mc:AlternateContent xmlns:mc="http://schemas.openxmlformats.org/markup-compatibility/2006">
-        <mc:Choice xmlns:a14="http://schemas.microsoft.com/office/drawing/2010/main" Requires="a14">
-          <p:sp>
-            <p:nvSpPr>
-              <p:cNvPr id="3" name="Content Placeholder 2"/>
-              <p:cNvSpPr>
-                <a:spLocks noGrp="1"/>
-              </p:cNvSpPr>
-              <p:nvPr>
-                <p:ph idx="1"/>
-              </p:nvPr>
-            </p:nvSpPr>
-            <p:spPr/>
-            <p:txBody>
-              <a:bodyPr/>
-              <a:lstStyle/>
-              <a:p>
-                <a:pPr lvl="0" indent="0" marL="0">
-                  <a:buNone/>
-                </a:pPr>
-                <a14:m>
-                  <m:oMathPara xmlns:m="http://schemas.openxmlformats.org/officeDocument/2006/math">
-                    <m:oMathParaPr>
-                      <m:jc m:val="center"/>
-                    </m:oMathParaPr>
-                    <m:oMath>
+      <p:sp>
+        <p:nvSpPr>
+          <p:cNvPr id="3" name="Content Placeholder 2"/>
+          <p:cNvSpPr>
+            <a:spLocks noGrp="1"/>
+          </p:cNvSpPr>
+          <p:nvPr>
+            <p:ph idx="1"/>
+          </p:nvPr>
+        </p:nvSpPr>
+        <p:spPr/>
+        <p:txBody>
+          <a:bodyPr/>
+          <a:lstStyle/>
+          <a:p>
+            <a:pPr marL="0" lvl="0" indent="0">
+              <a:buNone/>
+            </a:pPr>
+            <a14:m xmlns:a14="http://schemas.microsoft.com/office/drawing/2010/main">
+              <m:oMathPara xmlns:m="http://schemas.openxmlformats.org/officeDocument/2006/math">
+                <m:oMathParaPr>
+                  <m:jc m:val="center"/>
+                </m:oMathParaPr>
+                <m:oMath xmlns:m="http://schemas.openxmlformats.org/officeDocument/2006/math">
+                  <m:r>
+                    <a:rPr>
+                      <a:latin typeface="Cambria Math" panose="02040503050406030204" pitchFamily="18" charset="0"/>
+                    </a:rPr>
+                    <m:t>𝑆𝐸</m:t>
+                  </m:r>
+                  <m:r>
+                    <a:rPr>
+                      <a:latin typeface="Cambria Math" panose="02040503050406030204" pitchFamily="18" charset="0"/>
+                    </a:rPr>
+                    <m:t>=</m:t>
+                  </m:r>
+                  <m:r>
+                    <a:rPr>
+                      <a:latin typeface="Cambria Math" panose="02040503050406030204" pitchFamily="18" charset="0"/>
+                    </a:rPr>
+                    <m:t>𝑆𝐷</m:t>
+                  </m:r>
+                  <m:r>
+                    <a:rPr>
+                      <a:latin typeface="Cambria Math" panose="02040503050406030204" pitchFamily="18" charset="0"/>
+                    </a:rPr>
+                    <m:t>/</m:t>
+                  </m:r>
+                  <m:rad>
+                    <m:radPr>
+                      <m:ctrlPr>
+                        <a:rPr i="1">
+                          <a:latin typeface="Cambria Math" panose="02040503050406030204" pitchFamily="18" charset="0"/>
+                        </a:rPr>
+                      </m:ctrlPr>
+                    </m:radPr>
+                    <m:deg/>
+                    <m:e>
                       <m:r>
-                        <m:t>S</m:t>
+                        <a:rPr>
+                          <a:latin typeface="Cambria Math" panose="02040503050406030204" pitchFamily="18" charset="0"/>
+                        </a:rPr>
+                        <m:t>𝑁</m:t>
                       </m:r>
-                      <m:r>
-                        <m:t>E</m:t>
-                      </m:r>
-                      <m:r>
-                        <m:rPr>
-                          <m:sty m:val="p"/>
-                        </m:rPr>
-                        <m:t>=</m:t>
-                      </m:r>
-                      <m:r>
-                        <m:t>S</m:t>
-                      </m:r>
-                      <m:r>
-                        <m:t>D</m:t>
-                      </m:r>
-                      <m:r>
-                        <m:rPr>
-                          <m:sty m:val="p"/>
-                        </m:rPr>
-                        <m:t>/</m:t>
-                      </m:r>
-                      <m:rad>
-                        <m:radPr>
-                          <m:degHide m:val="1"/>
-                        </m:radPr>
-                        <m:deg/>
-                        <m:e>
-                          <m:r>
-                            <m:t>N</m:t>
-                          </m:r>
-                        </m:e>
-                      </m:rad>
-                    </m:oMath>
-                  </m:oMathPara>
-                </a14:m>
-              </a:p>
-              <a:p>
-                <a:pPr lvl="0" indent="0">
-                  <a:buNone/>
-                </a:pPr>
-                <a:r>
-                  <a:rPr>
-                    <a:solidFill>
-                      <a:srgbClr val="06287E"/>
-                    </a:solidFill>
-                    <a:latin typeface="Courier"/>
-                  </a:rPr>
-                  <a:t>sd</a:t>
-                </a:r>
-                <a:r>
-                  <a:rPr>
-                    <a:latin typeface="Courier"/>
-                  </a:rPr>
-                  <a:t>(expts</a:t>
-                </a:r>
-                <a:r>
-                  <a:rPr>
-                    <a:solidFill>
-                      <a:srgbClr val="4070A0"/>
-                    </a:solidFill>
-                    <a:latin typeface="Courier"/>
-                  </a:rPr>
-                  <a:t>$</a:t>
-                </a:r>
-                <a:r>
-                  <a:rPr>
-                    <a:latin typeface="Courier"/>
-                  </a:rPr>
-                  <a:t>effect)</a:t>
-                </a:r>
-              </a:p>
-              <a:p>
-                <a:pPr lvl="0" indent="0">
-                  <a:buNone/>
-                </a:pPr>
-                <a:r>
-                  <a:rPr>
-                    <a:latin typeface="Courier"/>
-                  </a:rPr>
-                  <a:t>## [1] 0.1708647</a:t>
-                </a:r>
-              </a:p>
-            </p:txBody>
-          </p:sp>
-        </mc:Choice>
-      </mc:AlternateContent>
+                    </m:e>
+                  </m:rad>
+                </m:oMath>
+              </m:oMathPara>
+            </a14:m>
+            <a:endParaRPr/>
+          </a:p>
+          <a:p>
+            <a:pPr lvl="0" indent="0">
+              <a:buNone/>
+            </a:pPr>
+            <a:r>
+              <a:rPr>
+                <a:solidFill>
+                  <a:srgbClr val="06287E"/>
+                </a:solidFill>
+                <a:latin typeface="Courier"/>
+              </a:rPr>
+              <a:t>sd</a:t>
+            </a:r>
+            <a:r>
+              <a:rPr>
+                <a:latin typeface="Courier"/>
+              </a:rPr>
+              <a:t>(expts</a:t>
+            </a:r>
+            <a:r>
+              <a:rPr>
+                <a:solidFill>
+                  <a:srgbClr val="4070A0"/>
+                </a:solidFill>
+                <a:latin typeface="Courier"/>
+              </a:rPr>
+              <a:t>$</a:t>
+            </a:r>
+            <a:r>
+              <a:rPr>
+                <a:latin typeface="Courier"/>
+              </a:rPr>
+              <a:t>effect)</a:t>
+            </a:r>
+          </a:p>
+          <a:p>
+            <a:pPr lvl="0" indent="0">
+              <a:buNone/>
+            </a:pPr>
+            <a:r>
+              <a:rPr>
+                <a:latin typeface="Courier"/>
+              </a:rPr>
+              <a:t>## [1] 0.1708166</a:t>
+            </a:r>
+          </a:p>
+        </p:txBody>
+      </p:sp>
     </p:spTree>
   </p:cSld>
+  <p:clrMapOvr>
+    <a:masterClrMapping/>
+  </p:clrMapOvr>
 </p:sld>
 </file>
 
@@ -18052,11 +19859,10 @@
           <a:bodyPr/>
           <a:lstStyle/>
           <a:p>
-            <a:pPr lvl="0" indent="0" marL="0">
+            <a:pPr marL="0" lvl="0" indent="0">
               <a:buNone/>
             </a:pPr>
             <a:r>
-              <a:rPr/>
               <a:t>se</a:t>
             </a:r>
           </a:p>
@@ -18425,6 +20231,9 @@
       </p:sp>
     </p:spTree>
   </p:cSld>
+  <p:clrMapOvr>
+    <a:masterClrMapping/>
+  </p:clrMapOvr>
 </p:sld>
 </file>
 
@@ -18460,11 +20269,10 @@
           <a:bodyPr/>
           <a:lstStyle/>
           <a:p>
-            <a:pPr lvl="0" indent="0" marL="0">
+            <a:pPr marL="0" lvl="0" indent="0">
               <a:buNone/>
             </a:pPr>
             <a:r>
-              <a:rPr/>
               <a:t>Our analytical calculaton</a:t>
             </a:r>
           </a:p>
@@ -18575,6 +20383,9 @@
       </p:sp>
     </p:spTree>
   </p:cSld>
+  <p:clrMapOvr>
+    <a:masterClrMapping/>
+  </p:clrMapOvr>
 </p:sld>
 </file>
 
@@ -18610,11 +20421,10 @@
           <a:bodyPr/>
           <a:lstStyle/>
           <a:p>
-            <a:pPr lvl="0" indent="0" marL="0">
+            <a:pPr marL="0" lvl="0" indent="0">
               <a:buNone/>
             </a:pPr>
             <a:r>
-              <a:rPr/>
               <a:t>Plots</a:t>
             </a:r>
           </a:p>
@@ -18718,6 +20528,9 @@
       </p:sp>
     </p:spTree>
   </p:cSld>
+  <p:clrMapOvr>
+    <a:masterClrMapping/>
+  </p:clrMapOvr>
 </p:sld>
 </file>
 
@@ -19039,265 +20852,4 @@
   </a:objectDefaults>
   <a:extraClrSchemeLst/>
 </a:theme>
-</file>
-
-<file path=ppt/theme/theme2.xml><?xml version="1.0" encoding="utf-8"?>
-<a:theme xmlns:a="http://schemas.openxmlformats.org/drawingml/2006/main" name="Office Theme">
-  <a:themeElements>
-    <a:clrScheme name="Office">
-      <a:dk1>
-        <a:sysClr val="windowText" lastClr="000000"/>
-      </a:dk1>
-      <a:lt1>
-        <a:sysClr val="window" lastClr="FFFFFF"/>
-      </a:lt1>
-      <a:dk2>
-        <a:srgbClr val="44546A"/>
-      </a:dk2>
-      <a:lt2>
-        <a:srgbClr val="E7E6E6"/>
-      </a:lt2>
-      <a:accent1>
-        <a:srgbClr val="5B9BD5"/>
-      </a:accent1>
-      <a:accent2>
-        <a:srgbClr val="ED7D31"/>
-      </a:accent2>
-      <a:accent3>
-        <a:srgbClr val="A5A5A5"/>
-      </a:accent3>
-      <a:accent4>
-        <a:srgbClr val="FFC000"/>
-      </a:accent4>
-      <a:accent5>
-        <a:srgbClr val="4472C4"/>
-      </a:accent5>
-      <a:accent6>
-        <a:srgbClr val="70AD47"/>
-      </a:accent6>
-      <a:hlink>
-        <a:srgbClr val="0563C1"/>
-      </a:hlink>
-      <a:folHlink>
-        <a:srgbClr val="954F72"/>
-      </a:folHlink>
-    </a:clrScheme>
-    <a:fontScheme name="Office">
-      <a:majorFont>
-        <a:latin typeface="Calibri Light" panose="020F0302020204030204"/>
-        <a:ea typeface=""/>
-        <a:cs typeface=""/>
-        <a:font script="Jpan" typeface="ＭＳ Ｐゴシック"/>
-        <a:font script="Hang" typeface="맑은 고딕"/>
-        <a:font script="Hans" typeface="宋体"/>
-        <a:font script="Hant" typeface="新細明體"/>
-        <a:font script="Arab" typeface="Times New Roman"/>
-        <a:font script="Hebr" typeface="Times New Roman"/>
-        <a:font script="Thai" typeface="Angsana New"/>
-        <a:font script="Ethi" typeface="Nyala"/>
-        <a:font script="Beng" typeface="Vrinda"/>
-        <a:font script="Gujr" typeface="Shruti"/>
-        <a:font script="Khmr" typeface="MoolBoran"/>
-        <a:font script="Knda" typeface="Tunga"/>
-        <a:font script="Guru" typeface="Raavi"/>
-        <a:font script="Cans" typeface="Euphemia"/>
-        <a:font script="Cher" typeface="Plantagenet Cherokee"/>
-        <a:font script="Yiii" typeface="Microsoft Yi Baiti"/>
-        <a:font script="Tibt" typeface="Microsoft Himalaya"/>
-        <a:font script="Thaa" typeface="MV Boli"/>
-        <a:font script="Deva" typeface="Mangal"/>
-        <a:font script="Telu" typeface="Gautami"/>
-        <a:font script="Taml" typeface="Latha"/>
-        <a:font script="Syrc" typeface="Estrangelo Edessa"/>
-        <a:font script="Orya" typeface="Kalinga"/>
-        <a:font script="Mlym" typeface="Kartika"/>
-        <a:font script="Laoo" typeface="DokChampa"/>
-        <a:font script="Sinh" typeface="Iskoola Pota"/>
-        <a:font script="Mong" typeface="Mongolian Baiti"/>
-        <a:font script="Viet" typeface="Times New Roman"/>
-        <a:font script="Uigh" typeface="Microsoft Uighur"/>
-        <a:font script="Geor" typeface="Sylfaen"/>
-      </a:majorFont>
-      <a:minorFont>
-        <a:latin typeface="Calibri" panose="020F0502020204030204"/>
-        <a:ea typeface=""/>
-        <a:cs typeface=""/>
-        <a:font script="Jpan" typeface="ＭＳ Ｐゴシック"/>
-        <a:font script="Hang" typeface="맑은 고딕"/>
-        <a:font script="Hans" typeface="宋体"/>
-        <a:font script="Hant" typeface="新細明體"/>
-        <a:font script="Arab" typeface="Arial"/>
-        <a:font script="Hebr" typeface="Arial"/>
-        <a:font script="Thai" typeface="Cordia New"/>
-        <a:font script="Ethi" typeface="Nyala"/>
-        <a:font script="Beng" typeface="Vrinda"/>
-        <a:font script="Gujr" typeface="Shruti"/>
-        <a:font script="Khmr" typeface="DaunPenh"/>
-        <a:font script="Knda" typeface="Tunga"/>
-        <a:font script="Guru" typeface="Raavi"/>
-        <a:font script="Cans" typeface="Euphemia"/>
-        <a:font script="Cher" typeface="Plantagenet Cherokee"/>
-        <a:font script="Yiii" typeface="Microsoft Yi Baiti"/>
-        <a:font script="Tibt" typeface="Microsoft Himalaya"/>
-        <a:font script="Thaa" typeface="MV Boli"/>
-        <a:font script="Deva" typeface="Mangal"/>
-        <a:font script="Telu" typeface="Gautami"/>
-        <a:font script="Taml" typeface="Latha"/>
-        <a:font script="Syrc" typeface="Estrangelo Edessa"/>
-        <a:font script="Orya" typeface="Kalinga"/>
-        <a:font script="Mlym" typeface="Kartika"/>
-        <a:font script="Laoo" typeface="DokChampa"/>
-        <a:font script="Sinh" typeface="Iskoola Pota"/>
-        <a:font script="Mong" typeface="Mongolian Baiti"/>
-        <a:font script="Viet" typeface="Arial"/>
-        <a:font script="Uigh" typeface="Microsoft Uighur"/>
-        <a:font script="Geor" typeface="Sylfaen"/>
-      </a:minorFont>
-    </a:fontScheme>
-    <a:fmtScheme name="Office">
-      <a:fillStyleLst>
-        <a:solidFill>
-          <a:schemeClr val="phClr"/>
-        </a:solidFill>
-        <a:gradFill rotWithShape="1">
-          <a:gsLst>
-            <a:gs pos="0">
-              <a:schemeClr val="phClr">
-                <a:lumMod val="110000"/>
-                <a:satMod val="105000"/>
-                <a:tint val="67000"/>
-              </a:schemeClr>
-            </a:gs>
-            <a:gs pos="50000">
-              <a:schemeClr val="phClr">
-                <a:lumMod val="105000"/>
-                <a:satMod val="103000"/>
-                <a:tint val="73000"/>
-              </a:schemeClr>
-            </a:gs>
-            <a:gs pos="100000">
-              <a:schemeClr val="phClr">
-                <a:lumMod val="105000"/>
-                <a:satMod val="109000"/>
-                <a:tint val="81000"/>
-              </a:schemeClr>
-            </a:gs>
-          </a:gsLst>
-          <a:lin ang="5400000" scaled="0"/>
-        </a:gradFill>
-        <a:gradFill rotWithShape="1">
-          <a:gsLst>
-            <a:gs pos="0">
-              <a:schemeClr val="phClr">
-                <a:satMod val="103000"/>
-                <a:lumMod val="102000"/>
-                <a:tint val="94000"/>
-              </a:schemeClr>
-            </a:gs>
-            <a:gs pos="50000">
-              <a:schemeClr val="phClr">
-                <a:satMod val="110000"/>
-                <a:lumMod val="100000"/>
-                <a:shade val="100000"/>
-              </a:schemeClr>
-            </a:gs>
-            <a:gs pos="100000">
-              <a:schemeClr val="phClr">
-                <a:lumMod val="99000"/>
-                <a:satMod val="120000"/>
-                <a:shade val="78000"/>
-              </a:schemeClr>
-            </a:gs>
-          </a:gsLst>
-          <a:lin ang="5400000" scaled="0"/>
-        </a:gradFill>
-      </a:fillStyleLst>
-      <a:lnStyleLst>
-        <a:ln w="6350" cap="flat" cmpd="sng" algn="ctr">
-          <a:solidFill>
-            <a:schemeClr val="phClr"/>
-          </a:solidFill>
-          <a:prstDash val="solid"/>
-          <a:miter lim="800000"/>
-        </a:ln>
-        <a:ln w="12700" cap="flat" cmpd="sng" algn="ctr">
-          <a:solidFill>
-            <a:schemeClr val="phClr"/>
-          </a:solidFill>
-          <a:prstDash val="solid"/>
-          <a:miter lim="800000"/>
-        </a:ln>
-        <a:ln w="19050" cap="flat" cmpd="sng" algn="ctr">
-          <a:solidFill>
-            <a:schemeClr val="phClr"/>
-          </a:solidFill>
-          <a:prstDash val="solid"/>
-          <a:miter lim="800000"/>
-        </a:ln>
-      </a:lnStyleLst>
-      <a:effectStyleLst>
-        <a:effectStyle>
-          <a:effectLst/>
-        </a:effectStyle>
-        <a:effectStyle>
-          <a:effectLst/>
-        </a:effectStyle>
-        <a:effectStyle>
-          <a:effectLst>
-            <a:outerShdw blurRad="57150" dist="19050" dir="5400000" algn="ctr" rotWithShape="0">
-              <a:srgbClr val="000000">
-                <a:alpha val="63000"/>
-              </a:srgbClr>
-            </a:outerShdw>
-          </a:effectLst>
-        </a:effectStyle>
-      </a:effectStyleLst>
-      <a:bgFillStyleLst>
-        <a:solidFill>
-          <a:schemeClr val="phClr"/>
-        </a:solidFill>
-        <a:solidFill>
-          <a:schemeClr val="phClr">
-            <a:tint val="95000"/>
-            <a:satMod val="170000"/>
-          </a:schemeClr>
-        </a:solidFill>
-        <a:gradFill rotWithShape="1">
-          <a:gsLst>
-            <a:gs pos="0">
-              <a:schemeClr val="phClr">
-                <a:tint val="93000"/>
-                <a:satMod val="150000"/>
-                <a:shade val="98000"/>
-                <a:lumMod val="102000"/>
-              </a:schemeClr>
-            </a:gs>
-            <a:gs pos="50000">
-              <a:schemeClr val="phClr">
-                <a:tint val="98000"/>
-                <a:satMod val="130000"/>
-                <a:shade val="90000"/>
-                <a:lumMod val="103000"/>
-              </a:schemeClr>
-            </a:gs>
-            <a:gs pos="100000">
-              <a:schemeClr val="phClr">
-                <a:shade val="63000"/>
-                <a:satMod val="120000"/>
-              </a:schemeClr>
-            </a:gs>
-          </a:gsLst>
-          <a:lin ang="5400000" scaled="0"/>
-        </a:gradFill>
-      </a:bgFillStyleLst>
-    </a:fmtScheme>
-  </a:themeElements>
-  <a:objectDefaults/>
-  <a:extraClrSchemeLst/>
-  <a:extLst>
-    <a:ext uri="{05A4C25C-085E-4340-85A3-A5531E510DB2}">
-      <thm15:themeFamily xmlns:thm15="http://schemas.microsoft.com/office/thememl/2012/main" name="Office Theme" id="{62F939B6-93AF-4DB8-9C6B-D6C7DFDC589F}" vid="{4A3C46E8-61CC-4603-A589-7422A47A8E4A}"/>
-    </a:ext>
-  </a:extLst>
-</a:theme>
 </file>
--- a/slides/code_slides.pptx
+++ b/slides/code_slides.pptx
@@ -53,6 +53,7 @@
     <p:sldId id="301" r:id="rId47"/>
     <p:sldId id="302" r:id="rId48"/>
     <p:sldId id="303" r:id="rId49"/>
+    <p:sldId id="304" r:id="rId50"/>
   </p:sldIdLst>
   <p:sldSz cx="9144000" cy="5143500" type="screen16x9"/>
   <p:notesSz cx="6858000" cy="9144000"/>
@@ -13331,7 +13332,7 @@
               <a:rPr>
                 <a:latin typeface="Courier"/>
               </a:rPr>
-              <a:t>## [1] 0.07184523</a:t>
+              <a:t>## [1] -0.002541888</a:t>
             </a:r>
           </a:p>
           <a:p>
@@ -13366,13 +13367,13 @@
 ##  Welch Two Sample t-test
 ## 
 ## data:  trt_26C and trt_8C
-## t = 0.45779, df = 14.563, p-value = 0.6539
+## t = -0.018689, df = 10.811, p-value = 0.9854
 ## alternative hypothesis: true difference in means is not equal to 0
 ## 95 percent confidence interval:
-##  -0.2635403  0.4072307
+##  -0.3025320  0.2974482
 ## sample estimates:
 ## mean of x mean of y 
-## 0.6067290 0.5348837</a:t>
+## 0.5646176 0.5671595</a:t>
             </a:r>
           </a:p>
         </p:txBody>
@@ -19877,7 +19878,67 @@
               <a:rPr>
                 <a:latin typeface="Courier"/>
               </a:rPr>
-              <a:t>(M))</a:t>
+              <a:t>(M), </a:t>
+            </a:r>
+            <a:r>
+              <a:rPr>
+                <a:solidFill>
+                  <a:srgbClr val="7D9029"/>
+                </a:solidFill>
+                <a:latin typeface="Courier"/>
+              </a:rPr>
+              <a:t>tl.cex =</a:t>
+            </a:r>
+            <a:r>
+              <a:rPr>
+                <a:latin typeface="Courier"/>
+              </a:rPr>
+              <a:t> </a:t>
+            </a:r>
+            <a:r>
+              <a:rPr>
+                <a:solidFill>
+                  <a:srgbClr val="40A070"/>
+                </a:solidFill>
+                <a:latin typeface="Courier"/>
+              </a:rPr>
+              <a:t>0.6</a:t>
+            </a:r>
+            <a:r>
+              <a:rPr>
+                <a:latin typeface="Courier"/>
+              </a:rPr>
+              <a:t>, </a:t>
+            </a:r>
+            <a:r>
+              <a:rPr>
+                <a:solidFill>
+                  <a:srgbClr val="7D9029"/>
+                </a:solidFill>
+                <a:latin typeface="Courier"/>
+              </a:rPr>
+              <a:t>cl.cex =</a:t>
+            </a:r>
+            <a:r>
+              <a:rPr>
+                <a:latin typeface="Courier"/>
+              </a:rPr>
+              <a:t> </a:t>
+            </a:r>
+            <a:r>
+              <a:rPr>
+                <a:solidFill>
+                  <a:srgbClr val="40A070"/>
+                </a:solidFill>
+                <a:latin typeface="Courier"/>
+              </a:rPr>
+              <a:t>0.6</a:t>
+            </a:r>
+            <a:r>
+              <a:rPr>
+                <a:latin typeface="Courier"/>
+              </a:rPr>
+              <a:t>)</a:t>
             </a:r>
           </a:p>
         </p:txBody>
@@ -22355,6 +22416,509 @@
 </p:sld>
 </file>
 
+<file path=ppt/slides/slide49.xml><?xml version="1.0" encoding="utf-8"?>
+<p:sld xmlns:a="http://schemas.openxmlformats.org/drawingml/2006/main" xmlns:r="http://schemas.openxmlformats.org/officeDocument/2006/relationships" xmlns:p="http://schemas.openxmlformats.org/presentationml/2006/main">
+  <p:cSld>
+    <p:spTree>
+      <p:nvGrpSpPr>
+        <p:cNvPr id="1" name=""/>
+        <p:cNvGrpSpPr/>
+        <p:nvPr/>
+      </p:nvGrpSpPr>
+      <p:grpSpPr>
+        <a:xfrm>
+          <a:off x="0" y="0"/>
+          <a:ext cx="0" cy="0"/>
+          <a:chOff x="0" y="0"/>
+          <a:chExt cx="0" cy="0"/>
+        </a:xfrm>
+      </p:grpSpPr>
+      <p:sp>
+        <p:nvSpPr>
+          <p:cNvPr id="2" name="Title 1"/>
+          <p:cNvSpPr>
+            <a:spLocks noGrp="1"/>
+          </p:cNvSpPr>
+          <p:nvPr>
+            <p:ph type="title"/>
+          </p:nvPr>
+        </p:nvSpPr>
+        <p:spPr/>
+        <p:txBody>
+          <a:bodyPr/>
+          <a:lstStyle/>
+          <a:p>
+            <a:pPr lvl="0" indent="0" marL="0">
+              <a:buNone/>
+            </a:pPr>
+            <a:r>
+              <a:rPr/>
+              <a:t>MetaReg</a:t>
+            </a:r>
+          </a:p>
+        </p:txBody>
+      </p:sp>
+      <p:sp>
+        <p:nvSpPr>
+          <p:cNvPr id="3" name="Content Placeholder 2"/>
+          <p:cNvSpPr>
+            <a:spLocks noGrp="1"/>
+          </p:cNvSpPr>
+          <p:nvPr>
+            <p:ph idx="1"/>
+          </p:nvPr>
+        </p:nvSpPr>
+        <p:spPr/>
+        <p:txBody>
+          <a:bodyPr/>
+          <a:lstStyle/>
+          <a:p>
+            <a:pPr lvl="0" indent="0">
+              <a:buNone/>
+            </a:pPr>
+            <a:r>
+              <a:rPr>
+                <a:latin typeface="Courier"/>
+              </a:rPr>
+              <a:t>meta_reg </a:t>
+            </a:r>
+            <a:r>
+              <a:rPr>
+                <a:solidFill>
+                  <a:srgbClr val="007020"/>
+                </a:solidFill>
+                <a:latin typeface="Courier"/>
+              </a:rPr>
+              <a:t>&lt;-</a:t>
+            </a:r>
+            <a:r>
+              <a:rPr>
+                <a:latin typeface="Courier"/>
+              </a:rPr>
+              <a:t> metafor</a:t>
+            </a:r>
+            <a:r>
+              <a:rPr>
+                <a:solidFill>
+                  <a:srgbClr val="4070A0"/>
+                </a:solidFill>
+                <a:latin typeface="Courier"/>
+              </a:rPr>
+              <a:t>::</a:t>
+            </a:r>
+            <a:r>
+              <a:rPr>
+                <a:solidFill>
+                  <a:srgbClr val="06287E"/>
+                </a:solidFill>
+                <a:latin typeface="Courier"/>
+              </a:rPr>
+              <a:t>rma.mv</a:t>
+            </a:r>
+            <a:r>
+              <a:rPr>
+                <a:latin typeface="Courier"/>
+              </a:rPr>
+              <a:t>(</a:t>
+            </a:r>
+            <a:r>
+              <a:rPr>
+                <a:solidFill>
+                  <a:srgbClr val="7D9029"/>
+                </a:solidFill>
+                <a:latin typeface="Courier"/>
+              </a:rPr>
+              <a:t>yi=</a:t>
+            </a:r>
+            <a:r>
+              <a:rPr>
+                <a:latin typeface="Courier"/>
+              </a:rPr>
+              <a:t> ARR </a:t>
+            </a:r>
+            <a:r>
+              <a:rPr>
+                <a:solidFill>
+                  <a:srgbClr val="4070A0"/>
+                </a:solidFill>
+                <a:latin typeface="Courier"/>
+              </a:rPr>
+              <a:t>~</a:t>
+            </a:r>
+            <a:r>
+              <a:rPr>
+                <a:latin typeface="Courier"/>
+              </a:rPr>
+              <a:t> </a:t>
+            </a:r>
+            <a:r>
+              <a:rPr>
+                <a:solidFill>
+                  <a:srgbClr val="40A070"/>
+                </a:solidFill>
+                <a:latin typeface="Courier"/>
+              </a:rPr>
+              <a:t>1</a:t>
+            </a:r>
+            <a:r>
+              <a:rPr>
+                <a:latin typeface="Courier"/>
+              </a:rPr>
+              <a:t> </a:t>
+            </a:r>
+            <a:r>
+              <a:rPr>
+                <a:solidFill>
+                  <a:srgbClr val="4070A0"/>
+                </a:solidFill>
+                <a:latin typeface="Courier"/>
+              </a:rPr>
+              <a:t>+</a:t>
+            </a:r>
+            <a:r>
+              <a:rPr>
+                <a:latin typeface="Courier"/>
+              </a:rPr>
+              <a:t> method </a:t>
+            </a:r>
+            <a:r>
+              <a:rPr>
+                <a:solidFill>
+                  <a:srgbClr val="4070A0"/>
+                </a:solidFill>
+                <a:latin typeface="Courier"/>
+              </a:rPr>
+              <a:t>+</a:t>
+            </a:r>
+            <a:r>
+              <a:rPr>
+                <a:latin typeface="Courier"/>
+              </a:rPr>
+              <a:t> class, </a:t>
+            </a:r>
+            <a:r>
+              <a:rPr>
+                <a:solidFill>
+                  <a:srgbClr val="7D9029"/>
+                </a:solidFill>
+                <a:latin typeface="Courier"/>
+              </a:rPr>
+              <a:t>V =</a:t>
+            </a:r>
+            <a:r>
+              <a:rPr>
+                <a:latin typeface="Courier"/>
+              </a:rPr>
+              <a:t> V_ARR, </a:t>
+            </a:r>
+            <a:r>
+              <a:rPr>
+                <a:solidFill>
+                  <a:srgbClr val="7D9029"/>
+                </a:solidFill>
+                <a:latin typeface="Courier"/>
+              </a:rPr>
+              <a:t>method=</a:t>
+            </a:r>
+            <a:r>
+              <a:rPr>
+                <a:solidFill>
+                  <a:srgbClr val="4070A0"/>
+                </a:solidFill>
+                <a:latin typeface="Courier"/>
+              </a:rPr>
+              <a:t>"REML"</a:t>
+            </a:r>
+            <a:r>
+              <a:rPr>
+                <a:latin typeface="Courier"/>
+              </a:rPr>
+              <a:t>, </a:t>
+            </a:r>
+            <a:br/>
+            <a:r>
+              <a:rPr>
+                <a:latin typeface="Courier"/>
+              </a:rPr>
+              <a:t>                            </a:t>
+            </a:r>
+            <a:r>
+              <a:rPr>
+                <a:solidFill>
+                  <a:srgbClr val="7D9029"/>
+                </a:solidFill>
+                <a:latin typeface="Courier"/>
+              </a:rPr>
+              <a:t>random=</a:t>
+            </a:r>
+            <a:r>
+              <a:rPr>
+                <a:solidFill>
+                  <a:srgbClr val="06287E"/>
+                </a:solidFill>
+                <a:latin typeface="Courier"/>
+              </a:rPr>
+              <a:t>list</a:t>
+            </a:r>
+            <a:r>
+              <a:rPr>
+                <a:latin typeface="Courier"/>
+              </a:rPr>
+              <a:t>(</a:t>
+            </a:r>
+            <a:r>
+              <a:rPr>
+                <a:solidFill>
+                  <a:srgbClr val="4070A0"/>
+                </a:solidFill>
+                <a:latin typeface="Courier"/>
+              </a:rPr>
+              <a:t>~</a:t>
+            </a:r>
+            <a:r>
+              <a:rPr>
+                <a:solidFill>
+                  <a:srgbClr val="40A070"/>
+                </a:solidFill>
+                <a:latin typeface="Courier"/>
+              </a:rPr>
+              <a:t>1</a:t>
+            </a:r>
+            <a:r>
+              <a:rPr>
+                <a:solidFill>
+                  <a:srgbClr val="4070A0"/>
+                </a:solidFill>
+                <a:latin typeface="Courier"/>
+              </a:rPr>
+              <a:t>|</a:t>
+            </a:r>
+            <a:r>
+              <a:rPr>
+                <a:latin typeface="Courier"/>
+              </a:rPr>
+              <a:t>species_ID, </a:t>
+            </a:r>
+            <a:br/>
+            <a:r>
+              <a:rPr>
+                <a:latin typeface="Courier"/>
+              </a:rPr>
+              <a:t>                                        </a:t>
+            </a:r>
+            <a:r>
+              <a:rPr>
+                <a:solidFill>
+                  <a:srgbClr val="4070A0"/>
+                </a:solidFill>
+                <a:latin typeface="Courier"/>
+              </a:rPr>
+              <a:t>~</a:t>
+            </a:r>
+            <a:r>
+              <a:rPr>
+                <a:solidFill>
+                  <a:srgbClr val="40A070"/>
+                </a:solidFill>
+                <a:latin typeface="Courier"/>
+              </a:rPr>
+              <a:t>1</a:t>
+            </a:r>
+            <a:r>
+              <a:rPr>
+                <a:solidFill>
+                  <a:srgbClr val="4070A0"/>
+                </a:solidFill>
+                <a:latin typeface="Courier"/>
+              </a:rPr>
+              <a:t>|</a:t>
+            </a:r>
+            <a:r>
+              <a:rPr>
+                <a:latin typeface="Courier"/>
+              </a:rPr>
+              <a:t>study_ID, </a:t>
+            </a:r>
+            <a:br/>
+            <a:r>
+              <a:rPr>
+                <a:latin typeface="Courier"/>
+              </a:rPr>
+              <a:t>                                        </a:t>
+            </a:r>
+            <a:r>
+              <a:rPr>
+                <a:solidFill>
+                  <a:srgbClr val="4070A0"/>
+                </a:solidFill>
+                <a:latin typeface="Courier"/>
+              </a:rPr>
+              <a:t>~</a:t>
+            </a:r>
+            <a:r>
+              <a:rPr>
+                <a:solidFill>
+                  <a:srgbClr val="40A070"/>
+                </a:solidFill>
+                <a:latin typeface="Courier"/>
+              </a:rPr>
+              <a:t>1</a:t>
+            </a:r>
+            <a:r>
+              <a:rPr>
+                <a:solidFill>
+                  <a:srgbClr val="4070A0"/>
+                </a:solidFill>
+                <a:latin typeface="Courier"/>
+              </a:rPr>
+              <a:t>|</a:t>
+            </a:r>
+            <a:r>
+              <a:rPr>
+                <a:latin typeface="Courier"/>
+              </a:rPr>
+              <a:t>es_ID), </a:t>
+            </a:r>
+            <a:br/>
+            <a:r>
+              <a:rPr>
+                <a:latin typeface="Courier"/>
+              </a:rPr>
+              <a:t>                            </a:t>
+            </a:r>
+            <a:r>
+              <a:rPr>
+                <a:solidFill>
+                  <a:srgbClr val="7D9029"/>
+                </a:solidFill>
+                <a:latin typeface="Courier"/>
+              </a:rPr>
+              <a:t>dfs =</a:t>
+            </a:r>
+            <a:r>
+              <a:rPr>
+                <a:latin typeface="Courier"/>
+              </a:rPr>
+              <a:t> </a:t>
+            </a:r>
+            <a:r>
+              <a:rPr>
+                <a:solidFill>
+                  <a:srgbClr val="4070A0"/>
+                </a:solidFill>
+                <a:latin typeface="Courier"/>
+              </a:rPr>
+              <a:t>"contain"</a:t>
+            </a:r>
+            <a:r>
+              <a:rPr>
+                <a:latin typeface="Courier"/>
+              </a:rPr>
+              <a:t>, </a:t>
+            </a:r>
+            <a:r>
+              <a:rPr>
+                <a:solidFill>
+                  <a:srgbClr val="7D9029"/>
+                </a:solidFill>
+                <a:latin typeface="Courier"/>
+              </a:rPr>
+              <a:t>test=</a:t>
+            </a:r>
+            <a:r>
+              <a:rPr>
+                <a:solidFill>
+                  <a:srgbClr val="4070A0"/>
+                </a:solidFill>
+                <a:latin typeface="Courier"/>
+              </a:rPr>
+              <a:t>"t"</a:t>
+            </a:r>
+            <a:r>
+              <a:rPr>
+                <a:latin typeface="Courier"/>
+              </a:rPr>
+              <a:t>, </a:t>
+            </a:r>
+            <a:r>
+              <a:rPr>
+                <a:solidFill>
+                  <a:srgbClr val="7D9029"/>
+                </a:solidFill>
+                <a:latin typeface="Courier"/>
+              </a:rPr>
+              <a:t>data=</a:t>
+            </a:r>
+            <a:r>
+              <a:rPr>
+                <a:latin typeface="Courier"/>
+              </a:rPr>
+              <a:t>asr_dat)</a:t>
+            </a:r>
+            <a:br/>
+            <a:r>
+              <a:rPr>
+                <a:latin typeface="Courier"/>
+              </a:rPr>
+              <a:t>meta_reg</a:t>
+            </a:r>
+          </a:p>
+          <a:p>
+            <a:pPr lvl="0" indent="0">
+              <a:buNone/>
+            </a:pPr>
+            <a:r>
+              <a:rPr>
+                <a:latin typeface="Courier"/>
+              </a:rPr>
+              <a:t>## 
+## Multivariate Meta-Analysis Model (k = 123; method: REML)
+## 
+## Variance Components:
+## 
+##             estim    sqrt  nlvls  fixed      factor 
+## sigma^2.1  0.0009  0.0305     29     no  species_ID 
+## sigma^2.2  0.0037  0.0605     21     no    study_ID 
+## sigma^2.3  0.0105  0.1024    123     no       es_ID 
+## 
+## Test for Residual Heterogeneity:
+## QE(df = 115) = 898.2185, p-val &lt; .0001
+## 
+## Test of Moderators (coefficients 2:8):
+## F(df1 = 7, df2 = 13) = 4.0631, p-val = 0.0142
+## 
+## Model Results:
+## 
+##                      estimate      se     tval   df    pval    ci.lb    ci.ub​ 
+## intrcpt                0.2953  0.0381   7.7505   13  &lt;.0001   0.2130   0.3776 
+## methodLTmax           -0.0541  0.0569  -0.9507  115  0.3438  -0.1667   0.0586 
+## classAmphibia         -0.0312  0.1029  -0.3035   13  0.7663  -0.2534   0.1910 
+## classArachnida        -0.3432  0.1347  -2.5477   13  0.0243  -0.6341  -0.0522 
+## classChondrichthyes    0.0453  0.1113   0.4072   13  0.6905  -0.1951   0.2857 
+## classInsecta          -0.2331  0.0517  -4.5114   13  0.0006  -0.3447  -0.1215 
+## classMalacostraca     -0.1331  0.0598  -2.2271   13  0.0442  -0.2623  -0.0040 
+## classReptilia         -0.2291  0.1071  -2.1393   13  0.0520  -0.4605   0.0023 
+##  
+## intrcpt              *** 
+## methodLTmax 
+## classAmphibia 
+## classArachnida         * 
+## classChondrichthyes 
+## classInsecta         *** 
+## classMalacostraca      * 
+## classReptilia          . 
+## 
+## ---
+## Signif. codes:  0 '***' 0.001 '**' 0.01 '*' 0.05 '.' 0.1 ' ' 1</a:t>
+            </a:r>
+          </a:p>
+        </p:txBody>
+      </p:sp>
+    </p:spTree>
+  </p:cSld>
+</p:sld>
+</file>
+
 <file path=ppt/slides/slide5.xml><?xml version="1.0" encoding="utf-8"?>
 <p:sld xmlns:a="http://schemas.openxmlformats.org/drawingml/2006/main" xmlns:r="http://schemas.openxmlformats.org/officeDocument/2006/relationships" xmlns:p="http://schemas.openxmlformats.org/presentationml/2006/main">
   <p:cSld>
@@ -22582,7 +23146,7 @@
                   <a:rPr>
                     <a:latin typeface="Courier"/>
                   </a:rPr>
-                  <a:t>## [1] 0.1712992</a:t>
+                  <a:t>## [1] 0.1700801</a:t>
                 </a:r>
               </a:p>
             </p:txBody>

--- a/slides/code_slides.pptx
+++ b/slides/code_slides.pptx
@@ -54,6 +54,15 @@
     <p:sldId id="302" r:id="rId48"/>
     <p:sldId id="303" r:id="rId49"/>
     <p:sldId id="304" r:id="rId50"/>
+    <p:sldId id="305" r:id="rId51"/>
+    <p:sldId id="306" r:id="rId52"/>
+    <p:sldId id="307" r:id="rId53"/>
+    <p:sldId id="308" r:id="rId54"/>
+    <p:sldId id="309" r:id="rId55"/>
+    <p:sldId id="310" r:id="rId56"/>
+    <p:sldId id="311" r:id="rId57"/>
+    <p:sldId id="312" r:id="rId58"/>
+    <p:sldId id="313" r:id="rId59"/>
   </p:sldIdLst>
   <p:sldSz cx="9144000" cy="5143500" type="screen16x9"/>
   <p:notesSz cx="6858000" cy="9144000"/>
@@ -11721,7 +11730,7 @@
       </p:sp>
       <p:pic>
         <p:nvPicPr>
-          <p:cNvPr descr="code_slides_files/figure-pptx/fvsr-1.png" id="0" name="Picture 1"/>
+          <p:cNvPr descr="fig:  code_slides_files/figure-pptx/fvsr-1.png" id="0" name="Picture 1"/>
           <p:cNvPicPr>
             <a:picLocks noGrp="1" noChangeAspect="1"/>
           </p:cNvPicPr>
@@ -11803,6 +11812,31 @@
       </p:grpSpPr>
       <p:sp>
         <p:nvSpPr>
+          <p:cNvPr id="2" name="Title 1"/>
+          <p:cNvSpPr>
+            <a:spLocks noGrp="1"/>
+          </p:cNvSpPr>
+          <p:nvPr>
+            <p:ph type="title"/>
+          </p:nvPr>
+        </p:nvSpPr>
+        <p:spPr/>
+        <p:txBody>
+          <a:bodyPr/>
+          <a:lstStyle/>
+          <a:p>
+            <a:pPr lvl="0" indent="0" marL="0">
+              <a:buNone/>
+            </a:pPr>
+            <a:r>
+              <a:rPr/>
+              <a:t>random effect model</a:t>
+            </a:r>
+          </a:p>
+        </p:txBody>
+      </p:sp>
+      <p:sp>
+        <p:nvSpPr>
           <p:cNvPr id="3" name="Content Placeholder 2"/>
           <p:cNvSpPr>
             <a:spLocks noGrp="1"/>
@@ -11815,15 +11849,6 @@
         <p:txBody>
           <a:bodyPr/>
           <a:lstStyle/>
-          <a:p>
-            <a:pPr lvl="0" indent="0" marL="0">
-              <a:buNone/>
-            </a:pPr>
-            <a:r>
-              <a:rPr/>
-              <a:t> ## random effect model</a:t>
-            </a:r>
-          </a:p>
           <a:p>
             <a:pPr lvl="0" indent="0">
               <a:buNone/>
@@ -13332,7 +13357,7 @@
               <a:rPr>
                 <a:latin typeface="Courier"/>
               </a:rPr>
-              <a:t>## [1] -0.002541888</a:t>
+              <a:t>## [1] -0.2072644</a:t>
             </a:r>
           </a:p>
           <a:p>
@@ -13367,13 +13392,13 @@
 ##  Welch Two Sample t-test
 ## 
 ## data:  trt_26C and trt_8C
-## t = -0.018689, df = 10.811, p-value = 0.9854
+## t = -1.5054, df = 15.603, p-value = 0.1522
 ## alternative hypothesis: true difference in means is not equal to 0
 ## 95 percent confidence interval:
-##  -0.3025320  0.2974482
+##  -0.49974244  0.08521369
 ## sample estimates:
 ## mean of x mean of y 
-## 0.5646176 0.5671595</a:t>
+## 0.5791558 0.7864202</a:t>
             </a:r>
           </a:p>
         </p:txBody>
@@ -15358,12 +15383,8 @@
                   </m:oMath>
                 </a14:m>
                 <a:r>
-                  <a:rPr b="1"/>
-                  <a:t>C is expected to decrease by ~67% (1-0.33)</a:t>
-                </a:r>
-                <a:r>
                   <a:rPr/>
-                  <a:t>.</a:t>
+                  <a:t>C is expected to decrease by ~67% (1-0.33).</a:t>
                 </a:r>
               </a:p>
             </p:txBody>
@@ -22996,6 +23017,3116 @@
 </p:sld>
 </file>
 
+<file path=ppt/slides/slide50.xml><?xml version="1.0" encoding="utf-8"?>
+<p:sld xmlns:a="http://schemas.openxmlformats.org/drawingml/2006/main" xmlns:r="http://schemas.openxmlformats.org/officeDocument/2006/relationships" xmlns:p="http://schemas.openxmlformats.org/presentationml/2006/main">
+  <p:cSld>
+    <p:spTree>
+      <p:nvGrpSpPr>
+        <p:cNvPr id="1" name=""/>
+        <p:cNvGrpSpPr/>
+        <p:nvPr/>
+      </p:nvGrpSpPr>
+      <p:grpSpPr>
+        <a:xfrm>
+          <a:off x="0" y="0"/>
+          <a:ext cx="0" cy="0"/>
+          <a:chOff x="0" y="0"/>
+          <a:chExt cx="0" cy="0"/>
+        </a:xfrm>
+      </p:grpSpPr>
+      <p:sp>
+        <p:nvSpPr>
+          <p:cNvPr id="2" name="Title 1"/>
+          <p:cNvSpPr>
+            <a:spLocks noGrp="1"/>
+          </p:cNvSpPr>
+          <p:nvPr>
+            <p:ph type="title"/>
+          </p:nvPr>
+        </p:nvSpPr>
+        <p:spPr>
+          <a:xfrm>
+            <a:off x="457201" y="204787"/>
+            <a:ext cx="3008313" cy="871538"/>
+          </a:xfrm>
+        </p:spPr>
+        <p:txBody>
+          <a:bodyPr/>
+          <a:lstStyle/>
+          <a:p>
+            <a:pPr lvl="0" indent="0" marL="0">
+              <a:buNone/>
+            </a:pPr>
+            <a:r>
+              <a:rPr/>
+              <a:t>Orchard</a:t>
+            </a:r>
+          </a:p>
+        </p:txBody>
+      </p:sp>
+      <p:sp>
+        <p:nvSpPr>
+          <p:cNvPr id="4" name="Text Placeholder 3"/>
+          <p:cNvSpPr>
+            <a:spLocks noGrp="1"/>
+          </p:cNvSpPr>
+          <p:nvPr>
+            <p:ph idx="2" sz="half" type="body"/>
+          </p:nvPr>
+        </p:nvSpPr>
+        <p:spPr/>
+        <p:txBody>
+          <a:bodyPr/>
+          <a:lstStyle/>
+          <a:p>
+            <a:pPr lvl="0" indent="0">
+              <a:buNone/>
+            </a:pPr>
+            <a:r>
+              <a:rPr>
+                <a:latin typeface="Courier"/>
+              </a:rPr>
+              <a:t>orchaRd</a:t>
+            </a:r>
+            <a:r>
+              <a:rPr>
+                <a:solidFill>
+                  <a:srgbClr val="4070A0"/>
+                </a:solidFill>
+                <a:latin typeface="Courier"/>
+              </a:rPr>
+              <a:t>::</a:t>
+            </a:r>
+            <a:r>
+              <a:rPr>
+                <a:solidFill>
+                  <a:srgbClr val="06287E"/>
+                </a:solidFill>
+                <a:latin typeface="Courier"/>
+              </a:rPr>
+              <a:t>orchard_plot</a:t>
+            </a:r>
+            <a:r>
+              <a:rPr>
+                <a:latin typeface="Courier"/>
+              </a:rPr>
+              <a:t>(meta_reg, </a:t>
+            </a:r>
+            <a:r>
+              <a:rPr>
+                <a:solidFill>
+                  <a:srgbClr val="7D9029"/>
+                </a:solidFill>
+                <a:latin typeface="Courier"/>
+              </a:rPr>
+              <a:t>data =</a:t>
+            </a:r>
+            <a:r>
+              <a:rPr>
+                <a:latin typeface="Courier"/>
+              </a:rPr>
+              <a:t> asr_dat, </a:t>
+            </a:r>
+            <a:r>
+              <a:rPr>
+                <a:solidFill>
+                  <a:srgbClr val="7D9029"/>
+                </a:solidFill>
+                <a:latin typeface="Courier"/>
+              </a:rPr>
+              <a:t>mod =</a:t>
+            </a:r>
+            <a:r>
+              <a:rPr>
+                <a:latin typeface="Courier"/>
+              </a:rPr>
+              <a:t> </a:t>
+            </a:r>
+            <a:r>
+              <a:rPr>
+                <a:solidFill>
+                  <a:srgbClr val="4070A0"/>
+                </a:solidFill>
+                <a:latin typeface="Courier"/>
+              </a:rPr>
+              <a:t>"class"</a:t>
+            </a:r>
+            <a:r>
+              <a:rPr>
+                <a:latin typeface="Courier"/>
+              </a:rPr>
+              <a:t>, </a:t>
+            </a:r>
+            <a:r>
+              <a:rPr>
+                <a:solidFill>
+                  <a:srgbClr val="7D9029"/>
+                </a:solidFill>
+                <a:latin typeface="Courier"/>
+              </a:rPr>
+              <a:t>group =</a:t>
+            </a:r>
+            <a:r>
+              <a:rPr>
+                <a:latin typeface="Courier"/>
+              </a:rPr>
+              <a:t> </a:t>
+            </a:r>
+            <a:r>
+              <a:rPr>
+                <a:solidFill>
+                  <a:srgbClr val="4070A0"/>
+                </a:solidFill>
+                <a:latin typeface="Courier"/>
+              </a:rPr>
+              <a:t>"study_ID"</a:t>
+            </a:r>
+            <a:r>
+              <a:rPr>
+                <a:latin typeface="Courier"/>
+              </a:rPr>
+              <a:t>, </a:t>
+            </a:r>
+            <a:r>
+              <a:rPr>
+                <a:solidFill>
+                  <a:srgbClr val="7D9029"/>
+                </a:solidFill>
+                <a:latin typeface="Courier"/>
+              </a:rPr>
+              <a:t>xlab =</a:t>
+            </a:r>
+            <a:r>
+              <a:rPr>
+                <a:latin typeface="Courier"/>
+              </a:rPr>
+              <a:t> </a:t>
+            </a:r>
+            <a:r>
+              <a:rPr>
+                <a:solidFill>
+                  <a:srgbClr val="4070A0"/>
+                </a:solidFill>
+                <a:latin typeface="Courier"/>
+              </a:rPr>
+              <a:t>"Acclimation Response Ratio (ARR)"</a:t>
+            </a:r>
+            <a:r>
+              <a:rPr>
+                <a:latin typeface="Courier"/>
+              </a:rPr>
+              <a:t>, </a:t>
+            </a:r>
+            <a:r>
+              <a:rPr>
+                <a:solidFill>
+                  <a:srgbClr val="7D9029"/>
+                </a:solidFill>
+                <a:latin typeface="Courier"/>
+              </a:rPr>
+              <a:t>angle =</a:t>
+            </a:r>
+            <a:r>
+              <a:rPr>
+                <a:latin typeface="Courier"/>
+              </a:rPr>
+              <a:t> </a:t>
+            </a:r>
+            <a:r>
+              <a:rPr>
+                <a:solidFill>
+                  <a:srgbClr val="40A070"/>
+                </a:solidFill>
+                <a:latin typeface="Courier"/>
+              </a:rPr>
+              <a:t>45</a:t>
+            </a:r>
+            <a:r>
+              <a:rPr>
+                <a:latin typeface="Courier"/>
+              </a:rPr>
+              <a:t>)</a:t>
+            </a:r>
+          </a:p>
+        </p:txBody>
+      </p:sp>
+      <p:pic>
+        <p:nvPicPr>
+          <p:cNvPr descr="code_slides_files/figure-pptx/orchard-1.png" id="0" name="Picture 1"/>
+          <p:cNvPicPr>
+            <a:picLocks noGrp="1" noChangeAspect="1"/>
+          </p:cNvPicPr>
+          <p:nvPr/>
+        </p:nvPicPr>
+        <p:blipFill>
+          <a:blip r:embed="rId2"/>
+          <a:stretch>
+            <a:fillRect/>
+          </a:stretch>
+        </p:blipFill>
+        <p:spPr bwMode="auto">
+          <a:xfrm>
+            <a:off x="3568700" y="355600"/>
+            <a:ext cx="5105400" cy="4089400"/>
+          </a:xfrm>
+          <a:prstGeom prst="rect">
+            <a:avLst/>
+          </a:prstGeom>
+          <a:noFill/>
+          <a:ln w="9525">
+            <a:noFill/>
+            <a:headEnd/>
+            <a:tailEnd/>
+          </a:ln>
+        </p:spPr>
+      </p:pic>
+    </p:spTree>
+  </p:cSld>
+</p:sld>
+</file>
+
+<file path=ppt/slides/slide51.xml><?xml version="1.0" encoding="utf-8"?>
+<p:sld xmlns:a="http://schemas.openxmlformats.org/drawingml/2006/main" xmlns:r="http://schemas.openxmlformats.org/officeDocument/2006/relationships" xmlns:p="http://schemas.openxmlformats.org/presentationml/2006/main">
+  <p:cSld>
+    <p:spTree>
+      <p:nvGrpSpPr>
+        <p:cNvPr id="1" name=""/>
+        <p:cNvGrpSpPr/>
+        <p:nvPr/>
+      </p:nvGrpSpPr>
+      <p:grpSpPr>
+        <a:xfrm>
+          <a:off x="0" y="0"/>
+          <a:ext cx="0" cy="0"/>
+          <a:chOff x="0" y="0"/>
+          <a:chExt cx="0" cy="0"/>
+        </a:xfrm>
+      </p:grpSpPr>
+      <p:sp>
+        <p:nvSpPr>
+          <p:cNvPr id="2" name="Title 1"/>
+          <p:cNvSpPr>
+            <a:spLocks noGrp="1"/>
+          </p:cNvSpPr>
+          <p:nvPr>
+            <p:ph type="title"/>
+          </p:nvPr>
+        </p:nvSpPr>
+        <p:spPr>
+          <a:xfrm>
+            <a:off x="457201" y="204787"/>
+            <a:ext cx="3008313" cy="871538"/>
+          </a:xfrm>
+        </p:spPr>
+        <p:txBody>
+          <a:bodyPr/>
+          <a:lstStyle/>
+          <a:p>
+            <a:pPr lvl="0" indent="0" marL="0">
+              <a:buNone/>
+            </a:pPr>
+            <a:r>
+              <a:rPr/>
+              <a:t>Orchard2</a:t>
+            </a:r>
+          </a:p>
+        </p:txBody>
+      </p:sp>
+      <p:sp>
+        <p:nvSpPr>
+          <p:cNvPr id="4" name="Text Placeholder 3"/>
+          <p:cNvSpPr>
+            <a:spLocks noGrp="1"/>
+          </p:cNvSpPr>
+          <p:nvPr>
+            <p:ph idx="2" sz="half" type="body"/>
+          </p:nvPr>
+        </p:nvSpPr>
+        <p:spPr/>
+        <p:txBody>
+          <a:bodyPr/>
+          <a:lstStyle/>
+          <a:p>
+            <a:pPr lvl="0" indent="0">
+              <a:buNone/>
+            </a:pPr>
+            <a:r>
+              <a:rPr>
+                <a:latin typeface="Courier"/>
+              </a:rPr>
+              <a:t>mod_table </a:t>
+            </a:r>
+            <a:r>
+              <a:rPr>
+                <a:solidFill>
+                  <a:srgbClr val="007020"/>
+                </a:solidFill>
+                <a:latin typeface="Courier"/>
+              </a:rPr>
+              <a:t>&lt;-</a:t>
+            </a:r>
+            <a:r>
+              <a:rPr>
+                <a:latin typeface="Courier"/>
+              </a:rPr>
+              <a:t> orchaRd</a:t>
+            </a:r>
+            <a:r>
+              <a:rPr>
+                <a:solidFill>
+                  <a:srgbClr val="4070A0"/>
+                </a:solidFill>
+                <a:latin typeface="Courier"/>
+              </a:rPr>
+              <a:t>::</a:t>
+            </a:r>
+            <a:r>
+              <a:rPr>
+                <a:solidFill>
+                  <a:srgbClr val="06287E"/>
+                </a:solidFill>
+                <a:latin typeface="Courier"/>
+              </a:rPr>
+              <a:t>mod_results</a:t>
+            </a:r>
+            <a:r>
+              <a:rPr>
+                <a:latin typeface="Courier"/>
+              </a:rPr>
+              <a:t>(meta_reg,  </a:t>
+            </a:r>
+            <a:r>
+              <a:rPr>
+                <a:solidFill>
+                  <a:srgbClr val="7D9029"/>
+                </a:solidFill>
+                <a:latin typeface="Courier"/>
+              </a:rPr>
+              <a:t>data =</a:t>
+            </a:r>
+            <a:r>
+              <a:rPr>
+                <a:latin typeface="Courier"/>
+              </a:rPr>
+              <a:t> asr_dat,  </a:t>
+            </a:r>
+            <a:r>
+              <a:rPr>
+                <a:solidFill>
+                  <a:srgbClr val="7D9029"/>
+                </a:solidFill>
+                <a:latin typeface="Courier"/>
+              </a:rPr>
+              <a:t>mod =</a:t>
+            </a:r>
+            <a:r>
+              <a:rPr>
+                <a:latin typeface="Courier"/>
+              </a:rPr>
+              <a:t> </a:t>
+            </a:r>
+            <a:r>
+              <a:rPr>
+                <a:solidFill>
+                  <a:srgbClr val="4070A0"/>
+                </a:solidFill>
+                <a:latin typeface="Courier"/>
+              </a:rPr>
+              <a:t>"class"</a:t>
+            </a:r>
+            <a:r>
+              <a:rPr>
+                <a:latin typeface="Courier"/>
+              </a:rPr>
+              <a:t>, </a:t>
+            </a:r>
+            <a:r>
+              <a:rPr>
+                <a:solidFill>
+                  <a:srgbClr val="7D9029"/>
+                </a:solidFill>
+                <a:latin typeface="Courier"/>
+              </a:rPr>
+              <a:t>group =</a:t>
+            </a:r>
+            <a:r>
+              <a:rPr>
+                <a:latin typeface="Courier"/>
+              </a:rPr>
+              <a:t> </a:t>
+            </a:r>
+            <a:r>
+              <a:rPr>
+                <a:solidFill>
+                  <a:srgbClr val="4070A0"/>
+                </a:solidFill>
+                <a:latin typeface="Courier"/>
+              </a:rPr>
+              <a:t>"study_ID"</a:t>
+            </a:r>
+            <a:r>
+              <a:rPr>
+                <a:latin typeface="Courier"/>
+              </a:rPr>
+              <a:t>, </a:t>
+            </a:r>
+            <a:r>
+              <a:rPr>
+                <a:solidFill>
+                  <a:srgbClr val="7D9029"/>
+                </a:solidFill>
+                <a:latin typeface="Courier"/>
+              </a:rPr>
+              <a:t>at =</a:t>
+            </a:r>
+            <a:r>
+              <a:rPr>
+                <a:latin typeface="Courier"/>
+              </a:rPr>
+              <a:t> </a:t>
+            </a:r>
+            <a:r>
+              <a:rPr>
+                <a:solidFill>
+                  <a:srgbClr val="06287E"/>
+                </a:solidFill>
+                <a:latin typeface="Courier"/>
+              </a:rPr>
+              <a:t>list</a:t>
+            </a:r>
+            <a:r>
+              <a:rPr>
+                <a:latin typeface="Courier"/>
+              </a:rPr>
+              <a:t>(</a:t>
+            </a:r>
+            <a:r>
+              <a:rPr>
+                <a:solidFill>
+                  <a:srgbClr val="7D9029"/>
+                </a:solidFill>
+                <a:latin typeface="Courier"/>
+              </a:rPr>
+              <a:t>class =</a:t>
+            </a:r>
+            <a:r>
+              <a:rPr>
+                <a:latin typeface="Courier"/>
+              </a:rPr>
+              <a:t> </a:t>
+            </a:r>
+            <a:r>
+              <a:rPr>
+                <a:solidFill>
+                  <a:srgbClr val="06287E"/>
+                </a:solidFill>
+                <a:latin typeface="Courier"/>
+              </a:rPr>
+              <a:t>c</a:t>
+            </a:r>
+            <a:r>
+              <a:rPr>
+                <a:latin typeface="Courier"/>
+              </a:rPr>
+              <a:t>(</a:t>
+            </a:r>
+            <a:r>
+              <a:rPr>
+                <a:solidFill>
+                  <a:srgbClr val="4070A0"/>
+                </a:solidFill>
+                <a:latin typeface="Courier"/>
+              </a:rPr>
+              <a:t>"Malacostraca"</a:t>
+            </a:r>
+            <a:r>
+              <a:rPr>
+                <a:latin typeface="Courier"/>
+              </a:rPr>
+              <a:t>, </a:t>
+            </a:r>
+            <a:r>
+              <a:rPr>
+                <a:solidFill>
+                  <a:srgbClr val="4070A0"/>
+                </a:solidFill>
+                <a:latin typeface="Courier"/>
+              </a:rPr>
+              <a:t>"Insecta"</a:t>
+            </a:r>
+            <a:r>
+              <a:rPr>
+                <a:latin typeface="Courier"/>
+              </a:rPr>
+              <a:t>, </a:t>
+            </a:r>
+            <a:r>
+              <a:rPr>
+                <a:solidFill>
+                  <a:srgbClr val="4070A0"/>
+                </a:solidFill>
+                <a:latin typeface="Courier"/>
+              </a:rPr>
+              <a:t>"Actinopterygii"</a:t>
+            </a:r>
+            <a:r>
+              <a:rPr>
+                <a:latin typeface="Courier"/>
+              </a:rPr>
+              <a:t>, </a:t>
+            </a:r>
+            <a:r>
+              <a:rPr>
+                <a:solidFill>
+                  <a:srgbClr val="4070A0"/>
+                </a:solidFill>
+                <a:latin typeface="Courier"/>
+              </a:rPr>
+              <a:t>"Amphibia"</a:t>
+            </a:r>
+            <a:r>
+              <a:rPr>
+                <a:latin typeface="Courier"/>
+              </a:rPr>
+              <a:t>)), </a:t>
+            </a:r>
+            <a:r>
+              <a:rPr>
+                <a:solidFill>
+                  <a:srgbClr val="7D9029"/>
+                </a:solidFill>
+                <a:latin typeface="Courier"/>
+              </a:rPr>
+              <a:t>subset =</a:t>
+            </a:r>
+            <a:r>
+              <a:rPr>
+                <a:latin typeface="Courier"/>
+              </a:rPr>
+              <a:t> </a:t>
+            </a:r>
+            <a:r>
+              <a:rPr>
+                <a:solidFill>
+                  <a:srgbClr val="880000"/>
+                </a:solidFill>
+                <a:latin typeface="Courier"/>
+              </a:rPr>
+              <a:t>TRUE</a:t>
+            </a:r>
+            <a:r>
+              <a:rPr>
+                <a:latin typeface="Courier"/>
+              </a:rPr>
+              <a:t>)</a:t>
+            </a:r>
+            <a:br/>
+            <a:br/>
+            <a:r>
+              <a:rPr>
+                <a:latin typeface="Courier"/>
+              </a:rPr>
+              <a:t>orchaRd</a:t>
+            </a:r>
+            <a:r>
+              <a:rPr>
+                <a:solidFill>
+                  <a:srgbClr val="4070A0"/>
+                </a:solidFill>
+                <a:latin typeface="Courier"/>
+              </a:rPr>
+              <a:t>::</a:t>
+            </a:r>
+            <a:r>
+              <a:rPr>
+                <a:solidFill>
+                  <a:srgbClr val="06287E"/>
+                </a:solidFill>
+                <a:latin typeface="Courier"/>
+              </a:rPr>
+              <a:t>orchard_plot</a:t>
+            </a:r>
+            <a:r>
+              <a:rPr>
+                <a:latin typeface="Courier"/>
+              </a:rPr>
+              <a:t>(mod_table, </a:t>
+            </a:r>
+            <a:r>
+              <a:rPr>
+                <a:solidFill>
+                  <a:srgbClr val="7D9029"/>
+                </a:solidFill>
+                <a:latin typeface="Courier"/>
+              </a:rPr>
+              <a:t>xlab =</a:t>
+            </a:r>
+            <a:r>
+              <a:rPr>
+                <a:latin typeface="Courier"/>
+              </a:rPr>
+              <a:t> </a:t>
+            </a:r>
+            <a:r>
+              <a:rPr>
+                <a:solidFill>
+                  <a:srgbClr val="4070A0"/>
+                </a:solidFill>
+                <a:latin typeface="Courier"/>
+              </a:rPr>
+              <a:t>"Acclimation Response Ratio (ARR)"</a:t>
+            </a:r>
+            <a:r>
+              <a:rPr>
+                <a:latin typeface="Courier"/>
+              </a:rPr>
+              <a:t>, </a:t>
+            </a:r>
+            <a:r>
+              <a:rPr>
+                <a:solidFill>
+                  <a:srgbClr val="7D9029"/>
+                </a:solidFill>
+                <a:latin typeface="Courier"/>
+              </a:rPr>
+              <a:t>angle =</a:t>
+            </a:r>
+            <a:r>
+              <a:rPr>
+                <a:latin typeface="Courier"/>
+              </a:rPr>
+              <a:t> </a:t>
+            </a:r>
+            <a:r>
+              <a:rPr>
+                <a:solidFill>
+                  <a:srgbClr val="40A070"/>
+                </a:solidFill>
+                <a:latin typeface="Courier"/>
+              </a:rPr>
+              <a:t>45</a:t>
+            </a:r>
+            <a:r>
+              <a:rPr>
+                <a:latin typeface="Courier"/>
+              </a:rPr>
+              <a:t>)</a:t>
+            </a:r>
+          </a:p>
+        </p:txBody>
+      </p:sp>
+      <p:pic>
+        <p:nvPicPr>
+          <p:cNvPr descr="code_slides_files/figure-pptx/orchard2-1.png" id="0" name="Picture 1"/>
+          <p:cNvPicPr>
+            <a:picLocks noGrp="1" noChangeAspect="1"/>
+          </p:cNvPicPr>
+          <p:nvPr/>
+        </p:nvPicPr>
+        <p:blipFill>
+          <a:blip r:embed="rId2"/>
+          <a:stretch>
+            <a:fillRect/>
+          </a:stretch>
+        </p:blipFill>
+        <p:spPr bwMode="auto">
+          <a:xfrm>
+            <a:off x="3568700" y="355600"/>
+            <a:ext cx="5105400" cy="4089400"/>
+          </a:xfrm>
+          <a:prstGeom prst="rect">
+            <a:avLst/>
+          </a:prstGeom>
+          <a:noFill/>
+          <a:ln w="9525">
+            <a:noFill/>
+            <a:headEnd/>
+            <a:tailEnd/>
+          </a:ln>
+        </p:spPr>
+      </p:pic>
+    </p:spTree>
+  </p:cSld>
+</p:sld>
+</file>
+
+<file path=ppt/slides/slide52.xml><?xml version="1.0" encoding="utf-8"?>
+<p:sld xmlns:a="http://schemas.openxmlformats.org/drawingml/2006/main" xmlns:r="http://schemas.openxmlformats.org/officeDocument/2006/relationships" xmlns:p="http://schemas.openxmlformats.org/presentationml/2006/main">
+  <p:cSld>
+    <p:spTree>
+      <p:nvGrpSpPr>
+        <p:cNvPr id="1" name=""/>
+        <p:cNvGrpSpPr/>
+        <p:nvPr/>
+      </p:nvGrpSpPr>
+      <p:grpSpPr>
+        <a:xfrm>
+          <a:off x="0" y="0"/>
+          <a:ext cx="0" cy="0"/>
+          <a:chOff x="0" y="0"/>
+          <a:chExt cx="0" cy="0"/>
+        </a:xfrm>
+      </p:grpSpPr>
+      <p:sp>
+        <p:nvSpPr>
+          <p:cNvPr id="2" name="Title 1"/>
+          <p:cNvSpPr>
+            <a:spLocks noGrp="1"/>
+          </p:cNvSpPr>
+          <p:nvPr>
+            <p:ph type="title"/>
+          </p:nvPr>
+        </p:nvSpPr>
+        <p:spPr/>
+        <p:txBody>
+          <a:bodyPr/>
+          <a:lstStyle/>
+          <a:p>
+            <a:pPr lvl="0" indent="0" marL="0">
+              <a:buNone/>
+            </a:pPr>
+            <a:r>
+              <a:rPr/>
+              <a:t>Pub bias</a:t>
+            </a:r>
+          </a:p>
+        </p:txBody>
+      </p:sp>
+      <p:sp>
+        <p:nvSpPr>
+          <p:cNvPr id="3" name="Content Placeholder 2"/>
+          <p:cNvSpPr>
+            <a:spLocks noGrp="1"/>
+          </p:cNvSpPr>
+          <p:nvPr>
+            <p:ph idx="1"/>
+          </p:nvPr>
+        </p:nvSpPr>
+        <p:spPr/>
+        <p:txBody>
+          <a:bodyPr/>
+          <a:lstStyle/>
+          <a:p>
+            <a:pPr lvl="0" indent="0">
+              <a:buNone/>
+            </a:pPr>
+            <a:r>
+              <a:rPr>
+                <a:latin typeface="Courier"/>
+              </a:rPr>
+              <a:t>## Warning: Some 'yi' and/or 'vi' values equal to +-Inf. Recoded to NAs.</a:t>
+            </a:r>
+          </a:p>
+        </p:txBody>
+      </p:sp>
+    </p:spTree>
+  </p:cSld>
+</p:sld>
+</file>
+
+<file path=ppt/slides/slide53.xml><?xml version="1.0" encoding="utf-8"?>
+<p:sld xmlns:a="http://schemas.openxmlformats.org/drawingml/2006/main" xmlns:r="http://schemas.openxmlformats.org/officeDocument/2006/relationships" xmlns:p="http://schemas.openxmlformats.org/presentationml/2006/main">
+  <p:cSld>
+    <p:spTree>
+      <p:nvGrpSpPr>
+        <p:cNvPr id="1" name=""/>
+        <p:cNvGrpSpPr/>
+        <p:nvPr/>
+      </p:nvGrpSpPr>
+      <p:grpSpPr>
+        <a:xfrm>
+          <a:off x="0" y="0"/>
+          <a:ext cx="0" cy="0"/>
+          <a:chOff x="0" y="0"/>
+          <a:chExt cx="0" cy="0"/>
+        </a:xfrm>
+      </p:grpSpPr>
+      <p:sp>
+        <p:nvSpPr>
+          <p:cNvPr id="2" name="Title 1"/>
+          <p:cNvSpPr>
+            <a:spLocks noGrp="1"/>
+          </p:cNvSpPr>
+          <p:nvPr>
+            <p:ph type="title"/>
+          </p:nvPr>
+        </p:nvSpPr>
+        <p:spPr>
+          <a:xfrm>
+            <a:off x="457201" y="204787"/>
+            <a:ext cx="3008313" cy="871538"/>
+          </a:xfrm>
+        </p:spPr>
+        <p:txBody>
+          <a:bodyPr/>
+          <a:lstStyle/>
+          <a:p>
+            <a:pPr lvl="0" indent="0" marL="0">
+              <a:buNone/>
+            </a:pPr>
+            <a:r>
+              <a:rPr/>
+              <a:t>Pub bias 2</a:t>
+            </a:r>
+          </a:p>
+        </p:txBody>
+      </p:sp>
+      <p:sp>
+        <p:nvSpPr>
+          <p:cNvPr id="4" name="Text Placeholder 3"/>
+          <p:cNvSpPr>
+            <a:spLocks noGrp="1"/>
+          </p:cNvSpPr>
+          <p:nvPr>
+            <p:ph idx="2" sz="half" type="body"/>
+          </p:nvPr>
+        </p:nvSpPr>
+        <p:spPr/>
+        <p:txBody>
+          <a:bodyPr/>
+          <a:lstStyle/>
+          <a:p>
+            <a:pPr lvl="0" indent="0">
+              <a:buNone/>
+            </a:pPr>
+            <a:r>
+              <a:rPr>
+                <a:solidFill>
+                  <a:srgbClr val="06287E"/>
+                </a:solidFill>
+                <a:latin typeface="Courier"/>
+              </a:rPr>
+              <a:t>par</a:t>
+            </a:r>
+            <a:r>
+              <a:rPr>
+                <a:latin typeface="Courier"/>
+              </a:rPr>
+              <a:t>(</a:t>
+            </a:r>
+            <a:r>
+              <a:rPr>
+                <a:solidFill>
+                  <a:srgbClr val="7D9029"/>
+                </a:solidFill>
+                <a:latin typeface="Courier"/>
+              </a:rPr>
+              <a:t>mfrow=</a:t>
+            </a:r>
+            <a:r>
+              <a:rPr>
+                <a:solidFill>
+                  <a:srgbClr val="06287E"/>
+                </a:solidFill>
+                <a:latin typeface="Courier"/>
+              </a:rPr>
+              <a:t>c</a:t>
+            </a:r>
+            <a:r>
+              <a:rPr>
+                <a:latin typeface="Courier"/>
+              </a:rPr>
+              <a:t>(</a:t>
+            </a:r>
+            <a:r>
+              <a:rPr>
+                <a:solidFill>
+                  <a:srgbClr val="40A070"/>
+                </a:solidFill>
+                <a:latin typeface="Courier"/>
+              </a:rPr>
+              <a:t>1</a:t>
+            </a:r>
+            <a:r>
+              <a:rPr>
+                <a:latin typeface="Courier"/>
+              </a:rPr>
+              <a:t>,</a:t>
+            </a:r>
+            <a:r>
+              <a:rPr>
+                <a:solidFill>
+                  <a:srgbClr val="40A070"/>
+                </a:solidFill>
+                <a:latin typeface="Courier"/>
+              </a:rPr>
+              <a:t>1</a:t>
+            </a:r>
+            <a:r>
+              <a:rPr>
+                <a:latin typeface="Courier"/>
+              </a:rPr>
+              <a:t>))</a:t>
+            </a:r>
+            <a:br/>
+            <a:r>
+              <a:rPr>
+                <a:latin typeface="Courier"/>
+              </a:rPr>
+              <a:t>metafor</a:t>
+            </a:r>
+            <a:r>
+              <a:rPr>
+                <a:solidFill>
+                  <a:srgbClr val="4070A0"/>
+                </a:solidFill>
+                <a:latin typeface="Courier"/>
+              </a:rPr>
+              <a:t>::</a:t>
+            </a:r>
+            <a:r>
+              <a:rPr>
+                <a:solidFill>
+                  <a:srgbClr val="06287E"/>
+                </a:solidFill>
+                <a:latin typeface="Courier"/>
+              </a:rPr>
+              <a:t>funnel</a:t>
+            </a:r>
+            <a:r>
+              <a:rPr>
+                <a:latin typeface="Courier"/>
+              </a:rPr>
+              <a:t>(</a:t>
+            </a:r>
+            <a:r>
+              <a:rPr>
+                <a:solidFill>
+                  <a:srgbClr val="7D9029"/>
+                </a:solidFill>
+                <a:latin typeface="Courier"/>
+              </a:rPr>
+              <a:t>x =</a:t>
+            </a:r>
+            <a:r>
+              <a:rPr>
+                <a:latin typeface="Courier"/>
+              </a:rPr>
+              <a:t> arnold_data_endo</a:t>
+            </a:r>
+            <a:r>
+              <a:rPr>
+                <a:solidFill>
+                  <a:srgbClr val="4070A0"/>
+                </a:solidFill>
+                <a:latin typeface="Courier"/>
+              </a:rPr>
+              <a:t>$</a:t>
+            </a:r>
+            <a:r>
+              <a:rPr>
+                <a:latin typeface="Courier"/>
+              </a:rPr>
+              <a:t>Zr, </a:t>
+            </a:r>
+            <a:r>
+              <a:rPr>
+                <a:solidFill>
+                  <a:srgbClr val="7D9029"/>
+                </a:solidFill>
+                <a:latin typeface="Courier"/>
+              </a:rPr>
+              <a:t>vi =</a:t>
+            </a:r>
+            <a:r>
+              <a:rPr>
+                <a:latin typeface="Courier"/>
+              </a:rPr>
+              <a:t> arnold_data_endo</a:t>
+            </a:r>
+            <a:r>
+              <a:rPr>
+                <a:solidFill>
+                  <a:srgbClr val="4070A0"/>
+                </a:solidFill>
+                <a:latin typeface="Courier"/>
+              </a:rPr>
+              <a:t>$</a:t>
+            </a:r>
+            <a:r>
+              <a:rPr>
+                <a:latin typeface="Courier"/>
+              </a:rPr>
+              <a:t>Zr_v, </a:t>
+            </a:r>
+            <a:r>
+              <a:rPr>
+                <a:solidFill>
+                  <a:srgbClr val="7D9029"/>
+                </a:solidFill>
+                <a:latin typeface="Courier"/>
+              </a:rPr>
+              <a:t>yaxis =</a:t>
+            </a:r>
+            <a:r>
+              <a:rPr>
+                <a:latin typeface="Courier"/>
+              </a:rPr>
+              <a:t> </a:t>
+            </a:r>
+            <a:r>
+              <a:rPr>
+                <a:solidFill>
+                  <a:srgbClr val="4070A0"/>
+                </a:solidFill>
+                <a:latin typeface="Courier"/>
+              </a:rPr>
+              <a:t>"seinv"</a:t>
+            </a:r>
+            <a:r>
+              <a:rPr>
+                <a:latin typeface="Courier"/>
+              </a:rPr>
+              <a:t>,</a:t>
+            </a:r>
+            <a:br/>
+            <a:r>
+              <a:rPr>
+                <a:latin typeface="Courier"/>
+              </a:rPr>
+              <a:t>    </a:t>
+            </a:r>
+            <a:r>
+              <a:rPr>
+                <a:solidFill>
+                  <a:srgbClr val="7D9029"/>
+                </a:solidFill>
+                <a:latin typeface="Courier"/>
+              </a:rPr>
+              <a:t>digits =</a:t>
+            </a:r>
+            <a:r>
+              <a:rPr>
+                <a:latin typeface="Courier"/>
+              </a:rPr>
+              <a:t> </a:t>
+            </a:r>
+            <a:r>
+              <a:rPr>
+                <a:solidFill>
+                  <a:srgbClr val="40A070"/>
+                </a:solidFill>
+                <a:latin typeface="Courier"/>
+              </a:rPr>
+              <a:t>2</a:t>
+            </a:r>
+            <a:r>
+              <a:rPr>
+                <a:latin typeface="Courier"/>
+              </a:rPr>
+              <a:t>, </a:t>
+            </a:r>
+            <a:r>
+              <a:rPr>
+                <a:solidFill>
+                  <a:srgbClr val="7D9029"/>
+                </a:solidFill>
+                <a:latin typeface="Courier"/>
+              </a:rPr>
+              <a:t>level =</a:t>
+            </a:r>
+            <a:r>
+              <a:rPr>
+                <a:latin typeface="Courier"/>
+              </a:rPr>
+              <a:t> </a:t>
+            </a:r>
+            <a:r>
+              <a:rPr>
+                <a:solidFill>
+                  <a:srgbClr val="06287E"/>
+                </a:solidFill>
+                <a:latin typeface="Courier"/>
+              </a:rPr>
+              <a:t>c</a:t>
+            </a:r>
+            <a:r>
+              <a:rPr>
+                <a:latin typeface="Courier"/>
+              </a:rPr>
+              <a:t>(</a:t>
+            </a:r>
+            <a:r>
+              <a:rPr>
+                <a:solidFill>
+                  <a:srgbClr val="40A070"/>
+                </a:solidFill>
+                <a:latin typeface="Courier"/>
+              </a:rPr>
+              <a:t>0.1</a:t>
+            </a:r>
+            <a:r>
+              <a:rPr>
+                <a:latin typeface="Courier"/>
+              </a:rPr>
+              <a:t>, </a:t>
+            </a:r>
+            <a:r>
+              <a:rPr>
+                <a:solidFill>
+                  <a:srgbClr val="40A070"/>
+                </a:solidFill>
+                <a:latin typeface="Courier"/>
+              </a:rPr>
+              <a:t>0.05</a:t>
+            </a:r>
+            <a:r>
+              <a:rPr>
+                <a:latin typeface="Courier"/>
+              </a:rPr>
+              <a:t>, </a:t>
+            </a:r>
+            <a:r>
+              <a:rPr>
+                <a:solidFill>
+                  <a:srgbClr val="40A070"/>
+                </a:solidFill>
+                <a:latin typeface="Courier"/>
+              </a:rPr>
+              <a:t>0.01</a:t>
+            </a:r>
+            <a:r>
+              <a:rPr>
+                <a:latin typeface="Courier"/>
+              </a:rPr>
+              <a:t>), </a:t>
+            </a:r>
+            <a:r>
+              <a:rPr>
+                <a:solidFill>
+                  <a:srgbClr val="7D9029"/>
+                </a:solidFill>
+                <a:latin typeface="Courier"/>
+              </a:rPr>
+              <a:t>shade =</a:t>
+            </a:r>
+            <a:r>
+              <a:rPr>
+                <a:latin typeface="Courier"/>
+              </a:rPr>
+              <a:t> </a:t>
+            </a:r>
+            <a:r>
+              <a:rPr>
+                <a:solidFill>
+                  <a:srgbClr val="06287E"/>
+                </a:solidFill>
+                <a:latin typeface="Courier"/>
+              </a:rPr>
+              <a:t>c</a:t>
+            </a:r>
+            <a:r>
+              <a:rPr>
+                <a:latin typeface="Courier"/>
+              </a:rPr>
+              <a:t>(</a:t>
+            </a:r>
+            <a:r>
+              <a:rPr>
+                <a:solidFill>
+                  <a:srgbClr val="4070A0"/>
+                </a:solidFill>
+                <a:latin typeface="Courier"/>
+              </a:rPr>
+              <a:t>"white"</a:t>
+            </a:r>
+            <a:r>
+              <a:rPr>
+                <a:latin typeface="Courier"/>
+              </a:rPr>
+              <a:t>, </a:t>
+            </a:r>
+            <a:r>
+              <a:rPr>
+                <a:solidFill>
+                  <a:srgbClr val="4070A0"/>
+                </a:solidFill>
+                <a:latin typeface="Courier"/>
+              </a:rPr>
+              <a:t>"gray55"</a:t>
+            </a:r>
+            <a:r>
+              <a:rPr>
+                <a:latin typeface="Courier"/>
+              </a:rPr>
+              <a:t>, </a:t>
+            </a:r>
+            <a:r>
+              <a:rPr>
+                <a:solidFill>
+                  <a:srgbClr val="4070A0"/>
+                </a:solidFill>
+                <a:latin typeface="Courier"/>
+              </a:rPr>
+              <a:t>"gray 75"</a:t>
+            </a:r>
+            <a:r>
+              <a:rPr>
+                <a:latin typeface="Courier"/>
+              </a:rPr>
+              <a:t>),</a:t>
+            </a:r>
+            <a:br/>
+            <a:r>
+              <a:rPr>
+                <a:latin typeface="Courier"/>
+              </a:rPr>
+              <a:t>    </a:t>
+            </a:r>
+            <a:r>
+              <a:rPr>
+                <a:solidFill>
+                  <a:srgbClr val="7D9029"/>
+                </a:solidFill>
+                <a:latin typeface="Courier"/>
+              </a:rPr>
+              <a:t>las =</a:t>
+            </a:r>
+            <a:r>
+              <a:rPr>
+                <a:latin typeface="Courier"/>
+              </a:rPr>
+              <a:t> </a:t>
+            </a:r>
+            <a:r>
+              <a:rPr>
+                <a:solidFill>
+                  <a:srgbClr val="40A070"/>
+                </a:solidFill>
+                <a:latin typeface="Courier"/>
+              </a:rPr>
+              <a:t>1</a:t>
+            </a:r>
+            <a:r>
+              <a:rPr>
+                <a:latin typeface="Courier"/>
+              </a:rPr>
+              <a:t>, </a:t>
+            </a:r>
+            <a:r>
+              <a:rPr>
+                <a:solidFill>
+                  <a:srgbClr val="7D9029"/>
+                </a:solidFill>
+                <a:latin typeface="Courier"/>
+              </a:rPr>
+              <a:t>xlab =</a:t>
+            </a:r>
+            <a:r>
+              <a:rPr>
+                <a:latin typeface="Courier"/>
+              </a:rPr>
+              <a:t> </a:t>
+            </a:r>
+            <a:r>
+              <a:rPr>
+                <a:solidFill>
+                  <a:srgbClr val="4070A0"/>
+                </a:solidFill>
+                <a:latin typeface="Courier"/>
+              </a:rPr>
+              <a:t>"Correlation Coefficient (r)"</a:t>
+            </a:r>
+            <a:r>
+              <a:rPr>
+                <a:latin typeface="Courier"/>
+              </a:rPr>
+              <a:t>, </a:t>
+            </a:r>
+            <a:r>
+              <a:rPr>
+                <a:solidFill>
+                  <a:srgbClr val="7D9029"/>
+                </a:solidFill>
+                <a:latin typeface="Courier"/>
+              </a:rPr>
+              <a:t>atransf =</a:t>
+            </a:r>
+            <a:r>
+              <a:rPr>
+                <a:latin typeface="Courier"/>
+              </a:rPr>
+              <a:t> tanh, </a:t>
+            </a:r>
+            <a:r>
+              <a:rPr>
+                <a:solidFill>
+                  <a:srgbClr val="7D9029"/>
+                </a:solidFill>
+                <a:latin typeface="Courier"/>
+              </a:rPr>
+              <a:t>legend =</a:t>
+            </a:r>
+            <a:r>
+              <a:rPr>
+                <a:latin typeface="Courier"/>
+              </a:rPr>
+              <a:t> </a:t>
+            </a:r>
+            <a:r>
+              <a:rPr>
+                <a:solidFill>
+                  <a:srgbClr val="880000"/>
+                </a:solidFill>
+                <a:latin typeface="Courier"/>
+              </a:rPr>
+              <a:t>TRUE</a:t>
+            </a:r>
+            <a:r>
+              <a:rPr>
+                <a:latin typeface="Courier"/>
+              </a:rPr>
+              <a:t>)</a:t>
+            </a:r>
+          </a:p>
+        </p:txBody>
+      </p:sp>
+      <p:pic>
+        <p:nvPicPr>
+          <p:cNvPr descr="code_slides_files/figure-pptx/funnel-1.png" id="0" name="Picture 1"/>
+          <p:cNvPicPr>
+            <a:picLocks noGrp="1" noChangeAspect="1"/>
+          </p:cNvPicPr>
+          <p:nvPr/>
+        </p:nvPicPr>
+        <p:blipFill>
+          <a:blip r:embed="rId2"/>
+          <a:stretch>
+            <a:fillRect/>
+          </a:stretch>
+        </p:blipFill>
+        <p:spPr bwMode="auto">
+          <a:xfrm>
+            <a:off x="3568700" y="355600"/>
+            <a:ext cx="5105400" cy="4089400"/>
+          </a:xfrm>
+          <a:prstGeom prst="rect">
+            <a:avLst/>
+          </a:prstGeom>
+          <a:noFill/>
+          <a:ln w="9525">
+            <a:noFill/>
+            <a:headEnd/>
+            <a:tailEnd/>
+          </a:ln>
+        </p:spPr>
+      </p:pic>
+    </p:spTree>
+  </p:cSld>
+</p:sld>
+</file>
+
+<file path=ppt/slides/slide54.xml><?xml version="1.0" encoding="utf-8"?>
+<p:sld xmlns:a="http://schemas.openxmlformats.org/drawingml/2006/main" xmlns:r="http://schemas.openxmlformats.org/officeDocument/2006/relationships" xmlns:p="http://schemas.openxmlformats.org/presentationml/2006/main">
+  <p:cSld>
+    <p:spTree>
+      <p:nvGrpSpPr>
+        <p:cNvPr id="1" name=""/>
+        <p:cNvGrpSpPr/>
+        <p:nvPr/>
+      </p:nvGrpSpPr>
+      <p:grpSpPr>
+        <a:xfrm>
+          <a:off x="0" y="0"/>
+          <a:ext cx="0" cy="0"/>
+          <a:chOff x="0" y="0"/>
+          <a:chExt cx="0" cy="0"/>
+        </a:xfrm>
+      </p:grpSpPr>
+      <p:sp>
+        <p:nvSpPr>
+          <p:cNvPr id="2" name="Title 1"/>
+          <p:cNvSpPr>
+            <a:spLocks noGrp="1"/>
+          </p:cNvSpPr>
+          <p:nvPr>
+            <p:ph type="title"/>
+          </p:nvPr>
+        </p:nvSpPr>
+        <p:spPr/>
+        <p:txBody>
+          <a:bodyPr/>
+          <a:lstStyle/>
+          <a:p>
+            <a:pPr lvl="0" indent="0" marL="0">
+              <a:buNone/>
+            </a:pPr>
+            <a:r>
+              <a:rPr/>
+              <a:t>Pub bias 3</a:t>
+            </a:r>
+          </a:p>
+        </p:txBody>
+      </p:sp>
+      <p:pic>
+        <p:nvPicPr>
+          <p:cNvPr descr="code_slides_files/figure-pptx/unnamed-chunk-8-1.png" id="0" name="Picture 1"/>
+          <p:cNvPicPr>
+            <a:picLocks noGrp="1" noChangeAspect="1"/>
+          </p:cNvPicPr>
+          <p:nvPr/>
+        </p:nvPicPr>
+        <p:blipFill>
+          <a:blip r:embed="rId2"/>
+          <a:stretch>
+            <a:fillRect/>
+          </a:stretch>
+        </p:blipFill>
+        <p:spPr bwMode="auto">
+          <a:xfrm>
+            <a:off x="2451100" y="1193800"/>
+            <a:ext cx="4241800" cy="3390900"/>
+          </a:xfrm>
+          <a:prstGeom prst="rect">
+            <a:avLst/>
+          </a:prstGeom>
+          <a:noFill/>
+          <a:ln w="9525">
+            <a:noFill/>
+            <a:headEnd/>
+            <a:tailEnd/>
+          </a:ln>
+        </p:spPr>
+      </p:pic>
+    </p:spTree>
+  </p:cSld>
+</p:sld>
+</file>
+
+<file path=ppt/slides/slide55.xml><?xml version="1.0" encoding="utf-8"?>
+<p:sld xmlns:a="http://schemas.openxmlformats.org/drawingml/2006/main" xmlns:r="http://schemas.openxmlformats.org/officeDocument/2006/relationships" xmlns:p="http://schemas.openxmlformats.org/presentationml/2006/main">
+  <p:cSld>
+    <p:spTree>
+      <p:nvGrpSpPr>
+        <p:cNvPr id="1" name=""/>
+        <p:cNvGrpSpPr/>
+        <p:nvPr/>
+      </p:nvGrpSpPr>
+      <p:grpSpPr>
+        <a:xfrm>
+          <a:off x="0" y="0"/>
+          <a:ext cx="0" cy="0"/>
+          <a:chOff x="0" y="0"/>
+          <a:chExt cx="0" cy="0"/>
+        </a:xfrm>
+      </p:grpSpPr>
+      <p:sp>
+        <p:nvSpPr>
+          <p:cNvPr id="2" name="Title 1"/>
+          <p:cNvSpPr>
+            <a:spLocks noGrp="1"/>
+          </p:cNvSpPr>
+          <p:nvPr>
+            <p:ph type="title"/>
+          </p:nvPr>
+        </p:nvSpPr>
+        <p:spPr/>
+        <p:txBody>
+          <a:bodyPr/>
+          <a:lstStyle/>
+          <a:p>
+            <a:pPr lvl="0" indent="0" marL="0">
+              <a:buNone/>
+            </a:pPr>
+            <a:r>
+              <a:rPr/>
+              <a:t>Pub bias 4</a:t>
+            </a:r>
+          </a:p>
+        </p:txBody>
+      </p:sp>
+      <p:sp>
+        <p:nvSpPr>
+          <p:cNvPr id="3" name="Content Placeholder 2"/>
+          <p:cNvSpPr>
+            <a:spLocks noGrp="1"/>
+          </p:cNvSpPr>
+          <p:nvPr>
+            <p:ph idx="1"/>
+          </p:nvPr>
+        </p:nvSpPr>
+        <p:spPr/>
+        <p:txBody>
+          <a:bodyPr/>
+          <a:lstStyle/>
+          <a:p>
+            <a:pPr lvl="0" indent="0" marL="0">
+              <a:buNone/>
+            </a:pPr>
+            <a:r>
+              <a:rPr/>
+              <a:t>$$
+\begin{equation}
+y_{i} = \mu + \beta_{se}se +  s_{j[i]} + spp_{k[i]} + e_{i} + m_{i} \\
+(\#eq:itot1)
+\end{equation}
+$$</a:t>
+            </a:r>
+          </a:p>
+        </p:txBody>
+      </p:sp>
+    </p:spTree>
+  </p:cSld>
+</p:sld>
+</file>
+
+<file path=ppt/slides/slide56.xml><?xml version="1.0" encoding="utf-8"?>
+<p:sld xmlns:a="http://schemas.openxmlformats.org/drawingml/2006/main" xmlns:r="http://schemas.openxmlformats.org/officeDocument/2006/relationships" xmlns:p="http://schemas.openxmlformats.org/presentationml/2006/main">
+  <p:cSld>
+    <p:spTree>
+      <p:nvGrpSpPr>
+        <p:cNvPr id="1" name=""/>
+        <p:cNvGrpSpPr/>
+        <p:nvPr/>
+      </p:nvGrpSpPr>
+      <p:grpSpPr>
+        <a:xfrm>
+          <a:off x="0" y="0"/>
+          <a:ext cx="0" cy="0"/>
+          <a:chOff x="0" y="0"/>
+          <a:chExt cx="0" cy="0"/>
+        </a:xfrm>
+      </p:grpSpPr>
+      <p:sp>
+        <p:nvSpPr>
+          <p:cNvPr id="2" name="Title 1"/>
+          <p:cNvSpPr>
+            <a:spLocks noGrp="1"/>
+          </p:cNvSpPr>
+          <p:nvPr>
+            <p:ph type="title"/>
+          </p:nvPr>
+        </p:nvSpPr>
+        <p:spPr/>
+        <p:txBody>
+          <a:bodyPr/>
+          <a:lstStyle/>
+          <a:p>
+            <a:pPr lvl="0" indent="0" marL="0">
+              <a:buNone/>
+            </a:pPr>
+            <a:r>
+              <a:rPr/>
+              <a:t>Pub bias 4.3</a:t>
+            </a:r>
+          </a:p>
+        </p:txBody>
+      </p:sp>
+      <p:sp>
+        <p:nvSpPr>
+          <p:cNvPr id="3" name="Content Placeholder 2"/>
+          <p:cNvSpPr>
+            <a:spLocks noGrp="1"/>
+          </p:cNvSpPr>
+          <p:nvPr>
+            <p:ph idx="1"/>
+          </p:nvPr>
+        </p:nvSpPr>
+        <p:spPr/>
+        <p:txBody>
+          <a:bodyPr/>
+          <a:lstStyle/>
+          <a:p>
+            <a:pPr lvl="0" indent="0" marL="0">
+              <a:buNone/>
+            </a:pPr>
+            <a:r>
+              <a:rPr/>
+              <a:t>$$
+\begin{equation}
+y_{i} = \mu + \sum_{i = 1}^{N_{m}}\beta_{m}x_{m} + \beta_{se}se + \beta_{y}Year +  s_{j[i]} + spp_{k[i]} + e_{i} + m_{i} \\
+(\#eq:itot2)
+\end{equation}
+$$</a:t>
+            </a:r>
+          </a:p>
+        </p:txBody>
+      </p:sp>
+    </p:spTree>
+  </p:cSld>
+</p:sld>
+</file>
+
+<file path=ppt/slides/slide57.xml><?xml version="1.0" encoding="utf-8"?>
+<p:sld xmlns:a="http://schemas.openxmlformats.org/drawingml/2006/main" xmlns:r="http://schemas.openxmlformats.org/officeDocument/2006/relationships" xmlns:p="http://schemas.openxmlformats.org/presentationml/2006/main">
+  <p:cSld>
+    <p:spTree>
+      <p:nvGrpSpPr>
+        <p:cNvPr id="1" name=""/>
+        <p:cNvGrpSpPr/>
+        <p:nvPr/>
+      </p:nvGrpSpPr>
+      <p:grpSpPr>
+        <a:xfrm>
+          <a:off x="0" y="0"/>
+          <a:ext cx="0" cy="0"/>
+          <a:chOff x="0" y="0"/>
+          <a:chExt cx="0" cy="0"/>
+        </a:xfrm>
+      </p:grpSpPr>
+      <p:sp>
+        <p:nvSpPr>
+          <p:cNvPr id="2" name="Title 1"/>
+          <p:cNvSpPr>
+            <a:spLocks noGrp="1"/>
+          </p:cNvSpPr>
+          <p:nvPr>
+            <p:ph type="title"/>
+          </p:nvPr>
+        </p:nvSpPr>
+        <p:spPr/>
+        <p:txBody>
+          <a:bodyPr/>
+          <a:lstStyle/>
+          <a:p>
+            <a:pPr lvl="0" indent="0" marL="0">
+              <a:buNone/>
+            </a:pPr>
+            <a:r>
+              <a:rPr/>
+              <a:t>Pub bias 5</a:t>
+            </a:r>
+          </a:p>
+        </p:txBody>
+      </p:sp>
+      <p:sp>
+        <p:nvSpPr>
+          <p:cNvPr id="3" name="Content Placeholder 2"/>
+          <p:cNvSpPr>
+            <a:spLocks noGrp="1"/>
+          </p:cNvSpPr>
+          <p:nvPr>
+            <p:ph idx="1"/>
+          </p:nvPr>
+        </p:nvSpPr>
+        <p:spPr/>
+        <p:txBody>
+          <a:bodyPr/>
+          <a:lstStyle/>
+          <a:p>
+            <a:pPr lvl="0" indent="0">
+              <a:buNone/>
+            </a:pPr>
+            <a:r>
+              <a:rPr i="1">
+                <a:solidFill>
+                  <a:srgbClr val="60A0B0"/>
+                </a:solidFill>
+                <a:latin typeface="Courier"/>
+              </a:rPr>
+              <a:t># Including sampling standard error as moderator</a:t>
+            </a:r>
+            <a:br/>
+            <a:r>
+              <a:rPr>
+                <a:latin typeface="Courier"/>
+              </a:rPr>
+              <a:t>metareg_se </a:t>
+            </a:r>
+            <a:r>
+              <a:rPr>
+                <a:solidFill>
+                  <a:srgbClr val="007020"/>
+                </a:solidFill>
+                <a:latin typeface="Courier"/>
+              </a:rPr>
+              <a:t>&lt;-</a:t>
+            </a:r>
+            <a:r>
+              <a:rPr>
+                <a:latin typeface="Courier"/>
+              </a:rPr>
+              <a:t> </a:t>
+            </a:r>
+            <a:r>
+              <a:rPr>
+                <a:solidFill>
+                  <a:srgbClr val="06287E"/>
+                </a:solidFill>
+                <a:latin typeface="Courier"/>
+              </a:rPr>
+              <a:t>rma.mv</a:t>
+            </a:r>
+            <a:r>
+              <a:rPr>
+                <a:latin typeface="Courier"/>
+              </a:rPr>
+              <a:t>(</a:t>
+            </a:r>
+            <a:r>
+              <a:rPr>
+                <a:solidFill>
+                  <a:srgbClr val="7D9029"/>
+                </a:solidFill>
+                <a:latin typeface="Courier"/>
+              </a:rPr>
+              <a:t>yi =</a:t>
+            </a:r>
+            <a:r>
+              <a:rPr>
+                <a:latin typeface="Courier"/>
+              </a:rPr>
+              <a:t> Zr, </a:t>
+            </a:r>
+            <a:r>
+              <a:rPr>
+                <a:solidFill>
+                  <a:srgbClr val="7D9029"/>
+                </a:solidFill>
+                <a:latin typeface="Courier"/>
+              </a:rPr>
+              <a:t>V =</a:t>
+            </a:r>
+            <a:r>
+              <a:rPr>
+                <a:latin typeface="Courier"/>
+              </a:rPr>
+              <a:t> Zr_v, </a:t>
+            </a:r>
+            <a:r>
+              <a:rPr>
+                <a:solidFill>
+                  <a:srgbClr val="7D9029"/>
+                </a:solidFill>
+                <a:latin typeface="Courier"/>
+              </a:rPr>
+              <a:t>mods =</a:t>
+            </a:r>
+            <a:r>
+              <a:rPr>
+                <a:latin typeface="Courier"/>
+              </a:rPr>
+              <a:t> </a:t>
+            </a:r>
+            <a:r>
+              <a:rPr>
+                <a:solidFill>
+                  <a:srgbClr val="4070A0"/>
+                </a:solidFill>
+                <a:latin typeface="Courier"/>
+              </a:rPr>
+              <a:t>~</a:t>
+            </a:r>
+            <a:r>
+              <a:rPr>
+                <a:latin typeface="Courier"/>
+              </a:rPr>
+              <a:t> </a:t>
+            </a:r>
+            <a:r>
+              <a:rPr>
+                <a:solidFill>
+                  <a:srgbClr val="06287E"/>
+                </a:solidFill>
+                <a:latin typeface="Courier"/>
+              </a:rPr>
+              <a:t>sqrt</a:t>
+            </a:r>
+            <a:r>
+              <a:rPr>
+                <a:latin typeface="Courier"/>
+              </a:rPr>
+              <a:t>(Zr_v), </a:t>
+            </a:r>
+            <a:r>
+              <a:rPr>
+                <a:solidFill>
+                  <a:srgbClr val="7D9029"/>
+                </a:solidFill>
+                <a:latin typeface="Courier"/>
+              </a:rPr>
+              <a:t>test =</a:t>
+            </a:r>
+            <a:r>
+              <a:rPr>
+                <a:latin typeface="Courier"/>
+              </a:rPr>
+              <a:t> </a:t>
+            </a:r>
+            <a:r>
+              <a:rPr>
+                <a:solidFill>
+                  <a:srgbClr val="4070A0"/>
+                </a:solidFill>
+                <a:latin typeface="Courier"/>
+              </a:rPr>
+              <a:t>"t"</a:t>
+            </a:r>
+            <a:r>
+              <a:rPr>
+                <a:latin typeface="Courier"/>
+              </a:rPr>
+              <a:t>, </a:t>
+            </a:r>
+            <a:r>
+              <a:rPr>
+                <a:solidFill>
+                  <a:srgbClr val="7D9029"/>
+                </a:solidFill>
+                <a:latin typeface="Courier"/>
+              </a:rPr>
+              <a:t>dfs =</a:t>
+            </a:r>
+            <a:r>
+              <a:rPr>
+                <a:latin typeface="Courier"/>
+              </a:rPr>
+              <a:t> </a:t>
+            </a:r>
+            <a:r>
+              <a:rPr>
+                <a:solidFill>
+                  <a:srgbClr val="4070A0"/>
+                </a:solidFill>
+                <a:latin typeface="Courier"/>
+              </a:rPr>
+              <a:t>"contain"</a:t>
+            </a:r>
+            <a:r>
+              <a:rPr>
+                <a:latin typeface="Courier"/>
+              </a:rPr>
+              <a:t>, </a:t>
+            </a:r>
+            <a:r>
+              <a:rPr>
+                <a:solidFill>
+                  <a:srgbClr val="7D9029"/>
+                </a:solidFill>
+                <a:latin typeface="Courier"/>
+              </a:rPr>
+              <a:t>data =</a:t>
+            </a:r>
+            <a:r>
+              <a:rPr>
+                <a:latin typeface="Courier"/>
+              </a:rPr>
+              <a:t> arnold_data_endo, </a:t>
+            </a:r>
+            <a:r>
+              <a:rPr>
+                <a:solidFill>
+                  <a:srgbClr val="7D9029"/>
+                </a:solidFill>
+                <a:latin typeface="Courier"/>
+              </a:rPr>
+              <a:t>random =</a:t>
+            </a:r>
+            <a:r>
+              <a:rPr>
+                <a:latin typeface="Courier"/>
+              </a:rPr>
+              <a:t> </a:t>
+            </a:r>
+            <a:r>
+              <a:rPr>
+                <a:solidFill>
+                  <a:srgbClr val="06287E"/>
+                </a:solidFill>
+                <a:latin typeface="Courier"/>
+              </a:rPr>
+              <a:t>list</a:t>
+            </a:r>
+            <a:r>
+              <a:rPr>
+                <a:latin typeface="Courier"/>
+              </a:rPr>
+              <a:t>(</a:t>
+            </a:r>
+            <a:r>
+              <a:rPr>
+                <a:solidFill>
+                  <a:srgbClr val="4070A0"/>
+                </a:solidFill>
+                <a:latin typeface="Courier"/>
+              </a:rPr>
+              <a:t>~</a:t>
+            </a:r>
+            <a:r>
+              <a:rPr>
+                <a:solidFill>
+                  <a:srgbClr val="40A070"/>
+                </a:solidFill>
+                <a:latin typeface="Courier"/>
+              </a:rPr>
+              <a:t>1</a:t>
+            </a:r>
+            <a:r>
+              <a:rPr>
+                <a:solidFill>
+                  <a:srgbClr val="4070A0"/>
+                </a:solidFill>
+                <a:latin typeface="Courier"/>
+              </a:rPr>
+              <a:t>|</a:t>
+            </a:r>
+            <a:r>
+              <a:rPr>
+                <a:latin typeface="Courier"/>
+              </a:rPr>
+              <a:t>Ref, </a:t>
+            </a:r>
+            <a:r>
+              <a:rPr>
+                <a:solidFill>
+                  <a:srgbClr val="4070A0"/>
+                </a:solidFill>
+                <a:latin typeface="Courier"/>
+              </a:rPr>
+              <a:t>~</a:t>
+            </a:r>
+            <a:r>
+              <a:rPr>
+                <a:solidFill>
+                  <a:srgbClr val="40A070"/>
+                </a:solidFill>
+                <a:latin typeface="Courier"/>
+              </a:rPr>
+              <a:t>1</a:t>
+            </a:r>
+            <a:r>
+              <a:rPr>
+                <a:solidFill>
+                  <a:srgbClr val="4070A0"/>
+                </a:solidFill>
+                <a:latin typeface="Courier"/>
+              </a:rPr>
+              <a:t>|</a:t>
+            </a:r>
+            <a:r>
+              <a:rPr>
+                <a:latin typeface="Courier"/>
+              </a:rPr>
+              <a:t>obs))</a:t>
+            </a:r>
+            <a:br/>
+            <a:r>
+              <a:rPr>
+                <a:solidFill>
+                  <a:srgbClr val="06287E"/>
+                </a:solidFill>
+                <a:latin typeface="Courier"/>
+              </a:rPr>
+              <a:t>summary</a:t>
+            </a:r>
+            <a:r>
+              <a:rPr>
+                <a:latin typeface="Courier"/>
+              </a:rPr>
+              <a:t>(metareg_se)</a:t>
+            </a:r>
+          </a:p>
+          <a:p>
+            <a:pPr lvl="0" indent="0">
+              <a:buNone/>
+            </a:pPr>
+            <a:r>
+              <a:rPr>
+                <a:latin typeface="Courier"/>
+              </a:rPr>
+              <a:t>## 
+## Multivariate Meta-Analysis Model (k = 209; method: REML)
+## 
+##   logLik  Deviance       AIC       BIC      AICc  ​ 
+## -77.9464  155.8928  163.8928  177.2237  164.0908   
+## 
+## Variance Components:
+## 
+##             estim    sqrt  nlvls  fixed  factor 
+## sigma^2.1  0.0626  0.2503     62     no     Ref 
+## sigma^2.2  0.0380  0.1951    209     no     obs 
+## 
+## Test for Residual Heterogeneity:
+## QE(df = 207) = 844.4496, p-val &lt; .0001
+## 
+## Test of Moderators (coefficient 2):
+## F(df1 = 1, df2 = 207) = 14.3314, p-val = 0.0002
+## 
+## Model Results:
+## 
+##             estimate      se     tval   df    pval    ci.lb   ci.ub     ​ 
+## intrcpt      -0.0668  0.0727  -0.9184   60  0.3621  -0.2122  0.0787      
+## sqrt(Zr_v)    1.3908  0.3674   3.7857  207  0.0002   0.6665  2.1151  *** 
+## 
+## ---
+## Signif. codes:  0 '***' 0.001 '**' 0.01 '*' 0.05 '.' 0.1 ' ' 1</a:t>
+            </a:r>
+          </a:p>
+        </p:txBody>
+      </p:sp>
+    </p:spTree>
+  </p:cSld>
+</p:sld>
+</file>
+
+<file path=ppt/slides/slide58.xml><?xml version="1.0" encoding="utf-8"?>
+<p:sld xmlns:a="http://schemas.openxmlformats.org/drawingml/2006/main" xmlns:r="http://schemas.openxmlformats.org/officeDocument/2006/relationships" xmlns:p="http://schemas.openxmlformats.org/presentationml/2006/main">
+  <p:cSld>
+    <p:spTree>
+      <p:nvGrpSpPr>
+        <p:cNvPr id="1" name=""/>
+        <p:cNvGrpSpPr/>
+        <p:nvPr/>
+      </p:nvGrpSpPr>
+      <p:grpSpPr>
+        <a:xfrm>
+          <a:off x="0" y="0"/>
+          <a:ext cx="0" cy="0"/>
+          <a:chOff x="0" y="0"/>
+          <a:chExt cx="0" cy="0"/>
+        </a:xfrm>
+      </p:grpSpPr>
+      <p:sp>
+        <p:nvSpPr>
+          <p:cNvPr id="2" name="Title 1"/>
+          <p:cNvSpPr>
+            <a:spLocks noGrp="1"/>
+          </p:cNvSpPr>
+          <p:nvPr>
+            <p:ph type="title"/>
+          </p:nvPr>
+        </p:nvSpPr>
+        <p:spPr>
+          <a:xfrm>
+            <a:off x="457201" y="204787"/>
+            <a:ext cx="3008313" cy="871538"/>
+          </a:xfrm>
+        </p:spPr>
+        <p:txBody>
+          <a:bodyPr/>
+          <a:lstStyle/>
+          <a:p>
+            <a:pPr lvl="0" indent="0" marL="0">
+              <a:buNone/>
+            </a:pPr>
+            <a:r>
+              <a:rPr/>
+              <a:t>Pub bias 6</a:t>
+            </a:r>
+          </a:p>
+        </p:txBody>
+      </p:sp>
+      <p:sp>
+        <p:nvSpPr>
+          <p:cNvPr id="4" name="Text Placeholder 3"/>
+          <p:cNvSpPr>
+            <a:spLocks noGrp="1"/>
+          </p:cNvSpPr>
+          <p:nvPr>
+            <p:ph idx="2" sz="half" type="body"/>
+          </p:nvPr>
+        </p:nvSpPr>
+        <p:spPr/>
+        <p:txBody>
+          <a:bodyPr/>
+          <a:lstStyle/>
+          <a:p>
+            <a:pPr lvl="0" indent="0">
+              <a:buNone/>
+            </a:pPr>
+            <a:r>
+              <a:rPr i="1">
+                <a:solidFill>
+                  <a:srgbClr val="60A0B0"/>
+                </a:solidFill>
+                <a:latin typeface="Courier"/>
+              </a:rPr>
+              <a:t># Including sampling standard error as moderator and year</a:t>
+            </a:r>
+            <a:br/>
+            <a:r>
+              <a:rPr>
+                <a:latin typeface="Courier"/>
+              </a:rPr>
+              <a:t>arnold_data_endo</a:t>
+            </a:r>
+            <a:r>
+              <a:rPr>
+                <a:solidFill>
+                  <a:srgbClr val="4070A0"/>
+                </a:solidFill>
+                <a:latin typeface="Courier"/>
+              </a:rPr>
+              <a:t>$</a:t>
+            </a:r>
+            <a:r>
+              <a:rPr>
+                <a:latin typeface="Courier"/>
+              </a:rPr>
+              <a:t>se </a:t>
+            </a:r>
+            <a:r>
+              <a:rPr>
+                <a:solidFill>
+                  <a:srgbClr val="007020"/>
+                </a:solidFill>
+                <a:latin typeface="Courier"/>
+              </a:rPr>
+              <a:t>&lt;-</a:t>
+            </a:r>
+            <a:r>
+              <a:rPr>
+                <a:latin typeface="Courier"/>
+              </a:rPr>
+              <a:t> </a:t>
+            </a:r>
+            <a:r>
+              <a:rPr>
+                <a:solidFill>
+                  <a:srgbClr val="06287E"/>
+                </a:solidFill>
+                <a:latin typeface="Courier"/>
+              </a:rPr>
+              <a:t>sqrt</a:t>
+            </a:r>
+            <a:r>
+              <a:rPr>
+                <a:latin typeface="Courier"/>
+              </a:rPr>
+              <a:t>(arnold_data_endo</a:t>
+            </a:r>
+            <a:r>
+              <a:rPr>
+                <a:solidFill>
+                  <a:srgbClr val="4070A0"/>
+                </a:solidFill>
+                <a:latin typeface="Courier"/>
+              </a:rPr>
+              <a:t>$</a:t>
+            </a:r>
+            <a:r>
+              <a:rPr>
+                <a:latin typeface="Courier"/>
+              </a:rPr>
+              <a:t>Zr_v)</a:t>
+            </a:r>
+            <a:br/>
+            <a:r>
+              <a:rPr>
+                <a:latin typeface="Courier"/>
+              </a:rPr>
+              <a:t>arnold_data_endo</a:t>
+            </a:r>
+            <a:r>
+              <a:rPr>
+                <a:solidFill>
+                  <a:srgbClr val="4070A0"/>
+                </a:solidFill>
+                <a:latin typeface="Courier"/>
+              </a:rPr>
+              <a:t>$</a:t>
+            </a:r>
+            <a:r>
+              <a:rPr>
+                <a:latin typeface="Courier"/>
+              </a:rPr>
+              <a:t>c_log_year </a:t>
+            </a:r>
+            <a:r>
+              <a:rPr>
+                <a:solidFill>
+                  <a:srgbClr val="007020"/>
+                </a:solidFill>
+                <a:latin typeface="Courier"/>
+              </a:rPr>
+              <a:t>&lt;-</a:t>
+            </a:r>
+            <a:r>
+              <a:rPr>
+                <a:latin typeface="Courier"/>
+              </a:rPr>
+              <a:t> </a:t>
+            </a:r>
+            <a:r>
+              <a:rPr>
+                <a:solidFill>
+                  <a:srgbClr val="06287E"/>
+                </a:solidFill>
+                <a:latin typeface="Courier"/>
+              </a:rPr>
+              <a:t>scale</a:t>
+            </a:r>
+            <a:r>
+              <a:rPr>
+                <a:latin typeface="Courier"/>
+              </a:rPr>
+              <a:t>(</a:t>
+            </a:r>
+            <a:r>
+              <a:rPr>
+                <a:solidFill>
+                  <a:srgbClr val="06287E"/>
+                </a:solidFill>
+                <a:latin typeface="Courier"/>
+              </a:rPr>
+              <a:t>log</a:t>
+            </a:r>
+            <a:r>
+              <a:rPr>
+                <a:latin typeface="Courier"/>
+              </a:rPr>
+              <a:t>(arnold_data_endo</a:t>
+            </a:r>
+            <a:r>
+              <a:rPr>
+                <a:solidFill>
+                  <a:srgbClr val="4070A0"/>
+                </a:solidFill>
+                <a:latin typeface="Courier"/>
+              </a:rPr>
+              <a:t>$</a:t>
+            </a:r>
+            <a:r>
+              <a:rPr>
+                <a:latin typeface="Courier"/>
+              </a:rPr>
+              <a:t>Year))</a:t>
+            </a:r>
+            <a:br/>
+            <a:br/>
+            <a:r>
+              <a:rPr i="1">
+                <a:solidFill>
+                  <a:srgbClr val="60A0B0"/>
+                </a:solidFill>
+                <a:latin typeface="Courier"/>
+              </a:rPr>
+              <a:t># Fit model</a:t>
+            </a:r>
+            <a:br/>
+            <a:r>
+              <a:rPr>
+                <a:latin typeface="Courier"/>
+              </a:rPr>
+              <a:t>metareg_se_time </a:t>
+            </a:r>
+            <a:r>
+              <a:rPr>
+                <a:solidFill>
+                  <a:srgbClr val="007020"/>
+                </a:solidFill>
+                <a:latin typeface="Courier"/>
+              </a:rPr>
+              <a:t>&lt;-</a:t>
+            </a:r>
+            <a:r>
+              <a:rPr>
+                <a:latin typeface="Courier"/>
+              </a:rPr>
+              <a:t> </a:t>
+            </a:r>
+            <a:r>
+              <a:rPr>
+                <a:solidFill>
+                  <a:srgbClr val="06287E"/>
+                </a:solidFill>
+                <a:latin typeface="Courier"/>
+              </a:rPr>
+              <a:t>rma.mv</a:t>
+            </a:r>
+            <a:r>
+              <a:rPr>
+                <a:latin typeface="Courier"/>
+              </a:rPr>
+              <a:t>(</a:t>
+            </a:r>
+            <a:r>
+              <a:rPr>
+                <a:solidFill>
+                  <a:srgbClr val="7D9029"/>
+                </a:solidFill>
+                <a:latin typeface="Courier"/>
+              </a:rPr>
+              <a:t>yi =</a:t>
+            </a:r>
+            <a:r>
+              <a:rPr>
+                <a:latin typeface="Courier"/>
+              </a:rPr>
+              <a:t> Zr, </a:t>
+            </a:r>
+            <a:r>
+              <a:rPr>
+                <a:solidFill>
+                  <a:srgbClr val="7D9029"/>
+                </a:solidFill>
+                <a:latin typeface="Courier"/>
+              </a:rPr>
+              <a:t>V =</a:t>
+            </a:r>
+            <a:r>
+              <a:rPr>
+                <a:latin typeface="Courier"/>
+              </a:rPr>
+              <a:t> Zr_v, </a:t>
+            </a:r>
+            <a:r>
+              <a:rPr>
+                <a:solidFill>
+                  <a:srgbClr val="7D9029"/>
+                </a:solidFill>
+                <a:latin typeface="Courier"/>
+              </a:rPr>
+              <a:t>mods =</a:t>
+            </a:r>
+            <a:r>
+              <a:rPr>
+                <a:latin typeface="Courier"/>
+              </a:rPr>
+              <a:t> </a:t>
+            </a:r>
+            <a:r>
+              <a:rPr>
+                <a:solidFill>
+                  <a:srgbClr val="4070A0"/>
+                </a:solidFill>
+                <a:latin typeface="Courier"/>
+              </a:rPr>
+              <a:t>~</a:t>
+            </a:r>
+            <a:r>
+              <a:rPr>
+                <a:latin typeface="Courier"/>
+              </a:rPr>
+              <a:t> se </a:t>
+            </a:r>
+            <a:r>
+              <a:rPr>
+                <a:solidFill>
+                  <a:srgbClr val="4070A0"/>
+                </a:solidFill>
+                <a:latin typeface="Courier"/>
+              </a:rPr>
+              <a:t>+</a:t>
+            </a:r>
+            <a:r>
+              <a:rPr>
+                <a:latin typeface="Courier"/>
+              </a:rPr>
+              <a:t> c_log_year, </a:t>
+            </a:r>
+            <a:r>
+              <a:rPr>
+                <a:solidFill>
+                  <a:srgbClr val="7D9029"/>
+                </a:solidFill>
+                <a:latin typeface="Courier"/>
+              </a:rPr>
+              <a:t>test =</a:t>
+            </a:r>
+            <a:r>
+              <a:rPr>
+                <a:latin typeface="Courier"/>
+              </a:rPr>
+              <a:t> </a:t>
+            </a:r>
+            <a:r>
+              <a:rPr>
+                <a:solidFill>
+                  <a:srgbClr val="4070A0"/>
+                </a:solidFill>
+                <a:latin typeface="Courier"/>
+              </a:rPr>
+              <a:t>"t"</a:t>
+            </a:r>
+            <a:r>
+              <a:rPr>
+                <a:latin typeface="Courier"/>
+              </a:rPr>
+              <a:t>, </a:t>
+            </a:r>
+            <a:r>
+              <a:rPr>
+                <a:solidFill>
+                  <a:srgbClr val="7D9029"/>
+                </a:solidFill>
+                <a:latin typeface="Courier"/>
+              </a:rPr>
+              <a:t>dfs =</a:t>
+            </a:r>
+            <a:r>
+              <a:rPr>
+                <a:latin typeface="Courier"/>
+              </a:rPr>
+              <a:t> </a:t>
+            </a:r>
+            <a:r>
+              <a:rPr>
+                <a:solidFill>
+                  <a:srgbClr val="4070A0"/>
+                </a:solidFill>
+                <a:latin typeface="Courier"/>
+              </a:rPr>
+              <a:t>"contain"</a:t>
+            </a:r>
+            <a:r>
+              <a:rPr>
+                <a:latin typeface="Courier"/>
+              </a:rPr>
+              <a:t>, </a:t>
+            </a:r>
+            <a:r>
+              <a:rPr>
+                <a:solidFill>
+                  <a:srgbClr val="7D9029"/>
+                </a:solidFill>
+                <a:latin typeface="Courier"/>
+              </a:rPr>
+              <a:t>data =</a:t>
+            </a:r>
+            <a:r>
+              <a:rPr>
+                <a:latin typeface="Courier"/>
+              </a:rPr>
+              <a:t> arnold_data_endo, </a:t>
+            </a:r>
+            <a:r>
+              <a:rPr>
+                <a:solidFill>
+                  <a:srgbClr val="7D9029"/>
+                </a:solidFill>
+                <a:latin typeface="Courier"/>
+              </a:rPr>
+              <a:t>random =</a:t>
+            </a:r>
+            <a:r>
+              <a:rPr>
+                <a:latin typeface="Courier"/>
+              </a:rPr>
+              <a:t> </a:t>
+            </a:r>
+            <a:r>
+              <a:rPr>
+                <a:solidFill>
+                  <a:srgbClr val="06287E"/>
+                </a:solidFill>
+                <a:latin typeface="Courier"/>
+              </a:rPr>
+              <a:t>list</a:t>
+            </a:r>
+            <a:r>
+              <a:rPr>
+                <a:latin typeface="Courier"/>
+              </a:rPr>
+              <a:t>(</a:t>
+            </a:r>
+            <a:r>
+              <a:rPr>
+                <a:solidFill>
+                  <a:srgbClr val="4070A0"/>
+                </a:solidFill>
+                <a:latin typeface="Courier"/>
+              </a:rPr>
+              <a:t>~</a:t>
+            </a:r>
+            <a:r>
+              <a:rPr>
+                <a:solidFill>
+                  <a:srgbClr val="40A070"/>
+                </a:solidFill>
+                <a:latin typeface="Courier"/>
+              </a:rPr>
+              <a:t>1</a:t>
+            </a:r>
+            <a:r>
+              <a:rPr>
+                <a:solidFill>
+                  <a:srgbClr val="4070A0"/>
+                </a:solidFill>
+                <a:latin typeface="Courier"/>
+              </a:rPr>
+              <a:t>|</a:t>
+            </a:r>
+            <a:r>
+              <a:rPr>
+                <a:latin typeface="Courier"/>
+              </a:rPr>
+              <a:t>Ref, </a:t>
+            </a:r>
+            <a:r>
+              <a:rPr>
+                <a:solidFill>
+                  <a:srgbClr val="4070A0"/>
+                </a:solidFill>
+                <a:latin typeface="Courier"/>
+              </a:rPr>
+              <a:t>~</a:t>
+            </a:r>
+            <a:r>
+              <a:rPr>
+                <a:solidFill>
+                  <a:srgbClr val="40A070"/>
+                </a:solidFill>
+                <a:latin typeface="Courier"/>
+              </a:rPr>
+              <a:t>1</a:t>
+            </a:r>
+            <a:r>
+              <a:rPr>
+                <a:solidFill>
+                  <a:srgbClr val="4070A0"/>
+                </a:solidFill>
+                <a:latin typeface="Courier"/>
+              </a:rPr>
+              <a:t>|</a:t>
+            </a:r>
+            <a:r>
+              <a:rPr>
+                <a:latin typeface="Courier"/>
+              </a:rPr>
+              <a:t>obs))</a:t>
+            </a:r>
+            <a:br/>
+            <a:r>
+              <a:rPr>
+                <a:solidFill>
+                  <a:srgbClr val="06287E"/>
+                </a:solidFill>
+                <a:latin typeface="Courier"/>
+              </a:rPr>
+              <a:t>summary</a:t>
+            </a:r>
+            <a:r>
+              <a:rPr>
+                <a:latin typeface="Courier"/>
+              </a:rPr>
+              <a:t>(metareg_se_time)</a:t>
+            </a:r>
+          </a:p>
+          <a:p>
+            <a:pPr lvl="0" indent="0">
+              <a:buNone/>
+            </a:pPr>
+            <a:r>
+              <a:rPr>
+                <a:latin typeface="Courier"/>
+              </a:rPr>
+              <a:t>## 
+## Multivariate Meta-Analysis Model (k = 209; method: REML)
+## 
+##   logLik  Deviance       AIC       BIC      AICc  ​ 
+## -74.9818  149.9636  159.9636  176.6030  160.2636   
+## 
+## Variance Components:
+## 
+##             estim    sqrt  nlvls  fixed  factor 
+## sigma^2.1  0.0569  0.2385     62     no     Ref 
+## sigma^2.2  0.0376  0.1940    209     no     obs 
+## 
+## Test for Residual Heterogeneity:
+## QE(df = 206) = 835.6677, p-val &lt; .0001
+## 
+## Test of Moderators (coefficients 2:3):
+## F(df1 = 2, df2 = 59) = 10.2748, p-val = 0.0001
+## 
+## Model Results:
+## 
+##             estimate      se     tval   df    pval    ci.lb    ci.ub    ​ 
+## intrcpt      -0.0202  0.0733  -0.2757   59  0.7837  -0.1669   0.1265     
+## se            1.1444  0.3734   3.0644  206  0.0025   0.4081   1.8806  ** 
+## c_log_year   -0.0949  0.0408  -2.3251   59  0.0235  -0.1765  -0.0132   * 
+## 
+## ---
+## Signif. codes:  0 '***' 0.001 '**' 0.01 '*' 0.05 '.' 0.1 ' ' 1</a:t>
+            </a:r>
+          </a:p>
+          <a:p>
+            <a:pPr lvl="0" indent="0">
+              <a:buNone/>
+            </a:pPr>
+            <a:r>
+              <a:rPr i="1">
+                <a:solidFill>
+                  <a:srgbClr val="60A0B0"/>
+                </a:solidFill>
+                <a:latin typeface="Courier"/>
+              </a:rPr>
+              <a:t># Bubble plots!</a:t>
+            </a:r>
+            <a:br/>
+            <a:r>
+              <a:rPr>
+                <a:latin typeface="Courier"/>
+              </a:rPr>
+              <a:t>p1 </a:t>
+            </a:r>
+            <a:r>
+              <a:rPr>
+                <a:solidFill>
+                  <a:srgbClr val="007020"/>
+                </a:solidFill>
+                <a:latin typeface="Courier"/>
+              </a:rPr>
+              <a:t>&lt;-</a:t>
+            </a:r>
+            <a:r>
+              <a:rPr>
+                <a:latin typeface="Courier"/>
+              </a:rPr>
+              <a:t> orchaRd</a:t>
+            </a:r>
+            <a:r>
+              <a:rPr>
+                <a:solidFill>
+                  <a:srgbClr val="4070A0"/>
+                </a:solidFill>
+                <a:latin typeface="Courier"/>
+              </a:rPr>
+              <a:t>::</a:t>
+            </a:r>
+            <a:r>
+              <a:rPr>
+                <a:solidFill>
+                  <a:srgbClr val="06287E"/>
+                </a:solidFill>
+                <a:latin typeface="Courier"/>
+              </a:rPr>
+              <a:t>bubble_plot</a:t>
+            </a:r>
+            <a:r>
+              <a:rPr>
+                <a:latin typeface="Courier"/>
+              </a:rPr>
+              <a:t>(metareg_se_time, </a:t>
+            </a:r>
+            <a:r>
+              <a:rPr>
+                <a:solidFill>
+                  <a:srgbClr val="7D9029"/>
+                </a:solidFill>
+                <a:latin typeface="Courier"/>
+              </a:rPr>
+              <a:t>mod =</a:t>
+            </a:r>
+            <a:r>
+              <a:rPr>
+                <a:latin typeface="Courier"/>
+              </a:rPr>
+              <a:t> </a:t>
+            </a:r>
+            <a:r>
+              <a:rPr>
+                <a:solidFill>
+                  <a:srgbClr val="4070A0"/>
+                </a:solidFill>
+                <a:latin typeface="Courier"/>
+              </a:rPr>
+              <a:t>"se"</a:t>
+            </a:r>
+            <a:r>
+              <a:rPr>
+                <a:latin typeface="Courier"/>
+              </a:rPr>
+              <a:t>, </a:t>
+            </a:r>
+            <a:r>
+              <a:rPr>
+                <a:solidFill>
+                  <a:srgbClr val="7D9029"/>
+                </a:solidFill>
+                <a:latin typeface="Courier"/>
+              </a:rPr>
+              <a:t>group =</a:t>
+            </a:r>
+            <a:r>
+              <a:rPr>
+                <a:latin typeface="Courier"/>
+              </a:rPr>
+              <a:t> </a:t>
+            </a:r>
+            <a:r>
+              <a:rPr>
+                <a:solidFill>
+                  <a:srgbClr val="4070A0"/>
+                </a:solidFill>
+                <a:latin typeface="Courier"/>
+              </a:rPr>
+              <a:t>"Ref"</a:t>
+            </a:r>
+            <a:r>
+              <a:rPr>
+                <a:latin typeface="Courier"/>
+              </a:rPr>
+              <a:t>, </a:t>
+            </a:r>
+            <a:r>
+              <a:rPr>
+                <a:solidFill>
+                  <a:srgbClr val="7D9029"/>
+                </a:solidFill>
+                <a:latin typeface="Courier"/>
+              </a:rPr>
+              <a:t>data =</a:t>
+            </a:r>
+            <a:r>
+              <a:rPr>
+                <a:latin typeface="Courier"/>
+              </a:rPr>
+              <a:t> arnold_data_endo, </a:t>
+            </a:r>
+            <a:r>
+              <a:rPr>
+                <a:solidFill>
+                  <a:srgbClr val="7D9029"/>
+                </a:solidFill>
+                <a:latin typeface="Courier"/>
+              </a:rPr>
+              <a:t>xlab =</a:t>
+            </a:r>
+            <a:r>
+              <a:rPr>
+                <a:latin typeface="Courier"/>
+              </a:rPr>
+              <a:t> </a:t>
+            </a:r>
+            <a:r>
+              <a:rPr>
+                <a:solidFill>
+                  <a:srgbClr val="4070A0"/>
+                </a:solidFill>
+                <a:latin typeface="Courier"/>
+              </a:rPr>
+              <a:t>"Sampling Standard Error (SE)"</a:t>
+            </a:r>
+            <a:r>
+              <a:rPr>
+                <a:latin typeface="Courier"/>
+              </a:rPr>
+              <a:t>, </a:t>
+            </a:r>
+            <a:r>
+              <a:rPr>
+                <a:solidFill>
+                  <a:srgbClr val="7D9029"/>
+                </a:solidFill>
+                <a:latin typeface="Courier"/>
+              </a:rPr>
+              <a:t>ylab =</a:t>
+            </a:r>
+            <a:r>
+              <a:rPr>
+                <a:latin typeface="Courier"/>
+              </a:rPr>
+              <a:t> </a:t>
+            </a:r>
+            <a:r>
+              <a:rPr>
+                <a:solidFill>
+                  <a:srgbClr val="4070A0"/>
+                </a:solidFill>
+                <a:latin typeface="Courier"/>
+              </a:rPr>
+              <a:t>"Zr"</a:t>
+            </a:r>
+            <a:r>
+              <a:rPr>
+                <a:latin typeface="Courier"/>
+              </a:rPr>
+              <a:t>, </a:t>
+            </a:r>
+            <a:r>
+              <a:rPr>
+                <a:solidFill>
+                  <a:srgbClr val="7D9029"/>
+                </a:solidFill>
+                <a:latin typeface="Courier"/>
+              </a:rPr>
+              <a:t>legend.pos =</a:t>
+            </a:r>
+            <a:r>
+              <a:rPr>
+                <a:latin typeface="Courier"/>
+              </a:rPr>
+              <a:t> </a:t>
+            </a:r>
+            <a:r>
+              <a:rPr>
+                <a:solidFill>
+                  <a:srgbClr val="4070A0"/>
+                </a:solidFill>
+                <a:latin typeface="Courier"/>
+              </a:rPr>
+              <a:t>"bottom.left"</a:t>
+            </a:r>
+            <a:r>
+              <a:rPr>
+                <a:latin typeface="Courier"/>
+              </a:rPr>
+              <a:t>)</a:t>
+            </a:r>
+            <a:br/>
+            <a:br/>
+            <a:r>
+              <a:rPr>
+                <a:latin typeface="Courier"/>
+              </a:rPr>
+              <a:t>p2 </a:t>
+            </a:r>
+            <a:r>
+              <a:rPr>
+                <a:solidFill>
+                  <a:srgbClr val="007020"/>
+                </a:solidFill>
+                <a:latin typeface="Courier"/>
+              </a:rPr>
+              <a:t>&lt;-</a:t>
+            </a:r>
+            <a:r>
+              <a:rPr>
+                <a:latin typeface="Courier"/>
+              </a:rPr>
+              <a:t> orchaRd</a:t>
+            </a:r>
+            <a:r>
+              <a:rPr>
+                <a:solidFill>
+                  <a:srgbClr val="4070A0"/>
+                </a:solidFill>
+                <a:latin typeface="Courier"/>
+              </a:rPr>
+              <a:t>::</a:t>
+            </a:r>
+            <a:r>
+              <a:rPr>
+                <a:solidFill>
+                  <a:srgbClr val="06287E"/>
+                </a:solidFill>
+                <a:latin typeface="Courier"/>
+              </a:rPr>
+              <a:t>bubble_plot</a:t>
+            </a:r>
+            <a:r>
+              <a:rPr>
+                <a:latin typeface="Courier"/>
+              </a:rPr>
+              <a:t>(metareg_se_time, </a:t>
+            </a:r>
+            <a:r>
+              <a:rPr>
+                <a:solidFill>
+                  <a:srgbClr val="7D9029"/>
+                </a:solidFill>
+                <a:latin typeface="Courier"/>
+              </a:rPr>
+              <a:t>mod =</a:t>
+            </a:r>
+            <a:r>
+              <a:rPr>
+                <a:latin typeface="Courier"/>
+              </a:rPr>
+              <a:t> </a:t>
+            </a:r>
+            <a:r>
+              <a:rPr>
+                <a:solidFill>
+                  <a:srgbClr val="4070A0"/>
+                </a:solidFill>
+                <a:latin typeface="Courier"/>
+              </a:rPr>
+              <a:t>"c_log_year"</a:t>
+            </a:r>
+            <a:r>
+              <a:rPr>
+                <a:latin typeface="Courier"/>
+              </a:rPr>
+              <a:t>, </a:t>
+            </a:r>
+            <a:r>
+              <a:rPr>
+                <a:solidFill>
+                  <a:srgbClr val="7D9029"/>
+                </a:solidFill>
+                <a:latin typeface="Courier"/>
+              </a:rPr>
+              <a:t>group =</a:t>
+            </a:r>
+            <a:r>
+              <a:rPr>
+                <a:latin typeface="Courier"/>
+              </a:rPr>
+              <a:t> </a:t>
+            </a:r>
+            <a:r>
+              <a:rPr>
+                <a:solidFill>
+                  <a:srgbClr val="4070A0"/>
+                </a:solidFill>
+                <a:latin typeface="Courier"/>
+              </a:rPr>
+              <a:t>"Ref"</a:t>
+            </a:r>
+            <a:r>
+              <a:rPr>
+                <a:latin typeface="Courier"/>
+              </a:rPr>
+              <a:t>, </a:t>
+            </a:r>
+            <a:r>
+              <a:rPr>
+                <a:solidFill>
+                  <a:srgbClr val="7D9029"/>
+                </a:solidFill>
+                <a:latin typeface="Courier"/>
+              </a:rPr>
+              <a:t>data =</a:t>
+            </a:r>
+            <a:r>
+              <a:rPr>
+                <a:latin typeface="Courier"/>
+              </a:rPr>
+              <a:t> arnold_data_endo, </a:t>
+            </a:r>
+            <a:r>
+              <a:rPr>
+                <a:solidFill>
+                  <a:srgbClr val="7D9029"/>
+                </a:solidFill>
+                <a:latin typeface="Courier"/>
+              </a:rPr>
+              <a:t>xlab =</a:t>
+            </a:r>
+            <a:r>
+              <a:rPr>
+                <a:latin typeface="Courier"/>
+              </a:rPr>
+              <a:t> </a:t>
+            </a:r>
+            <a:r>
+              <a:rPr>
+                <a:solidFill>
+                  <a:srgbClr val="4070A0"/>
+                </a:solidFill>
+                <a:latin typeface="Courier"/>
+              </a:rPr>
+              <a:t>"Publication Year (log-transformed &amp; scaled)"</a:t>
+            </a:r>
+            <a:r>
+              <a:rPr>
+                <a:latin typeface="Courier"/>
+              </a:rPr>
+              <a:t>, </a:t>
+            </a:r>
+            <a:r>
+              <a:rPr>
+                <a:solidFill>
+                  <a:srgbClr val="7D9029"/>
+                </a:solidFill>
+                <a:latin typeface="Courier"/>
+              </a:rPr>
+              <a:t>ylab =</a:t>
+            </a:r>
+            <a:r>
+              <a:rPr>
+                <a:latin typeface="Courier"/>
+              </a:rPr>
+              <a:t> </a:t>
+            </a:r>
+            <a:r>
+              <a:rPr>
+                <a:solidFill>
+                  <a:srgbClr val="4070A0"/>
+                </a:solidFill>
+                <a:latin typeface="Courier"/>
+              </a:rPr>
+              <a:t>"Zr"</a:t>
+            </a:r>
+            <a:r>
+              <a:rPr>
+                <a:latin typeface="Courier"/>
+              </a:rPr>
+              <a:t>, </a:t>
+            </a:r>
+            <a:r>
+              <a:rPr>
+                <a:solidFill>
+                  <a:srgbClr val="7D9029"/>
+                </a:solidFill>
+                <a:latin typeface="Courier"/>
+              </a:rPr>
+              <a:t>legend.pos =</a:t>
+            </a:r>
+            <a:r>
+              <a:rPr>
+                <a:latin typeface="Courier"/>
+              </a:rPr>
+              <a:t> </a:t>
+            </a:r>
+            <a:r>
+              <a:rPr>
+                <a:solidFill>
+                  <a:srgbClr val="4070A0"/>
+                </a:solidFill>
+                <a:latin typeface="Courier"/>
+              </a:rPr>
+              <a:t>"none"</a:t>
+            </a:r>
+            <a:r>
+              <a:rPr>
+                <a:latin typeface="Courier"/>
+              </a:rPr>
+              <a:t>)</a:t>
+            </a:r>
+            <a:br/>
+            <a:br/>
+            <a:r>
+              <a:rPr>
+                <a:latin typeface="Courier"/>
+              </a:rPr>
+              <a:t>p1 </a:t>
+            </a:r>
+            <a:r>
+              <a:rPr>
+                <a:solidFill>
+                  <a:srgbClr val="4070A0"/>
+                </a:solidFill>
+                <a:latin typeface="Courier"/>
+              </a:rPr>
+              <a:t>|</a:t>
+            </a:r>
+            <a:r>
+              <a:rPr>
+                <a:latin typeface="Courier"/>
+              </a:rPr>
+              <a:t> p2</a:t>
+            </a:r>
+          </a:p>
+        </p:txBody>
+      </p:sp>
+      <p:pic>
+        <p:nvPicPr>
+          <p:cNvPr descr="code_slides_files/figure-pptx/unnamed-chunk-10-1.png" id="0" name="Picture 1"/>
+          <p:cNvPicPr>
+            <a:picLocks noGrp="1" noChangeAspect="1"/>
+          </p:cNvPicPr>
+          <p:nvPr/>
+        </p:nvPicPr>
+        <p:blipFill>
+          <a:blip r:embed="rId2"/>
+          <a:stretch>
+            <a:fillRect/>
+          </a:stretch>
+        </p:blipFill>
+        <p:spPr bwMode="auto">
+          <a:xfrm>
+            <a:off x="3568700" y="355600"/>
+            <a:ext cx="5105400" cy="4089400"/>
+          </a:xfrm>
+          <a:prstGeom prst="rect">
+            <a:avLst/>
+          </a:prstGeom>
+          <a:noFill/>
+          <a:ln w="9525">
+            <a:noFill/>
+            <a:headEnd/>
+            <a:tailEnd/>
+          </a:ln>
+        </p:spPr>
+      </p:pic>
+    </p:spTree>
+  </p:cSld>
+</p:sld>
+</file>
+
 <file path=ppt/slides/slide6.xml><?xml version="1.0" encoding="utf-8"?>
 <p:sld xmlns:a="http://schemas.openxmlformats.org/drawingml/2006/main" xmlns:r="http://schemas.openxmlformats.org/officeDocument/2006/relationships" xmlns:p="http://schemas.openxmlformats.org/presentationml/2006/main">
   <p:cSld>
@@ -23146,7 +26277,7 @@
                   <a:rPr>
                     <a:latin typeface="Courier"/>
                   </a:rPr>
-                  <a:t>## [1] 0.1700801</a:t>
+                  <a:t>## [1] 0.1710802</a:t>
                 </a:r>
               </a:p>
             </p:txBody>

--- a/slides/code_slides.pptx
+++ b/slides/code_slides.pptx
@@ -13357,7 +13357,7 @@
               <a:rPr>
                 <a:latin typeface="Courier"/>
               </a:rPr>
-              <a:t>## [1] -0.2072644</a:t>
+              <a:t>## [1] 0.08136944</a:t>
             </a:r>
           </a:p>
           <a:p>
@@ -13392,13 +13392,13 @@
 ##  Welch Two Sample t-test
 ## 
 ## data:  trt_26C and trt_8C
-## t = -1.5054, df = 15.603, p-value = 0.1522
+## t = 0.55994, df = 14.828, p-value = 0.5839
 ## alternative hypothesis: true difference in means is not equal to 0
 ## 95 percent confidence interval:
-##  -0.49974244  0.08521369
+##  -0.2286843  0.3914231
 ## sample estimates:
 ## mean of x mean of y 
-## 0.5791558 0.7864202</a:t>
+## 0.5269779 0.4456085</a:t>
             </a:r>
           </a:p>
         </p:txBody>
@@ -24535,36 +24535,192 @@
           </a:p>
         </p:txBody>
       </p:sp>
-      <p:sp>
-        <p:nvSpPr>
-          <p:cNvPr id="3" name="Content Placeholder 2"/>
-          <p:cNvSpPr>
-            <a:spLocks noGrp="1"/>
-          </p:cNvSpPr>
-          <p:nvPr>
-            <p:ph idx="1"/>
-          </p:nvPr>
-        </p:nvSpPr>
-        <p:spPr/>
-        <p:txBody>
-          <a:bodyPr/>
-          <a:lstStyle/>
-          <a:p>
-            <a:pPr lvl="0" indent="0" marL="0">
-              <a:buNone/>
-            </a:pPr>
-            <a:r>
-              <a:rPr/>
-              <a:t>$$
-\begin{equation}
-y_{i} = \mu + \beta_{se}se +  s_{j[i]} + spp_{k[i]} + e_{i} + m_{i} \\
-(\#eq:itot1)
-\end{equation}
-$$</a:t>
-            </a:r>
-          </a:p>
-        </p:txBody>
-      </p:sp>
+      <mc:AlternateContent xmlns:mc="http://schemas.openxmlformats.org/markup-compatibility/2006">
+        <mc:Choice xmlns:a14="http://schemas.microsoft.com/office/drawing/2010/main" Requires="a14">
+          <p:sp>
+            <p:nvSpPr>
+              <p:cNvPr id="3" name="Content Placeholder 2"/>
+              <p:cNvSpPr>
+                <a:spLocks noGrp="1"/>
+              </p:cNvSpPr>
+              <p:nvPr>
+                <p:ph idx="1"/>
+              </p:nvPr>
+            </p:nvSpPr>
+            <p:spPr/>
+            <p:txBody>
+              <a:bodyPr/>
+              <a:lstStyle/>
+              <a:p>
+                <a:pPr lvl="0" indent="0" marL="0">
+                  <a:buNone/>
+                </a:pPr>
+                <a14:m>
+                  <m:oMathPara xmlns:m="http://schemas.openxmlformats.org/officeDocument/2006/math">
+                    <m:oMathParaPr>
+                      <m:jc m:val="center"/>
+                    </m:oMathParaPr>
+                    <m:oMath>
+                      <m:sSub>
+                        <m:e>
+                          <m:r>
+                            <m:t>y</m:t>
+                          </m:r>
+                        </m:e>
+                        <m:sub>
+                          <m:r>
+                            <m:t>i</m:t>
+                          </m:r>
+                        </m:sub>
+                      </m:sSub>
+                      <m:r>
+                        <m:rPr>
+                          <m:sty m:val="p"/>
+                        </m:rPr>
+                        <m:t>=</m:t>
+                      </m:r>
+                      <m:r>
+                        <m:t>μ</m:t>
+                      </m:r>
+                      <m:r>
+                        <m:rPr>
+                          <m:sty m:val="p"/>
+                        </m:rPr>
+                        <m:t>+</m:t>
+                      </m:r>
+                      <m:sSub>
+                        <m:e>
+                          <m:r>
+                            <m:t>β</m:t>
+                          </m:r>
+                        </m:e>
+                        <m:sub>
+                          <m:r>
+                            <m:t>s</m:t>
+                          </m:r>
+                          <m:r>
+                            <m:t>e</m:t>
+                          </m:r>
+                        </m:sub>
+                      </m:sSub>
+                      <m:r>
+                        <m:t>s</m:t>
+                      </m:r>
+                      <m:r>
+                        <m:t>e</m:t>
+                      </m:r>
+                      <m:r>
+                        <m:rPr>
+                          <m:sty m:val="p"/>
+                        </m:rPr>
+                        <m:t>+</m:t>
+                      </m:r>
+                      <m:sSub>
+                        <m:e>
+                          <m:r>
+                            <m:t>s</m:t>
+                          </m:r>
+                        </m:e>
+                        <m:sub>
+                          <m:r>
+                            <m:t>j</m:t>
+                          </m:r>
+                          <m:d>
+                            <m:dPr>
+                              <m:begChr m:val="["/>
+                              <m:endChr m:val="]"/>
+                              <m:sepChr m:val=""/>
+                              <m:grow/>
+                            </m:dPr>
+                            <m:e>
+                              <m:r>
+                                <m:t>i</m:t>
+                              </m:r>
+                            </m:e>
+                          </m:d>
+                        </m:sub>
+                      </m:sSub>
+                      <m:r>
+                        <m:rPr>
+                          <m:sty m:val="p"/>
+                        </m:rPr>
+                        <m:t>+</m:t>
+                      </m:r>
+                      <m:r>
+                        <m:t>s</m:t>
+                      </m:r>
+                      <m:r>
+                        <m:t>p</m:t>
+                      </m:r>
+                      <m:sSub>
+                        <m:e>
+                          <m:r>
+                            <m:t>p</m:t>
+                          </m:r>
+                        </m:e>
+                        <m:sub>
+                          <m:r>
+                            <m:t>k</m:t>
+                          </m:r>
+                          <m:d>
+                            <m:dPr>
+                              <m:begChr m:val="["/>
+                              <m:endChr m:val="]"/>
+                              <m:sepChr m:val=""/>
+                              <m:grow/>
+                            </m:dPr>
+                            <m:e>
+                              <m:r>
+                                <m:t>i</m:t>
+                              </m:r>
+                            </m:e>
+                          </m:d>
+                        </m:sub>
+                      </m:sSub>
+                      <m:r>
+                        <m:rPr>
+                          <m:sty m:val="p"/>
+                        </m:rPr>
+                        <m:t>+</m:t>
+                      </m:r>
+                      <m:sSub>
+                        <m:e>
+                          <m:r>
+                            <m:t>e</m:t>
+                          </m:r>
+                        </m:e>
+                        <m:sub>
+                          <m:r>
+                            <m:t>i</m:t>
+                          </m:r>
+                        </m:sub>
+                      </m:sSub>
+                      <m:r>
+                        <m:rPr>
+                          <m:sty m:val="p"/>
+                        </m:rPr>
+                        <m:t>+</m:t>
+                      </m:r>
+                      <m:sSub>
+                        <m:e>
+                          <m:r>
+                            <m:t>m</m:t>
+                          </m:r>
+                        </m:e>
+                        <m:sub>
+                          <m:r>
+                            <m:t>i</m:t>
+                          </m:r>
+                        </m:sub>
+                      </m:sSub>
+                    </m:oMath>
+                  </m:oMathPara>
+                </a14:m>
+              </a:p>
+            </p:txBody>
+          </p:sp>
+        </mc:Choice>
+      </mc:AlternateContent>
     </p:spTree>
   </p:cSld>
 </p:sld>
@@ -24612,36 +24768,290 @@
           </a:p>
         </p:txBody>
       </p:sp>
-      <p:sp>
-        <p:nvSpPr>
-          <p:cNvPr id="3" name="Content Placeholder 2"/>
-          <p:cNvSpPr>
-            <a:spLocks noGrp="1"/>
-          </p:cNvSpPr>
-          <p:nvPr>
-            <p:ph idx="1"/>
-          </p:nvPr>
-        </p:nvSpPr>
-        <p:spPr/>
-        <p:txBody>
-          <a:bodyPr/>
-          <a:lstStyle/>
-          <a:p>
-            <a:pPr lvl="0" indent="0" marL="0">
-              <a:buNone/>
-            </a:pPr>
-            <a:r>
-              <a:rPr/>
-              <a:t>$$
-\begin{equation}
-y_{i} = \mu + \sum_{i = 1}^{N_{m}}\beta_{m}x_{m} + \beta_{se}se + \beta_{y}Year +  s_{j[i]} + spp_{k[i]} + e_{i} + m_{i} \\
-(\#eq:itot2)
-\end{equation}
-$$</a:t>
-            </a:r>
-          </a:p>
-        </p:txBody>
-      </p:sp>
+      <mc:AlternateContent xmlns:mc="http://schemas.openxmlformats.org/markup-compatibility/2006">
+        <mc:Choice xmlns:a14="http://schemas.microsoft.com/office/drawing/2010/main" Requires="a14">
+          <p:sp>
+            <p:nvSpPr>
+              <p:cNvPr id="3" name="Content Placeholder 2"/>
+              <p:cNvSpPr>
+                <a:spLocks noGrp="1"/>
+              </p:cNvSpPr>
+              <p:nvPr>
+                <p:ph idx="1"/>
+              </p:nvPr>
+            </p:nvSpPr>
+            <p:spPr/>
+            <p:txBody>
+              <a:bodyPr/>
+              <a:lstStyle/>
+              <a:p>
+                <a:pPr lvl="0" indent="0" marL="0">
+                  <a:buNone/>
+                </a:pPr>
+                <a14:m>
+                  <m:oMathPara xmlns:m="http://schemas.openxmlformats.org/officeDocument/2006/math">
+                    <m:oMathParaPr>
+                      <m:jc m:val="center"/>
+                    </m:oMathParaPr>
+                    <m:oMath>
+                      <m:sSub>
+                        <m:e>
+                          <m:r>
+                            <m:t>y</m:t>
+                          </m:r>
+                        </m:e>
+                        <m:sub>
+                          <m:r>
+                            <m:t>i</m:t>
+                          </m:r>
+                        </m:sub>
+                      </m:sSub>
+                      <m:r>
+                        <m:rPr>
+                          <m:sty m:val="p"/>
+                        </m:rPr>
+                        <m:t>=</m:t>
+                      </m:r>
+                      <m:r>
+                        <m:t>μ</m:t>
+                      </m:r>
+                      <m:r>
+                        <m:rPr>
+                          <m:sty m:val="p"/>
+                        </m:rPr>
+                        <m:t>+</m:t>
+                      </m:r>
+                      <m:nary>
+                        <m:naryPr>
+                          <m:chr m:val="∑"/>
+                          <m:limLoc m:val="undOvr"/>
+                          <m:subHide m:val="0"/>
+                          <m:supHide m:val="0"/>
+                        </m:naryPr>
+                        <m:sub>
+                          <m:r>
+                            <m:t>i</m:t>
+                          </m:r>
+                          <m:r>
+                            <m:rPr>
+                              <m:sty m:val="p"/>
+                            </m:rPr>
+                            <m:t>=</m:t>
+                          </m:r>
+                          <m:r>
+                            <m:t>1</m:t>
+                          </m:r>
+                        </m:sub>
+                        <m:sup>
+                          <m:sSub>
+                            <m:e>
+                              <m:r>
+                                <m:t>N</m:t>
+                              </m:r>
+                            </m:e>
+                            <m:sub>
+                              <m:r>
+                                <m:t>m</m:t>
+                              </m:r>
+                            </m:sub>
+                          </m:sSub>
+                        </m:sup>
+                        <m:e>
+                          <m:sSub>
+                            <m:e>
+                              <m:r>
+                                <m:t>β</m:t>
+                              </m:r>
+                            </m:e>
+                            <m:sub>
+                              <m:r>
+                                <m:t>m</m:t>
+                              </m:r>
+                            </m:sub>
+                          </m:sSub>
+                        </m:e>
+                      </m:nary>
+                      <m:sSub>
+                        <m:e>
+                          <m:r>
+                            <m:t>x</m:t>
+                          </m:r>
+                        </m:e>
+                        <m:sub>
+                          <m:r>
+                            <m:t>m</m:t>
+                          </m:r>
+                        </m:sub>
+                      </m:sSub>
+                      <m:r>
+                        <m:rPr>
+                          <m:sty m:val="p"/>
+                        </m:rPr>
+                        <m:t>+</m:t>
+                      </m:r>
+                      <m:sSub>
+                        <m:e>
+                          <m:r>
+                            <m:t>β</m:t>
+                          </m:r>
+                        </m:e>
+                        <m:sub>
+                          <m:r>
+                            <m:t>s</m:t>
+                          </m:r>
+                          <m:r>
+                            <m:t>e</m:t>
+                          </m:r>
+                        </m:sub>
+                      </m:sSub>
+                      <m:r>
+                        <m:t>s</m:t>
+                      </m:r>
+                      <m:r>
+                        <m:t>e</m:t>
+                      </m:r>
+                      <m:r>
+                        <m:rPr>
+                          <m:sty m:val="p"/>
+                        </m:rPr>
+                        <m:t>+</m:t>
+                      </m:r>
+                      <m:sSub>
+                        <m:e>
+                          <m:r>
+                            <m:t>β</m:t>
+                          </m:r>
+                        </m:e>
+                        <m:sub>
+                          <m:r>
+                            <m:t>y</m:t>
+                          </m:r>
+                        </m:sub>
+                      </m:sSub>
+                      <m:r>
+                        <m:t>Y</m:t>
+                      </m:r>
+                      <m:r>
+                        <m:t>e</m:t>
+                      </m:r>
+                      <m:r>
+                        <m:t>a</m:t>
+                      </m:r>
+                      <m:r>
+                        <m:t>r</m:t>
+                      </m:r>
+                      <m:r>
+                        <m:rPr>
+                          <m:sty m:val="p"/>
+                        </m:rPr>
+                        <m:t>+</m:t>
+                      </m:r>
+                      <m:sSub>
+                        <m:e>
+                          <m:r>
+                            <m:t>s</m:t>
+                          </m:r>
+                        </m:e>
+                        <m:sub>
+                          <m:r>
+                            <m:t>j</m:t>
+                          </m:r>
+                          <m:d>
+                            <m:dPr>
+                              <m:begChr m:val="["/>
+                              <m:endChr m:val="]"/>
+                              <m:sepChr m:val=""/>
+                              <m:grow/>
+                            </m:dPr>
+                            <m:e>
+                              <m:r>
+                                <m:t>i</m:t>
+                              </m:r>
+                            </m:e>
+                          </m:d>
+                        </m:sub>
+                      </m:sSub>
+                      <m:r>
+                        <m:rPr>
+                          <m:sty m:val="p"/>
+                        </m:rPr>
+                        <m:t>+</m:t>
+                      </m:r>
+                      <m:r>
+                        <m:t>s</m:t>
+                      </m:r>
+                      <m:r>
+                        <m:t>p</m:t>
+                      </m:r>
+                      <m:sSub>
+                        <m:e>
+                          <m:r>
+                            <m:t>p</m:t>
+                          </m:r>
+                        </m:e>
+                        <m:sub>
+                          <m:r>
+                            <m:t>k</m:t>
+                          </m:r>
+                          <m:d>
+                            <m:dPr>
+                              <m:begChr m:val="["/>
+                              <m:endChr m:val="]"/>
+                              <m:sepChr m:val=""/>
+                              <m:grow/>
+                            </m:dPr>
+                            <m:e>
+                              <m:r>
+                                <m:t>i</m:t>
+                              </m:r>
+                            </m:e>
+                          </m:d>
+                        </m:sub>
+                      </m:sSub>
+                      <m:r>
+                        <m:rPr>
+                          <m:sty m:val="p"/>
+                        </m:rPr>
+                        <m:t>+</m:t>
+                      </m:r>
+                      <m:sSub>
+                        <m:e>
+                          <m:r>
+                            <m:t>e</m:t>
+                          </m:r>
+                        </m:e>
+                        <m:sub>
+                          <m:r>
+                            <m:t>i</m:t>
+                          </m:r>
+                        </m:sub>
+                      </m:sSub>
+                      <m:r>
+                        <m:rPr>
+                          <m:sty m:val="p"/>
+                        </m:rPr>
+                        <m:t>+</m:t>
+                      </m:r>
+                      <m:sSub>
+                        <m:e>
+                          <m:r>
+                            <m:t>m</m:t>
+                          </m:r>
+                        </m:e>
+                        <m:sub>
+                          <m:r>
+                            <m:t>i</m:t>
+                          </m:r>
+                        </m:sub>
+                      </m:sSub>
+                    </m:oMath>
+                  </m:oMathPara>
+                </a14:m>
+              </a:p>
+            </p:txBody>
+          </p:sp>
+        </mc:Choice>
+      </mc:AlternateContent>
     </p:spTree>
   </p:cSld>
 </p:sld>
@@ -26277,7 +26687,7 @@
                   <a:rPr>
                     <a:latin typeface="Courier"/>
                   </a:rPr>
-                  <a:t>## [1] 0.1710802</a:t>
+                  <a:t>## [1] 0.1707547</a:t>
                 </a:r>
               </a:p>
             </p:txBody>
